--- a/ch07.pptx
+++ b/ch07.pptx
@@ -183,6 +183,36 @@
       </a:defRPr>
     </a:lvl9pPr>
   </p:defaultTextStyle>
+  <p:extLst>
+    <p:ext uri="{EFAFB233-063F-42B5-8137-9DF3F51BA10A}">
+      <p15:sldGuideLst xmlns:p15="http://schemas.microsoft.com/office/powerpoint/2012/main">
+        <p15:guide id="1" orient="horz" pos="816">
+          <p15:clr>
+            <a:srgbClr val="A4A3A4"/>
+          </p15:clr>
+        </p15:guide>
+        <p15:guide id="2" pos="521">
+          <p15:clr>
+            <a:srgbClr val="A4A3A4"/>
+          </p15:clr>
+        </p15:guide>
+      </p15:sldGuideLst>
+    </p:ext>
+    <p:ext uri="{2D200454-40CA-4A62-9FC3-DE9A4176ACB9}">
+      <p15:notesGuideLst xmlns:p15="http://schemas.microsoft.com/office/powerpoint/2012/main">
+        <p15:guide id="1" orient="horz" pos="2928">
+          <p15:clr>
+            <a:srgbClr val="A4A3A4"/>
+          </p15:clr>
+        </p15:guide>
+        <p15:guide id="2" pos="2168">
+          <p15:clr>
+            <a:srgbClr val="A4A3A4"/>
+          </p15:clr>
+        </p15:guide>
+      </p15:notesGuideLst>
+    </p:ext>
+  </p:extLst>
 </p:presentation>
 </file>
 
@@ -596,35 +626,35 @@
           <a:p>
             <a:pPr lvl="0"/>
             <a:r>
-              <a:rPr lang="en-US" noProof="0" smtClean="0"/>
+              <a:rPr lang="en-US" noProof="0"/>
               <a:t>Click to edit Master text styles</a:t>
             </a:r>
           </a:p>
           <a:p>
             <a:pPr lvl="1"/>
             <a:r>
-              <a:rPr lang="en-US" noProof="0" smtClean="0"/>
+              <a:rPr lang="en-US" noProof="0"/>
               <a:t>Second level</a:t>
             </a:r>
           </a:p>
           <a:p>
             <a:pPr lvl="2"/>
             <a:r>
-              <a:rPr lang="en-US" noProof="0" smtClean="0"/>
+              <a:rPr lang="en-US" noProof="0"/>
               <a:t>Third level</a:t>
             </a:r>
           </a:p>
           <a:p>
             <a:pPr lvl="3"/>
             <a:r>
-              <a:rPr lang="en-US" noProof="0" smtClean="0"/>
+              <a:rPr lang="en-US" noProof="0"/>
               <a:t>Fourth level</a:t>
             </a:r>
           </a:p>
           <a:p>
             <a:pPr lvl="4"/>
             <a:r>
-              <a:rPr lang="en-US" noProof="0" smtClean="0"/>
+              <a:rPr lang="en-US" noProof="0"/>
               <a:t>Fifth level</a:t>
             </a:r>
           </a:p>
@@ -934,7 +964,7 @@
           <a:bodyPr/>
           <a:lstStyle/>
           <a:p>
-            <a:endParaRPr lang="zh-TW" altLang="zh-TW" smtClean="0">
+            <a:endParaRPr lang="zh-TW" altLang="zh-TW">
               <a:latin typeface="Times New Roman" pitchFamily="18" charset="0"/>
             </a:endParaRPr>
           </a:p>
@@ -1023,7 +1053,13 @@
           <a:bodyPr/>
           <a:lstStyle/>
           <a:p>
-            <a:endParaRPr lang="zh-TW" altLang="zh-TW" smtClean="0">
+            <a:r>
+              <a:rPr lang="en-US" altLang="zh-TW" dirty="0">
+                <a:latin typeface="Times New Roman" pitchFamily="18" charset="0"/>
+              </a:rPr>
+              <a:t>ok</a:t>
+            </a:r>
+            <a:endParaRPr lang="zh-TW" altLang="zh-TW" dirty="0">
               <a:latin typeface="Times New Roman" pitchFamily="18" charset="0"/>
             </a:endParaRPr>
           </a:p>
@@ -1112,7 +1148,37 @@
           <a:bodyPr/>
           <a:lstStyle/>
           <a:p>
-            <a:endParaRPr lang="zh-TW" altLang="zh-TW" smtClean="0">
+            <a:r>
+              <a:rPr lang="en-US" altLang="zh-TW" dirty="0">
+                <a:latin typeface="Times New Roman" pitchFamily="18" charset="0"/>
+              </a:rPr>
+              <a:t>p1&gt;r1&gt;p2&gt;r3&gt;p3&gt;(</a:t>
+            </a:r>
+            <a:r>
+              <a:rPr lang="zh-TW" altLang="en-US" dirty="0">
+                <a:latin typeface="Times New Roman" pitchFamily="18" charset="0"/>
+              </a:rPr>
+              <a:t>點被占滿要不到</a:t>
+            </a:r>
+            <a:r>
+              <a:rPr lang="en-US" altLang="zh-TW" dirty="0">
+                <a:latin typeface="Times New Roman" pitchFamily="18" charset="0"/>
+              </a:rPr>
+              <a:t>)r2&gt;p1</a:t>
+            </a:r>
+            <a:r>
+              <a:rPr lang="zh-TW" altLang="en-US" dirty="0">
+                <a:latin typeface="Times New Roman" pitchFamily="18" charset="0"/>
+              </a:rPr>
+              <a:t>  那個點能大於一個應該就是</a:t>
+            </a:r>
+            <a:r>
+              <a:rPr lang="en-US" altLang="zh-TW" dirty="0" err="1">
+                <a:latin typeface="Times New Roman" pitchFamily="18" charset="0"/>
+              </a:rPr>
+              <a:t>semap</a:t>
+            </a:r>
+            <a:endParaRPr lang="zh-TW" altLang="zh-TW" dirty="0">
               <a:latin typeface="Times New Roman" pitchFamily="18" charset="0"/>
             </a:endParaRPr>
           </a:p>
@@ -1201,7 +1267,85 @@
           <a:bodyPr/>
           <a:lstStyle/>
           <a:p>
-            <a:endParaRPr lang="zh-TW" altLang="zh-TW" smtClean="0">
+            <a:r>
+              <a:rPr lang="zh-TW" altLang="en-US" dirty="0">
+                <a:latin typeface="Times New Roman" pitchFamily="18" charset="0"/>
+              </a:rPr>
+              <a:t>我是猜</a:t>
+            </a:r>
+            <a:r>
+              <a:rPr lang="en-US" altLang="zh-TW" dirty="0">
+                <a:latin typeface="Times New Roman" pitchFamily="18" charset="0"/>
+              </a:rPr>
+              <a:t>p2</a:t>
+            </a:r>
+            <a:r>
+              <a:rPr lang="zh-TW" altLang="en-US" dirty="0">
+                <a:latin typeface="Times New Roman" pitchFamily="18" charset="0"/>
+              </a:rPr>
+              <a:t>會用完</a:t>
+            </a:r>
+            <a:r>
+              <a:rPr lang="en-US" altLang="zh-TW" dirty="0">
+                <a:latin typeface="Times New Roman" pitchFamily="18" charset="0"/>
+              </a:rPr>
+              <a:t>r1</a:t>
+            </a:r>
+            <a:r>
+              <a:rPr lang="zh-TW" altLang="en-US" dirty="0">
+                <a:latin typeface="Times New Roman" pitchFamily="18" charset="0"/>
+              </a:rPr>
+              <a:t>給</a:t>
+            </a:r>
+            <a:r>
+              <a:rPr lang="en-US" altLang="zh-TW" dirty="0">
+                <a:latin typeface="Times New Roman" pitchFamily="18" charset="0"/>
+              </a:rPr>
+              <a:t>p1</a:t>
+            </a:r>
+            <a:r>
+              <a:rPr lang="zh-TW" altLang="en-US" dirty="0">
+                <a:latin typeface="Times New Roman" pitchFamily="18" charset="0"/>
+              </a:rPr>
+              <a:t>就可執行    </a:t>
+            </a:r>
+            <a:r>
+              <a:rPr lang="en-US" altLang="zh-TW" dirty="0">
+                <a:latin typeface="Times New Roman" pitchFamily="18" charset="0"/>
+              </a:rPr>
+              <a:t>p1</a:t>
+            </a:r>
+            <a:r>
+              <a:rPr lang="zh-TW" altLang="en-US" dirty="0">
+                <a:latin typeface="Times New Roman" pitchFamily="18" charset="0"/>
+              </a:rPr>
+              <a:t>跑完</a:t>
+            </a:r>
+            <a:r>
+              <a:rPr lang="en-US" altLang="zh-TW" dirty="0">
+                <a:latin typeface="Times New Roman" pitchFamily="18" charset="0"/>
+              </a:rPr>
+              <a:t>r2</a:t>
+            </a:r>
+            <a:r>
+              <a:rPr lang="zh-TW" altLang="en-US" dirty="0">
+                <a:latin typeface="Times New Roman" pitchFamily="18" charset="0"/>
+              </a:rPr>
+              <a:t>就釋放</a:t>
+            </a:r>
+            <a:r>
+              <a:rPr lang="en-US" altLang="zh-TW" dirty="0">
+                <a:latin typeface="Times New Roman" pitchFamily="18" charset="0"/>
+              </a:rPr>
+              <a:t>p3</a:t>
+            </a:r>
+            <a:r>
+              <a:rPr lang="zh-TW" altLang="en-US" dirty="0">
+                <a:latin typeface="Times New Roman" pitchFamily="18" charset="0"/>
+              </a:rPr>
+              <a:t>就能跑 </a:t>
+            </a:r>
+            <a:endParaRPr lang="zh-TW" altLang="zh-TW" dirty="0">
               <a:latin typeface="Times New Roman" pitchFamily="18" charset="0"/>
             </a:endParaRPr>
           </a:p>
@@ -1290,7 +1434,7 @@
           <a:bodyPr/>
           <a:lstStyle/>
           <a:p>
-            <a:endParaRPr lang="zh-TW" altLang="zh-TW" smtClean="0">
+            <a:endParaRPr lang="zh-TW" altLang="zh-TW">
               <a:latin typeface="Times New Roman" pitchFamily="18" charset="0"/>
             </a:endParaRPr>
           </a:p>
@@ -1379,7 +1523,7 @@
           <a:bodyPr/>
           <a:lstStyle/>
           <a:p>
-            <a:endParaRPr lang="zh-TW" altLang="zh-TW" smtClean="0">
+            <a:endParaRPr lang="zh-TW" altLang="zh-TW">
               <a:latin typeface="Times New Roman" pitchFamily="18" charset="0"/>
             </a:endParaRPr>
           </a:p>
@@ -1468,7 +1612,7 @@
           <a:bodyPr/>
           <a:lstStyle/>
           <a:p>
-            <a:endParaRPr lang="zh-TW" altLang="zh-TW" smtClean="0">
+            <a:endParaRPr lang="zh-TW" altLang="zh-TW">
               <a:latin typeface="Times New Roman" pitchFamily="18" charset="0"/>
             </a:endParaRPr>
           </a:p>
@@ -1557,7 +1701,7 @@
           <a:bodyPr/>
           <a:lstStyle/>
           <a:p>
-            <a:endParaRPr lang="zh-TW" altLang="zh-TW" smtClean="0">
+            <a:endParaRPr lang="zh-TW" altLang="zh-TW">
               <a:latin typeface="Times New Roman" pitchFamily="18" charset="0"/>
             </a:endParaRPr>
           </a:p>
@@ -1646,7 +1790,7 @@
           <a:bodyPr/>
           <a:lstStyle/>
           <a:p>
-            <a:endParaRPr lang="zh-TW" altLang="zh-TW" smtClean="0">
+            <a:endParaRPr lang="zh-TW" altLang="zh-TW">
               <a:latin typeface="Times New Roman" pitchFamily="18" charset="0"/>
             </a:endParaRPr>
           </a:p>
@@ -1735,7 +1879,7 @@
           <a:bodyPr/>
           <a:lstStyle/>
           <a:p>
-            <a:endParaRPr lang="zh-TW" altLang="zh-TW" smtClean="0">
+            <a:endParaRPr lang="zh-TW" altLang="zh-TW">
               <a:latin typeface="Times New Roman" pitchFamily="18" charset="0"/>
             </a:endParaRPr>
           </a:p>
@@ -1824,7 +1968,7 @@
           <a:bodyPr/>
           <a:lstStyle/>
           <a:p>
-            <a:endParaRPr lang="zh-TW" altLang="zh-TW" smtClean="0">
+            <a:endParaRPr lang="zh-TW" altLang="zh-TW">
               <a:latin typeface="Times New Roman" pitchFamily="18" charset="0"/>
             </a:endParaRPr>
           </a:p>
@@ -1913,7 +2057,7 @@
           <a:bodyPr/>
           <a:lstStyle/>
           <a:p>
-            <a:endParaRPr lang="zh-TW" altLang="zh-TW" smtClean="0">
+            <a:endParaRPr lang="zh-TW" altLang="zh-TW">
               <a:latin typeface="Times New Roman" pitchFamily="18" charset="0"/>
             </a:endParaRPr>
           </a:p>
@@ -2002,7 +2146,7 @@
           <a:bodyPr/>
           <a:lstStyle/>
           <a:p>
-            <a:endParaRPr lang="zh-TW" altLang="zh-TW" smtClean="0">
+            <a:endParaRPr lang="zh-TW" altLang="zh-TW">
               <a:latin typeface="Times New Roman" pitchFamily="18" charset="0"/>
             </a:endParaRPr>
           </a:p>
@@ -2091,7 +2235,7 @@
           <a:bodyPr/>
           <a:lstStyle/>
           <a:p>
-            <a:endParaRPr lang="zh-TW" altLang="zh-TW" smtClean="0">
+            <a:endParaRPr lang="zh-TW" altLang="zh-TW">
               <a:latin typeface="Times New Roman" pitchFamily="18" charset="0"/>
             </a:endParaRPr>
           </a:p>
@@ -2180,7 +2324,7 @@
           <a:bodyPr/>
           <a:lstStyle/>
           <a:p>
-            <a:endParaRPr lang="zh-TW" altLang="zh-TW" smtClean="0">
+            <a:endParaRPr lang="zh-TW" altLang="zh-TW">
               <a:latin typeface="Times New Roman" pitchFamily="18" charset="0"/>
             </a:endParaRPr>
           </a:p>
@@ -2269,7 +2413,7 @@
           <a:bodyPr/>
           <a:lstStyle/>
           <a:p>
-            <a:endParaRPr lang="zh-TW" altLang="zh-TW" smtClean="0">
+            <a:endParaRPr lang="zh-TW" altLang="zh-TW">
               <a:latin typeface="Times New Roman" pitchFamily="18" charset="0"/>
             </a:endParaRPr>
           </a:p>
@@ -2358,7 +2502,7 @@
           <a:bodyPr/>
           <a:lstStyle/>
           <a:p>
-            <a:endParaRPr lang="zh-TW" altLang="zh-TW" smtClean="0">
+            <a:endParaRPr lang="zh-TW" altLang="zh-TW">
               <a:latin typeface="Times New Roman" pitchFamily="18" charset="0"/>
             </a:endParaRPr>
           </a:p>
@@ -2447,7 +2591,13 @@
           <a:bodyPr/>
           <a:lstStyle/>
           <a:p>
-            <a:endParaRPr lang="zh-TW" altLang="zh-TW" smtClean="0">
+            <a:r>
+              <a:rPr lang="zh-TW" altLang="en-US" dirty="0">
+                <a:latin typeface="Times New Roman" pitchFamily="18" charset="0"/>
+              </a:rPr>
+              <a:t>讚</a:t>
+            </a:r>
+            <a:endParaRPr lang="zh-TW" altLang="zh-TW" dirty="0">
               <a:latin typeface="Times New Roman" pitchFamily="18" charset="0"/>
             </a:endParaRPr>
           </a:p>
@@ -2536,7 +2686,7 @@
           <a:bodyPr/>
           <a:lstStyle/>
           <a:p>
-            <a:endParaRPr lang="zh-TW" altLang="zh-TW" smtClean="0">
+            <a:endParaRPr lang="zh-TW" altLang="zh-TW">
               <a:latin typeface="Times New Roman" pitchFamily="18" charset="0"/>
             </a:endParaRPr>
           </a:p>
@@ -2625,7 +2775,19 @@
           <a:bodyPr/>
           <a:lstStyle/>
           <a:p>
-            <a:endParaRPr lang="zh-TW" altLang="zh-TW" smtClean="0">
+            <a:r>
+              <a:rPr lang="en-US" altLang="zh-TW" dirty="0">
+                <a:latin typeface="Times New Roman" pitchFamily="18" charset="0"/>
+              </a:rPr>
+              <a:t>ok  </a:t>
+            </a:r>
+            <a:r>
+              <a:rPr lang="zh-TW" altLang="en-US" dirty="0">
+                <a:latin typeface="Times New Roman" pitchFamily="18" charset="0"/>
+              </a:rPr>
+              <a:t>好像在演算法看過</a:t>
+            </a:r>
+            <a:endParaRPr lang="zh-TW" altLang="zh-TW" dirty="0">
               <a:latin typeface="Times New Roman" pitchFamily="18" charset="0"/>
             </a:endParaRPr>
           </a:p>
@@ -2714,7 +2876,7 @@
           <a:bodyPr/>
           <a:lstStyle/>
           <a:p>
-            <a:endParaRPr lang="zh-TW" altLang="zh-TW" smtClean="0">
+            <a:endParaRPr lang="zh-TW" altLang="zh-TW">
               <a:latin typeface="Times New Roman" pitchFamily="18" charset="0"/>
             </a:endParaRPr>
           </a:p>
@@ -2803,7 +2965,7 @@
           <a:bodyPr/>
           <a:lstStyle/>
           <a:p>
-            <a:endParaRPr lang="zh-TW" altLang="zh-TW" smtClean="0">
+            <a:endParaRPr lang="zh-TW" altLang="zh-TW">
               <a:latin typeface="Times New Roman" pitchFamily="18" charset="0"/>
             </a:endParaRPr>
           </a:p>
@@ -2892,7 +3054,7 @@
           <a:bodyPr/>
           <a:lstStyle/>
           <a:p>
-            <a:endParaRPr lang="zh-TW" altLang="zh-TW" smtClean="0">
+            <a:endParaRPr lang="zh-TW" altLang="zh-TW">
               <a:latin typeface="Times New Roman" pitchFamily="18" charset="0"/>
             </a:endParaRPr>
           </a:p>
@@ -2981,7 +3143,13 @@
           <a:bodyPr/>
           <a:lstStyle/>
           <a:p>
-            <a:endParaRPr lang="zh-TW" altLang="zh-TW" smtClean="0">
+            <a:r>
+              <a:rPr lang="zh-TW" altLang="en-US" dirty="0">
+                <a:latin typeface="Times New Roman" pitchFamily="18" charset="0"/>
+              </a:rPr>
+              <a:t>用聽的理解好了</a:t>
+            </a:r>
+            <a:endParaRPr lang="zh-TW" altLang="zh-TW" dirty="0">
               <a:latin typeface="Times New Roman" pitchFamily="18" charset="0"/>
             </a:endParaRPr>
           </a:p>
@@ -3070,7 +3238,13 @@
           <a:bodyPr/>
           <a:lstStyle/>
           <a:p>
-            <a:endParaRPr lang="zh-TW" altLang="zh-TW" smtClean="0">
+            <a:r>
+              <a:rPr lang="zh-TW" altLang="en-US" dirty="0">
+                <a:latin typeface="Times New Roman" pitchFamily="18" charset="0"/>
+              </a:rPr>
+              <a:t>聽的</a:t>
+            </a:r>
+            <a:endParaRPr lang="zh-TW" altLang="zh-TW" dirty="0">
               <a:latin typeface="Times New Roman" pitchFamily="18" charset="0"/>
             </a:endParaRPr>
           </a:p>
@@ -3159,7 +3333,7 @@
           <a:bodyPr/>
           <a:lstStyle/>
           <a:p>
-            <a:endParaRPr lang="zh-TW" altLang="zh-TW" smtClean="0">
+            <a:endParaRPr lang="zh-TW" altLang="zh-TW">
               <a:latin typeface="Times New Roman" pitchFamily="18" charset="0"/>
             </a:endParaRPr>
           </a:p>
@@ -3248,7 +3422,7 @@
           <a:bodyPr/>
           <a:lstStyle/>
           <a:p>
-            <a:endParaRPr lang="zh-TW" altLang="zh-TW" smtClean="0">
+            <a:endParaRPr lang="zh-TW" altLang="zh-TW">
               <a:latin typeface="Times New Roman" pitchFamily="18" charset="0"/>
             </a:endParaRPr>
           </a:p>
@@ -3337,7 +3511,7 @@
           <a:bodyPr/>
           <a:lstStyle/>
           <a:p>
-            <a:endParaRPr lang="zh-TW" altLang="zh-TW" smtClean="0">
+            <a:endParaRPr lang="zh-TW" altLang="zh-TW">
               <a:latin typeface="Times New Roman" pitchFamily="18" charset="0"/>
             </a:endParaRPr>
           </a:p>
@@ -3426,7 +3600,13 @@
           <a:bodyPr/>
           <a:lstStyle/>
           <a:p>
-            <a:endParaRPr lang="zh-TW" altLang="zh-TW" smtClean="0">
+            <a:r>
+              <a:rPr lang="zh-TW" altLang="en-US" dirty="0">
+                <a:latin typeface="Times New Roman" pitchFamily="18" charset="0"/>
+              </a:rPr>
+              <a:t>應該就把灰點去除掉  或看成邊</a:t>
+            </a:r>
+            <a:endParaRPr lang="zh-TW" altLang="zh-TW" dirty="0">
               <a:latin typeface="Times New Roman" pitchFamily="18" charset="0"/>
             </a:endParaRPr>
           </a:p>
@@ -3515,7 +3695,13 @@
           <a:bodyPr/>
           <a:lstStyle/>
           <a:p>
-            <a:endParaRPr lang="zh-TW" altLang="zh-TW" smtClean="0">
+            <a:r>
+              <a:rPr lang="zh-TW" altLang="en-US" dirty="0">
+                <a:latin typeface="Times New Roman" pitchFamily="18" charset="0"/>
+              </a:rPr>
+              <a:t>聽</a:t>
+            </a:r>
+            <a:endParaRPr lang="zh-TW" altLang="zh-TW" dirty="0">
               <a:latin typeface="Times New Roman" pitchFamily="18" charset="0"/>
             </a:endParaRPr>
           </a:p>
@@ -3604,7 +3790,13 @@
           <a:bodyPr/>
           <a:lstStyle/>
           <a:p>
-            <a:endParaRPr lang="zh-TW" altLang="zh-TW" smtClean="0">
+            <a:r>
+              <a:rPr lang="zh-TW" altLang="en-US" dirty="0">
+                <a:latin typeface="Times New Roman" pitchFamily="18" charset="0"/>
+              </a:rPr>
+              <a:t>感覺很像前面那個</a:t>
+            </a:r>
+            <a:endParaRPr lang="zh-TW" altLang="zh-TW" dirty="0">
               <a:latin typeface="Times New Roman" pitchFamily="18" charset="0"/>
             </a:endParaRPr>
           </a:p>
@@ -3693,7 +3885,13 @@
           <a:bodyPr/>
           <a:lstStyle/>
           <a:p>
-            <a:endParaRPr lang="zh-TW" altLang="zh-TW" smtClean="0">
+            <a:r>
+              <a:rPr lang="zh-TW" altLang="en-US" dirty="0">
+                <a:latin typeface="Times New Roman" pitchFamily="18" charset="0"/>
+              </a:rPr>
+              <a:t>聽</a:t>
+            </a:r>
+            <a:endParaRPr lang="zh-TW" altLang="zh-TW" dirty="0">
               <a:latin typeface="Times New Roman" pitchFamily="18" charset="0"/>
             </a:endParaRPr>
           </a:p>
@@ -3782,7 +3980,7 @@
           <a:bodyPr/>
           <a:lstStyle/>
           <a:p>
-            <a:endParaRPr lang="zh-TW" altLang="zh-TW" smtClean="0">
+            <a:endParaRPr lang="zh-TW" altLang="zh-TW">
               <a:latin typeface="Times New Roman" pitchFamily="18" charset="0"/>
             </a:endParaRPr>
           </a:p>
@@ -3871,7 +4069,7 @@
           <a:bodyPr/>
           <a:lstStyle/>
           <a:p>
-            <a:endParaRPr lang="zh-TW" altLang="zh-TW" smtClean="0">
+            <a:endParaRPr lang="zh-TW" altLang="zh-TW">
               <a:latin typeface="Times New Roman" pitchFamily="18" charset="0"/>
             </a:endParaRPr>
           </a:p>
@@ -3960,7 +4158,7 @@
           <a:bodyPr/>
           <a:lstStyle/>
           <a:p>
-            <a:endParaRPr lang="zh-TW" altLang="zh-TW" smtClean="0">
+            <a:endParaRPr lang="zh-TW" altLang="zh-TW">
               <a:latin typeface="Times New Roman" pitchFamily="18" charset="0"/>
             </a:endParaRPr>
           </a:p>
@@ -4049,7 +4247,7 @@
           <a:bodyPr/>
           <a:lstStyle/>
           <a:p>
-            <a:endParaRPr lang="zh-TW" altLang="zh-TW" smtClean="0">
+            <a:endParaRPr lang="zh-TW" altLang="zh-TW">
               <a:latin typeface="Times New Roman" pitchFamily="18" charset="0"/>
             </a:endParaRPr>
           </a:p>
@@ -4138,7 +4336,7 @@
           <a:bodyPr/>
           <a:lstStyle/>
           <a:p>
-            <a:endParaRPr lang="zh-TW" altLang="zh-TW" smtClean="0">
+            <a:endParaRPr lang="zh-TW" altLang="zh-TW">
               <a:latin typeface="Times New Roman" pitchFamily="18" charset="0"/>
             </a:endParaRPr>
           </a:p>
@@ -4227,7 +4425,7 @@
           <a:bodyPr/>
           <a:lstStyle/>
           <a:p>
-            <a:endParaRPr lang="zh-TW" altLang="zh-TW" smtClean="0">
+            <a:endParaRPr lang="zh-TW" altLang="zh-TW">
               <a:latin typeface="Times New Roman" pitchFamily="18" charset="0"/>
             </a:endParaRPr>
           </a:p>
@@ -4316,7 +4514,7 @@
           <a:bodyPr/>
           <a:lstStyle/>
           <a:p>
-            <a:endParaRPr lang="zh-TW" altLang="zh-TW" smtClean="0">
+            <a:endParaRPr lang="zh-TW" altLang="zh-TW">
               <a:latin typeface="Times New Roman" pitchFamily="18" charset="0"/>
             </a:endParaRPr>
           </a:p>
@@ -4405,7 +4603,7 @@
           <a:bodyPr/>
           <a:lstStyle/>
           <a:p>
-            <a:endParaRPr lang="zh-TW" altLang="zh-TW" smtClean="0">
+            <a:endParaRPr lang="zh-TW" altLang="zh-TW">
               <a:latin typeface="Times New Roman" pitchFamily="18" charset="0"/>
             </a:endParaRPr>
           </a:p>
@@ -4494,7 +4692,7 @@
           <a:bodyPr/>
           <a:lstStyle/>
           <a:p>
-            <a:endParaRPr lang="zh-TW" altLang="zh-TW" smtClean="0">
+            <a:endParaRPr lang="zh-TW" altLang="zh-TW">
               <a:latin typeface="Times New Roman" pitchFamily="18" charset="0"/>
             </a:endParaRPr>
           </a:p>
@@ -4583,7 +4781,19 @@
           <a:bodyPr/>
           <a:lstStyle/>
           <a:p>
-            <a:endParaRPr lang="zh-TW" altLang="zh-TW" smtClean="0">
+            <a:r>
+              <a:rPr lang="en-US" altLang="zh-TW" dirty="0">
+                <a:latin typeface="Times New Roman" pitchFamily="18" charset="0"/>
+              </a:rPr>
+              <a:t>ch6</a:t>
+            </a:r>
+            <a:r>
+              <a:rPr lang="zh-TW" altLang="en-US" dirty="0">
+                <a:latin typeface="Times New Roman" pitchFamily="18" charset="0"/>
+              </a:rPr>
+              <a:t>這四種情況分布在各個地方都說過了</a:t>
+            </a:r>
+            <a:endParaRPr lang="zh-TW" altLang="zh-TW" dirty="0">
               <a:latin typeface="Times New Roman" pitchFamily="18" charset="0"/>
             </a:endParaRPr>
           </a:p>
@@ -4672,7 +4882,7 @@
           <a:bodyPr/>
           <a:lstStyle/>
           <a:p>
-            <a:endParaRPr lang="zh-TW" altLang="zh-TW" smtClean="0">
+            <a:endParaRPr lang="zh-TW" altLang="zh-TW">
               <a:latin typeface="Times New Roman" pitchFamily="18" charset="0"/>
             </a:endParaRPr>
           </a:p>
@@ -4761,7 +4971,7 @@
           <a:bodyPr/>
           <a:lstStyle/>
           <a:p>
-            <a:endParaRPr lang="zh-TW" altLang="zh-TW" smtClean="0">
+            <a:endParaRPr lang="zh-TW" altLang="zh-TW">
               <a:latin typeface="Times New Roman" pitchFamily="18" charset="0"/>
             </a:endParaRPr>
           </a:p>
@@ -5031,13 +5241,6 @@
   <p:clrMapOvr>
     <a:masterClrMapping/>
   </p:clrMapOvr>
-  <p:timing>
-    <p:tnLst>
-      <p:par>
-        <p:cTn id="1" dur="indefinite" restart="never" nodeType="tmRoot"/>
-      </p:par>
-    </p:tnLst>
-  </p:timing>
 </p:sldLayout>
 </file>
 
@@ -5074,10 +5277,9 @@
           <a:lstStyle/>
           <a:p>
             <a:r>
-              <a:rPr lang="en-US" smtClean="0"/>
+              <a:rPr lang="en-US"/>
               <a:t>Click to edit Master title style</a:t>
             </a:r>
-            <a:endParaRPr lang="en-US"/>
           </a:p>
         </p:txBody>
       </p:sp>
@@ -5098,38 +5300,37 @@
           <a:p>
             <a:pPr lvl="0"/>
             <a:r>
-              <a:rPr lang="en-US" smtClean="0"/>
+              <a:rPr lang="en-US"/>
               <a:t>Click to edit Master text styles</a:t>
             </a:r>
           </a:p>
           <a:p>
             <a:pPr lvl="1"/>
             <a:r>
-              <a:rPr lang="en-US" smtClean="0"/>
+              <a:rPr lang="en-US"/>
               <a:t>Second level</a:t>
             </a:r>
           </a:p>
           <a:p>
             <a:pPr lvl="2"/>
             <a:r>
-              <a:rPr lang="en-US" smtClean="0"/>
+              <a:rPr lang="en-US"/>
               <a:t>Third level</a:t>
             </a:r>
           </a:p>
           <a:p>
             <a:pPr lvl="3"/>
             <a:r>
-              <a:rPr lang="en-US" smtClean="0"/>
+              <a:rPr lang="en-US"/>
               <a:t>Fourth level</a:t>
             </a:r>
           </a:p>
           <a:p>
             <a:pPr lvl="4"/>
             <a:r>
-              <a:rPr lang="en-US" smtClean="0"/>
+              <a:rPr lang="en-US"/>
               <a:t>Fifth level</a:t>
             </a:r>
-            <a:endParaRPr lang="en-US"/>
           </a:p>
         </p:txBody>
       </p:sp>
@@ -5179,10 +5380,9 @@
           <a:lstStyle/>
           <a:p>
             <a:r>
-              <a:rPr lang="en-US" smtClean="0"/>
+              <a:rPr lang="en-US"/>
               <a:t>Click to edit Master title style</a:t>
             </a:r>
-            <a:endParaRPr lang="en-US"/>
           </a:p>
         </p:txBody>
       </p:sp>
@@ -5208,38 +5408,37 @@
           <a:p>
             <a:pPr lvl="0"/>
             <a:r>
-              <a:rPr lang="en-US" smtClean="0"/>
+              <a:rPr lang="en-US"/>
               <a:t>Click to edit Master text styles</a:t>
             </a:r>
           </a:p>
           <a:p>
             <a:pPr lvl="1"/>
             <a:r>
-              <a:rPr lang="en-US" smtClean="0"/>
+              <a:rPr lang="en-US"/>
               <a:t>Second level</a:t>
             </a:r>
           </a:p>
           <a:p>
             <a:pPr lvl="2"/>
             <a:r>
-              <a:rPr lang="en-US" smtClean="0"/>
+              <a:rPr lang="en-US"/>
               <a:t>Third level</a:t>
             </a:r>
           </a:p>
           <a:p>
             <a:pPr lvl="3"/>
             <a:r>
-              <a:rPr lang="en-US" smtClean="0"/>
+              <a:rPr lang="en-US"/>
               <a:t>Fourth level</a:t>
             </a:r>
           </a:p>
           <a:p>
             <a:pPr lvl="4"/>
             <a:r>
-              <a:rPr lang="en-US" smtClean="0"/>
+              <a:rPr lang="en-US"/>
               <a:t>Fifth level</a:t>
             </a:r>
-            <a:endParaRPr lang="en-US"/>
           </a:p>
         </p:txBody>
       </p:sp>
@@ -5284,10 +5483,9 @@
           <a:lstStyle/>
           <a:p>
             <a:r>
-              <a:rPr lang="en-US" smtClean="0"/>
+              <a:rPr lang="en-US"/>
               <a:t>Click to edit Master title style</a:t>
             </a:r>
-            <a:endParaRPr lang="en-US"/>
           </a:p>
         </p:txBody>
       </p:sp>
@@ -5308,38 +5506,37 @@
           <a:p>
             <a:pPr lvl="0"/>
             <a:r>
-              <a:rPr lang="en-US" smtClean="0"/>
+              <a:rPr lang="en-US"/>
               <a:t>Click to edit Master text styles</a:t>
             </a:r>
           </a:p>
           <a:p>
             <a:pPr lvl="1"/>
             <a:r>
-              <a:rPr lang="en-US" smtClean="0"/>
+              <a:rPr lang="en-US"/>
               <a:t>Second level</a:t>
             </a:r>
           </a:p>
           <a:p>
             <a:pPr lvl="2"/>
             <a:r>
-              <a:rPr lang="en-US" smtClean="0"/>
+              <a:rPr lang="en-US"/>
               <a:t>Third level</a:t>
             </a:r>
           </a:p>
           <a:p>
             <a:pPr lvl="3"/>
             <a:r>
-              <a:rPr lang="en-US" smtClean="0"/>
+              <a:rPr lang="en-US"/>
               <a:t>Fourth level</a:t>
             </a:r>
           </a:p>
           <a:p>
             <a:pPr lvl="4"/>
             <a:r>
-              <a:rPr lang="en-US" smtClean="0"/>
+              <a:rPr lang="en-US"/>
               <a:t>Fifth level</a:t>
             </a:r>
-            <a:endParaRPr lang="en-US"/>
           </a:p>
         </p:txBody>
       </p:sp>
@@ -5348,13 +5545,6 @@
   <p:clrMapOvr>
     <a:masterClrMapping/>
   </p:clrMapOvr>
-  <p:timing>
-    <p:tnLst>
-      <p:par>
-        <p:cTn id="1" dur="indefinite" restart="never" nodeType="tmRoot"/>
-      </p:par>
-    </p:tnLst>
-  </p:timing>
 </p:sldLayout>
 </file>
 
@@ -5400,10 +5590,9 @@
           </a:lstStyle>
           <a:p>
             <a:r>
-              <a:rPr lang="en-US" smtClean="0"/>
+              <a:rPr lang="en-US"/>
               <a:t>Click to edit Master title style</a:t>
             </a:r>
-            <a:endParaRPr lang="en-US"/>
           </a:p>
         </p:txBody>
       </p:sp>
@@ -5466,7 +5655,7 @@
           <a:p>
             <a:pPr lvl="0"/>
             <a:r>
-              <a:rPr lang="en-US" smtClean="0"/>
+              <a:rPr lang="en-US"/>
               <a:t>Click to edit Master text styles</a:t>
             </a:r>
           </a:p>
@@ -5513,10 +5702,9 @@
           <a:lstStyle/>
           <a:p>
             <a:r>
-              <a:rPr lang="en-US" smtClean="0"/>
+              <a:rPr lang="en-US"/>
               <a:t>Click to edit Master title style</a:t>
             </a:r>
-            <a:endParaRPr lang="en-US"/>
           </a:p>
         </p:txBody>
       </p:sp>
@@ -5570,38 +5758,37 @@
           <a:p>
             <a:pPr lvl="0"/>
             <a:r>
-              <a:rPr lang="en-US" smtClean="0"/>
+              <a:rPr lang="en-US"/>
               <a:t>Click to edit Master text styles</a:t>
             </a:r>
           </a:p>
           <a:p>
             <a:pPr lvl="1"/>
             <a:r>
-              <a:rPr lang="en-US" smtClean="0"/>
+              <a:rPr lang="en-US"/>
               <a:t>Second level</a:t>
             </a:r>
           </a:p>
           <a:p>
             <a:pPr lvl="2"/>
             <a:r>
-              <a:rPr lang="en-US" smtClean="0"/>
+              <a:rPr lang="en-US"/>
               <a:t>Third level</a:t>
             </a:r>
           </a:p>
           <a:p>
             <a:pPr lvl="3"/>
             <a:r>
-              <a:rPr lang="en-US" smtClean="0"/>
+              <a:rPr lang="en-US"/>
               <a:t>Fourth level</a:t>
             </a:r>
           </a:p>
           <a:p>
             <a:pPr lvl="4"/>
             <a:r>
-              <a:rPr lang="en-US" smtClean="0"/>
+              <a:rPr lang="en-US"/>
               <a:t>Fifth level</a:t>
             </a:r>
-            <a:endParaRPr lang="en-US"/>
           </a:p>
         </p:txBody>
       </p:sp>
@@ -5655,38 +5842,37 @@
           <a:p>
             <a:pPr lvl="0"/>
             <a:r>
-              <a:rPr lang="en-US" smtClean="0"/>
+              <a:rPr lang="en-US"/>
               <a:t>Click to edit Master text styles</a:t>
             </a:r>
           </a:p>
           <a:p>
             <a:pPr lvl="1"/>
             <a:r>
-              <a:rPr lang="en-US" smtClean="0"/>
+              <a:rPr lang="en-US"/>
               <a:t>Second level</a:t>
             </a:r>
           </a:p>
           <a:p>
             <a:pPr lvl="2"/>
             <a:r>
-              <a:rPr lang="en-US" smtClean="0"/>
+              <a:rPr lang="en-US"/>
               <a:t>Third level</a:t>
             </a:r>
           </a:p>
           <a:p>
             <a:pPr lvl="3"/>
             <a:r>
-              <a:rPr lang="en-US" smtClean="0"/>
+              <a:rPr lang="en-US"/>
               <a:t>Fourth level</a:t>
             </a:r>
           </a:p>
           <a:p>
             <a:pPr lvl="4"/>
             <a:r>
-              <a:rPr lang="en-US" smtClean="0"/>
+              <a:rPr lang="en-US"/>
               <a:t>Fifth level</a:t>
             </a:r>
-            <a:endParaRPr lang="en-US"/>
           </a:p>
         </p:txBody>
       </p:sp>
@@ -5740,10 +5926,9 @@
           </a:lstStyle>
           <a:p>
             <a:r>
-              <a:rPr lang="en-US" smtClean="0"/>
+              <a:rPr lang="en-US"/>
               <a:t>Click to edit Master title style</a:t>
             </a:r>
-            <a:endParaRPr lang="en-US"/>
           </a:p>
         </p:txBody>
       </p:sp>
@@ -5806,7 +5991,7 @@
           <a:p>
             <a:pPr lvl="0"/>
             <a:r>
-              <a:rPr lang="en-US" smtClean="0"/>
+              <a:rPr lang="en-US"/>
               <a:t>Click to edit Master text styles</a:t>
             </a:r>
           </a:p>
@@ -5862,38 +6047,37 @@
           <a:p>
             <a:pPr lvl="0"/>
             <a:r>
-              <a:rPr lang="en-US" smtClean="0"/>
+              <a:rPr lang="en-US"/>
               <a:t>Click to edit Master text styles</a:t>
             </a:r>
           </a:p>
           <a:p>
             <a:pPr lvl="1"/>
             <a:r>
-              <a:rPr lang="en-US" smtClean="0"/>
+              <a:rPr lang="en-US"/>
               <a:t>Second level</a:t>
             </a:r>
           </a:p>
           <a:p>
             <a:pPr lvl="2"/>
             <a:r>
-              <a:rPr lang="en-US" smtClean="0"/>
+              <a:rPr lang="en-US"/>
               <a:t>Third level</a:t>
             </a:r>
           </a:p>
           <a:p>
             <a:pPr lvl="3"/>
             <a:r>
-              <a:rPr lang="en-US" smtClean="0"/>
+              <a:rPr lang="en-US"/>
               <a:t>Fourth level</a:t>
             </a:r>
           </a:p>
           <a:p>
             <a:pPr lvl="4"/>
             <a:r>
-              <a:rPr lang="en-US" smtClean="0"/>
+              <a:rPr lang="en-US"/>
               <a:t>Fifth level</a:t>
             </a:r>
-            <a:endParaRPr lang="en-US"/>
           </a:p>
         </p:txBody>
       </p:sp>
@@ -5956,7 +6140,7 @@
           <a:p>
             <a:pPr lvl="0"/>
             <a:r>
-              <a:rPr lang="en-US" smtClean="0"/>
+              <a:rPr lang="en-US"/>
               <a:t>Click to edit Master text styles</a:t>
             </a:r>
           </a:p>
@@ -6012,38 +6196,37 @@
           <a:p>
             <a:pPr lvl="0"/>
             <a:r>
-              <a:rPr lang="en-US" smtClean="0"/>
+              <a:rPr lang="en-US"/>
               <a:t>Click to edit Master text styles</a:t>
             </a:r>
           </a:p>
           <a:p>
             <a:pPr lvl="1"/>
             <a:r>
-              <a:rPr lang="en-US" smtClean="0"/>
+              <a:rPr lang="en-US"/>
               <a:t>Second level</a:t>
             </a:r>
           </a:p>
           <a:p>
             <a:pPr lvl="2"/>
             <a:r>
-              <a:rPr lang="en-US" smtClean="0"/>
+              <a:rPr lang="en-US"/>
               <a:t>Third level</a:t>
             </a:r>
           </a:p>
           <a:p>
             <a:pPr lvl="3"/>
             <a:r>
-              <a:rPr lang="en-US" smtClean="0"/>
+              <a:rPr lang="en-US"/>
               <a:t>Fourth level</a:t>
             </a:r>
           </a:p>
           <a:p>
             <a:pPr lvl="4"/>
             <a:r>
-              <a:rPr lang="en-US" smtClean="0"/>
+              <a:rPr lang="en-US"/>
               <a:t>Fifth level</a:t>
             </a:r>
-            <a:endParaRPr lang="en-US"/>
           </a:p>
         </p:txBody>
       </p:sp>
@@ -6088,10 +6271,9 @@
           <a:lstStyle/>
           <a:p>
             <a:r>
-              <a:rPr lang="en-US" smtClean="0"/>
+              <a:rPr lang="en-US"/>
               <a:t>Click to edit Master title style</a:t>
             </a:r>
-            <a:endParaRPr lang="en-US"/>
           </a:p>
         </p:txBody>
       </p:sp>
@@ -6170,10 +6352,9 @@
           </a:lstStyle>
           <a:p>
             <a:r>
-              <a:rPr lang="en-US" smtClean="0"/>
+              <a:rPr lang="en-US"/>
               <a:t>Click to edit Master title style</a:t>
             </a:r>
-            <a:endParaRPr lang="en-US"/>
           </a:p>
         </p:txBody>
       </p:sp>
@@ -6227,38 +6408,37 @@
           <a:p>
             <a:pPr lvl="0"/>
             <a:r>
-              <a:rPr lang="en-US" smtClean="0"/>
+              <a:rPr lang="en-US"/>
               <a:t>Click to edit Master text styles</a:t>
             </a:r>
           </a:p>
           <a:p>
             <a:pPr lvl="1"/>
             <a:r>
-              <a:rPr lang="en-US" smtClean="0"/>
+              <a:rPr lang="en-US"/>
               <a:t>Second level</a:t>
             </a:r>
           </a:p>
           <a:p>
             <a:pPr lvl="2"/>
             <a:r>
-              <a:rPr lang="en-US" smtClean="0"/>
+              <a:rPr lang="en-US"/>
               <a:t>Third level</a:t>
             </a:r>
           </a:p>
           <a:p>
             <a:pPr lvl="3"/>
             <a:r>
-              <a:rPr lang="en-US" smtClean="0"/>
+              <a:rPr lang="en-US"/>
               <a:t>Fourth level</a:t>
             </a:r>
           </a:p>
           <a:p>
             <a:pPr lvl="4"/>
             <a:r>
-              <a:rPr lang="en-US" smtClean="0"/>
+              <a:rPr lang="en-US"/>
               <a:t>Fifth level</a:t>
             </a:r>
-            <a:endParaRPr lang="en-US"/>
           </a:p>
         </p:txBody>
       </p:sp>
@@ -6321,7 +6501,7 @@
           <a:p>
             <a:pPr lvl="0"/>
             <a:r>
-              <a:rPr lang="en-US" smtClean="0"/>
+              <a:rPr lang="en-US"/>
               <a:t>Click to edit Master text styles</a:t>
             </a:r>
           </a:p>
@@ -6377,10 +6557,9 @@
           </a:lstStyle>
           <a:p>
             <a:r>
-              <a:rPr lang="en-US" smtClean="0"/>
+              <a:rPr lang="en-US"/>
               <a:t>Click to edit Master title style</a:t>
             </a:r>
-            <a:endParaRPr lang="en-US"/>
           </a:p>
         </p:txBody>
       </p:sp>
@@ -6442,7 +6621,7 @@
           </a:lstStyle>
           <a:p>
             <a:pPr lvl="0"/>
-            <a:endParaRPr lang="en-US" noProof="0" smtClean="0"/>
+            <a:endParaRPr lang="en-US" noProof="0"/>
           </a:p>
         </p:txBody>
       </p:sp>
@@ -6505,7 +6684,7 @@
           <a:p>
             <a:pPr lvl="0"/>
             <a:r>
-              <a:rPr lang="en-US" smtClean="0"/>
+              <a:rPr lang="en-US"/>
               <a:t>Click to edit Master text styles</a:t>
             </a:r>
           </a:p>
@@ -6580,7 +6759,7 @@
           <a:p>
             <a:pPr lvl="0"/>
             <a:r>
-              <a:rPr lang="en-US" altLang="zh-TW" dirty="0" smtClean="0"/>
+              <a:rPr lang="en-US" altLang="zh-TW" dirty="0"/>
               <a:t>Click to edit Master title style</a:t>
             </a:r>
           </a:p>
@@ -6622,35 +6801,35 @@
           <a:p>
             <a:pPr lvl="0"/>
             <a:r>
-              <a:rPr lang="en-US" altLang="zh-TW" smtClean="0"/>
+              <a:rPr lang="en-US" altLang="zh-TW"/>
               <a:t>Click to edit Master text styles</a:t>
             </a:r>
           </a:p>
           <a:p>
             <a:pPr lvl="1"/>
             <a:r>
-              <a:rPr lang="en-US" altLang="zh-TW" smtClean="0"/>
+              <a:rPr lang="en-US" altLang="zh-TW"/>
               <a:t>Second level</a:t>
             </a:r>
           </a:p>
           <a:p>
             <a:pPr lvl="2"/>
             <a:r>
-              <a:rPr lang="en-US" altLang="zh-TW" smtClean="0"/>
+              <a:rPr lang="en-US" altLang="zh-TW"/>
               <a:t>Third level</a:t>
             </a:r>
           </a:p>
           <a:p>
             <a:pPr lvl="3"/>
             <a:r>
-              <a:rPr lang="en-US" altLang="zh-TW" smtClean="0"/>
+              <a:rPr lang="en-US" altLang="zh-TW"/>
               <a:t>Fourth level</a:t>
             </a:r>
           </a:p>
           <a:p>
             <a:pPr lvl="4"/>
             <a:r>
-              <a:rPr lang="en-US" altLang="zh-TW" smtClean="0"/>
+              <a:rPr lang="en-US" altLang="zh-TW"/>
               <a:t>Fifth level</a:t>
             </a:r>
           </a:p>
@@ -6855,7 +7034,7 @@
               <a:defRPr/>
             </a:pPr>
             <a:r>
-              <a:rPr lang="en-US" altLang="zh-TW" sz="1400" b="1" dirty="0" smtClean="0">
+              <a:rPr lang="en-US" altLang="zh-TW" sz="1400" b="1" dirty="0">
                 <a:solidFill>
                   <a:schemeClr val="tx1"/>
                 </a:solidFill>
@@ -6903,13 +7082,6 @@
     <p:sldLayoutId id="2147483851" r:id="rId10"/>
     <p:sldLayoutId id="2147483852" r:id="rId11"/>
   </p:sldLayoutIdLst>
-  <p:timing>
-    <p:tnLst>
-      <p:par>
-        <p:cTn id="1" dur="indefinite" restart="never" nodeType="tmRoot"/>
-      </p:par>
-    </p:tnLst>
-  </p:timing>
   <p:txStyles>
     <p:titleStyle>
       <a:lvl1pPr algn="ctr" rtl="0" eaLnBrk="0" fontAlgn="base" hangingPunct="0">
@@ -7373,7 +7545,7 @@
           <a:p>
             <a:pPr eaLnBrk="1" hangingPunct="1"/>
             <a:r>
-              <a:rPr lang="en-US" altLang="zh-TW" sz="6000" dirty="0" smtClean="0"/>
+              <a:rPr lang="en-US" altLang="zh-TW" sz="6000" dirty="0"/>
               <a:t>Chapter 7:  Deadlocks</a:t>
             </a:r>
           </a:p>
@@ -7384,13 +7556,6 @@
   <p:clrMapOvr>
     <a:masterClrMapping/>
   </p:clrMapOvr>
-  <p:timing>
-    <p:tnLst>
-      <p:par>
-        <p:cTn id="1" dur="indefinite" restart="never" nodeType="tmRoot"/>
-      </p:par>
-    </p:tnLst>
-  </p:timing>
 </p:sld>
 </file>
 
@@ -7433,7 +7598,7 @@
           <a:p>
             <a:pPr eaLnBrk="1" hangingPunct="1"/>
             <a:r>
-              <a:rPr lang="en-US" altLang="zh-TW" dirty="0" smtClean="0"/>
+              <a:rPr lang="en-US" altLang="zh-TW" dirty="0"/>
               <a:t>Example of a Resource Allocation Graph</a:t>
             </a:r>
           </a:p>
@@ -7476,13 +7641,6 @@
   <p:clrMapOvr>
     <a:masterClrMapping/>
   </p:clrMapOvr>
-  <p:timing>
-    <p:tnLst>
-      <p:par>
-        <p:cTn id="1" dur="indefinite" restart="never" nodeType="tmRoot"/>
-      </p:par>
-    </p:tnLst>
-  </p:timing>
 </p:sld>
 </file>
 
@@ -7525,7 +7683,7 @@
           <a:p>
             <a:pPr eaLnBrk="1" hangingPunct="1"/>
             <a:r>
-              <a:rPr lang="en-US" altLang="zh-TW" sz="3200" dirty="0" smtClean="0"/>
+              <a:rPr lang="en-US" altLang="zh-TW" sz="3200" dirty="0"/>
               <a:t>Resource Allocation Graph With A Deadlock</a:t>
             </a:r>
           </a:p>
@@ -7568,13 +7726,6 @@
   <p:clrMapOvr>
     <a:masterClrMapping/>
   </p:clrMapOvr>
-  <p:timing>
-    <p:tnLst>
-      <p:par>
-        <p:cTn id="1" dur="indefinite" restart="never" nodeType="tmRoot"/>
-      </p:par>
-    </p:tnLst>
-  </p:timing>
 </p:sld>
 </file>
 
@@ -7617,7 +7768,7 @@
           <a:p>
             <a:pPr eaLnBrk="1" hangingPunct="1"/>
             <a:r>
-              <a:rPr lang="en-US" altLang="zh-TW" dirty="0" smtClean="0"/>
+              <a:rPr lang="en-US" altLang="zh-TW" dirty="0"/>
               <a:t>Graph With A Cycle But No Deadlock</a:t>
             </a:r>
           </a:p>
@@ -7660,13 +7811,6 @@
   <p:clrMapOvr>
     <a:masterClrMapping/>
   </p:clrMapOvr>
-  <p:timing>
-    <p:tnLst>
-      <p:par>
-        <p:cTn id="1" dur="indefinite" restart="never" nodeType="tmRoot"/>
-      </p:par>
-    </p:tnLst>
-  </p:timing>
 </p:sld>
 </file>
 
@@ -7704,7 +7848,7 @@
           <a:p>
             <a:pPr eaLnBrk="1" hangingPunct="1"/>
             <a:r>
-              <a:rPr lang="en-US" altLang="zh-TW" smtClean="0"/>
+              <a:rPr lang="en-US" altLang="zh-TW" dirty="0"/>
               <a:t>Basic Facts</a:t>
             </a:r>
           </a:p>
@@ -7731,11 +7875,11 @@
           <a:lstStyle/>
           <a:p>
             <a:r>
-              <a:rPr lang="en-US" altLang="zh-TW" sz="2800" dirty="0" smtClean="0"/>
+              <a:rPr lang="en-US" altLang="zh-TW" sz="2800" dirty="0"/>
               <a:t>If graph contains </a:t>
             </a:r>
             <a:r>
-              <a:rPr lang="en-US" altLang="zh-TW" sz="2800" dirty="0" smtClean="0">
+              <a:rPr lang="en-US" altLang="zh-TW" sz="2800" dirty="0">
                 <a:solidFill>
                   <a:srgbClr val="FF0000"/>
                 </a:solidFill>
@@ -7743,7 +7887,7 @@
               <a:t>no cycles </a:t>
             </a:r>
             <a:r>
-              <a:rPr lang="en-US" altLang="zh-TW" sz="2800" dirty="0" smtClean="0">
+              <a:rPr lang="en-US" altLang="zh-TW" sz="2800" dirty="0">
                 <a:solidFill>
                   <a:srgbClr val="FF0000"/>
                 </a:solidFill>
@@ -7754,7 +7898,7 @@
           </a:p>
           <a:p>
             <a:r>
-              <a:rPr lang="en-US" altLang="zh-TW" sz="2800" dirty="0" smtClean="0">
+              <a:rPr lang="en-US" altLang="zh-TW" sz="2800" dirty="0">
                 <a:sym typeface="Symbol" pitchFamily="18" charset="2"/>
               </a:rPr>
               <a:t>If graph contains a cycle </a:t>
@@ -7763,7 +7907,7 @@
           <a:p>
             <a:pPr lvl="1"/>
             <a:r>
-              <a:rPr lang="en-US" altLang="zh-TW" sz="2800" dirty="0" smtClean="0">
+              <a:rPr lang="en-US" altLang="zh-TW" sz="2800" dirty="0">
                 <a:sym typeface="Symbol" pitchFamily="18" charset="2"/>
               </a:rPr>
               <a:t>if only one instance per resource type, then deadlock</a:t>
@@ -7772,7 +7916,7 @@
           <a:p>
             <a:pPr lvl="1"/>
             <a:r>
-              <a:rPr lang="en-US" altLang="zh-TW" sz="2800" dirty="0" smtClean="0">
+              <a:rPr lang="en-US" altLang="zh-TW" sz="2800" dirty="0">
                 <a:sym typeface="Symbol" pitchFamily="18" charset="2"/>
               </a:rPr>
               <a:t>if several instances per resource type, possibility of deadlock</a:t>
@@ -8063,7 +8207,7 @@
           <a:p>
             <a:pPr eaLnBrk="1" hangingPunct="1"/>
             <a:r>
-              <a:rPr lang="en-US" altLang="zh-TW" smtClean="0"/>
+              <a:rPr lang="en-US" altLang="zh-TW"/>
               <a:t>Methods for Handling Deadlocks</a:t>
             </a:r>
           </a:p>
@@ -8090,11 +8234,11 @@
           <a:lstStyle/>
           <a:p>
             <a:r>
-              <a:rPr lang="en-US" altLang="zh-TW" sz="2800" dirty="0" smtClean="0"/>
+              <a:rPr lang="en-US" altLang="zh-TW" sz="2800" dirty="0"/>
               <a:t>Ensure that the system will </a:t>
             </a:r>
             <a:r>
-              <a:rPr lang="en-US" altLang="zh-TW" sz="2800" i="1" dirty="0" smtClean="0">
+              <a:rPr lang="en-US" altLang="zh-TW" sz="2800" i="1" dirty="0">
                 <a:solidFill>
                   <a:srgbClr val="FF0000"/>
                 </a:solidFill>
@@ -8102,17 +8246,17 @@
               <a:t>never</a:t>
             </a:r>
             <a:r>
-              <a:rPr lang="en-US" altLang="zh-TW" sz="2800" dirty="0" smtClean="0"/>
+              <a:rPr lang="en-US" altLang="zh-TW" sz="2800" dirty="0"/>
               <a:t> enter a deadlock state </a:t>
             </a:r>
           </a:p>
           <a:p>
             <a:r>
-              <a:rPr lang="en-US" altLang="zh-TW" sz="2800" dirty="0" smtClean="0"/>
+              <a:rPr lang="en-US" altLang="zh-TW" sz="2800" dirty="0"/>
               <a:t>Allow the system to enter a deadlock state and then </a:t>
             </a:r>
             <a:r>
-              <a:rPr lang="en-US" altLang="zh-TW" sz="2800" dirty="0" smtClean="0">
+              <a:rPr lang="en-US" altLang="zh-TW" sz="2800" dirty="0">
                 <a:solidFill>
                   <a:srgbClr val="FF0000"/>
                 </a:solidFill>
@@ -8122,7 +8266,7 @@
           </a:p>
           <a:p>
             <a:r>
-              <a:rPr lang="en-US" altLang="zh-TW" sz="2800" dirty="0" smtClean="0"/>
+              <a:rPr lang="en-US" altLang="zh-TW" sz="2800" dirty="0"/>
               <a:t>Ignore the problem and pretend that deadlocks never occur in the system; used by most operating systems, including UNIX</a:t>
             </a:r>
           </a:p>
@@ -8386,7 +8530,7 @@
           <a:p>
             <a:pPr eaLnBrk="1" hangingPunct="1"/>
             <a:r>
-              <a:rPr lang="en-US" altLang="zh-TW" smtClean="0"/>
+              <a:rPr lang="en-US" altLang="zh-TW"/>
               <a:t>Deadlock Prevention</a:t>
             </a:r>
           </a:p>
@@ -8413,7 +8557,7 @@
           <a:lstStyle/>
           <a:p>
             <a:r>
-              <a:rPr lang="en-US" altLang="zh-TW" sz="2400" b="1" dirty="0" smtClean="0">
+              <a:rPr lang="en-US" altLang="zh-TW" sz="2400" b="1" dirty="0">
                 <a:solidFill>
                   <a:srgbClr val="FF0000"/>
                 </a:solidFill>
@@ -8421,7 +8565,7 @@
               <a:t>Mutual Exclusion</a:t>
             </a:r>
             <a:r>
-              <a:rPr lang="en-US" altLang="zh-TW" sz="2400" dirty="0" smtClean="0">
+              <a:rPr lang="en-US" altLang="zh-TW" sz="2400" dirty="0">
                 <a:solidFill>
                   <a:srgbClr val="FF0000"/>
                 </a:solidFill>
@@ -8429,21 +8573,21 @@
               <a:t> </a:t>
             </a:r>
             <a:r>
-              <a:rPr lang="en-US" altLang="zh-TW" sz="2400" dirty="0" smtClean="0"/>
+              <a:rPr lang="en-US" altLang="zh-TW" sz="2400" dirty="0"/>
               <a:t>– not required for sharable resources; must hold for </a:t>
             </a:r>
             <a:r>
-              <a:rPr lang="en-US" altLang="zh-TW" sz="2400" dirty="0" err="1" smtClean="0"/>
+              <a:rPr lang="en-US" altLang="zh-TW" sz="2400" dirty="0" err="1"/>
               <a:t>nonsharable</a:t>
             </a:r>
             <a:r>
-              <a:rPr lang="en-US" altLang="zh-TW" sz="2400" dirty="0" smtClean="0"/>
+              <a:rPr lang="en-US" altLang="zh-TW" sz="2400" dirty="0"/>
               <a:t> resources</a:t>
             </a:r>
           </a:p>
           <a:p>
             <a:r>
-              <a:rPr lang="en-US" altLang="zh-TW" sz="2400" b="1" dirty="0" smtClean="0">
+              <a:rPr lang="en-US" altLang="zh-TW" sz="2400" b="1" dirty="0">
                 <a:solidFill>
                   <a:srgbClr val="FF0000"/>
                 </a:solidFill>
@@ -8451,7 +8595,7 @@
               <a:t>Hold and Wait</a:t>
             </a:r>
             <a:r>
-              <a:rPr lang="en-US" altLang="zh-TW" sz="2400" dirty="0" smtClean="0">
+              <a:rPr lang="en-US" altLang="zh-TW" sz="2400" dirty="0">
                 <a:solidFill>
                   <a:srgbClr val="FF0000"/>
                 </a:solidFill>
@@ -8459,18 +8603,18 @@
               <a:t> </a:t>
             </a:r>
             <a:r>
-              <a:rPr lang="en-US" altLang="zh-TW" sz="2400" dirty="0" smtClean="0"/>
+              <a:rPr lang="en-US" altLang="zh-TW" sz="2400" dirty="0"/>
               <a:t>– must guarantee that whenever a process requests a resource, it does not hold any other resources</a:t>
             </a:r>
           </a:p>
           <a:p>
             <a:pPr lvl="1"/>
             <a:r>
-              <a:rPr lang="en-US" altLang="zh-TW" sz="2400" dirty="0" smtClean="0"/>
+              <a:rPr lang="en-US" altLang="zh-TW" sz="2400" dirty="0"/>
               <a:t>Require process to request and be allocated all its resources before it begins execution, </a:t>
             </a:r>
             <a:r>
-              <a:rPr lang="en-US" altLang="zh-TW" sz="2400" dirty="0" smtClean="0">
+              <a:rPr lang="en-US" altLang="zh-TW" sz="2400" dirty="0">
                 <a:solidFill>
                   <a:srgbClr val="FF0000"/>
                 </a:solidFill>
@@ -8481,7 +8625,7 @@
           <a:p>
             <a:pPr lvl="1"/>
             <a:r>
-              <a:rPr lang="en-US" altLang="zh-TW" sz="2400" dirty="0" smtClean="0"/>
+              <a:rPr lang="en-US" altLang="zh-TW" sz="2400" dirty="0"/>
               <a:t>Low resource utilization; starvation possible</a:t>
             </a:r>
           </a:p>
@@ -8497,8 +8641,8 @@
         </p:nvSpPr>
         <p:spPr bwMode="auto">
           <a:xfrm>
-            <a:off x="911960" y="1039892"/>
-            <a:ext cx="6184706" cy="523220"/>
+            <a:off x="552087" y="1039892"/>
+            <a:ext cx="6904454" cy="523220"/>
           </a:xfrm>
           <a:prstGeom prst="rect">
             <a:avLst/>
@@ -8526,7 +8670,19 @@
               <a:rPr lang="en-US" altLang="zh-TW" sz="2800" b="1" dirty="0">
                 <a:latin typeface="Candara" pitchFamily="34" charset="0"/>
               </a:rPr>
-              <a:t>Restrain the ways request can be made</a:t>
+              <a:t>Restrain</a:t>
+            </a:r>
+            <a:r>
+              <a:rPr lang="zh-TW" altLang="en-US" sz="2800" b="1" dirty="0">
+                <a:latin typeface="Candara" pitchFamily="34" charset="0"/>
+              </a:rPr>
+              <a:t>阻止</a:t>
+            </a:r>
+            <a:r>
+              <a:rPr lang="en-US" altLang="zh-TW" sz="2800" b="1" dirty="0">
+                <a:latin typeface="Candara" pitchFamily="34" charset="0"/>
+              </a:rPr>
+              <a:t> the ways request can be made</a:t>
             </a:r>
           </a:p>
         </p:txBody>
@@ -8850,7 +9006,7 @@
           <a:p>
             <a:pPr eaLnBrk="1" hangingPunct="1"/>
             <a:r>
-              <a:rPr lang="en-US" altLang="zh-TW" smtClean="0"/>
+              <a:rPr lang="en-US" altLang="zh-TW"/>
               <a:t>Deadlock Prevention (Cont.)</a:t>
             </a:r>
           </a:p>
@@ -8877,7 +9033,7 @@
           <a:lstStyle/>
           <a:p>
             <a:r>
-              <a:rPr lang="en-US" altLang="zh-TW" sz="2400" b="1" dirty="0" smtClean="0">
+              <a:rPr lang="en-US" altLang="zh-TW" sz="2400" b="1" dirty="0">
                 <a:solidFill>
                   <a:srgbClr val="FF0000"/>
                 </a:solidFill>
@@ -8885,7 +9041,7 @@
               <a:t>No Preemption</a:t>
             </a:r>
             <a:r>
-              <a:rPr lang="en-US" altLang="zh-TW" sz="2400" dirty="0" smtClean="0">
+              <a:rPr lang="en-US" altLang="zh-TW" sz="2400" dirty="0">
                 <a:solidFill>
                   <a:srgbClr val="FF0000"/>
                 </a:solidFill>
@@ -8893,34 +9049,34 @@
               <a:t> </a:t>
             </a:r>
             <a:r>
-              <a:rPr lang="en-US" altLang="zh-TW" sz="2400" dirty="0" smtClean="0"/>
+              <a:rPr lang="en-US" altLang="zh-TW" sz="2400" dirty="0"/>
               <a:t>–</a:t>
             </a:r>
           </a:p>
           <a:p>
             <a:pPr lvl="1"/>
             <a:r>
-              <a:rPr lang="en-US" altLang="zh-TW" sz="2400" dirty="0" smtClean="0"/>
+              <a:rPr lang="en-US" altLang="zh-TW" sz="2400" dirty="0"/>
               <a:t>If a process that is holding some resources requests another resource that cannot be immediately allocated to it, then all resources currently being held are released</a:t>
             </a:r>
           </a:p>
           <a:p>
             <a:pPr lvl="1"/>
             <a:r>
-              <a:rPr lang="en-US" altLang="zh-TW" sz="2400" dirty="0" smtClean="0"/>
+              <a:rPr lang="en-US" altLang="zh-TW" sz="2400" dirty="0"/>
               <a:t>Preempted resources are added to the list of resources for which the process is waiting</a:t>
             </a:r>
           </a:p>
           <a:p>
             <a:pPr lvl="1"/>
             <a:r>
-              <a:rPr lang="en-US" altLang="zh-TW" sz="2400" dirty="0" smtClean="0"/>
+              <a:rPr lang="en-US" altLang="zh-TW" sz="2400" dirty="0"/>
               <a:t>Process will be restarted only when it can regain its old resources, as well as the new ones that it is requesting</a:t>
             </a:r>
           </a:p>
           <a:p>
             <a:r>
-              <a:rPr lang="en-US" altLang="zh-TW" sz="2400" b="1" dirty="0" smtClean="0">
+              <a:rPr lang="en-US" altLang="zh-TW" sz="2400" b="1" dirty="0">
                 <a:solidFill>
                   <a:srgbClr val="FF0000"/>
                 </a:solidFill>
@@ -8928,7 +9084,7 @@
               <a:t>Circular Wait</a:t>
             </a:r>
             <a:r>
-              <a:rPr lang="en-US" altLang="zh-TW" sz="2400" dirty="0" smtClean="0">
+              <a:rPr lang="en-US" altLang="zh-TW" sz="2400" dirty="0">
                 <a:solidFill>
                   <a:srgbClr val="FF0000"/>
                 </a:solidFill>
@@ -8936,11 +9092,11 @@
               <a:t> </a:t>
             </a:r>
             <a:r>
-              <a:rPr lang="en-US" altLang="zh-TW" sz="2400" dirty="0" smtClean="0"/>
+              <a:rPr lang="en-US" altLang="zh-TW" sz="2400" dirty="0"/>
               <a:t>– impose a </a:t>
             </a:r>
             <a:r>
-              <a:rPr lang="en-US" altLang="zh-TW" sz="2400" dirty="0" smtClean="0">
+              <a:rPr lang="en-US" altLang="zh-TW" sz="2400" dirty="0">
                 <a:solidFill>
                   <a:srgbClr val="FF0000"/>
                 </a:solidFill>
@@ -8948,13 +9104,13 @@
               <a:t>total ordering of all resource types</a:t>
             </a:r>
             <a:r>
-              <a:rPr lang="en-US" altLang="zh-TW" sz="2400" dirty="0" smtClean="0"/>
+              <a:rPr lang="en-US" altLang="zh-TW" sz="2400" dirty="0"/>
               <a:t>, and require that each process requests resources in an increasing order of enumeration</a:t>
             </a:r>
           </a:p>
           <a:p>
             <a:pPr lvl="1"/>
-            <a:endParaRPr lang="en-US" altLang="zh-TW" sz="2400" dirty="0" smtClean="0"/>
+            <a:endParaRPr lang="en-US" altLang="zh-TW" sz="2400" dirty="0"/>
           </a:p>
         </p:txBody>
       </p:sp>
@@ -9284,7 +9440,7 @@
           <a:p>
             <a:pPr eaLnBrk="1" hangingPunct="1"/>
             <a:r>
-              <a:rPr lang="en-US" altLang="zh-TW" smtClean="0"/>
+              <a:rPr lang="en-US" altLang="zh-TW"/>
               <a:t>Deadlock Avoidance</a:t>
             </a:r>
           </a:p>
@@ -9311,11 +9467,11 @@
           <a:lstStyle/>
           <a:p>
             <a:r>
-              <a:rPr lang="en-US" altLang="zh-TW" sz="2800" dirty="0" smtClean="0"/>
+              <a:rPr lang="en-US" altLang="zh-TW" sz="2800" dirty="0"/>
               <a:t>Simplest and most useful model requires that each process declares the </a:t>
             </a:r>
             <a:r>
-              <a:rPr lang="en-US" altLang="zh-TW" sz="2800" b="1" i="1" dirty="0" smtClean="0">
+              <a:rPr lang="en-US" altLang="zh-TW" sz="2800" b="1" i="1" dirty="0">
                 <a:solidFill>
                   <a:srgbClr val="FF0000"/>
                 </a:solidFill>
@@ -9323,7 +9479,7 @@
               <a:t>maximum number</a:t>
             </a:r>
             <a:r>
-              <a:rPr lang="en-US" altLang="zh-TW" sz="2800" b="1" dirty="0" smtClean="0">
+              <a:rPr lang="en-US" altLang="zh-TW" sz="2800" b="1" dirty="0">
                 <a:solidFill>
                   <a:srgbClr val="FF0000"/>
                 </a:solidFill>
@@ -9331,17 +9487,17 @@
               <a:t> </a:t>
             </a:r>
             <a:r>
-              <a:rPr lang="en-US" altLang="zh-TW" sz="2800" dirty="0" smtClean="0"/>
+              <a:rPr lang="en-US" altLang="zh-TW" sz="2800" dirty="0"/>
               <a:t>of resources of each type that it may need</a:t>
             </a:r>
           </a:p>
           <a:p>
             <a:r>
-              <a:rPr lang="en-US" altLang="zh-TW" sz="2800" dirty="0" smtClean="0"/>
+              <a:rPr lang="en-US" altLang="zh-TW" sz="2800" dirty="0"/>
               <a:t>The deadlock-avoidance algorithm dynamically examines the </a:t>
             </a:r>
             <a:r>
-              <a:rPr lang="en-US" altLang="zh-TW" sz="2800" b="1" dirty="0" smtClean="0">
+              <a:rPr lang="en-US" altLang="zh-TW" sz="2800" b="1" dirty="0">
                 <a:solidFill>
                   <a:srgbClr val="FF0000"/>
                 </a:solidFill>
@@ -9349,11 +9505,11 @@
               <a:t>resource-allocation state </a:t>
             </a:r>
             <a:r>
-              <a:rPr lang="en-US" altLang="zh-TW" sz="2800" dirty="0" smtClean="0"/>
+              <a:rPr lang="en-US" altLang="zh-TW" sz="2800" dirty="0"/>
               <a:t>to </a:t>
             </a:r>
             <a:r>
-              <a:rPr lang="en-US" altLang="zh-TW" sz="2800" dirty="0" smtClean="0">
+              <a:rPr lang="en-US" altLang="zh-TW" sz="2800" dirty="0">
                 <a:solidFill>
                   <a:srgbClr val="FF0000"/>
                 </a:solidFill>
@@ -9363,11 +9519,11 @@
           </a:p>
           <a:p>
             <a:r>
-              <a:rPr lang="en-US" altLang="zh-TW" sz="2800" dirty="0" smtClean="0"/>
+              <a:rPr lang="en-US" altLang="zh-TW" sz="2800" dirty="0"/>
               <a:t>Resource-allocation </a:t>
             </a:r>
             <a:r>
-              <a:rPr lang="en-US" altLang="zh-TW" sz="2800" b="1" i="1" dirty="0" smtClean="0">
+              <a:rPr lang="en-US" altLang="zh-TW" sz="2800" b="1" i="1" dirty="0">
                 <a:solidFill>
                   <a:srgbClr val="FF0000"/>
                 </a:solidFill>
@@ -9375,7 +9531,7 @@
               <a:t>state</a:t>
             </a:r>
             <a:r>
-              <a:rPr lang="en-US" altLang="zh-TW" sz="2800" dirty="0" smtClean="0"/>
+              <a:rPr lang="en-US" altLang="zh-TW" sz="2800" dirty="0"/>
               <a:t> is defined by the number of available and allocated resources, and the maximum demands of the processes</a:t>
             </a:r>
           </a:p>
@@ -9698,7 +9854,7 @@
           <a:p>
             <a:pPr eaLnBrk="1" hangingPunct="1"/>
             <a:r>
-              <a:rPr lang="en-US" altLang="zh-TW" dirty="0" smtClean="0"/>
+              <a:rPr lang="en-US" altLang="zh-TW" dirty="0"/>
               <a:t>Safe State</a:t>
             </a:r>
           </a:p>
@@ -9725,11 +9881,11 @@
           <a:lstStyle/>
           <a:p>
             <a:r>
-              <a:rPr lang="en-US" altLang="zh-TW" sz="2800" dirty="0" smtClean="0"/>
+              <a:rPr lang="en-US" altLang="zh-TW" sz="2800" dirty="0"/>
               <a:t>When a process requests an available resource, system must decide if immediate allocation leaves the system in a </a:t>
             </a:r>
             <a:r>
-              <a:rPr lang="en-US" altLang="zh-TW" sz="2800" dirty="0" smtClean="0">
+              <a:rPr lang="en-US" altLang="zh-TW" sz="2800" dirty="0">
                 <a:solidFill>
                   <a:srgbClr val="FF0000"/>
                 </a:solidFill>
@@ -9739,11 +9895,11 @@
           </a:p>
           <a:p>
             <a:r>
-              <a:rPr lang="en-US" altLang="zh-TW" sz="2800" dirty="0" smtClean="0"/>
+              <a:rPr lang="en-US" altLang="zh-TW" sz="2800" dirty="0"/>
               <a:t>System is in </a:t>
             </a:r>
             <a:r>
-              <a:rPr lang="en-US" altLang="zh-TW" sz="2800" b="1" dirty="0" smtClean="0">
+              <a:rPr lang="en-US" altLang="zh-TW" sz="2800" b="1" dirty="0">
                 <a:solidFill>
                   <a:srgbClr val="FF0000"/>
                 </a:solidFill>
@@ -9751,43 +9907,43 @@
               <a:t>safe state </a:t>
             </a:r>
             <a:r>
-              <a:rPr lang="en-US" altLang="zh-TW" sz="2800" dirty="0" smtClean="0"/>
+              <a:rPr lang="en-US" altLang="zh-TW" sz="2800" dirty="0"/>
               <a:t>if there exists a sequence &lt;</a:t>
             </a:r>
             <a:r>
-              <a:rPr lang="en-US" altLang="zh-TW" sz="2800" i="1" dirty="0" smtClean="0"/>
+              <a:rPr lang="en-US" altLang="zh-TW" sz="2800" i="1" dirty="0"/>
               <a:t>P</a:t>
             </a:r>
             <a:r>
-              <a:rPr lang="en-US" altLang="zh-TW" sz="2800" i="1" baseline="-25000" dirty="0" smtClean="0"/>
+              <a:rPr lang="en-US" altLang="zh-TW" sz="2800" i="1" baseline="-25000" dirty="0"/>
               <a:t>1</a:t>
             </a:r>
             <a:r>
-              <a:rPr lang="en-US" altLang="zh-TW" sz="2800" i="1" dirty="0" smtClean="0"/>
+              <a:rPr lang="en-US" altLang="zh-TW" sz="2800" i="1" dirty="0"/>
               <a:t>, P</a:t>
             </a:r>
             <a:r>
-              <a:rPr lang="en-US" altLang="zh-TW" sz="2800" i="1" baseline="-25000" dirty="0" smtClean="0"/>
+              <a:rPr lang="en-US" altLang="zh-TW" sz="2800" i="1" baseline="-25000" dirty="0"/>
               <a:t>2</a:t>
             </a:r>
             <a:r>
-              <a:rPr lang="en-US" altLang="zh-TW" sz="2800" i="1" dirty="0" smtClean="0"/>
+              <a:rPr lang="en-US" altLang="zh-TW" sz="2800" i="1" dirty="0"/>
               <a:t>, …, </a:t>
             </a:r>
             <a:r>
-              <a:rPr lang="en-US" altLang="zh-TW" sz="2800" i="1" dirty="0" err="1" smtClean="0"/>
+              <a:rPr lang="en-US" altLang="zh-TW" sz="2800" i="1" dirty="0" err="1"/>
               <a:t>P</a:t>
             </a:r>
             <a:r>
-              <a:rPr lang="en-US" altLang="zh-TW" sz="2800" i="1" baseline="-25000" dirty="0" err="1" smtClean="0"/>
+              <a:rPr lang="en-US" altLang="zh-TW" sz="2800" i="1" baseline="-25000" dirty="0" err="1"/>
               <a:t>n</a:t>
             </a:r>
             <a:r>
-              <a:rPr lang="en-US" altLang="zh-TW" sz="2800" dirty="0" smtClean="0"/>
+              <a:rPr lang="en-US" altLang="zh-TW" sz="2800" dirty="0"/>
               <a:t>&gt; of </a:t>
             </a:r>
             <a:r>
-              <a:rPr lang="en-US" altLang="zh-TW" sz="2800" b="1" dirty="0" smtClean="0">
+              <a:rPr lang="en-US" altLang="zh-TW" sz="2800" b="1" dirty="0">
                 <a:solidFill>
                   <a:srgbClr val="FF0000"/>
                 </a:solidFill>
@@ -9795,42 +9951,42 @@
               <a:t>ALL</a:t>
             </a:r>
             <a:r>
-              <a:rPr lang="en-US" altLang="zh-TW" sz="2800" dirty="0" smtClean="0"/>
+              <a:rPr lang="en-US" altLang="zh-TW" sz="2800" dirty="0"/>
               <a:t> the processes in the systems such that </a:t>
             </a:r>
           </a:p>
           <a:p>
             <a:pPr lvl="1"/>
             <a:r>
-              <a:rPr lang="en-US" altLang="zh-TW" sz="2800" dirty="0" smtClean="0"/>
+              <a:rPr lang="en-US" altLang="zh-TW" sz="2800" dirty="0"/>
               <a:t>for each </a:t>
             </a:r>
             <a:r>
-              <a:rPr lang="en-US" altLang="zh-TW" sz="2800" i="1" dirty="0" smtClean="0"/>
+              <a:rPr lang="en-US" altLang="zh-TW" sz="2800" i="1" dirty="0"/>
               <a:t>P</a:t>
             </a:r>
             <a:r>
-              <a:rPr lang="en-US" altLang="zh-TW" sz="2800" i="1" baseline="-25000" dirty="0" smtClean="0"/>
+              <a:rPr lang="en-US" altLang="zh-TW" sz="2800" i="1" baseline="-25000" dirty="0"/>
               <a:t>i</a:t>
             </a:r>
             <a:r>
-              <a:rPr lang="en-US" altLang="zh-TW" sz="2800" dirty="0" smtClean="0"/>
+              <a:rPr lang="en-US" altLang="zh-TW" sz="2800" dirty="0"/>
               <a:t>, the resources that </a:t>
             </a:r>
             <a:r>
-              <a:rPr lang="en-US" altLang="zh-TW" sz="2800" i="1" dirty="0" smtClean="0"/>
+              <a:rPr lang="en-US" altLang="zh-TW" sz="2800" i="1" dirty="0"/>
               <a:t>P</a:t>
             </a:r>
             <a:r>
-              <a:rPr lang="en-US" altLang="zh-TW" sz="2800" i="1" baseline="-25000" dirty="0" smtClean="0"/>
+              <a:rPr lang="en-US" altLang="zh-TW" sz="2800" i="1" baseline="-25000" dirty="0"/>
               <a:t>i </a:t>
             </a:r>
             <a:r>
-              <a:rPr lang="en-US" altLang="zh-TW" sz="2800" dirty="0" smtClean="0"/>
+              <a:rPr lang="en-US" altLang="zh-TW" sz="2800" dirty="0"/>
               <a:t>can still request can be satisfied by </a:t>
             </a:r>
             <a:r>
-              <a:rPr lang="en-US" altLang="zh-TW" sz="2800" dirty="0" smtClean="0">
+              <a:rPr lang="en-US" altLang="zh-TW" sz="2800" dirty="0">
                 <a:solidFill>
                   <a:srgbClr val="FF0000"/>
                 </a:solidFill>
@@ -9838,7 +9994,7 @@
               <a:t>currently available resources + resources held by all the </a:t>
             </a:r>
             <a:r>
-              <a:rPr lang="en-US" altLang="zh-TW" sz="2800" i="1" dirty="0" err="1" smtClean="0">
+              <a:rPr lang="en-US" altLang="zh-TW" sz="2800" i="1" dirty="0" err="1">
                 <a:solidFill>
                   <a:srgbClr val="FF0000"/>
                 </a:solidFill>
@@ -9846,7 +10002,7 @@
               <a:t>P</a:t>
             </a:r>
             <a:r>
-              <a:rPr lang="en-US" altLang="zh-TW" sz="2800" i="1" baseline="-25000" dirty="0" err="1" smtClean="0">
+              <a:rPr lang="en-US" altLang="zh-TW" sz="2800" i="1" baseline="-25000" dirty="0" err="1">
                 <a:solidFill>
                   <a:srgbClr val="FF0000"/>
                 </a:solidFill>
@@ -9854,7 +10010,7 @@
               <a:t>j</a:t>
             </a:r>
             <a:r>
-              <a:rPr lang="en-US" altLang="zh-TW" sz="2800" dirty="0" smtClean="0">
+              <a:rPr lang="en-US" altLang="zh-TW" sz="2800" dirty="0">
                 <a:solidFill>
                   <a:srgbClr val="FF0000"/>
                 </a:solidFill>
@@ -9862,7 +10018,7 @@
               <a:t>, with</a:t>
             </a:r>
             <a:r>
-              <a:rPr lang="en-US" altLang="zh-TW" sz="2800" i="1" dirty="0" smtClean="0">
+              <a:rPr lang="en-US" altLang="zh-TW" sz="2800" i="1" dirty="0">
                 <a:solidFill>
                   <a:srgbClr val="FF0000"/>
                 </a:solidFill>
@@ -9870,7 +10026,7 @@
               <a:t> j </a:t>
             </a:r>
             <a:r>
-              <a:rPr lang="en-US" altLang="zh-TW" sz="2800" dirty="0" smtClean="0">
+              <a:rPr lang="en-US" altLang="zh-TW" sz="2800" dirty="0">
                 <a:solidFill>
                   <a:srgbClr val="FF0000"/>
                 </a:solidFill>
@@ -9878,14 +10034,14 @@
               <a:t>&lt; </a:t>
             </a:r>
             <a:r>
-              <a:rPr lang="en-US" altLang="zh-TW" sz="2800" i="1" dirty="0" err="1" smtClean="0">
+              <a:rPr lang="en-US" altLang="zh-TW" sz="2800" i="1" dirty="0" err="1">
                 <a:solidFill>
                   <a:srgbClr val="FF0000"/>
                 </a:solidFill>
               </a:rPr>
               <a:t>i</a:t>
             </a:r>
-            <a:endParaRPr lang="en-US" altLang="zh-TW" sz="2800" dirty="0" smtClean="0">
+            <a:endParaRPr lang="en-US" altLang="zh-TW" sz="2800" dirty="0">
               <a:solidFill>
                 <a:srgbClr val="FF0000"/>
               </a:solidFill>
@@ -10133,7 +10289,7 @@
           <a:p>
             <a:pPr eaLnBrk="1" hangingPunct="1"/>
             <a:r>
-              <a:rPr lang="en-US" altLang="zh-TW" smtClean="0"/>
+              <a:rPr lang="en-US" altLang="zh-TW"/>
               <a:t>Safe State</a:t>
             </a:r>
           </a:p>
@@ -10160,120 +10316,120 @@
           <a:lstStyle/>
           <a:p>
             <a:r>
-              <a:rPr lang="en-US" altLang="zh-TW" sz="2800" dirty="0" smtClean="0"/>
+              <a:rPr lang="en-US" altLang="zh-TW" sz="2800" dirty="0"/>
               <a:t>That is:</a:t>
             </a:r>
           </a:p>
           <a:p>
             <a:pPr lvl="1"/>
             <a:r>
-              <a:rPr lang="en-US" altLang="zh-TW" sz="2800" dirty="0" smtClean="0"/>
+              <a:rPr lang="en-US" altLang="zh-TW" sz="2800" dirty="0"/>
               <a:t>If </a:t>
             </a:r>
             <a:r>
-              <a:rPr lang="en-US" altLang="zh-TW" sz="2800" i="1" dirty="0" smtClean="0"/>
+              <a:rPr lang="en-US" altLang="zh-TW" sz="2800" i="1" dirty="0"/>
               <a:t>P</a:t>
             </a:r>
             <a:r>
-              <a:rPr lang="en-US" altLang="zh-TW" sz="2800" i="1" baseline="-25000" dirty="0" smtClean="0"/>
+              <a:rPr lang="en-US" altLang="zh-TW" sz="2800" i="1" baseline="-25000" dirty="0"/>
               <a:t>i</a:t>
             </a:r>
             <a:r>
-              <a:rPr lang="en-US" altLang="zh-TW" sz="2800" dirty="0" smtClean="0"/>
+              <a:rPr lang="en-US" altLang="zh-TW" sz="2800" dirty="0"/>
               <a:t> resource needs are not immediately available, then </a:t>
             </a:r>
             <a:r>
-              <a:rPr lang="en-US" altLang="zh-TW" sz="2800" i="1" dirty="0" smtClean="0"/>
+              <a:rPr lang="en-US" altLang="zh-TW" sz="2800" i="1" dirty="0"/>
               <a:t>P</a:t>
             </a:r>
             <a:r>
-              <a:rPr lang="en-US" altLang="zh-TW" sz="2800" i="1" baseline="-25000" dirty="0" smtClean="0"/>
+              <a:rPr lang="en-US" altLang="zh-TW" sz="2800" i="1" baseline="-25000" dirty="0"/>
               <a:t>i</a:t>
             </a:r>
             <a:r>
-              <a:rPr lang="en-US" altLang="zh-TW" sz="2800" dirty="0" smtClean="0"/>
+              <a:rPr lang="en-US" altLang="zh-TW" sz="2800" dirty="0"/>
               <a:t> can wait until all </a:t>
             </a:r>
             <a:r>
-              <a:rPr lang="en-US" altLang="zh-TW" sz="2800" i="1" dirty="0" err="1" smtClean="0"/>
+              <a:rPr lang="en-US" altLang="zh-TW" sz="2800" i="1" dirty="0" err="1"/>
               <a:t>P</a:t>
             </a:r>
             <a:r>
-              <a:rPr lang="en-US" altLang="zh-TW" sz="2800" i="1" baseline="-25000" dirty="0" err="1" smtClean="0"/>
+              <a:rPr lang="en-US" altLang="zh-TW" sz="2800" i="1" baseline="-25000" dirty="0" err="1"/>
               <a:t>j</a:t>
             </a:r>
             <a:r>
-              <a:rPr lang="en-US" altLang="zh-TW" sz="2800" i="1" dirty="0" smtClean="0"/>
+              <a:rPr lang="en-US" altLang="zh-TW" sz="2800" i="1" dirty="0"/>
               <a:t> </a:t>
             </a:r>
             <a:r>
-              <a:rPr lang="en-US" altLang="zh-TW" sz="2800" dirty="0" smtClean="0"/>
+              <a:rPr lang="en-US" altLang="zh-TW" sz="2800" dirty="0"/>
               <a:t>have finished</a:t>
             </a:r>
           </a:p>
           <a:p>
             <a:pPr lvl="1"/>
             <a:r>
-              <a:rPr lang="en-US" altLang="zh-TW" sz="2800" dirty="0" smtClean="0"/>
+              <a:rPr lang="en-US" altLang="zh-TW" sz="2800" dirty="0"/>
               <a:t>When </a:t>
             </a:r>
             <a:r>
-              <a:rPr lang="en-US" altLang="zh-TW" sz="2800" i="1" dirty="0" err="1" smtClean="0"/>
+              <a:rPr lang="en-US" altLang="zh-TW" sz="2800" i="1" dirty="0" err="1"/>
               <a:t>P</a:t>
             </a:r>
             <a:r>
-              <a:rPr lang="en-US" altLang="zh-TW" sz="2800" i="1" baseline="-25000" dirty="0" err="1" smtClean="0"/>
+              <a:rPr lang="en-US" altLang="zh-TW" sz="2800" i="1" baseline="-25000" dirty="0" err="1"/>
               <a:t>j</a:t>
             </a:r>
             <a:r>
-              <a:rPr lang="en-US" altLang="zh-TW" sz="2800" dirty="0" smtClean="0"/>
+              <a:rPr lang="en-US" altLang="zh-TW" sz="2800" dirty="0"/>
               <a:t> is finished, </a:t>
             </a:r>
             <a:r>
-              <a:rPr lang="en-US" altLang="zh-TW" sz="2800" i="1" dirty="0" smtClean="0"/>
+              <a:rPr lang="en-US" altLang="zh-TW" sz="2800" i="1" dirty="0"/>
               <a:t>P</a:t>
             </a:r>
             <a:r>
-              <a:rPr lang="en-US" altLang="zh-TW" sz="2800" i="1" baseline="-25000" dirty="0" smtClean="0"/>
+              <a:rPr lang="en-US" altLang="zh-TW" sz="2800" i="1" baseline="-25000" dirty="0"/>
               <a:t>i</a:t>
             </a:r>
             <a:r>
-              <a:rPr lang="en-US" altLang="zh-TW" sz="2800" dirty="0" smtClean="0"/>
+              <a:rPr lang="en-US" altLang="zh-TW" sz="2800" dirty="0"/>
               <a:t> can obtain needed resources, execute, return allocated resources, and terminate</a:t>
             </a:r>
           </a:p>
           <a:p>
             <a:pPr lvl="1"/>
             <a:r>
-              <a:rPr lang="en-US" altLang="zh-TW" sz="2800" dirty="0" smtClean="0"/>
+              <a:rPr lang="en-US" altLang="zh-TW" sz="2800" dirty="0"/>
               <a:t>When </a:t>
             </a:r>
             <a:r>
-              <a:rPr lang="en-US" altLang="zh-TW" sz="2800" i="1" dirty="0" smtClean="0"/>
+              <a:rPr lang="en-US" altLang="zh-TW" sz="2800" i="1" dirty="0"/>
               <a:t>P</a:t>
             </a:r>
             <a:r>
-              <a:rPr lang="en-US" altLang="zh-TW" sz="2800" i="1" baseline="-25000" dirty="0" smtClean="0"/>
+              <a:rPr lang="en-US" altLang="zh-TW" sz="2800" i="1" baseline="-25000" dirty="0"/>
               <a:t>i</a:t>
             </a:r>
             <a:r>
-              <a:rPr lang="en-US" altLang="zh-TW" sz="2800" dirty="0" smtClean="0"/>
+              <a:rPr lang="en-US" altLang="zh-TW" sz="2800" dirty="0"/>
               <a:t> terminates, </a:t>
             </a:r>
             <a:r>
-              <a:rPr lang="en-US" altLang="zh-TW" sz="2800" i="1" dirty="0" smtClean="0"/>
+              <a:rPr lang="en-US" altLang="zh-TW" sz="2800" i="1" dirty="0"/>
               <a:t>P</a:t>
             </a:r>
             <a:r>
-              <a:rPr lang="en-US" altLang="zh-TW" sz="2800" i="1" baseline="-25000" dirty="0" smtClean="0"/>
+              <a:rPr lang="en-US" altLang="zh-TW" sz="2800" i="1" baseline="-25000" dirty="0"/>
               <a:t>i </a:t>
             </a:r>
             <a:r>
-              <a:rPr lang="en-US" altLang="zh-TW" sz="2800" baseline="-25000" dirty="0" smtClean="0"/>
+              <a:rPr lang="en-US" altLang="zh-TW" sz="2800" baseline="-25000" dirty="0"/>
               <a:t>+1</a:t>
             </a:r>
             <a:r>
-              <a:rPr lang="en-US" altLang="zh-TW" sz="2800" dirty="0" smtClean="0"/>
+              <a:rPr lang="en-US" altLang="zh-TW" sz="2800" dirty="0"/>
               <a:t> can obtain its needed resources, and so on </a:t>
             </a:r>
           </a:p>
@@ -10598,7 +10754,7 @@
           <a:p>
             <a:pPr eaLnBrk="1" hangingPunct="1"/>
             <a:r>
-              <a:rPr lang="en-US" altLang="zh-TW" smtClean="0"/>
+              <a:rPr lang="en-US" altLang="zh-TW"/>
               <a:t>Chapter 7:  Deadlocks</a:t>
             </a:r>
           </a:p>
@@ -10623,7 +10779,7 @@
               <a:buSzPct val="85000"/>
             </a:pPr>
             <a:r>
-              <a:rPr lang="en-US" altLang="zh-TW" sz="2800" dirty="0" smtClean="0"/>
+              <a:rPr lang="en-US" altLang="zh-TW" sz="2800" dirty="0"/>
               <a:t>The Deadlock Problem</a:t>
             </a:r>
           </a:p>
@@ -10632,7 +10788,7 @@
               <a:buSzPct val="85000"/>
             </a:pPr>
             <a:r>
-              <a:rPr lang="en-US" altLang="zh-TW" sz="2800" dirty="0" smtClean="0"/>
+              <a:rPr lang="en-US" altLang="zh-TW" sz="2800" dirty="0"/>
               <a:t>System Model</a:t>
             </a:r>
           </a:p>
@@ -10641,7 +10797,7 @@
               <a:buSzPct val="85000"/>
             </a:pPr>
             <a:r>
-              <a:rPr lang="en-US" altLang="zh-TW" sz="2800" dirty="0" smtClean="0"/>
+              <a:rPr lang="en-US" altLang="zh-TW" sz="2800" dirty="0"/>
               <a:t>Deadlock Characterization</a:t>
             </a:r>
           </a:p>
@@ -10650,17 +10806,17 @@
               <a:buSzPct val="85000"/>
             </a:pPr>
             <a:r>
-              <a:rPr lang="en-US" altLang="zh-TW" sz="2800" dirty="0" smtClean="0"/>
+              <a:rPr lang="en-US" altLang="zh-TW" sz="2800" dirty="0"/>
               <a:t>Methods for Handling Deadlocks</a:t>
             </a:r>
           </a:p>
           <a:p>
             <a:r>
-              <a:rPr lang="en-US" altLang="zh-TW" sz="2800" dirty="0" smtClean="0"/>
+              <a:rPr lang="en-US" altLang="zh-TW" sz="2800" dirty="0"/>
               <a:t>Deadlock </a:t>
             </a:r>
             <a:r>
-              <a:rPr lang="en-US" altLang="zh-TW" sz="2800" dirty="0" smtClean="0">
+              <a:rPr lang="en-US" altLang="zh-TW" sz="2800" dirty="0">
                 <a:solidFill>
                   <a:srgbClr val="FF0000"/>
                 </a:solidFill>
@@ -10673,11 +10829,11 @@
               <a:buSzPct val="85000"/>
             </a:pPr>
             <a:r>
-              <a:rPr lang="en-US" altLang="zh-TW" sz="2800" dirty="0" smtClean="0"/>
+              <a:rPr lang="en-US" altLang="zh-TW" sz="2800" dirty="0"/>
               <a:t>Deadlock </a:t>
             </a:r>
             <a:r>
-              <a:rPr lang="en-US" altLang="zh-TW" sz="2800" dirty="0" smtClean="0">
+              <a:rPr lang="en-US" altLang="zh-TW" sz="2800" dirty="0">
                 <a:solidFill>
                   <a:srgbClr val="FF0000"/>
                 </a:solidFill>
@@ -10690,11 +10846,11 @@
               <a:buSzPct val="85000"/>
             </a:pPr>
             <a:r>
-              <a:rPr lang="en-US" altLang="zh-TW" sz="2800" dirty="0" smtClean="0"/>
+              <a:rPr lang="en-US" altLang="zh-TW" sz="2800" dirty="0"/>
               <a:t>Deadlock </a:t>
             </a:r>
             <a:r>
-              <a:rPr lang="en-US" altLang="zh-TW" sz="2800" dirty="0" smtClean="0">
+              <a:rPr lang="en-US" altLang="zh-TW" sz="2800" dirty="0">
                 <a:solidFill>
                   <a:srgbClr val="FF0000"/>
                 </a:solidFill>
@@ -10702,7 +10858,7 @@
               <a:t>Detection</a:t>
             </a:r>
             <a:r>
-              <a:rPr lang="en-US" altLang="zh-TW" sz="2800" dirty="0" smtClean="0"/>
+              <a:rPr lang="en-US" altLang="zh-TW" sz="2800" dirty="0"/>
               <a:t> </a:t>
             </a:r>
           </a:p>
@@ -10711,7 +10867,7 @@
               <a:buSzPct val="85000"/>
             </a:pPr>
             <a:r>
-              <a:rPr lang="en-US" altLang="zh-TW" sz="2800" dirty="0" smtClean="0"/>
+              <a:rPr lang="en-US" altLang="zh-TW" sz="2800" dirty="0"/>
               <a:t>Recovery from Deadlock </a:t>
             </a:r>
           </a:p>
@@ -10722,13 +10878,6 @@
   <p:clrMapOvr>
     <a:masterClrMapping/>
   </p:clrMapOvr>
-  <p:timing>
-    <p:tnLst>
-      <p:par>
-        <p:cTn id="1" dur="indefinite" restart="never" nodeType="tmRoot"/>
-      </p:par>
-    </p:tnLst>
-  </p:timing>
 </p:sld>
 </file>
 
@@ -10766,7 +10915,7 @@
           <a:p>
             <a:pPr eaLnBrk="1" hangingPunct="1"/>
             <a:r>
-              <a:rPr lang="en-US" altLang="zh-TW" smtClean="0"/>
+              <a:rPr lang="en-US" altLang="zh-TW"/>
               <a:t>Basic Facts</a:t>
             </a:r>
           </a:p>
@@ -10793,11 +10942,11 @@
           <a:lstStyle/>
           <a:p>
             <a:r>
-              <a:rPr lang="en-US" altLang="zh-TW" sz="2800" dirty="0" smtClean="0"/>
+              <a:rPr lang="en-US" altLang="zh-TW" sz="2800" dirty="0"/>
               <a:t>If a system is in </a:t>
             </a:r>
             <a:r>
-              <a:rPr lang="en-US" altLang="zh-TW" sz="2800" dirty="0" smtClean="0">
+              <a:rPr lang="en-US" altLang="zh-TW" sz="2800" dirty="0">
                 <a:solidFill>
                   <a:srgbClr val="FF0000"/>
                 </a:solidFill>
@@ -10805,7 +10954,7 @@
               <a:t>safe state </a:t>
             </a:r>
             <a:r>
-              <a:rPr lang="en-US" altLang="zh-TW" sz="2800" dirty="0" smtClean="0">
+              <a:rPr lang="en-US" altLang="zh-TW" sz="2800" dirty="0">
                 <a:sym typeface="Symbol" pitchFamily="18" charset="2"/>
               </a:rPr>
               <a:t> no deadlocks</a:t>
@@ -10813,13 +10962,13 @@
           </a:p>
           <a:p>
             <a:r>
-              <a:rPr lang="en-US" altLang="zh-TW" sz="2800" dirty="0" smtClean="0">
+              <a:rPr lang="en-US" altLang="zh-TW" sz="2800" dirty="0">
                 <a:sym typeface="Symbol" pitchFamily="18" charset="2"/>
               </a:rPr>
               <a:t>If a system is in </a:t>
             </a:r>
             <a:r>
-              <a:rPr lang="en-US" altLang="zh-TW" sz="2800" dirty="0" smtClean="0">
+              <a:rPr lang="en-US" altLang="zh-TW" sz="2800" dirty="0">
                 <a:solidFill>
                   <a:srgbClr val="FF0000"/>
                 </a:solidFill>
@@ -10828,7 +10977,7 @@
               <a:t>unsafe state </a:t>
             </a:r>
             <a:r>
-              <a:rPr lang="en-US" altLang="zh-TW" sz="2800" dirty="0" smtClean="0">
+              <a:rPr lang="en-US" altLang="zh-TW" sz="2800" dirty="0">
                 <a:sym typeface="Symbol" pitchFamily="18" charset="2"/>
               </a:rPr>
               <a:t> possibility of deadlock</a:t>
@@ -10836,7 +10985,7 @@
           </a:p>
           <a:p>
             <a:r>
-              <a:rPr lang="en-US" altLang="zh-TW" sz="2800" dirty="0" smtClean="0">
+              <a:rPr lang="en-US" altLang="zh-TW" sz="2800" dirty="0">
                 <a:solidFill>
                   <a:srgbClr val="FF0000"/>
                 </a:solidFill>
@@ -10845,13 +10994,13 @@
               <a:t>Avoidance</a:t>
             </a:r>
             <a:r>
-              <a:rPr lang="en-US" altLang="zh-TW" sz="2800" dirty="0" smtClean="0">
+              <a:rPr lang="en-US" altLang="zh-TW" sz="2800" dirty="0">
                 <a:sym typeface="Symbol" pitchFamily="18" charset="2"/>
               </a:rPr>
               <a:t>  ensure that a system will </a:t>
             </a:r>
             <a:r>
-              <a:rPr lang="en-US" altLang="zh-TW" sz="2800" dirty="0" smtClean="0">
+              <a:rPr lang="en-US" altLang="zh-TW" sz="2800" dirty="0">
                 <a:solidFill>
                   <a:srgbClr val="FF0000"/>
                 </a:solidFill>
@@ -11152,7 +11301,7 @@
           <a:p>
             <a:pPr eaLnBrk="1" hangingPunct="1"/>
             <a:r>
-              <a:rPr lang="en-US" altLang="zh-TW" smtClean="0"/>
+              <a:rPr lang="en-US" altLang="zh-TW"/>
               <a:t>Avoidance algorithms</a:t>
             </a:r>
           </a:p>
@@ -11179,18 +11328,18 @@
           <a:lstStyle/>
           <a:p>
             <a:r>
-              <a:rPr lang="en-US" altLang="zh-TW" sz="2800" dirty="0" smtClean="0"/>
+              <a:rPr lang="en-US" altLang="zh-TW" sz="2800" dirty="0"/>
               <a:t>Single instance of a resource type</a:t>
             </a:r>
           </a:p>
           <a:p>
             <a:pPr lvl="1"/>
             <a:r>
-              <a:rPr lang="en-US" altLang="zh-TW" sz="2800" dirty="0" smtClean="0"/>
+              <a:rPr lang="en-US" altLang="zh-TW" sz="2800" dirty="0"/>
               <a:t>Use </a:t>
             </a:r>
             <a:r>
-              <a:rPr lang="en-US" altLang="zh-TW" sz="2800" b="1" dirty="0" smtClean="0">
+              <a:rPr lang="en-US" altLang="zh-TW" sz="2800" b="1" dirty="0">
                 <a:solidFill>
                   <a:srgbClr val="FF0000"/>
                 </a:solidFill>
@@ -11200,18 +11349,18 @@
           </a:p>
           <a:p>
             <a:r>
-              <a:rPr lang="en-US" altLang="zh-TW" sz="2800" dirty="0" smtClean="0"/>
+              <a:rPr lang="en-US" altLang="zh-TW" sz="2800" dirty="0"/>
               <a:t>Multiple instances of a resource type</a:t>
             </a:r>
           </a:p>
           <a:p>
             <a:pPr lvl="1"/>
             <a:r>
-              <a:rPr lang="en-US" altLang="zh-TW" sz="2800" dirty="0" smtClean="0"/>
+              <a:rPr lang="en-US" altLang="zh-TW" sz="2800" dirty="0"/>
               <a:t> Use the </a:t>
             </a:r>
             <a:r>
-              <a:rPr lang="en-US" altLang="zh-TW" sz="2800" b="1" dirty="0" smtClean="0">
+              <a:rPr lang="en-US" altLang="zh-TW" sz="2800" b="1" dirty="0">
                 <a:solidFill>
                   <a:srgbClr val="FF0000"/>
                 </a:solidFill>
@@ -11509,7 +11658,7 @@
           <a:p>
             <a:pPr eaLnBrk="1" hangingPunct="1"/>
             <a:r>
-              <a:rPr lang="en-US" altLang="zh-TW" dirty="0" smtClean="0"/>
+              <a:rPr lang="en-US" altLang="zh-TW" dirty="0"/>
               <a:t>Resource-Allocation Graph Scheme</a:t>
             </a:r>
           </a:p>
@@ -11536,7 +11685,7 @@
           <a:lstStyle/>
           <a:p>
             <a:r>
-              <a:rPr lang="en-US" altLang="zh-TW" sz="2400" b="1" dirty="0" smtClean="0">
+              <a:rPr lang="en-US" altLang="zh-TW" sz="2400" b="1" dirty="0">
                 <a:solidFill>
                   <a:srgbClr val="FF0000"/>
                 </a:solidFill>
@@ -11544,79 +11693,79 @@
               <a:t>Claim edge </a:t>
             </a:r>
             <a:r>
-              <a:rPr lang="en-US" altLang="zh-TW" sz="2400" i="1" dirty="0" smtClean="0"/>
+              <a:rPr lang="en-US" altLang="zh-TW" sz="2400" i="1" dirty="0"/>
               <a:t>P</a:t>
             </a:r>
             <a:r>
-              <a:rPr lang="en-US" altLang="zh-TW" sz="2400" i="1" baseline="-25000" dirty="0" smtClean="0"/>
+              <a:rPr lang="en-US" altLang="zh-TW" sz="2400" i="1" baseline="-25000" dirty="0"/>
               <a:t>i</a:t>
             </a:r>
             <a:r>
-              <a:rPr lang="en-US" altLang="zh-TW" sz="2400" dirty="0" smtClean="0"/>
+              <a:rPr lang="en-US" altLang="zh-TW" sz="2400" dirty="0"/>
               <a:t> </a:t>
             </a:r>
             <a:r>
-              <a:rPr lang="en-US" altLang="zh-TW" sz="2400" dirty="0" smtClean="0">
+              <a:rPr lang="en-US" altLang="zh-TW" sz="2400" dirty="0">
                 <a:sym typeface="Symbol" pitchFamily="18" charset="2"/>
               </a:rPr>
               <a:t> </a:t>
             </a:r>
             <a:r>
-              <a:rPr lang="en-US" altLang="zh-TW" sz="2400" i="1" dirty="0" err="1" smtClean="0">
+              <a:rPr lang="en-US" altLang="zh-TW" sz="2400" i="1" dirty="0" err="1">
                 <a:sym typeface="Symbol" pitchFamily="18" charset="2"/>
               </a:rPr>
               <a:t>R</a:t>
             </a:r>
             <a:r>
-              <a:rPr lang="en-US" altLang="zh-TW" sz="2400" i="1" baseline="-25000" dirty="0" err="1" smtClean="0">
+              <a:rPr lang="en-US" altLang="zh-TW" sz="2400" i="1" baseline="-25000" dirty="0" err="1">
                 <a:sym typeface="Symbol" pitchFamily="18" charset="2"/>
               </a:rPr>
               <a:t>j</a:t>
             </a:r>
             <a:r>
-              <a:rPr lang="en-US" altLang="zh-TW" sz="2400" dirty="0" smtClean="0">
+              <a:rPr lang="en-US" altLang="zh-TW" sz="2400" dirty="0">
                 <a:sym typeface="Symbol" pitchFamily="18" charset="2"/>
               </a:rPr>
               <a:t> indicated that process </a:t>
             </a:r>
             <a:r>
-              <a:rPr lang="en-US" altLang="zh-TW" sz="2400" i="1" dirty="0" smtClean="0">
+              <a:rPr lang="en-US" altLang="zh-TW" sz="2400" i="1" dirty="0">
                 <a:sym typeface="Symbol" pitchFamily="18" charset="2"/>
               </a:rPr>
               <a:t>P</a:t>
             </a:r>
             <a:r>
-              <a:rPr lang="en-US" altLang="zh-TW" sz="2400" i="1" baseline="-25000" dirty="0" smtClean="0">
+              <a:rPr lang="en-US" altLang="zh-TW" sz="2400" i="1" baseline="-25000" dirty="0">
                 <a:sym typeface="Symbol" pitchFamily="18" charset="2"/>
               </a:rPr>
               <a:t>i</a:t>
             </a:r>
             <a:r>
-              <a:rPr lang="en-US" altLang="zh-TW" sz="2400" dirty="0" smtClean="0">
+              <a:rPr lang="en-US" altLang="zh-TW" sz="2400" dirty="0">
                 <a:sym typeface="Symbol" pitchFamily="18" charset="2"/>
               </a:rPr>
               <a:t> may request resource </a:t>
             </a:r>
             <a:r>
-              <a:rPr lang="en-US" altLang="zh-TW" sz="2400" i="1" dirty="0" err="1" smtClean="0">
+              <a:rPr lang="en-US" altLang="zh-TW" sz="2400" i="1" dirty="0" err="1">
                 <a:sym typeface="Symbol" pitchFamily="18" charset="2"/>
               </a:rPr>
               <a:t>R</a:t>
             </a:r>
             <a:r>
-              <a:rPr lang="en-US" altLang="zh-TW" i="1" baseline="-25000" dirty="0" err="1" smtClean="0">
+              <a:rPr lang="en-US" altLang="zh-TW" i="1" baseline="-25000" dirty="0" err="1">
                 <a:sym typeface="Symbol" pitchFamily="18" charset="2"/>
               </a:rPr>
               <a:t>j</a:t>
             </a:r>
             <a:r>
-              <a:rPr lang="en-US" altLang="zh-TW" i="1" dirty="0" smtClean="0">
+              <a:rPr lang="en-US" altLang="zh-TW" i="1" dirty="0">
                 <a:sym typeface="Symbol" pitchFamily="18" charset="2"/>
               </a:rPr>
               <a:t> </a:t>
             </a:r>
             <a:r>
-              <a:rPr lang="en-US" altLang="zh-TW" sz="2400" dirty="0" smtClean="0">
+              <a:rPr lang="en-US" altLang="zh-TW" sz="2400" dirty="0">
                 <a:sym typeface="Symbol" pitchFamily="18" charset="2"/>
               </a:rPr>
               <a:t>; represented by a dashed line</a:t>
@@ -11624,13 +11773,13 @@
           </a:p>
           <a:p>
             <a:r>
-              <a:rPr lang="en-US" altLang="zh-TW" sz="2400" dirty="0" smtClean="0">
+              <a:rPr lang="en-US" altLang="zh-TW" sz="2400" dirty="0">
                 <a:sym typeface="Symbol" pitchFamily="18" charset="2"/>
               </a:rPr>
               <a:t>Claim edge converts to </a:t>
             </a:r>
             <a:r>
-              <a:rPr lang="en-US" altLang="zh-TW" sz="2400" dirty="0" smtClean="0">
+              <a:rPr lang="en-US" altLang="zh-TW" sz="2400" dirty="0">
                 <a:solidFill>
                   <a:srgbClr val="FF0000"/>
                 </a:solidFill>
@@ -11639,7 +11788,7 @@
               <a:t>request edge </a:t>
             </a:r>
             <a:r>
-              <a:rPr lang="en-US" altLang="zh-TW" sz="2400" dirty="0" smtClean="0">
+              <a:rPr lang="en-US" altLang="zh-TW" sz="2400" dirty="0">
                 <a:sym typeface="Symbol" pitchFamily="18" charset="2"/>
               </a:rPr>
               <a:t>when a process requests a resource</a:t>
@@ -11647,13 +11796,13 @@
           </a:p>
           <a:p>
             <a:r>
-              <a:rPr lang="en-US" altLang="zh-TW" sz="2400" dirty="0" smtClean="0">
+              <a:rPr lang="en-US" altLang="zh-TW" sz="2400" dirty="0">
                 <a:sym typeface="Symbol" pitchFamily="18" charset="2"/>
               </a:rPr>
               <a:t>Request edge converted to an </a:t>
             </a:r>
             <a:r>
-              <a:rPr lang="en-US" altLang="zh-TW" sz="2400" dirty="0" smtClean="0">
+              <a:rPr lang="en-US" altLang="zh-TW" sz="2400" dirty="0">
                 <a:solidFill>
                   <a:srgbClr val="FF0000"/>
                 </a:solidFill>
@@ -11662,7 +11811,7 @@
               <a:t>assignment edge </a:t>
             </a:r>
             <a:r>
-              <a:rPr lang="en-US" altLang="zh-TW" sz="2400" dirty="0" smtClean="0">
+              <a:rPr lang="en-US" altLang="zh-TW" sz="2400" dirty="0">
                 <a:sym typeface="Symbol" pitchFamily="18" charset="2"/>
               </a:rPr>
               <a:t>when the  resource is allocated to the process</a:t>
@@ -11670,7 +11819,7 @@
           </a:p>
           <a:p>
             <a:r>
-              <a:rPr lang="en-US" altLang="zh-TW" sz="2400" dirty="0" smtClean="0">
+              <a:rPr lang="en-US" altLang="zh-TW" sz="2400" dirty="0">
                 <a:sym typeface="Symbol" pitchFamily="18" charset="2"/>
               </a:rPr>
               <a:t>When a resource is released by a process, assignment edge reconverts to a claim edge</a:t>
@@ -11678,13 +11827,13 @@
           </a:p>
           <a:p>
             <a:r>
-              <a:rPr lang="en-US" altLang="zh-TW" sz="2400" dirty="0" smtClean="0">
+              <a:rPr lang="en-US" altLang="zh-TW" sz="2400" dirty="0">
                 <a:sym typeface="Symbol" pitchFamily="18" charset="2"/>
               </a:rPr>
               <a:t>Resources must be claimed </a:t>
             </a:r>
             <a:r>
-              <a:rPr lang="en-US" altLang="zh-TW" sz="2400" b="1" i="1" dirty="0" smtClean="0">
+              <a:rPr lang="en-US" altLang="zh-TW" sz="2400" b="1" i="1" dirty="0">
                 <a:solidFill>
                   <a:srgbClr val="FF0000"/>
                 </a:solidFill>
@@ -11693,7 +11842,7 @@
               <a:t>a priori</a:t>
             </a:r>
             <a:r>
-              <a:rPr lang="en-US" altLang="zh-TW" sz="2400" b="1" dirty="0" smtClean="0">
+              <a:rPr lang="en-US" altLang="zh-TW" sz="2400" b="1" dirty="0">
                 <a:solidFill>
                   <a:srgbClr val="FF0000"/>
                 </a:solidFill>
@@ -11702,12 +11851,12 @@
               <a:t> </a:t>
             </a:r>
             <a:r>
-              <a:rPr lang="en-US" altLang="zh-TW" sz="2400" dirty="0" smtClean="0">
+              <a:rPr lang="en-US" altLang="zh-TW" sz="2400" dirty="0">
                 <a:sym typeface="Symbol" pitchFamily="18" charset="2"/>
               </a:rPr>
               <a:t>in the system</a:t>
             </a:r>
-            <a:endParaRPr lang="en-US" altLang="zh-TW" sz="2400" dirty="0" smtClean="0"/>
+            <a:endParaRPr lang="en-US" altLang="zh-TW" sz="2400" dirty="0"/>
           </a:p>
         </p:txBody>
       </p:sp>
@@ -12096,7 +12245,7 @@
           <a:p>
             <a:pPr eaLnBrk="1" hangingPunct="1"/>
             <a:r>
-              <a:rPr lang="en-US" altLang="zh-TW" smtClean="0"/>
+              <a:rPr lang="en-US" altLang="zh-TW"/>
               <a:t>Resource-Allocation Graph</a:t>
             </a:r>
           </a:p>
@@ -12157,7 +12306,7 @@
           <a:lstStyle/>
           <a:p>
             <a:r>
-              <a:rPr lang="en-US" altLang="zh-TW" b="1" dirty="0" smtClean="0">
+              <a:rPr lang="en-US" altLang="zh-TW" b="1" dirty="0">
                 <a:solidFill>
                   <a:srgbClr val="FF0000"/>
                 </a:solidFill>
@@ -12165,31 +12314,31 @@
               <a:t>Claim edge </a:t>
             </a:r>
             <a:r>
-              <a:rPr lang="en-US" altLang="zh-TW" i="1" dirty="0" smtClean="0"/>
+              <a:rPr lang="en-US" altLang="zh-TW" i="1" dirty="0"/>
               <a:t>P</a:t>
             </a:r>
             <a:r>
-              <a:rPr lang="en-US" altLang="zh-TW" i="1" baseline="-25000" dirty="0" smtClean="0"/>
+              <a:rPr lang="en-US" altLang="zh-TW" i="1" baseline="-25000" dirty="0"/>
               <a:t>i</a:t>
             </a:r>
             <a:r>
-              <a:rPr lang="en-US" altLang="zh-TW" dirty="0" smtClean="0"/>
+              <a:rPr lang="en-US" altLang="zh-TW" dirty="0"/>
               <a:t> </a:t>
             </a:r>
             <a:r>
-              <a:rPr lang="en-US" altLang="zh-TW" dirty="0" smtClean="0">
+              <a:rPr lang="en-US" altLang="zh-TW" dirty="0">
                 <a:sym typeface="Symbol" pitchFamily="18" charset="2"/>
               </a:rPr>
               <a:t> </a:t>
             </a:r>
             <a:r>
-              <a:rPr lang="en-US" altLang="zh-TW" i="1" dirty="0" err="1" smtClean="0">
+              <a:rPr lang="en-US" altLang="zh-TW" i="1" dirty="0" err="1">
                 <a:sym typeface="Symbol" pitchFamily="18" charset="2"/>
               </a:rPr>
               <a:t>R</a:t>
             </a:r>
             <a:r>
-              <a:rPr lang="en-US" altLang="zh-TW" i="1" baseline="-25000" dirty="0" err="1" smtClean="0">
+              <a:rPr lang="en-US" altLang="zh-TW" i="1" baseline="-25000" dirty="0" err="1">
                 <a:sym typeface="Symbol" pitchFamily="18" charset="2"/>
               </a:rPr>
               <a:t>j</a:t>
@@ -12221,7 +12370,7 @@
           <a:lstStyle/>
           <a:p>
             <a:r>
-              <a:rPr lang="en-US" altLang="zh-TW" sz="2400" b="1" dirty="0" smtClean="0">
+              <a:rPr lang="en-US" altLang="zh-TW" sz="2400" b="1" dirty="0">
                 <a:solidFill>
                   <a:srgbClr val="FF0000"/>
                 </a:solidFill>
@@ -12259,7 +12408,7 @@
           <a:lstStyle/>
           <a:p>
             <a:r>
-              <a:rPr lang="en-US" altLang="zh-TW" sz="2400" b="1" dirty="0" smtClean="0">
+              <a:rPr lang="en-US" altLang="zh-TW" sz="2400" b="1" dirty="0">
                 <a:solidFill>
                   <a:srgbClr val="FF0000"/>
                 </a:solidFill>
@@ -12297,7 +12446,7 @@
           <a:lstStyle/>
           <a:p>
             <a:r>
-              <a:rPr lang="en-US" altLang="zh-TW" b="1" dirty="0" smtClean="0">
+              <a:rPr lang="en-US" altLang="zh-TW" b="1" dirty="0">
                 <a:solidFill>
                   <a:srgbClr val="FF0000"/>
                 </a:solidFill>
@@ -12305,31 +12454,31 @@
               <a:t>Claim edge </a:t>
             </a:r>
             <a:r>
-              <a:rPr lang="en-US" altLang="zh-TW" i="1" dirty="0" smtClean="0"/>
+              <a:rPr lang="en-US" altLang="zh-TW" i="1" dirty="0"/>
               <a:t>P</a:t>
             </a:r>
             <a:r>
-              <a:rPr lang="en-US" altLang="zh-TW" i="1" baseline="-25000" dirty="0" smtClean="0"/>
+              <a:rPr lang="en-US" altLang="zh-TW" i="1" baseline="-25000" dirty="0"/>
               <a:t>i</a:t>
             </a:r>
             <a:r>
-              <a:rPr lang="en-US" altLang="zh-TW" dirty="0" smtClean="0"/>
+              <a:rPr lang="en-US" altLang="zh-TW" dirty="0"/>
               <a:t> </a:t>
             </a:r>
             <a:r>
-              <a:rPr lang="en-US" altLang="zh-TW" dirty="0" smtClean="0">
+              <a:rPr lang="en-US" altLang="zh-TW" dirty="0">
                 <a:sym typeface="Symbol" pitchFamily="18" charset="2"/>
               </a:rPr>
               <a:t> </a:t>
             </a:r>
             <a:r>
-              <a:rPr lang="en-US" altLang="zh-TW" i="1" dirty="0" err="1" smtClean="0">
+              <a:rPr lang="en-US" altLang="zh-TW" i="1" dirty="0" err="1">
                 <a:sym typeface="Symbol" pitchFamily="18" charset="2"/>
               </a:rPr>
               <a:t>R</a:t>
             </a:r>
             <a:r>
-              <a:rPr lang="en-US" altLang="zh-TW" i="1" baseline="-25000" dirty="0" err="1" smtClean="0">
+              <a:rPr lang="en-US" altLang="zh-TW" i="1" baseline="-25000" dirty="0" err="1">
                 <a:sym typeface="Symbol" pitchFamily="18" charset="2"/>
               </a:rPr>
               <a:t>j</a:t>
@@ -12343,13 +12492,6 @@
   <p:clrMapOvr>
     <a:masterClrMapping/>
   </p:clrMapOvr>
-  <p:timing>
-    <p:tnLst>
-      <p:par>
-        <p:cTn id="1" dur="indefinite" restart="never" nodeType="tmRoot"/>
-      </p:par>
-    </p:tnLst>
-  </p:timing>
 </p:sld>
 </file>
 
@@ -12392,7 +12534,7 @@
           <a:p>
             <a:pPr eaLnBrk="1" hangingPunct="1"/>
             <a:r>
-              <a:rPr lang="en-US" altLang="zh-TW" dirty="0" smtClean="0"/>
+              <a:rPr lang="en-US" altLang="zh-TW" dirty="0"/>
               <a:t>Unsafe State In Resource-Allocation Graph</a:t>
             </a:r>
           </a:p>
@@ -12589,7 +12731,7 @@
           <a:p>
             <a:pPr eaLnBrk="1" hangingPunct="1"/>
             <a:r>
-              <a:rPr lang="en-US" altLang="zh-TW" smtClean="0"/>
+              <a:rPr lang="en-US" altLang="zh-TW"/>
               <a:t>Resource-Allocation Graph Algorithm</a:t>
             </a:r>
           </a:p>
@@ -12616,46 +12758,58 @@
           <a:lstStyle/>
           <a:p>
             <a:r>
-              <a:rPr lang="en-US" altLang="zh-TW" sz="2800" dirty="0" smtClean="0"/>
+              <a:rPr lang="en-US" altLang="zh-TW" sz="2800" dirty="0"/>
               <a:t>Suppose that process</a:t>
             </a:r>
             <a:r>
-              <a:rPr lang="en-US" altLang="zh-TW" sz="2800" i="1" dirty="0" smtClean="0"/>
+              <a:rPr lang="en-US" altLang="zh-TW" sz="2800" i="1" dirty="0"/>
               <a:t> P</a:t>
             </a:r>
             <a:r>
-              <a:rPr lang="en-US" altLang="zh-TW" sz="2800" i="1" baseline="-25000" dirty="0" smtClean="0"/>
+              <a:rPr lang="en-US" altLang="zh-TW" sz="2800" i="1" baseline="-25000" dirty="0"/>
               <a:t>i</a:t>
             </a:r>
             <a:r>
-              <a:rPr lang="en-US" altLang="zh-TW" sz="2800" dirty="0" smtClean="0"/>
+              <a:rPr lang="en-US" altLang="zh-TW" sz="2800" dirty="0"/>
               <a:t> requests a resource </a:t>
             </a:r>
             <a:r>
-              <a:rPr lang="en-US" altLang="zh-TW" sz="2800" i="1" dirty="0" err="1" smtClean="0">
+              <a:rPr lang="en-US" altLang="zh-TW" sz="2800" i="1" dirty="0" err="1">
                 <a:sym typeface="Symbol" pitchFamily="18" charset="2"/>
               </a:rPr>
               <a:t>R</a:t>
             </a:r>
             <a:r>
-              <a:rPr lang="en-US" altLang="zh-TW" sz="2800" i="1" baseline="-25000" dirty="0" err="1" smtClean="0">
+              <a:rPr lang="en-US" altLang="zh-TW" sz="2800" i="1" baseline="-25000" dirty="0" err="1">
                 <a:sym typeface="Symbol" pitchFamily="18" charset="2"/>
               </a:rPr>
               <a:t>j</a:t>
             </a:r>
-            <a:endParaRPr lang="en-US" altLang="zh-TW" sz="2800" i="1" baseline="-25000" dirty="0" smtClean="0">
+            <a:endParaRPr lang="en-US" altLang="zh-TW" sz="2800" i="1" baseline="-25000" dirty="0">
               <a:sym typeface="Symbol" pitchFamily="18" charset="2"/>
             </a:endParaRPr>
           </a:p>
           <a:p>
             <a:r>
-              <a:rPr lang="en-US" altLang="zh-TW" sz="2800" dirty="0" smtClean="0">
+              <a:rPr lang="en-US" altLang="zh-TW" sz="2800" dirty="0">
                 <a:sym typeface="Symbol" pitchFamily="18" charset="2"/>
               </a:rPr>
-              <a:t>The request can be granted only </a:t>
-            </a:r>
-            <a:r>
-              <a:rPr lang="en-US" altLang="zh-TW" sz="2800" dirty="0" smtClean="0">
+              <a:t>The request can be granted</a:t>
+            </a:r>
+            <a:r>
+              <a:rPr lang="zh-TW" altLang="en-US" sz="2800" dirty="0">
+                <a:sym typeface="Symbol" pitchFamily="18" charset="2"/>
+              </a:rPr>
+              <a:t>授權</a:t>
+            </a:r>
+            <a:r>
+              <a:rPr lang="en-US" altLang="zh-TW" sz="2800" dirty="0">
+                <a:sym typeface="Symbol" pitchFamily="18" charset="2"/>
+              </a:rPr>
+              <a:t> only </a:t>
+            </a:r>
+            <a:r>
+              <a:rPr lang="en-US" altLang="zh-TW" sz="2800" dirty="0">
                 <a:solidFill>
                   <a:srgbClr val="FF0000"/>
                 </a:solidFill>
@@ -12664,7 +12818,7 @@
               <a:t>if converting the request edge to an assignment edge does not result in the formation of a cycle </a:t>
             </a:r>
             <a:r>
-              <a:rPr lang="en-US" altLang="zh-TW" sz="2800" dirty="0" smtClean="0">
+              <a:rPr lang="en-US" altLang="zh-TW" sz="2800" dirty="0">
                 <a:sym typeface="Symbol" pitchFamily="18" charset="2"/>
               </a:rPr>
               <a:t>in the resource allocation graph</a:t>
@@ -12791,46 +12945,46 @@
           <a:lstStyle/>
           <a:p>
             <a:r>
-              <a:rPr lang="en-US" altLang="zh-TW" b="1" i="1" dirty="0" smtClean="0">
+              <a:rPr lang="en-US" altLang="zh-TW" b="1" i="1" dirty="0">
                 <a:latin typeface="Candara" pitchFamily="34" charset="0"/>
               </a:rPr>
               <a:t>P</a:t>
             </a:r>
             <a:r>
-              <a:rPr lang="en-US" altLang="zh-TW" b="1" i="1" baseline="-25000" dirty="0" smtClean="0">
+              <a:rPr lang="en-US" altLang="zh-TW" b="1" i="1" baseline="-25000" dirty="0">
                 <a:latin typeface="Candara" pitchFamily="34" charset="0"/>
               </a:rPr>
               <a:t>1</a:t>
             </a:r>
             <a:r>
-              <a:rPr lang="en-US" altLang="zh-TW" b="1" dirty="0" smtClean="0">
+              <a:rPr lang="en-US" altLang="zh-TW" b="1" dirty="0">
                 <a:latin typeface="Candara" pitchFamily="34" charset="0"/>
               </a:rPr>
               <a:t> </a:t>
             </a:r>
             <a:r>
-              <a:rPr lang="en-US" altLang="zh-TW" b="1" dirty="0" smtClean="0">
+              <a:rPr lang="en-US" altLang="zh-TW" b="1" dirty="0">
                 <a:latin typeface="Candara" pitchFamily="34" charset="0"/>
                 <a:sym typeface="Symbol" pitchFamily="18" charset="2"/>
               </a:rPr>
               <a:t> </a:t>
             </a:r>
             <a:r>
-              <a:rPr lang="en-US" altLang="zh-TW" b="1" i="1" dirty="0" smtClean="0">
+              <a:rPr lang="en-US" altLang="zh-TW" b="1" i="1" dirty="0">
                 <a:latin typeface="Candara" pitchFamily="34" charset="0"/>
                 <a:sym typeface="Symbol" pitchFamily="18" charset="2"/>
               </a:rPr>
               <a:t>R</a:t>
             </a:r>
             <a:r>
-              <a:rPr lang="en-US" altLang="zh-TW" b="1" i="1" baseline="-25000" dirty="0" smtClean="0">
+              <a:rPr lang="en-US" altLang="zh-TW" b="1" i="1" baseline="-25000" dirty="0">
                 <a:latin typeface="Candara" pitchFamily="34" charset="0"/>
                 <a:sym typeface="Symbol" pitchFamily="18" charset="2"/>
               </a:rPr>
               <a:t>2</a:t>
             </a:r>
             <a:r>
-              <a:rPr lang="en-US" altLang="zh-TW" b="1" i="1" dirty="0" smtClean="0">
+              <a:rPr lang="en-US" altLang="zh-TW" b="1" i="1" dirty="0">
                 <a:latin typeface="Candara" pitchFamily="34" charset="0"/>
                 <a:sym typeface="Symbol" pitchFamily="18" charset="2"/>
               </a:rPr>
@@ -12865,40 +13019,40 @@
           <a:lstStyle/>
           <a:p>
             <a:r>
-              <a:rPr lang="en-US" altLang="zh-TW" b="1" i="1" dirty="0" smtClean="0">
+              <a:rPr lang="en-US" altLang="zh-TW" b="1" i="1" dirty="0">
                 <a:latin typeface="Candara" pitchFamily="34" charset="0"/>
               </a:rPr>
               <a:t>P</a:t>
             </a:r>
             <a:r>
-              <a:rPr lang="en-US" altLang="zh-TW" b="1" i="1" baseline="-25000" dirty="0" smtClean="0">
+              <a:rPr lang="en-US" altLang="zh-TW" b="1" i="1" baseline="-25000" dirty="0">
                 <a:latin typeface="Candara" pitchFamily="34" charset="0"/>
               </a:rPr>
               <a:t>2</a:t>
             </a:r>
             <a:r>
-              <a:rPr lang="en-US" altLang="zh-TW" b="1" dirty="0" smtClean="0">
+              <a:rPr lang="en-US" altLang="zh-TW" b="1" dirty="0">
                 <a:latin typeface="Candara" pitchFamily="34" charset="0"/>
                 <a:sym typeface="Symbol" pitchFamily="18" charset="2"/>
               </a:rPr>
               <a:t> </a:t>
             </a:r>
             <a:r>
-              <a:rPr lang="en-US" altLang="zh-TW" b="1" i="1" dirty="0" smtClean="0">
+              <a:rPr lang="en-US" altLang="zh-TW" b="1" i="1" dirty="0">
                 <a:latin typeface="Candara" pitchFamily="34" charset="0"/>
                 <a:sym typeface="Symbol" pitchFamily="18" charset="2"/>
               </a:rPr>
               <a:t>R</a:t>
             </a:r>
             <a:r>
-              <a:rPr lang="en-US" altLang="zh-TW" b="1" i="1" baseline="-25000" dirty="0" smtClean="0">
+              <a:rPr lang="en-US" altLang="zh-TW" b="1" i="1" baseline="-25000" dirty="0">
                 <a:latin typeface="Candara" pitchFamily="34" charset="0"/>
                 <a:sym typeface="Symbol" pitchFamily="18" charset="2"/>
               </a:rPr>
               <a:t>2</a:t>
             </a:r>
             <a:r>
-              <a:rPr lang="en-US" altLang="zh-TW" b="1" i="1" dirty="0" smtClean="0">
+              <a:rPr lang="en-US" altLang="zh-TW" b="1" i="1" dirty="0">
                 <a:latin typeface="Candara" pitchFamily="34" charset="0"/>
                 <a:sym typeface="Symbol" pitchFamily="18" charset="2"/>
               </a:rPr>
@@ -13456,7 +13610,7 @@
           <a:p>
             <a:pPr eaLnBrk="1" hangingPunct="1"/>
             <a:r>
-              <a:rPr lang="en-US" altLang="zh-TW" smtClean="0"/>
+              <a:rPr lang="en-US" altLang="zh-TW"/>
               <a:t>Banker’s Algorithm</a:t>
             </a:r>
           </a:p>
@@ -13483,17 +13637,17 @@
           <a:lstStyle/>
           <a:p>
             <a:r>
-              <a:rPr lang="en-US" altLang="zh-TW" sz="2800" dirty="0" smtClean="0"/>
+              <a:rPr lang="en-US" altLang="zh-TW" sz="2800" dirty="0"/>
               <a:t>Multiple instances</a:t>
             </a:r>
           </a:p>
           <a:p>
             <a:r>
-              <a:rPr lang="en-US" altLang="zh-TW" sz="2800" dirty="0" smtClean="0"/>
+              <a:rPr lang="en-US" altLang="zh-TW" sz="2800" dirty="0"/>
               <a:t>Each process must </a:t>
             </a:r>
             <a:r>
-              <a:rPr lang="en-US" altLang="zh-TW" sz="2800" dirty="0" smtClean="0">
+              <a:rPr lang="en-US" altLang="zh-TW" sz="2800" dirty="0">
                 <a:solidFill>
                   <a:srgbClr val="FF0000"/>
                 </a:solidFill>
@@ -13501,19 +13655,19 @@
               <a:t>a priori </a:t>
             </a:r>
             <a:r>
-              <a:rPr lang="en-US" altLang="zh-TW" sz="2800" dirty="0" smtClean="0"/>
+              <a:rPr lang="en-US" altLang="zh-TW" sz="2800" dirty="0"/>
               <a:t>claim maximum use</a:t>
             </a:r>
           </a:p>
           <a:p>
             <a:r>
-              <a:rPr lang="en-US" altLang="zh-TW" sz="2800" dirty="0" smtClean="0"/>
+              <a:rPr lang="en-US" altLang="zh-TW" sz="2800" dirty="0"/>
               <a:t>When a process requests a resource it may have to wait </a:t>
             </a:r>
           </a:p>
           <a:p>
             <a:r>
-              <a:rPr lang="en-US" altLang="zh-TW" sz="2800" dirty="0" smtClean="0"/>
+              <a:rPr lang="en-US" altLang="zh-TW" sz="2800" dirty="0"/>
               <a:t>When a process gets all its resources it must return them in a finite amount of time</a:t>
             </a:r>
           </a:p>
@@ -13843,7 +13997,7 @@
           <a:p>
             <a:pPr eaLnBrk="1" hangingPunct="1"/>
             <a:r>
-              <a:rPr lang="en-US" altLang="zh-TW" sz="3200" dirty="0" smtClean="0"/>
+              <a:rPr lang="en-US" altLang="zh-TW" sz="3200" dirty="0"/>
               <a:t>Data Structures for the Banker’s Algorithm </a:t>
             </a:r>
           </a:p>
@@ -13870,7 +14024,7 @@
           <a:lstStyle/>
           <a:p>
             <a:r>
-              <a:rPr lang="en-US" altLang="zh-TW" sz="2400" b="1" dirty="0" smtClean="0">
+              <a:rPr lang="en-US" altLang="zh-TW" sz="2400" b="1" dirty="0">
                 <a:solidFill>
                   <a:srgbClr val="FF0000"/>
                 </a:solidFill>
@@ -13878,7 +14032,7 @@
               <a:t>Available</a:t>
             </a:r>
             <a:r>
-              <a:rPr lang="en-US" altLang="zh-TW" sz="2400" i="1" dirty="0" smtClean="0">
+              <a:rPr lang="en-US" altLang="zh-TW" sz="2400" i="1" dirty="0">
                 <a:solidFill>
                   <a:srgbClr val="FF0000"/>
                 </a:solidFill>
@@ -13886,61 +14040,61 @@
               <a:t>:</a:t>
             </a:r>
             <a:r>
-              <a:rPr lang="en-US" altLang="zh-TW" sz="2400" dirty="0" smtClean="0"/>
+              <a:rPr lang="en-US" altLang="zh-TW" sz="2400" dirty="0"/>
               <a:t>  Vector of length </a:t>
             </a:r>
             <a:r>
-              <a:rPr lang="en-US" altLang="zh-TW" sz="2400" i="1" dirty="0" smtClean="0"/>
+              <a:rPr lang="en-US" altLang="zh-TW" sz="2400" i="1" dirty="0"/>
               <a:t>m</a:t>
             </a:r>
             <a:r>
-              <a:rPr lang="en-US" altLang="zh-TW" sz="2400" dirty="0" smtClean="0"/>
+              <a:rPr lang="en-US" altLang="zh-TW" sz="2400" dirty="0"/>
               <a:t>. If available [</a:t>
             </a:r>
             <a:r>
-              <a:rPr lang="en-US" altLang="zh-TW" sz="2400" i="1" dirty="0" smtClean="0"/>
+              <a:rPr lang="en-US" altLang="zh-TW" sz="2400" i="1" dirty="0"/>
               <a:t>j</a:t>
             </a:r>
             <a:r>
-              <a:rPr lang="en-US" altLang="zh-TW" sz="2400" dirty="0" smtClean="0"/>
+              <a:rPr lang="en-US" altLang="zh-TW" sz="2400" dirty="0"/>
               <a:t>] = </a:t>
             </a:r>
             <a:r>
-              <a:rPr lang="en-US" altLang="zh-TW" sz="2400" i="1" dirty="0" smtClean="0"/>
+              <a:rPr lang="en-US" altLang="zh-TW" sz="2400" i="1" dirty="0"/>
               <a:t>k</a:t>
             </a:r>
             <a:r>
-              <a:rPr lang="en-US" altLang="zh-TW" sz="2400" dirty="0" smtClean="0"/>
+              <a:rPr lang="en-US" altLang="zh-TW" sz="2400" dirty="0"/>
               <a:t>, there are</a:t>
             </a:r>
             <a:r>
-              <a:rPr lang="en-US" altLang="zh-TW" sz="2400" i="1" dirty="0" smtClean="0"/>
+              <a:rPr lang="en-US" altLang="zh-TW" sz="2400" i="1" dirty="0"/>
               <a:t> k</a:t>
             </a:r>
             <a:r>
-              <a:rPr lang="en-US" altLang="zh-TW" sz="2400" dirty="0" smtClean="0"/>
+              <a:rPr lang="en-US" altLang="zh-TW" sz="2400" dirty="0"/>
               <a:t> instances of resource type </a:t>
             </a:r>
             <a:r>
-              <a:rPr lang="en-US" altLang="zh-TW" sz="2400" i="1" dirty="0" err="1" smtClean="0"/>
+              <a:rPr lang="en-US" altLang="zh-TW" sz="2400" i="1" dirty="0" err="1"/>
               <a:t>R</a:t>
             </a:r>
             <a:r>
-              <a:rPr lang="en-US" altLang="zh-TW" sz="2400" i="1" baseline="-25000" dirty="0" err="1" smtClean="0"/>
+              <a:rPr lang="en-US" altLang="zh-TW" sz="2400" i="1" baseline="-25000" dirty="0" err="1"/>
               <a:t>j</a:t>
             </a:r>
             <a:r>
-              <a:rPr lang="en-US" altLang="zh-TW" sz="2400" baseline="-25000" dirty="0" smtClean="0"/>
+              <a:rPr lang="en-US" altLang="zh-TW" sz="2400" baseline="-25000" dirty="0"/>
               <a:t>  </a:t>
             </a:r>
             <a:r>
-              <a:rPr lang="en-US" altLang="zh-TW" sz="2400" dirty="0" smtClean="0"/>
+              <a:rPr lang="en-US" altLang="zh-TW" sz="2400" dirty="0"/>
               <a:t>available</a:t>
             </a:r>
           </a:p>
           <a:p>
             <a:r>
-              <a:rPr lang="en-US" altLang="zh-TW" sz="2400" b="1" dirty="0" smtClean="0">
+              <a:rPr lang="en-US" altLang="zh-TW" sz="2400" b="1" dirty="0">
                 <a:solidFill>
                   <a:srgbClr val="FF0000"/>
                 </a:solidFill>
@@ -13948,7 +14102,7 @@
               <a:t>Max</a:t>
             </a:r>
             <a:r>
-              <a:rPr lang="en-US" altLang="zh-TW" sz="2400" i="1" dirty="0" smtClean="0">
+              <a:rPr lang="en-US" altLang="zh-TW" sz="2400" i="1" dirty="0">
                 <a:solidFill>
                   <a:srgbClr val="FF0000"/>
                 </a:solidFill>
@@ -13956,74 +14110,74 @@
               <a:t>: </a:t>
             </a:r>
             <a:r>
-              <a:rPr lang="en-US" altLang="zh-TW" sz="2400" i="1" dirty="0" smtClean="0"/>
+              <a:rPr lang="en-US" altLang="zh-TW" sz="2400" i="1" dirty="0"/>
               <a:t>n x m</a:t>
             </a:r>
             <a:r>
-              <a:rPr lang="en-US" altLang="zh-TW" sz="2400" dirty="0" smtClean="0"/>
+              <a:rPr lang="en-US" altLang="zh-TW" sz="2400" dirty="0"/>
               <a:t> matrix.  If </a:t>
             </a:r>
             <a:r>
-              <a:rPr lang="en-US" altLang="zh-TW" sz="2400" i="1" dirty="0" smtClean="0"/>
+              <a:rPr lang="en-US" altLang="zh-TW" sz="2400" i="1" dirty="0"/>
               <a:t>Max </a:t>
             </a:r>
             <a:r>
-              <a:rPr lang="en-US" altLang="zh-TW" sz="2400" dirty="0" smtClean="0"/>
+              <a:rPr lang="en-US" altLang="zh-TW" sz="2400" dirty="0"/>
               <a:t>[</a:t>
             </a:r>
             <a:r>
-              <a:rPr lang="en-US" altLang="zh-TW" sz="2400" i="1" dirty="0" err="1" smtClean="0"/>
+              <a:rPr lang="en-US" altLang="zh-TW" sz="2400" i="1" dirty="0" err="1"/>
               <a:t>i,j</a:t>
             </a:r>
             <a:r>
-              <a:rPr lang="en-US" altLang="zh-TW" sz="2400" dirty="0" smtClean="0"/>
+              <a:rPr lang="en-US" altLang="zh-TW" sz="2400" dirty="0"/>
               <a:t>] = </a:t>
             </a:r>
             <a:r>
-              <a:rPr lang="en-US" altLang="zh-TW" sz="2400" i="1" dirty="0" smtClean="0"/>
+              <a:rPr lang="en-US" altLang="zh-TW" sz="2400" i="1" dirty="0"/>
               <a:t>k</a:t>
             </a:r>
             <a:r>
-              <a:rPr lang="en-US" altLang="zh-TW" sz="2400" dirty="0" smtClean="0"/>
+              <a:rPr lang="en-US" altLang="zh-TW" sz="2400" dirty="0"/>
               <a:t>, then process </a:t>
             </a:r>
             <a:r>
-              <a:rPr lang="en-US" altLang="zh-TW" sz="2400" i="1" dirty="0" smtClean="0"/>
+              <a:rPr lang="en-US" altLang="zh-TW" sz="2400" i="1" dirty="0"/>
               <a:t>P</a:t>
             </a:r>
             <a:r>
-              <a:rPr lang="en-US" altLang="zh-TW" sz="2400" i="1" baseline="-25000" dirty="0" smtClean="0"/>
+              <a:rPr lang="en-US" altLang="zh-TW" sz="2400" i="1" baseline="-25000" dirty="0"/>
               <a:t>i</a:t>
             </a:r>
             <a:r>
-              <a:rPr lang="en-US" altLang="zh-TW" sz="2400" i="1" dirty="0" smtClean="0"/>
+              <a:rPr lang="en-US" altLang="zh-TW" sz="2400" i="1" dirty="0"/>
               <a:t> </a:t>
             </a:r>
             <a:r>
-              <a:rPr lang="en-US" altLang="zh-TW" sz="2400" dirty="0" smtClean="0"/>
+              <a:rPr lang="en-US" altLang="zh-TW" sz="2400" dirty="0"/>
               <a:t>may request at most</a:t>
             </a:r>
             <a:r>
-              <a:rPr lang="en-US" altLang="zh-TW" sz="2400" i="1" dirty="0" smtClean="0"/>
+              <a:rPr lang="en-US" altLang="zh-TW" sz="2400" i="1" dirty="0"/>
               <a:t> k </a:t>
             </a:r>
             <a:r>
-              <a:rPr lang="en-US" altLang="zh-TW" sz="2400" dirty="0" smtClean="0"/>
+              <a:rPr lang="en-US" altLang="zh-TW" sz="2400" dirty="0"/>
               <a:t>instances of resource type </a:t>
             </a:r>
             <a:r>
-              <a:rPr lang="en-US" altLang="zh-TW" sz="2400" i="1" dirty="0" err="1" smtClean="0"/>
+              <a:rPr lang="en-US" altLang="zh-TW" sz="2400" i="1" dirty="0" err="1"/>
               <a:t>R</a:t>
             </a:r>
             <a:r>
-              <a:rPr lang="en-US" altLang="zh-TW" sz="2400" i="1" baseline="-25000" dirty="0" err="1" smtClean="0"/>
+              <a:rPr lang="en-US" altLang="zh-TW" sz="2400" i="1" baseline="-25000" dirty="0" err="1"/>
               <a:t>j</a:t>
             </a:r>
-            <a:endParaRPr lang="en-US" altLang="zh-TW" sz="2400" dirty="0" smtClean="0"/>
-          </a:p>
-          <a:p>
-            <a:r>
-              <a:rPr lang="en-US" altLang="zh-TW" sz="2400" b="1" dirty="0" smtClean="0">
+            <a:endParaRPr lang="en-US" altLang="zh-TW" sz="2400" dirty="0"/>
+          </a:p>
+          <a:p>
+            <a:r>
+              <a:rPr lang="en-US" altLang="zh-TW" sz="2400" b="1" dirty="0">
                 <a:solidFill>
                   <a:srgbClr val="FF0000"/>
                 </a:solidFill>
@@ -14031,7 +14185,7 @@
               <a:t>Allocation</a:t>
             </a:r>
             <a:r>
-              <a:rPr lang="en-US" altLang="zh-TW" sz="2400" i="1" dirty="0" smtClean="0">
+              <a:rPr lang="en-US" altLang="zh-TW" sz="2400" i="1" dirty="0">
                 <a:solidFill>
                   <a:srgbClr val="FF0000"/>
                 </a:solidFill>
@@ -14039,70 +14193,70 @@
               <a:t>:</a:t>
             </a:r>
             <a:r>
-              <a:rPr lang="en-US" altLang="zh-TW" sz="2400" i="1" dirty="0" smtClean="0"/>
+              <a:rPr lang="en-US" altLang="zh-TW" sz="2400" i="1" dirty="0"/>
               <a:t>  n </a:t>
             </a:r>
             <a:r>
-              <a:rPr lang="en-US" altLang="zh-TW" sz="2400" dirty="0" smtClean="0"/>
+              <a:rPr lang="en-US" altLang="zh-TW" sz="2400" dirty="0"/>
               <a:t>x</a:t>
             </a:r>
             <a:r>
-              <a:rPr lang="en-US" altLang="zh-TW" sz="2400" i="1" dirty="0" smtClean="0"/>
+              <a:rPr lang="en-US" altLang="zh-TW" sz="2400" i="1" dirty="0"/>
               <a:t> m</a:t>
             </a:r>
             <a:r>
-              <a:rPr lang="en-US" altLang="zh-TW" sz="2400" dirty="0" smtClean="0"/>
+              <a:rPr lang="en-US" altLang="zh-TW" sz="2400" dirty="0"/>
               <a:t> matrix.  If Allocation[</a:t>
             </a:r>
             <a:r>
-              <a:rPr lang="en-US" altLang="zh-TW" sz="2400" i="1" dirty="0" err="1" smtClean="0"/>
+              <a:rPr lang="en-US" altLang="zh-TW" sz="2400" i="1" dirty="0" err="1"/>
               <a:t>i,j</a:t>
             </a:r>
             <a:r>
-              <a:rPr lang="en-US" altLang="zh-TW" sz="2400" dirty="0" smtClean="0"/>
+              <a:rPr lang="en-US" altLang="zh-TW" sz="2400" dirty="0"/>
               <a:t>] = </a:t>
             </a:r>
             <a:r>
-              <a:rPr lang="en-US" altLang="zh-TW" sz="2400" i="1" dirty="0" smtClean="0"/>
+              <a:rPr lang="en-US" altLang="zh-TW" sz="2400" i="1" dirty="0"/>
               <a:t>k</a:t>
             </a:r>
             <a:r>
-              <a:rPr lang="en-US" altLang="zh-TW" sz="2400" dirty="0" smtClean="0"/>
+              <a:rPr lang="en-US" altLang="zh-TW" sz="2400" dirty="0"/>
               <a:t> then</a:t>
             </a:r>
             <a:r>
-              <a:rPr lang="en-US" altLang="zh-TW" sz="2400" i="1" dirty="0" smtClean="0"/>
+              <a:rPr lang="en-US" altLang="zh-TW" sz="2400" i="1" dirty="0"/>
               <a:t> P</a:t>
             </a:r>
             <a:r>
-              <a:rPr lang="en-US" altLang="zh-TW" sz="2400" i="1" baseline="-25000" dirty="0" smtClean="0"/>
+              <a:rPr lang="en-US" altLang="zh-TW" sz="2400" i="1" baseline="-25000" dirty="0"/>
               <a:t>i</a:t>
             </a:r>
             <a:r>
-              <a:rPr lang="en-US" altLang="zh-TW" sz="2400" dirty="0" smtClean="0"/>
+              <a:rPr lang="en-US" altLang="zh-TW" sz="2400" dirty="0"/>
               <a:t> is currently allocated </a:t>
             </a:r>
             <a:r>
-              <a:rPr lang="en-US" altLang="zh-TW" sz="2400" i="1" dirty="0" smtClean="0"/>
+              <a:rPr lang="en-US" altLang="zh-TW" sz="2400" i="1" dirty="0"/>
               <a:t>k</a:t>
             </a:r>
             <a:r>
-              <a:rPr lang="en-US" altLang="zh-TW" sz="2400" dirty="0" smtClean="0"/>
+              <a:rPr lang="en-US" altLang="zh-TW" sz="2400" dirty="0"/>
               <a:t> instances of </a:t>
             </a:r>
             <a:r>
-              <a:rPr lang="en-US" altLang="zh-TW" sz="2400" i="1" dirty="0" err="1" smtClean="0"/>
+              <a:rPr lang="en-US" altLang="zh-TW" sz="2400" i="1" dirty="0" err="1"/>
               <a:t>R</a:t>
             </a:r>
             <a:r>
-              <a:rPr lang="en-US" altLang="zh-TW" sz="2400" i="1" baseline="-25000" dirty="0" err="1" smtClean="0"/>
+              <a:rPr lang="en-US" altLang="zh-TW" sz="2400" i="1" baseline="-25000" dirty="0" err="1"/>
               <a:t>j</a:t>
             </a:r>
-            <a:endParaRPr lang="en-US" altLang="zh-TW" sz="2400" baseline="-25000" dirty="0" smtClean="0"/>
-          </a:p>
-          <a:p>
-            <a:r>
-              <a:rPr lang="en-US" altLang="zh-TW" sz="2400" b="1" dirty="0" smtClean="0">
+            <a:endParaRPr lang="en-US" altLang="zh-TW" sz="2400" baseline="-25000" dirty="0"/>
+          </a:p>
+          <a:p>
+            <a:r>
+              <a:rPr lang="en-US" altLang="zh-TW" sz="2400" b="1" dirty="0">
                 <a:solidFill>
                   <a:srgbClr val="FF0000"/>
                 </a:solidFill>
@@ -14110,7 +14264,7 @@
               <a:t>Need</a:t>
             </a:r>
             <a:r>
-              <a:rPr lang="en-US" altLang="zh-TW" sz="2400" i="1" dirty="0" smtClean="0">
+              <a:rPr lang="en-US" altLang="zh-TW" sz="2400" i="1" dirty="0">
                 <a:solidFill>
                   <a:srgbClr val="FF0000"/>
                 </a:solidFill>
@@ -14118,79 +14272,79 @@
               <a:t>:</a:t>
             </a:r>
             <a:r>
-              <a:rPr lang="en-US" altLang="zh-TW" sz="2400" i="1" dirty="0" smtClean="0"/>
+              <a:rPr lang="en-US" altLang="zh-TW" sz="2400" i="1" dirty="0"/>
               <a:t>  n </a:t>
             </a:r>
             <a:r>
-              <a:rPr lang="en-US" altLang="zh-TW" sz="2400" dirty="0" smtClean="0"/>
+              <a:rPr lang="en-US" altLang="zh-TW" sz="2400" dirty="0"/>
               <a:t>x</a:t>
             </a:r>
             <a:r>
-              <a:rPr lang="en-US" altLang="zh-TW" sz="2400" i="1" dirty="0" smtClean="0"/>
+              <a:rPr lang="en-US" altLang="zh-TW" sz="2400" i="1" dirty="0"/>
               <a:t> m</a:t>
             </a:r>
             <a:r>
-              <a:rPr lang="en-US" altLang="zh-TW" sz="2400" dirty="0" smtClean="0"/>
+              <a:rPr lang="en-US" altLang="zh-TW" sz="2400" dirty="0"/>
               <a:t> matrix. If </a:t>
             </a:r>
             <a:r>
-              <a:rPr lang="en-US" altLang="zh-TW" sz="2400" i="1" dirty="0" smtClean="0"/>
+              <a:rPr lang="en-US" altLang="zh-TW" sz="2400" i="1" dirty="0"/>
               <a:t>Need</a:t>
             </a:r>
             <a:r>
-              <a:rPr lang="en-US" altLang="zh-TW" sz="2400" dirty="0" smtClean="0"/>
+              <a:rPr lang="en-US" altLang="zh-TW" sz="2400" dirty="0"/>
               <a:t>[</a:t>
             </a:r>
             <a:r>
-              <a:rPr lang="en-US" altLang="zh-TW" sz="2400" i="1" dirty="0" err="1" smtClean="0"/>
+              <a:rPr lang="en-US" altLang="zh-TW" sz="2400" i="1" dirty="0" err="1"/>
               <a:t>i,j</a:t>
             </a:r>
             <a:r>
-              <a:rPr lang="en-US" altLang="zh-TW" sz="2400" dirty="0" smtClean="0"/>
+              <a:rPr lang="en-US" altLang="zh-TW" sz="2400" dirty="0"/>
               <a:t>] =</a:t>
             </a:r>
             <a:r>
-              <a:rPr lang="en-US" altLang="zh-TW" sz="2400" i="1" dirty="0" smtClean="0"/>
+              <a:rPr lang="en-US" altLang="zh-TW" sz="2400" i="1" dirty="0"/>
               <a:t> k</a:t>
             </a:r>
             <a:r>
-              <a:rPr lang="en-US" altLang="zh-TW" sz="2400" dirty="0" smtClean="0"/>
+              <a:rPr lang="en-US" altLang="zh-TW" sz="2400" dirty="0"/>
               <a:t>, then</a:t>
             </a:r>
             <a:r>
-              <a:rPr lang="en-US" altLang="zh-TW" sz="2400" i="1" dirty="0" smtClean="0"/>
+              <a:rPr lang="en-US" altLang="zh-TW" sz="2400" i="1" dirty="0"/>
               <a:t> P</a:t>
             </a:r>
             <a:r>
-              <a:rPr lang="en-US" altLang="zh-TW" sz="2400" i="1" baseline="-25000" dirty="0" smtClean="0"/>
+              <a:rPr lang="en-US" altLang="zh-TW" sz="2400" i="1" baseline="-25000" dirty="0"/>
               <a:t>i</a:t>
             </a:r>
             <a:r>
-              <a:rPr lang="en-US" altLang="zh-TW" sz="2400" dirty="0" smtClean="0"/>
+              <a:rPr lang="en-US" altLang="zh-TW" sz="2400" dirty="0"/>
               <a:t> may need </a:t>
             </a:r>
             <a:r>
-              <a:rPr lang="en-US" altLang="zh-TW" sz="2400" i="1" dirty="0" smtClean="0"/>
+              <a:rPr lang="en-US" altLang="zh-TW" sz="2400" i="1" dirty="0"/>
               <a:t>k</a:t>
             </a:r>
             <a:r>
-              <a:rPr lang="en-US" altLang="zh-TW" sz="2400" dirty="0" smtClean="0"/>
+              <a:rPr lang="en-US" altLang="zh-TW" sz="2400" dirty="0"/>
               <a:t> more instances of </a:t>
             </a:r>
             <a:r>
-              <a:rPr lang="en-US" altLang="zh-TW" sz="2400" i="1" dirty="0" err="1" smtClean="0"/>
+              <a:rPr lang="en-US" altLang="zh-TW" sz="2400" i="1" dirty="0" err="1"/>
               <a:t>R</a:t>
             </a:r>
             <a:r>
-              <a:rPr lang="en-US" altLang="zh-TW" sz="2400" i="1" baseline="-25000" dirty="0" err="1" smtClean="0"/>
+              <a:rPr lang="en-US" altLang="zh-TW" sz="2400" i="1" baseline="-25000" dirty="0" err="1"/>
               <a:t>j</a:t>
             </a:r>
             <a:r>
-              <a:rPr lang="en-US" altLang="zh-TW" sz="2400" baseline="-25000" dirty="0" smtClean="0"/>
+              <a:rPr lang="en-US" altLang="zh-TW" sz="2400" baseline="-25000" dirty="0"/>
               <a:t> </a:t>
             </a:r>
             <a:r>
-              <a:rPr lang="en-US" altLang="zh-TW" sz="2400" dirty="0" smtClean="0"/>
+              <a:rPr lang="en-US" altLang="zh-TW" sz="2400" dirty="0"/>
               <a:t>to complete its task</a:t>
             </a:r>
           </a:p>
@@ -14199,19 +14353,15 @@
               <a:buFont typeface="Monotype Sorts" pitchFamily="2" charset="2"/>
               <a:buNone/>
             </a:pPr>
-            <a:r>
-              <a:rPr lang="en-US" altLang="zh-TW" sz="2400" dirty="0" smtClean="0"/>
-              <a:t/>
-            </a:r>
             <a:br>
-              <a:rPr lang="en-US" altLang="zh-TW" sz="2400" dirty="0" smtClean="0"/>
+              <a:rPr lang="en-US" altLang="zh-TW" sz="2400" dirty="0"/>
             </a:br>
             <a:r>
-              <a:rPr lang="en-US" altLang="zh-TW" sz="2400" dirty="0" smtClean="0"/>
+              <a:rPr lang="en-US" altLang="zh-TW" sz="2400" dirty="0"/>
               <a:t>          </a:t>
             </a:r>
             <a:r>
-              <a:rPr lang="en-US" altLang="zh-TW" sz="2400" b="1" i="1" dirty="0" smtClean="0">
+              <a:rPr lang="en-US" altLang="zh-TW" sz="2400" b="1" i="1" dirty="0">
                 <a:solidFill>
                   <a:srgbClr val="FF0000"/>
                 </a:solidFill>
@@ -14219,7 +14369,7 @@
               <a:t>Need</a:t>
             </a:r>
             <a:r>
-              <a:rPr lang="en-US" altLang="zh-TW" sz="2400" b="1" dirty="0" smtClean="0">
+              <a:rPr lang="en-US" altLang="zh-TW" sz="2400" b="1" dirty="0">
                 <a:solidFill>
                   <a:srgbClr val="FF0000"/>
                 </a:solidFill>
@@ -14227,7 +14377,7 @@
               <a:t> [</a:t>
             </a:r>
             <a:r>
-              <a:rPr lang="en-US" altLang="zh-TW" sz="2400" b="1" i="1" dirty="0" err="1" smtClean="0">
+              <a:rPr lang="en-US" altLang="zh-TW" sz="2400" b="1" i="1" dirty="0" err="1">
                 <a:solidFill>
                   <a:srgbClr val="FF0000"/>
                 </a:solidFill>
@@ -14235,7 +14385,7 @@
               <a:t>i,j</a:t>
             </a:r>
             <a:r>
-              <a:rPr lang="en-US" altLang="zh-TW" sz="2400" b="1" i="1" dirty="0" smtClean="0">
+              <a:rPr lang="en-US" altLang="zh-TW" sz="2400" b="1" i="1" dirty="0">
                 <a:solidFill>
                   <a:srgbClr val="FF0000"/>
                 </a:solidFill>
@@ -14243,7 +14393,7 @@
               <a:t>]</a:t>
             </a:r>
             <a:r>
-              <a:rPr lang="en-US" altLang="zh-TW" sz="2400" b="1" dirty="0" smtClean="0">
+              <a:rPr lang="en-US" altLang="zh-TW" sz="2400" b="1" dirty="0">
                 <a:solidFill>
                   <a:srgbClr val="FF0000"/>
                 </a:solidFill>
@@ -14251,7 +14401,7 @@
               <a:t> = </a:t>
             </a:r>
             <a:r>
-              <a:rPr lang="en-US" altLang="zh-TW" sz="2400" b="1" i="1" dirty="0" smtClean="0">
+              <a:rPr lang="en-US" altLang="zh-TW" sz="2400" b="1" i="1" dirty="0">
                 <a:solidFill>
                   <a:srgbClr val="FF0000"/>
                 </a:solidFill>
@@ -14259,7 +14409,7 @@
               <a:t>Max</a:t>
             </a:r>
             <a:r>
-              <a:rPr lang="en-US" altLang="zh-TW" sz="2400" b="1" dirty="0" smtClean="0">
+              <a:rPr lang="en-US" altLang="zh-TW" sz="2400" b="1" dirty="0">
                 <a:solidFill>
                   <a:srgbClr val="FF0000"/>
                 </a:solidFill>
@@ -14267,7 +14417,7 @@
               <a:t>[</a:t>
             </a:r>
             <a:r>
-              <a:rPr lang="en-US" altLang="zh-TW" sz="2400" b="1" i="1" dirty="0" err="1" smtClean="0">
+              <a:rPr lang="en-US" altLang="zh-TW" sz="2400" b="1" i="1" dirty="0" err="1">
                 <a:solidFill>
                   <a:srgbClr val="FF0000"/>
                 </a:solidFill>
@@ -14275,7 +14425,7 @@
               <a:t>i,j</a:t>
             </a:r>
             <a:r>
-              <a:rPr lang="en-US" altLang="zh-TW" sz="2400" b="1" dirty="0" smtClean="0">
+              <a:rPr lang="en-US" altLang="zh-TW" sz="2400" b="1" dirty="0">
                 <a:solidFill>
                   <a:srgbClr val="FF0000"/>
                 </a:solidFill>
@@ -14283,7 +14433,7 @@
               <a:t>] – </a:t>
             </a:r>
             <a:r>
-              <a:rPr lang="en-US" altLang="zh-TW" sz="2400" b="1" i="1" dirty="0" smtClean="0">
+              <a:rPr lang="en-US" altLang="zh-TW" sz="2400" b="1" i="1" dirty="0">
                 <a:solidFill>
                   <a:srgbClr val="FF0000"/>
                 </a:solidFill>
@@ -14291,7 +14441,7 @@
               <a:t>Allocation</a:t>
             </a:r>
             <a:r>
-              <a:rPr lang="en-US" altLang="zh-TW" sz="2400" b="1" dirty="0" smtClean="0">
+              <a:rPr lang="en-US" altLang="zh-TW" sz="2400" b="1" dirty="0">
                 <a:solidFill>
                   <a:srgbClr val="FF0000"/>
                 </a:solidFill>
@@ -14299,7 +14449,7 @@
               <a:t> [</a:t>
             </a:r>
             <a:r>
-              <a:rPr lang="en-US" altLang="zh-TW" sz="2400" b="1" i="1" dirty="0" err="1" smtClean="0">
+              <a:rPr lang="en-US" altLang="zh-TW" sz="2400" b="1" i="1" dirty="0" err="1">
                 <a:solidFill>
                   <a:srgbClr val="FF0000"/>
                 </a:solidFill>
@@ -14307,7 +14457,7 @@
               <a:t>i,j</a:t>
             </a:r>
             <a:r>
-              <a:rPr lang="en-US" altLang="zh-TW" sz="2400" b="1" dirty="0" smtClean="0">
+              <a:rPr lang="en-US" altLang="zh-TW" sz="2400" b="1" dirty="0">
                 <a:solidFill>
                   <a:srgbClr val="FF0000"/>
                 </a:solidFill>
@@ -14790,7 +14940,7 @@
           <a:p>
             <a:pPr eaLnBrk="1" hangingPunct="1"/>
             <a:r>
-              <a:rPr lang="en-US" altLang="zh-TW" smtClean="0"/>
+              <a:rPr lang="en-US" altLang="zh-TW"/>
               <a:t>Safety Algorithm</a:t>
             </a:r>
           </a:p>
@@ -14824,11 +14974,11 @@
               <a:buNone/>
             </a:pPr>
             <a:r>
-              <a:rPr lang="en-US" altLang="zh-TW" sz="2400" smtClean="0"/>
+              <a:rPr lang="en-US" altLang="zh-TW" sz="2400" dirty="0"/>
               <a:t>1.	Let </a:t>
             </a:r>
             <a:r>
-              <a:rPr lang="en-US" altLang="zh-TW" sz="2400" i="1" smtClean="0">
+              <a:rPr lang="en-US" altLang="zh-TW" sz="2400" i="1" dirty="0">
                 <a:solidFill>
                   <a:srgbClr val="000000"/>
                 </a:solidFill>
@@ -14836,11 +14986,11 @@
               <a:t>Work </a:t>
             </a:r>
             <a:r>
-              <a:rPr lang="en-US" altLang="zh-TW" sz="2400" smtClean="0"/>
+              <a:rPr lang="en-US" altLang="zh-TW" sz="2400" dirty="0"/>
               <a:t>and </a:t>
             </a:r>
             <a:r>
-              <a:rPr lang="en-US" altLang="zh-TW" sz="2400" i="1" smtClean="0">
+              <a:rPr lang="en-US" altLang="zh-TW" sz="2400" i="1" dirty="0">
                 <a:solidFill>
                   <a:srgbClr val="000000"/>
                 </a:solidFill>
@@ -14848,7 +14998,7 @@
               <a:t>Finish</a:t>
             </a:r>
             <a:r>
-              <a:rPr lang="en-US" altLang="zh-TW" sz="2400" smtClean="0">
+              <a:rPr lang="en-US" altLang="zh-TW" sz="2400" dirty="0">
                 <a:solidFill>
                   <a:srgbClr val="000000"/>
                 </a:solidFill>
@@ -14856,23 +15006,23 @@
               <a:t> </a:t>
             </a:r>
             <a:r>
-              <a:rPr lang="en-US" altLang="zh-TW" sz="2400" smtClean="0"/>
+              <a:rPr lang="en-US" altLang="zh-TW" sz="2400" dirty="0"/>
               <a:t>be vectors of length</a:t>
             </a:r>
             <a:r>
-              <a:rPr lang="en-US" altLang="zh-TW" sz="2400" i="1" smtClean="0"/>
+              <a:rPr lang="en-US" altLang="zh-TW" sz="2400" i="1" dirty="0"/>
               <a:t> m</a:t>
             </a:r>
             <a:r>
-              <a:rPr lang="en-US" altLang="zh-TW" sz="2400" smtClean="0"/>
+              <a:rPr lang="en-US" altLang="zh-TW" sz="2400" dirty="0"/>
               <a:t> and</a:t>
             </a:r>
             <a:r>
-              <a:rPr lang="en-US" altLang="zh-TW" sz="2400" i="1" smtClean="0"/>
+              <a:rPr lang="en-US" altLang="zh-TW" sz="2400" i="1" dirty="0"/>
               <a:t> n</a:t>
             </a:r>
             <a:r>
-              <a:rPr lang="en-US" altLang="zh-TW" sz="2400" smtClean="0"/>
+              <a:rPr lang="en-US" altLang="zh-TW" sz="2400" dirty="0"/>
               <a:t>, respectively.  Initialize:</a:t>
             </a:r>
           </a:p>
@@ -14885,15 +15035,15 @@
               <a:buNone/>
             </a:pPr>
             <a:r>
-              <a:rPr lang="en-US" altLang="zh-TW" sz="2400" i="1" smtClean="0"/>
+              <a:rPr lang="en-US" altLang="zh-TW" sz="2400" i="1" dirty="0"/>
               <a:t>Work </a:t>
             </a:r>
             <a:r>
-              <a:rPr lang="en-US" altLang="zh-TW" sz="2400" smtClean="0"/>
+              <a:rPr lang="en-US" altLang="zh-TW" sz="2400" dirty="0"/>
               <a:t>= </a:t>
             </a:r>
             <a:r>
-              <a:rPr lang="en-US" altLang="zh-TW" sz="2400" i="1" smtClean="0"/>
+              <a:rPr lang="en-US" altLang="zh-TW" sz="2400" i="1" dirty="0"/>
               <a:t>Available</a:t>
             </a:r>
           </a:p>
@@ -14906,43 +15056,47 @@
               <a:buNone/>
             </a:pPr>
             <a:r>
-              <a:rPr lang="en-US" altLang="zh-TW" sz="2400" i="1" smtClean="0"/>
+              <a:rPr lang="en-US" altLang="zh-TW" sz="2400" i="1" dirty="0"/>
               <a:t>Finish </a:t>
             </a:r>
             <a:r>
-              <a:rPr lang="en-US" altLang="zh-TW" sz="2400" smtClean="0"/>
+              <a:rPr lang="en-US" altLang="zh-TW" sz="2400" dirty="0"/>
               <a:t>[</a:t>
             </a:r>
             <a:r>
-              <a:rPr lang="en-US" altLang="zh-TW" sz="2400" i="1" smtClean="0"/>
+              <a:rPr lang="en-US" altLang="zh-TW" sz="2400" i="1" dirty="0" err="1"/>
               <a:t>i</a:t>
             </a:r>
             <a:r>
-              <a:rPr lang="en-US" altLang="zh-TW" sz="2400" smtClean="0"/>
+              <a:rPr lang="en-US" altLang="zh-TW" sz="2400" dirty="0"/>
               <a:t>] =</a:t>
             </a:r>
             <a:r>
-              <a:rPr lang="en-US" altLang="zh-TW" sz="2400" i="1" smtClean="0"/>
+              <a:rPr lang="en-US" altLang="zh-TW" sz="2400" i="1" dirty="0"/>
               <a:t> false </a:t>
             </a:r>
             <a:r>
-              <a:rPr lang="en-US" altLang="zh-TW" sz="2400" smtClean="0"/>
+              <a:rPr lang="en-US" altLang="zh-TW" sz="2400" dirty="0"/>
               <a:t>for</a:t>
             </a:r>
             <a:r>
-              <a:rPr lang="en-US" altLang="zh-TW" sz="2400" i="1" smtClean="0"/>
-              <a:t> i</a:t>
-            </a:r>
-            <a:r>
-              <a:rPr lang="en-US" altLang="zh-TW" sz="2400" smtClean="0"/>
+              <a:rPr lang="en-US" altLang="zh-TW" sz="2400" i="1" dirty="0"/>
+              <a:t> </a:t>
+            </a:r>
+            <a:r>
+              <a:rPr lang="en-US" altLang="zh-TW" sz="2400" i="1" dirty="0" err="1"/>
+              <a:t>i</a:t>
+            </a:r>
+            <a:r>
+              <a:rPr lang="en-US" altLang="zh-TW" sz="2400" dirty="0"/>
               <a:t> = 0, 1, …, </a:t>
             </a:r>
             <a:r>
-              <a:rPr lang="en-US" altLang="zh-TW" sz="2400" i="1" smtClean="0"/>
+              <a:rPr lang="en-US" altLang="zh-TW" sz="2400" i="1" dirty="0"/>
               <a:t>n- </a:t>
             </a:r>
             <a:r>
-              <a:rPr lang="en-US" altLang="zh-TW" sz="2400" smtClean="0"/>
+              <a:rPr lang="en-US" altLang="zh-TW" sz="2400" dirty="0"/>
               <a:t>1</a:t>
             </a:r>
           </a:p>
@@ -14955,15 +15109,19 @@
               <a:buNone/>
             </a:pPr>
             <a:r>
-              <a:rPr lang="en-US" altLang="zh-TW" sz="2400" smtClean="0"/>
+              <a:rPr lang="en-US" altLang="zh-TW" sz="2400" dirty="0"/>
               <a:t>2.	Find any </a:t>
             </a:r>
             <a:r>
-              <a:rPr lang="en-US" altLang="zh-TW" sz="2400" i="1" smtClean="0"/>
-              <a:t>i </a:t>
-            </a:r>
-            <a:r>
-              <a:rPr lang="en-US" altLang="zh-TW" sz="2400" smtClean="0"/>
+              <a:rPr lang="en-US" altLang="zh-TW" sz="2400" i="1" dirty="0" err="1"/>
+              <a:t>i</a:t>
+            </a:r>
+            <a:r>
+              <a:rPr lang="en-US" altLang="zh-TW" sz="2400" i="1" dirty="0"/>
+              <a:t> </a:t>
+            </a:r>
+            <a:r>
+              <a:rPr lang="en-US" altLang="zh-TW" sz="2400" dirty="0"/>
               <a:t>such that both: </a:t>
             </a:r>
           </a:p>
@@ -14976,30 +15134,89 @@
               <a:buNone/>
             </a:pPr>
             <a:r>
-              <a:rPr lang="en-US" altLang="zh-TW" sz="2400" smtClean="0"/>
+              <a:rPr lang="en-US" altLang="zh-TW" sz="2400" dirty="0"/>
               <a:t>(a) </a:t>
             </a:r>
             <a:r>
-              <a:rPr lang="en-US" altLang="zh-TW" sz="2400" i="1" smtClean="0"/>
+              <a:rPr lang="en-US" altLang="zh-TW" sz="2400" i="1" dirty="0"/>
               <a:t>Finish</a:t>
             </a:r>
             <a:r>
-              <a:rPr lang="en-US" altLang="zh-TW" sz="2400" smtClean="0"/>
+              <a:rPr lang="en-US" altLang="zh-TW" sz="2400" dirty="0"/>
               <a:t> [</a:t>
             </a:r>
             <a:r>
-              <a:rPr lang="en-US" altLang="zh-TW" sz="2400" i="1" smtClean="0"/>
+              <a:rPr lang="en-US" altLang="zh-TW" sz="2400" i="1" dirty="0" err="1"/>
               <a:t>i</a:t>
             </a:r>
             <a:r>
-              <a:rPr lang="en-US" altLang="zh-TW" sz="2400" smtClean="0"/>
+              <a:rPr lang="en-US" altLang="zh-TW" sz="2400" dirty="0"/>
               <a:t>] = </a:t>
             </a:r>
             <a:r>
-              <a:rPr lang="en-US" altLang="zh-TW" sz="2400" i="1" smtClean="0"/>
+              <a:rPr lang="en-US" altLang="zh-TW" sz="2400" i="1" dirty="0"/>
               <a:t>false</a:t>
             </a:r>
-            <a:endParaRPr lang="en-US" altLang="zh-TW" sz="2400" smtClean="0"/>
+            <a:endParaRPr lang="en-US" altLang="zh-TW" sz="2400" dirty="0"/>
+          </a:p>
+          <a:p>
+            <a:pPr lvl="1">
+              <a:lnSpc>
+                <a:spcPct val="90000"/>
+              </a:lnSpc>
+              <a:buNone/>
+            </a:pPr>
+            <a:r>
+              <a:rPr lang="en-US" altLang="zh-TW" sz="2400" dirty="0"/>
+              <a:t>(b) </a:t>
+            </a:r>
+            <a:r>
+              <a:rPr lang="en-US" altLang="zh-TW" sz="2400" i="1" dirty="0" err="1"/>
+              <a:t>Need</a:t>
+            </a:r>
+            <a:r>
+              <a:rPr lang="en-US" altLang="zh-TW" sz="2400" i="1" baseline="-25000" dirty="0" err="1"/>
+              <a:t>i</a:t>
+            </a:r>
+            <a:r>
+              <a:rPr lang="en-US" altLang="zh-TW" sz="2400" dirty="0"/>
+              <a:t> </a:t>
+            </a:r>
+            <a:r>
+              <a:rPr lang="en-US" altLang="zh-TW" sz="2400" dirty="0">
+                <a:sym typeface="Symbol" pitchFamily="18" charset="2"/>
+              </a:rPr>
+              <a:t> </a:t>
+            </a:r>
+            <a:r>
+              <a:rPr lang="en-US" altLang="zh-TW" sz="2400" i="1" dirty="0">
+                <a:sym typeface="Symbol" pitchFamily="18" charset="2"/>
+              </a:rPr>
+              <a:t>Work</a:t>
+            </a:r>
+            <a:r>
+              <a:rPr lang="zh-TW" altLang="en-US" sz="2400" i="1" dirty="0">
+                <a:sym typeface="Symbol" pitchFamily="18" charset="2"/>
+              </a:rPr>
+              <a:t>  </a:t>
+            </a:r>
+            <a:r>
+              <a:rPr lang="en-US" altLang="zh-TW" sz="2400" i="1" dirty="0">
+                <a:sym typeface="Symbol" pitchFamily="18" charset="2"/>
+              </a:rPr>
+              <a:t>(</a:t>
+            </a:r>
+            <a:r>
+              <a:rPr lang="en-US" altLang="zh-TW" dirty="0"/>
+              <a:t>= </a:t>
+            </a:r>
+            <a:r>
+              <a:rPr lang="en-US" altLang="zh-TW" i="1" dirty="0"/>
+              <a:t>Available</a:t>
+            </a:r>
+            <a:endParaRPr lang="en-US" altLang="zh-TW" sz="2400" i="1" dirty="0">
+              <a:sym typeface="Symbol" pitchFamily="18" charset="2"/>
+            </a:endParaRPr>
           </a:p>
           <a:p>
             <a:pPr lvl="1">
@@ -15010,56 +15227,25 @@
               <a:buNone/>
             </a:pPr>
             <a:r>
-              <a:rPr lang="en-US" altLang="zh-TW" sz="2400" smtClean="0"/>
-              <a:t>(b) </a:t>
-            </a:r>
-            <a:r>
-              <a:rPr lang="en-US" altLang="zh-TW" sz="2400" i="1" smtClean="0"/>
-              <a:t>Need</a:t>
-            </a:r>
-            <a:r>
-              <a:rPr lang="en-US" altLang="zh-TW" sz="2400" i="1" baseline="-25000" smtClean="0"/>
+              <a:rPr lang="en-US" altLang="zh-TW" sz="2400" dirty="0">
+                <a:sym typeface="Symbol" pitchFamily="18" charset="2"/>
+              </a:rPr>
+              <a:t>If no such </a:t>
+            </a:r>
+            <a:r>
+              <a:rPr lang="en-US" altLang="zh-TW" sz="2400" i="1" dirty="0" err="1">
+                <a:sym typeface="Symbol" pitchFamily="18" charset="2"/>
+              </a:rPr>
               <a:t>i</a:t>
             </a:r>
             <a:r>
-              <a:rPr lang="en-US" altLang="zh-TW" sz="2400" smtClean="0"/>
+              <a:rPr lang="en-US" altLang="zh-TW" sz="2400" i="1" dirty="0">
+                <a:sym typeface="Symbol" pitchFamily="18" charset="2"/>
+              </a:rPr>
               <a:t> </a:t>
             </a:r>
             <a:r>
-              <a:rPr lang="en-US" altLang="zh-TW" sz="2400" smtClean="0">
-                <a:sym typeface="Symbol" pitchFamily="18" charset="2"/>
-              </a:rPr>
-              <a:t> </a:t>
-            </a:r>
-            <a:r>
-              <a:rPr lang="en-US" altLang="zh-TW" sz="2400" i="1" smtClean="0">
-                <a:sym typeface="Symbol" pitchFamily="18" charset="2"/>
-              </a:rPr>
-              <a:t>Work</a:t>
-            </a:r>
-          </a:p>
-          <a:p>
-            <a:pPr lvl="1">
-              <a:lnSpc>
-                <a:spcPct val="90000"/>
-              </a:lnSpc>
-              <a:buFont typeface="Monotype Sorts" pitchFamily="2" charset="2"/>
-              <a:buNone/>
-            </a:pPr>
-            <a:r>
-              <a:rPr lang="en-US" altLang="zh-TW" sz="2400" smtClean="0">
-                <a:sym typeface="Symbol" pitchFamily="18" charset="2"/>
-              </a:rPr>
-              <a:t>If no such </a:t>
-            </a:r>
-            <a:r>
-              <a:rPr lang="en-US" altLang="zh-TW" sz="2400" i="1" smtClean="0">
-                <a:sym typeface="Symbol" pitchFamily="18" charset="2"/>
-              </a:rPr>
-              <a:t>i </a:t>
-            </a:r>
-            <a:r>
-              <a:rPr lang="en-US" altLang="zh-TW" sz="2400" smtClean="0">
+              <a:rPr lang="en-US" altLang="zh-TW" sz="2400" dirty="0">
                 <a:sym typeface="Symbol" pitchFamily="18" charset="2"/>
               </a:rPr>
               <a:t>exists, go to step 4</a:t>
@@ -15074,69 +15260,73 @@
               <a:buNone/>
             </a:pPr>
             <a:r>
-              <a:rPr lang="en-US" altLang="zh-TW" sz="2400" smtClean="0"/>
+              <a:rPr lang="en-US" altLang="zh-TW" sz="2400" dirty="0"/>
               <a:t>3.	</a:t>
             </a:r>
             <a:r>
-              <a:rPr lang="en-US" altLang="zh-TW" sz="2400" i="1" smtClean="0"/>
+              <a:rPr lang="en-US" altLang="zh-TW" sz="2400" i="1" dirty="0"/>
               <a:t>Work</a:t>
             </a:r>
             <a:r>
-              <a:rPr lang="en-US" altLang="zh-TW" sz="2400" smtClean="0"/>
+              <a:rPr lang="en-US" altLang="zh-TW" sz="2400" dirty="0"/>
               <a:t> = </a:t>
             </a:r>
             <a:r>
-              <a:rPr lang="en-US" altLang="zh-TW" sz="2400" i="1" smtClean="0"/>
+              <a:rPr lang="en-US" altLang="zh-TW" sz="2400" i="1" dirty="0"/>
               <a:t>Work </a:t>
             </a:r>
             <a:r>
-              <a:rPr lang="en-US" altLang="zh-TW" sz="2400" smtClean="0"/>
+              <a:rPr lang="en-US" altLang="zh-TW" sz="2400" dirty="0"/>
               <a:t>+ </a:t>
             </a:r>
             <a:r>
-              <a:rPr lang="en-US" altLang="zh-TW" sz="2400" i="1" smtClean="0"/>
+              <a:rPr lang="en-US" altLang="zh-TW" sz="2400" i="1" dirty="0" err="1"/>
               <a:t>Allocation</a:t>
             </a:r>
             <a:r>
-              <a:rPr lang="en-US" altLang="zh-TW" sz="2400" i="1" baseline="-25000" smtClean="0"/>
+              <a:rPr lang="en-US" altLang="zh-TW" sz="2400" i="1" baseline="-25000" dirty="0" err="1"/>
               <a:t>i</a:t>
             </a:r>
-            <a:r>
-              <a:rPr lang="en-US" altLang="zh-TW" sz="2400" smtClean="0"/>
-              <a:t/>
-            </a:r>
             <a:br>
-              <a:rPr lang="en-US" altLang="zh-TW" sz="2400" smtClean="0"/>
+              <a:rPr lang="en-US" altLang="zh-TW" sz="2400" dirty="0"/>
             </a:br>
             <a:r>
-              <a:rPr lang="en-US" altLang="zh-TW" sz="2400" i="1" smtClean="0"/>
+              <a:rPr lang="en-US" altLang="zh-TW" sz="2400" i="1" dirty="0"/>
               <a:t>Finish</a:t>
             </a:r>
             <a:r>
-              <a:rPr lang="en-US" altLang="zh-TW" sz="2400" smtClean="0"/>
+              <a:rPr lang="en-US" altLang="zh-TW" sz="2400" dirty="0"/>
               <a:t>[</a:t>
             </a:r>
             <a:r>
-              <a:rPr lang="en-US" altLang="zh-TW" sz="2400" i="1" smtClean="0"/>
+              <a:rPr lang="en-US" altLang="zh-TW" sz="2400" i="1" dirty="0" err="1"/>
               <a:t>i</a:t>
             </a:r>
             <a:r>
-              <a:rPr lang="en-US" altLang="zh-TW" sz="2400" smtClean="0"/>
+              <a:rPr lang="en-US" altLang="zh-TW" sz="2400" dirty="0"/>
               <a:t>] =</a:t>
             </a:r>
             <a:r>
-              <a:rPr lang="en-US" altLang="zh-TW" sz="2400" i="1" smtClean="0"/>
+              <a:rPr lang="en-US" altLang="zh-TW" sz="2400" i="1" dirty="0"/>
               <a:t> true</a:t>
             </a:r>
             <a:r>
-              <a:rPr lang="en-US" altLang="zh-TW" sz="2400" smtClean="0"/>
-              <a:t/>
+              <a:rPr lang="zh-TW" altLang="en-US" sz="2400" i="1" dirty="0"/>
+              <a:t>  </a:t>
+            </a:r>
+            <a:r>
+              <a:rPr lang="en-US" altLang="zh-TW" sz="2400" i="1" dirty="0"/>
+              <a:t>(</a:t>
+            </a:r>
+            <a:r>
+              <a:rPr lang="zh-TW" altLang="en-US" sz="2400" i="1" dirty="0"/>
+              <a:t>不懂</a:t>
             </a:r>
             <a:br>
-              <a:rPr lang="en-US" altLang="zh-TW" sz="2400" smtClean="0"/>
+              <a:rPr lang="en-US" altLang="zh-TW" sz="2400" dirty="0"/>
             </a:br>
             <a:r>
-              <a:rPr lang="en-US" altLang="zh-TW" sz="2400" smtClean="0"/>
+              <a:rPr lang="en-US" altLang="zh-TW" sz="2400" dirty="0"/>
               <a:t>go to step 2</a:t>
             </a:r>
           </a:p>
@@ -15149,35 +15339,35 @@
               <a:buNone/>
             </a:pPr>
             <a:r>
-              <a:rPr lang="en-US" altLang="zh-TW" sz="2400" smtClean="0"/>
+              <a:rPr lang="en-US" altLang="zh-TW" sz="2400" dirty="0"/>
               <a:t>4.	If </a:t>
             </a:r>
             <a:r>
-              <a:rPr lang="en-US" altLang="zh-TW" sz="2400" i="1" smtClean="0"/>
+              <a:rPr lang="en-US" altLang="zh-TW" sz="2400" i="1" dirty="0"/>
               <a:t>Finish</a:t>
             </a:r>
             <a:r>
-              <a:rPr lang="en-US" altLang="zh-TW" sz="2400" smtClean="0"/>
+              <a:rPr lang="en-US" altLang="zh-TW" sz="2400" dirty="0"/>
               <a:t> [</a:t>
             </a:r>
             <a:r>
-              <a:rPr lang="en-US" altLang="zh-TW" sz="2400" i="1" smtClean="0"/>
+              <a:rPr lang="en-US" altLang="zh-TW" sz="2400" i="1" dirty="0" err="1"/>
               <a:t>i</a:t>
             </a:r>
             <a:r>
-              <a:rPr lang="en-US" altLang="zh-TW" sz="2400" smtClean="0"/>
+              <a:rPr lang="en-US" altLang="zh-TW" sz="2400" dirty="0"/>
               <a:t>] == true for all </a:t>
             </a:r>
             <a:r>
-              <a:rPr lang="en-US" altLang="zh-TW" sz="2400" i="1" smtClean="0"/>
+              <a:rPr lang="en-US" altLang="zh-TW" sz="2400" i="1" dirty="0" err="1"/>
               <a:t>i</a:t>
             </a:r>
             <a:r>
-              <a:rPr lang="en-US" altLang="zh-TW" sz="2400" smtClean="0"/>
+              <a:rPr lang="en-US" altLang="zh-TW" sz="2400" dirty="0"/>
               <a:t>, then the system is in a </a:t>
             </a:r>
             <a:r>
-              <a:rPr lang="en-US" altLang="zh-TW" sz="2400" b="1" smtClean="0">
+              <a:rPr lang="en-US" altLang="zh-TW" sz="2400" b="1" dirty="0">
                 <a:solidFill>
                   <a:srgbClr val="FF0000"/>
                 </a:solidFill>
@@ -15192,13 +15382,6 @@
   <p:clrMapOvr>
     <a:masterClrMapping/>
   </p:clrMapOvr>
-  <p:timing>
-    <p:tnLst>
-      <p:par>
-        <p:cTn id="1" dur="indefinite" restart="never" nodeType="tmRoot"/>
-      </p:par>
-    </p:tnLst>
-  </p:timing>
 </p:sld>
 </file>
 
@@ -15241,18 +15424,18 @@
           <a:p>
             <a:pPr eaLnBrk="1" hangingPunct="1"/>
             <a:r>
-              <a:rPr lang="en-US" altLang="zh-TW" sz="3200" dirty="0" smtClean="0"/>
+              <a:rPr lang="en-US" altLang="zh-TW" sz="3200" dirty="0"/>
               <a:t>Resource-Request Algorithm for Process </a:t>
             </a:r>
             <a:r>
-              <a:rPr lang="en-US" altLang="zh-TW" sz="3200" i="1" dirty="0" smtClean="0"/>
+              <a:rPr lang="en-US" altLang="zh-TW" sz="3200" i="1" dirty="0"/>
               <a:t>P</a:t>
             </a:r>
             <a:r>
-              <a:rPr lang="en-US" altLang="zh-TW" sz="3200" i="1" baseline="-25000" dirty="0" smtClean="0"/>
+              <a:rPr lang="en-US" altLang="zh-TW" sz="3200" i="1" baseline="-25000" dirty="0"/>
               <a:t>i</a:t>
             </a:r>
-            <a:endParaRPr lang="en-US" altLang="zh-TW" sz="3200" dirty="0" smtClean="0"/>
+            <a:endParaRPr lang="en-US" altLang="zh-TW" sz="3200" dirty="0"/>
           </a:p>
         </p:txBody>
       </p:sp>
@@ -15281,98 +15464,98 @@
               <a:buNone/>
             </a:pPr>
             <a:r>
-              <a:rPr lang="en-US" altLang="zh-TW" sz="2000" i="1" dirty="0" smtClean="0"/>
+              <a:rPr lang="en-US" altLang="zh-TW" sz="2000" i="1" dirty="0"/>
               <a:t>      </a:t>
             </a:r>
             <a:r>
-              <a:rPr lang="en-US" altLang="zh-TW" i="1" dirty="0" err="1" smtClean="0"/>
+              <a:rPr lang="en-US" altLang="zh-TW" i="1" dirty="0" err="1"/>
               <a:t>Request</a:t>
             </a:r>
             <a:r>
-              <a:rPr lang="en-US" altLang="zh-TW" i="1" baseline="-25000" dirty="0" err="1" smtClean="0"/>
+              <a:rPr lang="en-US" altLang="zh-TW" i="1" baseline="-25000" dirty="0" err="1"/>
               <a:t>i</a:t>
             </a:r>
             <a:r>
-              <a:rPr lang="en-US" altLang="zh-TW" i="1" baseline="-25000" dirty="0" smtClean="0"/>
+              <a:rPr lang="en-US" altLang="zh-TW" i="1" baseline="-25000" dirty="0"/>
               <a:t> </a:t>
             </a:r>
             <a:r>
-              <a:rPr lang="en-US" altLang="zh-TW" dirty="0" smtClean="0"/>
+              <a:rPr lang="en-US" altLang="zh-TW" dirty="0"/>
               <a:t>= request vector for process </a:t>
             </a:r>
             <a:r>
-              <a:rPr lang="en-US" altLang="zh-TW" i="1" dirty="0" smtClean="0"/>
+              <a:rPr lang="en-US" altLang="zh-TW" i="1" dirty="0"/>
               <a:t>P</a:t>
             </a:r>
             <a:r>
-              <a:rPr lang="en-US" altLang="zh-TW" i="1" baseline="-25000" dirty="0" smtClean="0"/>
+              <a:rPr lang="en-US" altLang="zh-TW" i="1" baseline="-25000" dirty="0"/>
               <a:t>i</a:t>
             </a:r>
             <a:r>
-              <a:rPr lang="en-US" altLang="zh-TW" dirty="0" smtClean="0"/>
+              <a:rPr lang="en-US" altLang="zh-TW" dirty="0"/>
               <a:t>.  If </a:t>
             </a:r>
             <a:r>
-              <a:rPr lang="en-US" altLang="zh-TW" i="1" dirty="0" err="1" smtClean="0"/>
+              <a:rPr lang="en-US" altLang="zh-TW" i="1" dirty="0" err="1"/>
               <a:t>Request</a:t>
             </a:r>
             <a:r>
-              <a:rPr lang="en-US" altLang="zh-TW" i="1" baseline="-25000" dirty="0" err="1" smtClean="0"/>
+              <a:rPr lang="en-US" altLang="zh-TW" i="1" baseline="-25000" dirty="0" err="1"/>
               <a:t>i</a:t>
             </a:r>
             <a:r>
-              <a:rPr lang="en-US" altLang="zh-TW" baseline="-25000" dirty="0" smtClean="0"/>
+              <a:rPr lang="en-US" altLang="zh-TW" baseline="-25000" dirty="0"/>
               <a:t> </a:t>
             </a:r>
             <a:r>
-              <a:rPr lang="en-US" altLang="zh-TW" dirty="0" smtClean="0"/>
+              <a:rPr lang="en-US" altLang="zh-TW" dirty="0"/>
               <a:t>[</a:t>
             </a:r>
             <a:r>
-              <a:rPr lang="en-US" altLang="zh-TW" i="1" dirty="0" smtClean="0"/>
+              <a:rPr lang="en-US" altLang="zh-TW" i="1" dirty="0"/>
               <a:t>j</a:t>
             </a:r>
             <a:r>
-              <a:rPr lang="en-US" altLang="zh-TW" dirty="0" smtClean="0"/>
+              <a:rPr lang="en-US" altLang="zh-TW" dirty="0"/>
               <a:t>] = </a:t>
             </a:r>
             <a:r>
-              <a:rPr lang="en-US" altLang="zh-TW" i="1" dirty="0" smtClean="0"/>
+              <a:rPr lang="en-US" altLang="zh-TW" i="1" dirty="0"/>
               <a:t>k</a:t>
             </a:r>
             <a:r>
-              <a:rPr lang="en-US" altLang="zh-TW" dirty="0" smtClean="0"/>
+              <a:rPr lang="en-US" altLang="zh-TW" dirty="0"/>
               <a:t> then process </a:t>
             </a:r>
             <a:r>
-              <a:rPr lang="en-US" altLang="zh-TW" i="1" dirty="0" smtClean="0"/>
+              <a:rPr lang="en-US" altLang="zh-TW" i="1" dirty="0"/>
               <a:t>P</a:t>
             </a:r>
             <a:r>
-              <a:rPr lang="en-US" altLang="zh-TW" i="1" baseline="-25000" dirty="0" smtClean="0"/>
+              <a:rPr lang="en-US" altLang="zh-TW" i="1" baseline="-25000" dirty="0"/>
               <a:t>i</a:t>
             </a:r>
             <a:r>
-              <a:rPr lang="en-US" altLang="zh-TW" dirty="0" smtClean="0"/>
+              <a:rPr lang="en-US" altLang="zh-TW" dirty="0"/>
               <a:t> wants </a:t>
             </a:r>
             <a:r>
-              <a:rPr lang="en-US" altLang="zh-TW" i="1" dirty="0" smtClean="0"/>
+              <a:rPr lang="en-US" altLang="zh-TW" i="1" dirty="0"/>
               <a:t>k</a:t>
             </a:r>
             <a:r>
-              <a:rPr lang="en-US" altLang="zh-TW" dirty="0" smtClean="0"/>
+              <a:rPr lang="en-US" altLang="zh-TW" dirty="0"/>
               <a:t> instances of resource type </a:t>
             </a:r>
             <a:r>
-              <a:rPr lang="en-US" altLang="zh-TW" i="1" dirty="0" err="1" smtClean="0"/>
+              <a:rPr lang="en-US" altLang="zh-TW" i="1" dirty="0" err="1"/>
               <a:t>R</a:t>
             </a:r>
             <a:r>
-              <a:rPr lang="en-US" altLang="zh-TW" i="1" baseline="-25000" dirty="0" err="1" smtClean="0"/>
+              <a:rPr lang="en-US" altLang="zh-TW" i="1" baseline="-25000" dirty="0" err="1"/>
               <a:t>j</a:t>
             </a:r>
-            <a:endParaRPr lang="en-US" altLang="zh-TW" sz="2000" baseline="-25000" dirty="0" smtClean="0"/>
+            <a:endParaRPr lang="en-US" altLang="zh-TW" sz="2000" baseline="-25000" dirty="0"/>
           </a:p>
           <a:p>
             <a:pPr lvl="1">
@@ -15380,47 +15563,47 @@
               <a:buNone/>
             </a:pPr>
             <a:r>
-              <a:rPr lang="en-US" altLang="zh-TW" sz="2000" dirty="0" smtClean="0"/>
+              <a:rPr lang="en-US" altLang="zh-TW" sz="2000" dirty="0"/>
               <a:t>1.	If </a:t>
             </a:r>
             <a:r>
-              <a:rPr lang="en-US" altLang="zh-TW" sz="2000" i="1" dirty="0" err="1" smtClean="0"/>
+              <a:rPr lang="en-US" altLang="zh-TW" sz="2000" i="1" dirty="0" err="1"/>
               <a:t>Request</a:t>
             </a:r>
             <a:r>
-              <a:rPr lang="en-US" altLang="zh-TW" sz="2000" i="1" baseline="-25000" dirty="0" err="1" smtClean="0"/>
+              <a:rPr lang="en-US" altLang="zh-TW" sz="2000" i="1" baseline="-25000" dirty="0" err="1"/>
               <a:t>i</a:t>
             </a:r>
             <a:r>
-              <a:rPr lang="en-US" altLang="zh-TW" sz="2000" i="1" dirty="0" smtClean="0"/>
+              <a:rPr lang="en-US" altLang="zh-TW" sz="2000" i="1" dirty="0"/>
               <a:t> </a:t>
             </a:r>
             <a:r>
-              <a:rPr lang="en-US" altLang="zh-TW" sz="2000" dirty="0" smtClean="0">
+              <a:rPr lang="en-US" altLang="zh-TW" sz="2000" dirty="0">
                 <a:sym typeface="Symbol" pitchFamily="18" charset="2"/>
               </a:rPr>
               <a:t> </a:t>
             </a:r>
             <a:r>
-              <a:rPr lang="en-US" altLang="zh-TW" sz="2000" i="1" dirty="0" err="1" smtClean="0">
+              <a:rPr lang="en-US" altLang="zh-TW" sz="2000" i="1" dirty="0" err="1">
                 <a:sym typeface="Symbol" pitchFamily="18" charset="2"/>
               </a:rPr>
               <a:t>Need</a:t>
             </a:r>
             <a:r>
-              <a:rPr lang="en-US" altLang="zh-TW" sz="2000" i="1" baseline="-25000" dirty="0" err="1" smtClean="0">
+              <a:rPr lang="en-US" altLang="zh-TW" sz="2000" i="1" baseline="-25000" dirty="0" err="1">
                 <a:sym typeface="Symbol" pitchFamily="18" charset="2"/>
               </a:rPr>
               <a:t>i</a:t>
             </a:r>
             <a:r>
-              <a:rPr lang="en-US" altLang="zh-TW" sz="2000" i="1" dirty="0" smtClean="0">
+              <a:rPr lang="en-US" altLang="zh-TW" sz="2000" i="1" dirty="0">
                 <a:sym typeface="Symbol" pitchFamily="18" charset="2"/>
               </a:rPr>
               <a:t> </a:t>
             </a:r>
             <a:r>
-              <a:rPr lang="en-US" altLang="zh-TW" sz="2000" dirty="0" smtClean="0">
+              <a:rPr lang="en-US" altLang="zh-TW" sz="2000" dirty="0">
                 <a:sym typeface="Symbol" pitchFamily="18" charset="2"/>
               </a:rPr>
               <a:t>go to step 2.  Otherwise, raise error condition, since process has exceeded its maximum claim</a:t>
@@ -15432,55 +15615,55 @@
               <a:buNone/>
             </a:pPr>
             <a:r>
-              <a:rPr lang="en-US" altLang="zh-TW" sz="2000" dirty="0" smtClean="0">
+              <a:rPr lang="en-US" altLang="zh-TW" sz="2000" dirty="0">
                 <a:sym typeface="Symbol" pitchFamily="18" charset="2"/>
               </a:rPr>
               <a:t>2.	If </a:t>
             </a:r>
             <a:r>
-              <a:rPr lang="en-US" altLang="zh-TW" sz="2000" i="1" dirty="0" err="1" smtClean="0"/>
+              <a:rPr lang="en-US" altLang="zh-TW" sz="2000" i="1" dirty="0" err="1"/>
               <a:t>Request</a:t>
             </a:r>
             <a:r>
-              <a:rPr lang="en-US" altLang="zh-TW" sz="2000" i="1" baseline="-25000" dirty="0" err="1" smtClean="0"/>
+              <a:rPr lang="en-US" altLang="zh-TW" sz="2000" i="1" baseline="-25000" dirty="0" err="1"/>
               <a:t>i</a:t>
             </a:r>
             <a:r>
-              <a:rPr lang="en-US" altLang="zh-TW" sz="2000" dirty="0" smtClean="0"/>
+              <a:rPr lang="en-US" altLang="zh-TW" sz="2000" dirty="0"/>
               <a:t> </a:t>
             </a:r>
             <a:r>
-              <a:rPr lang="en-US" altLang="zh-TW" sz="2000" dirty="0" smtClean="0">
+              <a:rPr lang="en-US" altLang="zh-TW" sz="2000" dirty="0">
                 <a:sym typeface="Symbol" pitchFamily="18" charset="2"/>
               </a:rPr>
               <a:t> </a:t>
             </a:r>
             <a:r>
-              <a:rPr lang="en-US" altLang="zh-TW" sz="2000" i="1" dirty="0" smtClean="0">
+              <a:rPr lang="en-US" altLang="zh-TW" sz="2000" i="1" dirty="0">
                 <a:sym typeface="Symbol" pitchFamily="18" charset="2"/>
               </a:rPr>
               <a:t>Available</a:t>
             </a:r>
             <a:r>
-              <a:rPr lang="en-US" altLang="zh-TW" sz="2000" dirty="0" smtClean="0">
+              <a:rPr lang="en-US" altLang="zh-TW" sz="2000" dirty="0">
                 <a:sym typeface="Symbol" pitchFamily="18" charset="2"/>
               </a:rPr>
               <a:t>, go to step 3.  Otherwise </a:t>
             </a:r>
             <a:r>
-              <a:rPr lang="en-US" altLang="zh-TW" sz="2000" i="1" dirty="0" smtClean="0">
+              <a:rPr lang="en-US" altLang="zh-TW" sz="2000" i="1" dirty="0">
                 <a:sym typeface="Symbol" pitchFamily="18" charset="2"/>
               </a:rPr>
               <a:t>P</a:t>
             </a:r>
             <a:r>
-              <a:rPr lang="en-US" altLang="zh-TW" sz="2000" i="1" baseline="-25000" dirty="0" smtClean="0">
+              <a:rPr lang="en-US" altLang="zh-TW" sz="2000" i="1" baseline="-25000" dirty="0">
                 <a:sym typeface="Symbol" pitchFamily="18" charset="2"/>
               </a:rPr>
               <a:t>i</a:t>
             </a:r>
             <a:r>
-              <a:rPr lang="en-US" altLang="zh-TW" sz="2000" dirty="0" smtClean="0">
+              <a:rPr lang="en-US" altLang="zh-TW" sz="2000" dirty="0">
                 <a:sym typeface="Symbol" pitchFamily="18" charset="2"/>
               </a:rPr>
               <a:t>  must wait, since resources are not available</a:t>
@@ -15492,25 +15675,25 @@
               <a:buNone/>
             </a:pPr>
             <a:r>
-              <a:rPr lang="en-US" altLang="zh-TW" sz="2000" dirty="0" smtClean="0">
+              <a:rPr lang="en-US" altLang="zh-TW" sz="2000" dirty="0">
                 <a:sym typeface="Symbol" pitchFamily="18" charset="2"/>
               </a:rPr>
               <a:t>3.	Pretend to allocate requested resources to </a:t>
             </a:r>
             <a:r>
-              <a:rPr lang="en-US" altLang="zh-TW" sz="2000" i="1" dirty="0" smtClean="0">
+              <a:rPr lang="en-US" altLang="zh-TW" sz="2000" i="1" dirty="0">
                 <a:sym typeface="Symbol" pitchFamily="18" charset="2"/>
               </a:rPr>
               <a:t>P</a:t>
             </a:r>
             <a:r>
-              <a:rPr lang="en-US" altLang="zh-TW" sz="2000" i="1" baseline="-25000" dirty="0" smtClean="0">
+              <a:rPr lang="en-US" altLang="zh-TW" sz="2000" i="1" baseline="-25000" dirty="0">
                 <a:sym typeface="Symbol" pitchFamily="18" charset="2"/>
               </a:rPr>
               <a:t>i</a:t>
             </a:r>
             <a:r>
-              <a:rPr lang="en-US" altLang="zh-TW" sz="2000" dirty="0" smtClean="0">
+              <a:rPr lang="en-US" altLang="zh-TW" sz="2000" dirty="0">
                 <a:sym typeface="Symbol" pitchFamily="18" charset="2"/>
               </a:rPr>
               <a:t> by modifying the state as follows:</a:t>
@@ -15522,37 +15705,37 @@
               <a:buNone/>
             </a:pPr>
             <a:r>
-              <a:rPr lang="en-US" altLang="zh-TW" sz="2000" dirty="0" smtClean="0">
+              <a:rPr lang="en-US" altLang="zh-TW" sz="2000" dirty="0">
                 <a:sym typeface="Symbol" pitchFamily="18" charset="2"/>
               </a:rPr>
               <a:t>		</a:t>
             </a:r>
             <a:r>
-              <a:rPr lang="en-US" altLang="zh-TW" sz="2000" i="1" dirty="0" smtClean="0">
+              <a:rPr lang="en-US" altLang="zh-TW" sz="2000" i="1" dirty="0">
                 <a:sym typeface="Symbol" pitchFamily="18" charset="2"/>
               </a:rPr>
               <a:t>Available</a:t>
             </a:r>
             <a:r>
-              <a:rPr lang="en-US" altLang="zh-TW" sz="2000" dirty="0" smtClean="0">
+              <a:rPr lang="en-US" altLang="zh-TW" sz="2000" dirty="0">
                 <a:sym typeface="Symbol" pitchFamily="18" charset="2"/>
               </a:rPr>
               <a:t> = </a:t>
             </a:r>
             <a:r>
-              <a:rPr lang="en-US" altLang="zh-TW" sz="2000" i="1" dirty="0" smtClean="0">
+              <a:rPr lang="en-US" altLang="zh-TW" sz="2000" i="1" dirty="0">
                 <a:sym typeface="Symbol" pitchFamily="18" charset="2"/>
               </a:rPr>
               <a:t>Available  </a:t>
             </a:r>
             <a:r>
-              <a:rPr lang="en-US" altLang="zh-TW" sz="2000" dirty="0" smtClean="0">
+              <a:rPr lang="en-US" altLang="zh-TW" sz="2000" dirty="0">
                 <a:sym typeface="Symbol" pitchFamily="18" charset="2"/>
               </a:rPr>
               <a:t>–</a:t>
             </a:r>
             <a:r>
-              <a:rPr lang="en-US" altLang="zh-TW" sz="2000" i="1" dirty="0" smtClean="0">
+              <a:rPr lang="en-US" altLang="zh-TW" sz="2000" i="1" dirty="0">
                 <a:sym typeface="Symbol" pitchFamily="18" charset="2"/>
               </a:rPr>
               <a:t> Request;</a:t>
@@ -15564,67 +15747,67 @@
               <a:buNone/>
             </a:pPr>
             <a:r>
-              <a:rPr lang="en-US" altLang="zh-TW" sz="2000" dirty="0" smtClean="0">
+              <a:rPr lang="en-US" altLang="zh-TW" sz="2000" dirty="0">
                 <a:sym typeface="Symbol" pitchFamily="18" charset="2"/>
               </a:rPr>
               <a:t>		</a:t>
             </a:r>
             <a:r>
-              <a:rPr lang="en-US" altLang="zh-TW" sz="2000" i="1" dirty="0" err="1" smtClean="0">
+              <a:rPr lang="en-US" altLang="zh-TW" sz="2000" i="1" dirty="0" err="1">
                 <a:sym typeface="Symbol" pitchFamily="18" charset="2"/>
               </a:rPr>
               <a:t>Allocation</a:t>
             </a:r>
             <a:r>
-              <a:rPr lang="en-US" altLang="zh-TW" sz="2000" i="1" baseline="-25000" dirty="0" err="1" smtClean="0">
+              <a:rPr lang="en-US" altLang="zh-TW" sz="2000" i="1" baseline="-25000" dirty="0" err="1">
                 <a:sym typeface="Symbol" pitchFamily="18" charset="2"/>
               </a:rPr>
               <a:t>i</a:t>
             </a:r>
             <a:r>
-              <a:rPr lang="en-US" altLang="zh-TW" sz="2000" baseline="-25000" dirty="0" smtClean="0">
+              <a:rPr lang="en-US" altLang="zh-TW" sz="2000" baseline="-25000" dirty="0">
                 <a:sym typeface="Symbol" pitchFamily="18" charset="2"/>
               </a:rPr>
               <a:t> </a:t>
             </a:r>
             <a:r>
-              <a:rPr lang="en-US" altLang="zh-TW" sz="2000" dirty="0" smtClean="0">
+              <a:rPr lang="en-US" altLang="zh-TW" sz="2000" dirty="0">
                 <a:sym typeface="Symbol" pitchFamily="18" charset="2"/>
               </a:rPr>
               <a:t>= </a:t>
             </a:r>
             <a:r>
-              <a:rPr lang="en-US" altLang="zh-TW" sz="2000" i="1" dirty="0" err="1" smtClean="0">
+              <a:rPr lang="en-US" altLang="zh-TW" sz="2000" i="1" dirty="0" err="1">
                 <a:sym typeface="Symbol" pitchFamily="18" charset="2"/>
               </a:rPr>
               <a:t>Allocation</a:t>
             </a:r>
             <a:r>
-              <a:rPr lang="en-US" altLang="zh-TW" sz="2000" i="1" baseline="-25000" dirty="0" err="1" smtClean="0">
+              <a:rPr lang="en-US" altLang="zh-TW" sz="2000" i="1" baseline="-25000" dirty="0" err="1">
                 <a:sym typeface="Symbol" pitchFamily="18" charset="2"/>
               </a:rPr>
               <a:t>i</a:t>
             </a:r>
             <a:r>
-              <a:rPr lang="en-US" altLang="zh-TW" sz="2000" dirty="0" smtClean="0">
+              <a:rPr lang="en-US" altLang="zh-TW" sz="2000" dirty="0">
                 <a:sym typeface="Symbol" pitchFamily="18" charset="2"/>
               </a:rPr>
               <a:t> + </a:t>
             </a:r>
             <a:r>
-              <a:rPr lang="en-US" altLang="zh-TW" sz="2000" i="1" dirty="0" err="1" smtClean="0">
+              <a:rPr lang="en-US" altLang="zh-TW" sz="2000" i="1" dirty="0" err="1">
                 <a:sym typeface="Symbol" pitchFamily="18" charset="2"/>
               </a:rPr>
               <a:t>Request</a:t>
             </a:r>
             <a:r>
-              <a:rPr lang="en-US" altLang="zh-TW" sz="2000" i="1" baseline="-25000" dirty="0" err="1" smtClean="0">
+              <a:rPr lang="en-US" altLang="zh-TW" sz="2000" i="1" baseline="-25000" dirty="0" err="1">
                 <a:sym typeface="Symbol" pitchFamily="18" charset="2"/>
               </a:rPr>
               <a:t>i</a:t>
             </a:r>
             <a:r>
-              <a:rPr lang="en-US" altLang="zh-TW" sz="2000" dirty="0" smtClean="0">
+              <a:rPr lang="en-US" altLang="zh-TW" sz="2000" dirty="0">
                 <a:sym typeface="Symbol" pitchFamily="18" charset="2"/>
               </a:rPr>
               <a:t>;</a:t>
@@ -15636,73 +15819,73 @@
               <a:buNone/>
             </a:pPr>
             <a:r>
-              <a:rPr lang="en-US" altLang="zh-TW" sz="2000" dirty="0" smtClean="0">
+              <a:rPr lang="en-US" altLang="zh-TW" sz="2000" dirty="0">
                 <a:sym typeface="Symbol" pitchFamily="18" charset="2"/>
               </a:rPr>
               <a:t>		</a:t>
             </a:r>
             <a:r>
-              <a:rPr lang="en-US" altLang="zh-TW" sz="2000" i="1" dirty="0" err="1" smtClean="0">
+              <a:rPr lang="en-US" altLang="zh-TW" sz="2000" i="1" dirty="0" err="1">
                 <a:sym typeface="Symbol" pitchFamily="18" charset="2"/>
               </a:rPr>
               <a:t>Need</a:t>
             </a:r>
             <a:r>
-              <a:rPr lang="en-US" altLang="zh-TW" sz="2000" i="1" baseline="-25000" dirty="0" err="1" smtClean="0">
+              <a:rPr lang="en-US" altLang="zh-TW" sz="2000" i="1" baseline="-25000" dirty="0" err="1">
                 <a:sym typeface="Symbol" pitchFamily="18" charset="2"/>
               </a:rPr>
               <a:t>i</a:t>
             </a:r>
             <a:r>
-              <a:rPr lang="en-US" altLang="zh-TW" sz="2000" i="1" dirty="0" smtClean="0">
+              <a:rPr lang="en-US" altLang="zh-TW" sz="2000" i="1" dirty="0">
                 <a:sym typeface="Symbol" pitchFamily="18" charset="2"/>
               </a:rPr>
               <a:t> </a:t>
             </a:r>
             <a:r>
-              <a:rPr lang="en-US" altLang="zh-TW" sz="2000" dirty="0" smtClean="0">
+              <a:rPr lang="en-US" altLang="zh-TW" sz="2000" dirty="0">
                 <a:sym typeface="Symbol" pitchFamily="18" charset="2"/>
               </a:rPr>
               <a:t>=</a:t>
             </a:r>
             <a:r>
-              <a:rPr lang="en-US" altLang="zh-TW" sz="2000" i="1" dirty="0" smtClean="0">
+              <a:rPr lang="en-US" altLang="zh-TW" sz="2000" i="1" dirty="0">
                 <a:sym typeface="Symbol" pitchFamily="18" charset="2"/>
               </a:rPr>
               <a:t> </a:t>
             </a:r>
             <a:r>
-              <a:rPr lang="en-US" altLang="zh-TW" sz="2000" i="1" dirty="0" err="1" smtClean="0">
+              <a:rPr lang="en-US" altLang="zh-TW" sz="2000" i="1" dirty="0" err="1">
                 <a:sym typeface="Symbol" pitchFamily="18" charset="2"/>
               </a:rPr>
               <a:t>Need</a:t>
             </a:r>
             <a:r>
-              <a:rPr lang="en-US" altLang="zh-TW" sz="2000" i="1" baseline="-25000" dirty="0" err="1" smtClean="0">
+              <a:rPr lang="en-US" altLang="zh-TW" sz="2000" i="1" baseline="-25000" dirty="0" err="1">
                 <a:sym typeface="Symbol" pitchFamily="18" charset="2"/>
               </a:rPr>
               <a:t>i</a:t>
             </a:r>
             <a:r>
-              <a:rPr lang="en-US" altLang="zh-TW" sz="2000" dirty="0" smtClean="0">
+              <a:rPr lang="en-US" altLang="zh-TW" sz="2000" dirty="0">
                 <a:sym typeface="Symbol" pitchFamily="18" charset="2"/>
               </a:rPr>
               <a:t> – </a:t>
             </a:r>
             <a:r>
-              <a:rPr lang="en-US" altLang="zh-TW" sz="2000" i="1" dirty="0" err="1" smtClean="0">
+              <a:rPr lang="en-US" altLang="zh-TW" sz="2000" i="1" dirty="0" err="1">
                 <a:sym typeface="Symbol" pitchFamily="18" charset="2"/>
               </a:rPr>
               <a:t>Request</a:t>
             </a:r>
             <a:r>
-              <a:rPr lang="en-US" altLang="zh-TW" sz="2000" i="1" baseline="-25000" dirty="0" err="1" smtClean="0">
+              <a:rPr lang="en-US" altLang="zh-TW" sz="2000" i="1" baseline="-25000" dirty="0" err="1">
                 <a:sym typeface="Symbol" pitchFamily="18" charset="2"/>
               </a:rPr>
               <a:t>i</a:t>
             </a:r>
             <a:r>
-              <a:rPr lang="en-US" altLang="zh-TW" sz="2000" i="1" dirty="0" smtClean="0">
+              <a:rPr lang="en-US" altLang="zh-TW" sz="2000" i="1" dirty="0">
                 <a:sym typeface="Symbol" pitchFamily="18" charset="2"/>
               </a:rPr>
               <a:t>;</a:t>
@@ -15718,7 +15901,7 @@
               <a:buChar char="l"/>
             </a:pPr>
             <a:r>
-              <a:rPr lang="en-US" altLang="zh-TW" sz="2000" i="1" dirty="0" smtClean="0">
+              <a:rPr lang="en-US" altLang="zh-TW" sz="2000" i="1" dirty="0">
                 <a:solidFill>
                   <a:srgbClr val="FF0000"/>
                 </a:solidFill>
@@ -15727,7 +15910,7 @@
               <a:t>If safe  the resources are allocated to P</a:t>
             </a:r>
             <a:r>
-              <a:rPr lang="en-US" altLang="zh-TW" sz="2000" i="1" baseline="-25000" dirty="0" smtClean="0">
+              <a:rPr lang="en-US" altLang="zh-TW" sz="2000" i="1" baseline="-25000" dirty="0">
                 <a:solidFill>
                   <a:srgbClr val="FF0000"/>
                 </a:solidFill>
@@ -15746,19 +15929,19 @@
               <a:buChar char="l"/>
             </a:pPr>
             <a:r>
-              <a:rPr lang="en-US" altLang="zh-TW" sz="2000" i="1" dirty="0" smtClean="0">
+              <a:rPr lang="en-US" altLang="zh-TW" sz="2000" i="1" dirty="0">
                 <a:sym typeface="Symbol" pitchFamily="18" charset="2"/>
               </a:rPr>
               <a:t>If unsafe  P</a:t>
             </a:r>
             <a:r>
-              <a:rPr lang="en-US" altLang="zh-TW" sz="2000" i="1" baseline="-25000" dirty="0" smtClean="0">
+              <a:rPr lang="en-US" altLang="zh-TW" sz="2000" i="1" baseline="-25000" dirty="0">
                 <a:sym typeface="Symbol" pitchFamily="18" charset="2"/>
               </a:rPr>
               <a:t>i</a:t>
             </a:r>
             <a:r>
-              <a:rPr lang="en-US" altLang="zh-TW" sz="2000" i="1" dirty="0" smtClean="0">
+              <a:rPr lang="en-US" altLang="zh-TW" sz="2000" i="1" dirty="0">
                 <a:sym typeface="Symbol" pitchFamily="18" charset="2"/>
               </a:rPr>
               <a:t> must wait, and the old resource-allocation state is restored</a:t>
@@ -15771,13 +15954,6 @@
   <p:clrMapOvr>
     <a:masterClrMapping/>
   </p:clrMapOvr>
-  <p:timing>
-    <p:tnLst>
-      <p:par>
-        <p:cTn id="1" dur="indefinite" restart="never" nodeType="tmRoot"/>
-      </p:par>
-    </p:tnLst>
-  </p:timing>
 </p:sld>
 </file>
 
@@ -15815,7 +15991,7 @@
           <a:p>
             <a:pPr eaLnBrk="1" hangingPunct="1"/>
             <a:r>
-              <a:rPr lang="en-US" altLang="zh-TW" smtClean="0"/>
+              <a:rPr lang="en-US" altLang="zh-TW"/>
               <a:t>Chapter Objectives</a:t>
             </a:r>
           </a:p>
@@ -15842,11 +16018,11 @@
           <a:lstStyle/>
           <a:p>
             <a:r>
-              <a:rPr lang="en-US" altLang="zh-TW" sz="2800" dirty="0" smtClean="0"/>
+              <a:rPr lang="en-US" altLang="zh-TW" sz="2800" dirty="0"/>
               <a:t>To develop a description of </a:t>
             </a:r>
             <a:r>
-              <a:rPr lang="en-US" altLang="zh-TW" sz="2800" b="1" dirty="0" smtClean="0">
+              <a:rPr lang="en-US" altLang="zh-TW" sz="2800" b="1" dirty="0">
                 <a:solidFill>
                   <a:srgbClr val="FF0000"/>
                 </a:solidFill>
@@ -15854,17 +16030,17 @@
               <a:t>deadlocks</a:t>
             </a:r>
             <a:r>
-              <a:rPr lang="en-US" altLang="zh-TW" sz="2800" dirty="0" smtClean="0"/>
+              <a:rPr lang="en-US" altLang="zh-TW" sz="2800" dirty="0"/>
               <a:t>, which prevent sets of concurrent processes from completing their tasks</a:t>
             </a:r>
           </a:p>
           <a:p>
             <a:r>
-              <a:rPr lang="en-US" altLang="zh-TW" sz="2800" dirty="0" smtClean="0"/>
+              <a:rPr lang="en-US" altLang="zh-TW" sz="2800" dirty="0"/>
               <a:t>To present a number of different methods for </a:t>
             </a:r>
             <a:r>
-              <a:rPr lang="en-US" altLang="zh-TW" sz="2800" b="1" dirty="0" smtClean="0">
+              <a:rPr lang="en-US" altLang="zh-TW" sz="2800" b="1" dirty="0">
                 <a:solidFill>
                   <a:srgbClr val="FF0000"/>
                 </a:solidFill>
@@ -15872,11 +16048,11 @@
               <a:t>preventing</a:t>
             </a:r>
             <a:r>
-              <a:rPr lang="en-US" altLang="zh-TW" sz="2800" dirty="0" smtClean="0"/>
+              <a:rPr lang="en-US" altLang="zh-TW" sz="2800" dirty="0"/>
               <a:t> or </a:t>
             </a:r>
             <a:r>
-              <a:rPr lang="en-US" altLang="zh-TW" sz="2800" b="1" dirty="0" smtClean="0">
+              <a:rPr lang="en-US" altLang="zh-TW" sz="2800" b="1" dirty="0">
                 <a:solidFill>
                   <a:srgbClr val="FF0000"/>
                 </a:solidFill>
@@ -15884,7 +16060,7 @@
               <a:t>avoiding</a:t>
             </a:r>
             <a:r>
-              <a:rPr lang="en-US" altLang="zh-TW" sz="2800" dirty="0" smtClean="0"/>
+              <a:rPr lang="en-US" altLang="zh-TW" sz="2800" dirty="0"/>
               <a:t> deadlocks in a computer system</a:t>
             </a:r>
           </a:p>
@@ -15894,7 +16070,7 @@
               <a:buFont typeface="Monotype Sorts" pitchFamily="2" charset="2"/>
               <a:buNone/>
             </a:pPr>
-            <a:endParaRPr lang="en-US" altLang="zh-TW" sz="2800" dirty="0" smtClean="0"/>
+            <a:endParaRPr lang="en-US" altLang="zh-TW" sz="2800" dirty="0"/>
           </a:p>
         </p:txBody>
       </p:sp>
@@ -16095,7 +16271,7 @@
           <a:p>
             <a:pPr eaLnBrk="1" hangingPunct="1"/>
             <a:r>
-              <a:rPr lang="en-US" altLang="zh-TW" smtClean="0"/>
+              <a:rPr lang="en-US" altLang="zh-TW"/>
               <a:t>Example of Banker’s Algorithm</a:t>
             </a:r>
           </a:p>
@@ -16130,31 +16306,31 @@
               </a:tabLst>
             </a:pPr>
             <a:r>
-              <a:rPr lang="en-US" altLang="zh-TW" sz="2400" dirty="0" smtClean="0"/>
+              <a:rPr lang="en-US" altLang="zh-TW" sz="2400" dirty="0"/>
               <a:t>5 processes </a:t>
             </a:r>
             <a:r>
-              <a:rPr lang="en-US" altLang="zh-TW" sz="2400" i="1" dirty="0" smtClean="0"/>
+              <a:rPr lang="en-US" altLang="zh-TW" sz="2400" i="1" dirty="0"/>
               <a:t>P</a:t>
             </a:r>
             <a:r>
-              <a:rPr lang="en-US" altLang="zh-TW" sz="2400" baseline="-25000" dirty="0" smtClean="0"/>
+              <a:rPr lang="en-US" altLang="zh-TW" sz="2400" baseline="-25000" dirty="0"/>
               <a:t>0  </a:t>
             </a:r>
             <a:r>
-              <a:rPr lang="en-US" altLang="zh-TW" sz="2400" dirty="0" smtClean="0"/>
+              <a:rPr lang="en-US" altLang="zh-TW" sz="2400" dirty="0"/>
               <a:t>through </a:t>
             </a:r>
             <a:r>
-              <a:rPr lang="en-US" altLang="zh-TW" sz="2400" i="1" dirty="0" smtClean="0"/>
+              <a:rPr lang="en-US" altLang="zh-TW" sz="2400" i="1" dirty="0"/>
               <a:t>P</a:t>
             </a:r>
             <a:r>
-              <a:rPr lang="en-US" altLang="zh-TW" sz="2400" baseline="-25000" dirty="0" smtClean="0"/>
+              <a:rPr lang="en-US" altLang="zh-TW" sz="2400" baseline="-25000" dirty="0"/>
               <a:t>4</a:t>
             </a:r>
             <a:r>
-              <a:rPr lang="en-US" altLang="zh-TW" sz="2400" dirty="0" smtClean="0"/>
+              <a:rPr lang="en-US" altLang="zh-TW" sz="2400" dirty="0"/>
               <a:t>; </a:t>
             </a:r>
           </a:p>
@@ -16170,7 +16346,7 @@
               </a:tabLst>
             </a:pPr>
             <a:r>
-              <a:rPr lang="en-US" altLang="zh-TW" sz="2400" dirty="0" smtClean="0"/>
+              <a:rPr lang="en-US" altLang="zh-TW" sz="2400" dirty="0"/>
               <a:t>    3 resource types:</a:t>
             </a:r>
           </a:p>
@@ -16186,34 +16362,34 @@
               </a:tabLst>
             </a:pPr>
             <a:r>
-              <a:rPr lang="en-US" altLang="zh-TW" sz="2400" dirty="0" smtClean="0"/>
+              <a:rPr lang="en-US" altLang="zh-TW" sz="2400" dirty="0"/>
               <a:t>              </a:t>
             </a:r>
             <a:r>
-              <a:rPr lang="en-US" altLang="zh-TW" sz="2000" i="1" dirty="0" smtClean="0"/>
+              <a:rPr lang="en-US" altLang="zh-TW" sz="2000" i="1" dirty="0"/>
               <a:t>A</a:t>
             </a:r>
             <a:r>
-              <a:rPr lang="en-US" altLang="zh-TW" sz="2000" dirty="0" smtClean="0"/>
+              <a:rPr lang="en-US" altLang="zh-TW" sz="2000" dirty="0"/>
               <a:t> (10 instances),  </a:t>
             </a:r>
             <a:r>
-              <a:rPr lang="en-US" altLang="zh-TW" sz="2000" i="1" dirty="0" smtClean="0"/>
+              <a:rPr lang="en-US" altLang="zh-TW" sz="2000" i="1" dirty="0"/>
               <a:t>B</a:t>
             </a:r>
             <a:r>
-              <a:rPr lang="en-US" altLang="zh-TW" sz="2000" dirty="0" smtClean="0"/>
+              <a:rPr lang="en-US" altLang="zh-TW" sz="2000" dirty="0"/>
               <a:t> (5instances), and </a:t>
             </a:r>
             <a:r>
-              <a:rPr lang="en-US" altLang="zh-TW" sz="2000" i="1" dirty="0" smtClean="0"/>
+              <a:rPr lang="en-US" altLang="zh-TW" sz="2000" i="1" dirty="0"/>
               <a:t>C</a:t>
             </a:r>
             <a:r>
-              <a:rPr lang="en-US" altLang="zh-TW" sz="2000" dirty="0" smtClean="0"/>
+              <a:rPr lang="en-US" altLang="zh-TW" sz="2000" dirty="0"/>
               <a:t> (7 instances)</a:t>
             </a:r>
-            <a:endParaRPr lang="en-US" altLang="zh-TW" sz="2400" dirty="0" smtClean="0"/>
+            <a:endParaRPr lang="en-US" altLang="zh-TW" sz="2400" dirty="0"/>
           </a:p>
           <a:p>
             <a:pPr>
@@ -16227,27 +16403,27 @@
               </a:tabLst>
             </a:pPr>
             <a:r>
-              <a:rPr lang="en-US" altLang="zh-TW" sz="2400" dirty="0" smtClean="0"/>
+              <a:rPr lang="en-US" altLang="zh-TW" sz="2400" dirty="0"/>
               <a:t> </a:t>
             </a:r>
             <a:r>
-              <a:rPr lang="zh-TW" altLang="en-US" sz="2400" dirty="0" smtClean="0"/>
+              <a:rPr lang="zh-TW" altLang="en-US" sz="2400" dirty="0"/>
               <a:t>   </a:t>
             </a:r>
             <a:r>
-              <a:rPr lang="en-US" altLang="zh-TW" sz="2400" dirty="0" smtClean="0"/>
+              <a:rPr lang="en-US" altLang="zh-TW" sz="2400" dirty="0"/>
               <a:t>Snapshot at time </a:t>
             </a:r>
             <a:r>
-              <a:rPr lang="en-US" altLang="zh-TW" sz="2400" i="1" dirty="0" smtClean="0"/>
+              <a:rPr lang="en-US" altLang="zh-TW" sz="2400" i="1" dirty="0"/>
               <a:t>T</a:t>
             </a:r>
             <a:r>
-              <a:rPr lang="en-US" altLang="zh-TW" sz="2400" baseline="-25000" dirty="0" smtClean="0"/>
+              <a:rPr lang="en-US" altLang="zh-TW" sz="2400" baseline="-25000" dirty="0"/>
               <a:t>0</a:t>
             </a:r>
             <a:r>
-              <a:rPr lang="en-US" altLang="zh-TW" sz="2400" dirty="0" smtClean="0"/>
+              <a:rPr lang="en-US" altLang="zh-TW" sz="2400" dirty="0"/>
               <a:t>:</a:t>
             </a:r>
           </a:p>
@@ -16263,38 +16439,38 @@
               </a:tabLst>
             </a:pPr>
             <a:r>
-              <a:rPr lang="en-US" altLang="zh-TW" sz="2400" dirty="0" smtClean="0"/>
+              <a:rPr lang="en-US" altLang="zh-TW" sz="2400" dirty="0"/>
               <a:t>			</a:t>
             </a:r>
             <a:r>
-              <a:rPr lang="en-US" altLang="zh-TW" sz="2400" i="1" u="sng" dirty="0" smtClean="0"/>
+              <a:rPr lang="en-US" altLang="zh-TW" sz="2400" i="1" u="sng" dirty="0"/>
               <a:t>Allocation</a:t>
             </a:r>
             <a:r>
-              <a:rPr lang="en-US" altLang="zh-TW" sz="2400" i="1" dirty="0" smtClean="0"/>
+              <a:rPr lang="en-US" altLang="zh-TW" sz="2400" i="1" dirty="0"/>
               <a:t>	  </a:t>
             </a:r>
             <a:r>
-              <a:rPr lang="zh-TW" altLang="en-US" sz="2400" i="1" dirty="0" smtClean="0"/>
+              <a:rPr lang="zh-TW" altLang="en-US" sz="2400" i="1" dirty="0"/>
               <a:t>    </a:t>
             </a:r>
             <a:r>
-              <a:rPr lang="en-US" altLang="zh-TW" sz="2400" i="1" u="sng" dirty="0" smtClean="0"/>
+              <a:rPr lang="en-US" altLang="zh-TW" sz="2400" i="1" u="sng" dirty="0"/>
               <a:t>Max</a:t>
             </a:r>
             <a:r>
-              <a:rPr lang="en-US" altLang="zh-TW" sz="2400" i="1" dirty="0" smtClean="0"/>
+              <a:rPr lang="en-US" altLang="zh-TW" sz="2400" i="1" dirty="0"/>
               <a:t>	</a:t>
             </a:r>
             <a:r>
-              <a:rPr lang="zh-TW" altLang="en-US" sz="2400" i="1" dirty="0" smtClean="0"/>
+              <a:rPr lang="zh-TW" altLang="en-US" sz="2400" i="1" dirty="0"/>
               <a:t>       </a:t>
             </a:r>
             <a:r>
-              <a:rPr lang="en-US" altLang="zh-TW" sz="2400" i="1" u="sng" dirty="0" smtClean="0"/>
+              <a:rPr lang="en-US" altLang="zh-TW" sz="2400" i="1" u="sng" dirty="0"/>
               <a:t>Available</a:t>
             </a:r>
-            <a:endParaRPr lang="en-US" altLang="zh-TW" sz="2400" i="1" dirty="0" smtClean="0"/>
+            <a:endParaRPr lang="en-US" altLang="zh-TW" sz="2400" i="1" dirty="0"/>
           </a:p>
           <a:p>
             <a:pPr>
@@ -16308,15 +16484,15 @@
               </a:tabLst>
             </a:pPr>
             <a:r>
-              <a:rPr lang="en-US" altLang="zh-TW" sz="2400" i="1" dirty="0" smtClean="0"/>
+              <a:rPr lang="en-US" altLang="zh-TW" sz="2400" i="1" dirty="0"/>
               <a:t>			A B C	       A B C 	</a:t>
             </a:r>
             <a:r>
-              <a:rPr lang="zh-TW" altLang="en-US" sz="2400" i="1" dirty="0" smtClean="0"/>
+              <a:rPr lang="zh-TW" altLang="en-US" sz="2400" i="1" dirty="0"/>
               <a:t>     </a:t>
             </a:r>
             <a:r>
-              <a:rPr lang="en-US" altLang="zh-TW" sz="2400" i="1" dirty="0" smtClean="0"/>
+              <a:rPr lang="en-US" altLang="zh-TW" sz="2400" i="1" dirty="0"/>
               <a:t>A B C</a:t>
             </a:r>
           </a:p>
@@ -16332,27 +16508,27 @@
               </a:tabLst>
             </a:pPr>
             <a:r>
-              <a:rPr lang="en-US" altLang="zh-TW" sz="2400" dirty="0" smtClean="0"/>
+              <a:rPr lang="en-US" altLang="zh-TW" sz="2400" dirty="0"/>
               <a:t>		</a:t>
             </a:r>
             <a:r>
-              <a:rPr lang="en-US" altLang="zh-TW" sz="2400" i="1" dirty="0" smtClean="0"/>
+              <a:rPr lang="en-US" altLang="zh-TW" sz="2400" i="1" dirty="0"/>
               <a:t>P</a:t>
             </a:r>
             <a:r>
-              <a:rPr lang="en-US" altLang="zh-TW" sz="2400" baseline="-25000" dirty="0" smtClean="0"/>
+              <a:rPr lang="en-US" altLang="zh-TW" sz="2400" baseline="-25000" dirty="0"/>
               <a:t>0	</a:t>
             </a:r>
             <a:r>
-              <a:rPr lang="en-US" altLang="zh-TW" sz="2400" dirty="0" smtClean="0"/>
+              <a:rPr lang="en-US" altLang="zh-TW" sz="2400" dirty="0"/>
               <a:t>0 1 0	         7 5 3 	</a:t>
             </a:r>
             <a:r>
-              <a:rPr lang="zh-TW" altLang="en-US" sz="2400" dirty="0" smtClean="0"/>
+              <a:rPr lang="zh-TW" altLang="en-US" sz="2400" dirty="0"/>
               <a:t>      </a:t>
             </a:r>
             <a:r>
-              <a:rPr lang="en-US" altLang="zh-TW" sz="2400" dirty="0" smtClean="0"/>
+              <a:rPr lang="en-US" altLang="zh-TW" sz="2400" dirty="0"/>
               <a:t>3 3 2</a:t>
             </a:r>
           </a:p>
@@ -16368,19 +16544,19 @@
               </a:tabLst>
             </a:pPr>
             <a:r>
-              <a:rPr lang="en-US" altLang="zh-TW" sz="2400" dirty="0" smtClean="0"/>
+              <a:rPr lang="en-US" altLang="zh-TW" sz="2400" dirty="0"/>
               <a:t>		 </a:t>
             </a:r>
             <a:r>
-              <a:rPr lang="en-US" altLang="zh-TW" sz="2400" i="1" dirty="0" smtClean="0"/>
+              <a:rPr lang="en-US" altLang="zh-TW" sz="2400" i="1" dirty="0"/>
               <a:t>P</a:t>
             </a:r>
             <a:r>
-              <a:rPr lang="en-US" altLang="zh-TW" sz="2400" baseline="-25000" dirty="0" smtClean="0"/>
+              <a:rPr lang="en-US" altLang="zh-TW" sz="2400" baseline="-25000" dirty="0"/>
               <a:t>1	</a:t>
             </a:r>
             <a:r>
-              <a:rPr lang="en-US" altLang="zh-TW" sz="2400" dirty="0" smtClean="0"/>
+              <a:rPr lang="en-US" altLang="zh-TW" sz="2400" dirty="0"/>
               <a:t>2 0 0 	        3 2 2  </a:t>
             </a:r>
           </a:p>
@@ -16396,19 +16572,19 @@
               </a:tabLst>
             </a:pPr>
             <a:r>
-              <a:rPr lang="en-US" altLang="zh-TW" sz="2400" dirty="0" smtClean="0"/>
+              <a:rPr lang="en-US" altLang="zh-TW" sz="2400" dirty="0"/>
               <a:t>		 </a:t>
             </a:r>
             <a:r>
-              <a:rPr lang="en-US" altLang="zh-TW" sz="2400" i="1" dirty="0" smtClean="0"/>
+              <a:rPr lang="en-US" altLang="zh-TW" sz="2400" i="1" dirty="0"/>
               <a:t>P</a:t>
             </a:r>
             <a:r>
-              <a:rPr lang="en-US" altLang="zh-TW" sz="2400" baseline="-25000" dirty="0" smtClean="0"/>
+              <a:rPr lang="en-US" altLang="zh-TW" sz="2400" baseline="-25000" dirty="0"/>
               <a:t>2</a:t>
             </a:r>
             <a:r>
-              <a:rPr lang="en-US" altLang="zh-TW" sz="2400" dirty="0" smtClean="0"/>
+              <a:rPr lang="en-US" altLang="zh-TW" sz="2400" dirty="0"/>
               <a:t>	3 0 2 	        9 0 2</a:t>
             </a:r>
           </a:p>
@@ -16424,19 +16600,19 @@
               </a:tabLst>
             </a:pPr>
             <a:r>
-              <a:rPr lang="en-US" altLang="zh-TW" sz="2400" dirty="0" smtClean="0"/>
+              <a:rPr lang="en-US" altLang="zh-TW" sz="2400" dirty="0"/>
               <a:t>		 </a:t>
             </a:r>
             <a:r>
-              <a:rPr lang="en-US" altLang="zh-TW" sz="2400" i="1" dirty="0" smtClean="0"/>
+              <a:rPr lang="en-US" altLang="zh-TW" sz="2400" i="1" dirty="0"/>
               <a:t>P</a:t>
             </a:r>
             <a:r>
-              <a:rPr lang="en-US" altLang="zh-TW" sz="2400" baseline="-25000" dirty="0" smtClean="0"/>
+              <a:rPr lang="en-US" altLang="zh-TW" sz="2400" baseline="-25000" dirty="0"/>
               <a:t>3</a:t>
             </a:r>
             <a:r>
-              <a:rPr lang="en-US" altLang="zh-TW" sz="2400" dirty="0" smtClean="0"/>
+              <a:rPr lang="en-US" altLang="zh-TW" sz="2400" dirty="0"/>
               <a:t>	2 1 1 	        2 2 2</a:t>
             </a:r>
           </a:p>
@@ -16452,19 +16628,19 @@
               </a:tabLst>
             </a:pPr>
             <a:r>
-              <a:rPr lang="en-US" altLang="zh-TW" sz="2400" dirty="0" smtClean="0"/>
+              <a:rPr lang="en-US" altLang="zh-TW" sz="2400" dirty="0"/>
               <a:t>		 </a:t>
             </a:r>
             <a:r>
-              <a:rPr lang="en-US" altLang="zh-TW" sz="2400" i="1" dirty="0" smtClean="0"/>
+              <a:rPr lang="en-US" altLang="zh-TW" sz="2400" i="1" dirty="0"/>
               <a:t>P</a:t>
             </a:r>
             <a:r>
-              <a:rPr lang="en-US" altLang="zh-TW" sz="2400" baseline="-25000" dirty="0" smtClean="0"/>
+              <a:rPr lang="en-US" altLang="zh-TW" sz="2400" baseline="-25000" dirty="0"/>
               <a:t>4</a:t>
             </a:r>
             <a:r>
-              <a:rPr lang="en-US" altLang="zh-TW" sz="2400" dirty="0" smtClean="0"/>
+              <a:rPr lang="en-US" altLang="zh-TW" sz="2400" dirty="0"/>
               <a:t>	0 0 2	         4 3 3  		</a:t>
             </a:r>
           </a:p>
@@ -16662,13 +16838,6 @@
   <p:clrMapOvr>
     <a:masterClrMapping/>
   </p:clrMapOvr>
-  <p:timing>
-    <p:tnLst>
-      <p:par>
-        <p:cTn id="1" dur="indefinite" restart="never" nodeType="tmRoot"/>
-      </p:par>
-    </p:tnLst>
-  </p:timing>
 </p:sld>
 </file>
 
@@ -16706,7 +16875,7 @@
           <a:p>
             <a:pPr eaLnBrk="1" hangingPunct="1"/>
             <a:r>
-              <a:rPr lang="en-US" altLang="zh-TW" smtClean="0"/>
+              <a:rPr lang="en-US" altLang="zh-TW"/>
               <a:t>Example (Cont.)</a:t>
             </a:r>
           </a:p>
@@ -16739,15 +16908,15 @@
               </a:tabLst>
             </a:pPr>
             <a:r>
-              <a:rPr lang="en-US" altLang="zh-TW" sz="2400" dirty="0" smtClean="0"/>
+              <a:rPr lang="en-US" altLang="zh-TW" sz="2400" dirty="0"/>
               <a:t>The content of the matrix </a:t>
             </a:r>
             <a:r>
-              <a:rPr lang="en-US" altLang="zh-TW" sz="2400" i="1" dirty="0" smtClean="0"/>
+              <a:rPr lang="en-US" altLang="zh-TW" sz="2400" i="1" dirty="0"/>
               <a:t>Need</a:t>
             </a:r>
             <a:r>
-              <a:rPr lang="en-US" altLang="zh-TW" sz="2400" dirty="0" smtClean="0"/>
+              <a:rPr lang="en-US" altLang="zh-TW" sz="2400" dirty="0"/>
               <a:t> is defined to be </a:t>
             </a:r>
           </a:p>
@@ -16761,22 +16930,22 @@
               </a:tabLst>
             </a:pPr>
             <a:r>
-              <a:rPr lang="zh-TW" altLang="en-US" sz="2400" i="1" dirty="0" smtClean="0"/>
+              <a:rPr lang="zh-TW" altLang="en-US" sz="2400" i="1" dirty="0"/>
               <a:t>     </a:t>
             </a:r>
             <a:r>
-              <a:rPr lang="en-US" altLang="zh-TW" sz="2400" i="1" dirty="0" smtClean="0"/>
+              <a:rPr lang="en-US" altLang="zh-TW" sz="2400" i="1" dirty="0"/>
               <a:t>Max</a:t>
             </a:r>
             <a:r>
-              <a:rPr lang="en-US" altLang="zh-TW" sz="2400" dirty="0" smtClean="0"/>
+              <a:rPr lang="en-US" altLang="zh-TW" sz="2400" dirty="0"/>
               <a:t> – </a:t>
             </a:r>
             <a:r>
-              <a:rPr lang="en-US" altLang="zh-TW" sz="2400" i="1" dirty="0" smtClean="0"/>
+              <a:rPr lang="en-US" altLang="zh-TW" sz="2400" i="1" dirty="0"/>
               <a:t>Allocation</a:t>
             </a:r>
-            <a:endParaRPr lang="en-US" altLang="zh-TW" sz="2400" dirty="0" smtClean="0"/>
+            <a:endParaRPr lang="en-US" altLang="zh-TW" sz="2400" dirty="0"/>
           </a:p>
           <a:p>
             <a:pPr>
@@ -16788,30 +16957,22 @@
               </a:tabLst>
             </a:pPr>
             <a:r>
-              <a:rPr lang="en-US" altLang="zh-TW" sz="2400" dirty="0" smtClean="0"/>
-              <a:t>		</a:t>
-            </a:r>
-            <a:r>
-              <a:rPr lang="en-US" altLang="zh-TW" sz="2400" dirty="0" smtClean="0"/>
-              <a:t>           </a:t>
-            </a:r>
-            <a:r>
-              <a:rPr lang="en-US" altLang="zh-TW" sz="2400" dirty="0" smtClean="0"/>
-              <a:t>	</a:t>
-            </a:r>
-            <a:r>
-              <a:rPr lang="en-US" altLang="zh-TW" sz="2400" i="1" u="sng" dirty="0" smtClean="0"/>
+              <a:rPr lang="en-US" altLang="zh-TW" sz="2400" dirty="0"/>
+              <a:t>		           	</a:t>
+            </a:r>
+            <a:r>
+              <a:rPr lang="en-US" altLang="zh-TW" sz="2400" i="1" u="sng" dirty="0"/>
               <a:t>Need</a:t>
             </a:r>
             <a:r>
-              <a:rPr lang="zh-TW" altLang="en-US" sz="2400" i="1" u="sng" dirty="0" smtClean="0"/>
+              <a:rPr lang="zh-TW" altLang="en-US" sz="2400" i="1" u="sng" dirty="0"/>
               <a:t>              </a:t>
             </a:r>
             <a:r>
-              <a:rPr lang="en-US" altLang="zh-TW" sz="2400" i="1" u="sng" dirty="0" smtClean="0"/>
+              <a:rPr lang="en-US" altLang="zh-TW" sz="2400" i="1" u="sng" dirty="0"/>
               <a:t>Available </a:t>
             </a:r>
-            <a:endParaRPr lang="en-US" altLang="zh-TW" sz="2400" u="sng" dirty="0" smtClean="0"/>
+            <a:endParaRPr lang="en-US" altLang="zh-TW" sz="2400" u="sng" dirty="0"/>
           </a:p>
           <a:p>
             <a:pPr>
@@ -16823,26 +16984,13 @@
               </a:tabLst>
             </a:pPr>
             <a:r>
-              <a:rPr lang="en-US" altLang="zh-TW" sz="2400" dirty="0" smtClean="0"/>
-              <a:t>			</a:t>
-            </a:r>
-            <a:r>
-              <a:rPr lang="en-US" altLang="zh-TW" sz="2400" dirty="0" smtClean="0"/>
-              <a:t>           </a:t>
-            </a:r>
-            <a:r>
-              <a:rPr lang="en-US" altLang="zh-TW" sz="2400" i="1" dirty="0" smtClean="0"/>
-              <a:t>A </a:t>
-            </a:r>
-            <a:r>
-              <a:rPr lang="en-US" altLang="zh-TW" sz="2400" i="1" dirty="0" smtClean="0"/>
-              <a:t>B </a:t>
-            </a:r>
-            <a:r>
-              <a:rPr lang="en-US" altLang="zh-TW" sz="2400" i="1" dirty="0" smtClean="0"/>
-              <a:t>C               A B C</a:t>
-            </a:r>
-            <a:endParaRPr lang="en-US" altLang="zh-TW" sz="2400" i="1" dirty="0" smtClean="0"/>
+              <a:rPr lang="en-US" altLang="zh-TW" sz="2400" dirty="0"/>
+              <a:t>			           </a:t>
+            </a:r>
+            <a:r>
+              <a:rPr lang="en-US" altLang="zh-TW" sz="2400" i="1" dirty="0"/>
+              <a:t>A B C               A B C</a:t>
+            </a:r>
           </a:p>
           <a:p>
             <a:pPr>
@@ -16854,34 +17002,21 @@
               </a:tabLst>
             </a:pPr>
             <a:r>
-              <a:rPr lang="en-US" altLang="zh-TW" sz="2400" dirty="0" smtClean="0"/>
+              <a:rPr lang="en-US" altLang="zh-TW" sz="2400" dirty="0"/>
               <a:t>		 </a:t>
             </a:r>
             <a:r>
-              <a:rPr lang="en-US" altLang="zh-TW" sz="2400" i="1" dirty="0" smtClean="0"/>
+              <a:rPr lang="en-US" altLang="zh-TW" sz="2400" i="1" dirty="0"/>
               <a:t>P</a:t>
             </a:r>
             <a:r>
-              <a:rPr lang="en-US" altLang="zh-TW" sz="2400" baseline="-25000" dirty="0" smtClean="0"/>
-              <a:t>0	</a:t>
-            </a:r>
-            <a:r>
-              <a:rPr lang="en-US" altLang="zh-TW" sz="2400" baseline="-25000" dirty="0" smtClean="0"/>
-              <a:t>          </a:t>
-            </a:r>
-            <a:r>
-              <a:rPr lang="en-US" altLang="zh-TW" sz="2400" dirty="0" smtClean="0"/>
-              <a:t>7 </a:t>
-            </a:r>
-            <a:r>
-              <a:rPr lang="en-US" altLang="zh-TW" sz="2400" dirty="0" smtClean="0"/>
-              <a:t>4 3 </a:t>
-            </a:r>
-            <a:r>
-              <a:rPr lang="en-US" altLang="zh-TW" sz="2400" dirty="0" smtClean="0"/>
-              <a:t>               3  3  2</a:t>
-            </a:r>
-            <a:endParaRPr lang="en-US" altLang="zh-TW" sz="2400" dirty="0" smtClean="0"/>
+              <a:rPr lang="en-US" altLang="zh-TW" sz="2400" baseline="-25000" dirty="0"/>
+              <a:t>0	          </a:t>
+            </a:r>
+            <a:r>
+              <a:rPr lang="en-US" altLang="zh-TW" sz="2400" dirty="0"/>
+              <a:t>7 4 3                3  3  2</a:t>
+            </a:r>
           </a:p>
           <a:p>
             <a:pPr>
@@ -16893,19 +17028,19 @@
               </a:tabLst>
             </a:pPr>
             <a:r>
-              <a:rPr lang="en-US" altLang="zh-TW" sz="2400" dirty="0" smtClean="0"/>
+              <a:rPr lang="en-US" altLang="zh-TW" sz="2400" dirty="0"/>
               <a:t>		 </a:t>
             </a:r>
             <a:r>
-              <a:rPr lang="en-US" altLang="zh-TW" sz="2400" i="1" dirty="0" smtClean="0"/>
+              <a:rPr lang="en-US" altLang="zh-TW" sz="2400" i="1" dirty="0"/>
               <a:t>P</a:t>
             </a:r>
             <a:r>
-              <a:rPr lang="en-US" altLang="zh-TW" sz="2400" baseline="-25000" dirty="0" smtClean="0"/>
+              <a:rPr lang="en-US" altLang="zh-TW" sz="2400" baseline="-25000" dirty="0"/>
               <a:t>1	</a:t>
             </a:r>
             <a:r>
-              <a:rPr lang="en-US" altLang="zh-TW" sz="2400" dirty="0" smtClean="0"/>
+              <a:rPr lang="en-US" altLang="zh-TW" sz="2400" dirty="0"/>
               <a:t>1 2 2 </a:t>
             </a:r>
           </a:p>
@@ -16919,19 +17054,19 @@
               </a:tabLst>
             </a:pPr>
             <a:r>
-              <a:rPr lang="en-US" altLang="zh-TW" sz="2400" dirty="0" smtClean="0"/>
+              <a:rPr lang="en-US" altLang="zh-TW" sz="2400" dirty="0"/>
               <a:t>		 </a:t>
             </a:r>
             <a:r>
-              <a:rPr lang="en-US" altLang="zh-TW" sz="2400" i="1" dirty="0" smtClean="0"/>
+              <a:rPr lang="en-US" altLang="zh-TW" sz="2400" i="1" dirty="0"/>
               <a:t>P</a:t>
             </a:r>
             <a:r>
-              <a:rPr lang="en-US" altLang="zh-TW" sz="2400" baseline="-25000" dirty="0" smtClean="0"/>
+              <a:rPr lang="en-US" altLang="zh-TW" sz="2400" baseline="-25000" dirty="0"/>
               <a:t>2</a:t>
             </a:r>
             <a:r>
-              <a:rPr lang="en-US" altLang="zh-TW" sz="2400" dirty="0" smtClean="0"/>
+              <a:rPr lang="en-US" altLang="zh-TW" sz="2400" dirty="0"/>
               <a:t>	6 0 0 </a:t>
             </a:r>
           </a:p>
@@ -16945,19 +17080,19 @@
               </a:tabLst>
             </a:pPr>
             <a:r>
-              <a:rPr lang="en-US" altLang="zh-TW" sz="2400" dirty="0" smtClean="0"/>
+              <a:rPr lang="en-US" altLang="zh-TW" sz="2400" dirty="0"/>
               <a:t>		 </a:t>
             </a:r>
             <a:r>
-              <a:rPr lang="en-US" altLang="zh-TW" sz="2400" i="1" dirty="0" smtClean="0"/>
+              <a:rPr lang="en-US" altLang="zh-TW" sz="2400" i="1" dirty="0"/>
               <a:t>P</a:t>
             </a:r>
             <a:r>
-              <a:rPr lang="en-US" altLang="zh-TW" sz="2400" baseline="-25000" dirty="0" smtClean="0"/>
+              <a:rPr lang="en-US" altLang="zh-TW" sz="2400" baseline="-25000" dirty="0"/>
               <a:t>3</a:t>
             </a:r>
             <a:r>
-              <a:rPr lang="en-US" altLang="zh-TW" sz="2400" dirty="0" smtClean="0"/>
+              <a:rPr lang="en-US" altLang="zh-TW" sz="2400" dirty="0"/>
               <a:t>	0 1 1</a:t>
             </a:r>
           </a:p>
@@ -16971,19 +17106,19 @@
               </a:tabLst>
             </a:pPr>
             <a:r>
-              <a:rPr lang="en-US" altLang="zh-TW" sz="2400" dirty="0" smtClean="0"/>
+              <a:rPr lang="en-US" altLang="zh-TW" sz="2400" dirty="0"/>
               <a:t>		 </a:t>
             </a:r>
             <a:r>
-              <a:rPr lang="en-US" altLang="zh-TW" sz="2400" i="1" dirty="0" smtClean="0"/>
+              <a:rPr lang="en-US" altLang="zh-TW" sz="2400" i="1" dirty="0"/>
               <a:t>P</a:t>
             </a:r>
             <a:r>
-              <a:rPr lang="en-US" altLang="zh-TW" sz="2400" baseline="-25000" dirty="0" smtClean="0"/>
+              <a:rPr lang="en-US" altLang="zh-TW" sz="2400" baseline="-25000" dirty="0"/>
               <a:t>4</a:t>
             </a:r>
             <a:r>
-              <a:rPr lang="en-US" altLang="zh-TW" sz="2400" dirty="0" smtClean="0"/>
+              <a:rPr lang="en-US" altLang="zh-TW" sz="2400" dirty="0"/>
               <a:t>	4 3 1 </a:t>
             </a:r>
           </a:p>
@@ -16995,7 +17130,7 @@
               </a:tabLst>
             </a:pPr>
             <a:r>
-              <a:rPr lang="en-US" altLang="zh-TW" sz="2400" dirty="0" smtClean="0">
+              <a:rPr lang="en-US" altLang="zh-TW" sz="2400" dirty="0">
                 <a:solidFill>
                   <a:srgbClr val="FF0000"/>
                 </a:solidFill>
@@ -17003,7 +17138,7 @@
               <a:t>The system is in a safe state</a:t>
             </a:r>
             <a:r>
-              <a:rPr lang="en-US" altLang="zh-TW" sz="2400" dirty="0" smtClean="0"/>
+              <a:rPr lang="en-US" altLang="zh-TW" sz="2400" dirty="0"/>
               <a:t> since the sequence </a:t>
             </a:r>
           </a:p>
@@ -17017,74 +17152,74 @@
               </a:tabLst>
             </a:pPr>
             <a:r>
-              <a:rPr lang="zh-TW" altLang="en-US" sz="2400" dirty="0" smtClean="0"/>
+              <a:rPr lang="zh-TW" altLang="en-US" sz="2400" dirty="0"/>
               <a:t>     </a:t>
             </a:r>
             <a:r>
-              <a:rPr lang="en-US" altLang="zh-TW" sz="2400" dirty="0" smtClean="0"/>
+              <a:rPr lang="en-US" altLang="zh-TW" sz="2400" dirty="0"/>
               <a:t>&lt; </a:t>
             </a:r>
             <a:r>
-              <a:rPr lang="en-US" altLang="zh-TW" sz="2400" i="1" dirty="0" smtClean="0"/>
+              <a:rPr lang="en-US" altLang="zh-TW" sz="2400" i="1" dirty="0"/>
               <a:t>P</a:t>
             </a:r>
             <a:r>
-              <a:rPr lang="en-US" altLang="zh-TW" sz="2400" baseline="-25000" dirty="0" smtClean="0"/>
+              <a:rPr lang="en-US" altLang="zh-TW" sz="2400" baseline="-25000" dirty="0"/>
               <a:t>1</a:t>
             </a:r>
             <a:r>
-              <a:rPr lang="en-US" altLang="zh-TW" sz="2400" dirty="0" smtClean="0"/>
+              <a:rPr lang="en-US" altLang="zh-TW" sz="2400" dirty="0"/>
               <a:t>, </a:t>
             </a:r>
             <a:r>
-              <a:rPr lang="en-US" altLang="zh-TW" sz="2400" i="1" dirty="0" smtClean="0"/>
+              <a:rPr lang="en-US" altLang="zh-TW" sz="2400" i="1" dirty="0"/>
               <a:t>P</a:t>
             </a:r>
             <a:r>
-              <a:rPr lang="en-US" altLang="zh-TW" sz="2400" baseline="-25000" dirty="0" smtClean="0"/>
+              <a:rPr lang="en-US" altLang="zh-TW" sz="2400" baseline="-25000" dirty="0"/>
               <a:t>3</a:t>
             </a:r>
             <a:r>
-              <a:rPr lang="en-US" altLang="zh-TW" sz="2400" dirty="0" smtClean="0"/>
+              <a:rPr lang="en-US" altLang="zh-TW" sz="2400" dirty="0"/>
               <a:t>, </a:t>
             </a:r>
             <a:r>
-              <a:rPr lang="en-US" altLang="zh-TW" sz="2400" i="1" dirty="0" smtClean="0"/>
+              <a:rPr lang="en-US" altLang="zh-TW" sz="2400" i="1" dirty="0"/>
               <a:t>P</a:t>
             </a:r>
             <a:r>
-              <a:rPr lang="en-US" altLang="zh-TW" sz="2400" baseline="-25000" dirty="0" smtClean="0"/>
+              <a:rPr lang="en-US" altLang="zh-TW" sz="2400" baseline="-25000" dirty="0"/>
               <a:t>4</a:t>
             </a:r>
             <a:r>
-              <a:rPr lang="en-US" altLang="zh-TW" sz="2400" dirty="0" smtClean="0"/>
+              <a:rPr lang="en-US" altLang="zh-TW" sz="2400" dirty="0"/>
               <a:t>, </a:t>
             </a:r>
             <a:r>
-              <a:rPr lang="en-US" altLang="zh-TW" sz="2400" i="1" dirty="0" smtClean="0"/>
+              <a:rPr lang="en-US" altLang="zh-TW" sz="2400" i="1" dirty="0"/>
               <a:t>P</a:t>
             </a:r>
             <a:r>
-              <a:rPr lang="en-US" altLang="zh-TW" sz="2400" baseline="-25000" dirty="0" smtClean="0"/>
+              <a:rPr lang="en-US" altLang="zh-TW" sz="2400" baseline="-25000" dirty="0"/>
               <a:t>2</a:t>
             </a:r>
             <a:r>
-              <a:rPr lang="en-US" altLang="zh-TW" sz="2400" dirty="0" smtClean="0"/>
+              <a:rPr lang="en-US" altLang="zh-TW" sz="2400" dirty="0"/>
               <a:t>, </a:t>
             </a:r>
             <a:r>
-              <a:rPr lang="en-US" altLang="zh-TW" sz="2400" i="1" dirty="0" smtClean="0"/>
+              <a:rPr lang="en-US" altLang="zh-TW" sz="2400" i="1" dirty="0"/>
               <a:t>P</a:t>
             </a:r>
             <a:r>
-              <a:rPr lang="en-US" altLang="zh-TW" sz="2400" baseline="-25000" dirty="0" smtClean="0"/>
+              <a:rPr lang="en-US" altLang="zh-TW" sz="2400" baseline="-25000" dirty="0"/>
               <a:t>0</a:t>
             </a:r>
             <a:r>
-              <a:rPr lang="en-US" altLang="zh-TW" sz="2400" dirty="0" smtClean="0"/>
+              <a:rPr lang="en-US" altLang="zh-TW" sz="2400" dirty="0"/>
               <a:t>&gt; satisfies safety criteria</a:t>
             </a:r>
-            <a:endParaRPr lang="en-US" altLang="zh-TW" sz="2400" baseline="-25000" dirty="0" smtClean="0"/>
+            <a:endParaRPr lang="en-US" altLang="zh-TW" sz="2400" baseline="-25000" dirty="0"/>
           </a:p>
         </p:txBody>
       </p:sp>
@@ -17280,13 +17415,6 @@
   <p:clrMapOvr>
     <a:masterClrMapping/>
   </p:clrMapOvr>
-  <p:timing>
-    <p:tnLst>
-      <p:par>
-        <p:cTn id="1" dur="indefinite" restart="never" nodeType="tmRoot"/>
-      </p:par>
-    </p:tnLst>
-  </p:timing>
 </p:sld>
 </file>
 
@@ -17324,19 +17452,19 @@
           <a:p>
             <a:pPr eaLnBrk="1" hangingPunct="1"/>
             <a:r>
-              <a:rPr lang="en-US" altLang="zh-TW" smtClean="0"/>
+              <a:rPr lang="en-US" altLang="zh-TW"/>
               <a:t>Example:  </a:t>
             </a:r>
             <a:r>
-              <a:rPr lang="en-US" altLang="zh-TW" i="1" smtClean="0"/>
+              <a:rPr lang="en-US" altLang="zh-TW" i="1"/>
               <a:t>P</a:t>
             </a:r>
             <a:r>
-              <a:rPr lang="en-US" altLang="zh-TW" baseline="-25000" smtClean="0"/>
+              <a:rPr lang="en-US" altLang="zh-TW" baseline="-25000"/>
               <a:t>1</a:t>
             </a:r>
             <a:r>
-              <a:rPr lang="en-US" altLang="zh-TW" smtClean="0"/>
+              <a:rPr lang="en-US" altLang="zh-TW"/>
               <a:t> Request (1,0,2)</a:t>
             </a:r>
           </a:p>
@@ -17371,16 +17499,16 @@
               </a:tabLst>
             </a:pPr>
             <a:r>
-              <a:rPr lang="en-US" altLang="zh-TW" sz="2000" dirty="0" smtClean="0"/>
+              <a:rPr lang="en-US" altLang="zh-TW" sz="2000" dirty="0"/>
               <a:t>Check that Request </a:t>
             </a:r>
             <a:r>
-              <a:rPr lang="en-US" altLang="zh-TW" sz="2000" dirty="0" smtClean="0">
+              <a:rPr lang="en-US" altLang="zh-TW" sz="2000" dirty="0">
                 <a:sym typeface="Symbol" pitchFamily="18" charset="2"/>
               </a:rPr>
               <a:t> Available (that is, (1,0,2)  (3,3,2)  true)</a:t>
             </a:r>
-            <a:endParaRPr lang="en-US" altLang="zh-TW" sz="2000" i="1" dirty="0" smtClean="0">
+            <a:endParaRPr lang="en-US" altLang="zh-TW" sz="2000" i="1" dirty="0">
               <a:sym typeface="Symbol" pitchFamily="18" charset="2"/>
             </a:endParaRPr>
           </a:p>
@@ -17396,30 +17524,30 @@
               </a:tabLst>
             </a:pPr>
             <a:r>
-              <a:rPr lang="en-US" altLang="zh-TW" sz="2000" i="1" dirty="0" smtClean="0"/>
+              <a:rPr lang="en-US" altLang="zh-TW" sz="2000" i="1" dirty="0"/>
               <a:t>			</a:t>
             </a:r>
             <a:r>
-              <a:rPr lang="en-US" altLang="zh-TW" sz="2000" i="1" u="sng" dirty="0" smtClean="0"/>
+              <a:rPr lang="en-US" altLang="zh-TW" sz="2000" i="1" u="sng" dirty="0"/>
               <a:t>Allocation</a:t>
             </a:r>
             <a:r>
-              <a:rPr lang="en-US" altLang="zh-TW" sz="2000" i="1" dirty="0" smtClean="0"/>
+              <a:rPr lang="en-US" altLang="zh-TW" sz="2000" i="1" dirty="0"/>
               <a:t>	</a:t>
             </a:r>
             <a:r>
-              <a:rPr lang="en-US" altLang="zh-TW" sz="2000" i="1" u="sng" dirty="0" smtClean="0"/>
+              <a:rPr lang="en-US" altLang="zh-TW" sz="2000" i="1" u="sng" dirty="0"/>
               <a:t>Need</a:t>
             </a:r>
             <a:r>
-              <a:rPr lang="en-US" altLang="zh-TW" sz="2000" i="1" dirty="0" smtClean="0"/>
+              <a:rPr lang="en-US" altLang="zh-TW" sz="2000" i="1" dirty="0"/>
               <a:t>	</a:t>
             </a:r>
             <a:r>
-              <a:rPr lang="en-US" altLang="zh-TW" sz="2000" i="1" u="sng" dirty="0" smtClean="0"/>
+              <a:rPr lang="en-US" altLang="zh-TW" sz="2000" i="1" u="sng" dirty="0"/>
               <a:t>Available</a:t>
             </a:r>
-            <a:endParaRPr lang="en-US" altLang="zh-TW" sz="2000" i="1" dirty="0" smtClean="0"/>
+            <a:endParaRPr lang="en-US" altLang="zh-TW" sz="2000" i="1" dirty="0"/>
           </a:p>
           <a:p>
             <a:pPr>
@@ -17433,7 +17561,7 @@
               </a:tabLst>
             </a:pPr>
             <a:r>
-              <a:rPr lang="en-US" altLang="zh-TW" sz="2000" i="1" dirty="0" smtClean="0"/>
+              <a:rPr lang="en-US" altLang="zh-TW" sz="2000" i="1" dirty="0"/>
               <a:t>			A B C	    A B C	A B C </a:t>
             </a:r>
           </a:p>
@@ -17449,23 +17577,23 @@
               </a:tabLst>
             </a:pPr>
             <a:r>
-              <a:rPr lang="en-US" altLang="zh-TW" sz="2000" dirty="0" smtClean="0"/>
+              <a:rPr lang="en-US" altLang="zh-TW" sz="2000" dirty="0"/>
               <a:t>		</a:t>
             </a:r>
             <a:r>
-              <a:rPr lang="en-US" altLang="zh-TW" sz="2000" i="1" dirty="0" smtClean="0"/>
+              <a:rPr lang="en-US" altLang="zh-TW" sz="2000" i="1" dirty="0"/>
               <a:t>P</a:t>
             </a:r>
             <a:r>
-              <a:rPr lang="en-US" altLang="zh-TW" sz="2000" baseline="-25000" dirty="0" smtClean="0"/>
+              <a:rPr lang="en-US" altLang="zh-TW" sz="2000" baseline="-25000" dirty="0"/>
               <a:t>0</a:t>
             </a:r>
             <a:r>
-              <a:rPr lang="en-US" altLang="zh-TW" sz="2000" dirty="0" smtClean="0"/>
+              <a:rPr lang="en-US" altLang="zh-TW" sz="2000" dirty="0"/>
               <a:t>	0 1 0 	    7 4 3 	</a:t>
             </a:r>
             <a:r>
-              <a:rPr lang="en-US" altLang="zh-TW" sz="2000" b="1" dirty="0" smtClean="0">
+              <a:rPr lang="en-US" altLang="zh-TW" sz="2000" b="1" dirty="0">
                 <a:solidFill>
                   <a:srgbClr val="FF0000"/>
                 </a:solidFill>
@@ -17485,23 +17613,23 @@
               </a:tabLst>
             </a:pPr>
             <a:r>
-              <a:rPr lang="en-US" altLang="zh-TW" sz="2000" dirty="0" smtClean="0"/>
+              <a:rPr lang="en-US" altLang="zh-TW" sz="2000" dirty="0"/>
               <a:t>		</a:t>
             </a:r>
             <a:r>
-              <a:rPr lang="en-US" altLang="zh-TW" sz="2000" i="1" dirty="0" smtClean="0"/>
+              <a:rPr lang="en-US" altLang="zh-TW" sz="2000" i="1" dirty="0"/>
               <a:t>P</a:t>
             </a:r>
             <a:r>
-              <a:rPr lang="en-US" altLang="zh-TW" sz="2000" baseline="-25000" dirty="0" smtClean="0"/>
+              <a:rPr lang="en-US" altLang="zh-TW" sz="2000" baseline="-25000" dirty="0"/>
               <a:t>1</a:t>
             </a:r>
             <a:r>
-              <a:rPr lang="en-US" altLang="zh-TW" sz="2000" dirty="0" smtClean="0"/>
+              <a:rPr lang="en-US" altLang="zh-TW" sz="2000" dirty="0"/>
               <a:t>	        </a:t>
             </a:r>
             <a:r>
-              <a:rPr lang="en-US" altLang="zh-TW" sz="2000" b="1" dirty="0" smtClean="0">
+              <a:rPr lang="en-US" altLang="zh-TW" sz="2000" b="1" dirty="0">
                 <a:solidFill>
                   <a:srgbClr val="FF0000"/>
                 </a:solidFill>
@@ -17509,7 +17637,7 @@
               <a:t>3 0 2 </a:t>
             </a:r>
             <a:r>
-              <a:rPr lang="zh-TW" altLang="en-US" sz="2000" b="1" dirty="0" smtClean="0">
+              <a:rPr lang="zh-TW" altLang="en-US" sz="2000" b="1" dirty="0">
                 <a:solidFill>
                   <a:srgbClr val="FF0000"/>
                 </a:solidFill>
@@ -17517,7 +17645,7 @@
               <a:t> </a:t>
             </a:r>
             <a:r>
-              <a:rPr lang="en-US" altLang="zh-TW" sz="2000" b="1" dirty="0" smtClean="0">
+              <a:rPr lang="en-US" altLang="zh-TW" sz="2000" b="1" dirty="0">
                 <a:solidFill>
                   <a:srgbClr val="FF0000"/>
                 </a:solidFill>
@@ -17525,7 +17653,7 @@
               <a:t>               0 2 0</a:t>
             </a:r>
             <a:r>
-              <a:rPr lang="en-US" altLang="zh-TW" sz="2000" dirty="0" smtClean="0"/>
+              <a:rPr lang="en-US" altLang="zh-TW" sz="2000" dirty="0"/>
               <a:t> 	</a:t>
             </a:r>
           </a:p>
@@ -17541,19 +17669,19 @@
               </a:tabLst>
             </a:pPr>
             <a:r>
-              <a:rPr lang="en-US" altLang="zh-TW" sz="2000" dirty="0" smtClean="0"/>
+              <a:rPr lang="en-US" altLang="zh-TW" sz="2000" dirty="0"/>
               <a:t>		</a:t>
             </a:r>
             <a:r>
-              <a:rPr lang="en-US" altLang="zh-TW" sz="2000" i="1" dirty="0" smtClean="0"/>
+              <a:rPr lang="en-US" altLang="zh-TW" sz="2000" i="1" dirty="0"/>
               <a:t>P</a:t>
             </a:r>
             <a:r>
-              <a:rPr lang="en-US" altLang="zh-TW" sz="2000" baseline="-25000" dirty="0" smtClean="0"/>
+              <a:rPr lang="en-US" altLang="zh-TW" sz="2000" baseline="-25000" dirty="0"/>
               <a:t>2</a:t>
             </a:r>
             <a:r>
-              <a:rPr lang="en-US" altLang="zh-TW" sz="2000" dirty="0" smtClean="0"/>
+              <a:rPr lang="en-US" altLang="zh-TW" sz="2000" dirty="0"/>
               <a:t>	3 0 1 	     6 0 0 </a:t>
             </a:r>
           </a:p>
@@ -17569,19 +17697,19 @@
               </a:tabLst>
             </a:pPr>
             <a:r>
-              <a:rPr lang="en-US" altLang="zh-TW" sz="2000" dirty="0" smtClean="0"/>
+              <a:rPr lang="en-US" altLang="zh-TW" sz="2000" dirty="0"/>
               <a:t>		</a:t>
             </a:r>
             <a:r>
-              <a:rPr lang="en-US" altLang="zh-TW" sz="2000" i="1" dirty="0" smtClean="0"/>
+              <a:rPr lang="en-US" altLang="zh-TW" sz="2000" i="1" dirty="0"/>
               <a:t>P</a:t>
             </a:r>
             <a:r>
-              <a:rPr lang="en-US" altLang="zh-TW" sz="2000" baseline="-25000" dirty="0" smtClean="0"/>
+              <a:rPr lang="en-US" altLang="zh-TW" sz="2000" baseline="-25000" dirty="0"/>
               <a:t>3</a:t>
             </a:r>
             <a:r>
-              <a:rPr lang="en-US" altLang="zh-TW" sz="2000" dirty="0" smtClean="0"/>
+              <a:rPr lang="en-US" altLang="zh-TW" sz="2000" dirty="0"/>
               <a:t>	2 1 1 	    0 1 1</a:t>
             </a:r>
           </a:p>
@@ -17597,19 +17725,19 @@
               </a:tabLst>
             </a:pPr>
             <a:r>
-              <a:rPr lang="en-US" altLang="zh-TW" sz="2000" dirty="0" smtClean="0"/>
+              <a:rPr lang="en-US" altLang="zh-TW" sz="2000" dirty="0"/>
               <a:t>		</a:t>
             </a:r>
             <a:r>
-              <a:rPr lang="en-US" altLang="zh-TW" sz="2000" i="1" dirty="0" smtClean="0"/>
+              <a:rPr lang="en-US" altLang="zh-TW" sz="2000" i="1" dirty="0"/>
               <a:t>P</a:t>
             </a:r>
             <a:r>
-              <a:rPr lang="en-US" altLang="zh-TW" sz="2000" baseline="-25000" dirty="0" smtClean="0"/>
+              <a:rPr lang="en-US" altLang="zh-TW" sz="2000" baseline="-25000" dirty="0"/>
               <a:t>4</a:t>
             </a:r>
             <a:r>
-              <a:rPr lang="en-US" altLang="zh-TW" sz="2000" dirty="0" smtClean="0"/>
+              <a:rPr lang="en-US" altLang="zh-TW" sz="2000" dirty="0"/>
               <a:t>	0 0 2 	     4 3 1 </a:t>
             </a:r>
           </a:p>
@@ -17623,11 +17751,11 @@
               </a:tabLst>
             </a:pPr>
             <a:r>
-              <a:rPr lang="en-US" altLang="zh-TW" sz="2000" dirty="0" smtClean="0"/>
+              <a:rPr lang="en-US" altLang="zh-TW" sz="2000" dirty="0"/>
               <a:t>Executing safety algorithm shows that sequence </a:t>
             </a:r>
             <a:r>
-              <a:rPr lang="en-US" altLang="zh-TW" sz="2000" dirty="0" smtClean="0">
+              <a:rPr lang="en-US" altLang="zh-TW" sz="2000" dirty="0">
                 <a:solidFill>
                   <a:srgbClr val="FF0000"/>
                 </a:solidFill>
@@ -17635,7 +17763,7 @@
               <a:t>&lt; </a:t>
             </a:r>
             <a:r>
-              <a:rPr lang="en-US" altLang="zh-TW" sz="2000" i="1" dirty="0" smtClean="0">
+              <a:rPr lang="en-US" altLang="zh-TW" sz="2000" i="1" dirty="0">
                 <a:solidFill>
                   <a:srgbClr val="FF0000"/>
                 </a:solidFill>
@@ -17643,7 +17771,7 @@
               <a:t>P</a:t>
             </a:r>
             <a:r>
-              <a:rPr lang="en-US" altLang="zh-TW" sz="2000" baseline="-25000" dirty="0" smtClean="0">
+              <a:rPr lang="en-US" altLang="zh-TW" sz="2000" baseline="-25000" dirty="0">
                 <a:solidFill>
                   <a:srgbClr val="FF0000"/>
                 </a:solidFill>
@@ -17651,7 +17779,7 @@
               <a:t>1</a:t>
             </a:r>
             <a:r>
-              <a:rPr lang="en-US" altLang="zh-TW" sz="2000" dirty="0" smtClean="0">
+              <a:rPr lang="en-US" altLang="zh-TW" sz="2000" dirty="0">
                 <a:solidFill>
                   <a:srgbClr val="FF0000"/>
                 </a:solidFill>
@@ -17659,7 +17787,7 @@
               <a:t>, </a:t>
             </a:r>
             <a:r>
-              <a:rPr lang="en-US" altLang="zh-TW" sz="2000" i="1" dirty="0" smtClean="0">
+              <a:rPr lang="en-US" altLang="zh-TW" sz="2000" i="1" dirty="0">
                 <a:solidFill>
                   <a:srgbClr val="FF0000"/>
                 </a:solidFill>
@@ -17667,7 +17795,7 @@
               <a:t>P</a:t>
             </a:r>
             <a:r>
-              <a:rPr lang="en-US" altLang="zh-TW" sz="2000" baseline="-25000" dirty="0" smtClean="0">
+              <a:rPr lang="en-US" altLang="zh-TW" sz="2000" baseline="-25000" dirty="0">
                 <a:solidFill>
                   <a:srgbClr val="FF0000"/>
                 </a:solidFill>
@@ -17675,7 +17803,7 @@
               <a:t>3</a:t>
             </a:r>
             <a:r>
-              <a:rPr lang="en-US" altLang="zh-TW" sz="2000" dirty="0" smtClean="0">
+              <a:rPr lang="en-US" altLang="zh-TW" sz="2000" dirty="0">
                 <a:solidFill>
                   <a:srgbClr val="FF0000"/>
                 </a:solidFill>
@@ -17683,7 +17811,7 @@
               <a:t>, </a:t>
             </a:r>
             <a:r>
-              <a:rPr lang="en-US" altLang="zh-TW" sz="2000" i="1" dirty="0" smtClean="0">
+              <a:rPr lang="en-US" altLang="zh-TW" sz="2000" i="1" dirty="0">
                 <a:solidFill>
                   <a:srgbClr val="FF0000"/>
                 </a:solidFill>
@@ -17691,7 +17819,7 @@
               <a:t>P</a:t>
             </a:r>
             <a:r>
-              <a:rPr lang="en-US" altLang="zh-TW" sz="2000" baseline="-25000" dirty="0" smtClean="0">
+              <a:rPr lang="en-US" altLang="zh-TW" sz="2000" baseline="-25000" dirty="0">
                 <a:solidFill>
                   <a:srgbClr val="FF0000"/>
                 </a:solidFill>
@@ -17699,7 +17827,7 @@
               <a:t>4</a:t>
             </a:r>
             <a:r>
-              <a:rPr lang="en-US" altLang="zh-TW" sz="2000" dirty="0" smtClean="0">
+              <a:rPr lang="en-US" altLang="zh-TW" sz="2000" dirty="0">
                 <a:solidFill>
                   <a:srgbClr val="FF0000"/>
                 </a:solidFill>
@@ -17707,7 +17835,7 @@
               <a:t>, </a:t>
             </a:r>
             <a:r>
-              <a:rPr lang="en-US" altLang="zh-TW" sz="2000" i="1" dirty="0" smtClean="0">
+              <a:rPr lang="en-US" altLang="zh-TW" sz="2000" i="1" dirty="0">
                 <a:solidFill>
                   <a:srgbClr val="FF0000"/>
                 </a:solidFill>
@@ -17715,7 +17843,7 @@
               <a:t>P</a:t>
             </a:r>
             <a:r>
-              <a:rPr lang="en-US" altLang="zh-TW" sz="2000" baseline="-25000" dirty="0" smtClean="0">
+              <a:rPr lang="en-US" altLang="zh-TW" sz="2000" baseline="-25000" dirty="0">
                 <a:solidFill>
                   <a:srgbClr val="FF0000"/>
                 </a:solidFill>
@@ -17723,7 +17851,7 @@
               <a:t>0</a:t>
             </a:r>
             <a:r>
-              <a:rPr lang="en-US" altLang="zh-TW" sz="2000" dirty="0" smtClean="0">
+              <a:rPr lang="en-US" altLang="zh-TW" sz="2000" dirty="0">
                 <a:solidFill>
                   <a:srgbClr val="FF0000"/>
                 </a:solidFill>
@@ -17731,7 +17859,7 @@
               <a:t>, </a:t>
             </a:r>
             <a:r>
-              <a:rPr lang="en-US" altLang="zh-TW" sz="2000" i="1" dirty="0" smtClean="0">
+              <a:rPr lang="en-US" altLang="zh-TW" sz="2000" i="1" dirty="0">
                 <a:solidFill>
                   <a:srgbClr val="FF0000"/>
                 </a:solidFill>
@@ -17739,7 +17867,7 @@
               <a:t>P</a:t>
             </a:r>
             <a:r>
-              <a:rPr lang="en-US" altLang="zh-TW" sz="2000" baseline="-25000" dirty="0" smtClean="0">
+              <a:rPr lang="en-US" altLang="zh-TW" sz="2000" baseline="-25000" dirty="0">
                 <a:solidFill>
                   <a:srgbClr val="FF0000"/>
                 </a:solidFill>
@@ -17747,7 +17875,7 @@
               <a:t>2</a:t>
             </a:r>
             <a:r>
-              <a:rPr lang="en-US" altLang="zh-TW" sz="2000" dirty="0" smtClean="0">
+              <a:rPr lang="en-US" altLang="zh-TW" sz="2000" dirty="0">
                 <a:solidFill>
                   <a:srgbClr val="FF0000"/>
                 </a:solidFill>
@@ -17765,19 +17893,19 @@
               </a:tabLst>
             </a:pPr>
             <a:r>
-              <a:rPr lang="en-US" altLang="zh-TW" sz="2000" dirty="0" smtClean="0"/>
+              <a:rPr lang="en-US" altLang="zh-TW" sz="2000" dirty="0"/>
               <a:t>Can request for (3,3,0) by </a:t>
             </a:r>
             <a:r>
-              <a:rPr lang="en-US" altLang="zh-TW" sz="2000" i="1" dirty="0" smtClean="0"/>
+              <a:rPr lang="en-US" altLang="zh-TW" sz="2000" i="1" dirty="0"/>
               <a:t>P</a:t>
             </a:r>
             <a:r>
-              <a:rPr lang="en-US" altLang="zh-TW" sz="2000" baseline="-25000" dirty="0" smtClean="0"/>
+              <a:rPr lang="en-US" altLang="zh-TW" sz="2000" baseline="-25000" dirty="0"/>
               <a:t>4</a:t>
             </a:r>
             <a:r>
-              <a:rPr lang="en-US" altLang="zh-TW" sz="2000" dirty="0" smtClean="0"/>
+              <a:rPr lang="en-US" altLang="zh-TW" sz="2000" dirty="0"/>
               <a:t> be granted?</a:t>
             </a:r>
           </a:p>
@@ -17791,19 +17919,19 @@
               </a:tabLst>
             </a:pPr>
             <a:r>
-              <a:rPr lang="en-US" altLang="zh-TW" sz="2000" dirty="0" smtClean="0"/>
+              <a:rPr lang="en-US" altLang="zh-TW" sz="2000" dirty="0"/>
               <a:t>Can request for (0,2,0) by </a:t>
             </a:r>
             <a:r>
-              <a:rPr lang="en-US" altLang="zh-TW" sz="2000" i="1" dirty="0" smtClean="0"/>
+              <a:rPr lang="en-US" altLang="zh-TW" sz="2000" i="1" dirty="0"/>
               <a:t>P</a:t>
             </a:r>
             <a:r>
-              <a:rPr lang="en-US" altLang="zh-TW" sz="2000" baseline="-25000" dirty="0" smtClean="0"/>
+              <a:rPr lang="en-US" altLang="zh-TW" sz="2000" baseline="-25000" dirty="0"/>
               <a:t>0</a:t>
             </a:r>
             <a:r>
-              <a:rPr lang="en-US" altLang="zh-TW" sz="2000" dirty="0" smtClean="0"/>
+              <a:rPr lang="en-US" altLang="zh-TW" sz="2000" dirty="0"/>
               <a:t> be granted?</a:t>
             </a:r>
           </a:p>
@@ -17818,7 +17946,7 @@
                 <a:tab pos="5022850" algn="ctr"/>
               </a:tabLst>
             </a:pPr>
-            <a:endParaRPr lang="en-US" altLang="zh-TW" sz="2000" dirty="0" smtClean="0"/>
+            <a:endParaRPr lang="en-US" altLang="zh-TW" sz="2000" dirty="0"/>
           </a:p>
         </p:txBody>
       </p:sp>
@@ -17827,13 +17955,6 @@
   <p:clrMapOvr>
     <a:masterClrMapping/>
   </p:clrMapOvr>
-  <p:timing>
-    <p:tnLst>
-      <p:par>
-        <p:cTn id="1" dur="indefinite" restart="never" nodeType="tmRoot"/>
-      </p:par>
-    </p:tnLst>
-  </p:timing>
 </p:sld>
 </file>
 
@@ -17871,7 +17992,7 @@
           <a:p>
             <a:pPr eaLnBrk="1" hangingPunct="1"/>
             <a:r>
-              <a:rPr lang="en-US" altLang="zh-TW" smtClean="0"/>
+              <a:rPr lang="en-US" altLang="zh-TW"/>
               <a:t>Deadlock Detection</a:t>
             </a:r>
           </a:p>
@@ -17893,19 +18014,19 @@
           <a:lstStyle/>
           <a:p>
             <a:r>
-              <a:rPr lang="en-US" altLang="zh-TW" sz="2800" dirty="0" smtClean="0"/>
+              <a:rPr lang="en-US" altLang="zh-TW" sz="2800" dirty="0"/>
               <a:t>Allow system to enter deadlock state</a:t>
             </a:r>
           </a:p>
           <a:p>
             <a:r>
-              <a:rPr lang="en-US" altLang="zh-TW" sz="2800" dirty="0" smtClean="0"/>
+              <a:rPr lang="en-US" altLang="zh-TW" sz="2800" dirty="0"/>
               <a:t>Detection algorithm</a:t>
             </a:r>
           </a:p>
           <a:p>
             <a:r>
-              <a:rPr lang="en-US" altLang="zh-TW" sz="2800" dirty="0" smtClean="0"/>
+              <a:rPr lang="en-US" altLang="zh-TW" sz="2800" dirty="0"/>
               <a:t>Recovery scheme</a:t>
             </a:r>
           </a:p>
@@ -18174,7 +18295,7 @@
           <a:p>
             <a:pPr eaLnBrk="1" hangingPunct="1"/>
             <a:r>
-              <a:rPr lang="en-US" altLang="zh-TW" dirty="0" smtClean="0"/>
+              <a:rPr lang="en-US" altLang="zh-TW" dirty="0"/>
               <a:t>Single Instance of Each Resource Type</a:t>
             </a:r>
           </a:p>
@@ -18201,11 +18322,11 @@
           <a:lstStyle/>
           <a:p>
             <a:r>
-              <a:rPr lang="en-US" altLang="zh-TW" sz="2800" dirty="0" smtClean="0"/>
+              <a:rPr lang="en-US" altLang="zh-TW" sz="2800" dirty="0"/>
               <a:t>Maintain </a:t>
             </a:r>
             <a:r>
-              <a:rPr lang="en-US" altLang="zh-TW" sz="2800" b="1" i="1" dirty="0" smtClean="0">
+              <a:rPr lang="en-US" altLang="zh-TW" sz="2800" b="1" i="1" dirty="0">
                 <a:solidFill>
                   <a:srgbClr val="FF0000"/>
                 </a:solidFill>
@@ -18213,114 +18334,114 @@
               <a:t>wait-for</a:t>
             </a:r>
             <a:r>
-              <a:rPr lang="en-US" altLang="zh-TW" sz="2800" dirty="0" smtClean="0"/>
+              <a:rPr lang="en-US" altLang="zh-TW" sz="2800" dirty="0"/>
               <a:t> graph</a:t>
             </a:r>
           </a:p>
           <a:p>
             <a:pPr lvl="1"/>
             <a:r>
-              <a:rPr lang="en-US" altLang="zh-TW" sz="2800" dirty="0" smtClean="0"/>
+              <a:rPr lang="en-US" altLang="zh-TW" sz="2800" dirty="0"/>
               <a:t>Nodes are processes</a:t>
             </a:r>
           </a:p>
           <a:p>
             <a:pPr lvl="1"/>
             <a:r>
-              <a:rPr lang="en-US" altLang="zh-TW" sz="2800" i="1" dirty="0" smtClean="0"/>
+              <a:rPr lang="en-US" altLang="zh-TW" sz="2800" i="1" dirty="0"/>
               <a:t>P</a:t>
             </a:r>
             <a:r>
-              <a:rPr lang="en-US" altLang="zh-TW" sz="2800" i="1" baseline="-25000" dirty="0" smtClean="0"/>
+              <a:rPr lang="en-US" altLang="zh-TW" sz="2800" i="1" baseline="-25000" dirty="0"/>
               <a:t>i</a:t>
             </a:r>
             <a:r>
-              <a:rPr lang="en-US" altLang="zh-TW" sz="2800" dirty="0" smtClean="0"/>
+              <a:rPr lang="en-US" altLang="zh-TW" sz="2800" dirty="0"/>
               <a:t> </a:t>
             </a:r>
             <a:r>
-              <a:rPr lang="en-US" altLang="zh-TW" sz="2800" dirty="0" smtClean="0">
+              <a:rPr lang="en-US" altLang="zh-TW" sz="2800" dirty="0">
                 <a:sym typeface="Symbol" pitchFamily="18" charset="2"/>
               </a:rPr>
               <a:t> </a:t>
             </a:r>
             <a:r>
-              <a:rPr lang="en-US" altLang="zh-TW" sz="2800" i="1" dirty="0" err="1" smtClean="0">
+              <a:rPr lang="en-US" altLang="zh-TW" sz="2800" i="1" dirty="0" err="1">
                 <a:sym typeface="Symbol" pitchFamily="18" charset="2"/>
               </a:rPr>
               <a:t>P</a:t>
             </a:r>
             <a:r>
-              <a:rPr lang="en-US" altLang="zh-TW" sz="2800" i="1" baseline="-25000" dirty="0" err="1" smtClean="0">
+              <a:rPr lang="en-US" altLang="zh-TW" sz="2800" i="1" baseline="-25000" dirty="0" err="1">
                 <a:sym typeface="Symbol" pitchFamily="18" charset="2"/>
               </a:rPr>
               <a:t>j</a:t>
             </a:r>
             <a:r>
-              <a:rPr lang="en-US" altLang="zh-TW" sz="2800" i="1" baseline="-25000" dirty="0" smtClean="0">
+              <a:rPr lang="en-US" altLang="zh-TW" sz="2800" i="1" baseline="-25000" dirty="0">
                 <a:sym typeface="Symbol" pitchFamily="18" charset="2"/>
               </a:rPr>
               <a:t>   </a:t>
             </a:r>
             <a:r>
-              <a:rPr lang="en-US" altLang="zh-TW" sz="2800" dirty="0" smtClean="0">
+              <a:rPr lang="en-US" altLang="zh-TW" sz="2800" dirty="0">
                 <a:sym typeface="Symbol" pitchFamily="18" charset="2"/>
               </a:rPr>
               <a:t>if </a:t>
             </a:r>
             <a:r>
-              <a:rPr lang="en-US" altLang="zh-TW" sz="2800" i="1" dirty="0" smtClean="0">
+              <a:rPr lang="en-US" altLang="zh-TW" sz="2800" i="1" dirty="0">
                 <a:sym typeface="Symbol" pitchFamily="18" charset="2"/>
               </a:rPr>
               <a:t>P</a:t>
             </a:r>
             <a:r>
-              <a:rPr lang="en-US" altLang="zh-TW" sz="2800" i="1" baseline="-25000" dirty="0" smtClean="0">
+              <a:rPr lang="en-US" altLang="zh-TW" sz="2800" i="1" baseline="-25000" dirty="0">
                 <a:sym typeface="Symbol" pitchFamily="18" charset="2"/>
               </a:rPr>
               <a:t>i</a:t>
             </a:r>
             <a:r>
-              <a:rPr lang="en-US" altLang="zh-TW" sz="2800" i="1" dirty="0" smtClean="0">
+              <a:rPr lang="en-US" altLang="zh-TW" sz="2800" i="1" dirty="0">
                 <a:sym typeface="Symbol" pitchFamily="18" charset="2"/>
               </a:rPr>
               <a:t> </a:t>
             </a:r>
             <a:r>
-              <a:rPr lang="en-US" altLang="zh-TW" sz="2800" dirty="0" smtClean="0">
+              <a:rPr lang="en-US" altLang="zh-TW" sz="2800" dirty="0">
                 <a:sym typeface="Symbol" pitchFamily="18" charset="2"/>
               </a:rPr>
               <a:t>is waiting for</a:t>
             </a:r>
             <a:r>
-              <a:rPr lang="en-US" altLang="zh-TW" sz="2800" i="1" dirty="0" smtClean="0">
+              <a:rPr lang="en-US" altLang="zh-TW" sz="2800" i="1" dirty="0">
                 <a:sym typeface="Symbol" pitchFamily="18" charset="2"/>
               </a:rPr>
               <a:t> </a:t>
             </a:r>
             <a:r>
-              <a:rPr lang="en-US" altLang="zh-TW" sz="2800" i="1" dirty="0" err="1" smtClean="0">
+              <a:rPr lang="en-US" altLang="zh-TW" sz="2800" i="1" dirty="0" err="1">
                 <a:sym typeface="Symbol" pitchFamily="18" charset="2"/>
               </a:rPr>
               <a:t>P</a:t>
             </a:r>
             <a:r>
-              <a:rPr lang="en-US" altLang="zh-TW" sz="2800" i="1" baseline="-25000" dirty="0" err="1" smtClean="0">
+              <a:rPr lang="en-US" altLang="zh-TW" sz="2800" i="1" baseline="-25000" dirty="0" err="1">
                 <a:sym typeface="Symbol" pitchFamily="18" charset="2"/>
               </a:rPr>
               <a:t>j</a:t>
             </a:r>
-            <a:endParaRPr lang="en-US" altLang="zh-TW" sz="2800" i="1" dirty="0" smtClean="0">
+            <a:endParaRPr lang="en-US" altLang="zh-TW" sz="2800" i="1" dirty="0">
               <a:sym typeface="Symbol" pitchFamily="18" charset="2"/>
             </a:endParaRPr>
           </a:p>
           <a:p>
             <a:r>
-              <a:rPr lang="en-US" altLang="zh-TW" sz="2800" dirty="0" smtClean="0"/>
+              <a:rPr lang="en-US" altLang="zh-TW" sz="2800" dirty="0"/>
               <a:t>Periodically invoke an algorithm that searches for a cycle in the graph. </a:t>
             </a:r>
             <a:r>
-              <a:rPr lang="en-US" altLang="zh-TW" sz="2800" dirty="0" smtClean="0">
+              <a:rPr lang="en-US" altLang="zh-TW" sz="2800" dirty="0">
                 <a:solidFill>
                   <a:srgbClr val="FF0000"/>
                 </a:solidFill>
@@ -18330,29 +18451,34 @@
           </a:p>
           <a:p>
             <a:r>
-              <a:rPr lang="en-US" altLang="zh-TW" sz="2800" dirty="0" smtClean="0"/>
+              <a:rPr lang="en-US" altLang="zh-TW" sz="2800" dirty="0"/>
               <a:t>An algorithm to detect a cycle in a graph requires an order of</a:t>
             </a:r>
             <a:r>
-              <a:rPr lang="en-US" altLang="zh-TW" sz="2800" i="1" dirty="0" smtClean="0"/>
+              <a:rPr lang="en-US" altLang="zh-TW" sz="2800" i="1" dirty="0"/>
               <a:t> n</a:t>
             </a:r>
             <a:r>
-              <a:rPr lang="en-US" altLang="zh-TW" sz="2800" baseline="30000" dirty="0" smtClean="0"/>
+              <a:rPr lang="en-US" altLang="zh-TW" sz="2800" baseline="30000" dirty="0"/>
               <a:t>2</a:t>
             </a:r>
             <a:r>
-              <a:rPr lang="en-US" altLang="zh-TW" sz="2800" dirty="0" smtClean="0"/>
+              <a:rPr lang="en-US" altLang="zh-TW" sz="2800" dirty="0"/>
               <a:t> operations, where </a:t>
             </a:r>
             <a:r>
-              <a:rPr lang="en-US" altLang="zh-TW" sz="2800" i="1" dirty="0" smtClean="0"/>
+              <a:rPr lang="en-US" altLang="zh-TW" sz="2800" i="1" dirty="0"/>
               <a:t>n</a:t>
             </a:r>
             <a:r>
-              <a:rPr lang="en-US" altLang="zh-TW" sz="2800" dirty="0" smtClean="0"/>
+              <a:rPr lang="en-US" altLang="zh-TW" sz="2800" dirty="0"/>
               <a:t> is the number of vertices in the graph</a:t>
             </a:r>
+            <a:r>
+              <a:rPr lang="zh-TW" altLang="en-US" sz="2800" dirty="0"/>
+              <a:t>   有空再去對一下演算法  找一下是哪個演算法和複雜度大概的概念</a:t>
+            </a:r>
+            <a:endParaRPr lang="en-US" altLang="zh-TW" sz="2800" dirty="0"/>
           </a:p>
         </p:txBody>
       </p:sp>
@@ -18705,7 +18831,7 @@
           <a:p>
             <a:pPr eaLnBrk="1" hangingPunct="1"/>
             <a:r>
-              <a:rPr lang="en-US" altLang="zh-TW" sz="3200" dirty="0" smtClean="0"/>
+              <a:rPr lang="en-US" altLang="zh-TW" sz="3200" dirty="0"/>
               <a:t>Resource-Allocation Graph and Wait-for Graph</a:t>
             </a:r>
           </a:p>
@@ -19411,7 +19537,7 @@
           <a:p>
             <a:pPr eaLnBrk="1" hangingPunct="1"/>
             <a:r>
-              <a:rPr lang="en-US" altLang="zh-TW" dirty="0" smtClean="0"/>
+              <a:rPr lang="en-US" altLang="zh-TW" dirty="0"/>
               <a:t>Several Instances of a Resource Type</a:t>
             </a:r>
           </a:p>
@@ -19438,7 +19564,7 @@
           <a:lstStyle/>
           <a:p>
             <a:r>
-              <a:rPr lang="en-US" altLang="zh-TW" sz="2800" b="1" dirty="0" smtClean="0">
+              <a:rPr lang="en-US" altLang="zh-TW" sz="2800" b="1" dirty="0">
                 <a:solidFill>
                   <a:srgbClr val="FF0000"/>
                 </a:solidFill>
@@ -19446,7 +19572,7 @@
               <a:t>Available</a:t>
             </a:r>
             <a:r>
-              <a:rPr lang="en-US" altLang="zh-TW" sz="2800" i="1" dirty="0" smtClean="0">
+              <a:rPr lang="en-US" altLang="zh-TW" sz="2800" i="1" dirty="0">
                 <a:solidFill>
                   <a:srgbClr val="FF0000"/>
                 </a:solidFill>
@@ -19454,21 +19580,21 @@
               <a:t>:</a:t>
             </a:r>
             <a:r>
-              <a:rPr lang="en-US" altLang="zh-TW" sz="2800" dirty="0" smtClean="0"/>
+              <a:rPr lang="en-US" altLang="zh-TW" sz="2800" dirty="0"/>
               <a:t>  A vector of length </a:t>
             </a:r>
             <a:r>
-              <a:rPr lang="en-US" altLang="zh-TW" sz="2800" i="1" dirty="0" smtClean="0"/>
+              <a:rPr lang="en-US" altLang="zh-TW" sz="2800" i="1" dirty="0"/>
               <a:t>m</a:t>
             </a:r>
             <a:r>
-              <a:rPr lang="en-US" altLang="zh-TW" sz="2800" dirty="0" smtClean="0"/>
+              <a:rPr lang="en-US" altLang="zh-TW" sz="2800" dirty="0"/>
               <a:t> indicates the number of available resources of each type.</a:t>
             </a:r>
           </a:p>
           <a:p>
             <a:r>
-              <a:rPr lang="en-US" altLang="zh-TW" sz="2800" b="1" dirty="0" smtClean="0">
+              <a:rPr lang="en-US" altLang="zh-TW" sz="2800" b="1" dirty="0">
                 <a:solidFill>
                   <a:srgbClr val="FF0000"/>
                 </a:solidFill>
@@ -19476,33 +19602,33 @@
               <a:t>Allocation</a:t>
             </a:r>
             <a:r>
-              <a:rPr lang="en-US" altLang="zh-TW" sz="2800" i="1" dirty="0" smtClean="0"/>
+              <a:rPr lang="en-US" altLang="zh-TW" sz="2800" i="1" dirty="0"/>
               <a:t>:</a:t>
             </a:r>
             <a:r>
-              <a:rPr lang="en-US" altLang="zh-TW" sz="2800" dirty="0" smtClean="0"/>
+              <a:rPr lang="en-US" altLang="zh-TW" sz="2800" dirty="0"/>
               <a:t>  An </a:t>
             </a:r>
             <a:r>
-              <a:rPr lang="en-US" altLang="zh-TW" sz="2800" i="1" dirty="0" smtClean="0"/>
+              <a:rPr lang="en-US" altLang="zh-TW" sz="2800" i="1" dirty="0"/>
               <a:t>n </a:t>
             </a:r>
             <a:r>
-              <a:rPr lang="en-US" altLang="zh-TW" sz="2800" dirty="0" smtClean="0"/>
+              <a:rPr lang="en-US" altLang="zh-TW" sz="2800" dirty="0"/>
               <a:t>x</a:t>
             </a:r>
             <a:r>
-              <a:rPr lang="en-US" altLang="zh-TW" sz="2800" i="1" dirty="0" smtClean="0"/>
+              <a:rPr lang="en-US" altLang="zh-TW" sz="2800" i="1" dirty="0"/>
               <a:t> m</a:t>
             </a:r>
             <a:r>
-              <a:rPr lang="en-US" altLang="zh-TW" sz="2800" dirty="0" smtClean="0"/>
+              <a:rPr lang="en-US" altLang="zh-TW" sz="2800" dirty="0"/>
               <a:t> matrix defines the number of resources of each type currently allocated to each process.</a:t>
             </a:r>
           </a:p>
           <a:p>
             <a:r>
-              <a:rPr lang="en-US" altLang="zh-TW" sz="2800" b="1" dirty="0" smtClean="0">
+              <a:rPr lang="en-US" altLang="zh-TW" sz="2800" b="1" dirty="0">
                 <a:solidFill>
                   <a:srgbClr val="FF0000"/>
                 </a:solidFill>
@@ -19510,7 +19636,7 @@
               <a:t>Request</a:t>
             </a:r>
             <a:r>
-              <a:rPr lang="en-US" altLang="zh-TW" sz="2800" i="1" dirty="0" smtClean="0">
+              <a:rPr lang="en-US" altLang="zh-TW" sz="2800" i="1" dirty="0">
                 <a:solidFill>
                   <a:srgbClr val="FF0000"/>
                 </a:solidFill>
@@ -19518,83 +19644,83 @@
               <a:t>:</a:t>
             </a:r>
             <a:r>
-              <a:rPr lang="en-US" altLang="zh-TW" sz="2800" dirty="0" smtClean="0"/>
+              <a:rPr lang="en-US" altLang="zh-TW" sz="2800" dirty="0"/>
               <a:t>  An </a:t>
             </a:r>
             <a:r>
-              <a:rPr lang="en-US" altLang="zh-TW" sz="2800" i="1" dirty="0" smtClean="0"/>
+              <a:rPr lang="en-US" altLang="zh-TW" sz="2800" i="1" dirty="0"/>
               <a:t>n </a:t>
             </a:r>
             <a:r>
-              <a:rPr lang="en-US" altLang="zh-TW" sz="2800" dirty="0" smtClean="0"/>
+              <a:rPr lang="en-US" altLang="zh-TW" sz="2800" dirty="0"/>
               <a:t>x</a:t>
             </a:r>
             <a:r>
-              <a:rPr lang="en-US" altLang="zh-TW" sz="2800" i="1" dirty="0" smtClean="0"/>
+              <a:rPr lang="en-US" altLang="zh-TW" sz="2800" i="1" dirty="0"/>
               <a:t> m</a:t>
             </a:r>
             <a:r>
-              <a:rPr lang="en-US" altLang="zh-TW" sz="2800" dirty="0" smtClean="0"/>
+              <a:rPr lang="en-US" altLang="zh-TW" sz="2800" dirty="0"/>
               <a:t> matrix indicates the current request  of each process.  If </a:t>
             </a:r>
             <a:r>
-              <a:rPr lang="en-US" altLang="zh-TW" sz="2800" i="1" dirty="0" smtClean="0"/>
+              <a:rPr lang="en-US" altLang="zh-TW" sz="2800" i="1" dirty="0"/>
               <a:t>Request </a:t>
             </a:r>
             <a:r>
-              <a:rPr lang="en-US" altLang="zh-TW" sz="2800" dirty="0" smtClean="0"/>
+              <a:rPr lang="en-US" altLang="zh-TW" sz="2800" dirty="0"/>
               <a:t>[</a:t>
             </a:r>
             <a:r>
-              <a:rPr lang="en-US" altLang="zh-TW" sz="2800" i="1" dirty="0" err="1" smtClean="0"/>
+              <a:rPr lang="en-US" altLang="zh-TW" sz="2800" i="1" dirty="0" err="1"/>
               <a:t>i</a:t>
             </a:r>
             <a:r>
-              <a:rPr lang="en-US" altLang="zh-TW" sz="2800" i="1" dirty="0" smtClean="0"/>
+              <a:rPr lang="en-US" altLang="zh-TW" sz="2800" i="1" dirty="0"/>
               <a:t>, j</a:t>
             </a:r>
             <a:r>
-              <a:rPr lang="en-US" altLang="zh-TW" sz="2800" dirty="0" smtClean="0"/>
+              <a:rPr lang="en-US" altLang="zh-TW" sz="2800" dirty="0"/>
               <a:t>] = </a:t>
             </a:r>
             <a:r>
-              <a:rPr lang="en-US" altLang="zh-TW" sz="2800" i="1" dirty="0" smtClean="0"/>
+              <a:rPr lang="en-US" altLang="zh-TW" sz="2800" i="1" dirty="0"/>
               <a:t>k</a:t>
             </a:r>
             <a:r>
-              <a:rPr lang="en-US" altLang="zh-TW" sz="2800" dirty="0" smtClean="0"/>
+              <a:rPr lang="en-US" altLang="zh-TW" sz="2800" dirty="0"/>
               <a:t>, then process</a:t>
             </a:r>
             <a:r>
-              <a:rPr lang="en-US" altLang="zh-TW" sz="2800" i="1" dirty="0" smtClean="0"/>
+              <a:rPr lang="en-US" altLang="zh-TW" sz="2800" i="1" dirty="0"/>
               <a:t> P</a:t>
             </a:r>
             <a:r>
-              <a:rPr lang="en-US" altLang="zh-TW" sz="2800" i="1" baseline="-25000" dirty="0" smtClean="0"/>
+              <a:rPr lang="en-US" altLang="zh-TW" sz="2800" i="1" baseline="-25000" dirty="0"/>
               <a:t>i</a:t>
             </a:r>
             <a:r>
-              <a:rPr lang="en-US" altLang="zh-TW" sz="2800" dirty="0" smtClean="0"/>
+              <a:rPr lang="en-US" altLang="zh-TW" sz="2800" dirty="0"/>
               <a:t> is requesting</a:t>
             </a:r>
             <a:r>
-              <a:rPr lang="en-US" altLang="zh-TW" sz="2800" i="1" dirty="0" smtClean="0"/>
+              <a:rPr lang="en-US" altLang="zh-TW" sz="2800" i="1" dirty="0"/>
               <a:t> k</a:t>
             </a:r>
             <a:r>
-              <a:rPr lang="en-US" altLang="zh-TW" sz="2800" dirty="0" smtClean="0"/>
+              <a:rPr lang="en-US" altLang="zh-TW" sz="2800" dirty="0"/>
               <a:t> more instances of resource type </a:t>
             </a:r>
             <a:r>
-              <a:rPr lang="en-US" altLang="zh-TW" sz="2800" i="1" dirty="0" err="1" smtClean="0"/>
+              <a:rPr lang="en-US" altLang="zh-TW" sz="2800" i="1" dirty="0" err="1"/>
               <a:t>R</a:t>
             </a:r>
             <a:r>
-              <a:rPr lang="en-US" altLang="zh-TW" sz="2800" i="1" baseline="-25000" dirty="0" err="1" smtClean="0"/>
+              <a:rPr lang="en-US" altLang="zh-TW" sz="2800" i="1" baseline="-25000" dirty="0" err="1"/>
               <a:t>j</a:t>
             </a:r>
             <a:r>
-              <a:rPr lang="en-US" altLang="zh-TW" sz="2800" dirty="0" smtClean="0"/>
+              <a:rPr lang="en-US" altLang="zh-TW" sz="2800" dirty="0"/>
               <a:t>.</a:t>
             </a:r>
           </a:p>
@@ -19858,7 +19984,7 @@
           <a:p>
             <a:pPr eaLnBrk="1" hangingPunct="1"/>
             <a:r>
-              <a:rPr lang="en-US" altLang="zh-TW" smtClean="0"/>
+              <a:rPr lang="en-US" altLang="zh-TW"/>
               <a:t>Detection Algorithm</a:t>
             </a:r>
           </a:p>
@@ -19889,39 +20015,39 @@
               <a:buNone/>
             </a:pPr>
             <a:r>
-              <a:rPr lang="en-US" altLang="zh-TW" sz="2800" dirty="0" smtClean="0"/>
+              <a:rPr lang="en-US" altLang="zh-TW" sz="2800" dirty="0"/>
               <a:t>1.	Let </a:t>
             </a:r>
             <a:r>
-              <a:rPr lang="en-US" altLang="zh-TW" sz="2800" i="1" dirty="0" smtClean="0"/>
+              <a:rPr lang="en-US" altLang="zh-TW" sz="2800" i="1" dirty="0"/>
               <a:t>Work</a:t>
             </a:r>
             <a:r>
-              <a:rPr lang="en-US" altLang="zh-TW" sz="2800" dirty="0" smtClean="0"/>
+              <a:rPr lang="en-US" altLang="zh-TW" sz="2800" dirty="0"/>
               <a:t> and </a:t>
             </a:r>
             <a:r>
-              <a:rPr lang="en-US" altLang="zh-TW" sz="2800" i="1" dirty="0" smtClean="0"/>
+              <a:rPr lang="en-US" altLang="zh-TW" sz="2800" i="1" dirty="0"/>
               <a:t>Finish</a:t>
             </a:r>
             <a:r>
-              <a:rPr lang="en-US" altLang="zh-TW" sz="2800" dirty="0" smtClean="0"/>
+              <a:rPr lang="en-US" altLang="zh-TW" sz="2800" dirty="0"/>
               <a:t> be vectors of length </a:t>
             </a:r>
             <a:r>
-              <a:rPr lang="en-US" altLang="zh-TW" sz="2800" i="1" dirty="0" smtClean="0"/>
+              <a:rPr lang="en-US" altLang="zh-TW" sz="2800" i="1" dirty="0"/>
               <a:t>m</a:t>
             </a:r>
             <a:r>
-              <a:rPr lang="en-US" altLang="zh-TW" sz="2800" dirty="0" smtClean="0"/>
+              <a:rPr lang="en-US" altLang="zh-TW" sz="2800" dirty="0"/>
               <a:t> and </a:t>
             </a:r>
             <a:r>
-              <a:rPr lang="en-US" altLang="zh-TW" sz="2800" i="1" dirty="0" smtClean="0"/>
+              <a:rPr lang="en-US" altLang="zh-TW" sz="2800" i="1" dirty="0"/>
               <a:t>n</a:t>
             </a:r>
             <a:r>
-              <a:rPr lang="en-US" altLang="zh-TW" sz="2800" dirty="0" smtClean="0"/>
+              <a:rPr lang="en-US" altLang="zh-TW" sz="2800" dirty="0"/>
               <a:t>, respectively Initialize:</a:t>
             </a:r>
           </a:p>
@@ -19931,22 +20057,22 @@
               <a:buNone/>
             </a:pPr>
             <a:r>
-              <a:rPr lang="en-US" altLang="zh-TW" sz="2800" dirty="0" smtClean="0"/>
+              <a:rPr lang="en-US" altLang="zh-TW" sz="2800" dirty="0"/>
               <a:t>(a) </a:t>
             </a:r>
             <a:r>
-              <a:rPr lang="en-US" altLang="zh-TW" sz="2800" i="1" dirty="0" smtClean="0"/>
+              <a:rPr lang="en-US" altLang="zh-TW" sz="2800" i="1" dirty="0"/>
               <a:t>Work</a:t>
             </a:r>
             <a:r>
-              <a:rPr lang="en-US" altLang="zh-TW" sz="2800" dirty="0" smtClean="0"/>
+              <a:rPr lang="en-US" altLang="zh-TW" sz="2800" dirty="0"/>
               <a:t> = </a:t>
             </a:r>
             <a:r>
-              <a:rPr lang="en-US" altLang="zh-TW" sz="2800" i="1" dirty="0" smtClean="0"/>
+              <a:rPr lang="en-US" altLang="zh-TW" sz="2800" i="1" dirty="0"/>
               <a:t>Available</a:t>
             </a:r>
-            <a:endParaRPr lang="en-US" altLang="zh-TW" sz="2800" dirty="0" smtClean="0"/>
+            <a:endParaRPr lang="en-US" altLang="zh-TW" sz="2800" dirty="0"/>
           </a:p>
           <a:p>
             <a:pPr marL="850900" lvl="1" indent="-393700">
@@ -19954,74 +20080,74 @@
               <a:buNone/>
             </a:pPr>
             <a:r>
-              <a:rPr lang="en-US" altLang="zh-TW" sz="2800" dirty="0" smtClean="0"/>
+              <a:rPr lang="en-US" altLang="zh-TW" sz="2800" dirty="0"/>
               <a:t>(b)	For </a:t>
             </a:r>
             <a:r>
-              <a:rPr lang="en-US" altLang="zh-TW" sz="2800" i="1" dirty="0" err="1" smtClean="0"/>
+              <a:rPr lang="en-US" altLang="zh-TW" sz="2800" i="1" dirty="0" err="1"/>
               <a:t>i</a:t>
             </a:r>
             <a:r>
-              <a:rPr lang="en-US" altLang="zh-TW" sz="2800" dirty="0" smtClean="0"/>
+              <a:rPr lang="en-US" altLang="zh-TW" sz="2800" dirty="0"/>
               <a:t> = 1,2, …,</a:t>
             </a:r>
             <a:r>
-              <a:rPr lang="en-US" altLang="zh-TW" sz="2800" i="1" dirty="0" smtClean="0"/>
+              <a:rPr lang="en-US" altLang="zh-TW" sz="2800" i="1" dirty="0"/>
               <a:t> n</a:t>
             </a:r>
             <a:r>
-              <a:rPr lang="en-US" altLang="zh-TW" sz="2800" dirty="0" smtClean="0"/>
+              <a:rPr lang="en-US" altLang="zh-TW" sz="2800" dirty="0"/>
               <a:t>, if </a:t>
             </a:r>
             <a:r>
-              <a:rPr lang="en-US" altLang="zh-TW" sz="2800" i="1" dirty="0" err="1" smtClean="0"/>
+              <a:rPr lang="en-US" altLang="zh-TW" sz="2800" i="1" dirty="0" err="1"/>
               <a:t>Allocation</a:t>
             </a:r>
             <a:r>
-              <a:rPr lang="en-US" altLang="zh-TW" sz="2800" i="1" baseline="-25000" dirty="0" err="1" smtClean="0"/>
+              <a:rPr lang="en-US" altLang="zh-TW" sz="2800" i="1" baseline="-25000" dirty="0" err="1"/>
               <a:t>i</a:t>
             </a:r>
             <a:r>
-              <a:rPr lang="en-US" altLang="zh-TW" sz="2800" dirty="0" smtClean="0"/>
+              <a:rPr lang="en-US" altLang="zh-TW" sz="2800" dirty="0"/>
               <a:t> </a:t>
             </a:r>
             <a:r>
-              <a:rPr lang="en-US" altLang="zh-TW" sz="2800" dirty="0" smtClean="0">
+              <a:rPr lang="en-US" altLang="zh-TW" sz="2800" dirty="0">
                 <a:sym typeface="Symbol" pitchFamily="18" charset="2"/>
               </a:rPr>
               <a:t> 0, then </a:t>
             </a:r>
             <a:br>
-              <a:rPr lang="en-US" altLang="zh-TW" sz="2800" dirty="0" smtClean="0">
+              <a:rPr lang="en-US" altLang="zh-TW" sz="2800" dirty="0">
                 <a:sym typeface="Symbol" pitchFamily="18" charset="2"/>
               </a:rPr>
             </a:br>
             <a:r>
-              <a:rPr lang="en-US" altLang="zh-TW" sz="2800" i="1" dirty="0" smtClean="0">
+              <a:rPr lang="en-US" altLang="zh-TW" sz="2800" i="1" dirty="0">
                 <a:sym typeface="Symbol" pitchFamily="18" charset="2"/>
               </a:rPr>
               <a:t>Finish</a:t>
             </a:r>
             <a:r>
-              <a:rPr lang="en-US" altLang="zh-TW" sz="2800" dirty="0" smtClean="0">
+              <a:rPr lang="en-US" altLang="zh-TW" sz="2800" dirty="0">
                 <a:sym typeface="Symbol" pitchFamily="18" charset="2"/>
               </a:rPr>
               <a:t>[</a:t>
             </a:r>
             <a:r>
-              <a:rPr lang="en-US" altLang="zh-TW" sz="2800" dirty="0" err="1" smtClean="0">
+              <a:rPr lang="en-US" altLang="zh-TW" sz="2800" dirty="0" err="1">
                 <a:sym typeface="Symbol" pitchFamily="18" charset="2"/>
               </a:rPr>
               <a:t>i</a:t>
             </a:r>
             <a:r>
-              <a:rPr lang="en-US" altLang="zh-TW" sz="2800" dirty="0" smtClean="0">
+              <a:rPr lang="en-US" altLang="zh-TW" sz="2800" dirty="0">
                 <a:sym typeface="Symbol" pitchFamily="18" charset="2"/>
               </a:rPr>
               <a:t>] = false; </a:t>
             </a:r>
             <a:r>
-              <a:rPr lang="en-US" altLang="zh-TW" sz="2800" dirty="0" smtClean="0">
+              <a:rPr lang="en-US" altLang="zh-TW" sz="2800" dirty="0">
                 <a:solidFill>
                   <a:srgbClr val="FF0000"/>
                 </a:solidFill>
@@ -20030,7 +20156,7 @@
               <a:t>otherwise, </a:t>
             </a:r>
             <a:r>
-              <a:rPr lang="en-US" altLang="zh-TW" sz="2800" i="1" dirty="0" smtClean="0">
+              <a:rPr lang="en-US" altLang="zh-TW" sz="2800" i="1" dirty="0">
                 <a:solidFill>
                   <a:srgbClr val="FF0000"/>
                 </a:solidFill>
@@ -20039,7 +20165,7 @@
               <a:t>Finish</a:t>
             </a:r>
             <a:r>
-              <a:rPr lang="en-US" altLang="zh-TW" sz="2800" dirty="0" smtClean="0">
+              <a:rPr lang="en-US" altLang="zh-TW" sz="2800" dirty="0">
                 <a:solidFill>
                   <a:srgbClr val="FF0000"/>
                 </a:solidFill>
@@ -20048,7 +20174,7 @@
               <a:t>[</a:t>
             </a:r>
             <a:r>
-              <a:rPr lang="en-US" altLang="zh-TW" sz="2800" dirty="0" err="1" smtClean="0">
+              <a:rPr lang="en-US" altLang="zh-TW" sz="2800" dirty="0" err="1">
                 <a:solidFill>
                   <a:srgbClr val="FF0000"/>
                 </a:solidFill>
@@ -20057,7 +20183,7 @@
               <a:t>i</a:t>
             </a:r>
             <a:r>
-              <a:rPr lang="en-US" altLang="zh-TW" sz="2800" dirty="0" smtClean="0">
+              <a:rPr lang="en-US" altLang="zh-TW" sz="2800" dirty="0">
                 <a:solidFill>
                   <a:srgbClr val="FF0000"/>
                 </a:solidFill>
@@ -20066,7 +20192,7 @@
               <a:t>] = </a:t>
             </a:r>
             <a:r>
-              <a:rPr lang="en-US" altLang="zh-TW" sz="2800" i="1" dirty="0" smtClean="0">
+              <a:rPr lang="en-US" altLang="zh-TW" sz="2800" i="1" dirty="0">
                 <a:solidFill>
                   <a:srgbClr val="FF0000"/>
                 </a:solidFill>
@@ -20074,7 +20200,7 @@
               </a:rPr>
               <a:t>true</a:t>
             </a:r>
-            <a:endParaRPr lang="en-US" altLang="zh-TW" sz="2800" dirty="0" smtClean="0">
+            <a:endParaRPr lang="en-US" altLang="zh-TW" sz="2800" dirty="0">
               <a:solidFill>
                 <a:srgbClr val="FF0000"/>
               </a:solidFill>
@@ -20087,19 +20213,19 @@
               <a:buNone/>
             </a:pPr>
             <a:r>
-              <a:rPr lang="en-US" altLang="zh-TW" sz="2800" dirty="0" smtClean="0"/>
+              <a:rPr lang="en-US" altLang="zh-TW" sz="2800" dirty="0"/>
               <a:t>2.	Find an index </a:t>
             </a:r>
             <a:r>
-              <a:rPr lang="en-US" altLang="zh-TW" sz="2800" i="1" dirty="0" err="1" smtClean="0"/>
+              <a:rPr lang="en-US" altLang="zh-TW" sz="2800" i="1" dirty="0" err="1"/>
               <a:t>i</a:t>
             </a:r>
             <a:r>
-              <a:rPr lang="en-US" altLang="zh-TW" sz="2800" i="1" dirty="0" smtClean="0"/>
+              <a:rPr lang="en-US" altLang="zh-TW" sz="2800" i="1" dirty="0"/>
               <a:t> </a:t>
             </a:r>
             <a:r>
-              <a:rPr lang="en-US" altLang="zh-TW" sz="2800" dirty="0" smtClean="0"/>
+              <a:rPr lang="en-US" altLang="zh-TW" sz="2800" dirty="0"/>
               <a:t>such that both:</a:t>
             </a:r>
           </a:p>
@@ -20109,30 +20235,30 @@
               <a:buNone/>
             </a:pPr>
             <a:r>
-              <a:rPr lang="en-US" altLang="zh-TW" sz="2800" dirty="0" smtClean="0"/>
+              <a:rPr lang="en-US" altLang="zh-TW" sz="2800" dirty="0"/>
               <a:t>(a)	</a:t>
             </a:r>
             <a:r>
-              <a:rPr lang="en-US" altLang="zh-TW" sz="2800" i="1" dirty="0" smtClean="0"/>
+              <a:rPr lang="en-US" altLang="zh-TW" sz="2800" i="1" dirty="0"/>
               <a:t>Finish</a:t>
             </a:r>
             <a:r>
-              <a:rPr lang="en-US" altLang="zh-TW" sz="2800" dirty="0" smtClean="0"/>
+              <a:rPr lang="en-US" altLang="zh-TW" sz="2800" dirty="0"/>
               <a:t>[</a:t>
             </a:r>
             <a:r>
-              <a:rPr lang="en-US" altLang="zh-TW" sz="2800" i="1" dirty="0" err="1" smtClean="0"/>
+              <a:rPr lang="en-US" altLang="zh-TW" sz="2800" i="1" dirty="0" err="1"/>
               <a:t>i</a:t>
             </a:r>
             <a:r>
-              <a:rPr lang="en-US" altLang="zh-TW" sz="2800" dirty="0" smtClean="0"/>
+              <a:rPr lang="en-US" altLang="zh-TW" sz="2800" dirty="0"/>
               <a:t>] == </a:t>
             </a:r>
             <a:r>
-              <a:rPr lang="en-US" altLang="zh-TW" sz="2800" i="1" dirty="0" smtClean="0"/>
+              <a:rPr lang="en-US" altLang="zh-TW" sz="2800" i="1" dirty="0"/>
               <a:t>false</a:t>
             </a:r>
-            <a:endParaRPr lang="en-US" altLang="zh-TW" sz="2800" dirty="0" smtClean="0"/>
+            <a:endParaRPr lang="en-US" altLang="zh-TW" sz="2800" dirty="0"/>
           </a:p>
           <a:p>
             <a:pPr marL="850900" lvl="1" indent="-393700">
@@ -20140,39 +20266,39 @@
               <a:buNone/>
             </a:pPr>
             <a:r>
-              <a:rPr lang="en-US" altLang="zh-TW" sz="2800" dirty="0" smtClean="0"/>
+              <a:rPr lang="en-US" altLang="zh-TW" sz="2800" dirty="0"/>
               <a:t>(b)	</a:t>
             </a:r>
             <a:r>
-              <a:rPr lang="en-US" altLang="zh-TW" sz="2800" i="1" dirty="0" err="1" smtClean="0"/>
+              <a:rPr lang="en-US" altLang="zh-TW" sz="2800" i="1" dirty="0" err="1"/>
               <a:t>Request</a:t>
             </a:r>
             <a:r>
-              <a:rPr lang="en-US" altLang="zh-TW" sz="2800" i="1" baseline="-25000" dirty="0" err="1" smtClean="0"/>
+              <a:rPr lang="en-US" altLang="zh-TW" sz="2800" i="1" baseline="-25000" dirty="0" err="1"/>
               <a:t>i</a:t>
             </a:r>
             <a:r>
-              <a:rPr lang="en-US" altLang="zh-TW" sz="2800" dirty="0" smtClean="0"/>
+              <a:rPr lang="en-US" altLang="zh-TW" sz="2800" dirty="0"/>
               <a:t> </a:t>
             </a:r>
             <a:r>
-              <a:rPr lang="en-US" altLang="zh-TW" sz="2800" dirty="0" smtClean="0">
+              <a:rPr lang="en-US" altLang="zh-TW" sz="2800" dirty="0">
                 <a:sym typeface="Symbol" pitchFamily="18" charset="2"/>
               </a:rPr>
               <a:t> </a:t>
             </a:r>
             <a:r>
-              <a:rPr lang="en-US" altLang="zh-TW" sz="2800" i="1" dirty="0" smtClean="0">
+              <a:rPr lang="en-US" altLang="zh-TW" sz="2800" i="1" dirty="0">
                 <a:sym typeface="Symbol" pitchFamily="18" charset="2"/>
               </a:rPr>
               <a:t>Work</a:t>
             </a:r>
             <a:br>
-              <a:rPr lang="en-US" altLang="zh-TW" sz="2800" i="1" dirty="0" smtClean="0">
+              <a:rPr lang="en-US" altLang="zh-TW" sz="2800" i="1" dirty="0">
                 <a:sym typeface="Symbol" pitchFamily="18" charset="2"/>
               </a:rPr>
             </a:br>
-            <a:endParaRPr lang="en-US" altLang="zh-TW" sz="2800" dirty="0" smtClean="0">
+            <a:endParaRPr lang="en-US" altLang="zh-TW" sz="2800" dirty="0">
               <a:sym typeface="Symbol" pitchFamily="18" charset="2"/>
             </a:endParaRPr>
           </a:p>
@@ -20182,24 +20308,24 @@
               <a:buNone/>
             </a:pPr>
             <a:r>
-              <a:rPr lang="en-US" altLang="zh-TW" sz="2800" dirty="0" smtClean="0">
+              <a:rPr lang="en-US" altLang="zh-TW" sz="2800" dirty="0">
                 <a:sym typeface="Symbol" pitchFamily="18" charset="2"/>
               </a:rPr>
               <a:t>If no such </a:t>
             </a:r>
             <a:r>
-              <a:rPr lang="en-US" altLang="zh-TW" sz="2800" i="1" dirty="0" err="1" smtClean="0">
+              <a:rPr lang="en-US" altLang="zh-TW" sz="2800" i="1" dirty="0" err="1">
                 <a:sym typeface="Symbol" pitchFamily="18" charset="2"/>
               </a:rPr>
               <a:t>i</a:t>
             </a:r>
             <a:r>
-              <a:rPr lang="en-US" altLang="zh-TW" sz="2800" dirty="0" smtClean="0">
+              <a:rPr lang="en-US" altLang="zh-TW" sz="2800" dirty="0">
                 <a:sym typeface="Symbol" pitchFamily="18" charset="2"/>
               </a:rPr>
               <a:t> exists, go to step 4</a:t>
             </a:r>
-            <a:endParaRPr lang="en-US" altLang="zh-TW" sz="2800" dirty="0" smtClean="0"/>
+            <a:endParaRPr lang="en-US" altLang="zh-TW" sz="2800" dirty="0"/>
           </a:p>
         </p:txBody>
       </p:sp>
@@ -20208,13 +20334,6 @@
   <p:clrMapOvr>
     <a:masterClrMapping/>
   </p:clrMapOvr>
-  <p:timing>
-    <p:tnLst>
-      <p:par>
-        <p:cTn id="1" dur="indefinite" restart="never" nodeType="tmRoot"/>
-      </p:par>
-    </p:tnLst>
-  </p:timing>
 </p:sld>
 </file>
 
@@ -20252,7 +20371,7 @@
           <a:p>
             <a:pPr eaLnBrk="1" hangingPunct="1"/>
             <a:r>
-              <a:rPr lang="en-US" altLang="zh-TW" smtClean="0"/>
+              <a:rPr lang="en-US" altLang="zh-TW"/>
               <a:t>Detection Algorithm (Cont.)</a:t>
             </a:r>
           </a:p>
@@ -20283,69 +20402,61 @@
               <a:buNone/>
             </a:pPr>
             <a:r>
-              <a:rPr lang="en-US" altLang="zh-TW" sz="2800" dirty="0" smtClean="0"/>
+              <a:rPr lang="en-US" altLang="zh-TW" sz="2800" dirty="0"/>
               <a:t>3.	</a:t>
             </a:r>
             <a:r>
-              <a:rPr lang="en-US" altLang="zh-TW" sz="2800" i="1" dirty="0" smtClean="0"/>
+              <a:rPr lang="en-US" altLang="zh-TW" sz="2800" i="1" dirty="0"/>
               <a:t>Work</a:t>
             </a:r>
             <a:r>
-              <a:rPr lang="en-US" altLang="zh-TW" sz="2800" dirty="0" smtClean="0"/>
+              <a:rPr lang="en-US" altLang="zh-TW" sz="2800" dirty="0"/>
               <a:t> = </a:t>
             </a:r>
             <a:r>
-              <a:rPr lang="en-US" altLang="zh-TW" sz="2800" i="1" dirty="0" smtClean="0"/>
+              <a:rPr lang="en-US" altLang="zh-TW" sz="2800" i="1" dirty="0"/>
               <a:t>Work</a:t>
             </a:r>
             <a:r>
-              <a:rPr lang="en-US" altLang="zh-TW" sz="2800" dirty="0" smtClean="0"/>
+              <a:rPr lang="en-US" altLang="zh-TW" sz="2800" dirty="0"/>
               <a:t> + </a:t>
             </a:r>
             <a:r>
-              <a:rPr lang="en-US" altLang="zh-TW" sz="2800" i="1" dirty="0" err="1" smtClean="0"/>
+              <a:rPr lang="en-US" altLang="zh-TW" sz="2800" i="1" dirty="0" err="1"/>
               <a:t>Allocation</a:t>
             </a:r>
             <a:r>
-              <a:rPr lang="en-US" altLang="zh-TW" sz="2800" i="1" baseline="-25000" dirty="0" err="1" smtClean="0"/>
+              <a:rPr lang="en-US" altLang="zh-TW" sz="2800" i="1" baseline="-25000" dirty="0" err="1"/>
               <a:t>i</a:t>
             </a:r>
-            <a:r>
-              <a:rPr lang="en-US" altLang="zh-TW" sz="2800" dirty="0" smtClean="0"/>
-              <a:t/>
-            </a:r>
             <a:br>
-              <a:rPr lang="en-US" altLang="zh-TW" sz="2800" dirty="0" smtClean="0"/>
+              <a:rPr lang="en-US" altLang="zh-TW" sz="2800" dirty="0"/>
             </a:br>
             <a:r>
-              <a:rPr lang="en-US" altLang="zh-TW" sz="2800" i="1" dirty="0" smtClean="0"/>
+              <a:rPr lang="en-US" altLang="zh-TW" sz="2800" i="1" dirty="0"/>
               <a:t>Finish</a:t>
             </a:r>
             <a:r>
-              <a:rPr lang="en-US" altLang="zh-TW" sz="2800" dirty="0" smtClean="0"/>
+              <a:rPr lang="en-US" altLang="zh-TW" sz="2800" dirty="0"/>
               <a:t>[</a:t>
             </a:r>
             <a:r>
-              <a:rPr lang="en-US" altLang="zh-TW" sz="2800" i="1" dirty="0" err="1" smtClean="0"/>
+              <a:rPr lang="en-US" altLang="zh-TW" sz="2800" i="1" dirty="0" err="1"/>
               <a:t>i</a:t>
             </a:r>
             <a:r>
-              <a:rPr lang="en-US" altLang="zh-TW" sz="2800" dirty="0" smtClean="0"/>
+              <a:rPr lang="en-US" altLang="zh-TW" sz="2800" dirty="0"/>
               <a:t>] = </a:t>
             </a:r>
             <a:r>
-              <a:rPr lang="en-US" altLang="zh-TW" sz="2800" i="1" dirty="0" smtClean="0"/>
+              <a:rPr lang="en-US" altLang="zh-TW" sz="2800" i="1" dirty="0"/>
               <a:t>true</a:t>
             </a:r>
-            <a:r>
-              <a:rPr lang="en-US" altLang="zh-TW" sz="2800" dirty="0" smtClean="0"/>
-              <a:t/>
-            </a:r>
             <a:br>
-              <a:rPr lang="en-US" altLang="zh-TW" sz="2800" dirty="0" smtClean="0"/>
+              <a:rPr lang="en-US" altLang="zh-TW" sz="2800" dirty="0"/>
             </a:br>
             <a:r>
-              <a:rPr lang="en-US" altLang="zh-TW" sz="2800" dirty="0" smtClean="0"/>
+              <a:rPr lang="en-US" altLang="zh-TW" sz="2800" dirty="0"/>
               <a:t>go to step 2</a:t>
             </a:r>
           </a:p>
@@ -20355,65 +20466,65 @@
               <a:buNone/>
             </a:pPr>
             <a:r>
-              <a:rPr lang="en-US" altLang="zh-TW" sz="2800" dirty="0" smtClean="0"/>
+              <a:rPr lang="en-US" altLang="zh-TW" sz="2800" dirty="0"/>
               <a:t>4.	If </a:t>
             </a:r>
             <a:r>
-              <a:rPr lang="en-US" altLang="zh-TW" sz="2800" i="1" dirty="0" smtClean="0"/>
+              <a:rPr lang="en-US" altLang="zh-TW" sz="2800" i="1" dirty="0"/>
               <a:t>Finish</a:t>
             </a:r>
             <a:r>
-              <a:rPr lang="en-US" altLang="zh-TW" sz="2800" dirty="0" smtClean="0"/>
+              <a:rPr lang="en-US" altLang="zh-TW" sz="2800" dirty="0"/>
               <a:t>[</a:t>
             </a:r>
             <a:r>
-              <a:rPr lang="en-US" altLang="zh-TW" sz="2800" i="1" dirty="0" err="1" smtClean="0"/>
+              <a:rPr lang="en-US" altLang="zh-TW" sz="2800" i="1" dirty="0" err="1"/>
               <a:t>i</a:t>
             </a:r>
             <a:r>
-              <a:rPr lang="en-US" altLang="zh-TW" sz="2800" dirty="0" smtClean="0"/>
+              <a:rPr lang="en-US" altLang="zh-TW" sz="2800" dirty="0"/>
               <a:t>] == false, for some </a:t>
             </a:r>
             <a:r>
-              <a:rPr lang="en-US" altLang="zh-TW" sz="2800" i="1" dirty="0" err="1" smtClean="0"/>
+              <a:rPr lang="en-US" altLang="zh-TW" sz="2800" i="1" dirty="0" err="1"/>
               <a:t>i</a:t>
             </a:r>
             <a:r>
-              <a:rPr lang="en-US" altLang="zh-TW" sz="2800" dirty="0" smtClean="0"/>
+              <a:rPr lang="en-US" altLang="zh-TW" sz="2800" dirty="0"/>
               <a:t>, 1 </a:t>
             </a:r>
             <a:r>
-              <a:rPr lang="en-US" altLang="zh-TW" sz="2800" dirty="0" smtClean="0">
+              <a:rPr lang="en-US" altLang="zh-TW" sz="2800" dirty="0">
                 <a:sym typeface="Symbol" pitchFamily="18" charset="2"/>
               </a:rPr>
               <a:t> </a:t>
             </a:r>
             <a:r>
-              <a:rPr lang="en-US" altLang="zh-TW" sz="2800" i="1" dirty="0" err="1" smtClean="0">
+              <a:rPr lang="en-US" altLang="zh-TW" sz="2800" i="1" dirty="0" err="1">
                 <a:sym typeface="Symbol" pitchFamily="18" charset="2"/>
               </a:rPr>
               <a:t>i</a:t>
             </a:r>
             <a:r>
-              <a:rPr lang="en-US" altLang="zh-TW" sz="2800" dirty="0" smtClean="0">
+              <a:rPr lang="en-US" altLang="zh-TW" sz="2800" dirty="0">
                 <a:sym typeface="Symbol" pitchFamily="18" charset="2"/>
               </a:rPr>
               <a:t>   </a:t>
             </a:r>
             <a:r>
-              <a:rPr lang="en-US" altLang="zh-TW" sz="2800" i="1" dirty="0" smtClean="0">
+              <a:rPr lang="en-US" altLang="zh-TW" sz="2800" i="1" dirty="0">
                 <a:sym typeface="Symbol" pitchFamily="18" charset="2"/>
               </a:rPr>
               <a:t>n</a:t>
             </a:r>
             <a:r>
-              <a:rPr lang="en-US" altLang="zh-TW" sz="2800" dirty="0" smtClean="0">
+              <a:rPr lang="en-US" altLang="zh-TW" sz="2800" dirty="0">
                 <a:sym typeface="Symbol" pitchFamily="18" charset="2"/>
               </a:rPr>
               <a:t>, then the system is in deadlock state. Moreover, if </a:t>
             </a:r>
             <a:r>
-              <a:rPr lang="en-US" altLang="zh-TW" sz="2800" i="1" dirty="0" smtClean="0">
+              <a:rPr lang="en-US" altLang="zh-TW" sz="2800" i="1" dirty="0">
                 <a:solidFill>
                   <a:srgbClr val="FF0000"/>
                 </a:solidFill>
@@ -20422,7 +20533,7 @@
               <a:t>Finish</a:t>
             </a:r>
             <a:r>
-              <a:rPr lang="en-US" altLang="zh-TW" sz="2800" dirty="0" smtClean="0">
+              <a:rPr lang="en-US" altLang="zh-TW" sz="2800" dirty="0">
                 <a:solidFill>
                   <a:srgbClr val="FF0000"/>
                 </a:solidFill>
@@ -20431,7 +20542,7 @@
               <a:t>[</a:t>
             </a:r>
             <a:r>
-              <a:rPr lang="en-US" altLang="zh-TW" sz="2800" i="1" dirty="0" err="1" smtClean="0">
+              <a:rPr lang="en-US" altLang="zh-TW" sz="2800" i="1" dirty="0" err="1">
                 <a:solidFill>
                   <a:srgbClr val="FF0000"/>
                 </a:solidFill>
@@ -20440,7 +20551,7 @@
               <a:t>i</a:t>
             </a:r>
             <a:r>
-              <a:rPr lang="en-US" altLang="zh-TW" sz="2800" dirty="0" smtClean="0">
+              <a:rPr lang="en-US" altLang="zh-TW" sz="2800" dirty="0">
                 <a:solidFill>
                   <a:srgbClr val="FF0000"/>
                 </a:solidFill>
@@ -20449,7 +20560,7 @@
               <a:t>] == </a:t>
             </a:r>
             <a:r>
-              <a:rPr lang="en-US" altLang="zh-TW" sz="2800" i="1" dirty="0" smtClean="0">
+              <a:rPr lang="en-US" altLang="zh-TW" sz="2800" i="1" dirty="0">
                 <a:solidFill>
                   <a:srgbClr val="FF0000"/>
                 </a:solidFill>
@@ -20458,7 +20569,7 @@
               <a:t>false</a:t>
             </a:r>
             <a:r>
-              <a:rPr lang="en-US" altLang="zh-TW" sz="2800" dirty="0" smtClean="0">
+              <a:rPr lang="en-US" altLang="zh-TW" sz="2800" dirty="0">
                 <a:solidFill>
                   <a:srgbClr val="FF0000"/>
                 </a:solidFill>
@@ -20467,7 +20578,7 @@
               <a:t>, then </a:t>
             </a:r>
             <a:r>
-              <a:rPr lang="en-US" altLang="zh-TW" sz="2800" i="1" dirty="0" smtClean="0">
+              <a:rPr lang="en-US" altLang="zh-TW" sz="2800" i="1" dirty="0">
                 <a:solidFill>
                   <a:srgbClr val="FF0000"/>
                 </a:solidFill>
@@ -20476,7 +20587,7 @@
               <a:t>P</a:t>
             </a:r>
             <a:r>
-              <a:rPr lang="en-US" altLang="zh-TW" sz="2800" i="1" baseline="-25000" dirty="0" smtClean="0">
+              <a:rPr lang="en-US" altLang="zh-TW" sz="2800" i="1" baseline="-25000" dirty="0">
                 <a:solidFill>
                   <a:srgbClr val="FF0000"/>
                 </a:solidFill>
@@ -20485,7 +20596,7 @@
               <a:t>i</a:t>
             </a:r>
             <a:r>
-              <a:rPr lang="en-US" altLang="zh-TW" sz="2800" dirty="0" smtClean="0">
+              <a:rPr lang="en-US" altLang="zh-TW" sz="2800" dirty="0">
                 <a:solidFill>
                   <a:srgbClr val="FF0000"/>
                 </a:solidFill>
@@ -20503,12 +20614,12 @@
               <a:buNone/>
             </a:pPr>
             <a:r>
-              <a:rPr lang="en-US" altLang="zh-TW" sz="2800" dirty="0" smtClean="0">
+              <a:rPr lang="en-US" altLang="zh-TW" sz="2800" dirty="0">
                 <a:sym typeface="Symbol" pitchFamily="18" charset="2"/>
               </a:rPr>
               <a:t>	</a:t>
             </a:r>
-            <a:endParaRPr lang="en-US" altLang="zh-TW" sz="2800" dirty="0" smtClean="0"/>
+            <a:endParaRPr lang="en-US" altLang="zh-TW" sz="2800" dirty="0"/>
           </a:p>
         </p:txBody>
       </p:sp>
@@ -20629,13 +20740,6 @@
   <p:clrMapOvr>
     <a:masterClrMapping/>
   </p:clrMapOvr>
-  <p:timing>
-    <p:tnLst>
-      <p:par>
-        <p:cTn id="1" dur="indefinite" restart="never" nodeType="tmRoot"/>
-      </p:par>
-    </p:tnLst>
-  </p:timing>
 </p:sld>
 </file>
 
@@ -20673,7 +20777,7 @@
           <a:p>
             <a:pPr eaLnBrk="1" hangingPunct="1"/>
             <a:r>
-              <a:rPr lang="en-US" altLang="zh-TW" smtClean="0"/>
+              <a:rPr lang="en-US" altLang="zh-TW"/>
               <a:t>Example of Detection Algorithm</a:t>
             </a:r>
           </a:p>
@@ -20708,46 +20812,46 @@
               </a:tabLst>
             </a:pPr>
             <a:r>
-              <a:rPr lang="en-US" altLang="zh-TW" sz="2400" dirty="0" smtClean="0"/>
+              <a:rPr lang="en-US" altLang="zh-TW" sz="2400" dirty="0"/>
               <a:t>Five processes </a:t>
             </a:r>
             <a:r>
-              <a:rPr lang="en-US" altLang="zh-TW" sz="2400" i="1" dirty="0" smtClean="0"/>
+              <a:rPr lang="en-US" altLang="zh-TW" sz="2400" i="1" dirty="0"/>
               <a:t>P</a:t>
             </a:r>
             <a:r>
-              <a:rPr lang="en-US" altLang="zh-TW" sz="2400" baseline="-25000" dirty="0" smtClean="0"/>
+              <a:rPr lang="en-US" altLang="zh-TW" sz="2400" baseline="-25000" dirty="0"/>
               <a:t>0</a:t>
             </a:r>
             <a:r>
-              <a:rPr lang="en-US" altLang="zh-TW" sz="2400" dirty="0" smtClean="0"/>
+              <a:rPr lang="en-US" altLang="zh-TW" sz="2400" dirty="0"/>
               <a:t> through </a:t>
             </a:r>
             <a:r>
-              <a:rPr lang="en-US" altLang="zh-TW" sz="2400" i="1" dirty="0" smtClean="0"/>
+              <a:rPr lang="en-US" altLang="zh-TW" sz="2400" i="1" dirty="0"/>
               <a:t>P</a:t>
             </a:r>
             <a:r>
-              <a:rPr lang="en-US" altLang="zh-TW" sz="2400" baseline="-25000" dirty="0" smtClean="0"/>
+              <a:rPr lang="en-US" altLang="zh-TW" sz="2400" baseline="-25000" dirty="0"/>
               <a:t>4</a:t>
             </a:r>
             <a:r>
-              <a:rPr lang="en-US" altLang="zh-TW" sz="2400" dirty="0" smtClean="0"/>
+              <a:rPr lang="en-US" altLang="zh-TW" sz="2400" dirty="0"/>
               <a:t>;</a:t>
             </a:r>
             <a:r>
-              <a:rPr lang="en-US" altLang="zh-TW" sz="2400" baseline="-25000" dirty="0" smtClean="0"/>
+              <a:rPr lang="en-US" altLang="zh-TW" sz="2400" baseline="-25000" dirty="0"/>
               <a:t> </a:t>
             </a:r>
             <a:r>
-              <a:rPr lang="en-US" altLang="zh-TW" sz="2400" dirty="0" smtClean="0"/>
+              <a:rPr lang="en-US" altLang="zh-TW" sz="2400" dirty="0"/>
               <a:t>three resource types </a:t>
             </a:r>
             <a:br>
-              <a:rPr lang="en-US" altLang="zh-TW" sz="2400" dirty="0" smtClean="0"/>
+              <a:rPr lang="en-US" altLang="zh-TW" sz="2400" dirty="0"/>
             </a:br>
             <a:r>
-              <a:rPr lang="en-US" altLang="zh-TW" dirty="0" smtClean="0">
+              <a:rPr lang="en-US" altLang="zh-TW" dirty="0">
                 <a:solidFill>
                   <a:srgbClr val="FF0000"/>
                 </a:solidFill>
@@ -20755,7 +20859,7 @@
               <a:t>A (7 instances), </a:t>
             </a:r>
             <a:r>
-              <a:rPr lang="en-US" altLang="zh-TW" i="1" dirty="0" smtClean="0">
+              <a:rPr lang="en-US" altLang="zh-TW" i="1" dirty="0">
                 <a:solidFill>
                   <a:srgbClr val="FF0000"/>
                 </a:solidFill>
@@ -20763,7 +20867,7 @@
               <a:t>B </a:t>
             </a:r>
             <a:r>
-              <a:rPr lang="en-US" altLang="zh-TW" dirty="0" smtClean="0">
+              <a:rPr lang="en-US" altLang="zh-TW" dirty="0">
                 <a:solidFill>
                   <a:srgbClr val="FF0000"/>
                 </a:solidFill>
@@ -20771,7 +20875,7 @@
               <a:t>(2 instances), and </a:t>
             </a:r>
             <a:r>
-              <a:rPr lang="en-US" altLang="zh-TW" i="1" dirty="0" smtClean="0">
+              <a:rPr lang="en-US" altLang="zh-TW" i="1" dirty="0">
                 <a:solidFill>
                   <a:srgbClr val="FF0000"/>
                 </a:solidFill>
@@ -20779,14 +20883,14 @@
               <a:t>C</a:t>
             </a:r>
             <a:r>
-              <a:rPr lang="en-US" altLang="zh-TW" dirty="0" smtClean="0">
+              <a:rPr lang="en-US" altLang="zh-TW" dirty="0">
                 <a:solidFill>
                   <a:srgbClr val="FF0000"/>
                 </a:solidFill>
               </a:rPr>
               <a:t> (6 instances)</a:t>
             </a:r>
-            <a:endParaRPr lang="en-US" altLang="zh-TW" sz="2400" dirty="0" smtClean="0">
+            <a:endParaRPr lang="en-US" altLang="zh-TW" sz="2400" dirty="0">
               <a:solidFill>
                 <a:srgbClr val="FF0000"/>
               </a:solidFill>
@@ -20802,19 +20906,19 @@
               </a:tabLst>
             </a:pPr>
             <a:r>
-              <a:rPr lang="en-US" altLang="zh-TW" sz="2400" dirty="0" smtClean="0"/>
+              <a:rPr lang="en-US" altLang="zh-TW" sz="2400" dirty="0"/>
               <a:t>Snapshot at time </a:t>
             </a:r>
             <a:r>
-              <a:rPr lang="en-US" altLang="zh-TW" sz="2400" i="1" dirty="0" smtClean="0"/>
+              <a:rPr lang="en-US" altLang="zh-TW" sz="2400" i="1" dirty="0"/>
               <a:t>T</a:t>
             </a:r>
             <a:r>
-              <a:rPr lang="en-US" altLang="zh-TW" sz="2400" baseline="-25000" dirty="0" smtClean="0"/>
+              <a:rPr lang="en-US" altLang="zh-TW" sz="2400" baseline="-25000" dirty="0"/>
               <a:t>0</a:t>
             </a:r>
             <a:r>
-              <a:rPr lang="en-US" altLang="zh-TW" sz="2400" dirty="0" smtClean="0"/>
+              <a:rPr lang="en-US" altLang="zh-TW" sz="2400" dirty="0"/>
               <a:t>:</a:t>
             </a:r>
           </a:p>
@@ -20830,27 +20934,27 @@
               </a:tabLst>
             </a:pPr>
             <a:r>
-              <a:rPr lang="en-US" altLang="zh-TW" sz="2400" dirty="0" smtClean="0"/>
+              <a:rPr lang="en-US" altLang="zh-TW" sz="2400" dirty="0"/>
               <a:t>			      </a:t>
             </a:r>
             <a:r>
-              <a:rPr lang="en-US" altLang="zh-TW" sz="2400" i="1" u="sng" dirty="0" smtClean="0"/>
+              <a:rPr lang="en-US" altLang="zh-TW" sz="2400" i="1" u="sng" dirty="0"/>
               <a:t>Allocation</a:t>
             </a:r>
             <a:r>
-              <a:rPr lang="en-US" altLang="zh-TW" sz="2400" i="1" dirty="0" smtClean="0"/>
+              <a:rPr lang="en-US" altLang="zh-TW" sz="2400" i="1" dirty="0"/>
               <a:t>	      </a:t>
             </a:r>
             <a:r>
-              <a:rPr lang="en-US" altLang="zh-TW" sz="2400" i="1" u="sng" dirty="0" smtClean="0"/>
+              <a:rPr lang="en-US" altLang="zh-TW" sz="2400" i="1" u="sng" dirty="0"/>
               <a:t>Request</a:t>
             </a:r>
             <a:r>
-              <a:rPr lang="en-US" altLang="zh-TW" sz="2400" i="1" dirty="0" smtClean="0"/>
+              <a:rPr lang="en-US" altLang="zh-TW" sz="2400" i="1" dirty="0"/>
               <a:t>	     </a:t>
             </a:r>
             <a:r>
-              <a:rPr lang="en-US" altLang="zh-TW" sz="2400" i="1" u="sng" dirty="0" smtClean="0"/>
+              <a:rPr lang="en-US" altLang="zh-TW" sz="2400" i="1" u="sng" dirty="0"/>
               <a:t>Available</a:t>
             </a:r>
           </a:p>
@@ -20866,11 +20970,11 @@
               </a:tabLst>
             </a:pPr>
             <a:r>
-              <a:rPr lang="en-US" altLang="zh-TW" sz="2400" dirty="0" smtClean="0"/>
+              <a:rPr lang="en-US" altLang="zh-TW" sz="2400" dirty="0"/>
               <a:t>			  </a:t>
             </a:r>
             <a:r>
-              <a:rPr lang="en-US" altLang="zh-TW" sz="2400" i="1" dirty="0" smtClean="0"/>
+              <a:rPr lang="en-US" altLang="zh-TW" sz="2400" i="1" dirty="0"/>
               <a:t>A B C 	            A B C 	        A B C</a:t>
             </a:r>
           </a:p>
@@ -20886,19 +20990,19 @@
               </a:tabLst>
             </a:pPr>
             <a:r>
-              <a:rPr lang="en-US" altLang="zh-TW" sz="2400" dirty="0" smtClean="0"/>
+              <a:rPr lang="en-US" altLang="zh-TW" sz="2400" dirty="0"/>
               <a:t>		</a:t>
             </a:r>
             <a:r>
-              <a:rPr lang="en-US" altLang="zh-TW" sz="2400" i="1" dirty="0" smtClean="0"/>
+              <a:rPr lang="en-US" altLang="zh-TW" sz="2400" i="1" dirty="0"/>
               <a:t>P</a:t>
             </a:r>
             <a:r>
-              <a:rPr lang="en-US" altLang="zh-TW" sz="2400" baseline="-25000" dirty="0" smtClean="0"/>
+              <a:rPr lang="en-US" altLang="zh-TW" sz="2400" baseline="-25000" dirty="0"/>
               <a:t>0     </a:t>
             </a:r>
             <a:r>
-              <a:rPr lang="en-US" altLang="zh-TW" sz="2400" dirty="0" smtClean="0"/>
+              <a:rPr lang="en-US" altLang="zh-TW" sz="2400" dirty="0"/>
               <a:t>	  0 1 0               0 0 0 	         0 0 0</a:t>
             </a:r>
           </a:p>
@@ -20914,19 +21018,19 @@
               </a:tabLst>
             </a:pPr>
             <a:r>
-              <a:rPr lang="en-US" altLang="zh-TW" sz="2400" dirty="0" smtClean="0"/>
+              <a:rPr lang="en-US" altLang="zh-TW" sz="2400" dirty="0"/>
               <a:t>		</a:t>
             </a:r>
             <a:r>
-              <a:rPr lang="en-US" altLang="zh-TW" sz="2400" i="1" dirty="0" smtClean="0"/>
+              <a:rPr lang="en-US" altLang="zh-TW" sz="2400" i="1" dirty="0"/>
               <a:t>P</a:t>
             </a:r>
             <a:r>
-              <a:rPr lang="en-US" altLang="zh-TW" sz="2400" baseline="-25000" dirty="0" smtClean="0"/>
+              <a:rPr lang="en-US" altLang="zh-TW" sz="2400" baseline="-25000" dirty="0"/>
               <a:t>1</a:t>
             </a:r>
             <a:r>
-              <a:rPr lang="en-US" altLang="zh-TW" sz="2400" dirty="0" smtClean="0"/>
+              <a:rPr lang="en-US" altLang="zh-TW" sz="2400" dirty="0"/>
               <a:t>	 2 0 0 	           2 0 2</a:t>
             </a:r>
           </a:p>
@@ -20942,19 +21046,19 @@
               </a:tabLst>
             </a:pPr>
             <a:r>
-              <a:rPr lang="en-US" altLang="zh-TW" sz="2400" dirty="0" smtClean="0"/>
+              <a:rPr lang="en-US" altLang="zh-TW" sz="2400" dirty="0"/>
               <a:t>		</a:t>
             </a:r>
             <a:r>
-              <a:rPr lang="en-US" altLang="zh-TW" sz="2400" i="1" dirty="0" smtClean="0"/>
+              <a:rPr lang="en-US" altLang="zh-TW" sz="2400" i="1" dirty="0"/>
               <a:t>P</a:t>
             </a:r>
             <a:r>
-              <a:rPr lang="en-US" altLang="zh-TW" sz="2400" baseline="-25000" dirty="0" smtClean="0"/>
+              <a:rPr lang="en-US" altLang="zh-TW" sz="2400" baseline="-25000" dirty="0"/>
               <a:t>2</a:t>
             </a:r>
             <a:r>
-              <a:rPr lang="en-US" altLang="zh-TW" sz="2400" dirty="0" smtClean="0"/>
+              <a:rPr lang="en-US" altLang="zh-TW" sz="2400" dirty="0"/>
               <a:t>	      3 0 3               0 0 0 </a:t>
             </a:r>
           </a:p>
@@ -20970,19 +21074,19 @@
               </a:tabLst>
             </a:pPr>
             <a:r>
-              <a:rPr lang="en-US" altLang="zh-TW" sz="2400" dirty="0" smtClean="0"/>
+              <a:rPr lang="en-US" altLang="zh-TW" sz="2400" dirty="0"/>
               <a:t>		</a:t>
             </a:r>
             <a:r>
-              <a:rPr lang="en-US" altLang="zh-TW" sz="2400" i="1" dirty="0" smtClean="0"/>
+              <a:rPr lang="en-US" altLang="zh-TW" sz="2400" i="1" dirty="0"/>
               <a:t>P</a:t>
             </a:r>
             <a:r>
-              <a:rPr lang="en-US" altLang="zh-TW" sz="2400" baseline="-25000" dirty="0" smtClean="0"/>
+              <a:rPr lang="en-US" altLang="zh-TW" sz="2400" baseline="-25000" dirty="0"/>
               <a:t>3</a:t>
             </a:r>
             <a:r>
-              <a:rPr lang="en-US" altLang="zh-TW" sz="2400" dirty="0" smtClean="0"/>
+              <a:rPr lang="en-US" altLang="zh-TW" sz="2400" dirty="0"/>
               <a:t>	 2 1 1 	            1 0 0 </a:t>
             </a:r>
           </a:p>
@@ -20998,19 +21102,19 @@
               </a:tabLst>
             </a:pPr>
             <a:r>
-              <a:rPr lang="en-US" altLang="zh-TW" sz="2400" dirty="0" smtClean="0"/>
+              <a:rPr lang="en-US" altLang="zh-TW" sz="2400" dirty="0"/>
               <a:t>		</a:t>
             </a:r>
             <a:r>
-              <a:rPr lang="en-US" altLang="zh-TW" sz="2400" i="1" dirty="0" smtClean="0"/>
+              <a:rPr lang="en-US" altLang="zh-TW" sz="2400" i="1" dirty="0"/>
               <a:t>P</a:t>
             </a:r>
             <a:r>
-              <a:rPr lang="en-US" altLang="zh-TW" sz="2400" baseline="-25000" dirty="0" smtClean="0"/>
+              <a:rPr lang="en-US" altLang="zh-TW" sz="2400" baseline="-25000" dirty="0"/>
               <a:t>4</a:t>
             </a:r>
             <a:r>
-              <a:rPr lang="en-US" altLang="zh-TW" sz="2400" dirty="0" smtClean="0"/>
+              <a:rPr lang="en-US" altLang="zh-TW" sz="2400" dirty="0"/>
               <a:t>	 0 0 2 	             0 0 2</a:t>
             </a:r>
           </a:p>
@@ -21024,90 +21128,90 @@
               </a:tabLst>
             </a:pPr>
             <a:r>
-              <a:rPr lang="en-US" altLang="zh-TW" sz="2000" dirty="0" smtClean="0"/>
+              <a:rPr lang="en-US" altLang="zh-TW" sz="2000" dirty="0"/>
               <a:t>Sequence &lt;</a:t>
             </a:r>
             <a:r>
-              <a:rPr lang="en-US" altLang="zh-TW" sz="2000" i="1" dirty="0" smtClean="0"/>
+              <a:rPr lang="en-US" altLang="zh-TW" sz="2000" i="1" dirty="0"/>
               <a:t>P</a:t>
             </a:r>
             <a:r>
-              <a:rPr lang="en-US" altLang="zh-TW" sz="2000" baseline="-25000" dirty="0" smtClean="0"/>
+              <a:rPr lang="en-US" altLang="zh-TW" sz="2000" baseline="-25000" dirty="0"/>
               <a:t>0</a:t>
             </a:r>
             <a:r>
-              <a:rPr lang="en-US" altLang="zh-TW" sz="2000" dirty="0" smtClean="0"/>
+              <a:rPr lang="en-US" altLang="zh-TW" sz="2000" dirty="0"/>
               <a:t>, </a:t>
             </a:r>
             <a:r>
-              <a:rPr lang="en-US" altLang="zh-TW" sz="2000" i="1" dirty="0" smtClean="0"/>
+              <a:rPr lang="en-US" altLang="zh-TW" sz="2000" i="1" dirty="0"/>
               <a:t>P</a:t>
             </a:r>
             <a:r>
-              <a:rPr lang="en-US" altLang="zh-TW" sz="2000" baseline="-25000" dirty="0" smtClean="0"/>
+              <a:rPr lang="en-US" altLang="zh-TW" sz="2000" baseline="-25000" dirty="0"/>
               <a:t>2</a:t>
             </a:r>
             <a:r>
-              <a:rPr lang="en-US" altLang="zh-TW" sz="2000" dirty="0" smtClean="0"/>
+              <a:rPr lang="en-US" altLang="zh-TW" sz="2000" dirty="0"/>
               <a:t>, </a:t>
             </a:r>
             <a:r>
-              <a:rPr lang="en-US" altLang="zh-TW" sz="2000" i="1" dirty="0" smtClean="0"/>
+              <a:rPr lang="en-US" altLang="zh-TW" sz="2000" i="1" dirty="0"/>
               <a:t>P</a:t>
             </a:r>
             <a:r>
-              <a:rPr lang="en-US" altLang="zh-TW" sz="2000" baseline="-25000" dirty="0" smtClean="0"/>
+              <a:rPr lang="en-US" altLang="zh-TW" sz="2000" baseline="-25000" dirty="0"/>
               <a:t>3</a:t>
             </a:r>
             <a:r>
-              <a:rPr lang="en-US" altLang="zh-TW" sz="2000" dirty="0" smtClean="0"/>
+              <a:rPr lang="en-US" altLang="zh-TW" sz="2000" dirty="0"/>
               <a:t>, </a:t>
             </a:r>
             <a:r>
-              <a:rPr lang="en-US" altLang="zh-TW" sz="2000" i="1" dirty="0" smtClean="0"/>
+              <a:rPr lang="en-US" altLang="zh-TW" sz="2000" i="1" dirty="0"/>
               <a:t>P</a:t>
             </a:r>
             <a:r>
-              <a:rPr lang="en-US" altLang="zh-TW" sz="2000" baseline="-25000" dirty="0" smtClean="0"/>
+              <a:rPr lang="en-US" altLang="zh-TW" sz="2000" baseline="-25000" dirty="0"/>
               <a:t>1</a:t>
             </a:r>
             <a:r>
-              <a:rPr lang="en-US" altLang="zh-TW" sz="2000" dirty="0" smtClean="0"/>
+              <a:rPr lang="en-US" altLang="zh-TW" sz="2000" dirty="0"/>
               <a:t>, </a:t>
             </a:r>
             <a:r>
-              <a:rPr lang="en-US" altLang="zh-TW" sz="2000" i="1" dirty="0" smtClean="0"/>
+              <a:rPr lang="en-US" altLang="zh-TW" sz="2000" i="1" dirty="0"/>
               <a:t>P</a:t>
             </a:r>
             <a:r>
-              <a:rPr lang="en-US" altLang="zh-TW" sz="2000" baseline="-25000" dirty="0" smtClean="0"/>
+              <a:rPr lang="en-US" altLang="zh-TW" sz="2000" baseline="-25000" dirty="0"/>
               <a:t>4</a:t>
             </a:r>
             <a:r>
-              <a:rPr lang="en-US" altLang="zh-TW" sz="2000" dirty="0" smtClean="0"/>
+              <a:rPr lang="en-US" altLang="zh-TW" sz="2000" dirty="0"/>
               <a:t>&gt; will result in </a:t>
             </a:r>
             <a:r>
-              <a:rPr lang="en-US" altLang="zh-TW" sz="2000" i="1" dirty="0" smtClean="0"/>
+              <a:rPr lang="en-US" altLang="zh-TW" sz="2000" i="1" dirty="0"/>
               <a:t>Finish</a:t>
             </a:r>
             <a:r>
-              <a:rPr lang="en-US" altLang="zh-TW" sz="2000" dirty="0" smtClean="0"/>
+              <a:rPr lang="en-US" altLang="zh-TW" sz="2000" dirty="0"/>
               <a:t>[</a:t>
             </a:r>
             <a:r>
-              <a:rPr lang="en-US" altLang="zh-TW" sz="2000" i="1" dirty="0" err="1" smtClean="0"/>
+              <a:rPr lang="en-US" altLang="zh-TW" sz="2000" i="1" dirty="0" err="1"/>
               <a:t>i</a:t>
             </a:r>
             <a:r>
-              <a:rPr lang="en-US" altLang="zh-TW" sz="2000" dirty="0" smtClean="0"/>
+              <a:rPr lang="en-US" altLang="zh-TW" sz="2000" dirty="0"/>
               <a:t>] = true for all </a:t>
             </a:r>
             <a:r>
-              <a:rPr lang="en-US" altLang="zh-TW" sz="2000" i="1" dirty="0" err="1" smtClean="0"/>
+              <a:rPr lang="en-US" altLang="zh-TW" sz="2000" i="1" dirty="0" err="1"/>
               <a:t>i</a:t>
             </a:r>
-            <a:endParaRPr lang="en-US" altLang="zh-TW" sz="2000" dirty="0" smtClean="0"/>
+            <a:endParaRPr lang="en-US" altLang="zh-TW" sz="2000" dirty="0"/>
           </a:p>
           <a:p>
             <a:pPr>
@@ -21120,7 +21224,7 @@
                 <a:tab pos="4921250" algn="ctr"/>
               </a:tabLst>
             </a:pPr>
-            <a:endParaRPr lang="en-US" altLang="zh-TW" sz="2400" dirty="0" smtClean="0"/>
+            <a:endParaRPr lang="en-US" altLang="zh-TW" sz="2400" dirty="0"/>
           </a:p>
         </p:txBody>
       </p:sp>
@@ -21129,13 +21233,6 @@
   <p:clrMapOvr>
     <a:masterClrMapping/>
   </p:clrMapOvr>
-  <p:timing>
-    <p:tnLst>
-      <p:par>
-        <p:cTn id="1" dur="indefinite" restart="never" nodeType="tmRoot"/>
-      </p:par>
-    </p:tnLst>
-  </p:timing>
 </p:sld>
 </file>
 
@@ -21173,7 +21270,7 @@
           <a:p>
             <a:pPr eaLnBrk="1" hangingPunct="1"/>
             <a:r>
-              <a:rPr lang="en-US" altLang="zh-TW" smtClean="0"/>
+              <a:rPr lang="en-US" altLang="zh-TW"/>
               <a:t>The Deadlock Problem</a:t>
             </a:r>
           </a:p>
@@ -21200,11 +21297,11 @@
           <a:lstStyle/>
           <a:p>
             <a:r>
-              <a:rPr lang="en-US" altLang="zh-TW" sz="2400" dirty="0" smtClean="0"/>
+              <a:rPr lang="en-US" altLang="zh-TW" sz="2400" dirty="0"/>
               <a:t>A set of blocked processes each </a:t>
             </a:r>
             <a:r>
-              <a:rPr lang="en-US" altLang="zh-TW" sz="2400" dirty="0" smtClean="0">
+              <a:rPr lang="en-US" altLang="zh-TW" sz="2400" dirty="0">
                 <a:solidFill>
                   <a:srgbClr val="FF0000"/>
                 </a:solidFill>
@@ -21212,11 +21309,11 @@
               <a:t>holding</a:t>
             </a:r>
             <a:r>
-              <a:rPr lang="en-US" altLang="zh-TW" sz="2400" dirty="0" smtClean="0"/>
+              <a:rPr lang="en-US" altLang="zh-TW" sz="2400" dirty="0"/>
               <a:t> a resource and </a:t>
             </a:r>
             <a:r>
-              <a:rPr lang="en-US" altLang="zh-TW" sz="2400" dirty="0" smtClean="0">
+              <a:rPr lang="en-US" altLang="zh-TW" sz="2400" dirty="0">
                 <a:solidFill>
                   <a:srgbClr val="FF0000"/>
                 </a:solidFill>
@@ -21224,7 +21321,7 @@
               <a:t>waiting</a:t>
             </a:r>
             <a:r>
-              <a:rPr lang="en-US" altLang="zh-TW" sz="2400" dirty="0" smtClean="0"/>
+              <a:rPr lang="en-US" altLang="zh-TW" sz="2400" dirty="0"/>
               <a:t> to acquire a resource held by another process in the set</a:t>
             </a:r>
           </a:p>
@@ -21233,41 +21330,41 @@
               <a:buSzPct val="85000"/>
             </a:pPr>
             <a:r>
-              <a:rPr lang="en-US" altLang="zh-TW" sz="2400" dirty="0" smtClean="0"/>
+              <a:rPr lang="en-US" altLang="zh-TW" sz="2400" dirty="0"/>
               <a:t>Example </a:t>
             </a:r>
           </a:p>
           <a:p>
             <a:pPr lvl="1"/>
             <a:r>
-              <a:rPr lang="en-US" altLang="zh-TW" sz="2400" dirty="0" smtClean="0"/>
+              <a:rPr lang="en-US" altLang="zh-TW" sz="2400" dirty="0"/>
               <a:t>System has 2 disk drives</a:t>
             </a:r>
           </a:p>
           <a:p>
             <a:pPr lvl="1"/>
             <a:r>
-              <a:rPr lang="en-US" altLang="zh-TW" sz="2400" i="1" dirty="0" smtClean="0"/>
+              <a:rPr lang="en-US" altLang="zh-TW" sz="2400" i="1" dirty="0"/>
               <a:t>P</a:t>
             </a:r>
             <a:r>
-              <a:rPr lang="en-US" altLang="zh-TW" sz="2400" baseline="-25000" dirty="0" smtClean="0"/>
+              <a:rPr lang="en-US" altLang="zh-TW" sz="2400" baseline="-25000" dirty="0"/>
               <a:t>1</a:t>
             </a:r>
             <a:r>
-              <a:rPr lang="en-US" altLang="zh-TW" sz="2400" dirty="0" smtClean="0"/>
+              <a:rPr lang="en-US" altLang="zh-TW" sz="2400" dirty="0"/>
               <a:t> and </a:t>
             </a:r>
             <a:r>
-              <a:rPr lang="en-US" altLang="zh-TW" sz="2400" i="1" dirty="0" smtClean="0"/>
+              <a:rPr lang="en-US" altLang="zh-TW" sz="2400" i="1" dirty="0"/>
               <a:t>P</a:t>
             </a:r>
             <a:r>
-              <a:rPr lang="en-US" altLang="zh-TW" sz="2400" baseline="-25000" dirty="0" smtClean="0"/>
+              <a:rPr lang="en-US" altLang="zh-TW" sz="2400" baseline="-25000" dirty="0"/>
               <a:t>2</a:t>
             </a:r>
             <a:r>
-              <a:rPr lang="en-US" altLang="zh-TW" sz="2400" dirty="0" smtClean="0"/>
+              <a:rPr lang="en-US" altLang="zh-TW" sz="2400" dirty="0"/>
               <a:t> each holds one disk drive and each needs another one</a:t>
             </a:r>
           </a:p>
@@ -21276,33 +21373,33 @@
               <a:buSzPct val="85000"/>
             </a:pPr>
             <a:r>
-              <a:rPr lang="en-US" altLang="zh-TW" sz="2400" dirty="0" smtClean="0"/>
+              <a:rPr lang="en-US" altLang="zh-TW" sz="2400" dirty="0"/>
               <a:t>Example </a:t>
             </a:r>
           </a:p>
           <a:p>
             <a:pPr lvl="1"/>
             <a:r>
-              <a:rPr lang="en-US" altLang="zh-TW" sz="2400" dirty="0" smtClean="0"/>
+              <a:rPr lang="en-US" altLang="zh-TW" sz="2400" dirty="0"/>
               <a:t>semaphores </a:t>
             </a:r>
             <a:r>
-              <a:rPr lang="en-US" altLang="zh-TW" sz="2400" i="1" dirty="0" smtClean="0"/>
+              <a:rPr lang="en-US" altLang="zh-TW" sz="2400" i="1" dirty="0"/>
               <a:t>A</a:t>
             </a:r>
             <a:r>
-              <a:rPr lang="en-US" altLang="zh-TW" sz="2400" dirty="0" smtClean="0"/>
+              <a:rPr lang="en-US" altLang="zh-TW" sz="2400" dirty="0"/>
               <a:t> and</a:t>
             </a:r>
             <a:r>
-              <a:rPr lang="en-US" altLang="zh-TW" sz="2400" i="1" dirty="0" smtClean="0"/>
+              <a:rPr lang="en-US" altLang="zh-TW" sz="2400" i="1" dirty="0"/>
               <a:t> B</a:t>
             </a:r>
             <a:r>
-              <a:rPr lang="en-US" altLang="zh-TW" sz="2400" dirty="0" smtClean="0"/>
+              <a:rPr lang="en-US" altLang="zh-TW" sz="2400" dirty="0"/>
               <a:t>, initialized to 1</a:t>
             </a:r>
-            <a:endParaRPr lang="en-US" altLang="zh-TW" sz="3600" dirty="0" smtClean="0"/>
+            <a:endParaRPr lang="en-US" altLang="zh-TW" sz="3600" dirty="0"/>
           </a:p>
           <a:p>
             <a:pPr lvl="4">
@@ -21310,30 +21407,30 @@
               <a:buNone/>
             </a:pPr>
             <a:r>
-              <a:rPr lang="en-US" altLang="zh-TW" sz="3600" dirty="0" smtClean="0"/>
+              <a:rPr lang="en-US" altLang="zh-TW" sz="3600" dirty="0"/>
               <a:t>    </a:t>
             </a:r>
             <a:r>
-              <a:rPr lang="en-US" altLang="zh-TW" sz="2400" i="1" dirty="0" smtClean="0"/>
+              <a:rPr lang="en-US" altLang="zh-TW" sz="2400" i="1" dirty="0"/>
               <a:t>P</a:t>
             </a:r>
             <a:r>
-              <a:rPr lang="en-US" altLang="zh-TW" sz="2400" baseline="-25000" dirty="0" smtClean="0"/>
+              <a:rPr lang="en-US" altLang="zh-TW" sz="2400" baseline="-25000" dirty="0"/>
               <a:t>0</a:t>
             </a:r>
             <a:r>
-              <a:rPr lang="en-US" altLang="zh-TW" sz="2400" dirty="0" smtClean="0"/>
+              <a:rPr lang="en-US" altLang="zh-TW" sz="2400" dirty="0"/>
               <a:t>		   </a:t>
             </a:r>
             <a:r>
-              <a:rPr lang="en-US" altLang="zh-TW" sz="2400" i="1" dirty="0" smtClean="0"/>
+              <a:rPr lang="en-US" altLang="zh-TW" sz="2400" i="1" dirty="0"/>
               <a:t>P</a:t>
             </a:r>
             <a:r>
-              <a:rPr lang="en-US" altLang="zh-TW" sz="2400" baseline="-25000" dirty="0" smtClean="0"/>
+              <a:rPr lang="en-US" altLang="zh-TW" sz="2400" baseline="-25000" dirty="0"/>
               <a:t>1</a:t>
             </a:r>
-            <a:endParaRPr lang="en-US" altLang="zh-TW" sz="2400" dirty="0" smtClean="0"/>
+            <a:endParaRPr lang="en-US" altLang="zh-TW" sz="2400" dirty="0"/>
           </a:p>
           <a:p>
             <a:pPr lvl="4">
@@ -21341,7 +21438,7 @@
               <a:buNone/>
             </a:pPr>
             <a:r>
-              <a:rPr lang="en-US" altLang="zh-TW" sz="2400" dirty="0" smtClean="0">
+              <a:rPr lang="en-US" altLang="zh-TW" sz="2400" dirty="0">
                 <a:solidFill>
                   <a:srgbClr val="0000FF"/>
                 </a:solidFill>
@@ -21355,7 +21452,7 @@
               <a:buNone/>
             </a:pPr>
             <a:r>
-              <a:rPr lang="en-US" altLang="zh-TW" sz="2400" dirty="0" smtClean="0">
+              <a:rPr lang="en-US" altLang="zh-TW" sz="2400" dirty="0">
                 <a:solidFill>
                   <a:srgbClr val="0000FF"/>
                 </a:solidFill>
@@ -21365,7 +21462,7 @@
           </a:p>
           <a:p>
             <a:pPr lvl="1"/>
-            <a:endParaRPr lang="en-US" altLang="zh-TW" sz="2400" dirty="0" smtClean="0">
+            <a:endParaRPr lang="en-US" altLang="zh-TW" sz="2400" dirty="0">
               <a:solidFill>
                 <a:srgbClr val="0000FF"/>
               </a:solidFill>
@@ -21889,7 +21986,7 @@
           <a:p>
             <a:pPr eaLnBrk="1" hangingPunct="1"/>
             <a:r>
-              <a:rPr lang="en-US" altLang="zh-TW" smtClean="0"/>
+              <a:rPr lang="en-US" altLang="zh-TW"/>
               <a:t>Example (Cont.)</a:t>
             </a:r>
           </a:p>
@@ -21922,22 +22019,22 @@
               </a:tabLst>
             </a:pPr>
             <a:r>
-              <a:rPr lang="en-US" altLang="zh-TW" i="1" dirty="0" smtClean="0"/>
+              <a:rPr lang="en-US" altLang="zh-TW" i="1" dirty="0"/>
               <a:t>P</a:t>
             </a:r>
             <a:r>
-              <a:rPr lang="en-US" altLang="zh-TW" baseline="-25000" dirty="0" smtClean="0"/>
+              <a:rPr lang="en-US" altLang="zh-TW" baseline="-25000" dirty="0"/>
               <a:t>2</a:t>
             </a:r>
             <a:r>
-              <a:rPr lang="en-US" altLang="zh-TW" dirty="0" smtClean="0"/>
+              <a:rPr lang="en-US" altLang="zh-TW" dirty="0"/>
               <a:t> requests an additional instance of type</a:t>
             </a:r>
             <a:r>
-              <a:rPr lang="en-US" altLang="zh-TW" i="1" dirty="0" smtClean="0"/>
+              <a:rPr lang="en-US" altLang="zh-TW" i="1" dirty="0"/>
               <a:t> C</a:t>
             </a:r>
-            <a:endParaRPr lang="en-US" altLang="zh-TW" dirty="0" smtClean="0"/>
+            <a:endParaRPr lang="en-US" altLang="zh-TW" dirty="0"/>
           </a:p>
           <a:p>
             <a:pPr>
@@ -21949,14 +22046,14 @@
               </a:tabLst>
             </a:pPr>
             <a:r>
-              <a:rPr lang="en-US" altLang="zh-TW" sz="2000" dirty="0" smtClean="0"/>
+              <a:rPr lang="en-US" altLang="zh-TW" sz="2000" dirty="0"/>
               <a:t>			</a:t>
             </a:r>
             <a:r>
-              <a:rPr lang="en-US" altLang="zh-TW" sz="2000" i="1" u="sng" dirty="0" smtClean="0"/>
+              <a:rPr lang="en-US" altLang="zh-TW" sz="2000" i="1" u="sng" dirty="0"/>
               <a:t>Request</a:t>
             </a:r>
-            <a:endParaRPr lang="en-US" altLang="zh-TW" sz="2000" i="1" dirty="0" smtClean="0"/>
+            <a:endParaRPr lang="en-US" altLang="zh-TW" sz="2000" i="1" dirty="0"/>
           </a:p>
           <a:p>
             <a:pPr>
@@ -21968,7 +22065,7 @@
               </a:tabLst>
             </a:pPr>
             <a:r>
-              <a:rPr lang="en-US" altLang="zh-TW" sz="2000" i="1" dirty="0" smtClean="0"/>
+              <a:rPr lang="en-US" altLang="zh-TW" sz="2000" i="1" dirty="0"/>
               <a:t>			A B C</a:t>
             </a:r>
           </a:p>
@@ -21982,19 +22079,19 @@
               </a:tabLst>
             </a:pPr>
             <a:r>
-              <a:rPr lang="en-US" altLang="zh-TW" sz="2000" dirty="0" smtClean="0"/>
+              <a:rPr lang="en-US" altLang="zh-TW" sz="2000" dirty="0"/>
               <a:t>		 </a:t>
             </a:r>
             <a:r>
-              <a:rPr lang="en-US" altLang="zh-TW" sz="2000" i="1" dirty="0" smtClean="0"/>
+              <a:rPr lang="en-US" altLang="zh-TW" sz="2000" i="1" dirty="0"/>
               <a:t>P</a:t>
             </a:r>
             <a:r>
-              <a:rPr lang="en-US" altLang="zh-TW" sz="2000" baseline="-25000" dirty="0" smtClean="0"/>
+              <a:rPr lang="en-US" altLang="zh-TW" sz="2000" baseline="-25000" dirty="0"/>
               <a:t>0</a:t>
             </a:r>
             <a:r>
-              <a:rPr lang="en-US" altLang="zh-TW" sz="2000" dirty="0" smtClean="0"/>
+              <a:rPr lang="en-US" altLang="zh-TW" sz="2000" dirty="0"/>
               <a:t>	0 0 0</a:t>
             </a:r>
           </a:p>
@@ -22008,19 +22105,19 @@
               </a:tabLst>
             </a:pPr>
             <a:r>
-              <a:rPr lang="en-US" altLang="zh-TW" sz="2000" dirty="0" smtClean="0"/>
+              <a:rPr lang="en-US" altLang="zh-TW" sz="2000" dirty="0"/>
               <a:t>		 </a:t>
             </a:r>
             <a:r>
-              <a:rPr lang="en-US" altLang="zh-TW" sz="2000" i="1" dirty="0" smtClean="0"/>
+              <a:rPr lang="en-US" altLang="zh-TW" sz="2000" i="1" dirty="0"/>
               <a:t>P</a:t>
             </a:r>
             <a:r>
-              <a:rPr lang="en-US" altLang="zh-TW" sz="2000" baseline="-25000" dirty="0" smtClean="0"/>
+              <a:rPr lang="en-US" altLang="zh-TW" sz="2000" baseline="-25000" dirty="0"/>
               <a:t>1</a:t>
             </a:r>
             <a:r>
-              <a:rPr lang="en-US" altLang="zh-TW" sz="2000" dirty="0" smtClean="0"/>
+              <a:rPr lang="en-US" altLang="zh-TW" sz="2000" dirty="0"/>
               <a:t>	2 0 2</a:t>
             </a:r>
           </a:p>
@@ -22034,23 +22131,23 @@
               </a:tabLst>
             </a:pPr>
             <a:r>
-              <a:rPr lang="en-US" altLang="zh-TW" sz="2000" dirty="0" smtClean="0"/>
+              <a:rPr lang="en-US" altLang="zh-TW" sz="2000" dirty="0"/>
               <a:t>		 </a:t>
             </a:r>
             <a:r>
-              <a:rPr lang="en-US" altLang="zh-TW" sz="2000" i="1" dirty="0" smtClean="0"/>
+              <a:rPr lang="en-US" altLang="zh-TW" sz="2000" i="1" dirty="0"/>
               <a:t>P</a:t>
             </a:r>
             <a:r>
-              <a:rPr lang="en-US" altLang="zh-TW" sz="2000" baseline="-25000" dirty="0" smtClean="0"/>
+              <a:rPr lang="en-US" altLang="zh-TW" sz="2000" baseline="-25000" dirty="0"/>
               <a:t>2</a:t>
             </a:r>
             <a:r>
-              <a:rPr lang="en-US" altLang="zh-TW" sz="2000" dirty="0" smtClean="0"/>
+              <a:rPr lang="en-US" altLang="zh-TW" sz="2000" dirty="0"/>
               <a:t>	0 0 </a:t>
             </a:r>
             <a:r>
-              <a:rPr lang="en-US" altLang="zh-TW" sz="2000" b="1" dirty="0" smtClean="0">
+              <a:rPr lang="en-US" altLang="zh-TW" sz="2000" b="1" dirty="0">
                 <a:solidFill>
                   <a:srgbClr val="FF0000"/>
                 </a:solidFill>
@@ -22068,19 +22165,19 @@
               </a:tabLst>
             </a:pPr>
             <a:r>
-              <a:rPr lang="en-US" altLang="zh-TW" sz="2000" dirty="0" smtClean="0"/>
+              <a:rPr lang="en-US" altLang="zh-TW" sz="2000" dirty="0"/>
               <a:t>		 </a:t>
             </a:r>
             <a:r>
-              <a:rPr lang="en-US" altLang="zh-TW" sz="2000" i="1" dirty="0" smtClean="0"/>
+              <a:rPr lang="en-US" altLang="zh-TW" sz="2000" i="1" dirty="0"/>
               <a:t>P</a:t>
             </a:r>
             <a:r>
-              <a:rPr lang="en-US" altLang="zh-TW" sz="2000" baseline="-25000" dirty="0" smtClean="0"/>
+              <a:rPr lang="en-US" altLang="zh-TW" sz="2000" baseline="-25000" dirty="0"/>
               <a:t>3</a:t>
             </a:r>
             <a:r>
-              <a:rPr lang="en-US" altLang="zh-TW" sz="2000" dirty="0" smtClean="0"/>
+              <a:rPr lang="en-US" altLang="zh-TW" sz="2000" dirty="0"/>
               <a:t>	1 0 0 </a:t>
             </a:r>
           </a:p>
@@ -22094,19 +22191,19 @@
               </a:tabLst>
             </a:pPr>
             <a:r>
-              <a:rPr lang="en-US" altLang="zh-TW" sz="2000" dirty="0" smtClean="0"/>
+              <a:rPr lang="en-US" altLang="zh-TW" sz="2000" dirty="0"/>
               <a:t>		 </a:t>
             </a:r>
             <a:r>
-              <a:rPr lang="en-US" altLang="zh-TW" sz="2000" i="1" dirty="0" smtClean="0"/>
+              <a:rPr lang="en-US" altLang="zh-TW" sz="2000" i="1" dirty="0"/>
               <a:t>P</a:t>
             </a:r>
             <a:r>
-              <a:rPr lang="en-US" altLang="zh-TW" sz="2000" baseline="-25000" dirty="0" smtClean="0"/>
+              <a:rPr lang="en-US" altLang="zh-TW" sz="2000" baseline="-25000" dirty="0"/>
               <a:t>4</a:t>
             </a:r>
             <a:r>
-              <a:rPr lang="en-US" altLang="zh-TW" sz="2000" dirty="0" smtClean="0"/>
+              <a:rPr lang="en-US" altLang="zh-TW" sz="2000" dirty="0"/>
               <a:t>	0 0 2</a:t>
             </a:r>
           </a:p>
@@ -22118,7 +22215,7 @@
               </a:tabLst>
             </a:pPr>
             <a:r>
-              <a:rPr lang="en-US" altLang="zh-TW" dirty="0" smtClean="0"/>
+              <a:rPr lang="en-US" altLang="zh-TW" dirty="0"/>
               <a:t>State of system?</a:t>
             </a:r>
           </a:p>
@@ -22130,19 +22227,19 @@
               </a:tabLst>
             </a:pPr>
             <a:r>
-              <a:rPr lang="en-US" altLang="zh-TW" dirty="0" smtClean="0"/>
+              <a:rPr lang="en-US" altLang="zh-TW" dirty="0"/>
               <a:t>Can reclaim resources held by process </a:t>
             </a:r>
             <a:r>
-              <a:rPr lang="en-US" altLang="zh-TW" i="1" dirty="0" smtClean="0"/>
+              <a:rPr lang="en-US" altLang="zh-TW" i="1" dirty="0"/>
               <a:t>P</a:t>
             </a:r>
             <a:r>
-              <a:rPr lang="en-US" altLang="zh-TW" baseline="-25000" dirty="0" smtClean="0"/>
+              <a:rPr lang="en-US" altLang="zh-TW" baseline="-25000" dirty="0"/>
               <a:t>0</a:t>
             </a:r>
             <a:r>
-              <a:rPr lang="en-US" altLang="zh-TW" dirty="0" smtClean="0"/>
+              <a:rPr lang="en-US" altLang="zh-TW" dirty="0"/>
               <a:t>, but insufficient resources to fulfill other processes’ requests</a:t>
             </a:r>
           </a:p>
@@ -22154,7 +22251,7 @@
               </a:tabLst>
             </a:pPr>
             <a:r>
-              <a:rPr lang="en-US" altLang="zh-TW" b="1" dirty="0" smtClean="0">
+              <a:rPr lang="en-US" altLang="zh-TW" b="1" dirty="0">
                 <a:solidFill>
                   <a:srgbClr val="FF0000"/>
                 </a:solidFill>
@@ -22162,58 +22259,58 @@
               <a:t>Deadlock exists</a:t>
             </a:r>
             <a:r>
-              <a:rPr lang="en-US" altLang="zh-TW" dirty="0" smtClean="0"/>
+              <a:rPr lang="en-US" altLang="zh-TW" dirty="0"/>
               <a:t>, consisting of processes </a:t>
             </a:r>
             <a:r>
-              <a:rPr lang="en-US" altLang="zh-TW" i="1" dirty="0" smtClean="0"/>
+              <a:rPr lang="en-US" altLang="zh-TW" i="1" dirty="0"/>
               <a:t>P</a:t>
             </a:r>
             <a:r>
-              <a:rPr lang="en-US" altLang="zh-TW" baseline="-25000" dirty="0" smtClean="0"/>
+              <a:rPr lang="en-US" altLang="zh-TW" baseline="-25000" dirty="0"/>
               <a:t>1</a:t>
             </a:r>
             <a:r>
-              <a:rPr lang="en-US" altLang="zh-TW" dirty="0" smtClean="0"/>
+              <a:rPr lang="en-US" altLang="zh-TW" dirty="0"/>
               <a:t>, </a:t>
             </a:r>
             <a:r>
-              <a:rPr lang="en-US" altLang="zh-TW" baseline="-25000" dirty="0" smtClean="0"/>
+              <a:rPr lang="en-US" altLang="zh-TW" baseline="-25000" dirty="0"/>
               <a:t> </a:t>
             </a:r>
             <a:r>
-              <a:rPr lang="en-US" altLang="zh-TW" i="1" dirty="0" smtClean="0"/>
+              <a:rPr lang="en-US" altLang="zh-TW" i="1" dirty="0"/>
               <a:t>P</a:t>
             </a:r>
             <a:r>
-              <a:rPr lang="en-US" altLang="zh-TW" baseline="-25000" dirty="0" smtClean="0"/>
+              <a:rPr lang="en-US" altLang="zh-TW" baseline="-25000" dirty="0"/>
               <a:t>2</a:t>
             </a:r>
             <a:r>
-              <a:rPr lang="en-US" altLang="zh-TW" dirty="0" smtClean="0"/>
+              <a:rPr lang="en-US" altLang="zh-TW" dirty="0"/>
               <a:t>, </a:t>
             </a:r>
             <a:r>
-              <a:rPr lang="en-US" altLang="zh-TW" i="1" dirty="0" smtClean="0"/>
+              <a:rPr lang="en-US" altLang="zh-TW" i="1" dirty="0"/>
               <a:t>P</a:t>
             </a:r>
             <a:r>
-              <a:rPr lang="en-US" altLang="zh-TW" baseline="-25000" dirty="0" smtClean="0"/>
+              <a:rPr lang="en-US" altLang="zh-TW" baseline="-25000" dirty="0"/>
               <a:t>3</a:t>
             </a:r>
             <a:r>
-              <a:rPr lang="en-US" altLang="zh-TW" dirty="0" smtClean="0"/>
+              <a:rPr lang="en-US" altLang="zh-TW" dirty="0"/>
               <a:t>, and </a:t>
             </a:r>
             <a:r>
-              <a:rPr lang="en-US" altLang="zh-TW" i="1" dirty="0" smtClean="0"/>
+              <a:rPr lang="en-US" altLang="zh-TW" i="1" dirty="0"/>
               <a:t>P</a:t>
             </a:r>
             <a:r>
-              <a:rPr lang="en-US" altLang="zh-TW" baseline="-25000" dirty="0" smtClean="0"/>
+              <a:rPr lang="en-US" altLang="zh-TW" baseline="-25000" dirty="0"/>
               <a:t>4</a:t>
             </a:r>
-            <a:endParaRPr lang="en-US" altLang="zh-TW" dirty="0" smtClean="0"/>
+            <a:endParaRPr lang="en-US" altLang="zh-TW" dirty="0"/>
           </a:p>
         </p:txBody>
       </p:sp>
@@ -22532,7 +22629,7 @@
           <a:p>
             <a:pPr eaLnBrk="1" hangingPunct="1"/>
             <a:r>
-              <a:rPr lang="en-US" altLang="zh-TW" smtClean="0"/>
+              <a:rPr lang="en-US" altLang="zh-TW"/>
               <a:t>Detection-Algorithm Usage</a:t>
             </a:r>
           </a:p>
@@ -22559,28 +22656,28 @@
           <a:lstStyle/>
           <a:p>
             <a:r>
-              <a:rPr lang="en-US" altLang="zh-TW" sz="2800" dirty="0" smtClean="0"/>
+              <a:rPr lang="en-US" altLang="zh-TW" sz="2800" dirty="0"/>
               <a:t>When, and how often, to invoke depends on:</a:t>
             </a:r>
           </a:p>
           <a:p>
             <a:pPr lvl="1"/>
             <a:r>
-              <a:rPr lang="en-US" altLang="zh-TW" sz="2800" dirty="0" smtClean="0"/>
+              <a:rPr lang="en-US" altLang="zh-TW" sz="2800" dirty="0"/>
               <a:t>How often a deadlock is likely to occur?</a:t>
             </a:r>
           </a:p>
           <a:p>
             <a:pPr lvl="1"/>
             <a:r>
-              <a:rPr lang="en-US" altLang="zh-TW" sz="2800" dirty="0" smtClean="0"/>
+              <a:rPr lang="en-US" altLang="zh-TW" sz="2800" dirty="0"/>
               <a:t>How many processes will need to be rolled back?</a:t>
             </a:r>
           </a:p>
           <a:p>
             <a:pPr lvl="2"/>
             <a:r>
-              <a:rPr lang="en-US" altLang="zh-TW" sz="2800" dirty="0" smtClean="0">
+              <a:rPr lang="en-US" altLang="zh-TW" sz="2800" dirty="0">
                 <a:solidFill>
                   <a:srgbClr val="FF0000"/>
                 </a:solidFill>
@@ -22590,11 +22687,11 @@
           </a:p>
           <a:p>
             <a:r>
-              <a:rPr lang="en-US" altLang="zh-TW" sz="2800" dirty="0" smtClean="0"/>
+              <a:rPr lang="en-US" altLang="zh-TW" sz="2800" dirty="0"/>
               <a:t>If detection algorithm is invoked arbitrarily, there </a:t>
             </a:r>
             <a:r>
-              <a:rPr lang="en-US" altLang="zh-TW" sz="2800" dirty="0" smtClean="0">
+              <a:rPr lang="en-US" altLang="zh-TW" sz="2800" dirty="0">
                 <a:solidFill>
                   <a:srgbClr val="FF0000"/>
                 </a:solidFill>
@@ -22602,7 +22699,7 @@
               <a:t>may be many cycles </a:t>
             </a:r>
             <a:r>
-              <a:rPr lang="en-US" altLang="zh-TW" sz="2800" dirty="0" smtClean="0"/>
+              <a:rPr lang="en-US" altLang="zh-TW" sz="2800" dirty="0"/>
               <a:t>in the resource graph and so we would not be able to tell which of the many deadlocked processes “caused” the deadlock</a:t>
             </a:r>
           </a:p>
@@ -22938,19 +23035,15 @@
           <a:lstStyle/>
           <a:p>
             <a:pPr eaLnBrk="1" hangingPunct="1"/>
-            <a:r>
-              <a:rPr lang="en-US" altLang="zh-TW" sz="3200" dirty="0" smtClean="0"/>
-              <a:t/>
-            </a:r>
             <a:br>
-              <a:rPr lang="en-US" altLang="zh-TW" sz="3200" dirty="0" smtClean="0"/>
+              <a:rPr lang="en-US" altLang="zh-TW" sz="3200" dirty="0"/>
             </a:br>
             <a:r>
-              <a:rPr lang="en-US" altLang="zh-TW" sz="3200" dirty="0" smtClean="0"/>
+              <a:rPr lang="en-US" altLang="zh-TW" sz="3200" dirty="0"/>
               <a:t>Recovery from Deadlock:  </a:t>
             </a:r>
             <a:r>
-              <a:rPr lang="en-US" altLang="zh-TW" sz="3200" dirty="0" smtClean="0">
+              <a:rPr lang="en-US" altLang="zh-TW" sz="3200" dirty="0">
                 <a:solidFill>
                   <a:srgbClr val="FF0000"/>
                 </a:solidFill>
@@ -22981,61 +23074,61 @@
           <a:lstStyle/>
           <a:p>
             <a:r>
-              <a:rPr lang="en-US" altLang="zh-TW" sz="2400" dirty="0" smtClean="0"/>
+              <a:rPr lang="en-US" altLang="zh-TW" sz="2400" dirty="0"/>
               <a:t>Abort all deadlocked processes</a:t>
             </a:r>
           </a:p>
           <a:p>
             <a:r>
-              <a:rPr lang="en-US" altLang="zh-TW" sz="2400" dirty="0" smtClean="0"/>
+              <a:rPr lang="en-US" altLang="zh-TW" sz="2400" dirty="0"/>
               <a:t>Abort one process at a time until the deadlock cycle is eliminated</a:t>
             </a:r>
           </a:p>
           <a:p>
             <a:r>
-              <a:rPr lang="en-US" altLang="zh-TW" sz="2400" dirty="0" smtClean="0"/>
+              <a:rPr lang="en-US" altLang="zh-TW" sz="2400" dirty="0"/>
               <a:t>In which order should we choose to abort?</a:t>
             </a:r>
           </a:p>
           <a:p>
             <a:pPr lvl="1"/>
             <a:r>
-              <a:rPr lang="en-US" altLang="zh-TW" sz="2400" dirty="0" smtClean="0"/>
+              <a:rPr lang="en-US" altLang="zh-TW" sz="2400" dirty="0"/>
               <a:t>Priority of the process</a:t>
             </a:r>
           </a:p>
           <a:p>
             <a:pPr lvl="1"/>
             <a:r>
-              <a:rPr lang="en-US" altLang="zh-TW" sz="2400" dirty="0" smtClean="0"/>
+              <a:rPr lang="en-US" altLang="zh-TW" sz="2400" dirty="0"/>
               <a:t>How long process has computed, and how much longer to complete</a:t>
             </a:r>
           </a:p>
           <a:p>
             <a:pPr lvl="1"/>
             <a:r>
-              <a:rPr lang="en-US" altLang="zh-TW" sz="2400" dirty="0" smtClean="0"/>
+              <a:rPr lang="en-US" altLang="zh-TW" sz="2400" dirty="0"/>
               <a:t>Resources the process has used</a:t>
             </a:r>
           </a:p>
           <a:p>
             <a:pPr lvl="1"/>
             <a:r>
-              <a:rPr lang="en-US" altLang="zh-TW" sz="2400" dirty="0" smtClean="0"/>
+              <a:rPr lang="en-US" altLang="zh-TW" sz="2400" dirty="0"/>
               <a:t>Resources process needs to complete</a:t>
             </a:r>
           </a:p>
           <a:p>
             <a:pPr lvl="1"/>
             <a:r>
-              <a:rPr lang="en-US" altLang="zh-TW" sz="2400" dirty="0" smtClean="0"/>
+              <a:rPr lang="en-US" altLang="zh-TW" sz="2400" dirty="0"/>
               <a:t>How many processes will need to be terminated</a:t>
             </a:r>
           </a:p>
           <a:p>
             <a:pPr lvl="1"/>
             <a:r>
-              <a:rPr lang="en-US" altLang="zh-TW" sz="2400" dirty="0" smtClean="0"/>
+              <a:rPr lang="en-US" altLang="zh-TW" sz="2400" dirty="0"/>
               <a:t>Is process interactive or batch?</a:t>
             </a:r>
           </a:p>
@@ -23562,11 +23655,11 @@
           <a:p>
             <a:pPr eaLnBrk="1" hangingPunct="1"/>
             <a:r>
-              <a:rPr lang="en-US" altLang="zh-TW" sz="3200" dirty="0" smtClean="0"/>
+              <a:rPr lang="en-US" altLang="zh-TW" sz="3200" dirty="0"/>
               <a:t>Recovery from Deadlock: </a:t>
             </a:r>
             <a:r>
-              <a:rPr lang="en-US" altLang="zh-TW" sz="3200" dirty="0" smtClean="0">
+              <a:rPr lang="en-US" altLang="zh-TW" sz="3200" dirty="0">
                 <a:solidFill>
                   <a:srgbClr val="FF0000"/>
                 </a:solidFill>
@@ -23597,20 +23690,20 @@
           <a:lstStyle/>
           <a:p>
             <a:r>
-              <a:rPr lang="en-US" altLang="zh-TW" sz="2800" dirty="0" smtClean="0"/>
+              <a:rPr lang="en-US" altLang="zh-TW" sz="2800" dirty="0"/>
               <a:t>Selecting a victim – minimize cost</a:t>
             </a:r>
           </a:p>
           <a:p>
             <a:r>
-              <a:rPr lang="en-US" altLang="zh-TW" sz="2800" dirty="0" smtClean="0"/>
+              <a:rPr lang="en-US" altLang="zh-TW" sz="2800" dirty="0"/>
               <a:t>Rollback</a:t>
             </a:r>
           </a:p>
           <a:p>
             <a:pPr lvl="1"/>
             <a:r>
-              <a:rPr lang="en-US" altLang="zh-TW" sz="2800" dirty="0" smtClean="0">
+              <a:rPr lang="en-US" altLang="zh-TW" sz="2800" dirty="0">
                 <a:solidFill>
                   <a:srgbClr val="FF0000"/>
                 </a:solidFill>
@@ -23618,27 +23711,27 @@
               <a:t>return to some safe state</a:t>
             </a:r>
             <a:r>
-              <a:rPr lang="en-US" altLang="zh-TW" sz="2800" dirty="0" smtClean="0"/>
+              <a:rPr lang="en-US" altLang="zh-TW" sz="2800" dirty="0"/>
               <a:t>, restart process for that state</a:t>
             </a:r>
           </a:p>
           <a:p>
             <a:r>
-              <a:rPr lang="en-US" altLang="zh-TW" sz="2800" dirty="0" smtClean="0"/>
+              <a:rPr lang="en-US" altLang="zh-TW" sz="2800" dirty="0"/>
               <a:t>Starvation</a:t>
             </a:r>
           </a:p>
           <a:p>
             <a:pPr lvl="1"/>
             <a:r>
-              <a:rPr lang="en-US" altLang="zh-TW" sz="2800" dirty="0" smtClean="0"/>
+              <a:rPr lang="en-US" altLang="zh-TW" sz="2800" dirty="0"/>
               <a:t>same process may always be picked as victim, </a:t>
             </a:r>
           </a:p>
           <a:p>
             <a:pPr lvl="1"/>
             <a:r>
-              <a:rPr lang="en-US" altLang="zh-TW" sz="2800" dirty="0" smtClean="0"/>
+              <a:rPr lang="en-US" altLang="zh-TW" sz="2800" dirty="0"/>
               <a:t>include number of rollbacks in cost factor</a:t>
             </a:r>
           </a:p>
@@ -24036,7 +24129,7 @@
           <a:p>
             <a:pPr eaLnBrk="1" hangingPunct="1"/>
             <a:r>
-              <a:rPr lang="en-US" altLang="zh-TW" sz="5400" dirty="0" smtClean="0"/>
+              <a:rPr lang="en-US" altLang="zh-TW" sz="5400" dirty="0"/>
               <a:t>End of Chapter 7</a:t>
             </a:r>
           </a:p>
@@ -24047,13 +24140,6 @@
   <p:clrMapOvr>
     <a:masterClrMapping/>
   </p:clrMapOvr>
-  <p:timing>
-    <p:tnLst>
-      <p:par>
-        <p:cTn id="1" dur="indefinite" restart="never" nodeType="tmRoot"/>
-      </p:par>
-    </p:tnLst>
-  </p:timing>
 </p:sld>
 </file>
 
@@ -24091,7 +24177,7 @@
           <a:p>
             <a:pPr eaLnBrk="1" hangingPunct="1"/>
             <a:r>
-              <a:rPr lang="en-US" altLang="zh-TW" smtClean="0"/>
+              <a:rPr lang="en-US" altLang="zh-TW"/>
               <a:t>Bridge Crossing Example</a:t>
             </a:r>
           </a:p>
@@ -24118,45 +24204,45 @@
           <a:lstStyle/>
           <a:p>
             <a:r>
-              <a:rPr lang="en-US" altLang="zh-TW" dirty="0" smtClean="0"/>
+              <a:rPr lang="en-US" altLang="zh-TW" dirty="0"/>
               <a:t>Traffic only in one direction</a:t>
             </a:r>
           </a:p>
           <a:p>
             <a:r>
-              <a:rPr lang="en-US" altLang="zh-TW" dirty="0" smtClean="0"/>
+              <a:rPr lang="en-US" altLang="zh-TW" dirty="0"/>
               <a:t>Each section of a bridge can be viewed as a resource</a:t>
             </a:r>
           </a:p>
           <a:p>
             <a:r>
-              <a:rPr lang="en-US" altLang="zh-TW" dirty="0" smtClean="0"/>
+              <a:rPr lang="en-US" altLang="zh-TW" dirty="0"/>
               <a:t>If a deadlock occurs, it can be resolved if one car backs up (preempt resources and rollback)</a:t>
             </a:r>
           </a:p>
           <a:p>
             <a:r>
-              <a:rPr lang="en-US" altLang="zh-TW" dirty="0" smtClean="0"/>
+              <a:rPr lang="en-US" altLang="zh-TW" dirty="0"/>
               <a:t>Several cars may have to be backed up if a deadlock occurs</a:t>
             </a:r>
           </a:p>
           <a:p>
             <a:r>
-              <a:rPr lang="en-US" altLang="zh-TW" dirty="0" smtClean="0"/>
+              <a:rPr lang="en-US" altLang="zh-TW" dirty="0"/>
               <a:t>Starvation is possible</a:t>
             </a:r>
           </a:p>
           <a:p>
             <a:r>
-              <a:rPr lang="en-US" altLang="zh-TW" dirty="0" smtClean="0"/>
+              <a:rPr lang="en-US" altLang="zh-TW" dirty="0"/>
               <a:t>Note – Most </a:t>
             </a:r>
             <a:r>
-              <a:rPr lang="en-US" altLang="zh-TW" dirty="0" err="1" smtClean="0"/>
+              <a:rPr lang="en-US" altLang="zh-TW" dirty="0" err="1"/>
               <a:t>OSes</a:t>
             </a:r>
             <a:r>
-              <a:rPr lang="en-US" altLang="zh-TW" dirty="0" smtClean="0"/>
+              <a:rPr lang="en-US" altLang="zh-TW" dirty="0"/>
               <a:t> do not prevent or deal with deadlocks</a:t>
             </a:r>
           </a:p>
@@ -25509,7 +25595,7 @@
           <a:p>
             <a:pPr eaLnBrk="1" hangingPunct="1"/>
             <a:r>
-              <a:rPr lang="en-US" altLang="zh-TW" smtClean="0"/>
+              <a:rPr lang="en-US" altLang="zh-TW"/>
               <a:t>System Model</a:t>
             </a:r>
           </a:p>
@@ -25536,11 +25622,11 @@
           <a:lstStyle/>
           <a:p>
             <a:r>
-              <a:rPr lang="en-US" altLang="zh-TW" sz="2800" dirty="0" smtClean="0"/>
+              <a:rPr lang="en-US" altLang="zh-TW" sz="2800" dirty="0"/>
               <a:t>Resource types </a:t>
             </a:r>
             <a:r>
-              <a:rPr lang="en-US" altLang="zh-TW" sz="2800" i="1" dirty="0" smtClean="0">
+              <a:rPr lang="en-US" altLang="zh-TW" sz="2800" i="1" dirty="0">
                 <a:solidFill>
                   <a:srgbClr val="FF0000"/>
                 </a:solidFill>
@@ -25548,7 +25634,7 @@
               <a:t>R</a:t>
             </a:r>
             <a:r>
-              <a:rPr lang="en-US" altLang="zh-TW" sz="2800" baseline="-25000" dirty="0" smtClean="0">
+              <a:rPr lang="en-US" altLang="zh-TW" sz="2800" baseline="-25000" dirty="0">
                 <a:solidFill>
                   <a:srgbClr val="FF0000"/>
                 </a:solidFill>
@@ -25556,7 +25642,7 @@
               <a:t>1</a:t>
             </a:r>
             <a:r>
-              <a:rPr lang="en-US" altLang="zh-TW" sz="2800" dirty="0" smtClean="0">
+              <a:rPr lang="en-US" altLang="zh-TW" sz="2800" dirty="0">
                 <a:solidFill>
                   <a:srgbClr val="FF0000"/>
                 </a:solidFill>
@@ -25564,7 +25650,7 @@
               <a:t>, </a:t>
             </a:r>
             <a:r>
-              <a:rPr lang="en-US" altLang="zh-TW" sz="2800" i="1" dirty="0" smtClean="0">
+              <a:rPr lang="en-US" altLang="zh-TW" sz="2800" i="1" dirty="0">
                 <a:solidFill>
                   <a:srgbClr val="FF0000"/>
                 </a:solidFill>
@@ -25572,7 +25658,7 @@
               <a:t>R</a:t>
             </a:r>
             <a:r>
-              <a:rPr lang="en-US" altLang="zh-TW" sz="2800" baseline="-25000" dirty="0" smtClean="0">
+              <a:rPr lang="en-US" altLang="zh-TW" sz="2800" baseline="-25000" dirty="0">
                 <a:solidFill>
                   <a:srgbClr val="FF0000"/>
                 </a:solidFill>
@@ -25580,7 +25666,7 @@
               <a:t>2</a:t>
             </a:r>
             <a:r>
-              <a:rPr lang="en-US" altLang="zh-TW" sz="2800" dirty="0" smtClean="0">
+              <a:rPr lang="en-US" altLang="zh-TW" sz="2800" dirty="0">
                 <a:solidFill>
                   <a:srgbClr val="FF0000"/>
                 </a:solidFill>
@@ -25588,7 +25674,7 @@
               <a:t>, . . ., </a:t>
             </a:r>
             <a:r>
-              <a:rPr lang="en-US" altLang="zh-TW" sz="2800" i="1" dirty="0" err="1" smtClean="0">
+              <a:rPr lang="en-US" altLang="zh-TW" sz="2800" i="1" dirty="0" err="1">
                 <a:solidFill>
                   <a:srgbClr val="FF0000"/>
                 </a:solidFill>
@@ -25596,14 +25682,14 @@
               <a:t>R</a:t>
             </a:r>
             <a:r>
-              <a:rPr lang="en-US" altLang="zh-TW" sz="2800" baseline="-25000" dirty="0" err="1" smtClean="0">
+              <a:rPr lang="en-US" altLang="zh-TW" sz="2800" baseline="-25000" dirty="0" err="1">
                 <a:solidFill>
                   <a:srgbClr val="FF0000"/>
                 </a:solidFill>
               </a:rPr>
               <a:t>m</a:t>
             </a:r>
-            <a:endParaRPr lang="en-US" altLang="zh-TW" sz="2800" baseline="-25000" dirty="0" smtClean="0">
+            <a:endParaRPr lang="en-US" altLang="zh-TW" sz="2800" baseline="-25000" dirty="0">
               <a:solidFill>
                 <a:srgbClr val="FF0000"/>
               </a:solidFill>
@@ -25615,17 +25701,17 @@
               <a:buNone/>
             </a:pPr>
             <a:r>
-              <a:rPr lang="en-US" altLang="zh-TW" sz="2800" i="1" dirty="0" smtClean="0"/>
+              <a:rPr lang="en-US" altLang="zh-TW" sz="2800" i="1" dirty="0"/>
               <a:t>CPU cycles, memory space, I/O devices</a:t>
             </a:r>
           </a:p>
           <a:p>
             <a:r>
-              <a:rPr lang="en-US" altLang="zh-TW" sz="2800" dirty="0" smtClean="0"/>
+              <a:rPr lang="en-US" altLang="zh-TW" sz="2800" dirty="0"/>
               <a:t>Each resource type </a:t>
             </a:r>
             <a:r>
-              <a:rPr lang="en-US" altLang="zh-TW" sz="2800" i="1" dirty="0" err="1" smtClean="0">
+              <a:rPr lang="en-US" altLang="zh-TW" sz="2800" i="1" dirty="0" err="1">
                 <a:solidFill>
                   <a:srgbClr val="FF0000"/>
                 </a:solidFill>
@@ -25633,7 +25719,7 @@
               <a:t>R</a:t>
             </a:r>
             <a:r>
-              <a:rPr lang="en-US" altLang="zh-TW" sz="2800" baseline="-25000" dirty="0" err="1" smtClean="0">
+              <a:rPr lang="en-US" altLang="zh-TW" sz="2800" baseline="-25000" dirty="0" err="1">
                 <a:solidFill>
                   <a:srgbClr val="FF0000"/>
                 </a:solidFill>
@@ -25641,7 +25727,7 @@
               <a:t>i</a:t>
             </a:r>
             <a:r>
-              <a:rPr lang="en-US" altLang="zh-TW" sz="2800" dirty="0" smtClean="0">
+              <a:rPr lang="en-US" altLang="zh-TW" sz="2800" dirty="0">
                 <a:solidFill>
                   <a:srgbClr val="FF0000"/>
                 </a:solidFill>
@@ -25649,11 +25735,11 @@
               <a:t> </a:t>
             </a:r>
             <a:r>
-              <a:rPr lang="en-US" altLang="zh-TW" sz="2800" dirty="0" smtClean="0"/>
+              <a:rPr lang="en-US" altLang="zh-TW" sz="2800" dirty="0"/>
               <a:t>has </a:t>
             </a:r>
             <a:r>
-              <a:rPr lang="en-US" altLang="zh-TW" sz="2800" i="1" dirty="0" err="1" smtClean="0">
+              <a:rPr lang="en-US" altLang="zh-TW" sz="2800" i="1" dirty="0" err="1">
                 <a:solidFill>
                   <a:srgbClr val="FF0000"/>
                 </a:solidFill>
@@ -25661,7 +25747,7 @@
               <a:t>W</a:t>
             </a:r>
             <a:r>
-              <a:rPr lang="en-US" altLang="zh-TW" sz="2800" baseline="-25000" dirty="0" err="1" smtClean="0">
+              <a:rPr lang="en-US" altLang="zh-TW" sz="2800" baseline="-25000" dirty="0" err="1">
                 <a:solidFill>
                   <a:srgbClr val="FF0000"/>
                 </a:solidFill>
@@ -25669,7 +25755,7 @@
               <a:t>i</a:t>
             </a:r>
             <a:r>
-              <a:rPr lang="en-US" altLang="zh-TW" sz="2800" dirty="0" smtClean="0">
+              <a:rPr lang="en-US" altLang="zh-TW" sz="2800" dirty="0">
                 <a:solidFill>
                   <a:srgbClr val="FF0000"/>
                 </a:solidFill>
@@ -25677,34 +25763,34 @@
               <a:t> </a:t>
             </a:r>
             <a:r>
-              <a:rPr lang="en-US" altLang="zh-TW" sz="2800" dirty="0" smtClean="0"/>
+              <a:rPr lang="en-US" altLang="zh-TW" sz="2800" dirty="0"/>
               <a:t>instances.</a:t>
             </a:r>
           </a:p>
           <a:p>
             <a:r>
-              <a:rPr lang="en-US" altLang="zh-TW" sz="2800" dirty="0" smtClean="0"/>
+              <a:rPr lang="en-US" altLang="zh-TW" sz="2800" dirty="0"/>
               <a:t>Each process utilizes a resource as follows:</a:t>
             </a:r>
           </a:p>
           <a:p>
             <a:pPr lvl="1"/>
             <a:r>
-              <a:rPr lang="en-US" altLang="zh-TW" sz="2800" b="1" dirty="0" smtClean="0"/>
+              <a:rPr lang="en-US" altLang="zh-TW" sz="2800" b="1" dirty="0"/>
               <a:t>request </a:t>
             </a:r>
           </a:p>
           <a:p>
             <a:pPr lvl="1"/>
             <a:r>
-              <a:rPr lang="en-US" altLang="zh-TW" sz="2800" b="1" dirty="0" smtClean="0"/>
+              <a:rPr lang="en-US" altLang="zh-TW" sz="2800" b="1" dirty="0"/>
               <a:t>use </a:t>
             </a:r>
           </a:p>
           <a:p>
             <a:pPr lvl="1"/>
             <a:r>
-              <a:rPr lang="en-US" altLang="zh-TW" sz="2800" b="1" dirty="0" smtClean="0"/>
+              <a:rPr lang="en-US" altLang="zh-TW" sz="2800" b="1" dirty="0"/>
               <a:t>release</a:t>
             </a:r>
           </a:p>
@@ -26140,7 +26226,7 @@
           <a:p>
             <a:pPr eaLnBrk="1" hangingPunct="1"/>
             <a:r>
-              <a:rPr lang="en-US" altLang="zh-TW" smtClean="0"/>
+              <a:rPr lang="en-US" altLang="zh-TW"/>
               <a:t>Deadlock Characterization</a:t>
             </a:r>
           </a:p>
@@ -26167,7 +26253,7 @@
           <a:lstStyle/>
           <a:p>
             <a:r>
-              <a:rPr lang="en-US" altLang="zh-TW" b="1" dirty="0" smtClean="0">
+              <a:rPr lang="en-US" altLang="zh-TW" b="1" dirty="0">
                 <a:solidFill>
                   <a:srgbClr val="FF0000"/>
                 </a:solidFill>
@@ -26175,17 +26261,17 @@
               <a:t>Mutual exclusion</a:t>
             </a:r>
             <a:r>
-              <a:rPr lang="en-US" altLang="zh-TW" b="1" dirty="0" smtClean="0"/>
+              <a:rPr lang="en-US" altLang="zh-TW" b="1" dirty="0"/>
               <a:t>:</a:t>
             </a:r>
             <a:r>
-              <a:rPr lang="en-US" altLang="zh-TW" dirty="0" smtClean="0"/>
+              <a:rPr lang="en-US" altLang="zh-TW" dirty="0"/>
               <a:t>  only one process at a time can use a resource</a:t>
             </a:r>
           </a:p>
           <a:p>
             <a:r>
-              <a:rPr lang="en-US" altLang="zh-TW" b="1" dirty="0" smtClean="0">
+              <a:rPr lang="en-US" altLang="zh-TW" b="1" dirty="0">
                 <a:solidFill>
                   <a:srgbClr val="FF0000"/>
                 </a:solidFill>
@@ -26193,17 +26279,17 @@
               <a:t>Hold and wait</a:t>
             </a:r>
             <a:r>
-              <a:rPr lang="en-US" altLang="zh-TW" b="1" dirty="0" smtClean="0"/>
+              <a:rPr lang="en-US" altLang="zh-TW" b="1" dirty="0"/>
               <a:t>:</a:t>
             </a:r>
             <a:r>
-              <a:rPr lang="en-US" altLang="zh-TW" dirty="0" smtClean="0"/>
+              <a:rPr lang="en-US" altLang="zh-TW" dirty="0"/>
               <a:t>  a process holding at least one resource is waiting to acquire additional resources held by other processes</a:t>
             </a:r>
           </a:p>
           <a:p>
             <a:r>
-              <a:rPr lang="en-US" altLang="zh-TW" b="1" dirty="0" smtClean="0">
+              <a:rPr lang="en-US" altLang="zh-TW" b="1" dirty="0">
                 <a:solidFill>
                   <a:srgbClr val="FF0000"/>
                 </a:solidFill>
@@ -26211,7 +26297,7 @@
               <a:t>No preemption:</a:t>
             </a:r>
             <a:r>
-              <a:rPr lang="en-US" altLang="zh-TW" dirty="0" smtClean="0">
+              <a:rPr lang="en-US" altLang="zh-TW" dirty="0">
                 <a:solidFill>
                   <a:srgbClr val="FF0000"/>
                 </a:solidFill>
@@ -26219,13 +26305,13 @@
               <a:t>  </a:t>
             </a:r>
             <a:r>
-              <a:rPr lang="en-US" altLang="zh-TW" dirty="0" smtClean="0"/>
+              <a:rPr lang="en-US" altLang="zh-TW" dirty="0"/>
               <a:t>a resource can be released only voluntarily by the process holding it, after that process has completed its task</a:t>
             </a:r>
           </a:p>
           <a:p>
             <a:r>
-              <a:rPr lang="en-US" altLang="zh-TW" b="1" dirty="0" smtClean="0">
+              <a:rPr lang="en-US" altLang="zh-TW" b="1" dirty="0">
                 <a:solidFill>
                   <a:srgbClr val="FF0000"/>
                 </a:solidFill>
@@ -26233,152 +26319,152 @@
               <a:t>Circular wait</a:t>
             </a:r>
             <a:r>
-              <a:rPr lang="en-US" altLang="zh-TW" b="1" dirty="0" smtClean="0"/>
+              <a:rPr lang="en-US" altLang="zh-TW" b="1" dirty="0"/>
               <a:t>:</a:t>
             </a:r>
             <a:r>
-              <a:rPr lang="en-US" altLang="zh-TW" dirty="0" smtClean="0"/>
+              <a:rPr lang="en-US" altLang="zh-TW" dirty="0"/>
               <a:t>  there exists a set {</a:t>
             </a:r>
             <a:r>
-              <a:rPr lang="en-US" altLang="zh-TW" i="1" dirty="0" smtClean="0"/>
+              <a:rPr lang="en-US" altLang="zh-TW" i="1" dirty="0"/>
               <a:t>P</a:t>
             </a:r>
             <a:r>
-              <a:rPr lang="en-US" altLang="zh-TW" baseline="-25000" dirty="0" smtClean="0"/>
+              <a:rPr lang="en-US" altLang="zh-TW" baseline="-25000" dirty="0"/>
               <a:t>0</a:t>
             </a:r>
             <a:r>
-              <a:rPr lang="en-US" altLang="zh-TW" dirty="0" smtClean="0"/>
+              <a:rPr lang="en-US" altLang="zh-TW" dirty="0"/>
               <a:t>, </a:t>
             </a:r>
             <a:r>
-              <a:rPr lang="en-US" altLang="zh-TW" i="1" dirty="0" smtClean="0"/>
+              <a:rPr lang="en-US" altLang="zh-TW" i="1" dirty="0"/>
               <a:t>P</a:t>
             </a:r>
             <a:r>
-              <a:rPr lang="en-US" altLang="zh-TW" baseline="-25000" dirty="0" smtClean="0"/>
+              <a:rPr lang="en-US" altLang="zh-TW" baseline="-25000" dirty="0"/>
               <a:t>1</a:t>
             </a:r>
             <a:r>
-              <a:rPr lang="en-US" altLang="zh-TW" dirty="0" smtClean="0"/>
+              <a:rPr lang="en-US" altLang="zh-TW" dirty="0"/>
               <a:t>, …, </a:t>
             </a:r>
             <a:r>
-              <a:rPr lang="en-US" altLang="zh-TW" i="1" dirty="0" err="1" smtClean="0"/>
+              <a:rPr lang="en-US" altLang="zh-TW" i="1" dirty="0" err="1"/>
               <a:t>P</a:t>
             </a:r>
             <a:r>
-              <a:rPr lang="en-US" altLang="zh-TW" baseline="-25000" dirty="0" err="1" smtClean="0"/>
+              <a:rPr lang="en-US" altLang="zh-TW" baseline="-25000" dirty="0" err="1"/>
               <a:t>n</a:t>
             </a:r>
             <a:r>
-              <a:rPr lang="en-US" altLang="zh-TW" dirty="0" smtClean="0"/>
+              <a:rPr lang="en-US" altLang="zh-TW" dirty="0"/>
               <a:t>} of waiting processes such that </a:t>
             </a:r>
             <a:r>
-              <a:rPr lang="en-US" altLang="zh-TW" i="1" dirty="0" smtClean="0"/>
+              <a:rPr lang="en-US" altLang="zh-TW" i="1" dirty="0"/>
               <a:t>P</a:t>
             </a:r>
             <a:r>
-              <a:rPr lang="en-US" altLang="zh-TW" baseline="-25000" dirty="0" smtClean="0"/>
+              <a:rPr lang="en-US" altLang="zh-TW" baseline="-25000" dirty="0"/>
               <a:t>0 </a:t>
             </a:r>
             <a:r>
-              <a:rPr lang="en-US" altLang="zh-TW" dirty="0" smtClean="0"/>
+              <a:rPr lang="en-US" altLang="zh-TW" dirty="0"/>
               <a:t>is waiting for a resource that is held by </a:t>
             </a:r>
             <a:r>
-              <a:rPr lang="en-US" altLang="zh-TW" i="1" dirty="0" smtClean="0"/>
+              <a:rPr lang="en-US" altLang="zh-TW" i="1" dirty="0"/>
               <a:t>P</a:t>
             </a:r>
             <a:r>
-              <a:rPr lang="en-US" altLang="zh-TW" baseline="-25000" dirty="0" smtClean="0"/>
+              <a:rPr lang="en-US" altLang="zh-TW" baseline="-25000" dirty="0"/>
               <a:t>1</a:t>
             </a:r>
             <a:r>
-              <a:rPr lang="en-US" altLang="zh-TW" dirty="0" smtClean="0"/>
+              <a:rPr lang="en-US" altLang="zh-TW" dirty="0"/>
               <a:t>, </a:t>
             </a:r>
             <a:r>
-              <a:rPr lang="en-US" altLang="zh-TW" i="1" dirty="0" smtClean="0"/>
+              <a:rPr lang="en-US" altLang="zh-TW" i="1" dirty="0"/>
               <a:t>P</a:t>
             </a:r>
             <a:r>
-              <a:rPr lang="en-US" altLang="zh-TW" baseline="-25000" dirty="0" smtClean="0"/>
+              <a:rPr lang="en-US" altLang="zh-TW" baseline="-25000" dirty="0"/>
               <a:t>1</a:t>
             </a:r>
             <a:r>
-              <a:rPr lang="en-US" altLang="zh-TW" dirty="0" smtClean="0"/>
+              <a:rPr lang="en-US" altLang="zh-TW" dirty="0"/>
               <a:t> is waiting for a resource that is held by </a:t>
             </a:r>
             <a:r>
-              <a:rPr lang="en-US" altLang="zh-TW" i="1" dirty="0" smtClean="0"/>
+              <a:rPr lang="en-US" altLang="zh-TW" i="1" dirty="0"/>
               <a:t>P</a:t>
             </a:r>
             <a:r>
-              <a:rPr lang="en-US" altLang="zh-TW" baseline="-25000" dirty="0" smtClean="0"/>
+              <a:rPr lang="en-US" altLang="zh-TW" baseline="-25000" dirty="0"/>
               <a:t>2</a:t>
             </a:r>
             <a:r>
-              <a:rPr lang="en-US" altLang="zh-TW" dirty="0" smtClean="0"/>
+              <a:rPr lang="en-US" altLang="zh-TW" dirty="0"/>
               <a:t>, …, </a:t>
             </a:r>
             <a:r>
-              <a:rPr lang="en-US" altLang="zh-TW" i="1" dirty="0" smtClean="0"/>
+              <a:rPr lang="en-US" altLang="zh-TW" i="1" dirty="0"/>
               <a:t>P</a:t>
             </a:r>
             <a:r>
-              <a:rPr lang="en-US" altLang="zh-TW" i="1" baseline="-25000" dirty="0" smtClean="0"/>
+              <a:rPr lang="en-US" altLang="zh-TW" i="1" baseline="-25000" dirty="0"/>
               <a:t>n</a:t>
             </a:r>
             <a:r>
-              <a:rPr lang="en-US" altLang="zh-TW" baseline="-25000" dirty="0" smtClean="0"/>
+              <a:rPr lang="en-US" altLang="zh-TW" baseline="-25000" dirty="0"/>
               <a:t>–1</a:t>
             </a:r>
             <a:r>
-              <a:rPr lang="en-US" altLang="zh-TW" dirty="0" smtClean="0"/>
+              <a:rPr lang="en-US" altLang="zh-TW" dirty="0"/>
               <a:t>  is waiting for a resource that is held by </a:t>
             </a:r>
             <a:r>
-              <a:rPr lang="en-US" altLang="zh-TW" i="1" dirty="0" err="1" smtClean="0"/>
+              <a:rPr lang="en-US" altLang="zh-TW" i="1" dirty="0" err="1"/>
               <a:t>P</a:t>
             </a:r>
             <a:r>
-              <a:rPr lang="en-US" altLang="zh-TW" baseline="-25000" dirty="0" err="1" smtClean="0"/>
+              <a:rPr lang="en-US" altLang="zh-TW" baseline="-25000" dirty="0" err="1"/>
               <a:t>n</a:t>
             </a:r>
             <a:r>
-              <a:rPr lang="en-US" altLang="zh-TW" dirty="0" smtClean="0"/>
+              <a:rPr lang="en-US" altLang="zh-TW" dirty="0"/>
               <a:t>, and </a:t>
             </a:r>
             <a:r>
-              <a:rPr lang="en-US" altLang="zh-TW" i="1" dirty="0" err="1" smtClean="0"/>
+              <a:rPr lang="en-US" altLang="zh-TW" i="1" dirty="0" err="1"/>
               <a:t>P</a:t>
             </a:r>
             <a:r>
-              <a:rPr lang="en-US" altLang="zh-TW" baseline="-25000" dirty="0" err="1" smtClean="0"/>
+              <a:rPr lang="en-US" altLang="zh-TW" baseline="-25000" dirty="0" err="1"/>
               <a:t>n</a:t>
             </a:r>
             <a:r>
-              <a:rPr lang="en-US" altLang="zh-TW" dirty="0" smtClean="0"/>
+              <a:rPr lang="en-US" altLang="zh-TW" dirty="0"/>
               <a:t> is waiting for a resource that is held by </a:t>
             </a:r>
             <a:r>
-              <a:rPr lang="en-US" altLang="zh-TW" i="1" dirty="0" smtClean="0"/>
+              <a:rPr lang="en-US" altLang="zh-TW" i="1" dirty="0"/>
               <a:t>P</a:t>
             </a:r>
             <a:r>
-              <a:rPr lang="en-US" altLang="zh-TW" baseline="-25000" dirty="0" smtClean="0"/>
+              <a:rPr lang="en-US" altLang="zh-TW" baseline="-25000" dirty="0"/>
               <a:t>0</a:t>
             </a:r>
             <a:r>
-              <a:rPr lang="en-US" altLang="zh-TW" dirty="0" smtClean="0"/>
+              <a:rPr lang="en-US" altLang="zh-TW" dirty="0"/>
               <a:t>.</a:t>
             </a:r>
           </a:p>
           <a:p>
-            <a:endParaRPr lang="en-US" altLang="zh-TW" dirty="0" smtClean="0"/>
+            <a:endParaRPr lang="en-US" altLang="zh-TW" dirty="0"/>
           </a:p>
         </p:txBody>
       </p:sp>
@@ -26760,7 +26846,7 @@
           <a:p>
             <a:pPr eaLnBrk="1" hangingPunct="1"/>
             <a:r>
-              <a:rPr lang="en-US" altLang="zh-TW" smtClean="0"/>
+              <a:rPr lang="en-US" altLang="zh-TW"/>
               <a:t>Resource-Allocation Graph</a:t>
             </a:r>
           </a:p>
@@ -26787,107 +26873,107 @@
           <a:lstStyle/>
           <a:p>
             <a:r>
-              <a:rPr lang="en-US" altLang="zh-TW" sz="2400" dirty="0" smtClean="0"/>
+              <a:rPr lang="en-US" altLang="zh-TW" sz="2400" dirty="0"/>
               <a:t>V is partitioned into two types:</a:t>
             </a:r>
           </a:p>
           <a:p>
             <a:pPr lvl="1"/>
             <a:r>
-              <a:rPr lang="en-US" altLang="zh-TW" sz="2400" i="1" dirty="0" smtClean="0"/>
+              <a:rPr lang="en-US" altLang="zh-TW" sz="2400" i="1" dirty="0"/>
               <a:t>P</a:t>
             </a:r>
             <a:r>
-              <a:rPr lang="en-US" altLang="zh-TW" sz="2400" dirty="0" smtClean="0"/>
+              <a:rPr lang="en-US" altLang="zh-TW" sz="2400" dirty="0"/>
               <a:t> = {</a:t>
             </a:r>
             <a:r>
-              <a:rPr lang="en-US" altLang="zh-TW" sz="2400" i="1" dirty="0" smtClean="0"/>
+              <a:rPr lang="en-US" altLang="zh-TW" sz="2400" i="1" dirty="0"/>
               <a:t>P</a:t>
             </a:r>
             <a:r>
-              <a:rPr lang="en-US" altLang="zh-TW" sz="2400" baseline="-25000" dirty="0" smtClean="0"/>
+              <a:rPr lang="en-US" altLang="zh-TW" sz="2400" baseline="-25000" dirty="0"/>
               <a:t>1</a:t>
             </a:r>
             <a:r>
-              <a:rPr lang="en-US" altLang="zh-TW" sz="2400" dirty="0" smtClean="0"/>
+              <a:rPr lang="en-US" altLang="zh-TW" sz="2400" dirty="0"/>
               <a:t>, </a:t>
             </a:r>
             <a:r>
-              <a:rPr lang="en-US" altLang="zh-TW" sz="2400" i="1" dirty="0" smtClean="0"/>
+              <a:rPr lang="en-US" altLang="zh-TW" sz="2400" i="1" dirty="0"/>
               <a:t>P</a:t>
             </a:r>
             <a:r>
-              <a:rPr lang="en-US" altLang="zh-TW" sz="2400" baseline="-25000" dirty="0" smtClean="0"/>
+              <a:rPr lang="en-US" altLang="zh-TW" sz="2400" baseline="-25000" dirty="0"/>
               <a:t>2</a:t>
             </a:r>
             <a:r>
-              <a:rPr lang="en-US" altLang="zh-TW" sz="2400" dirty="0" smtClean="0"/>
+              <a:rPr lang="en-US" altLang="zh-TW" sz="2400" dirty="0"/>
               <a:t>, …, </a:t>
             </a:r>
             <a:r>
-              <a:rPr lang="en-US" altLang="zh-TW" sz="2400" i="1" dirty="0" err="1" smtClean="0"/>
+              <a:rPr lang="en-US" altLang="zh-TW" sz="2400" i="1" dirty="0" err="1"/>
               <a:t>P</a:t>
             </a:r>
             <a:r>
-              <a:rPr lang="en-US" altLang="zh-TW" sz="2400" i="1" baseline="-25000" dirty="0" err="1" smtClean="0"/>
+              <a:rPr lang="en-US" altLang="zh-TW" sz="2400" i="1" baseline="-25000" dirty="0" err="1"/>
               <a:t>n</a:t>
             </a:r>
             <a:r>
-              <a:rPr lang="en-US" altLang="zh-TW" sz="2400" dirty="0" smtClean="0"/>
+              <a:rPr lang="en-US" altLang="zh-TW" sz="2400" dirty="0"/>
               <a:t>}, the set consisting of all the processes in the system</a:t>
             </a:r>
           </a:p>
           <a:p>
             <a:pPr lvl="1"/>
             <a:r>
-              <a:rPr lang="en-US" altLang="zh-TW" sz="2400" i="1" dirty="0" smtClean="0"/>
+              <a:rPr lang="en-US" altLang="zh-TW" sz="2400" i="1" dirty="0"/>
               <a:t>R</a:t>
             </a:r>
             <a:r>
-              <a:rPr lang="en-US" altLang="zh-TW" sz="2400" dirty="0" smtClean="0"/>
+              <a:rPr lang="en-US" altLang="zh-TW" sz="2400" dirty="0"/>
               <a:t> = {</a:t>
             </a:r>
             <a:r>
-              <a:rPr lang="en-US" altLang="zh-TW" sz="2400" i="1" dirty="0" smtClean="0"/>
+              <a:rPr lang="en-US" altLang="zh-TW" sz="2400" i="1" dirty="0"/>
               <a:t>R</a:t>
             </a:r>
             <a:r>
-              <a:rPr lang="en-US" altLang="zh-TW" sz="2400" baseline="-25000" dirty="0" smtClean="0"/>
+              <a:rPr lang="en-US" altLang="zh-TW" sz="2400" baseline="-25000" dirty="0"/>
               <a:t>1</a:t>
             </a:r>
             <a:r>
-              <a:rPr lang="en-US" altLang="zh-TW" sz="2400" dirty="0" smtClean="0"/>
+              <a:rPr lang="en-US" altLang="zh-TW" sz="2400" dirty="0"/>
               <a:t>, </a:t>
             </a:r>
             <a:r>
-              <a:rPr lang="en-US" altLang="zh-TW" sz="2400" i="1" dirty="0" smtClean="0"/>
+              <a:rPr lang="en-US" altLang="zh-TW" sz="2400" i="1" dirty="0"/>
               <a:t>R</a:t>
             </a:r>
             <a:r>
-              <a:rPr lang="en-US" altLang="zh-TW" sz="2400" baseline="-25000" dirty="0" smtClean="0"/>
+              <a:rPr lang="en-US" altLang="zh-TW" sz="2400" baseline="-25000" dirty="0"/>
               <a:t>2</a:t>
             </a:r>
             <a:r>
-              <a:rPr lang="en-US" altLang="zh-TW" sz="2400" dirty="0" smtClean="0"/>
+              <a:rPr lang="en-US" altLang="zh-TW" sz="2400" dirty="0"/>
               <a:t>, …, </a:t>
             </a:r>
             <a:r>
-              <a:rPr lang="en-US" altLang="zh-TW" sz="2400" i="1" dirty="0" err="1" smtClean="0"/>
+              <a:rPr lang="en-US" altLang="zh-TW" sz="2400" i="1" dirty="0" err="1"/>
               <a:t>R</a:t>
             </a:r>
             <a:r>
-              <a:rPr lang="en-US" altLang="zh-TW" sz="2400" i="1" baseline="-25000" dirty="0" err="1" smtClean="0"/>
+              <a:rPr lang="en-US" altLang="zh-TW" sz="2400" i="1" baseline="-25000" dirty="0" err="1"/>
               <a:t>m</a:t>
             </a:r>
             <a:r>
-              <a:rPr lang="en-US" altLang="zh-TW" sz="2400" dirty="0" smtClean="0"/>
+              <a:rPr lang="en-US" altLang="zh-TW" sz="2400" dirty="0"/>
               <a:t>}, the set consisting of all resource types in the system</a:t>
             </a:r>
           </a:p>
           <a:p>
             <a:r>
-              <a:rPr lang="en-US" altLang="zh-TW" sz="2400" b="1" dirty="0" smtClean="0">
+              <a:rPr lang="en-US" altLang="zh-TW" sz="2400" b="1" dirty="0">
                 <a:solidFill>
                   <a:srgbClr val="FF0000"/>
                 </a:solidFill>
@@ -26895,42 +26981,42 @@
               <a:t>request edge </a:t>
             </a:r>
             <a:r>
-              <a:rPr lang="en-US" altLang="zh-TW" sz="2400" dirty="0" smtClean="0"/>
+              <a:rPr lang="en-US" altLang="zh-TW" sz="2400" dirty="0"/>
               <a:t>– directed edge </a:t>
             </a:r>
             <a:r>
-              <a:rPr lang="en-US" altLang="zh-TW" sz="2400" i="1" dirty="0" smtClean="0"/>
+              <a:rPr lang="en-US" altLang="zh-TW" sz="2400" i="1" dirty="0"/>
               <a:t>P</a:t>
             </a:r>
             <a:r>
-              <a:rPr lang="en-US" altLang="zh-TW" sz="2400" baseline="-25000" dirty="0" smtClean="0"/>
+              <a:rPr lang="en-US" altLang="zh-TW" sz="2400" baseline="-25000" dirty="0"/>
               <a:t>1 </a:t>
             </a:r>
             <a:r>
-              <a:rPr lang="en-US" altLang="zh-TW" sz="2400" dirty="0" smtClean="0">
+              <a:rPr lang="en-US" altLang="zh-TW" sz="2400" dirty="0">
                 <a:sym typeface="Symbol" pitchFamily="18" charset="2"/>
               </a:rPr>
               <a:t> </a:t>
             </a:r>
             <a:r>
-              <a:rPr lang="en-US" altLang="zh-TW" sz="2400" i="1" dirty="0" err="1" smtClean="0">
+              <a:rPr lang="en-US" altLang="zh-TW" sz="2400" i="1" dirty="0" err="1">
                 <a:sym typeface="Symbol" pitchFamily="18" charset="2"/>
               </a:rPr>
               <a:t>R</a:t>
             </a:r>
             <a:r>
-              <a:rPr lang="en-US" altLang="zh-TW" sz="2400" i="1" baseline="-25000" dirty="0" err="1" smtClean="0">
+              <a:rPr lang="en-US" altLang="zh-TW" sz="2400" i="1" baseline="-25000" dirty="0" err="1">
                 <a:sym typeface="Symbol" pitchFamily="18" charset="2"/>
               </a:rPr>
               <a:t>j</a:t>
             </a:r>
-            <a:endParaRPr lang="en-US" altLang="zh-TW" sz="2400" i="1" dirty="0" smtClean="0">
+            <a:endParaRPr lang="en-US" altLang="zh-TW" sz="2400" i="1" dirty="0">
               <a:sym typeface="Symbol" pitchFamily="18" charset="2"/>
             </a:endParaRPr>
           </a:p>
           <a:p>
             <a:r>
-              <a:rPr lang="en-US" altLang="zh-TW" sz="2400" b="1" dirty="0" smtClean="0">
+              <a:rPr lang="en-US" altLang="zh-TW" sz="2400" b="1" dirty="0">
                 <a:solidFill>
                   <a:srgbClr val="FF0000"/>
                 </a:solidFill>
@@ -26939,40 +27025,40 @@
               <a:t>assignment edge </a:t>
             </a:r>
             <a:r>
-              <a:rPr lang="en-US" altLang="zh-TW" sz="2400" dirty="0" smtClean="0"/>
+              <a:rPr lang="en-US" altLang="zh-TW" sz="2400" dirty="0"/>
               <a:t>– directed edge </a:t>
             </a:r>
             <a:r>
-              <a:rPr lang="en-US" altLang="zh-TW" sz="2400" i="1" dirty="0" err="1" smtClean="0"/>
+              <a:rPr lang="en-US" altLang="zh-TW" sz="2400" i="1" dirty="0" err="1"/>
               <a:t>R</a:t>
             </a:r>
             <a:r>
-              <a:rPr lang="en-US" altLang="zh-TW" sz="2400" i="1" baseline="-25000" dirty="0" err="1" smtClean="0"/>
+              <a:rPr lang="en-US" altLang="zh-TW" sz="2400" i="1" baseline="-25000" dirty="0" err="1"/>
               <a:t>j</a:t>
             </a:r>
             <a:r>
-              <a:rPr lang="en-US" altLang="zh-TW" sz="2400" i="1" dirty="0" smtClean="0"/>
+              <a:rPr lang="en-US" altLang="zh-TW" sz="2400" i="1" dirty="0"/>
               <a:t> </a:t>
             </a:r>
             <a:r>
-              <a:rPr lang="en-US" altLang="zh-TW" sz="2400" dirty="0" smtClean="0">
+              <a:rPr lang="en-US" altLang="zh-TW" sz="2400" dirty="0">
                 <a:sym typeface="Symbol" pitchFamily="18" charset="2"/>
               </a:rPr>
               <a:t> </a:t>
             </a:r>
             <a:r>
-              <a:rPr lang="en-US" altLang="zh-TW" sz="2400" i="1" dirty="0" smtClean="0">
+              <a:rPr lang="en-US" altLang="zh-TW" sz="2400" i="1" dirty="0">
                 <a:sym typeface="Symbol" pitchFamily="18" charset="2"/>
               </a:rPr>
               <a:t>P</a:t>
             </a:r>
             <a:r>
-              <a:rPr lang="en-US" altLang="zh-TW" sz="2400" i="1" baseline="-25000" dirty="0" smtClean="0">
+              <a:rPr lang="en-US" altLang="zh-TW" sz="2400" i="1" baseline="-25000" dirty="0">
                 <a:sym typeface="Symbol" pitchFamily="18" charset="2"/>
               </a:rPr>
               <a:t>i</a:t>
             </a:r>
-            <a:endParaRPr lang="en-US" altLang="zh-TW" sz="2400" dirty="0" smtClean="0">
+            <a:endParaRPr lang="en-US" altLang="zh-TW" sz="2400" dirty="0">
               <a:sym typeface="Symbol" pitchFamily="18" charset="2"/>
             </a:endParaRPr>
           </a:p>
@@ -27390,7 +27476,7 @@
           <a:p>
             <a:pPr eaLnBrk="1" hangingPunct="1"/>
             <a:r>
-              <a:rPr lang="en-US" altLang="zh-TW" dirty="0" smtClean="0"/>
+              <a:rPr lang="en-US" altLang="zh-TW" dirty="0"/>
               <a:t>Resource-Allocation Graph (Cont.)</a:t>
             </a:r>
           </a:p>
@@ -27412,82 +27498,82 @@
           <a:lstStyle/>
           <a:p>
             <a:r>
-              <a:rPr lang="en-US" altLang="zh-TW" sz="2400" smtClean="0"/>
+              <a:rPr lang="en-US" altLang="zh-TW" sz="2400"/>
               <a:t>Process</a:t>
             </a:r>
             <a:br>
-              <a:rPr lang="en-US" altLang="zh-TW" sz="2400" smtClean="0"/>
+              <a:rPr lang="en-US" altLang="zh-TW" sz="2400"/>
             </a:br>
-            <a:endParaRPr lang="en-US" altLang="zh-TW" sz="2400" smtClean="0"/>
-          </a:p>
-          <a:p>
-            <a:r>
-              <a:rPr lang="en-US" altLang="zh-TW" sz="2400" smtClean="0"/>
+            <a:endParaRPr lang="en-US" altLang="zh-TW" sz="2400"/>
+          </a:p>
+          <a:p>
+            <a:r>
+              <a:rPr lang="en-US" altLang="zh-TW" sz="2400"/>
               <a:t>Resource Type with 4 instances</a:t>
             </a:r>
           </a:p>
           <a:p>
-            <a:endParaRPr lang="en-US" altLang="zh-TW" sz="2400" smtClean="0"/>
-          </a:p>
-          <a:p>
-            <a:r>
-              <a:rPr lang="en-US" altLang="zh-TW" sz="2400" i="1" smtClean="0"/>
+            <a:endParaRPr lang="en-US" altLang="zh-TW" sz="2400"/>
+          </a:p>
+          <a:p>
+            <a:r>
+              <a:rPr lang="en-US" altLang="zh-TW" sz="2400" i="1"/>
               <a:t>P</a:t>
             </a:r>
             <a:r>
-              <a:rPr lang="en-US" altLang="zh-TW" sz="2400" i="1" baseline="-25000" smtClean="0"/>
+              <a:rPr lang="en-US" altLang="zh-TW" sz="2400" i="1" baseline="-25000"/>
               <a:t>i</a:t>
             </a:r>
             <a:r>
-              <a:rPr lang="en-US" altLang="zh-TW" sz="2400" i="1" smtClean="0"/>
+              <a:rPr lang="en-US" altLang="zh-TW" sz="2400" i="1"/>
               <a:t> </a:t>
             </a:r>
             <a:r>
-              <a:rPr lang="en-US" altLang="zh-TW" sz="2400" smtClean="0"/>
+              <a:rPr lang="en-US" altLang="zh-TW" sz="2400"/>
               <a:t>requests instance of </a:t>
             </a:r>
             <a:r>
-              <a:rPr lang="en-US" altLang="zh-TW" sz="2400" i="1" smtClean="0"/>
+              <a:rPr lang="en-US" altLang="zh-TW" sz="2400" i="1"/>
               <a:t>R</a:t>
             </a:r>
             <a:r>
-              <a:rPr lang="en-US" altLang="zh-TW" sz="2400" i="1" baseline="-25000" smtClean="0"/>
+              <a:rPr lang="en-US" altLang="zh-TW" sz="2400" i="1" baseline="-25000"/>
               <a:t>j</a:t>
             </a:r>
-            <a:endParaRPr lang="en-US" altLang="zh-TW" sz="2400" smtClean="0"/>
-          </a:p>
-          <a:p>
-            <a:endParaRPr lang="en-US" altLang="zh-TW" sz="2400" smtClean="0"/>
+            <a:endParaRPr lang="en-US" altLang="zh-TW" sz="2400"/>
+          </a:p>
+          <a:p>
+            <a:endParaRPr lang="en-US" altLang="zh-TW" sz="2400"/>
           </a:p>
           <a:p>
             <a:pPr>
               <a:buFont typeface="Monotype Sorts" pitchFamily="2" charset="2"/>
               <a:buNone/>
             </a:pPr>
-            <a:endParaRPr lang="en-US" altLang="zh-TW" sz="2400" smtClean="0"/>
-          </a:p>
-          <a:p>
-            <a:r>
-              <a:rPr lang="en-US" altLang="zh-TW" sz="2400" i="1" smtClean="0"/>
+            <a:endParaRPr lang="en-US" altLang="zh-TW" sz="2400"/>
+          </a:p>
+          <a:p>
+            <a:r>
+              <a:rPr lang="en-US" altLang="zh-TW" sz="2400" i="1"/>
               <a:t>P</a:t>
             </a:r>
             <a:r>
-              <a:rPr lang="en-US" altLang="zh-TW" sz="2400" i="1" baseline="-25000" smtClean="0"/>
+              <a:rPr lang="en-US" altLang="zh-TW" sz="2400" i="1" baseline="-25000"/>
               <a:t>i</a:t>
             </a:r>
             <a:r>
-              <a:rPr lang="en-US" altLang="zh-TW" sz="2400" smtClean="0"/>
+              <a:rPr lang="en-US" altLang="zh-TW" sz="2400"/>
               <a:t> is holding an instance of </a:t>
             </a:r>
             <a:r>
-              <a:rPr lang="en-US" altLang="zh-TW" sz="2400" i="1" smtClean="0"/>
+              <a:rPr lang="en-US" altLang="zh-TW" sz="2400" i="1"/>
               <a:t>R</a:t>
             </a:r>
             <a:r>
-              <a:rPr lang="en-US" altLang="zh-TW" sz="2400" i="1" baseline="-25000" smtClean="0"/>
+              <a:rPr lang="en-US" altLang="zh-TW" sz="2400" i="1" baseline="-25000"/>
               <a:t>j</a:t>
             </a:r>
-            <a:endParaRPr lang="en-US" altLang="zh-TW" sz="2400" i="1" smtClean="0"/>
+            <a:endParaRPr lang="en-US" altLang="zh-TW" sz="2400" i="1"/>
           </a:p>
         </p:txBody>
       </p:sp>
@@ -28399,13 +28485,6 @@
   <p:clrMapOvr>
     <a:masterClrMapping/>
   </p:clrMapOvr>
-  <p:timing>
-    <p:tnLst>
-      <p:par>
-        <p:cTn id="1" dur="indefinite" restart="never" nodeType="tmRoot"/>
-      </p:par>
-    </p:tnLst>
-  </p:timing>
 </p:sld>
 </file>
 

--- a/ch07.pptx
+++ b/ch07.pptx
@@ -5,10 +5,10 @@
     <p:sldMasterId id="2147483662" r:id="rId1"/>
   </p:sldMasterIdLst>
   <p:notesMasterIdLst>
-    <p:notesMasterId r:id="rId46"/>
+    <p:notesMasterId r:id="rId48"/>
   </p:notesMasterIdLst>
   <p:handoutMasterIdLst>
-    <p:handoutMasterId r:id="rId47"/>
+    <p:handoutMasterId r:id="rId49"/>
   </p:handoutMasterIdLst>
   <p:sldIdLst>
     <p:sldId id="539" r:id="rId2"/>
@@ -25,36 +25,38 @@
     <p:sldId id="550" r:id="rId13"/>
     <p:sldId id="551" r:id="rId14"/>
     <p:sldId id="552" r:id="rId15"/>
-    <p:sldId id="553" r:id="rId16"/>
-    <p:sldId id="554" r:id="rId17"/>
-    <p:sldId id="555" r:id="rId18"/>
-    <p:sldId id="556" r:id="rId19"/>
-    <p:sldId id="583" r:id="rId20"/>
-    <p:sldId id="557" r:id="rId21"/>
-    <p:sldId id="559" r:id="rId22"/>
-    <p:sldId id="560" r:id="rId23"/>
-    <p:sldId id="561" r:id="rId24"/>
-    <p:sldId id="562" r:id="rId25"/>
-    <p:sldId id="563" r:id="rId26"/>
-    <p:sldId id="564" r:id="rId27"/>
-    <p:sldId id="565" r:id="rId28"/>
-    <p:sldId id="566" r:id="rId29"/>
-    <p:sldId id="567" r:id="rId30"/>
-    <p:sldId id="568" r:id="rId31"/>
-    <p:sldId id="569" r:id="rId32"/>
-    <p:sldId id="570" r:id="rId33"/>
-    <p:sldId id="571" r:id="rId34"/>
-    <p:sldId id="572" r:id="rId35"/>
-    <p:sldId id="573" r:id="rId36"/>
-    <p:sldId id="574" r:id="rId37"/>
-    <p:sldId id="575" r:id="rId38"/>
-    <p:sldId id="576" r:id="rId39"/>
-    <p:sldId id="577" r:id="rId40"/>
-    <p:sldId id="578" r:id="rId41"/>
-    <p:sldId id="579" r:id="rId42"/>
-    <p:sldId id="580" r:id="rId43"/>
-    <p:sldId id="581" r:id="rId44"/>
-    <p:sldId id="582" r:id="rId45"/>
+    <p:sldId id="585" r:id="rId16"/>
+    <p:sldId id="553" r:id="rId17"/>
+    <p:sldId id="554" r:id="rId18"/>
+    <p:sldId id="555" r:id="rId19"/>
+    <p:sldId id="556" r:id="rId20"/>
+    <p:sldId id="583" r:id="rId21"/>
+    <p:sldId id="557" r:id="rId22"/>
+    <p:sldId id="559" r:id="rId23"/>
+    <p:sldId id="560" r:id="rId24"/>
+    <p:sldId id="584" r:id="rId25"/>
+    <p:sldId id="561" r:id="rId26"/>
+    <p:sldId id="562" r:id="rId27"/>
+    <p:sldId id="563" r:id="rId28"/>
+    <p:sldId id="564" r:id="rId29"/>
+    <p:sldId id="565" r:id="rId30"/>
+    <p:sldId id="566" r:id="rId31"/>
+    <p:sldId id="567" r:id="rId32"/>
+    <p:sldId id="568" r:id="rId33"/>
+    <p:sldId id="569" r:id="rId34"/>
+    <p:sldId id="570" r:id="rId35"/>
+    <p:sldId id="571" r:id="rId36"/>
+    <p:sldId id="572" r:id="rId37"/>
+    <p:sldId id="573" r:id="rId38"/>
+    <p:sldId id="574" r:id="rId39"/>
+    <p:sldId id="575" r:id="rId40"/>
+    <p:sldId id="576" r:id="rId41"/>
+    <p:sldId id="577" r:id="rId42"/>
+    <p:sldId id="578" r:id="rId43"/>
+    <p:sldId id="579" r:id="rId44"/>
+    <p:sldId id="580" r:id="rId45"/>
+    <p:sldId id="581" r:id="rId46"/>
+    <p:sldId id="582" r:id="rId47"/>
   </p:sldIdLst>
   <p:sldSz cx="9144000" cy="6858000" type="screen4x3"/>
   <p:notesSz cx="6881813" cy="9296400"/>
@@ -1059,6 +1061,30 @@
               </a:rPr>
               <a:t>ok</a:t>
             </a:r>
+            <a:r>
+              <a:rPr lang="zh-TW" altLang="en-US" dirty="0">
+                <a:latin typeface="Times New Roman" pitchFamily="18" charset="0"/>
+              </a:rPr>
+              <a:t>  依照前頁圖說   裡面的圓點就是那個</a:t>
+            </a:r>
+            <a:r>
+              <a:rPr lang="en-US" altLang="zh-TW" dirty="0">
+                <a:latin typeface="Times New Roman" pitchFamily="18" charset="0"/>
+              </a:rPr>
+              <a:t>resource</a:t>
+            </a:r>
+            <a:r>
+              <a:rPr lang="zh-TW" altLang="en-US" dirty="0">
+                <a:latin typeface="Times New Roman" pitchFamily="18" charset="0"/>
+              </a:rPr>
+              <a:t>有幾個</a:t>
+            </a:r>
+            <a:r>
+              <a:rPr lang="en-US" altLang="zh-TW" dirty="0">
+                <a:latin typeface="Times New Roman" pitchFamily="18" charset="0"/>
+              </a:rPr>
+              <a:t>instance</a:t>
+            </a:r>
             <a:endParaRPr lang="zh-TW" altLang="zh-TW" dirty="0">
               <a:latin typeface="Times New Roman" pitchFamily="18" charset="0"/>
             </a:endParaRPr>
@@ -1343,7 +1369,55 @@
               <a:rPr lang="zh-TW" altLang="en-US" dirty="0">
                 <a:latin typeface="Times New Roman" pitchFamily="18" charset="0"/>
               </a:rPr>
-              <a:t>就能跑 </a:t>
+              <a:t>就能跑    </a:t>
+            </a:r>
+            <a:r>
+              <a:rPr lang="en-US" altLang="zh-TW" dirty="0">
+                <a:latin typeface="Times New Roman" pitchFamily="18" charset="0"/>
+              </a:rPr>
+              <a:t>Yes  </a:t>
+            </a:r>
+            <a:r>
+              <a:rPr lang="zh-TW" altLang="en-US" dirty="0">
+                <a:latin typeface="Times New Roman" pitchFamily="18" charset="0"/>
+              </a:rPr>
+              <a:t>因為另外有</a:t>
+            </a:r>
+            <a:r>
+              <a:rPr lang="en-US" altLang="zh-TW" dirty="0">
+                <a:latin typeface="Times New Roman" pitchFamily="18" charset="0"/>
+              </a:rPr>
+              <a:t>p2 4</a:t>
+            </a:r>
+            <a:r>
+              <a:rPr lang="zh-TW" altLang="en-US" dirty="0">
+                <a:latin typeface="Times New Roman" pitchFamily="18" charset="0"/>
+              </a:rPr>
+              <a:t>不在</a:t>
+            </a:r>
+            <a:r>
+              <a:rPr lang="en-US" altLang="zh-TW" dirty="0">
+                <a:latin typeface="Times New Roman" pitchFamily="18" charset="0"/>
+              </a:rPr>
+              <a:t>cycle  24</a:t>
+            </a:r>
+            <a:r>
+              <a:rPr lang="zh-TW" altLang="en-US" dirty="0">
+                <a:latin typeface="Times New Roman" pitchFamily="18" charset="0"/>
+              </a:rPr>
+              <a:t>執行完 </a:t>
+            </a:r>
+            <a:r>
+              <a:rPr lang="en-US" altLang="zh-TW" dirty="0">
+                <a:latin typeface="Times New Roman" pitchFamily="18" charset="0"/>
+              </a:rPr>
+              <a:t>resource</a:t>
+            </a:r>
+            <a:r>
+              <a:rPr lang="zh-TW" altLang="en-US" dirty="0">
+                <a:latin typeface="Times New Roman" pitchFamily="18" charset="0"/>
+              </a:rPr>
+              <a:t>給其他人就可繼續執行</a:t>
             </a:r>
             <a:endParaRPr lang="zh-TW" altLang="zh-TW" dirty="0">
               <a:latin typeface="Times New Roman" pitchFamily="18" charset="0"/>
@@ -1523,7 +1597,13 @@
           <a:bodyPr/>
           <a:lstStyle/>
           <a:p>
-            <a:endParaRPr lang="zh-TW" altLang="zh-TW">
+            <a:r>
+              <a:rPr lang="en-US" altLang="zh-TW" dirty="0">
+                <a:latin typeface="Times New Roman" pitchFamily="18" charset="0"/>
+              </a:rPr>
+              <a:t>ok</a:t>
+            </a:r>
+            <a:endParaRPr lang="zh-TW" altLang="zh-TW" dirty="0">
               <a:latin typeface="Times New Roman" pitchFamily="18" charset="0"/>
             </a:endParaRPr>
           </a:p>
@@ -1574,7 +1654,7 @@
             <a:fld id="{D2318C8F-E77B-40DB-B041-98F28E04796C}" type="slidenum">
               <a:rPr lang="en-US" altLang="zh-TW"/>
               <a:pPr/>
-              <a:t>15</a:t>
+              <a:t>16</a:t>
             </a:fld>
             <a:endParaRPr lang="en-US" altLang="zh-TW"/>
           </a:p>
@@ -1612,7 +1692,37 @@
           <a:bodyPr/>
           <a:lstStyle/>
           <a:p>
-            <a:endParaRPr lang="zh-TW" altLang="zh-TW">
+            <a:r>
+              <a:rPr lang="zh-TW" altLang="en-US" dirty="0">
+                <a:latin typeface="Times New Roman" pitchFamily="18" charset="0"/>
+              </a:rPr>
+              <a:t>針對四個條件解決任一就不會</a:t>
+            </a:r>
+            <a:r>
+              <a:rPr lang="en-US" altLang="zh-TW" dirty="0">
+                <a:latin typeface="Times New Roman" pitchFamily="18" charset="0"/>
+              </a:rPr>
+              <a:t>DL        </a:t>
+            </a:r>
+            <a:r>
+              <a:rPr lang="zh-TW" altLang="en-US" dirty="0">
+                <a:latin typeface="Times New Roman" pitchFamily="18" charset="0"/>
+              </a:rPr>
+              <a:t>最後一點</a:t>
+            </a:r>
+            <a:r>
+              <a:rPr lang="en-US" altLang="zh-TW" dirty="0">
+                <a:latin typeface="Times New Roman" pitchFamily="18" charset="0"/>
+              </a:rPr>
+              <a:t>starvation</a:t>
+            </a:r>
+            <a:r>
+              <a:rPr lang="zh-TW" altLang="en-US" dirty="0">
+                <a:latin typeface="Times New Roman" pitchFamily="18" charset="0"/>
+              </a:rPr>
+              <a:t>是因為例如說 每次都沒辦法剛好拿到全部資源   就沒辦法執行</a:t>
+            </a:r>
+            <a:endParaRPr lang="zh-TW" altLang="zh-TW" dirty="0">
               <a:latin typeface="Times New Roman" pitchFamily="18" charset="0"/>
             </a:endParaRPr>
           </a:p>
@@ -1663,7 +1773,7 @@
             <a:fld id="{FBD68F22-FCB0-48F2-86EC-4FF3382CFABB}" type="slidenum">
               <a:rPr lang="en-US" altLang="zh-TW"/>
               <a:pPr/>
-              <a:t>16</a:t>
+              <a:t>17</a:t>
             </a:fld>
             <a:endParaRPr lang="en-US" altLang="zh-TW"/>
           </a:p>
@@ -1701,7 +1811,82 @@
           <a:bodyPr/>
           <a:lstStyle/>
           <a:p>
-            <a:endParaRPr lang="zh-TW" altLang="zh-TW">
+            <a:r>
+              <a:rPr lang="en-US" altLang="zh-TW" sz="1200" b="1" dirty="0">
+                <a:solidFill>
+                  <a:srgbClr val="FF0000"/>
+                </a:solidFill>
+              </a:rPr>
+              <a:t>No Preemption</a:t>
+            </a:r>
+            <a:r>
+              <a:rPr lang="zh-TW" altLang="en-US" sz="1200" b="1" dirty="0">
+                <a:solidFill>
+                  <a:srgbClr val="FF0000"/>
+                </a:solidFill>
+              </a:rPr>
+              <a:t>   </a:t>
+            </a:r>
+            <a:r>
+              <a:rPr lang="zh-TW" altLang="en-US" dirty="0">
+                <a:latin typeface="Times New Roman" pitchFamily="18" charset="0"/>
+              </a:rPr>
+              <a:t>要嘛一次全拿到  要嘛一次都不拿</a:t>
+            </a:r>
+            <a:endParaRPr lang="en-US" altLang="zh-TW" sz="1200" b="1" dirty="0">
+              <a:solidFill>
+                <a:srgbClr val="FF0000"/>
+              </a:solidFill>
+            </a:endParaRPr>
+          </a:p>
+          <a:p>
+            <a:r>
+              <a:rPr lang="en-US" altLang="zh-TW" sz="1200" b="1" dirty="0">
+                <a:solidFill>
+                  <a:srgbClr val="FF0000"/>
+                </a:solidFill>
+              </a:rPr>
+              <a:t>Circular Wait</a:t>
+            </a:r>
+            <a:r>
+              <a:rPr lang="zh-TW" altLang="en-US" sz="1200" b="1" dirty="0">
+                <a:solidFill>
+                  <a:srgbClr val="FF0000"/>
+                </a:solidFill>
+              </a:rPr>
+              <a:t>   </a:t>
+            </a:r>
+            <a:r>
+              <a:rPr lang="zh-TW" altLang="en-US" dirty="0">
+                <a:latin typeface="Times New Roman" pitchFamily="18" charset="0"/>
+              </a:rPr>
+              <a:t>把</a:t>
+            </a:r>
+            <a:r>
+              <a:rPr lang="en-US" altLang="zh-TW" dirty="0">
+                <a:latin typeface="Times New Roman" pitchFamily="18" charset="0"/>
+              </a:rPr>
+              <a:t>resource</a:t>
+            </a:r>
+            <a:r>
+              <a:rPr lang="zh-TW" altLang="en-US" dirty="0">
+                <a:latin typeface="Times New Roman" pitchFamily="18" charset="0"/>
+              </a:rPr>
+              <a:t>編號排序   由小到大排序 </a:t>
+            </a:r>
+            <a:r>
+              <a:rPr lang="en-US" altLang="zh-TW" dirty="0">
+                <a:latin typeface="Times New Roman" pitchFamily="18" charset="0"/>
+              </a:rPr>
+              <a:t>proc</a:t>
+            </a:r>
+            <a:r>
+              <a:rPr lang="zh-TW" altLang="en-US" dirty="0">
+                <a:latin typeface="Times New Roman" pitchFamily="18" charset="0"/>
+              </a:rPr>
+              <a:t>取用資源的時候是由小到大去拿</a:t>
+            </a:r>
+            <a:endParaRPr lang="zh-TW" altLang="zh-TW" dirty="0">
               <a:latin typeface="Times New Roman" pitchFamily="18" charset="0"/>
             </a:endParaRPr>
           </a:p>
@@ -1752,7 +1937,7 @@
             <a:fld id="{0C038FF1-A7AF-472B-8842-F07198ED4A7A}" type="slidenum">
               <a:rPr lang="en-US" altLang="zh-TW"/>
               <a:pPr/>
-              <a:t>17</a:t>
+              <a:t>18</a:t>
             </a:fld>
             <a:endParaRPr lang="en-US" altLang="zh-TW"/>
           </a:p>
@@ -1790,7 +1975,25 @@
           <a:bodyPr/>
           <a:lstStyle/>
           <a:p>
-            <a:endParaRPr lang="zh-TW" altLang="zh-TW">
+            <a:r>
+              <a:rPr lang="zh-TW" altLang="en-US" dirty="0">
+                <a:latin typeface="Times New Roman" pitchFamily="18" charset="0"/>
+              </a:rPr>
+              <a:t>資源使用比</a:t>
+            </a:r>
+            <a:r>
+              <a:rPr lang="en-US" altLang="zh-TW" dirty="0">
+                <a:latin typeface="Times New Roman" pitchFamily="18" charset="0"/>
+              </a:rPr>
+              <a:t>prevention</a:t>
+            </a:r>
+            <a:r>
+              <a:rPr lang="zh-TW" altLang="en-US" dirty="0">
+                <a:latin typeface="Times New Roman" pitchFamily="18" charset="0"/>
+              </a:rPr>
+              <a:t>好</a:t>
+            </a:r>
+            <a:endParaRPr lang="zh-TW" altLang="zh-TW" dirty="0">
               <a:latin typeface="Times New Roman" pitchFamily="18" charset="0"/>
             </a:endParaRPr>
           </a:p>
@@ -1841,7 +2044,7 @@
             <a:fld id="{11C74754-CC16-4D2D-9822-CBEF9C5451A2}" type="slidenum">
               <a:rPr lang="en-US" altLang="zh-TW"/>
               <a:pPr/>
-              <a:t>18</a:t>
+              <a:t>19</a:t>
             </a:fld>
             <a:endParaRPr lang="en-US" altLang="zh-TW"/>
           </a:p>
@@ -1879,7 +2082,114 @@
           <a:bodyPr/>
           <a:lstStyle/>
           <a:p>
-            <a:endParaRPr lang="zh-TW" altLang="zh-TW">
+            <a:r>
+              <a:rPr lang="zh-TW" altLang="en-US" dirty="0">
+                <a:latin typeface="Times New Roman" pitchFamily="18" charset="0"/>
+              </a:rPr>
+              <a:t>第二點   是說   如果能找到一個關係  使得</a:t>
+            </a:r>
+            <a:r>
+              <a:rPr lang="en-US" altLang="zh-TW" dirty="0">
+                <a:latin typeface="Times New Roman" pitchFamily="18" charset="0"/>
+              </a:rPr>
+              <a:t>P1</a:t>
+            </a:r>
+            <a:r>
+              <a:rPr lang="zh-TW" altLang="en-US" dirty="0">
+                <a:latin typeface="Times New Roman" pitchFamily="18" charset="0"/>
+              </a:rPr>
+              <a:t>的資源使用執行完  給</a:t>
+            </a:r>
+            <a:r>
+              <a:rPr lang="en-US" altLang="zh-TW" dirty="0">
+                <a:latin typeface="Times New Roman" pitchFamily="18" charset="0"/>
+              </a:rPr>
+              <a:t>P2</a:t>
+            </a:r>
+            <a:r>
+              <a:rPr lang="zh-TW" altLang="en-US" dirty="0">
+                <a:latin typeface="Times New Roman" pitchFamily="18" charset="0"/>
+              </a:rPr>
+              <a:t>使用  </a:t>
+            </a:r>
+            <a:r>
+              <a:rPr lang="en-US" altLang="zh-TW" dirty="0">
+                <a:latin typeface="Times New Roman" pitchFamily="18" charset="0"/>
+              </a:rPr>
+              <a:t>P2</a:t>
+            </a:r>
+            <a:r>
+              <a:rPr lang="zh-TW" altLang="en-US" dirty="0">
+                <a:latin typeface="Times New Roman" pitchFamily="18" charset="0"/>
+              </a:rPr>
+              <a:t>使用完  給</a:t>
+            </a:r>
+            <a:r>
+              <a:rPr lang="en-US" altLang="zh-TW" dirty="0">
+                <a:latin typeface="Times New Roman" pitchFamily="18" charset="0"/>
+              </a:rPr>
+              <a:t>P3</a:t>
+            </a:r>
+            <a:r>
+              <a:rPr lang="zh-TW" altLang="en-US" dirty="0">
+                <a:latin typeface="Times New Roman" pitchFamily="18" charset="0"/>
+              </a:rPr>
+              <a:t>使用  </a:t>
+            </a:r>
+            <a:r>
+              <a:rPr lang="en-US" altLang="zh-TW" dirty="0">
+                <a:latin typeface="Times New Roman" pitchFamily="18" charset="0"/>
+              </a:rPr>
+              <a:t>P3</a:t>
+            </a:r>
+            <a:r>
+              <a:rPr lang="zh-TW" altLang="en-US" dirty="0">
+                <a:latin typeface="Times New Roman" pitchFamily="18" charset="0"/>
+              </a:rPr>
+              <a:t>可以繼續拿到所需的資源使用  並且用完再釋放給</a:t>
+            </a:r>
+            <a:r>
+              <a:rPr lang="en-US" altLang="zh-TW" dirty="0">
+                <a:latin typeface="Times New Roman" pitchFamily="18" charset="0"/>
+              </a:rPr>
+              <a:t>P4….</a:t>
+            </a:r>
+            <a:r>
+              <a:rPr lang="zh-TW" altLang="en-US" dirty="0">
+                <a:latin typeface="Times New Roman" pitchFamily="18" charset="0"/>
+              </a:rPr>
+              <a:t>  一直下去</a:t>
+            </a:r>
+            <a:endParaRPr lang="en-US" altLang="zh-TW" dirty="0">
+              <a:latin typeface="Times New Roman" pitchFamily="18" charset="0"/>
+            </a:endParaRPr>
+          </a:p>
+          <a:p>
+            <a:r>
+              <a:rPr lang="zh-TW" altLang="en-US" dirty="0">
+                <a:latin typeface="Times New Roman" pitchFamily="18" charset="0"/>
+              </a:rPr>
+              <a:t>就代表</a:t>
+            </a:r>
+            <a:r>
+              <a:rPr lang="en-US" altLang="zh-TW" dirty="0">
+                <a:latin typeface="Times New Roman" pitchFamily="18" charset="0"/>
+              </a:rPr>
+              <a:t>system</a:t>
+            </a:r>
+            <a:r>
+              <a:rPr lang="zh-TW" altLang="en-US" dirty="0">
+                <a:latin typeface="Times New Roman" pitchFamily="18" charset="0"/>
+              </a:rPr>
+              <a:t>在</a:t>
+            </a:r>
+            <a:r>
+              <a:rPr lang="en-US" altLang="zh-TW" dirty="0">
+                <a:latin typeface="Times New Roman" pitchFamily="18" charset="0"/>
+              </a:rPr>
+              <a:t>Save State</a:t>
+            </a:r>
+            <a:endParaRPr lang="zh-TW" altLang="zh-TW" dirty="0">
               <a:latin typeface="Times New Roman" pitchFamily="18" charset="0"/>
             </a:endParaRPr>
           </a:p>
@@ -1930,7 +2240,7 @@
             <a:fld id="{11C74754-CC16-4D2D-9822-CBEF9C5451A2}" type="slidenum">
               <a:rPr lang="en-US" altLang="zh-TW"/>
               <a:pPr/>
-              <a:t>19</a:t>
+              <a:t>20</a:t>
             </a:fld>
             <a:endParaRPr lang="en-US" altLang="zh-TW"/>
           </a:p>
@@ -2108,7 +2418,7 @@
             <a:fld id="{E92D6C7E-C7A3-4DDA-8A37-3D517C380C6B}" type="slidenum">
               <a:rPr lang="en-US" altLang="zh-TW"/>
               <a:pPr/>
-              <a:t>20</a:t>
+              <a:t>21</a:t>
             </a:fld>
             <a:endParaRPr lang="en-US" altLang="zh-TW"/>
           </a:p>
@@ -2146,7 +2456,13 @@
           <a:bodyPr/>
           <a:lstStyle/>
           <a:p>
-            <a:endParaRPr lang="zh-TW" altLang="zh-TW">
+            <a:r>
+              <a:rPr lang="en-US" altLang="zh-TW" dirty="0">
+                <a:latin typeface="Times New Roman" pitchFamily="18" charset="0"/>
+              </a:rPr>
+              <a:t>ok   7-4</a:t>
+            </a:r>
+            <a:endParaRPr lang="zh-TW" altLang="zh-TW" dirty="0">
               <a:latin typeface="Times New Roman" pitchFamily="18" charset="0"/>
             </a:endParaRPr>
           </a:p>
@@ -2197,7 +2513,7 @@
             <a:fld id="{C580921D-1205-4406-BC24-83727E3F30D7}" type="slidenum">
               <a:rPr lang="en-US" altLang="zh-TW"/>
               <a:pPr/>
-              <a:t>21</a:t>
+              <a:t>22</a:t>
             </a:fld>
             <a:endParaRPr lang="en-US" altLang="zh-TW"/>
           </a:p>
@@ -2286,7 +2602,7 @@
             <a:fld id="{8503DEDC-3C1E-4BBA-B00B-90869D86F595}" type="slidenum">
               <a:rPr lang="en-US" altLang="zh-TW"/>
               <a:pPr/>
-              <a:t>22</a:t>
+              <a:t>23</a:t>
             </a:fld>
             <a:endParaRPr lang="en-US" altLang="zh-TW"/>
           </a:p>
@@ -2375,7 +2691,7 @@
             <a:fld id="{A4F13599-3095-425B-825A-7A03C2603BDC}" type="slidenum">
               <a:rPr lang="en-US" altLang="zh-TW"/>
               <a:pPr/>
-              <a:t>23</a:t>
+              <a:t>25</a:t>
             </a:fld>
             <a:endParaRPr lang="en-US" altLang="zh-TW"/>
           </a:p>
@@ -2464,7 +2780,7 @@
             <a:fld id="{70A17AD9-0B7F-4B27-9794-F68DB8C1303A}" type="slidenum">
               <a:rPr lang="en-US" altLang="zh-TW"/>
               <a:pPr/>
-              <a:t>24</a:t>
+              <a:t>26</a:t>
             </a:fld>
             <a:endParaRPr lang="en-US" altLang="zh-TW"/>
           </a:p>
@@ -2553,7 +2869,7 @@
             <a:fld id="{043B7F7F-5E6D-4DED-B246-FDACC15B3828}" type="slidenum">
               <a:rPr lang="en-US" altLang="zh-TW"/>
               <a:pPr/>
-              <a:t>25</a:t>
+              <a:t>27</a:t>
             </a:fld>
             <a:endParaRPr lang="en-US" altLang="zh-TW"/>
           </a:p>
@@ -2595,7 +2911,91 @@
               <a:rPr lang="zh-TW" altLang="en-US" dirty="0">
                 <a:latin typeface="Times New Roman" pitchFamily="18" charset="0"/>
               </a:rPr>
-              <a:t>讚</a:t>
+              <a:t>讚  虛線是未來可能需要   實線是</a:t>
+            </a:r>
+            <a:r>
+              <a:rPr lang="en-US" altLang="zh-TW" dirty="0">
+                <a:latin typeface="Times New Roman" pitchFamily="18" charset="0"/>
+              </a:rPr>
+              <a:t>proc</a:t>
+            </a:r>
+            <a:r>
+              <a:rPr lang="zh-TW" altLang="en-US" dirty="0">
+                <a:latin typeface="Times New Roman" pitchFamily="18" charset="0"/>
+              </a:rPr>
+              <a:t>已經提出需求   或</a:t>
+            </a:r>
+            <a:r>
+              <a:rPr lang="en-US" altLang="zh-TW" dirty="0">
+                <a:latin typeface="Times New Roman" pitchFamily="18" charset="0"/>
+              </a:rPr>
+              <a:t>r</a:t>
+            </a:r>
+            <a:r>
+              <a:rPr lang="zh-TW" altLang="en-US" dirty="0">
+                <a:latin typeface="Times New Roman" pitchFamily="18" charset="0"/>
+              </a:rPr>
+              <a:t>已經指派      右邊兩張圖  右一是初始狀態   右二是說如果虛線</a:t>
+            </a:r>
+            <a:r>
+              <a:rPr lang="en-US" altLang="zh-TW" dirty="0">
+                <a:latin typeface="Times New Roman" pitchFamily="18" charset="0"/>
+              </a:rPr>
+              <a:t>P2&gt;R2</a:t>
+            </a:r>
+            <a:r>
+              <a:rPr lang="zh-TW" altLang="en-US" dirty="0">
+                <a:latin typeface="Times New Roman" pitchFamily="18" charset="0"/>
+              </a:rPr>
+              <a:t>還沒事    但是如果真的</a:t>
+            </a:r>
+            <a:r>
+              <a:rPr lang="en-US" altLang="zh-TW" dirty="0">
+                <a:latin typeface="Times New Roman" pitchFamily="18" charset="0"/>
+              </a:rPr>
+              <a:t>R2&gt;P2</a:t>
+            </a:r>
+            <a:r>
+              <a:rPr lang="zh-TW" altLang="en-US" dirty="0">
+                <a:latin typeface="Times New Roman" pitchFamily="18" charset="0"/>
+              </a:rPr>
+              <a:t>那實虛線就形成有方向性</a:t>
+            </a:r>
+            <a:r>
+              <a:rPr lang="en-US" altLang="zh-TW" dirty="0">
+                <a:latin typeface="Times New Roman" pitchFamily="18" charset="0"/>
+              </a:rPr>
+              <a:t>cycle</a:t>
+            </a:r>
+            <a:r>
+              <a:rPr lang="zh-TW" altLang="en-US" dirty="0">
+                <a:latin typeface="Times New Roman" pitchFamily="18" charset="0"/>
+              </a:rPr>
+              <a:t>  就是</a:t>
+            </a:r>
+            <a:r>
+              <a:rPr lang="en-US" altLang="zh-TW" dirty="0">
+                <a:latin typeface="Times New Roman" pitchFamily="18" charset="0"/>
+              </a:rPr>
+              <a:t>unsafe</a:t>
+            </a:r>
+            <a:r>
+              <a:rPr lang="zh-TW" altLang="en-US" dirty="0">
+                <a:latin typeface="Times New Roman" pitchFamily="18" charset="0"/>
+              </a:rPr>
+              <a:t>了    圖一仔細看是沒有</a:t>
+            </a:r>
+            <a:r>
+              <a:rPr lang="en-US" altLang="zh-TW" dirty="0">
+                <a:latin typeface="Times New Roman" pitchFamily="18" charset="0"/>
+              </a:rPr>
+              <a:t>cycle</a:t>
+            </a:r>
+            <a:r>
+              <a:rPr lang="zh-TW" altLang="en-US" dirty="0">
+                <a:latin typeface="Times New Roman" pitchFamily="18" charset="0"/>
+              </a:rPr>
+              <a:t>的</a:t>
             </a:r>
             <a:endParaRPr lang="zh-TW" altLang="zh-TW" dirty="0">
               <a:latin typeface="Times New Roman" pitchFamily="18" charset="0"/>
@@ -2648,7 +3048,7 @@
             <a:fld id="{B2153C0F-1B4C-412E-A26F-D44060362C49}" type="slidenum">
               <a:rPr lang="en-US" altLang="zh-TW"/>
               <a:pPr/>
-              <a:t>26</a:t>
+              <a:t>28</a:t>
             </a:fld>
             <a:endParaRPr lang="en-US" altLang="zh-TW"/>
           </a:p>
@@ -2737,7 +3137,7 @@
             <a:fld id="{3B7516C1-AB2B-4FF1-AB52-04F856E22D8B}" type="slidenum">
               <a:rPr lang="en-US" altLang="zh-TW"/>
               <a:pPr/>
-              <a:t>27</a:t>
+              <a:t>29</a:t>
             </a:fld>
             <a:endParaRPr lang="en-US" altLang="zh-TW"/>
           </a:p>
@@ -2785,7 +3185,13 @@
               <a:rPr lang="zh-TW" altLang="en-US" dirty="0">
                 <a:latin typeface="Times New Roman" pitchFamily="18" charset="0"/>
               </a:rPr>
-              <a:t>好像在演算法看過</a:t>
+              <a:t>好像在演算法看過   </a:t>
+            </a:r>
+            <a:r>
+              <a:rPr lang="en-US" altLang="zh-TW" dirty="0">
+                <a:latin typeface="Times New Roman" pitchFamily="18" charset="0"/>
+              </a:rPr>
+              <a:t>7-5</a:t>
             </a:r>
             <a:endParaRPr lang="zh-TW" altLang="zh-TW" dirty="0">
               <a:latin typeface="Times New Roman" pitchFamily="18" charset="0"/>
@@ -2838,7 +3244,7 @@
             <a:fld id="{EC2642E4-E5E5-45F5-BD23-82BA2C4A6259}" type="slidenum">
               <a:rPr lang="en-US" altLang="zh-TW"/>
               <a:pPr/>
-              <a:t>28</a:t>
+              <a:t>30</a:t>
             </a:fld>
             <a:endParaRPr lang="en-US" altLang="zh-TW"/>
           </a:p>
@@ -2876,7 +3282,91 @@
           <a:bodyPr/>
           <a:lstStyle/>
           <a:p>
-            <a:endParaRPr lang="zh-TW" altLang="zh-TW">
+            <a:r>
+              <a:rPr lang="en-US" altLang="zh-TW" dirty="0">
+                <a:latin typeface="Times New Roman" pitchFamily="18" charset="0"/>
+              </a:rPr>
+              <a:t>Safe State</a:t>
+            </a:r>
+            <a:r>
+              <a:rPr lang="zh-TW" altLang="en-US" dirty="0">
+                <a:latin typeface="Times New Roman" pitchFamily="18" charset="0"/>
+              </a:rPr>
+              <a:t> </a:t>
+            </a:r>
+            <a:r>
+              <a:rPr lang="en-US" altLang="zh-TW" dirty="0">
+                <a:latin typeface="Times New Roman" pitchFamily="18" charset="0"/>
+              </a:rPr>
+              <a:t>:</a:t>
+            </a:r>
+            <a:r>
+              <a:rPr lang="zh-TW" altLang="en-US" dirty="0">
+                <a:latin typeface="Times New Roman" pitchFamily="18" charset="0"/>
+              </a:rPr>
+              <a:t>  現有的</a:t>
+            </a:r>
+            <a:r>
+              <a:rPr lang="en-US" altLang="zh-TW" dirty="0">
+                <a:latin typeface="Times New Roman" pitchFamily="18" charset="0"/>
+              </a:rPr>
+              <a:t>r p</a:t>
+            </a:r>
+            <a:r>
+              <a:rPr lang="zh-TW" altLang="en-US" dirty="0">
+                <a:latin typeface="Times New Roman" pitchFamily="18" charset="0"/>
+              </a:rPr>
+              <a:t>狀態關係  上面四點是只要找到</a:t>
+            </a:r>
+            <a:r>
+              <a:rPr lang="en-US" altLang="zh-TW" dirty="0">
+                <a:latin typeface="Times New Roman" pitchFamily="18" charset="0"/>
+              </a:rPr>
+              <a:t>(</a:t>
+            </a:r>
+            <a:r>
+              <a:rPr lang="zh-TW" altLang="en-US" dirty="0">
+                <a:latin typeface="Times New Roman" pitchFamily="18" charset="0"/>
+              </a:rPr>
+              <a:t>存在</a:t>
+            </a:r>
+            <a:r>
+              <a:rPr lang="en-US" altLang="zh-TW" dirty="0">
+                <a:latin typeface="Times New Roman" pitchFamily="18" charset="0"/>
+              </a:rPr>
+              <a:t>)</a:t>
+            </a:r>
+            <a:r>
+              <a:rPr lang="zh-TW" altLang="en-US" dirty="0">
+                <a:latin typeface="Times New Roman" pitchFamily="18" charset="0"/>
+              </a:rPr>
+              <a:t>一種順序可以讓 </a:t>
+            </a:r>
+            <a:r>
+              <a:rPr lang="en-US" altLang="zh-TW" dirty="0">
+                <a:latin typeface="Times New Roman" pitchFamily="18" charset="0"/>
+              </a:rPr>
+              <a:t>I i+1</a:t>
+            </a:r>
+            <a:r>
+              <a:rPr lang="zh-TW" altLang="en-US" dirty="0">
+                <a:latin typeface="Times New Roman" pitchFamily="18" charset="0"/>
+              </a:rPr>
+              <a:t>  </a:t>
+            </a:r>
+            <a:r>
+              <a:rPr lang="en-US" altLang="zh-TW" dirty="0">
+                <a:latin typeface="Times New Roman" pitchFamily="18" charset="0"/>
+              </a:rPr>
+              <a:t>i+2 ….</a:t>
+            </a:r>
+            <a:r>
+              <a:rPr lang="zh-TW" altLang="en-US" dirty="0">
+                <a:latin typeface="Times New Roman" pitchFamily="18" charset="0"/>
+              </a:rPr>
+              <a:t>  可以依序跑完  </a:t>
+            </a:r>
+            <a:endParaRPr lang="zh-TW" altLang="zh-TW" dirty="0">
               <a:latin typeface="Times New Roman" pitchFamily="18" charset="0"/>
             </a:endParaRPr>
           </a:p>
@@ -2927,7 +3417,7 @@
             <a:fld id="{9B8C3B73-BE5A-400C-B51C-4F16FBDBE34F}" type="slidenum">
               <a:rPr lang="en-US" altLang="zh-TW"/>
               <a:pPr/>
-              <a:t>29</a:t>
+              <a:t>31</a:t>
             </a:fld>
             <a:endParaRPr lang="en-US" altLang="zh-TW"/>
           </a:p>
@@ -2965,7 +3455,43 @@
           <a:bodyPr/>
           <a:lstStyle/>
           <a:p>
-            <a:endParaRPr lang="zh-TW" altLang="zh-TW">
+            <a:r>
+              <a:rPr lang="en-US" altLang="zh-TW" dirty="0">
+                <a:latin typeface="Times New Roman" pitchFamily="18" charset="0"/>
+              </a:rPr>
+              <a:t>Need</a:t>
+            </a:r>
+            <a:r>
+              <a:rPr lang="zh-TW" altLang="en-US" dirty="0">
+                <a:latin typeface="Times New Roman" pitchFamily="18" charset="0"/>
+              </a:rPr>
+              <a:t>是事先設定的需求   </a:t>
+            </a:r>
+            <a:r>
+              <a:rPr lang="en-US" altLang="zh-TW" dirty="0">
+                <a:latin typeface="Times New Roman" pitchFamily="18" charset="0"/>
+              </a:rPr>
+              <a:t>Request</a:t>
+            </a:r>
+            <a:r>
+              <a:rPr lang="zh-TW" altLang="en-US" dirty="0">
+                <a:latin typeface="Times New Roman" pitchFamily="18" charset="0"/>
+              </a:rPr>
+              <a:t>是實際提出的   代上取解釋                就是</a:t>
+            </a:r>
+            <a:r>
+              <a:rPr lang="en-US" altLang="zh-TW" dirty="0">
+                <a:latin typeface="Times New Roman" pitchFamily="18" charset="0"/>
+              </a:rPr>
+              <a:t>Banker </a:t>
+            </a:r>
+            <a:r>
+              <a:rPr lang="en-US" altLang="zh-TW" dirty="0" err="1">
+                <a:latin typeface="Times New Roman" pitchFamily="18" charset="0"/>
+              </a:rPr>
+              <a:t>Algo</a:t>
+            </a:r>
+            <a:endParaRPr lang="zh-TW" altLang="zh-TW" dirty="0">
               <a:latin typeface="Times New Roman" pitchFamily="18" charset="0"/>
             </a:endParaRPr>
           </a:p>
@@ -3105,7 +3631,7 @@
             <a:fld id="{902FA59C-C90E-4275-BB59-394FDADAF10F}" type="slidenum">
               <a:rPr lang="en-US" altLang="zh-TW"/>
               <a:pPr/>
-              <a:t>30</a:t>
+              <a:t>32</a:t>
             </a:fld>
             <a:endParaRPr lang="en-US" altLang="zh-TW"/>
           </a:p>
@@ -3147,7 +3673,37 @@
               <a:rPr lang="zh-TW" altLang="en-US" dirty="0">
                 <a:latin typeface="Times New Roman" pitchFamily="18" charset="0"/>
               </a:rPr>
-              <a:t>用聽的理解好了</a:t>
+              <a:t>用聽的理解好了       簡言之  </a:t>
+            </a:r>
+            <a:r>
+              <a:rPr lang="en-US" altLang="zh-TW" dirty="0">
+                <a:latin typeface="Times New Roman" pitchFamily="18" charset="0"/>
+              </a:rPr>
+              <a:t>Need = Max - </a:t>
+            </a:r>
+            <a:r>
+              <a:rPr lang="en-US" altLang="zh-TW" dirty="0" err="1">
+                <a:latin typeface="Times New Roman" pitchFamily="18" charset="0"/>
+              </a:rPr>
+              <a:t>Alloca</a:t>
+            </a:r>
+            <a:r>
+              <a:rPr lang="en-US" altLang="zh-TW" dirty="0">
+                <a:latin typeface="Times New Roman" pitchFamily="18" charset="0"/>
+              </a:rPr>
+              <a:t>   </a:t>
+            </a:r>
+            <a:r>
+              <a:rPr lang="zh-TW" altLang="en-US" dirty="0">
+                <a:latin typeface="Times New Roman" pitchFamily="18" charset="0"/>
+              </a:rPr>
+              <a:t>下頁就  </a:t>
+            </a:r>
+            <a:r>
+              <a:rPr lang="en-US" altLang="zh-TW" dirty="0">
+                <a:latin typeface="Times New Roman" pitchFamily="18" charset="0"/>
+              </a:rPr>
+              <a:t>Need</a:t>
             </a:r>
             <a:endParaRPr lang="zh-TW" altLang="zh-TW" dirty="0">
               <a:latin typeface="Times New Roman" pitchFamily="18" charset="0"/>
@@ -3200,7 +3756,7 @@
             <a:fld id="{E72D683B-0FB2-4777-8BEA-A997C0652C3D}" type="slidenum">
               <a:rPr lang="en-US" altLang="zh-TW"/>
               <a:pPr/>
-              <a:t>31</a:t>
+              <a:t>33</a:t>
             </a:fld>
             <a:endParaRPr lang="en-US" altLang="zh-TW"/>
           </a:p>
@@ -3242,9 +3798,147 @@
               <a:rPr lang="zh-TW" altLang="en-US" dirty="0">
                 <a:latin typeface="Times New Roman" pitchFamily="18" charset="0"/>
               </a:rPr>
-              <a:t>聽的</a:t>
-            </a:r>
-            <a:endParaRPr lang="zh-TW" altLang="zh-TW" dirty="0">
+              <a:t>聽的    左邊是</a:t>
+            </a:r>
+            <a:r>
+              <a:rPr lang="en-US" altLang="zh-TW" dirty="0">
+                <a:latin typeface="Times New Roman" pitchFamily="18" charset="0"/>
+              </a:rPr>
+              <a:t>Need   </a:t>
+            </a:r>
+            <a:r>
+              <a:rPr lang="zh-TW" altLang="en-US" dirty="0">
+                <a:latin typeface="Times New Roman" pitchFamily="18" charset="0"/>
+              </a:rPr>
+              <a:t>右邊是目前</a:t>
+            </a:r>
+            <a:r>
+              <a:rPr lang="en-US" altLang="zh-TW" dirty="0">
+                <a:latin typeface="Times New Roman" pitchFamily="18" charset="0"/>
+              </a:rPr>
+              <a:t>Available   </a:t>
+            </a:r>
+            <a:r>
+              <a:rPr lang="zh-TW" altLang="en-US" dirty="0">
+                <a:latin typeface="Times New Roman" pitchFamily="18" charset="0"/>
+              </a:rPr>
+              <a:t>左邊的</a:t>
+            </a:r>
+            <a:r>
+              <a:rPr lang="en-US" altLang="zh-TW" dirty="0">
+                <a:latin typeface="Times New Roman" pitchFamily="18" charset="0"/>
+              </a:rPr>
+              <a:t>P1 P3</a:t>
+            </a:r>
+            <a:r>
+              <a:rPr lang="zh-TW" altLang="en-US" dirty="0">
+                <a:latin typeface="Times New Roman" pitchFamily="18" charset="0"/>
+              </a:rPr>
+              <a:t>  還可以</a:t>
+            </a:r>
+            <a:r>
+              <a:rPr lang="en-US" altLang="zh-TW" dirty="0">
+                <a:latin typeface="Times New Roman" pitchFamily="18" charset="0"/>
+              </a:rPr>
+              <a:t>Need &lt; </a:t>
+            </a:r>
+            <a:r>
+              <a:rPr lang="en-US" altLang="zh-TW" dirty="0" err="1">
+                <a:latin typeface="Times New Roman" pitchFamily="18" charset="0"/>
+              </a:rPr>
+              <a:t>Avai</a:t>
+            </a:r>
+            <a:r>
+              <a:rPr lang="en-US" altLang="zh-TW" dirty="0">
+                <a:latin typeface="Times New Roman" pitchFamily="18" charset="0"/>
+              </a:rPr>
+              <a:t>   </a:t>
+            </a:r>
+            <a:r>
+              <a:rPr lang="zh-TW" altLang="en-US" dirty="0">
+                <a:latin typeface="Times New Roman" pitchFamily="18" charset="0"/>
+              </a:rPr>
+              <a:t>假設跑</a:t>
+            </a:r>
+            <a:r>
+              <a:rPr lang="en-US" altLang="zh-TW" dirty="0">
+                <a:latin typeface="Times New Roman" pitchFamily="18" charset="0"/>
+              </a:rPr>
+              <a:t>P1</a:t>
+            </a:r>
+            <a:r>
+              <a:rPr lang="zh-TW" altLang="en-US" dirty="0">
+                <a:latin typeface="Times New Roman" pitchFamily="18" charset="0"/>
+              </a:rPr>
+              <a:t>完成  </a:t>
+            </a:r>
+            <a:r>
+              <a:rPr lang="en-US" altLang="zh-TW" dirty="0">
+                <a:latin typeface="Times New Roman" pitchFamily="18" charset="0"/>
+              </a:rPr>
+              <a:t>res</a:t>
+            </a:r>
+            <a:r>
+              <a:rPr lang="zh-TW" altLang="en-US" dirty="0">
+                <a:latin typeface="Times New Roman" pitchFamily="18" charset="0"/>
+              </a:rPr>
+              <a:t>歸還    會變成</a:t>
+            </a:r>
+            <a:r>
+              <a:rPr lang="en-US" altLang="zh-TW" dirty="0">
+                <a:latin typeface="Times New Roman" pitchFamily="18" charset="0"/>
+              </a:rPr>
+              <a:t>5 3 2 </a:t>
+            </a:r>
+            <a:r>
+              <a:rPr lang="zh-TW" altLang="en-US" dirty="0">
+                <a:latin typeface="Times New Roman" pitchFamily="18" charset="0"/>
+              </a:rPr>
+              <a:t>因為</a:t>
+            </a:r>
+            <a:r>
+              <a:rPr lang="en-US" altLang="zh-TW" dirty="0">
+                <a:latin typeface="Times New Roman" pitchFamily="18" charset="0"/>
+              </a:rPr>
+              <a:t>P1</a:t>
+            </a:r>
+            <a:r>
+              <a:rPr lang="zh-TW" altLang="en-US" dirty="0">
+                <a:latin typeface="Times New Roman" pitchFamily="18" charset="0"/>
+              </a:rPr>
+              <a:t>前面只</a:t>
+            </a:r>
+            <a:r>
+              <a:rPr lang="en-US" altLang="zh-TW" dirty="0" err="1">
+                <a:latin typeface="Times New Roman" pitchFamily="18" charset="0"/>
+              </a:rPr>
+              <a:t>alloc</a:t>
+            </a:r>
+            <a:r>
+              <a:rPr lang="en-US" altLang="zh-TW" dirty="0">
+                <a:latin typeface="Times New Roman" pitchFamily="18" charset="0"/>
+              </a:rPr>
+              <a:t> 2 0 0     532</a:t>
+            </a:r>
+            <a:r>
+              <a:rPr lang="zh-TW" altLang="en-US" dirty="0">
+                <a:latin typeface="Times New Roman" pitchFamily="18" charset="0"/>
+              </a:rPr>
+              <a:t>又可以給</a:t>
+            </a:r>
+            <a:r>
+              <a:rPr lang="en-US" altLang="zh-TW" dirty="0">
+                <a:latin typeface="Times New Roman" pitchFamily="18" charset="0"/>
+              </a:rPr>
+              <a:t>P3</a:t>
+            </a:r>
+            <a:r>
+              <a:rPr lang="zh-TW" altLang="en-US" dirty="0">
+                <a:latin typeface="Times New Roman" pitchFamily="18" charset="0"/>
+              </a:rPr>
+              <a:t>直   這邊是上課假設   下一張又是另一種假設    </a:t>
+            </a:r>
+            <a:endParaRPr lang="en-US" altLang="zh-TW" dirty="0">
               <a:latin typeface="Times New Roman" pitchFamily="18" charset="0"/>
             </a:endParaRPr>
           </a:p>
@@ -3295,7 +3989,7 @@
             <a:fld id="{A36DEB7E-770E-43F9-801A-18660BBBF045}" type="slidenum">
               <a:rPr lang="en-US" altLang="zh-TW"/>
               <a:pPr/>
-              <a:t>32</a:t>
+              <a:t>34</a:t>
             </a:fld>
             <a:endParaRPr lang="en-US" altLang="zh-TW"/>
           </a:p>
@@ -3333,7 +4027,241 @@
           <a:bodyPr/>
           <a:lstStyle/>
           <a:p>
-            <a:endParaRPr lang="zh-TW" altLang="zh-TW">
+            <a:r>
+              <a:rPr lang="zh-TW" altLang="en-US" dirty="0">
+                <a:latin typeface="Times New Roman" pitchFamily="18" charset="0"/>
+              </a:rPr>
+              <a:t>假設</a:t>
+            </a:r>
+            <a:r>
+              <a:rPr lang="en-US" altLang="zh-TW" dirty="0">
+                <a:latin typeface="Times New Roman" pitchFamily="18" charset="0"/>
+              </a:rPr>
+              <a:t>P1</a:t>
+            </a:r>
+            <a:r>
+              <a:rPr lang="zh-TW" altLang="en-US" dirty="0">
+                <a:latin typeface="Times New Roman" pitchFamily="18" charset="0"/>
+              </a:rPr>
+              <a:t>只拿  </a:t>
+            </a:r>
+            <a:r>
+              <a:rPr lang="en-US" altLang="zh-TW" dirty="0">
+                <a:latin typeface="Times New Roman" pitchFamily="18" charset="0"/>
+              </a:rPr>
+              <a:t>1 0 2      </a:t>
+            </a:r>
+            <a:r>
+              <a:rPr lang="zh-TW" altLang="en-US" dirty="0">
+                <a:latin typeface="Times New Roman" pitchFamily="18" charset="0"/>
+              </a:rPr>
+              <a:t>原本</a:t>
+            </a:r>
+            <a:r>
+              <a:rPr lang="en-US" altLang="zh-TW" dirty="0">
+                <a:latin typeface="Times New Roman" pitchFamily="18" charset="0"/>
+              </a:rPr>
+              <a:t>Avail 3 3 2</a:t>
+            </a:r>
+            <a:r>
+              <a:rPr lang="zh-TW" altLang="en-US" dirty="0">
+                <a:latin typeface="Times New Roman" pitchFamily="18" charset="0"/>
+              </a:rPr>
+              <a:t> 減完  就變     </a:t>
+            </a:r>
+            <a:r>
+              <a:rPr lang="en-US" altLang="zh-TW" dirty="0">
+                <a:latin typeface="Times New Roman" pitchFamily="18" charset="0"/>
+              </a:rPr>
+              <a:t>2 3 0     </a:t>
+            </a:r>
+            <a:r>
+              <a:rPr lang="en-US" altLang="zh-TW" dirty="0" err="1">
+                <a:latin typeface="Times New Roman" pitchFamily="18" charset="0"/>
+              </a:rPr>
+              <a:t>Alloc</a:t>
+            </a:r>
+            <a:r>
+              <a:rPr lang="zh-TW" altLang="en-US" dirty="0">
+                <a:latin typeface="Times New Roman" pitchFamily="18" charset="0"/>
+              </a:rPr>
+              <a:t>加上原本的 </a:t>
+            </a:r>
+            <a:r>
+              <a:rPr lang="en-US" altLang="zh-TW" dirty="0">
+                <a:latin typeface="Times New Roman" pitchFamily="18" charset="0"/>
+              </a:rPr>
+              <a:t>2 0 0</a:t>
+            </a:r>
+            <a:r>
+              <a:rPr lang="zh-TW" altLang="en-US" dirty="0">
+                <a:latin typeface="Times New Roman" pitchFamily="18" charset="0"/>
+              </a:rPr>
+              <a:t>變 </a:t>
+            </a:r>
+            <a:r>
+              <a:rPr lang="en-US" altLang="zh-TW" dirty="0">
+                <a:latin typeface="Times New Roman" pitchFamily="18" charset="0"/>
+              </a:rPr>
+              <a:t>3 0 2    need </a:t>
+            </a:r>
+            <a:r>
+              <a:rPr lang="zh-TW" altLang="en-US" dirty="0">
+                <a:latin typeface="Times New Roman" pitchFamily="18" charset="0"/>
+              </a:rPr>
+              <a:t>變 </a:t>
+            </a:r>
+            <a:r>
+              <a:rPr lang="en-US" altLang="zh-TW" dirty="0">
+                <a:latin typeface="Times New Roman" pitchFamily="18" charset="0"/>
+              </a:rPr>
+              <a:t>Max 3 2 2 – 3 0 2 = 0 2 0   </a:t>
+            </a:r>
+            <a:r>
+              <a:rPr lang="zh-TW" altLang="en-US" dirty="0">
+                <a:latin typeface="Times New Roman" pitchFamily="18" charset="0"/>
+              </a:rPr>
+              <a:t>  這樣子算是</a:t>
+            </a:r>
+            <a:r>
+              <a:rPr lang="en-US" altLang="zh-TW" dirty="0">
+                <a:latin typeface="Times New Roman" pitchFamily="18" charset="0"/>
+              </a:rPr>
+              <a:t>safe </a:t>
+            </a:r>
+            <a:r>
+              <a:rPr lang="zh-TW" altLang="en-US" dirty="0">
+                <a:latin typeface="Times New Roman" pitchFamily="18" charset="0"/>
+              </a:rPr>
+              <a:t>因為資源可以讓</a:t>
+            </a:r>
+            <a:r>
+              <a:rPr lang="en-US" altLang="zh-TW" dirty="0">
+                <a:latin typeface="Times New Roman" pitchFamily="18" charset="0"/>
+              </a:rPr>
+              <a:t>p1</a:t>
+            </a:r>
+            <a:r>
+              <a:rPr lang="zh-TW" altLang="en-US" dirty="0">
+                <a:latin typeface="Times New Roman" pitchFamily="18" charset="0"/>
+              </a:rPr>
+              <a:t>執行完畢  資源就會還回來       </a:t>
+            </a:r>
+            <a:r>
+              <a:rPr lang="en-US" altLang="zh-TW" dirty="0">
+                <a:latin typeface="Times New Roman" pitchFamily="18" charset="0"/>
+              </a:rPr>
+              <a:t>Q1 P4 max 433 </a:t>
+            </a:r>
+            <a:r>
+              <a:rPr lang="en-US" altLang="zh-TW" dirty="0" err="1">
+                <a:latin typeface="Times New Roman" pitchFamily="18" charset="0"/>
+              </a:rPr>
+              <a:t>allox</a:t>
+            </a:r>
+            <a:r>
+              <a:rPr lang="en-US" altLang="zh-TW" dirty="0">
+                <a:latin typeface="Times New Roman" pitchFamily="18" charset="0"/>
+              </a:rPr>
+              <a:t> 002  need 431  </a:t>
+            </a:r>
+            <a:r>
+              <a:rPr lang="zh-TW" altLang="en-US" dirty="0">
+                <a:latin typeface="Times New Roman" pitchFamily="18" charset="0"/>
+              </a:rPr>
+              <a:t>假設又給他</a:t>
+            </a:r>
+            <a:r>
+              <a:rPr lang="en-US" altLang="zh-TW" dirty="0">
+                <a:latin typeface="Times New Roman" pitchFamily="18" charset="0"/>
+              </a:rPr>
+              <a:t>330  </a:t>
+            </a:r>
+            <a:r>
+              <a:rPr lang="en-US" altLang="zh-TW" dirty="0" err="1">
+                <a:latin typeface="Times New Roman" pitchFamily="18" charset="0"/>
+              </a:rPr>
+              <a:t>avai</a:t>
+            </a:r>
+            <a:r>
+              <a:rPr lang="zh-TW" altLang="en-US" dirty="0">
+                <a:latin typeface="Times New Roman" pitchFamily="18" charset="0"/>
+              </a:rPr>
+              <a:t> 原本</a:t>
+            </a:r>
+            <a:r>
+              <a:rPr lang="en-US" altLang="zh-TW" dirty="0">
+                <a:latin typeface="Times New Roman" pitchFamily="18" charset="0"/>
+              </a:rPr>
+              <a:t>332</a:t>
+            </a:r>
+            <a:r>
+              <a:rPr lang="zh-TW" altLang="en-US" dirty="0">
+                <a:latin typeface="Times New Roman" pitchFamily="18" charset="0"/>
+              </a:rPr>
+              <a:t>變   </a:t>
+            </a:r>
+            <a:r>
+              <a:rPr lang="en-US" altLang="zh-TW" dirty="0">
+                <a:latin typeface="Times New Roman" pitchFamily="18" charset="0"/>
+              </a:rPr>
+              <a:t>002    </a:t>
+            </a:r>
+            <a:r>
+              <a:rPr lang="zh-TW" altLang="en-US" dirty="0">
+                <a:latin typeface="Times New Roman" pitchFamily="18" charset="0"/>
+              </a:rPr>
+              <a:t>師是說這</a:t>
+            </a:r>
+            <a:r>
+              <a:rPr lang="en-US" altLang="zh-TW" dirty="0">
+                <a:latin typeface="Times New Roman" pitchFamily="18" charset="0"/>
+              </a:rPr>
+              <a:t>002</a:t>
+            </a:r>
+            <a:r>
+              <a:rPr lang="zh-TW" altLang="en-US" dirty="0">
+                <a:latin typeface="Times New Roman" pitchFamily="18" charset="0"/>
+              </a:rPr>
+              <a:t>就沒辦法滿足任何其他</a:t>
+            </a:r>
+            <a:r>
+              <a:rPr lang="en-US" altLang="zh-TW" dirty="0">
+                <a:latin typeface="Times New Roman" pitchFamily="18" charset="0"/>
+              </a:rPr>
+              <a:t>proc</a:t>
+            </a:r>
+            <a:r>
+              <a:rPr lang="zh-TW" altLang="en-US" dirty="0">
+                <a:latin typeface="Times New Roman" pitchFamily="18" charset="0"/>
+              </a:rPr>
+              <a:t>的需求   所以不是</a:t>
+            </a:r>
+            <a:r>
+              <a:rPr lang="en-US" altLang="zh-TW" dirty="0">
+                <a:latin typeface="Times New Roman" pitchFamily="18" charset="0"/>
+              </a:rPr>
+              <a:t>safe state  </a:t>
+            </a:r>
+            <a:r>
+              <a:rPr lang="zh-TW" altLang="en-US" dirty="0">
+                <a:latin typeface="Times New Roman" pitchFamily="18" charset="0"/>
+              </a:rPr>
+              <a:t>所以會拒絕       但是我看前面 </a:t>
+            </a:r>
+            <a:r>
+              <a:rPr lang="en-US" altLang="zh-TW" dirty="0">
+                <a:latin typeface="Times New Roman" pitchFamily="18" charset="0"/>
+              </a:rPr>
+              <a:t>safe state</a:t>
+            </a:r>
+            <a:r>
+              <a:rPr lang="zh-TW" altLang="en-US">
+                <a:latin typeface="Times New Roman" pitchFamily="18" charset="0"/>
+              </a:rPr>
+              <a:t>  描述是  滿足當前  當前跑完  資源還回   跑下一個   不用超前考慮一個     所以對這個說法存疑    之後補習遇到再看看</a:t>
+            </a:r>
+            <a:endParaRPr lang="zh-TW" altLang="zh-TW" dirty="0">
               <a:latin typeface="Times New Roman" pitchFamily="18" charset="0"/>
             </a:endParaRPr>
           </a:p>
@@ -3384,7 +4312,7 @@
             <a:fld id="{3C6FF893-1224-43B1-8CB8-E65C66AC9F70}" type="slidenum">
               <a:rPr lang="en-US" altLang="zh-TW"/>
               <a:pPr/>
-              <a:t>33</a:t>
+              <a:t>35</a:t>
             </a:fld>
             <a:endParaRPr lang="en-US" altLang="zh-TW"/>
           </a:p>
@@ -3473,7 +4401,7 @@
             <a:fld id="{19F56452-25C1-486F-B105-12613929C37C}" type="slidenum">
               <a:rPr lang="en-US" altLang="zh-TW"/>
               <a:pPr/>
-              <a:t>34</a:t>
+              <a:t>36</a:t>
             </a:fld>
             <a:endParaRPr lang="en-US" altLang="zh-TW"/>
           </a:p>
@@ -3562,7 +4490,7 @@
             <a:fld id="{206A3BFB-C0DD-4ECA-B7E9-EAEF3D1046B3}" type="slidenum">
               <a:rPr lang="en-US" altLang="zh-TW"/>
               <a:pPr/>
-              <a:t>35</a:t>
+              <a:t>37</a:t>
             </a:fld>
             <a:endParaRPr lang="en-US" altLang="zh-TW"/>
           </a:p>
@@ -3657,7 +4585,7 @@
             <a:fld id="{4A081E8B-C73A-438B-92F6-B2F1DED1D5C9}" type="slidenum">
               <a:rPr lang="en-US" altLang="zh-TW"/>
               <a:pPr/>
-              <a:t>36</a:t>
+              <a:t>38</a:t>
             </a:fld>
             <a:endParaRPr lang="en-US" altLang="zh-TW"/>
           </a:p>
@@ -3752,7 +4680,7 @@
             <a:fld id="{0F38DD9A-ACA1-403B-AC41-BF155930028D}" type="slidenum">
               <a:rPr lang="en-US" altLang="zh-TW"/>
               <a:pPr/>
-              <a:t>37</a:t>
+              <a:t>39</a:t>
             </a:fld>
             <a:endParaRPr lang="en-US" altLang="zh-TW"/>
           </a:p>
@@ -3847,7 +4775,7 @@
             <a:fld id="{3EC587A1-8838-4DDE-970B-6D705290D645}" type="slidenum">
               <a:rPr lang="en-US" altLang="zh-TW"/>
               <a:pPr/>
-              <a:t>38</a:t>
+              <a:t>40</a:t>
             </a:fld>
             <a:endParaRPr lang="en-US" altLang="zh-TW"/>
           </a:p>
@@ -3942,7 +4870,7 @@
             <a:fld id="{28FEFDCE-4B26-45DC-8CC4-E820602A1955}" type="slidenum">
               <a:rPr lang="en-US" altLang="zh-TW"/>
               <a:pPr/>
-              <a:t>39</a:t>
+              <a:t>41</a:t>
             </a:fld>
             <a:endParaRPr lang="en-US" altLang="zh-TW"/>
           </a:p>
@@ -4120,7 +5048,7 @@
             <a:fld id="{F5315327-5154-42C3-A5A2-D868B28C4913}" type="slidenum">
               <a:rPr lang="en-US" altLang="zh-TW"/>
               <a:pPr/>
-              <a:t>40</a:t>
+              <a:t>42</a:t>
             </a:fld>
             <a:endParaRPr lang="en-US" altLang="zh-TW"/>
           </a:p>
@@ -4209,7 +5137,7 @@
             <a:fld id="{AAD62BEE-E96A-4835-B744-313A552C27A5}" type="slidenum">
               <a:rPr lang="en-US" altLang="zh-TW"/>
               <a:pPr/>
-              <a:t>41</a:t>
+              <a:t>43</a:t>
             </a:fld>
             <a:endParaRPr lang="en-US" altLang="zh-TW"/>
           </a:p>
@@ -4298,7 +5226,7 @@
             <a:fld id="{FE6204D1-2587-4AAE-8EA4-4B6DA20CA56F}" type="slidenum">
               <a:rPr lang="en-US" altLang="zh-TW"/>
               <a:pPr/>
-              <a:t>42</a:t>
+              <a:t>44</a:t>
             </a:fld>
             <a:endParaRPr lang="en-US" altLang="zh-TW"/>
           </a:p>
@@ -4387,7 +5315,7 @@
             <a:fld id="{9BAB0BC0-E250-4333-BF9D-256417796C69}" type="slidenum">
               <a:rPr lang="en-US" altLang="zh-TW"/>
               <a:pPr/>
-              <a:t>43</a:t>
+              <a:t>45</a:t>
             </a:fld>
             <a:endParaRPr lang="en-US" altLang="zh-TW"/>
           </a:p>
@@ -4476,7 +5404,7 @@
             <a:fld id="{85868C29-7A44-4EF1-9C85-B7D600F844EA}" type="slidenum">
               <a:rPr lang="en-US" altLang="zh-TW"/>
               <a:pPr/>
-              <a:t>44</a:t>
+              <a:t>46</a:t>
             </a:fld>
             <a:endParaRPr lang="en-US" altLang="zh-TW"/>
           </a:p>
@@ -4791,7 +5719,7 @@
               <a:rPr lang="zh-TW" altLang="en-US" dirty="0">
                 <a:latin typeface="Times New Roman" pitchFamily="18" charset="0"/>
               </a:rPr>
-              <a:t>這四種情況分布在各個地方都說過了</a:t>
+              <a:t>這四種情況分布在各個地方都說過了    四個要同時成立</a:t>
             </a:r>
             <a:endParaRPr lang="zh-TW" altLang="zh-TW" dirty="0">
               <a:latin typeface="Times New Roman" pitchFamily="18" charset="0"/>
@@ -7910,16 +8838,52 @@
               <a:rPr lang="en-US" altLang="zh-TW" sz="2800" dirty="0">
                 <a:sym typeface="Symbol" pitchFamily="18" charset="2"/>
               </a:rPr>
-              <a:t>if only one instance per resource type, then deadlock</a:t>
-            </a:r>
-          </a:p>
-          <a:p>
-            <a:pPr lvl="1"/>
+              <a:t>if only one instance per resource type(</a:t>
+            </a:r>
+            <a:r>
+              <a:rPr lang="zh-TW" altLang="en-US" sz="2800" dirty="0">
+                <a:sym typeface="Symbol" pitchFamily="18" charset="2"/>
+              </a:rPr>
+              <a:t>黑點都只有一個</a:t>
+            </a:r>
             <a:r>
               <a:rPr lang="en-US" altLang="zh-TW" sz="2800" dirty="0">
                 <a:sym typeface="Symbol" pitchFamily="18" charset="2"/>
               </a:rPr>
-              <a:t>if several instances per resource type, possibility of deadlock</a:t>
+              <a:t>), then </a:t>
+            </a:r>
+            <a:r>
+              <a:rPr lang="zh-TW" altLang="en-US" sz="2800" dirty="0">
+                <a:sym typeface="Symbol" pitchFamily="18" charset="2"/>
+              </a:rPr>
+              <a:t>一定</a:t>
+            </a:r>
+            <a:r>
+              <a:rPr lang="en-US" altLang="zh-TW" sz="2800" dirty="0">
+                <a:sym typeface="Symbol" pitchFamily="18" charset="2"/>
+              </a:rPr>
+              <a:t>deadlock</a:t>
+            </a:r>
+          </a:p>
+          <a:p>
+            <a:pPr lvl="1"/>
+            <a:r>
+              <a:rPr lang="en-US" altLang="zh-TW" sz="2800" dirty="0">
+                <a:sym typeface="Symbol" pitchFamily="18" charset="2"/>
+              </a:rPr>
+              <a:t>if several instances per resource type, possibility of </a:t>
+            </a:r>
+            <a:r>
+              <a:rPr lang="zh-TW" altLang="en-US" sz="2800" dirty="0">
+                <a:sym typeface="Symbol" pitchFamily="18" charset="2"/>
+              </a:rPr>
+              <a:t>可能不一定</a:t>
+            </a:r>
+            <a:r>
+              <a:rPr lang="en-US" altLang="zh-TW" sz="2800" dirty="0">
+                <a:sym typeface="Symbol" pitchFamily="18" charset="2"/>
+              </a:rPr>
+              <a:t>deadlock</a:t>
             </a:r>
           </a:p>
         </p:txBody>
@@ -8267,8 +9231,21 @@
           <a:p>
             <a:r>
               <a:rPr lang="en-US" altLang="zh-TW" sz="2800" dirty="0"/>
-              <a:t>Ignore the problem and pretend that deadlocks never occur in the system; used by most operating systems, including UNIX</a:t>
-            </a:r>
+              <a:t>Ignore the problem and pretend that deadlocks never occur in the system; used by most operating systems, including UNIX  </a:t>
+            </a:r>
+            <a:r>
+              <a:rPr lang="zh-TW" altLang="en-US" sz="2800" dirty="0"/>
+              <a:t>使用者發現不動當機了會自己把</a:t>
+            </a:r>
+            <a:r>
+              <a:rPr lang="en-US" altLang="zh-TW" sz="2800" dirty="0" err="1"/>
+              <a:t>deLo</a:t>
+            </a:r>
+            <a:r>
+              <a:rPr lang="zh-TW" altLang="en-US" sz="2800" dirty="0"/>
+              <a:t>砍了</a:t>
+            </a:r>
+            <a:endParaRPr lang="en-US" altLang="zh-TW" sz="2800" dirty="0"/>
           </a:p>
         </p:txBody>
       </p:sp>
@@ -8515,6 +9492,86 @@
       </p:grpSpPr>
       <p:sp>
         <p:nvSpPr>
+          <p:cNvPr id="2" name="Title 1">
+            <a:extLst>
+              <a:ext uri="{FF2B5EF4-FFF2-40B4-BE49-F238E27FC236}">
+                <a16:creationId xmlns:a16="http://schemas.microsoft.com/office/drawing/2014/main" id="{BF417BF0-44B5-41A8-9B36-F10F568E61D8}"/>
+              </a:ext>
+            </a:extLst>
+          </p:cNvPr>
+          <p:cNvSpPr>
+            <a:spLocks noGrp="1"/>
+          </p:cNvSpPr>
+          <p:nvPr>
+            <p:ph type="title"/>
+          </p:nvPr>
+        </p:nvSpPr>
+        <p:spPr/>
+        <p:txBody>
+          <a:bodyPr/>
+          <a:lstStyle/>
+          <a:p>
+            <a:endParaRPr lang="en-US"/>
+          </a:p>
+        </p:txBody>
+      </p:sp>
+      <p:sp>
+        <p:nvSpPr>
+          <p:cNvPr id="3" name="Content Placeholder 2">
+            <a:extLst>
+              <a:ext uri="{FF2B5EF4-FFF2-40B4-BE49-F238E27FC236}">
+                <a16:creationId xmlns:a16="http://schemas.microsoft.com/office/drawing/2014/main" id="{FD467E55-7FB8-4B4B-AC91-F67FE16478FD}"/>
+              </a:ext>
+            </a:extLst>
+          </p:cNvPr>
+          <p:cNvSpPr>
+            <a:spLocks noGrp="1"/>
+          </p:cNvSpPr>
+          <p:nvPr>
+            <p:ph idx="1"/>
+          </p:nvPr>
+        </p:nvSpPr>
+        <p:spPr/>
+        <p:txBody>
+          <a:bodyPr/>
+          <a:lstStyle/>
+          <a:p>
+            <a:endParaRPr lang="en-US"/>
+          </a:p>
+        </p:txBody>
+      </p:sp>
+    </p:spTree>
+    <p:extLst>
+      <p:ext uri="{BB962C8B-B14F-4D97-AF65-F5344CB8AC3E}">
+        <p14:creationId xmlns:p14="http://schemas.microsoft.com/office/powerpoint/2010/main" val="616386462"/>
+      </p:ext>
+    </p:extLst>
+  </p:cSld>
+  <p:clrMapOvr>
+    <a:masterClrMapping/>
+  </p:clrMapOvr>
+</p:sld>
+</file>
+
+<file path=ppt/slides/slide16.xml><?xml version="1.0" encoding="utf-8"?>
+<p:sld xmlns:a="http://schemas.openxmlformats.org/drawingml/2006/main" xmlns:r="http://schemas.openxmlformats.org/officeDocument/2006/relationships" xmlns:p="http://schemas.openxmlformats.org/presentationml/2006/main">
+  <p:cSld>
+    <p:spTree>
+      <p:nvGrpSpPr>
+        <p:cNvPr id="1" name=""/>
+        <p:cNvGrpSpPr/>
+        <p:nvPr/>
+      </p:nvGrpSpPr>
+      <p:grpSpPr>
+        <a:xfrm>
+          <a:off x="0" y="0"/>
+          <a:ext cx="0" cy="0"/>
+          <a:chOff x="0" y="0"/>
+          <a:chExt cx="0" cy="0"/>
+        </a:xfrm>
+      </p:grpSpPr>
+      <p:sp>
+        <p:nvSpPr>
           <p:cNvPr id="17410" name="Rectangle 1026"/>
           <p:cNvSpPr>
             <a:spLocks noGrp="1" noChangeArrowheads="1"/>
@@ -8530,9 +9587,14 @@
           <a:p>
             <a:pPr eaLnBrk="1" hangingPunct="1"/>
             <a:r>
-              <a:rPr lang="en-US" altLang="zh-TW"/>
+              <a:rPr lang="en-US" altLang="zh-TW" dirty="0"/>
               <a:t>Deadlock Prevention</a:t>
             </a:r>
+            <a:r>
+              <a:rPr lang="zh-TW" altLang="en-US" dirty="0"/>
+              <a:t>保守</a:t>
+            </a:r>
+            <a:endParaRPr lang="en-US" altLang="zh-TW" dirty="0"/>
           </a:p>
         </p:txBody>
       </p:sp>
@@ -8584,6 +9646,11 @@
               <a:rPr lang="en-US" altLang="zh-TW" sz="2400" dirty="0"/>
               <a:t> resources</a:t>
             </a:r>
+            <a:r>
+              <a:rPr lang="zh-TW" altLang="en-US" sz="2400" dirty="0"/>
+              <a:t> 沒辦法改變跳過</a:t>
+            </a:r>
+            <a:endParaRPr lang="en-US" altLang="zh-TW" sz="2400" dirty="0"/>
           </a:p>
           <a:p>
             <a:r>
@@ -8611,7 +9678,7 @@
             <a:pPr lvl="1"/>
             <a:r>
               <a:rPr lang="en-US" altLang="zh-TW" sz="2400" dirty="0"/>
-              <a:t>Require process to request and be allocated all its resources before it begins execution, </a:t>
+              <a:t>Require process to request and be allocated </a:t>
             </a:r>
             <a:r>
               <a:rPr lang="en-US" altLang="zh-TW" sz="2400" dirty="0">
@@ -8619,6 +9686,18 @@
                   <a:srgbClr val="FF0000"/>
                 </a:solidFill>
               </a:rPr>
+              <a:t>all</a:t>
+            </a:r>
+            <a:r>
+              <a:rPr lang="en-US" altLang="zh-TW" sz="2400" dirty="0"/>
+              <a:t> its resources before it begins execution, </a:t>
+            </a:r>
+            <a:r>
+              <a:rPr lang="en-US" altLang="zh-TW" sz="2400" dirty="0">
+                <a:solidFill>
+                  <a:srgbClr val="FF0000"/>
+                </a:solidFill>
+              </a:rPr>
               <a:t>or allow process to request resources only when the process has none</a:t>
             </a:r>
           </a:p>
@@ -8628,6 +9707,22 @@
               <a:rPr lang="en-US" altLang="zh-TW" sz="2400" dirty="0"/>
               <a:t>Low resource utilization; starvation possible</a:t>
             </a:r>
+          </a:p>
+          <a:p>
+            <a:pPr lvl="1"/>
+            <a:r>
+              <a:rPr lang="zh-TW" altLang="en-US" dirty="0"/>
+              <a:t>一次拿全部所以後面用到的</a:t>
+            </a:r>
+            <a:r>
+              <a:rPr lang="en-US" altLang="zh-TW" dirty="0"/>
+              <a:t>resource</a:t>
+            </a:r>
+            <a:r>
+              <a:rPr lang="zh-TW" altLang="en-US" dirty="0"/>
+              <a:t>例如印表機也會先拿起來   所以效率比較差</a:t>
+            </a:r>
+            <a:endParaRPr lang="en-US" altLang="zh-TW" sz="2400" dirty="0"/>
           </a:p>
         </p:txBody>
       </p:sp>
@@ -8938,6 +10033,49 @@
                                   </p:childTnLst>
                                 </p:cTn>
                               </p:par>
+                              <p:par>
+                                <p:cTn id="23" presetID="22" presetClass="entr" presetSubtype="8" fill="hold" grpId="0" nodeType="withEffect">
+                                  <p:stCondLst>
+                                    <p:cond delay="0"/>
+                                  </p:stCondLst>
+                                  <p:childTnLst>
+                                    <p:set>
+                                      <p:cBhvr>
+                                        <p:cTn id="24" dur="1" fill="hold">
+                                          <p:stCondLst>
+                                            <p:cond delay="0"/>
+                                          </p:stCondLst>
+                                        </p:cTn>
+                                        <p:tgtEl>
+                                          <p:spTgt spid="17411">
+                                            <p:txEl>
+                                              <p:pRg st="4" end="4"/>
+                                            </p:txEl>
+                                          </p:spTgt>
+                                        </p:tgtEl>
+                                        <p:attrNameLst>
+                                          <p:attrName>style.visibility</p:attrName>
+                                        </p:attrNameLst>
+                                      </p:cBhvr>
+                                      <p:to>
+                                        <p:strVal val="visible"/>
+                                      </p:to>
+                                    </p:set>
+                                    <p:animEffect transition="in" filter="wipe(left)">
+                                      <p:cBhvr>
+                                        <p:cTn id="25" dur="1000"/>
+                                        <p:tgtEl>
+                                          <p:spTgt spid="17411">
+                                            <p:txEl>
+                                              <p:pRg st="4" end="4"/>
+                                            </p:txEl>
+                                          </p:spTgt>
+                                        </p:tgtEl>
+                                      </p:cBhvr>
+                                    </p:animEffect>
+                                  </p:childTnLst>
+                                </p:cTn>
+                              </p:par>
                             </p:childTnLst>
                           </p:cTn>
                         </p:par>
@@ -8972,7 +10110,7 @@
 </p:sld>
 </file>
 
-<file path=ppt/slides/slide16.xml><?xml version="1.0" encoding="utf-8"?>
+<file path=ppt/slides/slide17.xml><?xml version="1.0" encoding="utf-8"?>
 <p:sld xmlns:a="http://schemas.openxmlformats.org/drawingml/2006/main" xmlns:r="http://schemas.openxmlformats.org/officeDocument/2006/relationships" xmlns:p="http://schemas.openxmlformats.org/presentationml/2006/main">
   <p:cSld>
     <p:spTree>
@@ -9057,8 +10195,13 @@
             <a:pPr lvl="1"/>
             <a:r>
               <a:rPr lang="en-US" altLang="zh-TW" sz="2400" dirty="0"/>
-              <a:t>If a process that is holding some resources requests another resource that cannot be immediately allocated to it, then all resources currently being held are released</a:t>
-            </a:r>
+              <a:t>If a process that is holding some resources requests another resource that cannot be immediately allocated to it, then all resources currently being held are released    </a:t>
+            </a:r>
+            <a:r>
+              <a:rPr lang="zh-TW" altLang="en-US" sz="2400" dirty="0"/>
+              <a:t>沒辦法搶自己需要但在別人手中資源就手上資源全部釋放</a:t>
+            </a:r>
+            <a:endParaRPr lang="en-US" altLang="zh-TW" sz="2400" dirty="0"/>
           </a:p>
           <a:p>
             <a:pPr lvl="1"/>
@@ -9071,7 +10214,15 @@
             <a:pPr lvl="1"/>
             <a:r>
               <a:rPr lang="en-US" altLang="zh-TW" sz="2400" dirty="0"/>
-              <a:t>Process will be restarted only when it can regain its old resources, as well as the new ones that it is requesting</a:t>
+              <a:t>Process will be restarted only when it can regain its old resources</a:t>
+            </a:r>
+            <a:r>
+              <a:rPr lang="zh-TW" altLang="en-US" sz="2400" dirty="0"/>
+              <a:t> </a:t>
+            </a:r>
+            <a:r>
+              <a:rPr lang="en-US" altLang="zh-TW" sz="2400" dirty="0"/>
+              <a:t>, as well as the new ones that it is requesting</a:t>
             </a:r>
           </a:p>
           <a:p>
@@ -9107,10 +10258,6 @@
               <a:rPr lang="en-US" altLang="zh-TW" sz="2400" dirty="0"/>
               <a:t>, and require that each process requests resources in an increasing order of enumeration</a:t>
             </a:r>
-          </a:p>
-          <a:p>
-            <a:pPr lvl="1"/>
-            <a:endParaRPr lang="en-US" altLang="zh-TW" sz="2400" dirty="0"/>
           </a:p>
         </p:txBody>
       </p:sp>
@@ -9406,7 +10553,7 @@
 </p:sld>
 </file>
 
-<file path=ppt/slides/slide17.xml><?xml version="1.0" encoding="utf-8"?>
+<file path=ppt/slides/slide18.xml><?xml version="1.0" encoding="utf-8"?>
 <p:sld xmlns:a="http://schemas.openxmlformats.org/drawingml/2006/main" xmlns:r="http://schemas.openxmlformats.org/officeDocument/2006/relationships" xmlns:p="http://schemas.openxmlformats.org/presentationml/2006/main">
   <p:cSld>
     <p:spTree>
@@ -9440,7 +10587,7 @@
           <a:p>
             <a:pPr eaLnBrk="1" hangingPunct="1"/>
             <a:r>
-              <a:rPr lang="en-US" altLang="zh-TW"/>
+              <a:rPr lang="en-US" altLang="zh-TW" dirty="0"/>
               <a:t>Deadlock Avoidance</a:t>
             </a:r>
           </a:p>
@@ -9490,6 +10637,11 @@
               <a:rPr lang="en-US" altLang="zh-TW" sz="2800" dirty="0"/>
               <a:t>of resources of each type that it may need</a:t>
             </a:r>
+            <a:r>
+              <a:rPr lang="zh-TW" altLang="en-US" sz="2800" dirty="0"/>
+              <a:t>預先說好需要多少量</a:t>
+            </a:r>
+            <a:endParaRPr lang="en-US" altLang="zh-TW" sz="2800" dirty="0"/>
           </a:p>
           <a:p>
             <a:r>
@@ -9585,7 +10737,7 @@
                 </a:solidFill>
                 <a:latin typeface="Candara" pitchFamily="34" charset="0"/>
               </a:rPr>
-              <a:t>a priori </a:t>
+              <a:t>a priority </a:t>
             </a:r>
             <a:r>
               <a:rPr lang="en-US" altLang="zh-TW" sz="2800" b="1" dirty="0">
@@ -9820,7 +10972,7 @@
 </p:sld>
 </file>
 
-<file path=ppt/slides/slide18.xml><?xml version="1.0" encoding="utf-8"?>
+<file path=ppt/slides/slide19.xml><?xml version="1.0" encoding="utf-8"?>
 <p:sld xmlns:a="http://schemas.openxmlformats.org/drawingml/2006/main" xmlns:r="http://schemas.openxmlformats.org/officeDocument/2006/relationships" xmlns:p="http://schemas.openxmlformats.org/presentationml/2006/main">
   <p:cSld>
     <p:spTree>
@@ -10255,7 +11407,231 @@
 </p:sld>
 </file>
 
-<file path=ppt/slides/slide19.xml><?xml version="1.0" encoding="utf-8"?>
+<file path=ppt/slides/slide2.xml><?xml version="1.0" encoding="utf-8"?>
+<p:sld xmlns:a="http://schemas.openxmlformats.org/drawingml/2006/main" xmlns:r="http://schemas.openxmlformats.org/officeDocument/2006/relationships" xmlns:p="http://schemas.openxmlformats.org/presentationml/2006/main">
+  <p:cSld>
+    <p:spTree>
+      <p:nvGrpSpPr>
+        <p:cNvPr id="1" name=""/>
+        <p:cNvGrpSpPr/>
+        <p:nvPr/>
+      </p:nvGrpSpPr>
+      <p:grpSpPr>
+        <a:xfrm>
+          <a:off x="0" y="0"/>
+          <a:ext cx="0" cy="0"/>
+          <a:chOff x="0" y="0"/>
+          <a:chExt cx="0" cy="0"/>
+        </a:xfrm>
+      </p:grpSpPr>
+      <p:sp>
+        <p:nvSpPr>
+          <p:cNvPr id="4098" name="Rectangle 2"/>
+          <p:cNvSpPr>
+            <a:spLocks noGrp="1" noChangeArrowheads="1"/>
+          </p:cNvSpPr>
+          <p:nvPr>
+            <p:ph type="title"/>
+          </p:nvPr>
+        </p:nvSpPr>
+        <p:spPr/>
+        <p:txBody>
+          <a:bodyPr/>
+          <a:lstStyle/>
+          <a:p>
+            <a:pPr eaLnBrk="1" hangingPunct="1"/>
+            <a:r>
+              <a:rPr lang="en-US" altLang="zh-TW"/>
+              <a:t>Chapter 7:  Deadlocks</a:t>
+            </a:r>
+          </a:p>
+        </p:txBody>
+      </p:sp>
+      <p:sp>
+        <p:nvSpPr>
+          <p:cNvPr id="4099" name="Rectangle 3"/>
+          <p:cNvSpPr>
+            <a:spLocks noGrp="1" noChangeArrowheads="1"/>
+          </p:cNvSpPr>
+          <p:nvPr>
+            <p:ph type="body" idx="1"/>
+          </p:nvPr>
+        </p:nvSpPr>
+        <p:spPr>
+          <a:xfrm>
+            <a:off x="806450" y="1233488"/>
+            <a:ext cx="9932434" cy="4530725"/>
+          </a:xfrm>
+        </p:spPr>
+        <p:txBody>
+          <a:bodyPr/>
+          <a:lstStyle/>
+          <a:p>
+            <a:pPr>
+              <a:buSzPct val="85000"/>
+            </a:pPr>
+            <a:r>
+              <a:rPr lang="en-US" altLang="zh-TW" sz="2800" dirty="0"/>
+              <a:t>The Deadlock Problem</a:t>
+            </a:r>
+          </a:p>
+          <a:p>
+            <a:pPr>
+              <a:buSzPct val="85000"/>
+            </a:pPr>
+            <a:r>
+              <a:rPr lang="en-US" altLang="zh-TW" sz="2800" dirty="0"/>
+              <a:t>System Model</a:t>
+            </a:r>
+          </a:p>
+          <a:p>
+            <a:pPr>
+              <a:buSzPct val="85000"/>
+            </a:pPr>
+            <a:r>
+              <a:rPr lang="en-US" altLang="zh-TW" sz="2800" dirty="0"/>
+              <a:t>Deadlock Characterization</a:t>
+            </a:r>
+          </a:p>
+          <a:p>
+            <a:pPr>
+              <a:buSzPct val="85000"/>
+            </a:pPr>
+            <a:r>
+              <a:rPr lang="en-US" altLang="zh-TW" sz="2800" dirty="0"/>
+              <a:t>Methods for Handling Deadlocks</a:t>
+            </a:r>
+          </a:p>
+          <a:p>
+            <a:r>
+              <a:rPr lang="en-US" altLang="zh-TW" sz="2800" dirty="0"/>
+              <a:t>Deadlock </a:t>
+            </a:r>
+            <a:r>
+              <a:rPr lang="en-US" altLang="zh-TW" sz="2800" dirty="0">
+                <a:solidFill>
+                  <a:srgbClr val="FF0000"/>
+                </a:solidFill>
+              </a:rPr>
+              <a:t>Prevention</a:t>
+            </a:r>
+            <a:r>
+              <a:rPr lang="zh-TW" altLang="en-US" sz="2800" dirty="0">
+                <a:solidFill>
+                  <a:srgbClr val="FF0000"/>
+                </a:solidFill>
+              </a:rPr>
+              <a:t>  比較消極  一開始設計就預防  程式資源使用比較沒效率 </a:t>
+            </a:r>
+            <a:endParaRPr lang="en-US" altLang="zh-TW" sz="2800" dirty="0">
+              <a:solidFill>
+                <a:srgbClr val="FF0000"/>
+              </a:solidFill>
+            </a:endParaRPr>
+          </a:p>
+          <a:p>
+            <a:pPr>
+              <a:buSzPct val="85000"/>
+            </a:pPr>
+            <a:r>
+              <a:rPr lang="en-US" altLang="zh-TW" sz="2800" dirty="0"/>
+              <a:t>Deadlock </a:t>
+            </a:r>
+            <a:r>
+              <a:rPr lang="en-US" altLang="zh-TW" sz="2800" dirty="0">
+                <a:solidFill>
+                  <a:srgbClr val="FF0000"/>
+                </a:solidFill>
+              </a:rPr>
+              <a:t>Avoidance</a:t>
+            </a:r>
+            <a:r>
+              <a:rPr lang="zh-TW" altLang="en-US" sz="2800" dirty="0">
+                <a:solidFill>
+                  <a:srgbClr val="FF0000"/>
+                </a:solidFill>
+              </a:rPr>
+              <a:t>  程式資源分配比較積極  盡量最大化</a:t>
+            </a:r>
+            <a:endParaRPr lang="en-US" altLang="zh-TW" sz="2800" dirty="0">
+              <a:solidFill>
+                <a:srgbClr val="FF0000"/>
+              </a:solidFill>
+            </a:endParaRPr>
+          </a:p>
+          <a:p>
+            <a:pPr>
+              <a:buSzPct val="85000"/>
+            </a:pPr>
+            <a:r>
+              <a:rPr lang="en-US" altLang="zh-TW" sz="2800" dirty="0"/>
+              <a:t>Deadlock </a:t>
+            </a:r>
+            <a:r>
+              <a:rPr lang="en-US" altLang="zh-TW" sz="2800" dirty="0">
+                <a:solidFill>
+                  <a:srgbClr val="FF0000"/>
+                </a:solidFill>
+              </a:rPr>
+              <a:t>Detection</a:t>
+            </a:r>
+            <a:r>
+              <a:rPr lang="zh-TW" altLang="en-US" sz="2800" dirty="0">
+                <a:solidFill>
+                  <a:srgbClr val="FF0000"/>
+                </a:solidFill>
+              </a:rPr>
+              <a:t>   讓它發生  再偵測 再復原</a:t>
+            </a:r>
+            <a:r>
+              <a:rPr lang="en-US" altLang="zh-TW" sz="2800" dirty="0"/>
+              <a:t> </a:t>
+            </a:r>
+          </a:p>
+          <a:p>
+            <a:pPr>
+              <a:buSzPct val="85000"/>
+            </a:pPr>
+            <a:r>
+              <a:rPr lang="en-US" altLang="zh-TW" sz="2800" dirty="0"/>
+              <a:t>Recovery from Deadlock </a:t>
+            </a:r>
+            <a:r>
+              <a:rPr lang="zh-TW" altLang="en-US" sz="2800" dirty="0"/>
+              <a:t> </a:t>
+            </a:r>
+            <a:r>
+              <a:rPr lang="en-US" altLang="zh-TW" sz="2800" dirty="0"/>
+              <a:t>ex</a:t>
+            </a:r>
+            <a:r>
+              <a:rPr lang="zh-TW" altLang="en-US" sz="2800" dirty="0"/>
+              <a:t>停止其中幾個</a:t>
+            </a:r>
+            <a:r>
+              <a:rPr lang="en-US" altLang="zh-TW" sz="2800" dirty="0"/>
+              <a:t>proc   </a:t>
+            </a:r>
+            <a:r>
+              <a:rPr lang="zh-TW" altLang="en-US" sz="2800" dirty="0"/>
+              <a:t>或是收回某些資源可以解掉</a:t>
+            </a:r>
+            <a:r>
+              <a:rPr lang="en-US" altLang="zh-TW" sz="2800" dirty="0"/>
+              <a:t> </a:t>
+            </a:r>
+          </a:p>
+        </p:txBody>
+      </p:sp>
+    </p:spTree>
+  </p:cSld>
+  <p:clrMapOvr>
+    <a:masterClrMapping/>
+  </p:clrMapOvr>
+</p:sld>
+</file>
+
+<file path=ppt/slides/slide20.xml><?xml version="1.0" encoding="utf-8"?>
 <p:sld xmlns:a="http://schemas.openxmlformats.org/drawingml/2006/main" xmlns:r="http://schemas.openxmlformats.org/officeDocument/2006/relationships" xmlns:p="http://schemas.openxmlformats.org/presentationml/2006/main">
   <p:cSld>
     <p:spTree>
@@ -10720,168 +12096,7 @@
 </p:sld>
 </file>
 
-<file path=ppt/slides/slide2.xml><?xml version="1.0" encoding="utf-8"?>
-<p:sld xmlns:a="http://schemas.openxmlformats.org/drawingml/2006/main" xmlns:r="http://schemas.openxmlformats.org/officeDocument/2006/relationships" xmlns:p="http://schemas.openxmlformats.org/presentationml/2006/main">
-  <p:cSld>
-    <p:spTree>
-      <p:nvGrpSpPr>
-        <p:cNvPr id="1" name=""/>
-        <p:cNvGrpSpPr/>
-        <p:nvPr/>
-      </p:nvGrpSpPr>
-      <p:grpSpPr>
-        <a:xfrm>
-          <a:off x="0" y="0"/>
-          <a:ext cx="0" cy="0"/>
-          <a:chOff x="0" y="0"/>
-          <a:chExt cx="0" cy="0"/>
-        </a:xfrm>
-      </p:grpSpPr>
-      <p:sp>
-        <p:nvSpPr>
-          <p:cNvPr id="4098" name="Rectangle 2"/>
-          <p:cNvSpPr>
-            <a:spLocks noGrp="1" noChangeArrowheads="1"/>
-          </p:cNvSpPr>
-          <p:nvPr>
-            <p:ph type="title"/>
-          </p:nvPr>
-        </p:nvSpPr>
-        <p:spPr/>
-        <p:txBody>
-          <a:bodyPr/>
-          <a:lstStyle/>
-          <a:p>
-            <a:pPr eaLnBrk="1" hangingPunct="1"/>
-            <a:r>
-              <a:rPr lang="en-US" altLang="zh-TW"/>
-              <a:t>Chapter 7:  Deadlocks</a:t>
-            </a:r>
-          </a:p>
-        </p:txBody>
-      </p:sp>
-      <p:sp>
-        <p:nvSpPr>
-          <p:cNvPr id="4099" name="Rectangle 3"/>
-          <p:cNvSpPr>
-            <a:spLocks noGrp="1" noChangeArrowheads="1"/>
-          </p:cNvSpPr>
-          <p:nvPr>
-            <p:ph type="body" idx="1"/>
-          </p:nvPr>
-        </p:nvSpPr>
-        <p:spPr/>
-        <p:txBody>
-          <a:bodyPr/>
-          <a:lstStyle/>
-          <a:p>
-            <a:pPr>
-              <a:buSzPct val="85000"/>
-            </a:pPr>
-            <a:r>
-              <a:rPr lang="en-US" altLang="zh-TW" sz="2800" dirty="0"/>
-              <a:t>The Deadlock Problem</a:t>
-            </a:r>
-          </a:p>
-          <a:p>
-            <a:pPr>
-              <a:buSzPct val="85000"/>
-            </a:pPr>
-            <a:r>
-              <a:rPr lang="en-US" altLang="zh-TW" sz="2800" dirty="0"/>
-              <a:t>System Model</a:t>
-            </a:r>
-          </a:p>
-          <a:p>
-            <a:pPr>
-              <a:buSzPct val="85000"/>
-            </a:pPr>
-            <a:r>
-              <a:rPr lang="en-US" altLang="zh-TW" sz="2800" dirty="0"/>
-              <a:t>Deadlock Characterization</a:t>
-            </a:r>
-          </a:p>
-          <a:p>
-            <a:pPr>
-              <a:buSzPct val="85000"/>
-            </a:pPr>
-            <a:r>
-              <a:rPr lang="en-US" altLang="zh-TW" sz="2800" dirty="0"/>
-              <a:t>Methods for Handling Deadlocks</a:t>
-            </a:r>
-          </a:p>
-          <a:p>
-            <a:r>
-              <a:rPr lang="en-US" altLang="zh-TW" sz="2800" dirty="0"/>
-              <a:t>Deadlock </a:t>
-            </a:r>
-            <a:r>
-              <a:rPr lang="en-US" altLang="zh-TW" sz="2800" dirty="0">
-                <a:solidFill>
-                  <a:srgbClr val="FF0000"/>
-                </a:solidFill>
-              </a:rPr>
-              <a:t>Prevention</a:t>
-            </a:r>
-          </a:p>
-          <a:p>
-            <a:pPr>
-              <a:buSzPct val="85000"/>
-            </a:pPr>
-            <a:r>
-              <a:rPr lang="en-US" altLang="zh-TW" sz="2800" dirty="0"/>
-              <a:t>Deadlock </a:t>
-            </a:r>
-            <a:r>
-              <a:rPr lang="en-US" altLang="zh-TW" sz="2800" dirty="0">
-                <a:solidFill>
-                  <a:srgbClr val="FF0000"/>
-                </a:solidFill>
-              </a:rPr>
-              <a:t>Avoidance</a:t>
-            </a:r>
-          </a:p>
-          <a:p>
-            <a:pPr>
-              <a:buSzPct val="85000"/>
-            </a:pPr>
-            <a:r>
-              <a:rPr lang="en-US" altLang="zh-TW" sz="2800" dirty="0"/>
-              <a:t>Deadlock </a:t>
-            </a:r>
-            <a:r>
-              <a:rPr lang="en-US" altLang="zh-TW" sz="2800" dirty="0">
-                <a:solidFill>
-                  <a:srgbClr val="FF0000"/>
-                </a:solidFill>
-              </a:rPr>
-              <a:t>Detection</a:t>
-            </a:r>
-            <a:r>
-              <a:rPr lang="en-US" altLang="zh-TW" sz="2800" dirty="0"/>
-              <a:t> </a:t>
-            </a:r>
-          </a:p>
-          <a:p>
-            <a:pPr>
-              <a:buSzPct val="85000"/>
-            </a:pPr>
-            <a:r>
-              <a:rPr lang="en-US" altLang="zh-TW" sz="2800" dirty="0"/>
-              <a:t>Recovery from Deadlock </a:t>
-            </a:r>
-          </a:p>
-        </p:txBody>
-      </p:sp>
-    </p:spTree>
-  </p:cSld>
-  <p:clrMapOvr>
-    <a:masterClrMapping/>
-  </p:clrMapOvr>
-</p:sld>
-</file>
-
-<file path=ppt/slides/slide20.xml><?xml version="1.0" encoding="utf-8"?>
+<file path=ppt/slides/slide21.xml><?xml version="1.0" encoding="utf-8"?>
 <p:sld xmlns:a="http://schemas.openxmlformats.org/drawingml/2006/main" xmlns:r="http://schemas.openxmlformats.org/officeDocument/2006/relationships" xmlns:p="http://schemas.openxmlformats.org/presentationml/2006/main">
   <p:cSld>
     <p:spTree>
@@ -11267,7 +12482,7 @@
 </p:sld>
 </file>
 
-<file path=ppt/slides/slide21.xml><?xml version="1.0" encoding="utf-8"?>
+<file path=ppt/slides/slide22.xml><?xml version="1.0" encoding="utf-8"?>
 <p:sld xmlns:a="http://schemas.openxmlformats.org/drawingml/2006/main" xmlns:r="http://schemas.openxmlformats.org/officeDocument/2006/relationships" xmlns:p="http://schemas.openxmlformats.org/presentationml/2006/main">
   <p:cSld>
     <p:spTree>
@@ -11619,7 +12834,7 @@
 </p:sld>
 </file>
 
-<file path=ppt/slides/slide22.xml><?xml version="1.0" encoding="utf-8"?>
+<file path=ppt/slides/slide23.xml><?xml version="1.0" encoding="utf-8"?>
 <p:sld xmlns:a="http://schemas.openxmlformats.org/drawingml/2006/main" xmlns:r="http://schemas.openxmlformats.org/officeDocument/2006/relationships" xmlns:p="http://schemas.openxmlformats.org/presentationml/2006/main">
   <p:cSld>
     <p:spTree>
@@ -11690,7 +12905,23 @@
                   <a:srgbClr val="FF0000"/>
                 </a:solidFill>
               </a:rPr>
-              <a:t>Claim edge </a:t>
+              <a:t>Claim </a:t>
+            </a:r>
+            <a:r>
+              <a:rPr lang="zh-TW" altLang="en-US" sz="2400" b="1" dirty="0">
+                <a:solidFill>
+                  <a:srgbClr val="FF0000"/>
+                </a:solidFill>
+              </a:rPr>
+              <a:t>宣稱將來需要 還沒真的提出來 </a:t>
+            </a:r>
+            <a:r>
+              <a:rPr lang="en-US" altLang="zh-TW" sz="2400" b="1" dirty="0">
+                <a:solidFill>
+                  <a:srgbClr val="FF0000"/>
+                </a:solidFill>
+              </a:rPr>
+              <a:t>edge </a:t>
             </a:r>
             <a:r>
               <a:rPr lang="en-US" altLang="zh-TW" sz="2400" i="1" dirty="0"/>
@@ -12206,7 +13437,209 @@
 </p:sld>
 </file>
 
-<file path=ppt/slides/slide23.xml><?xml version="1.0" encoding="utf-8"?>
+<file path=ppt/slides/slide24.xml><?xml version="1.0" encoding="utf-8"?>
+<p:sld xmlns:a="http://schemas.openxmlformats.org/drawingml/2006/main" xmlns:r="http://schemas.openxmlformats.org/officeDocument/2006/relationships" xmlns:p="http://schemas.openxmlformats.org/presentationml/2006/main">
+  <p:cSld>
+    <p:spTree>
+      <p:nvGrpSpPr>
+        <p:cNvPr id="1" name=""/>
+        <p:cNvGrpSpPr/>
+        <p:nvPr/>
+      </p:nvGrpSpPr>
+      <p:grpSpPr>
+        <a:xfrm>
+          <a:off x="0" y="0"/>
+          <a:ext cx="0" cy="0"/>
+          <a:chOff x="0" y="0"/>
+          <a:chExt cx="0" cy="0"/>
+        </a:xfrm>
+      </p:grpSpPr>
+      <p:sp>
+        <p:nvSpPr>
+          <p:cNvPr id="2" name="Title 1">
+            <a:extLst>
+              <a:ext uri="{FF2B5EF4-FFF2-40B4-BE49-F238E27FC236}">
+                <a16:creationId xmlns:a16="http://schemas.microsoft.com/office/drawing/2014/main" id="{DC710632-20DC-4435-B909-E234E59F935D}"/>
+              </a:ext>
+            </a:extLst>
+          </p:cNvPr>
+          <p:cNvSpPr>
+            <a:spLocks noGrp="1"/>
+          </p:cNvSpPr>
+          <p:nvPr>
+            <p:ph type="title"/>
+          </p:nvPr>
+        </p:nvSpPr>
+        <p:spPr/>
+        <p:txBody>
+          <a:bodyPr/>
+          <a:lstStyle/>
+          <a:p>
+            <a:r>
+              <a:rPr lang="en-US" dirty="0"/>
+              <a:t>a priori</a:t>
+            </a:r>
+          </a:p>
+        </p:txBody>
+      </p:sp>
+      <p:sp>
+        <p:nvSpPr>
+          <p:cNvPr id="3" name="Content Placeholder 2">
+            <a:extLst>
+              <a:ext uri="{FF2B5EF4-FFF2-40B4-BE49-F238E27FC236}">
+                <a16:creationId xmlns:a16="http://schemas.microsoft.com/office/drawing/2014/main" id="{05838D05-C1B8-4B06-BD67-6719806CF47D}"/>
+              </a:ext>
+            </a:extLst>
+          </p:cNvPr>
+          <p:cNvSpPr>
+            <a:spLocks noGrp="1"/>
+          </p:cNvSpPr>
+          <p:nvPr>
+            <p:ph idx="1"/>
+          </p:nvPr>
+        </p:nvSpPr>
+        <p:spPr/>
+        <p:txBody>
+          <a:bodyPr/>
+          <a:lstStyle/>
+          <a:p>
+            <a:r>
+              <a:rPr lang="zh-TW" altLang="en-US" b="0" dirty="0"/>
+              <a:t>如何在研究假設中使用</a:t>
+            </a:r>
+            <a:r>
+              <a:rPr lang="en-US" altLang="zh-TW" b="0" dirty="0"/>
+              <a:t>a priori</a:t>
+            </a:r>
+            <a:r>
+              <a:rPr lang="zh-TW" altLang="en-US" b="0" dirty="0"/>
+              <a:t>、</a:t>
+            </a:r>
+            <a:r>
+              <a:rPr lang="en-US" altLang="zh-TW" b="0" dirty="0"/>
+              <a:t>a posteriori</a:t>
+            </a:r>
+            <a:r>
+              <a:rPr lang="zh-TW" altLang="en-US" b="0" dirty="0"/>
+              <a:t>、</a:t>
+            </a:r>
+            <a:r>
+              <a:rPr lang="en-US" altLang="zh-TW" b="0" dirty="0"/>
+              <a:t>ex ante</a:t>
+            </a:r>
+            <a:r>
+              <a:rPr lang="zh-TW" altLang="en-US" b="0" dirty="0"/>
+              <a:t>、</a:t>
+            </a:r>
+            <a:r>
+              <a:rPr lang="en-US" altLang="zh-TW" b="0" dirty="0"/>
+              <a:t>ex post</a:t>
+            </a:r>
+            <a:r>
+              <a:rPr lang="zh-TW" altLang="en-US" b="0" dirty="0"/>
+              <a:t>等 </a:t>
+            </a:r>
+            <a:r>
+              <a:rPr lang="en-US" altLang="zh-TW" b="0" dirty="0"/>
+              <a:t>...www.editing.tw › blog › progress › grammar-usage</a:t>
+            </a:r>
+          </a:p>
+          <a:p>
+            <a:r>
+              <a:rPr lang="en-US" altLang="zh-TW" b="0" dirty="0"/>
+              <a:t>2017</a:t>
+            </a:r>
+            <a:r>
+              <a:rPr lang="zh-TW" altLang="en-US" b="0" dirty="0"/>
+              <a:t>年</a:t>
+            </a:r>
+            <a:r>
+              <a:rPr lang="en-US" altLang="zh-TW" b="0" dirty="0"/>
+              <a:t>3</a:t>
+            </a:r>
+            <a:r>
+              <a:rPr lang="zh-TW" altLang="en-US" b="0" dirty="0"/>
+              <a:t>月</a:t>
+            </a:r>
+            <a:r>
+              <a:rPr lang="en-US" altLang="zh-TW" b="0" dirty="0"/>
+              <a:t>9</a:t>
+            </a:r>
+            <a:r>
+              <a:rPr lang="zh-TW" altLang="en-US" b="0" dirty="0"/>
+              <a:t>日 </a:t>
+            </a:r>
+            <a:r>
+              <a:rPr lang="en-US" altLang="zh-TW" b="0" dirty="0"/>
+              <a:t>- </a:t>
+            </a:r>
+            <a:r>
+              <a:rPr lang="zh-TW" altLang="en-US" b="0" dirty="0"/>
+              <a:t>回答： 多數人認為</a:t>
+            </a:r>
+            <a:r>
+              <a:rPr lang="en-US" altLang="zh-TW" b="0" dirty="0"/>
+              <a:t>a priori</a:t>
+            </a:r>
+            <a:r>
+              <a:rPr lang="zh-TW" altLang="en-US" b="0" dirty="0"/>
+              <a:t>意指「在試驗之前」，然而，事實並非如此。 </a:t>
+            </a:r>
+            <a:r>
+              <a:rPr lang="en-US" altLang="zh-TW" b="0" dirty="0"/>
+              <a:t>a priori</a:t>
+            </a:r>
+            <a:r>
+              <a:rPr lang="zh-TW" altLang="en-US" b="0" dirty="0"/>
+              <a:t>指的是「獨立於 </a:t>
+            </a:r>
+            <a:r>
+              <a:rPr lang="en-US" altLang="zh-TW" b="0" dirty="0"/>
+              <a:t>...</a:t>
+            </a:r>
+          </a:p>
+          <a:p>
+            <a:endParaRPr lang="en-US" altLang="zh-TW" b="0" dirty="0"/>
+          </a:p>
+          <a:p>
+            <a:r>
+              <a:rPr lang="zh-TW" altLang="en-US" b="0" dirty="0"/>
+              <a:t>先驗在拉丁文中指「來自先前的東西」，或引申為「有經驗之前」。近代西方傳統中，認為先驗指無需經驗或先於經驗獲得的知識。它通常與後驗知識相比較，後驗指的是「有經驗之後」，即</a:t>
+            </a:r>
+            <a:r>
+              <a:rPr lang="en-US" altLang="zh-TW" b="0" dirty="0"/>
+              <a:t>"</a:t>
+            </a:r>
+            <a:r>
+              <a:rPr lang="zh-TW" altLang="en-US" b="0" dirty="0"/>
+              <a:t>需要經驗</a:t>
+            </a:r>
+            <a:r>
+              <a:rPr lang="en-US" altLang="zh-TW" b="0" dirty="0"/>
+              <a:t>"</a:t>
+            </a:r>
+            <a:r>
+              <a:rPr lang="zh-TW" altLang="en-US" b="0" dirty="0"/>
+              <a:t>。這一區分來自於中世紀邏輯所區分的兩種論證，從原因到結果的論證稱為「先驗的」，而從結果到原因的論證稱為「後驗的」。 </a:t>
+            </a:r>
+            <a:endParaRPr lang="en-US" dirty="0"/>
+          </a:p>
+        </p:txBody>
+      </p:sp>
+    </p:spTree>
+    <p:extLst>
+      <p:ext uri="{BB962C8B-B14F-4D97-AF65-F5344CB8AC3E}">
+        <p14:creationId xmlns:p14="http://schemas.microsoft.com/office/powerpoint/2010/main" val="280330100"/>
+      </p:ext>
+    </p:extLst>
+  </p:cSld>
+  <p:clrMapOvr>
+    <a:masterClrMapping/>
+  </p:clrMapOvr>
+</p:sld>
+</file>
+
+<file path=ppt/slides/slide25.xml><?xml version="1.0" encoding="utf-8"?>
 <p:sld xmlns:a="http://schemas.openxmlformats.org/drawingml/2006/main" xmlns:r="http://schemas.openxmlformats.org/officeDocument/2006/relationships" xmlns:p="http://schemas.openxmlformats.org/presentationml/2006/main">
   <p:cSld>
     <p:spTree>
@@ -12495,7 +13928,7 @@
 </p:sld>
 </file>
 
-<file path=ppt/slides/slide24.xml><?xml version="1.0" encoding="utf-8"?>
+<file path=ppt/slides/slide26.xml><?xml version="1.0" encoding="utf-8"?>
 <p:sld xmlns:a="http://schemas.openxmlformats.org/drawingml/2006/main" xmlns:r="http://schemas.openxmlformats.org/officeDocument/2006/relationships" xmlns:p="http://schemas.openxmlformats.org/presentationml/2006/main">
   <p:cSld>
     <p:spTree>
@@ -12692,7 +14125,7 @@
 </p:sld>
 </file>
 
-<file path=ppt/slides/slide25.xml><?xml version="1.0" encoding="utf-8"?>
+<file path=ppt/slides/slide27.xml><?xml version="1.0" encoding="utf-8"?>
 <p:sld xmlns:a="http://schemas.openxmlformats.org/drawingml/2006/main" xmlns:r="http://schemas.openxmlformats.org/officeDocument/2006/relationships" xmlns:p="http://schemas.openxmlformats.org/presentationml/2006/main">
   <p:cSld>
     <p:spTree>
@@ -13576,7 +15009,7 @@
 </p:sld>
 </file>
 
-<file path=ppt/slides/slide26.xml><?xml version="1.0" encoding="utf-8"?>
+<file path=ppt/slides/slide28.xml><?xml version="1.0" encoding="utf-8"?>
 <p:sld xmlns:a="http://schemas.openxmlformats.org/drawingml/2006/main" xmlns:r="http://schemas.openxmlformats.org/officeDocument/2006/relationships" xmlns:p="http://schemas.openxmlformats.org/presentationml/2006/main">
   <p:cSld>
     <p:spTree>
@@ -13640,6 +15073,39 @@
               <a:rPr lang="en-US" altLang="zh-TW" sz="2800" dirty="0"/>
               <a:t>Multiple instances</a:t>
             </a:r>
+            <a:r>
+              <a:rPr lang="zh-TW" altLang="en-US" sz="2800" dirty="0"/>
+              <a:t>  前面的</a:t>
+            </a:r>
+            <a:r>
+              <a:rPr lang="en-US" altLang="zh-TW" sz="2800" dirty="0"/>
+              <a:t>cycle</a:t>
+            </a:r>
+            <a:r>
+              <a:rPr lang="zh-TW" altLang="en-US" sz="2800" dirty="0"/>
+              <a:t>判斷是單</a:t>
+            </a:r>
+            <a:r>
+              <a:rPr lang="en-US" altLang="zh-TW" sz="2800" dirty="0"/>
+              <a:t>instance</a:t>
+            </a:r>
+            <a:r>
+              <a:rPr lang="zh-TW" altLang="en-US" sz="2800" dirty="0"/>
+              <a:t>的  如果</a:t>
+            </a:r>
+            <a:r>
+              <a:rPr lang="en-US" altLang="zh-TW" sz="2800" dirty="0"/>
+              <a:t>multi</a:t>
+            </a:r>
+            <a:r>
+              <a:rPr lang="zh-TW" altLang="en-US" sz="2800" dirty="0"/>
+              <a:t>就算有迴圈也不一定會</a:t>
+            </a:r>
+            <a:r>
+              <a:rPr lang="en-US" altLang="zh-TW" sz="2800" dirty="0" err="1"/>
+              <a:t>deaLo</a:t>
+            </a:r>
+            <a:endParaRPr lang="en-US" altLang="zh-TW" sz="2800" dirty="0"/>
           </a:p>
           <a:p>
             <a:r>
@@ -13658,6 +15124,19 @@
               <a:rPr lang="en-US" altLang="zh-TW" sz="2800" dirty="0"/>
               <a:t>claim maximum use</a:t>
             </a:r>
+            <a:r>
+              <a:rPr lang="zh-TW" altLang="en-US" sz="2800" dirty="0"/>
+              <a:t>執行之前先提出每個</a:t>
+            </a:r>
+            <a:r>
+              <a:rPr lang="en-US" altLang="zh-TW" sz="2800" dirty="0"/>
+              <a:t>resource</a:t>
+            </a:r>
+            <a:r>
+              <a:rPr lang="zh-TW" altLang="en-US" sz="2800" dirty="0"/>
+              <a:t>最多會用到幾個</a:t>
+            </a:r>
+            <a:endParaRPr lang="en-US" altLang="zh-TW" sz="2800" dirty="0"/>
           </a:p>
           <a:p>
             <a:r>
@@ -13958,7 +15437,7 @@
 </p:sld>
 </file>
 
-<file path=ppt/slides/slide27.xml><?xml version="1.0" encoding="utf-8"?>
+<file path=ppt/slides/slide29.xml><?xml version="1.0" encoding="utf-8"?>
 <p:sld xmlns:a="http://schemas.openxmlformats.org/drawingml/2006/main" xmlns:r="http://schemas.openxmlformats.org/officeDocument/2006/relationships" xmlns:p="http://schemas.openxmlformats.org/presentationml/2006/main">
   <p:cSld>
     <p:spTree>
@@ -14015,7 +15494,7 @@
         </p:nvSpPr>
         <p:spPr>
           <a:xfrm>
-            <a:off x="704850" y="2139950"/>
+            <a:off x="407138" y="1124287"/>
             <a:ext cx="7916863" cy="3822700"/>
           </a:xfrm>
         </p:spPr>
@@ -14029,7 +15508,39 @@
                   <a:srgbClr val="FF0000"/>
                 </a:solidFill>
               </a:rPr>
-              <a:t>Available</a:t>
+              <a:t>Available(</a:t>
+            </a:r>
+            <a:r>
+              <a:rPr lang="zh-TW" altLang="en-US" sz="2400" b="1" dirty="0">
+                <a:solidFill>
+                  <a:srgbClr val="FF0000"/>
+                </a:solidFill>
+              </a:rPr>
+              <a:t>可用的</a:t>
+            </a:r>
+            <a:r>
+              <a:rPr lang="en-US" altLang="zh-TW" sz="2400" b="1" dirty="0">
+                <a:solidFill>
+                  <a:srgbClr val="FF0000"/>
+                </a:solidFill>
+              </a:rPr>
+              <a:t>res</a:t>
+            </a:r>
+            <a:r>
+              <a:rPr lang="zh-TW" altLang="en-US" sz="2400" b="1" dirty="0">
+                <a:solidFill>
+                  <a:srgbClr val="FF0000"/>
+                </a:solidFill>
+              </a:rPr>
+              <a:t>剩幾個</a:t>
+            </a:r>
+            <a:r>
+              <a:rPr lang="en-US" altLang="zh-TW" sz="2400" b="1" dirty="0">
+                <a:solidFill>
+                  <a:srgbClr val="FF0000"/>
+                </a:solidFill>
+              </a:rPr>
+              <a:t>)</a:t>
             </a:r>
             <a:r>
               <a:rPr lang="en-US" altLang="zh-TW" sz="2400" i="1" dirty="0">
@@ -14099,7 +15610,23 @@
                   <a:srgbClr val="FF0000"/>
                 </a:solidFill>
               </a:rPr>
-              <a:t>Max</a:t>
+              <a:t>Max(res</a:t>
+            </a:r>
+            <a:r>
+              <a:rPr lang="zh-TW" altLang="en-US" sz="2400" b="1" dirty="0">
+                <a:solidFill>
+                  <a:srgbClr val="FF0000"/>
+                </a:solidFill>
+              </a:rPr>
+              <a:t>需求最多是幾個</a:t>
+            </a:r>
+            <a:r>
+              <a:rPr lang="en-US" altLang="zh-TW" sz="2400" b="1" dirty="0">
+                <a:solidFill>
+                  <a:srgbClr val="FF0000"/>
+                </a:solidFill>
+              </a:rPr>
+              <a:t>)</a:t>
             </a:r>
             <a:r>
               <a:rPr lang="en-US" altLang="zh-TW" sz="2400" i="1" dirty="0">
@@ -14182,7 +15709,39 @@
                   <a:srgbClr val="FF0000"/>
                 </a:solidFill>
               </a:rPr>
-              <a:t>Allocation</a:t>
+              <a:t>Allocation(</a:t>
+            </a:r>
+            <a:r>
+              <a:rPr lang="zh-TW" altLang="en-US" sz="2400" b="1" dirty="0">
+                <a:solidFill>
+                  <a:srgbClr val="FF0000"/>
+                </a:solidFill>
+              </a:rPr>
+              <a:t>已經給每個</a:t>
+            </a:r>
+            <a:r>
+              <a:rPr lang="en-US" altLang="zh-TW" sz="2400" b="1" dirty="0">
+                <a:solidFill>
+                  <a:srgbClr val="FF0000"/>
+                </a:solidFill>
+              </a:rPr>
+              <a:t>proc</a:t>
+            </a:r>
+            <a:r>
+              <a:rPr lang="zh-TW" altLang="en-US" sz="2400" b="1" dirty="0">
+                <a:solidFill>
+                  <a:srgbClr val="FF0000"/>
+                </a:solidFill>
+              </a:rPr>
+              <a:t>多少個</a:t>
+            </a:r>
+            <a:r>
+              <a:rPr lang="en-US" altLang="zh-TW" sz="2400" b="1" dirty="0">
+                <a:solidFill>
+                  <a:srgbClr val="FF0000"/>
+                </a:solidFill>
+              </a:rPr>
+              <a:t>res)</a:t>
             </a:r>
             <a:r>
               <a:rPr lang="en-US" altLang="zh-TW" sz="2400" i="1" dirty="0">
@@ -14261,7 +15820,23 @@
                   <a:srgbClr val="FF0000"/>
                 </a:solidFill>
               </a:rPr>
-              <a:t>Need</a:t>
+              <a:t>Need(proc</a:t>
+            </a:r>
+            <a:r>
+              <a:rPr lang="zh-TW" altLang="en-US" sz="2400" b="1" dirty="0">
+                <a:solidFill>
+                  <a:srgbClr val="FF0000"/>
+                </a:solidFill>
+              </a:rPr>
+              <a:t>還需要多少個</a:t>
+            </a:r>
+            <a:r>
+              <a:rPr lang="en-US" altLang="zh-TW" sz="2400" b="1" dirty="0">
+                <a:solidFill>
+                  <a:srgbClr val="FF0000"/>
+                </a:solidFill>
+              </a:rPr>
+              <a:t>)</a:t>
             </a:r>
             <a:r>
               <a:rPr lang="en-US" altLang="zh-TW" sz="2400" i="1" dirty="0">
@@ -14347,12 +15922,6 @@
               <a:rPr lang="en-US" altLang="zh-TW" sz="2400" dirty="0"/>
               <a:t>to complete its task</a:t>
             </a:r>
-          </a:p>
-          <a:p>
-            <a:pPr>
-              <a:buFont typeface="Monotype Sorts" pitchFamily="2" charset="2"/>
-              <a:buNone/>
-            </a:pPr>
             <a:br>
               <a:rPr lang="en-US" altLang="zh-TW" sz="2400" dirty="0"/>
             </a:br>
@@ -14477,7 +16046,7 @@
         </p:nvSpPr>
         <p:spPr bwMode="auto">
           <a:xfrm>
-            <a:off x="939800" y="1047918"/>
+            <a:off x="-4504070" y="1124287"/>
             <a:ext cx="4729180" cy="1015663"/>
           </a:xfrm>
           <a:prstGeom prst="rect">
@@ -14817,67 +16386,6 @@
                       </p:childTnLst>
                     </p:cTn>
                   </p:par>
-                  <p:par>
-                    <p:cTn id="23" fill="hold">
-                      <p:stCondLst>
-                        <p:cond delay="indefinite"/>
-                      </p:stCondLst>
-                      <p:childTnLst>
-                        <p:par>
-                          <p:cTn id="24" fill="hold">
-                            <p:stCondLst>
-                              <p:cond delay="0"/>
-                            </p:stCondLst>
-                            <p:childTnLst>
-                              <p:par>
-                                <p:cTn id="25" presetID="22" presetClass="entr" presetSubtype="8" fill="hold" grpId="0" nodeType="clickEffect">
-                                  <p:stCondLst>
-                                    <p:cond delay="0"/>
-                                  </p:stCondLst>
-                                  <p:childTnLst>
-                                    <p:set>
-                                      <p:cBhvr>
-                                        <p:cTn id="26" dur="1" fill="hold">
-                                          <p:stCondLst>
-                                            <p:cond delay="0"/>
-                                          </p:stCondLst>
-                                        </p:cTn>
-                                        <p:tgtEl>
-                                          <p:spTgt spid="29699">
-                                            <p:txEl>
-                                              <p:pRg st="4" end="4"/>
-                                            </p:txEl>
-                                          </p:spTgt>
-                                        </p:tgtEl>
-                                        <p:attrNameLst>
-                                          <p:attrName>style.visibility</p:attrName>
-                                        </p:attrNameLst>
-                                      </p:cBhvr>
-                                      <p:to>
-                                        <p:strVal val="visible"/>
-                                      </p:to>
-                                    </p:set>
-                                    <p:animEffect transition="in" filter="wipe(left)">
-                                      <p:cBhvr>
-                                        <p:cTn id="27" dur="1000"/>
-                                        <p:tgtEl>
-                                          <p:spTgt spid="29699">
-                                            <p:txEl>
-                                              <p:pRg st="4" end="4"/>
-                                            </p:txEl>
-                                          </p:spTgt>
-                                        </p:tgtEl>
-                                      </p:cBhvr>
-                                    </p:animEffect>
-                                  </p:childTnLst>
-                                </p:cTn>
-                              </p:par>
-                            </p:childTnLst>
-                          </p:cTn>
-                        </p:par>
-                      </p:childTnLst>
-                    </p:cTn>
-                  </p:par>
                 </p:childTnLst>
               </p:cTn>
               <p:prevCondLst>
@@ -14903,1057 +16411,6 @@
       <p:bldP spid="29699" grpId="0" build="p"/>
     </p:bldLst>
   </p:timing>
-</p:sld>
-</file>
-
-<file path=ppt/slides/slide28.xml><?xml version="1.0" encoding="utf-8"?>
-<p:sld xmlns:a="http://schemas.openxmlformats.org/drawingml/2006/main" xmlns:r="http://schemas.openxmlformats.org/officeDocument/2006/relationships" xmlns:p="http://schemas.openxmlformats.org/presentationml/2006/main">
-  <p:cSld>
-    <p:spTree>
-      <p:nvGrpSpPr>
-        <p:cNvPr id="1" name=""/>
-        <p:cNvGrpSpPr/>
-        <p:nvPr/>
-      </p:nvGrpSpPr>
-      <p:grpSpPr>
-        <a:xfrm>
-          <a:off x="0" y="0"/>
-          <a:ext cx="0" cy="0"/>
-          <a:chOff x="0" y="0"/>
-          <a:chExt cx="0" cy="0"/>
-        </a:xfrm>
-      </p:grpSpPr>
-      <p:sp>
-        <p:nvSpPr>
-          <p:cNvPr id="30722" name="Rectangle 2"/>
-          <p:cNvSpPr>
-            <a:spLocks noGrp="1" noChangeArrowheads="1"/>
-          </p:cNvSpPr>
-          <p:nvPr>
-            <p:ph type="title"/>
-          </p:nvPr>
-        </p:nvSpPr>
-        <p:spPr/>
-        <p:txBody>
-          <a:bodyPr/>
-          <a:lstStyle/>
-          <a:p>
-            <a:pPr eaLnBrk="1" hangingPunct="1"/>
-            <a:r>
-              <a:rPr lang="en-US" altLang="zh-TW"/>
-              <a:t>Safety Algorithm</a:t>
-            </a:r>
-          </a:p>
-        </p:txBody>
-      </p:sp>
-      <p:sp>
-        <p:nvSpPr>
-          <p:cNvPr id="30723" name="Rectangle 3"/>
-          <p:cNvSpPr>
-            <a:spLocks noGrp="1" noChangeArrowheads="1"/>
-          </p:cNvSpPr>
-          <p:nvPr>
-            <p:ph type="body" idx="1"/>
-          </p:nvPr>
-        </p:nvSpPr>
-        <p:spPr>
-          <a:xfrm>
-            <a:off x="741363" y="974725"/>
-            <a:ext cx="7843837" cy="3824288"/>
-          </a:xfrm>
-        </p:spPr>
-        <p:txBody>
-          <a:bodyPr/>
-          <a:lstStyle/>
-          <a:p>
-            <a:pPr>
-              <a:lnSpc>
-                <a:spcPct val="90000"/>
-              </a:lnSpc>
-              <a:buFont typeface="Monotype Sorts" pitchFamily="2" charset="2"/>
-              <a:buNone/>
-            </a:pPr>
-            <a:r>
-              <a:rPr lang="en-US" altLang="zh-TW" sz="2400" dirty="0"/>
-              <a:t>1.	Let </a:t>
-            </a:r>
-            <a:r>
-              <a:rPr lang="en-US" altLang="zh-TW" sz="2400" i="1" dirty="0">
-                <a:solidFill>
-                  <a:srgbClr val="000000"/>
-                </a:solidFill>
-              </a:rPr>
-              <a:t>Work </a:t>
-            </a:r>
-            <a:r>
-              <a:rPr lang="en-US" altLang="zh-TW" sz="2400" dirty="0"/>
-              <a:t>and </a:t>
-            </a:r>
-            <a:r>
-              <a:rPr lang="en-US" altLang="zh-TW" sz="2400" i="1" dirty="0">
-                <a:solidFill>
-                  <a:srgbClr val="000000"/>
-                </a:solidFill>
-              </a:rPr>
-              <a:t>Finish</a:t>
-            </a:r>
-            <a:r>
-              <a:rPr lang="en-US" altLang="zh-TW" sz="2400" dirty="0">
-                <a:solidFill>
-                  <a:srgbClr val="000000"/>
-                </a:solidFill>
-              </a:rPr>
-              <a:t> </a:t>
-            </a:r>
-            <a:r>
-              <a:rPr lang="en-US" altLang="zh-TW" sz="2400" dirty="0"/>
-              <a:t>be vectors of length</a:t>
-            </a:r>
-            <a:r>
-              <a:rPr lang="en-US" altLang="zh-TW" sz="2400" i="1" dirty="0"/>
-              <a:t> m</a:t>
-            </a:r>
-            <a:r>
-              <a:rPr lang="en-US" altLang="zh-TW" sz="2400" dirty="0"/>
-              <a:t> and</a:t>
-            </a:r>
-            <a:r>
-              <a:rPr lang="en-US" altLang="zh-TW" sz="2400" i="1" dirty="0"/>
-              <a:t> n</a:t>
-            </a:r>
-            <a:r>
-              <a:rPr lang="en-US" altLang="zh-TW" sz="2400" dirty="0"/>
-              <a:t>, respectively.  Initialize:</a:t>
-            </a:r>
-          </a:p>
-          <a:p>
-            <a:pPr lvl="3">
-              <a:lnSpc>
-                <a:spcPct val="90000"/>
-              </a:lnSpc>
-              <a:buFontTx/>
-              <a:buNone/>
-            </a:pPr>
-            <a:r>
-              <a:rPr lang="en-US" altLang="zh-TW" sz="2400" i="1" dirty="0"/>
-              <a:t>Work </a:t>
-            </a:r>
-            <a:r>
-              <a:rPr lang="en-US" altLang="zh-TW" sz="2400" dirty="0"/>
-              <a:t>= </a:t>
-            </a:r>
-            <a:r>
-              <a:rPr lang="en-US" altLang="zh-TW" sz="2400" i="1" dirty="0"/>
-              <a:t>Available</a:t>
-            </a:r>
-          </a:p>
-          <a:p>
-            <a:pPr lvl="3">
-              <a:lnSpc>
-                <a:spcPct val="90000"/>
-              </a:lnSpc>
-              <a:buFontTx/>
-              <a:buNone/>
-            </a:pPr>
-            <a:r>
-              <a:rPr lang="en-US" altLang="zh-TW" sz="2400" i="1" dirty="0"/>
-              <a:t>Finish </a:t>
-            </a:r>
-            <a:r>
-              <a:rPr lang="en-US" altLang="zh-TW" sz="2400" dirty="0"/>
-              <a:t>[</a:t>
-            </a:r>
-            <a:r>
-              <a:rPr lang="en-US" altLang="zh-TW" sz="2400" i="1" dirty="0" err="1"/>
-              <a:t>i</a:t>
-            </a:r>
-            <a:r>
-              <a:rPr lang="en-US" altLang="zh-TW" sz="2400" dirty="0"/>
-              <a:t>] =</a:t>
-            </a:r>
-            <a:r>
-              <a:rPr lang="en-US" altLang="zh-TW" sz="2400" i="1" dirty="0"/>
-              <a:t> false </a:t>
-            </a:r>
-            <a:r>
-              <a:rPr lang="en-US" altLang="zh-TW" sz="2400" dirty="0"/>
-              <a:t>for</a:t>
-            </a:r>
-            <a:r>
-              <a:rPr lang="en-US" altLang="zh-TW" sz="2400" i="1" dirty="0"/>
-              <a:t> </a:t>
-            </a:r>
-            <a:r>
-              <a:rPr lang="en-US" altLang="zh-TW" sz="2400" i="1" dirty="0" err="1"/>
-              <a:t>i</a:t>
-            </a:r>
-            <a:r>
-              <a:rPr lang="en-US" altLang="zh-TW" sz="2400" dirty="0"/>
-              <a:t> = 0, 1, …, </a:t>
-            </a:r>
-            <a:r>
-              <a:rPr lang="en-US" altLang="zh-TW" sz="2400" i="1" dirty="0"/>
-              <a:t>n- </a:t>
-            </a:r>
-            <a:r>
-              <a:rPr lang="en-US" altLang="zh-TW" sz="2400" dirty="0"/>
-              <a:t>1</a:t>
-            </a:r>
-          </a:p>
-          <a:p>
-            <a:pPr>
-              <a:lnSpc>
-                <a:spcPct val="90000"/>
-              </a:lnSpc>
-              <a:buFont typeface="Monotype Sorts" pitchFamily="2" charset="2"/>
-              <a:buNone/>
-            </a:pPr>
-            <a:r>
-              <a:rPr lang="en-US" altLang="zh-TW" sz="2400" dirty="0"/>
-              <a:t>2.	Find any </a:t>
-            </a:r>
-            <a:r>
-              <a:rPr lang="en-US" altLang="zh-TW" sz="2400" i="1" dirty="0" err="1"/>
-              <a:t>i</a:t>
-            </a:r>
-            <a:r>
-              <a:rPr lang="en-US" altLang="zh-TW" sz="2400" i="1" dirty="0"/>
-              <a:t> </a:t>
-            </a:r>
-            <a:r>
-              <a:rPr lang="en-US" altLang="zh-TW" sz="2400" dirty="0"/>
-              <a:t>such that both: </a:t>
-            </a:r>
-          </a:p>
-          <a:p>
-            <a:pPr lvl="1">
-              <a:lnSpc>
-                <a:spcPct val="90000"/>
-              </a:lnSpc>
-              <a:buFont typeface="Monotype Sorts" pitchFamily="2" charset="2"/>
-              <a:buNone/>
-            </a:pPr>
-            <a:r>
-              <a:rPr lang="en-US" altLang="zh-TW" sz="2400" dirty="0"/>
-              <a:t>(a) </a:t>
-            </a:r>
-            <a:r>
-              <a:rPr lang="en-US" altLang="zh-TW" sz="2400" i="1" dirty="0"/>
-              <a:t>Finish</a:t>
-            </a:r>
-            <a:r>
-              <a:rPr lang="en-US" altLang="zh-TW" sz="2400" dirty="0"/>
-              <a:t> [</a:t>
-            </a:r>
-            <a:r>
-              <a:rPr lang="en-US" altLang="zh-TW" sz="2400" i="1" dirty="0" err="1"/>
-              <a:t>i</a:t>
-            </a:r>
-            <a:r>
-              <a:rPr lang="en-US" altLang="zh-TW" sz="2400" dirty="0"/>
-              <a:t>] = </a:t>
-            </a:r>
-            <a:r>
-              <a:rPr lang="en-US" altLang="zh-TW" sz="2400" i="1" dirty="0"/>
-              <a:t>false</a:t>
-            </a:r>
-            <a:endParaRPr lang="en-US" altLang="zh-TW" sz="2400" dirty="0"/>
-          </a:p>
-          <a:p>
-            <a:pPr lvl="1">
-              <a:lnSpc>
-                <a:spcPct val="90000"/>
-              </a:lnSpc>
-              <a:buNone/>
-            </a:pPr>
-            <a:r>
-              <a:rPr lang="en-US" altLang="zh-TW" sz="2400" dirty="0"/>
-              <a:t>(b) </a:t>
-            </a:r>
-            <a:r>
-              <a:rPr lang="en-US" altLang="zh-TW" sz="2400" i="1" dirty="0" err="1"/>
-              <a:t>Need</a:t>
-            </a:r>
-            <a:r>
-              <a:rPr lang="en-US" altLang="zh-TW" sz="2400" i="1" baseline="-25000" dirty="0" err="1"/>
-              <a:t>i</a:t>
-            </a:r>
-            <a:r>
-              <a:rPr lang="en-US" altLang="zh-TW" sz="2400" dirty="0"/>
-              <a:t> </a:t>
-            </a:r>
-            <a:r>
-              <a:rPr lang="en-US" altLang="zh-TW" sz="2400" dirty="0">
-                <a:sym typeface="Symbol" pitchFamily="18" charset="2"/>
-              </a:rPr>
-              <a:t> </a:t>
-            </a:r>
-            <a:r>
-              <a:rPr lang="en-US" altLang="zh-TW" sz="2400" i="1" dirty="0">
-                <a:sym typeface="Symbol" pitchFamily="18" charset="2"/>
-              </a:rPr>
-              <a:t>Work</a:t>
-            </a:r>
-            <a:r>
-              <a:rPr lang="zh-TW" altLang="en-US" sz="2400" i="1" dirty="0">
-                <a:sym typeface="Symbol" pitchFamily="18" charset="2"/>
-              </a:rPr>
-              <a:t>  </a:t>
-            </a:r>
-            <a:r>
-              <a:rPr lang="en-US" altLang="zh-TW" sz="2400" i="1" dirty="0">
-                <a:sym typeface="Symbol" pitchFamily="18" charset="2"/>
-              </a:rPr>
-              <a:t>(</a:t>
-            </a:r>
-            <a:r>
-              <a:rPr lang="en-US" altLang="zh-TW" dirty="0"/>
-              <a:t>= </a:t>
-            </a:r>
-            <a:r>
-              <a:rPr lang="en-US" altLang="zh-TW" i="1" dirty="0"/>
-              <a:t>Available</a:t>
-            </a:r>
-            <a:endParaRPr lang="en-US" altLang="zh-TW" sz="2400" i="1" dirty="0">
-              <a:sym typeface="Symbol" pitchFamily="18" charset="2"/>
-            </a:endParaRPr>
-          </a:p>
-          <a:p>
-            <a:pPr lvl="1">
-              <a:lnSpc>
-                <a:spcPct val="90000"/>
-              </a:lnSpc>
-              <a:buFont typeface="Monotype Sorts" pitchFamily="2" charset="2"/>
-              <a:buNone/>
-            </a:pPr>
-            <a:r>
-              <a:rPr lang="en-US" altLang="zh-TW" sz="2400" dirty="0">
-                <a:sym typeface="Symbol" pitchFamily="18" charset="2"/>
-              </a:rPr>
-              <a:t>If no such </a:t>
-            </a:r>
-            <a:r>
-              <a:rPr lang="en-US" altLang="zh-TW" sz="2400" i="1" dirty="0" err="1">
-                <a:sym typeface="Symbol" pitchFamily="18" charset="2"/>
-              </a:rPr>
-              <a:t>i</a:t>
-            </a:r>
-            <a:r>
-              <a:rPr lang="en-US" altLang="zh-TW" sz="2400" i="1" dirty="0">
-                <a:sym typeface="Symbol" pitchFamily="18" charset="2"/>
-              </a:rPr>
-              <a:t> </a:t>
-            </a:r>
-            <a:r>
-              <a:rPr lang="en-US" altLang="zh-TW" sz="2400" dirty="0">
-                <a:sym typeface="Symbol" pitchFamily="18" charset="2"/>
-              </a:rPr>
-              <a:t>exists, go to step 4</a:t>
-            </a:r>
-          </a:p>
-          <a:p>
-            <a:pPr>
-              <a:lnSpc>
-                <a:spcPct val="90000"/>
-              </a:lnSpc>
-              <a:buFont typeface="Monotype Sorts" pitchFamily="2" charset="2"/>
-              <a:buNone/>
-            </a:pPr>
-            <a:r>
-              <a:rPr lang="en-US" altLang="zh-TW" sz="2400" dirty="0"/>
-              <a:t>3.	</a:t>
-            </a:r>
-            <a:r>
-              <a:rPr lang="en-US" altLang="zh-TW" sz="2400" i="1" dirty="0"/>
-              <a:t>Work</a:t>
-            </a:r>
-            <a:r>
-              <a:rPr lang="en-US" altLang="zh-TW" sz="2400" dirty="0"/>
-              <a:t> = </a:t>
-            </a:r>
-            <a:r>
-              <a:rPr lang="en-US" altLang="zh-TW" sz="2400" i="1" dirty="0"/>
-              <a:t>Work </a:t>
-            </a:r>
-            <a:r>
-              <a:rPr lang="en-US" altLang="zh-TW" sz="2400" dirty="0"/>
-              <a:t>+ </a:t>
-            </a:r>
-            <a:r>
-              <a:rPr lang="en-US" altLang="zh-TW" sz="2400" i="1" dirty="0" err="1"/>
-              <a:t>Allocation</a:t>
-            </a:r>
-            <a:r>
-              <a:rPr lang="en-US" altLang="zh-TW" sz="2400" i="1" baseline="-25000" dirty="0" err="1"/>
-              <a:t>i</a:t>
-            </a:r>
-            <a:br>
-              <a:rPr lang="en-US" altLang="zh-TW" sz="2400" dirty="0"/>
-            </a:br>
-            <a:r>
-              <a:rPr lang="en-US" altLang="zh-TW" sz="2400" i="1" dirty="0"/>
-              <a:t>Finish</a:t>
-            </a:r>
-            <a:r>
-              <a:rPr lang="en-US" altLang="zh-TW" sz="2400" dirty="0"/>
-              <a:t>[</a:t>
-            </a:r>
-            <a:r>
-              <a:rPr lang="en-US" altLang="zh-TW" sz="2400" i="1" dirty="0" err="1"/>
-              <a:t>i</a:t>
-            </a:r>
-            <a:r>
-              <a:rPr lang="en-US" altLang="zh-TW" sz="2400" dirty="0"/>
-              <a:t>] =</a:t>
-            </a:r>
-            <a:r>
-              <a:rPr lang="en-US" altLang="zh-TW" sz="2400" i="1" dirty="0"/>
-              <a:t> true</a:t>
-            </a:r>
-            <a:r>
-              <a:rPr lang="zh-TW" altLang="en-US" sz="2400" i="1" dirty="0"/>
-              <a:t>  </a:t>
-            </a:r>
-            <a:r>
-              <a:rPr lang="en-US" altLang="zh-TW" sz="2400" i="1" dirty="0"/>
-              <a:t>(</a:t>
-            </a:r>
-            <a:r>
-              <a:rPr lang="zh-TW" altLang="en-US" sz="2400" i="1" dirty="0"/>
-              <a:t>不懂</a:t>
-            </a:r>
-            <a:br>
-              <a:rPr lang="en-US" altLang="zh-TW" sz="2400" dirty="0"/>
-            </a:br>
-            <a:r>
-              <a:rPr lang="en-US" altLang="zh-TW" sz="2400" dirty="0"/>
-              <a:t>go to step 2</a:t>
-            </a:r>
-          </a:p>
-          <a:p>
-            <a:pPr>
-              <a:lnSpc>
-                <a:spcPct val="90000"/>
-              </a:lnSpc>
-              <a:buFont typeface="Monotype Sorts" pitchFamily="2" charset="2"/>
-              <a:buNone/>
-            </a:pPr>
-            <a:r>
-              <a:rPr lang="en-US" altLang="zh-TW" sz="2400" dirty="0"/>
-              <a:t>4.	If </a:t>
-            </a:r>
-            <a:r>
-              <a:rPr lang="en-US" altLang="zh-TW" sz="2400" i="1" dirty="0"/>
-              <a:t>Finish</a:t>
-            </a:r>
-            <a:r>
-              <a:rPr lang="en-US" altLang="zh-TW" sz="2400" dirty="0"/>
-              <a:t> [</a:t>
-            </a:r>
-            <a:r>
-              <a:rPr lang="en-US" altLang="zh-TW" sz="2400" i="1" dirty="0" err="1"/>
-              <a:t>i</a:t>
-            </a:r>
-            <a:r>
-              <a:rPr lang="en-US" altLang="zh-TW" sz="2400" dirty="0"/>
-              <a:t>] == true for all </a:t>
-            </a:r>
-            <a:r>
-              <a:rPr lang="en-US" altLang="zh-TW" sz="2400" i="1" dirty="0" err="1"/>
-              <a:t>i</a:t>
-            </a:r>
-            <a:r>
-              <a:rPr lang="en-US" altLang="zh-TW" sz="2400" dirty="0"/>
-              <a:t>, then the system is in a </a:t>
-            </a:r>
-            <a:r>
-              <a:rPr lang="en-US" altLang="zh-TW" sz="2400" b="1" dirty="0">
-                <a:solidFill>
-                  <a:srgbClr val="FF0000"/>
-                </a:solidFill>
-              </a:rPr>
-              <a:t>safe state</a:t>
-            </a:r>
-          </a:p>
-        </p:txBody>
-      </p:sp>
-    </p:spTree>
-  </p:cSld>
-  <p:clrMapOvr>
-    <a:masterClrMapping/>
-  </p:clrMapOvr>
-</p:sld>
-</file>
-
-<file path=ppt/slides/slide29.xml><?xml version="1.0" encoding="utf-8"?>
-<p:sld xmlns:a="http://schemas.openxmlformats.org/drawingml/2006/main" xmlns:r="http://schemas.openxmlformats.org/officeDocument/2006/relationships" xmlns:p="http://schemas.openxmlformats.org/presentationml/2006/main">
-  <p:cSld>
-    <p:spTree>
-      <p:nvGrpSpPr>
-        <p:cNvPr id="1" name=""/>
-        <p:cNvGrpSpPr/>
-        <p:nvPr/>
-      </p:nvGrpSpPr>
-      <p:grpSpPr>
-        <a:xfrm>
-          <a:off x="0" y="0"/>
-          <a:ext cx="0" cy="0"/>
-          <a:chOff x="0" y="0"/>
-          <a:chExt cx="0" cy="0"/>
-        </a:xfrm>
-      </p:grpSpPr>
-      <p:sp>
-        <p:nvSpPr>
-          <p:cNvPr id="31746" name="Rectangle 2"/>
-          <p:cNvSpPr>
-            <a:spLocks noGrp="1" noChangeArrowheads="1"/>
-          </p:cNvSpPr>
-          <p:nvPr>
-            <p:ph type="title"/>
-          </p:nvPr>
-        </p:nvSpPr>
-        <p:spPr>
-          <a:xfrm>
-            <a:off x="730734" y="381825"/>
-            <a:ext cx="7924800" cy="457200"/>
-          </a:xfrm>
-        </p:spPr>
-        <p:txBody>
-          <a:bodyPr/>
-          <a:lstStyle/>
-          <a:p>
-            <a:pPr eaLnBrk="1" hangingPunct="1"/>
-            <a:r>
-              <a:rPr lang="en-US" altLang="zh-TW" sz="3200" dirty="0"/>
-              <a:t>Resource-Request Algorithm for Process </a:t>
-            </a:r>
-            <a:r>
-              <a:rPr lang="en-US" altLang="zh-TW" sz="3200" i="1" dirty="0"/>
-              <a:t>P</a:t>
-            </a:r>
-            <a:r>
-              <a:rPr lang="en-US" altLang="zh-TW" sz="3200" i="1" baseline="-25000" dirty="0"/>
-              <a:t>i</a:t>
-            </a:r>
-            <a:endParaRPr lang="en-US" altLang="zh-TW" sz="3200" dirty="0"/>
-          </a:p>
-        </p:txBody>
-      </p:sp>
-      <p:sp>
-        <p:nvSpPr>
-          <p:cNvPr id="31747" name="Rectangle 3"/>
-          <p:cNvSpPr>
-            <a:spLocks noGrp="1" noChangeArrowheads="1"/>
-          </p:cNvSpPr>
-          <p:nvPr>
-            <p:ph type="body" idx="1"/>
-          </p:nvPr>
-        </p:nvSpPr>
-        <p:spPr>
-          <a:xfrm>
-            <a:off x="490258" y="994217"/>
-            <a:ext cx="8001000" cy="4686300"/>
-          </a:xfrm>
-        </p:spPr>
-        <p:txBody>
-          <a:bodyPr/>
-          <a:lstStyle/>
-          <a:p>
-            <a:pPr>
-              <a:buFont typeface="Monotype Sorts" pitchFamily="2" charset="2"/>
-              <a:buNone/>
-            </a:pPr>
-            <a:r>
-              <a:rPr lang="en-US" altLang="zh-TW" sz="2000" i="1" dirty="0"/>
-              <a:t>      </a:t>
-            </a:r>
-            <a:r>
-              <a:rPr lang="en-US" altLang="zh-TW" i="1" dirty="0" err="1"/>
-              <a:t>Request</a:t>
-            </a:r>
-            <a:r>
-              <a:rPr lang="en-US" altLang="zh-TW" i="1" baseline="-25000" dirty="0" err="1"/>
-              <a:t>i</a:t>
-            </a:r>
-            <a:r>
-              <a:rPr lang="en-US" altLang="zh-TW" i="1" baseline="-25000" dirty="0"/>
-              <a:t> </a:t>
-            </a:r>
-            <a:r>
-              <a:rPr lang="en-US" altLang="zh-TW" dirty="0"/>
-              <a:t>= request vector for process </a:t>
-            </a:r>
-            <a:r>
-              <a:rPr lang="en-US" altLang="zh-TW" i="1" dirty="0"/>
-              <a:t>P</a:t>
-            </a:r>
-            <a:r>
-              <a:rPr lang="en-US" altLang="zh-TW" i="1" baseline="-25000" dirty="0"/>
-              <a:t>i</a:t>
-            </a:r>
-            <a:r>
-              <a:rPr lang="en-US" altLang="zh-TW" dirty="0"/>
-              <a:t>.  If </a:t>
-            </a:r>
-            <a:r>
-              <a:rPr lang="en-US" altLang="zh-TW" i="1" dirty="0" err="1"/>
-              <a:t>Request</a:t>
-            </a:r>
-            <a:r>
-              <a:rPr lang="en-US" altLang="zh-TW" i="1" baseline="-25000" dirty="0" err="1"/>
-              <a:t>i</a:t>
-            </a:r>
-            <a:r>
-              <a:rPr lang="en-US" altLang="zh-TW" baseline="-25000" dirty="0"/>
-              <a:t> </a:t>
-            </a:r>
-            <a:r>
-              <a:rPr lang="en-US" altLang="zh-TW" dirty="0"/>
-              <a:t>[</a:t>
-            </a:r>
-            <a:r>
-              <a:rPr lang="en-US" altLang="zh-TW" i="1" dirty="0"/>
-              <a:t>j</a:t>
-            </a:r>
-            <a:r>
-              <a:rPr lang="en-US" altLang="zh-TW" dirty="0"/>
-              <a:t>] = </a:t>
-            </a:r>
-            <a:r>
-              <a:rPr lang="en-US" altLang="zh-TW" i="1" dirty="0"/>
-              <a:t>k</a:t>
-            </a:r>
-            <a:r>
-              <a:rPr lang="en-US" altLang="zh-TW" dirty="0"/>
-              <a:t> then process </a:t>
-            </a:r>
-            <a:r>
-              <a:rPr lang="en-US" altLang="zh-TW" i="1" dirty="0"/>
-              <a:t>P</a:t>
-            </a:r>
-            <a:r>
-              <a:rPr lang="en-US" altLang="zh-TW" i="1" baseline="-25000" dirty="0"/>
-              <a:t>i</a:t>
-            </a:r>
-            <a:r>
-              <a:rPr lang="en-US" altLang="zh-TW" dirty="0"/>
-              <a:t> wants </a:t>
-            </a:r>
-            <a:r>
-              <a:rPr lang="en-US" altLang="zh-TW" i="1" dirty="0"/>
-              <a:t>k</a:t>
-            </a:r>
-            <a:r>
-              <a:rPr lang="en-US" altLang="zh-TW" dirty="0"/>
-              <a:t> instances of resource type </a:t>
-            </a:r>
-            <a:r>
-              <a:rPr lang="en-US" altLang="zh-TW" i="1" dirty="0" err="1"/>
-              <a:t>R</a:t>
-            </a:r>
-            <a:r>
-              <a:rPr lang="en-US" altLang="zh-TW" i="1" baseline="-25000" dirty="0" err="1"/>
-              <a:t>j</a:t>
-            </a:r>
-            <a:endParaRPr lang="en-US" altLang="zh-TW" sz="2000" baseline="-25000" dirty="0"/>
-          </a:p>
-          <a:p>
-            <a:pPr lvl="1">
-              <a:buFont typeface="Monotype Sorts" pitchFamily="2" charset="2"/>
-              <a:buNone/>
-            </a:pPr>
-            <a:r>
-              <a:rPr lang="en-US" altLang="zh-TW" sz="2000" dirty="0"/>
-              <a:t>1.	If </a:t>
-            </a:r>
-            <a:r>
-              <a:rPr lang="en-US" altLang="zh-TW" sz="2000" i="1" dirty="0" err="1"/>
-              <a:t>Request</a:t>
-            </a:r>
-            <a:r>
-              <a:rPr lang="en-US" altLang="zh-TW" sz="2000" i="1" baseline="-25000" dirty="0" err="1"/>
-              <a:t>i</a:t>
-            </a:r>
-            <a:r>
-              <a:rPr lang="en-US" altLang="zh-TW" sz="2000" i="1" dirty="0"/>
-              <a:t> </a:t>
-            </a:r>
-            <a:r>
-              <a:rPr lang="en-US" altLang="zh-TW" sz="2000" dirty="0">
-                <a:sym typeface="Symbol" pitchFamily="18" charset="2"/>
-              </a:rPr>
-              <a:t> </a:t>
-            </a:r>
-            <a:r>
-              <a:rPr lang="en-US" altLang="zh-TW" sz="2000" i="1" dirty="0" err="1">
-                <a:sym typeface="Symbol" pitchFamily="18" charset="2"/>
-              </a:rPr>
-              <a:t>Need</a:t>
-            </a:r>
-            <a:r>
-              <a:rPr lang="en-US" altLang="zh-TW" sz="2000" i="1" baseline="-25000" dirty="0" err="1">
-                <a:sym typeface="Symbol" pitchFamily="18" charset="2"/>
-              </a:rPr>
-              <a:t>i</a:t>
-            </a:r>
-            <a:r>
-              <a:rPr lang="en-US" altLang="zh-TW" sz="2000" i="1" dirty="0">
-                <a:sym typeface="Symbol" pitchFamily="18" charset="2"/>
-              </a:rPr>
-              <a:t> </a:t>
-            </a:r>
-            <a:r>
-              <a:rPr lang="en-US" altLang="zh-TW" sz="2000" dirty="0">
-                <a:sym typeface="Symbol" pitchFamily="18" charset="2"/>
-              </a:rPr>
-              <a:t>go to step 2.  Otherwise, raise error condition, since process has exceeded its maximum claim</a:t>
-            </a:r>
-          </a:p>
-          <a:p>
-            <a:pPr lvl="1">
-              <a:buFont typeface="Monotype Sorts" pitchFamily="2" charset="2"/>
-              <a:buNone/>
-            </a:pPr>
-            <a:r>
-              <a:rPr lang="en-US" altLang="zh-TW" sz="2000" dirty="0">
-                <a:sym typeface="Symbol" pitchFamily="18" charset="2"/>
-              </a:rPr>
-              <a:t>2.	If </a:t>
-            </a:r>
-            <a:r>
-              <a:rPr lang="en-US" altLang="zh-TW" sz="2000" i="1" dirty="0" err="1"/>
-              <a:t>Request</a:t>
-            </a:r>
-            <a:r>
-              <a:rPr lang="en-US" altLang="zh-TW" sz="2000" i="1" baseline="-25000" dirty="0" err="1"/>
-              <a:t>i</a:t>
-            </a:r>
-            <a:r>
-              <a:rPr lang="en-US" altLang="zh-TW" sz="2000" dirty="0"/>
-              <a:t> </a:t>
-            </a:r>
-            <a:r>
-              <a:rPr lang="en-US" altLang="zh-TW" sz="2000" dirty="0">
-                <a:sym typeface="Symbol" pitchFamily="18" charset="2"/>
-              </a:rPr>
-              <a:t> </a:t>
-            </a:r>
-            <a:r>
-              <a:rPr lang="en-US" altLang="zh-TW" sz="2000" i="1" dirty="0">
-                <a:sym typeface="Symbol" pitchFamily="18" charset="2"/>
-              </a:rPr>
-              <a:t>Available</a:t>
-            </a:r>
-            <a:r>
-              <a:rPr lang="en-US" altLang="zh-TW" sz="2000" dirty="0">
-                <a:sym typeface="Symbol" pitchFamily="18" charset="2"/>
-              </a:rPr>
-              <a:t>, go to step 3.  Otherwise </a:t>
-            </a:r>
-            <a:r>
-              <a:rPr lang="en-US" altLang="zh-TW" sz="2000" i="1" dirty="0">
-                <a:sym typeface="Symbol" pitchFamily="18" charset="2"/>
-              </a:rPr>
-              <a:t>P</a:t>
-            </a:r>
-            <a:r>
-              <a:rPr lang="en-US" altLang="zh-TW" sz="2000" i="1" baseline="-25000" dirty="0">
-                <a:sym typeface="Symbol" pitchFamily="18" charset="2"/>
-              </a:rPr>
-              <a:t>i</a:t>
-            </a:r>
-            <a:r>
-              <a:rPr lang="en-US" altLang="zh-TW" sz="2000" dirty="0">
-                <a:sym typeface="Symbol" pitchFamily="18" charset="2"/>
-              </a:rPr>
-              <a:t>  must wait, since resources are not available</a:t>
-            </a:r>
-          </a:p>
-          <a:p>
-            <a:pPr lvl="1">
-              <a:buFont typeface="Monotype Sorts" pitchFamily="2" charset="2"/>
-              <a:buNone/>
-            </a:pPr>
-            <a:r>
-              <a:rPr lang="en-US" altLang="zh-TW" sz="2000" dirty="0">
-                <a:sym typeface="Symbol" pitchFamily="18" charset="2"/>
-              </a:rPr>
-              <a:t>3.	Pretend to allocate requested resources to </a:t>
-            </a:r>
-            <a:r>
-              <a:rPr lang="en-US" altLang="zh-TW" sz="2000" i="1" dirty="0">
-                <a:sym typeface="Symbol" pitchFamily="18" charset="2"/>
-              </a:rPr>
-              <a:t>P</a:t>
-            </a:r>
-            <a:r>
-              <a:rPr lang="en-US" altLang="zh-TW" sz="2000" i="1" baseline="-25000" dirty="0">
-                <a:sym typeface="Symbol" pitchFamily="18" charset="2"/>
-              </a:rPr>
-              <a:t>i</a:t>
-            </a:r>
-            <a:r>
-              <a:rPr lang="en-US" altLang="zh-TW" sz="2000" dirty="0">
-                <a:sym typeface="Symbol" pitchFamily="18" charset="2"/>
-              </a:rPr>
-              <a:t> by modifying the state as follows:</a:t>
-            </a:r>
-          </a:p>
-          <a:p>
-            <a:pPr lvl="3">
-              <a:buFontTx/>
-              <a:buNone/>
-            </a:pPr>
-            <a:r>
-              <a:rPr lang="en-US" altLang="zh-TW" sz="2000" dirty="0">
-                <a:sym typeface="Symbol" pitchFamily="18" charset="2"/>
-              </a:rPr>
-              <a:t>		</a:t>
-            </a:r>
-            <a:r>
-              <a:rPr lang="en-US" altLang="zh-TW" sz="2000" i="1" dirty="0">
-                <a:sym typeface="Symbol" pitchFamily="18" charset="2"/>
-              </a:rPr>
-              <a:t>Available</a:t>
-            </a:r>
-            <a:r>
-              <a:rPr lang="en-US" altLang="zh-TW" sz="2000" dirty="0">
-                <a:sym typeface="Symbol" pitchFamily="18" charset="2"/>
-              </a:rPr>
-              <a:t> = </a:t>
-            </a:r>
-            <a:r>
-              <a:rPr lang="en-US" altLang="zh-TW" sz="2000" i="1" dirty="0">
-                <a:sym typeface="Symbol" pitchFamily="18" charset="2"/>
-              </a:rPr>
-              <a:t>Available  </a:t>
-            </a:r>
-            <a:r>
-              <a:rPr lang="en-US" altLang="zh-TW" sz="2000" dirty="0">
-                <a:sym typeface="Symbol" pitchFamily="18" charset="2"/>
-              </a:rPr>
-              <a:t>–</a:t>
-            </a:r>
-            <a:r>
-              <a:rPr lang="en-US" altLang="zh-TW" sz="2000" i="1" dirty="0">
-                <a:sym typeface="Symbol" pitchFamily="18" charset="2"/>
-              </a:rPr>
-              <a:t> Request;</a:t>
-            </a:r>
-          </a:p>
-          <a:p>
-            <a:pPr lvl="3">
-              <a:buFontTx/>
-              <a:buNone/>
-            </a:pPr>
-            <a:r>
-              <a:rPr lang="en-US" altLang="zh-TW" sz="2000" dirty="0">
-                <a:sym typeface="Symbol" pitchFamily="18" charset="2"/>
-              </a:rPr>
-              <a:t>		</a:t>
-            </a:r>
-            <a:r>
-              <a:rPr lang="en-US" altLang="zh-TW" sz="2000" i="1" dirty="0" err="1">
-                <a:sym typeface="Symbol" pitchFamily="18" charset="2"/>
-              </a:rPr>
-              <a:t>Allocation</a:t>
-            </a:r>
-            <a:r>
-              <a:rPr lang="en-US" altLang="zh-TW" sz="2000" i="1" baseline="-25000" dirty="0" err="1">
-                <a:sym typeface="Symbol" pitchFamily="18" charset="2"/>
-              </a:rPr>
-              <a:t>i</a:t>
-            </a:r>
-            <a:r>
-              <a:rPr lang="en-US" altLang="zh-TW" sz="2000" baseline="-25000" dirty="0">
-                <a:sym typeface="Symbol" pitchFamily="18" charset="2"/>
-              </a:rPr>
-              <a:t> </a:t>
-            </a:r>
-            <a:r>
-              <a:rPr lang="en-US" altLang="zh-TW" sz="2000" dirty="0">
-                <a:sym typeface="Symbol" pitchFamily="18" charset="2"/>
-              </a:rPr>
-              <a:t>= </a:t>
-            </a:r>
-            <a:r>
-              <a:rPr lang="en-US" altLang="zh-TW" sz="2000" i="1" dirty="0" err="1">
-                <a:sym typeface="Symbol" pitchFamily="18" charset="2"/>
-              </a:rPr>
-              <a:t>Allocation</a:t>
-            </a:r>
-            <a:r>
-              <a:rPr lang="en-US" altLang="zh-TW" sz="2000" i="1" baseline="-25000" dirty="0" err="1">
-                <a:sym typeface="Symbol" pitchFamily="18" charset="2"/>
-              </a:rPr>
-              <a:t>i</a:t>
-            </a:r>
-            <a:r>
-              <a:rPr lang="en-US" altLang="zh-TW" sz="2000" dirty="0">
-                <a:sym typeface="Symbol" pitchFamily="18" charset="2"/>
-              </a:rPr>
-              <a:t> + </a:t>
-            </a:r>
-            <a:r>
-              <a:rPr lang="en-US" altLang="zh-TW" sz="2000" i="1" dirty="0" err="1">
-                <a:sym typeface="Symbol" pitchFamily="18" charset="2"/>
-              </a:rPr>
-              <a:t>Request</a:t>
-            </a:r>
-            <a:r>
-              <a:rPr lang="en-US" altLang="zh-TW" sz="2000" i="1" baseline="-25000" dirty="0" err="1">
-                <a:sym typeface="Symbol" pitchFamily="18" charset="2"/>
-              </a:rPr>
-              <a:t>i</a:t>
-            </a:r>
-            <a:r>
-              <a:rPr lang="en-US" altLang="zh-TW" sz="2000" dirty="0">
-                <a:sym typeface="Symbol" pitchFamily="18" charset="2"/>
-              </a:rPr>
-              <a:t>;</a:t>
-            </a:r>
-          </a:p>
-          <a:p>
-            <a:pPr lvl="3">
-              <a:buFontTx/>
-              <a:buNone/>
-            </a:pPr>
-            <a:r>
-              <a:rPr lang="en-US" altLang="zh-TW" sz="2000" dirty="0">
-                <a:sym typeface="Symbol" pitchFamily="18" charset="2"/>
-              </a:rPr>
-              <a:t>		</a:t>
-            </a:r>
-            <a:r>
-              <a:rPr lang="en-US" altLang="zh-TW" sz="2000" i="1" dirty="0" err="1">
-                <a:sym typeface="Symbol" pitchFamily="18" charset="2"/>
-              </a:rPr>
-              <a:t>Need</a:t>
-            </a:r>
-            <a:r>
-              <a:rPr lang="en-US" altLang="zh-TW" sz="2000" i="1" baseline="-25000" dirty="0" err="1">
-                <a:sym typeface="Symbol" pitchFamily="18" charset="2"/>
-              </a:rPr>
-              <a:t>i</a:t>
-            </a:r>
-            <a:r>
-              <a:rPr lang="en-US" altLang="zh-TW" sz="2000" i="1" dirty="0">
-                <a:sym typeface="Symbol" pitchFamily="18" charset="2"/>
-              </a:rPr>
-              <a:t> </a:t>
-            </a:r>
-            <a:r>
-              <a:rPr lang="en-US" altLang="zh-TW" sz="2000" dirty="0">
-                <a:sym typeface="Symbol" pitchFamily="18" charset="2"/>
-              </a:rPr>
-              <a:t>=</a:t>
-            </a:r>
-            <a:r>
-              <a:rPr lang="en-US" altLang="zh-TW" sz="2000" i="1" dirty="0">
-                <a:sym typeface="Symbol" pitchFamily="18" charset="2"/>
-              </a:rPr>
-              <a:t> </a:t>
-            </a:r>
-            <a:r>
-              <a:rPr lang="en-US" altLang="zh-TW" sz="2000" i="1" dirty="0" err="1">
-                <a:sym typeface="Symbol" pitchFamily="18" charset="2"/>
-              </a:rPr>
-              <a:t>Need</a:t>
-            </a:r>
-            <a:r>
-              <a:rPr lang="en-US" altLang="zh-TW" sz="2000" i="1" baseline="-25000" dirty="0" err="1">
-                <a:sym typeface="Symbol" pitchFamily="18" charset="2"/>
-              </a:rPr>
-              <a:t>i</a:t>
-            </a:r>
-            <a:r>
-              <a:rPr lang="en-US" altLang="zh-TW" sz="2000" dirty="0">
-                <a:sym typeface="Symbol" pitchFamily="18" charset="2"/>
-              </a:rPr>
-              <a:t> – </a:t>
-            </a:r>
-            <a:r>
-              <a:rPr lang="en-US" altLang="zh-TW" sz="2000" i="1" dirty="0" err="1">
-                <a:sym typeface="Symbol" pitchFamily="18" charset="2"/>
-              </a:rPr>
-              <a:t>Request</a:t>
-            </a:r>
-            <a:r>
-              <a:rPr lang="en-US" altLang="zh-TW" sz="2000" i="1" baseline="-25000" dirty="0" err="1">
-                <a:sym typeface="Symbol" pitchFamily="18" charset="2"/>
-              </a:rPr>
-              <a:t>i</a:t>
-            </a:r>
-            <a:r>
-              <a:rPr lang="en-US" altLang="zh-TW" sz="2000" i="1" dirty="0">
-                <a:sym typeface="Symbol" pitchFamily="18" charset="2"/>
-              </a:rPr>
-              <a:t>;</a:t>
-            </a:r>
-          </a:p>
-          <a:p>
-            <a:pPr lvl="2">
-              <a:buClr>
-                <a:srgbClr val="CC6600"/>
-              </a:buClr>
-              <a:buSzPct val="80000"/>
-              <a:buFont typeface="Monotype Sorts" pitchFamily="2" charset="2"/>
-              <a:buChar char="l"/>
-            </a:pPr>
-            <a:r>
-              <a:rPr lang="en-US" altLang="zh-TW" sz="2000" i="1" dirty="0">
-                <a:solidFill>
-                  <a:srgbClr val="FF0000"/>
-                </a:solidFill>
-                <a:sym typeface="Symbol" pitchFamily="18" charset="2"/>
-              </a:rPr>
-              <a:t>If safe  the resources are allocated to P</a:t>
-            </a:r>
-            <a:r>
-              <a:rPr lang="en-US" altLang="zh-TW" sz="2000" i="1" baseline="-25000" dirty="0">
-                <a:solidFill>
-                  <a:srgbClr val="FF0000"/>
-                </a:solidFill>
-                <a:sym typeface="Symbol" pitchFamily="18" charset="2"/>
-              </a:rPr>
-              <a:t>i</a:t>
-            </a:r>
-          </a:p>
-          <a:p>
-            <a:pPr lvl="2">
-              <a:buClr>
-                <a:srgbClr val="CC6600"/>
-              </a:buClr>
-              <a:buSzPct val="80000"/>
-              <a:buFont typeface="Monotype Sorts" pitchFamily="2" charset="2"/>
-              <a:buChar char="l"/>
-            </a:pPr>
-            <a:r>
-              <a:rPr lang="en-US" altLang="zh-TW" sz="2000" i="1" dirty="0">
-                <a:sym typeface="Symbol" pitchFamily="18" charset="2"/>
-              </a:rPr>
-              <a:t>If unsafe  P</a:t>
-            </a:r>
-            <a:r>
-              <a:rPr lang="en-US" altLang="zh-TW" sz="2000" i="1" baseline="-25000" dirty="0">
-                <a:sym typeface="Symbol" pitchFamily="18" charset="2"/>
-              </a:rPr>
-              <a:t>i</a:t>
-            </a:r>
-            <a:r>
-              <a:rPr lang="en-US" altLang="zh-TW" sz="2000" i="1" dirty="0">
-                <a:sym typeface="Symbol" pitchFamily="18" charset="2"/>
-              </a:rPr>
-              <a:t> must wait, and the old resource-allocation state is restored</a:t>
-            </a:r>
-          </a:p>
-        </p:txBody>
-      </p:sp>
-    </p:spTree>
-  </p:cSld>
-  <p:clrMapOvr>
-    <a:masterClrMapping/>
-  </p:clrMapOvr>
 </p:sld>
 </file>
 
@@ -16256,6 +16713,1234 @@
       </p:grpSpPr>
       <p:sp>
         <p:nvSpPr>
+          <p:cNvPr id="30722" name="Rectangle 2"/>
+          <p:cNvSpPr>
+            <a:spLocks noGrp="1" noChangeArrowheads="1"/>
+          </p:cNvSpPr>
+          <p:nvPr>
+            <p:ph type="title"/>
+          </p:nvPr>
+        </p:nvSpPr>
+        <p:spPr/>
+        <p:txBody>
+          <a:bodyPr/>
+          <a:lstStyle/>
+          <a:p>
+            <a:pPr eaLnBrk="1" hangingPunct="1"/>
+            <a:r>
+              <a:rPr lang="en-US" altLang="zh-TW"/>
+              <a:t>Safety Algorithm</a:t>
+            </a:r>
+          </a:p>
+        </p:txBody>
+      </p:sp>
+      <p:sp>
+        <p:nvSpPr>
+          <p:cNvPr id="30723" name="Rectangle 3"/>
+          <p:cNvSpPr>
+            <a:spLocks noGrp="1" noChangeArrowheads="1"/>
+          </p:cNvSpPr>
+          <p:nvPr>
+            <p:ph type="body" idx="1"/>
+          </p:nvPr>
+        </p:nvSpPr>
+        <p:spPr>
+          <a:xfrm>
+            <a:off x="741363" y="974725"/>
+            <a:ext cx="7843837" cy="3824288"/>
+          </a:xfrm>
+        </p:spPr>
+        <p:txBody>
+          <a:bodyPr/>
+          <a:lstStyle/>
+          <a:p>
+            <a:pPr>
+              <a:lnSpc>
+                <a:spcPct val="90000"/>
+              </a:lnSpc>
+              <a:buFont typeface="Monotype Sorts" pitchFamily="2" charset="2"/>
+              <a:buNone/>
+            </a:pPr>
+            <a:r>
+              <a:rPr lang="en-US" altLang="zh-TW" sz="2400" dirty="0"/>
+              <a:t>1.	Let </a:t>
+            </a:r>
+            <a:r>
+              <a:rPr lang="en-US" altLang="zh-TW" sz="2400" i="1" dirty="0">
+                <a:solidFill>
+                  <a:srgbClr val="000000"/>
+                </a:solidFill>
+              </a:rPr>
+              <a:t>Work </a:t>
+            </a:r>
+            <a:r>
+              <a:rPr lang="en-US" altLang="zh-TW" sz="2400" dirty="0"/>
+              <a:t>and </a:t>
+            </a:r>
+            <a:r>
+              <a:rPr lang="en-US" altLang="zh-TW" sz="2400" i="1" dirty="0">
+                <a:solidFill>
+                  <a:srgbClr val="000000"/>
+                </a:solidFill>
+              </a:rPr>
+              <a:t>Finish</a:t>
+            </a:r>
+            <a:r>
+              <a:rPr lang="en-US" altLang="zh-TW" sz="2400" dirty="0">
+                <a:solidFill>
+                  <a:srgbClr val="000000"/>
+                </a:solidFill>
+              </a:rPr>
+              <a:t> </a:t>
+            </a:r>
+            <a:r>
+              <a:rPr lang="en-US" altLang="zh-TW" sz="2400" dirty="0"/>
+              <a:t>be vectors of length</a:t>
+            </a:r>
+            <a:r>
+              <a:rPr lang="en-US" altLang="zh-TW" sz="2400" i="1" dirty="0"/>
+              <a:t> m</a:t>
+            </a:r>
+            <a:r>
+              <a:rPr lang="en-US" altLang="zh-TW" sz="2400" dirty="0"/>
+              <a:t> and</a:t>
+            </a:r>
+            <a:r>
+              <a:rPr lang="en-US" altLang="zh-TW" sz="2400" i="1" dirty="0"/>
+              <a:t> n</a:t>
+            </a:r>
+            <a:r>
+              <a:rPr lang="en-US" altLang="zh-TW" sz="2400" dirty="0"/>
+              <a:t>, respectively.  Initialize:</a:t>
+            </a:r>
+          </a:p>
+          <a:p>
+            <a:pPr lvl="3">
+              <a:lnSpc>
+                <a:spcPct val="90000"/>
+              </a:lnSpc>
+              <a:buFontTx/>
+              <a:buNone/>
+            </a:pPr>
+            <a:r>
+              <a:rPr lang="en-US" altLang="zh-TW" sz="2400" i="1" dirty="0"/>
+              <a:t>Work</a:t>
+            </a:r>
+            <a:r>
+              <a:rPr lang="zh-TW" altLang="en-US" sz="2400" i="1" dirty="0"/>
+              <a:t>可用剩多少</a:t>
+            </a:r>
+            <a:r>
+              <a:rPr lang="en-US" altLang="zh-TW" sz="2400" i="1" dirty="0"/>
+              <a:t> </a:t>
+            </a:r>
+            <a:r>
+              <a:rPr lang="en-US" altLang="zh-TW" sz="2400" dirty="0"/>
+              <a:t>= </a:t>
+            </a:r>
+            <a:r>
+              <a:rPr lang="en-US" altLang="zh-TW" sz="2400" i="1" dirty="0"/>
+              <a:t>Available</a:t>
+            </a:r>
+          </a:p>
+          <a:p>
+            <a:pPr lvl="3">
+              <a:lnSpc>
+                <a:spcPct val="90000"/>
+              </a:lnSpc>
+              <a:buFontTx/>
+              <a:buNone/>
+            </a:pPr>
+            <a:r>
+              <a:rPr lang="en-US" altLang="zh-TW" sz="2400" i="1" dirty="0"/>
+              <a:t>Finish</a:t>
+            </a:r>
+            <a:r>
+              <a:rPr lang="zh-TW" altLang="en-US" sz="2400" i="1" dirty="0"/>
+              <a:t> 是否跑完</a:t>
+            </a:r>
+            <a:r>
+              <a:rPr lang="en-US" altLang="zh-TW" sz="2400" i="1" dirty="0"/>
+              <a:t>\ </a:t>
+            </a:r>
+            <a:r>
+              <a:rPr lang="en-US" altLang="zh-TW" sz="2400" dirty="0"/>
+              <a:t>[</a:t>
+            </a:r>
+            <a:r>
+              <a:rPr lang="en-US" altLang="zh-TW" sz="2400" i="1" dirty="0" err="1"/>
+              <a:t>i</a:t>
+            </a:r>
+            <a:r>
+              <a:rPr lang="en-US" altLang="zh-TW" sz="2400" dirty="0"/>
+              <a:t>] =</a:t>
+            </a:r>
+            <a:r>
+              <a:rPr lang="en-US" altLang="zh-TW" sz="2400" i="1" dirty="0"/>
+              <a:t> false </a:t>
+            </a:r>
+            <a:r>
+              <a:rPr lang="en-US" altLang="zh-TW" sz="2400" dirty="0"/>
+              <a:t>for</a:t>
+            </a:r>
+            <a:r>
+              <a:rPr lang="en-US" altLang="zh-TW" sz="2400" i="1" dirty="0"/>
+              <a:t> </a:t>
+            </a:r>
+            <a:r>
+              <a:rPr lang="en-US" altLang="zh-TW" sz="2400" i="1" dirty="0" err="1"/>
+              <a:t>i</a:t>
+            </a:r>
+            <a:r>
+              <a:rPr lang="en-US" altLang="zh-TW" sz="2400" dirty="0"/>
+              <a:t> = 0, 1, …, </a:t>
+            </a:r>
+            <a:r>
+              <a:rPr lang="en-US" altLang="zh-TW" sz="2400" i="1" dirty="0"/>
+              <a:t>n- </a:t>
+            </a:r>
+            <a:r>
+              <a:rPr lang="en-US" altLang="zh-TW" sz="2400" dirty="0"/>
+              <a:t>1</a:t>
+            </a:r>
+          </a:p>
+          <a:p>
+            <a:pPr>
+              <a:lnSpc>
+                <a:spcPct val="90000"/>
+              </a:lnSpc>
+              <a:buFont typeface="Monotype Sorts" pitchFamily="2" charset="2"/>
+              <a:buNone/>
+            </a:pPr>
+            <a:r>
+              <a:rPr lang="en-US" altLang="zh-TW" sz="2400" dirty="0"/>
+              <a:t>2.	Find any </a:t>
+            </a:r>
+            <a:r>
+              <a:rPr lang="en-US" altLang="zh-TW" sz="2400" i="1" dirty="0" err="1"/>
+              <a:t>i</a:t>
+            </a:r>
+            <a:r>
+              <a:rPr lang="en-US" altLang="zh-TW" sz="2400" i="1" dirty="0"/>
+              <a:t> </a:t>
+            </a:r>
+            <a:r>
+              <a:rPr lang="en-US" altLang="zh-TW" sz="2400" dirty="0"/>
+              <a:t>such that both: </a:t>
+            </a:r>
+          </a:p>
+          <a:p>
+            <a:pPr lvl="1">
+              <a:lnSpc>
+                <a:spcPct val="90000"/>
+              </a:lnSpc>
+              <a:buFont typeface="Monotype Sorts" pitchFamily="2" charset="2"/>
+              <a:buNone/>
+            </a:pPr>
+            <a:r>
+              <a:rPr lang="en-US" altLang="zh-TW" sz="2400" dirty="0"/>
+              <a:t>(a) </a:t>
+            </a:r>
+            <a:r>
+              <a:rPr lang="en-US" altLang="zh-TW" sz="2400" i="1" dirty="0"/>
+              <a:t>Finish</a:t>
+            </a:r>
+            <a:r>
+              <a:rPr lang="en-US" altLang="zh-TW" sz="2400" dirty="0"/>
+              <a:t> </a:t>
+            </a:r>
+            <a:r>
+              <a:rPr lang="zh-TW" altLang="en-US" sz="2400" dirty="0"/>
+              <a:t>還沒跑完</a:t>
+            </a:r>
+            <a:r>
+              <a:rPr lang="en-US" altLang="zh-TW" sz="2400" dirty="0"/>
+              <a:t>[</a:t>
+            </a:r>
+            <a:r>
+              <a:rPr lang="en-US" altLang="zh-TW" sz="2400" i="1" dirty="0" err="1"/>
+              <a:t>i</a:t>
+            </a:r>
+            <a:r>
+              <a:rPr lang="en-US" altLang="zh-TW" sz="2400" dirty="0"/>
+              <a:t>] = </a:t>
+            </a:r>
+            <a:r>
+              <a:rPr lang="en-US" altLang="zh-TW" sz="2400" i="1" dirty="0"/>
+              <a:t>false</a:t>
+            </a:r>
+            <a:endParaRPr lang="en-US" altLang="zh-TW" sz="2400" dirty="0"/>
+          </a:p>
+          <a:p>
+            <a:pPr lvl="1">
+              <a:lnSpc>
+                <a:spcPct val="90000"/>
+              </a:lnSpc>
+              <a:buNone/>
+            </a:pPr>
+            <a:r>
+              <a:rPr lang="en-US" altLang="zh-TW" sz="2400" dirty="0"/>
+              <a:t>(b) </a:t>
+            </a:r>
+            <a:r>
+              <a:rPr lang="en-US" altLang="zh-TW" sz="2400" i="1" dirty="0" err="1"/>
+              <a:t>Need</a:t>
+            </a:r>
+            <a:r>
+              <a:rPr lang="en-US" altLang="zh-TW" sz="2400" i="1" baseline="-25000" dirty="0" err="1"/>
+              <a:t>i</a:t>
+            </a:r>
+            <a:r>
+              <a:rPr lang="en-US" altLang="zh-TW" sz="2400" dirty="0"/>
+              <a:t> </a:t>
+            </a:r>
+            <a:r>
+              <a:rPr lang="en-US" altLang="zh-TW" sz="2400" dirty="0">
+                <a:sym typeface="Symbol" pitchFamily="18" charset="2"/>
+              </a:rPr>
+              <a:t> </a:t>
+            </a:r>
+            <a:r>
+              <a:rPr lang="en-US" altLang="zh-TW" sz="2400" i="1" dirty="0">
+                <a:sym typeface="Symbol" pitchFamily="18" charset="2"/>
+              </a:rPr>
+              <a:t>Work</a:t>
+            </a:r>
+            <a:r>
+              <a:rPr lang="zh-TW" altLang="en-US" sz="2400" i="1" dirty="0">
+                <a:sym typeface="Symbol" pitchFamily="18" charset="2"/>
+              </a:rPr>
+              <a:t>  </a:t>
+            </a:r>
+            <a:r>
+              <a:rPr lang="en-US" altLang="zh-TW" sz="2400" i="1" dirty="0">
+                <a:sym typeface="Symbol" pitchFamily="18" charset="2"/>
+              </a:rPr>
+              <a:t>(</a:t>
+            </a:r>
+            <a:r>
+              <a:rPr lang="zh-TW" altLang="en-US" sz="2400" i="1" dirty="0">
+                <a:sym typeface="Symbol" pitchFamily="18" charset="2"/>
+              </a:rPr>
+              <a:t>我</a:t>
+            </a:r>
+            <a:r>
+              <a:rPr lang="en-US" altLang="zh-TW" dirty="0"/>
+              <a:t>= </a:t>
+            </a:r>
+            <a:r>
+              <a:rPr lang="en-US" altLang="zh-TW" i="1" dirty="0"/>
+              <a:t>Available</a:t>
+            </a:r>
+            <a:r>
+              <a:rPr lang="zh-TW" altLang="en-US" i="1" dirty="0"/>
+              <a:t>  </a:t>
+            </a:r>
+            <a:r>
+              <a:rPr lang="zh-TW" altLang="en-US" dirty="0">
+                <a:sym typeface="Symbol" pitchFamily="18" charset="2"/>
+              </a:rPr>
+              <a:t>需求</a:t>
+            </a:r>
+            <a:r>
+              <a:rPr lang="en-US" altLang="zh-TW" dirty="0">
+                <a:sym typeface="Symbol" pitchFamily="18" charset="2"/>
+              </a:rPr>
+              <a:t>&lt;</a:t>
+            </a:r>
+            <a:r>
+              <a:rPr lang="zh-TW" altLang="en-US" dirty="0">
+                <a:sym typeface="Symbol" pitchFamily="18" charset="2"/>
+              </a:rPr>
+              <a:t>供給 </a:t>
+            </a:r>
+            <a:r>
+              <a:rPr lang="en-US" altLang="zh-TW" dirty="0">
+                <a:sym typeface="Symbol" pitchFamily="18" charset="2"/>
+              </a:rPr>
+              <a:t>–</a:t>
+            </a:r>
+            <a:r>
+              <a:rPr lang="zh-TW" altLang="en-US" dirty="0">
+                <a:sym typeface="Symbol" pitchFamily="18" charset="2"/>
+              </a:rPr>
+              <a:t>可跑完</a:t>
+            </a:r>
+            <a:endParaRPr lang="en-US" altLang="zh-TW" sz="2400" i="1" dirty="0">
+              <a:sym typeface="Symbol" pitchFamily="18" charset="2"/>
+            </a:endParaRPr>
+          </a:p>
+          <a:p>
+            <a:pPr lvl="1">
+              <a:lnSpc>
+                <a:spcPct val="90000"/>
+              </a:lnSpc>
+              <a:buFont typeface="Monotype Sorts" pitchFamily="2" charset="2"/>
+              <a:buNone/>
+            </a:pPr>
+            <a:r>
+              <a:rPr lang="en-US" altLang="zh-TW" sz="2400" dirty="0">
+                <a:sym typeface="Symbol" pitchFamily="18" charset="2"/>
+              </a:rPr>
+              <a:t>If no such </a:t>
+            </a:r>
+            <a:r>
+              <a:rPr lang="en-US" altLang="zh-TW" sz="2400" i="1" dirty="0" err="1">
+                <a:sym typeface="Symbol" pitchFamily="18" charset="2"/>
+              </a:rPr>
+              <a:t>i</a:t>
+            </a:r>
+            <a:r>
+              <a:rPr lang="en-US" altLang="zh-TW" sz="2400" i="1" dirty="0">
+                <a:sym typeface="Symbol" pitchFamily="18" charset="2"/>
+              </a:rPr>
+              <a:t> </a:t>
+            </a:r>
+            <a:r>
+              <a:rPr lang="en-US" altLang="zh-TW" sz="2400" dirty="0">
+                <a:sym typeface="Symbol" pitchFamily="18" charset="2"/>
+              </a:rPr>
+              <a:t>exists, go to step 4</a:t>
+            </a:r>
+          </a:p>
+          <a:p>
+            <a:pPr>
+              <a:lnSpc>
+                <a:spcPct val="90000"/>
+              </a:lnSpc>
+              <a:buNone/>
+            </a:pPr>
+            <a:r>
+              <a:rPr lang="en-US" altLang="zh-TW" sz="2400" dirty="0"/>
+              <a:t>3.	</a:t>
+            </a:r>
+            <a:r>
+              <a:rPr lang="en-US" altLang="zh-TW" sz="2400" i="1" dirty="0"/>
+              <a:t>Work</a:t>
+            </a:r>
+            <a:r>
+              <a:rPr lang="en-US" altLang="zh-TW" sz="2400" dirty="0"/>
+              <a:t> = </a:t>
+            </a:r>
+            <a:r>
+              <a:rPr lang="en-US" altLang="zh-TW" sz="2400" i="1" dirty="0"/>
+              <a:t>Work </a:t>
+            </a:r>
+            <a:r>
+              <a:rPr lang="en-US" altLang="zh-TW" sz="2400" dirty="0"/>
+              <a:t>+ </a:t>
+            </a:r>
+            <a:r>
+              <a:rPr lang="en-US" altLang="zh-TW" sz="2400" i="1" dirty="0" err="1"/>
+              <a:t>Allocation</a:t>
+            </a:r>
+            <a:r>
+              <a:rPr lang="en-US" altLang="zh-TW" sz="2400" i="1" baseline="-25000" dirty="0" err="1"/>
+              <a:t>i</a:t>
+            </a:r>
+            <a:r>
+              <a:rPr lang="zh-TW" altLang="en-US" sz="2400" i="1" baseline="-25000" dirty="0"/>
+              <a:t>  </a:t>
+            </a:r>
+            <a:r>
+              <a:rPr lang="zh-TW" altLang="en-US" i="1" dirty="0"/>
+              <a:t>跑完後回收資源</a:t>
+            </a:r>
+            <a:r>
+              <a:rPr lang="zh-TW" altLang="en-US" sz="2400" i="1" baseline="-25000" dirty="0"/>
+              <a:t>   </a:t>
+            </a:r>
+            <a:br>
+              <a:rPr lang="en-US" altLang="zh-TW" sz="2400" dirty="0"/>
+            </a:br>
+            <a:r>
+              <a:rPr lang="en-US" altLang="zh-TW" sz="2400" i="1" dirty="0"/>
+              <a:t>Finish</a:t>
+            </a:r>
+            <a:r>
+              <a:rPr lang="en-US" altLang="zh-TW" sz="2400" dirty="0"/>
+              <a:t>[</a:t>
+            </a:r>
+            <a:r>
+              <a:rPr lang="en-US" altLang="zh-TW" sz="2400" i="1" dirty="0" err="1"/>
+              <a:t>i</a:t>
+            </a:r>
+            <a:r>
+              <a:rPr lang="en-US" altLang="zh-TW" sz="2400" dirty="0"/>
+              <a:t>] =</a:t>
+            </a:r>
+            <a:r>
+              <a:rPr lang="en-US" altLang="zh-TW" sz="2400" i="1" dirty="0"/>
+              <a:t> true</a:t>
+            </a:r>
+            <a:r>
+              <a:rPr lang="zh-TW" altLang="en-US" sz="2400" i="1" dirty="0"/>
+              <a:t>   跑完</a:t>
+            </a:r>
+            <a:br>
+              <a:rPr lang="en-US" altLang="zh-TW" sz="2400" dirty="0"/>
+            </a:br>
+            <a:r>
+              <a:rPr lang="en-US" altLang="zh-TW" sz="2400" dirty="0"/>
+              <a:t>go to step 2</a:t>
+            </a:r>
+            <a:r>
+              <a:rPr lang="zh-TW" altLang="en-US" sz="2400" dirty="0"/>
+              <a:t>  繼續找下個跑</a:t>
+            </a:r>
+            <a:endParaRPr lang="en-US" altLang="zh-TW" sz="2400" dirty="0"/>
+          </a:p>
+          <a:p>
+            <a:pPr>
+              <a:lnSpc>
+                <a:spcPct val="90000"/>
+              </a:lnSpc>
+              <a:buFont typeface="Monotype Sorts" pitchFamily="2" charset="2"/>
+              <a:buNone/>
+            </a:pPr>
+            <a:r>
+              <a:rPr lang="en-US" altLang="zh-TW" sz="2400" dirty="0"/>
+              <a:t>4.	If </a:t>
+            </a:r>
+            <a:r>
+              <a:rPr lang="en-US" altLang="zh-TW" sz="2400" i="1" dirty="0"/>
+              <a:t>Finish</a:t>
+            </a:r>
+            <a:r>
+              <a:rPr lang="en-US" altLang="zh-TW" sz="2400" dirty="0"/>
+              <a:t> [</a:t>
+            </a:r>
+            <a:r>
+              <a:rPr lang="en-US" altLang="zh-TW" sz="2400" i="1" dirty="0" err="1"/>
+              <a:t>i</a:t>
+            </a:r>
+            <a:r>
+              <a:rPr lang="en-US" altLang="zh-TW" sz="2400" dirty="0"/>
+              <a:t>] == true for all </a:t>
+            </a:r>
+            <a:r>
+              <a:rPr lang="en-US" altLang="zh-TW" sz="2400" i="1" dirty="0" err="1"/>
+              <a:t>i</a:t>
+            </a:r>
+            <a:r>
+              <a:rPr lang="en-US" altLang="zh-TW" sz="2400" dirty="0"/>
+              <a:t>, then the system is in a </a:t>
+            </a:r>
+            <a:r>
+              <a:rPr lang="en-US" altLang="zh-TW" sz="2400" b="1" dirty="0">
+                <a:solidFill>
+                  <a:srgbClr val="FF0000"/>
+                </a:solidFill>
+              </a:rPr>
+              <a:t>safe state</a:t>
+            </a:r>
+          </a:p>
+        </p:txBody>
+      </p:sp>
+    </p:spTree>
+  </p:cSld>
+  <p:clrMapOvr>
+    <a:masterClrMapping/>
+  </p:clrMapOvr>
+</p:sld>
+</file>
+
+<file path=ppt/slides/slide31.xml><?xml version="1.0" encoding="utf-8"?>
+<p:sld xmlns:a="http://schemas.openxmlformats.org/drawingml/2006/main" xmlns:r="http://schemas.openxmlformats.org/officeDocument/2006/relationships" xmlns:p="http://schemas.openxmlformats.org/presentationml/2006/main">
+  <p:cSld>
+    <p:spTree>
+      <p:nvGrpSpPr>
+        <p:cNvPr id="1" name=""/>
+        <p:cNvGrpSpPr/>
+        <p:nvPr/>
+      </p:nvGrpSpPr>
+      <p:grpSpPr>
+        <a:xfrm>
+          <a:off x="0" y="0"/>
+          <a:ext cx="0" cy="0"/>
+          <a:chOff x="0" y="0"/>
+          <a:chExt cx="0" cy="0"/>
+        </a:xfrm>
+      </p:grpSpPr>
+      <p:sp>
+        <p:nvSpPr>
+          <p:cNvPr id="31746" name="Rectangle 2"/>
+          <p:cNvSpPr>
+            <a:spLocks noGrp="1" noChangeArrowheads="1"/>
+          </p:cNvSpPr>
+          <p:nvPr>
+            <p:ph type="title"/>
+          </p:nvPr>
+        </p:nvSpPr>
+        <p:spPr>
+          <a:xfrm>
+            <a:off x="730734" y="381825"/>
+            <a:ext cx="7924800" cy="457200"/>
+          </a:xfrm>
+        </p:spPr>
+        <p:txBody>
+          <a:bodyPr/>
+          <a:lstStyle/>
+          <a:p>
+            <a:pPr eaLnBrk="1" hangingPunct="1"/>
+            <a:r>
+              <a:rPr lang="en-US" altLang="zh-TW" sz="3200" dirty="0"/>
+              <a:t>Resource-Request Algorithm for Process </a:t>
+            </a:r>
+            <a:r>
+              <a:rPr lang="en-US" altLang="zh-TW" sz="3200" i="1" dirty="0"/>
+              <a:t>P</a:t>
+            </a:r>
+            <a:r>
+              <a:rPr lang="en-US" altLang="zh-TW" sz="3200" i="1" baseline="-25000" dirty="0"/>
+              <a:t>i</a:t>
+            </a:r>
+            <a:endParaRPr lang="en-US" altLang="zh-TW" sz="3200" dirty="0"/>
+          </a:p>
+        </p:txBody>
+      </p:sp>
+      <p:sp>
+        <p:nvSpPr>
+          <p:cNvPr id="31747" name="Rectangle 3"/>
+          <p:cNvSpPr>
+            <a:spLocks noGrp="1" noChangeArrowheads="1"/>
+          </p:cNvSpPr>
+          <p:nvPr>
+            <p:ph type="body" idx="1"/>
+          </p:nvPr>
+        </p:nvSpPr>
+        <p:spPr>
+          <a:xfrm>
+            <a:off x="490258" y="994217"/>
+            <a:ext cx="8001000" cy="4686300"/>
+          </a:xfrm>
+        </p:spPr>
+        <p:txBody>
+          <a:bodyPr/>
+          <a:lstStyle/>
+          <a:p>
+            <a:pPr>
+              <a:buFont typeface="Monotype Sorts" pitchFamily="2" charset="2"/>
+              <a:buNone/>
+            </a:pPr>
+            <a:r>
+              <a:rPr lang="en-US" altLang="zh-TW" sz="2000" i="1" dirty="0"/>
+              <a:t>      </a:t>
+            </a:r>
+            <a:r>
+              <a:rPr lang="en-US" altLang="zh-TW" i="1" dirty="0" err="1"/>
+              <a:t>Request</a:t>
+            </a:r>
+            <a:r>
+              <a:rPr lang="en-US" altLang="zh-TW" i="1" baseline="-25000" dirty="0" err="1"/>
+              <a:t>i</a:t>
+            </a:r>
+            <a:r>
+              <a:rPr lang="en-US" altLang="zh-TW" i="1" baseline="-25000" dirty="0"/>
+              <a:t> </a:t>
+            </a:r>
+            <a:r>
+              <a:rPr lang="en-US" altLang="zh-TW" dirty="0"/>
+              <a:t>= request vector for process </a:t>
+            </a:r>
+            <a:r>
+              <a:rPr lang="en-US" altLang="zh-TW" i="1" dirty="0"/>
+              <a:t>P</a:t>
+            </a:r>
+            <a:r>
+              <a:rPr lang="en-US" altLang="zh-TW" i="1" baseline="-25000" dirty="0"/>
+              <a:t>i</a:t>
+            </a:r>
+            <a:r>
+              <a:rPr lang="en-US" altLang="zh-TW" dirty="0"/>
+              <a:t>.  If </a:t>
+            </a:r>
+            <a:r>
+              <a:rPr lang="en-US" altLang="zh-TW" i="1" dirty="0" err="1"/>
+              <a:t>Request</a:t>
+            </a:r>
+            <a:r>
+              <a:rPr lang="en-US" altLang="zh-TW" i="1" baseline="-25000" dirty="0" err="1"/>
+              <a:t>i</a:t>
+            </a:r>
+            <a:r>
+              <a:rPr lang="en-US" altLang="zh-TW" baseline="-25000" dirty="0"/>
+              <a:t> </a:t>
+            </a:r>
+            <a:r>
+              <a:rPr lang="en-US" altLang="zh-TW" dirty="0"/>
+              <a:t>[</a:t>
+            </a:r>
+            <a:r>
+              <a:rPr lang="en-US" altLang="zh-TW" i="1" dirty="0"/>
+              <a:t>j</a:t>
+            </a:r>
+            <a:r>
+              <a:rPr lang="en-US" altLang="zh-TW" dirty="0"/>
+              <a:t>] = </a:t>
+            </a:r>
+            <a:r>
+              <a:rPr lang="en-US" altLang="zh-TW" i="1" dirty="0"/>
+              <a:t>k</a:t>
+            </a:r>
+            <a:r>
+              <a:rPr lang="en-US" altLang="zh-TW" dirty="0"/>
+              <a:t> then process </a:t>
+            </a:r>
+            <a:r>
+              <a:rPr lang="en-US" altLang="zh-TW" i="1" dirty="0"/>
+              <a:t>P</a:t>
+            </a:r>
+            <a:r>
+              <a:rPr lang="en-US" altLang="zh-TW" i="1" baseline="-25000" dirty="0"/>
+              <a:t>i</a:t>
+            </a:r>
+            <a:r>
+              <a:rPr lang="en-US" altLang="zh-TW" dirty="0"/>
+              <a:t> </a:t>
+            </a:r>
+            <a:r>
+              <a:rPr lang="en-US" altLang="zh-TW" dirty="0">
+                <a:solidFill>
+                  <a:srgbClr val="FF0000"/>
+                </a:solidFill>
+              </a:rPr>
+              <a:t>wants</a:t>
+            </a:r>
+            <a:r>
+              <a:rPr lang="en-US" altLang="zh-TW" dirty="0"/>
+              <a:t> </a:t>
+            </a:r>
+            <a:r>
+              <a:rPr lang="en-US" altLang="zh-TW" i="1" dirty="0"/>
+              <a:t>k</a:t>
+            </a:r>
+            <a:r>
+              <a:rPr lang="en-US" altLang="zh-TW" dirty="0"/>
+              <a:t> instances of resource type </a:t>
+            </a:r>
+            <a:r>
+              <a:rPr lang="en-US" altLang="zh-TW" i="1" dirty="0" err="1"/>
+              <a:t>R</a:t>
+            </a:r>
+            <a:r>
+              <a:rPr lang="en-US" altLang="zh-TW" i="1" baseline="-25000" dirty="0" err="1"/>
+              <a:t>j</a:t>
+            </a:r>
+            <a:endParaRPr lang="en-US" altLang="zh-TW" sz="2000" baseline="-25000" dirty="0"/>
+          </a:p>
+          <a:p>
+            <a:pPr lvl="1">
+              <a:buFont typeface="Monotype Sorts" pitchFamily="2" charset="2"/>
+              <a:buNone/>
+            </a:pPr>
+            <a:r>
+              <a:rPr lang="en-US" altLang="zh-TW" sz="2000" dirty="0"/>
+              <a:t>1.	If </a:t>
+            </a:r>
+            <a:r>
+              <a:rPr lang="en-US" altLang="zh-TW" sz="2000" i="1" dirty="0" err="1"/>
+              <a:t>Request</a:t>
+            </a:r>
+            <a:r>
+              <a:rPr lang="en-US" altLang="zh-TW" sz="2000" i="1" baseline="-25000" dirty="0" err="1"/>
+              <a:t>i</a:t>
+            </a:r>
+            <a:r>
+              <a:rPr lang="en-US" altLang="zh-TW" sz="2000" i="1" dirty="0"/>
+              <a:t> </a:t>
+            </a:r>
+            <a:r>
+              <a:rPr lang="en-US" altLang="zh-TW" sz="2000" dirty="0">
+                <a:sym typeface="Symbol" pitchFamily="18" charset="2"/>
+              </a:rPr>
+              <a:t> </a:t>
+            </a:r>
+            <a:r>
+              <a:rPr lang="en-US" altLang="zh-TW" sz="2000" i="1" dirty="0" err="1">
+                <a:sym typeface="Symbol" pitchFamily="18" charset="2"/>
+              </a:rPr>
+              <a:t>Need</a:t>
+            </a:r>
+            <a:r>
+              <a:rPr lang="en-US" altLang="zh-TW" sz="2000" i="1" baseline="-25000" dirty="0" err="1">
+                <a:sym typeface="Symbol" pitchFamily="18" charset="2"/>
+              </a:rPr>
+              <a:t>i</a:t>
+            </a:r>
+            <a:r>
+              <a:rPr lang="en-US" altLang="zh-TW" sz="2000" i="1" dirty="0">
+                <a:sym typeface="Symbol" pitchFamily="18" charset="2"/>
+              </a:rPr>
+              <a:t> </a:t>
+            </a:r>
+            <a:r>
+              <a:rPr lang="en-US" altLang="zh-TW" sz="2000" dirty="0">
+                <a:sym typeface="Symbol" pitchFamily="18" charset="2"/>
+              </a:rPr>
+              <a:t>go to step 2.  </a:t>
+            </a:r>
+            <a:r>
+              <a:rPr lang="en-US" altLang="zh-TW" sz="2000" dirty="0">
+                <a:solidFill>
+                  <a:srgbClr val="FF0000"/>
+                </a:solidFill>
+                <a:sym typeface="Symbol" pitchFamily="18" charset="2"/>
+              </a:rPr>
+              <a:t>Otherwise</a:t>
+            </a:r>
+            <a:r>
+              <a:rPr lang="en-US" altLang="zh-TW" sz="2000" dirty="0">
+                <a:sym typeface="Symbol" pitchFamily="18" charset="2"/>
+              </a:rPr>
+              <a:t>, raise </a:t>
+            </a:r>
+            <a:r>
+              <a:rPr lang="en-US" altLang="zh-TW" sz="2000" dirty="0">
+                <a:solidFill>
+                  <a:srgbClr val="FF0000"/>
+                </a:solidFill>
+                <a:sym typeface="Symbol" pitchFamily="18" charset="2"/>
+              </a:rPr>
+              <a:t>error</a:t>
+            </a:r>
+            <a:r>
+              <a:rPr lang="en-US" altLang="zh-TW" sz="2000" dirty="0">
+                <a:sym typeface="Symbol" pitchFamily="18" charset="2"/>
+              </a:rPr>
+              <a:t> condition, since process has exceeded its maximum claim</a:t>
+            </a:r>
+          </a:p>
+          <a:p>
+            <a:pPr lvl="1">
+              <a:buFont typeface="Monotype Sorts" pitchFamily="2" charset="2"/>
+              <a:buNone/>
+            </a:pPr>
+            <a:r>
+              <a:rPr lang="en-US" altLang="zh-TW" sz="2000" dirty="0">
+                <a:sym typeface="Symbol" pitchFamily="18" charset="2"/>
+              </a:rPr>
+              <a:t>2.	If </a:t>
+            </a:r>
+            <a:r>
+              <a:rPr lang="en-US" altLang="zh-TW" sz="2000" i="1" dirty="0" err="1"/>
+              <a:t>Request</a:t>
+            </a:r>
+            <a:r>
+              <a:rPr lang="en-US" altLang="zh-TW" sz="2000" i="1" baseline="-25000" dirty="0" err="1"/>
+              <a:t>i</a:t>
+            </a:r>
+            <a:r>
+              <a:rPr lang="en-US" altLang="zh-TW" sz="2000" dirty="0"/>
+              <a:t> </a:t>
+            </a:r>
+            <a:r>
+              <a:rPr lang="en-US" altLang="zh-TW" sz="2000" dirty="0">
+                <a:sym typeface="Symbol" pitchFamily="18" charset="2"/>
+              </a:rPr>
+              <a:t> </a:t>
+            </a:r>
+            <a:r>
+              <a:rPr lang="en-US" altLang="zh-TW" sz="2000" i="1" dirty="0">
+                <a:sym typeface="Symbol" pitchFamily="18" charset="2"/>
+              </a:rPr>
+              <a:t>Available</a:t>
+            </a:r>
+            <a:r>
+              <a:rPr lang="en-US" altLang="zh-TW" sz="2000" dirty="0">
+                <a:sym typeface="Symbol" pitchFamily="18" charset="2"/>
+              </a:rPr>
+              <a:t>, go to step 3.  </a:t>
+            </a:r>
+            <a:r>
+              <a:rPr lang="en-US" altLang="zh-TW" sz="2000" dirty="0">
+                <a:solidFill>
+                  <a:srgbClr val="FF0000"/>
+                </a:solidFill>
+                <a:sym typeface="Symbol" pitchFamily="18" charset="2"/>
+              </a:rPr>
+              <a:t>Otherwise</a:t>
+            </a:r>
+            <a:r>
+              <a:rPr lang="en-US" altLang="zh-TW" sz="2000" dirty="0">
+                <a:sym typeface="Symbol" pitchFamily="18" charset="2"/>
+              </a:rPr>
+              <a:t> </a:t>
+            </a:r>
+            <a:r>
+              <a:rPr lang="en-US" altLang="zh-TW" sz="2000" i="1" dirty="0">
+                <a:sym typeface="Symbol" pitchFamily="18" charset="2"/>
+              </a:rPr>
+              <a:t>P</a:t>
+            </a:r>
+            <a:r>
+              <a:rPr lang="en-US" altLang="zh-TW" sz="2000" i="1" baseline="-25000" dirty="0">
+                <a:sym typeface="Symbol" pitchFamily="18" charset="2"/>
+              </a:rPr>
+              <a:t>i</a:t>
+            </a:r>
+            <a:r>
+              <a:rPr lang="en-US" altLang="zh-TW" sz="2000" dirty="0">
+                <a:sym typeface="Symbol" pitchFamily="18" charset="2"/>
+              </a:rPr>
+              <a:t>  must </a:t>
+            </a:r>
+            <a:r>
+              <a:rPr lang="en-US" altLang="zh-TW" sz="2000" dirty="0">
+                <a:solidFill>
+                  <a:srgbClr val="FF0000"/>
+                </a:solidFill>
+                <a:sym typeface="Symbol" pitchFamily="18" charset="2"/>
+              </a:rPr>
+              <a:t>wait</a:t>
+            </a:r>
+            <a:r>
+              <a:rPr lang="en-US" altLang="zh-TW" sz="2000" dirty="0">
+                <a:sym typeface="Symbol" pitchFamily="18" charset="2"/>
+              </a:rPr>
+              <a:t>, since resources are not available</a:t>
+            </a:r>
+          </a:p>
+          <a:p>
+            <a:pPr lvl="1">
+              <a:buFont typeface="Monotype Sorts" pitchFamily="2" charset="2"/>
+              <a:buNone/>
+            </a:pPr>
+            <a:r>
+              <a:rPr lang="en-US" altLang="zh-TW" sz="2000" dirty="0">
+                <a:sym typeface="Symbol" pitchFamily="18" charset="2"/>
+              </a:rPr>
+              <a:t>3.	Pretend</a:t>
+            </a:r>
+            <a:r>
+              <a:rPr lang="zh-TW" altLang="en-US" sz="2000" dirty="0">
+                <a:sym typeface="Symbol" pitchFamily="18" charset="2"/>
+              </a:rPr>
+              <a:t>先假設</a:t>
+            </a:r>
+            <a:r>
+              <a:rPr lang="en-US" altLang="zh-TW" sz="2000" dirty="0">
+                <a:sym typeface="Symbol" pitchFamily="18" charset="2"/>
+              </a:rPr>
+              <a:t> to allocate requested resources to </a:t>
+            </a:r>
+            <a:r>
+              <a:rPr lang="en-US" altLang="zh-TW" sz="2000" i="1" dirty="0">
+                <a:sym typeface="Symbol" pitchFamily="18" charset="2"/>
+              </a:rPr>
+              <a:t>P</a:t>
+            </a:r>
+            <a:r>
+              <a:rPr lang="en-US" altLang="zh-TW" sz="2000" i="1" baseline="-25000" dirty="0">
+                <a:sym typeface="Symbol" pitchFamily="18" charset="2"/>
+              </a:rPr>
+              <a:t>i</a:t>
+            </a:r>
+            <a:r>
+              <a:rPr lang="en-US" altLang="zh-TW" sz="2000" dirty="0">
+                <a:sym typeface="Symbol" pitchFamily="18" charset="2"/>
+              </a:rPr>
+              <a:t> (</a:t>
+            </a:r>
+            <a:r>
+              <a:rPr lang="zh-TW" altLang="en-US" sz="2000" dirty="0">
+                <a:sym typeface="Symbol" pitchFamily="18" charset="2"/>
+              </a:rPr>
+              <a:t>圖就是線轉過來需變實</a:t>
+            </a:r>
+            <a:r>
+              <a:rPr lang="en-US" altLang="zh-TW" sz="2000" dirty="0">
+                <a:sym typeface="Symbol" pitchFamily="18" charset="2"/>
+              </a:rPr>
+              <a:t>)by modifying the state as follows:</a:t>
+            </a:r>
+          </a:p>
+          <a:p>
+            <a:pPr lvl="3">
+              <a:buFontTx/>
+              <a:buNone/>
+            </a:pPr>
+            <a:r>
+              <a:rPr lang="en-US" altLang="zh-TW" sz="2000" dirty="0">
+                <a:sym typeface="Symbol" pitchFamily="18" charset="2"/>
+              </a:rPr>
+              <a:t>		</a:t>
+            </a:r>
+            <a:r>
+              <a:rPr lang="en-US" altLang="zh-TW" sz="2000" i="1" dirty="0">
+                <a:sym typeface="Symbol" pitchFamily="18" charset="2"/>
+              </a:rPr>
+              <a:t>Available</a:t>
+            </a:r>
+            <a:r>
+              <a:rPr lang="en-US" altLang="zh-TW" sz="2000" dirty="0">
+                <a:sym typeface="Symbol" pitchFamily="18" charset="2"/>
+              </a:rPr>
+              <a:t> = </a:t>
+            </a:r>
+            <a:r>
+              <a:rPr lang="en-US" altLang="zh-TW" sz="2000" i="1" dirty="0" err="1">
+                <a:sym typeface="Symbol" pitchFamily="18" charset="2"/>
+              </a:rPr>
+              <a:t>AvAllocation</a:t>
+            </a:r>
+            <a:r>
+              <a:rPr lang="en-US" altLang="zh-TW" sz="2000" i="1" baseline="-25000" dirty="0" err="1">
+                <a:sym typeface="Symbol" pitchFamily="18" charset="2"/>
+              </a:rPr>
+              <a:t>i</a:t>
+            </a:r>
+            <a:r>
+              <a:rPr lang="en-US" altLang="zh-TW" sz="2000" i="1" dirty="0" err="1">
+                <a:sym typeface="Symbol" pitchFamily="18" charset="2"/>
+              </a:rPr>
+              <a:t>ailable</a:t>
+            </a:r>
+            <a:r>
+              <a:rPr lang="en-US" altLang="zh-TW" sz="2000" i="1" dirty="0">
+                <a:sym typeface="Symbol" pitchFamily="18" charset="2"/>
+              </a:rPr>
+              <a:t>  </a:t>
+            </a:r>
+            <a:r>
+              <a:rPr lang="en-US" altLang="zh-TW" sz="2000" dirty="0">
+                <a:sym typeface="Symbol" pitchFamily="18" charset="2"/>
+              </a:rPr>
+              <a:t>–</a:t>
+            </a:r>
+            <a:r>
+              <a:rPr lang="en-US" altLang="zh-TW" sz="2000" i="1" dirty="0">
+                <a:sym typeface="Symbol" pitchFamily="18" charset="2"/>
+              </a:rPr>
+              <a:t> Request;</a:t>
+            </a:r>
+          </a:p>
+          <a:p>
+            <a:pPr lvl="3">
+              <a:buFontTx/>
+              <a:buNone/>
+            </a:pPr>
+            <a:r>
+              <a:rPr lang="en-US" altLang="zh-TW" sz="2000" dirty="0">
+                <a:sym typeface="Symbol" pitchFamily="18" charset="2"/>
+              </a:rPr>
+              <a:t>		</a:t>
+            </a:r>
+            <a:r>
+              <a:rPr lang="en-US" altLang="zh-TW" sz="2000" i="1" dirty="0" err="1">
+                <a:sym typeface="Symbol" pitchFamily="18" charset="2"/>
+              </a:rPr>
+              <a:t>Allocation</a:t>
+            </a:r>
+            <a:r>
+              <a:rPr lang="en-US" altLang="zh-TW" sz="2000" i="1" baseline="-25000" dirty="0" err="1">
+                <a:sym typeface="Symbol" pitchFamily="18" charset="2"/>
+              </a:rPr>
+              <a:t>i</a:t>
+            </a:r>
+            <a:r>
+              <a:rPr lang="en-US" altLang="zh-TW" sz="2000" baseline="-25000" dirty="0">
+                <a:sym typeface="Symbol" pitchFamily="18" charset="2"/>
+              </a:rPr>
+              <a:t> </a:t>
+            </a:r>
+            <a:r>
+              <a:rPr lang="en-US" altLang="zh-TW" sz="2000" dirty="0">
+                <a:sym typeface="Symbol" pitchFamily="18" charset="2"/>
+              </a:rPr>
+              <a:t>= + </a:t>
+            </a:r>
+            <a:r>
+              <a:rPr lang="en-US" altLang="zh-TW" sz="2000" i="1" dirty="0" err="1">
+                <a:sym typeface="Symbol" pitchFamily="18" charset="2"/>
+              </a:rPr>
+              <a:t>Request</a:t>
+            </a:r>
+            <a:r>
+              <a:rPr lang="en-US" altLang="zh-TW" sz="2000" i="1" baseline="-25000" dirty="0" err="1">
+                <a:sym typeface="Symbol" pitchFamily="18" charset="2"/>
+              </a:rPr>
+              <a:t>i</a:t>
+            </a:r>
+            <a:r>
+              <a:rPr lang="en-US" altLang="zh-TW" sz="2000" dirty="0">
+                <a:sym typeface="Symbol" pitchFamily="18" charset="2"/>
+              </a:rPr>
+              <a:t>;</a:t>
+            </a:r>
+          </a:p>
+          <a:p>
+            <a:pPr lvl="3">
+              <a:buFontTx/>
+              <a:buNone/>
+            </a:pPr>
+            <a:r>
+              <a:rPr lang="en-US" altLang="zh-TW" sz="2000" dirty="0">
+                <a:sym typeface="Symbol" pitchFamily="18" charset="2"/>
+              </a:rPr>
+              <a:t>		</a:t>
+            </a:r>
+            <a:r>
+              <a:rPr lang="en-US" altLang="zh-TW" sz="2000" i="1" dirty="0" err="1">
+                <a:sym typeface="Symbol" pitchFamily="18" charset="2"/>
+              </a:rPr>
+              <a:t>Need</a:t>
+            </a:r>
+            <a:r>
+              <a:rPr lang="en-US" altLang="zh-TW" sz="2000" i="1" baseline="-25000" dirty="0" err="1">
+                <a:sym typeface="Symbol" pitchFamily="18" charset="2"/>
+              </a:rPr>
+              <a:t>i</a:t>
+            </a:r>
+            <a:r>
+              <a:rPr lang="en-US" altLang="zh-TW" sz="2000" i="1" dirty="0">
+                <a:sym typeface="Symbol" pitchFamily="18" charset="2"/>
+              </a:rPr>
+              <a:t> </a:t>
+            </a:r>
+            <a:r>
+              <a:rPr lang="en-US" altLang="zh-TW" sz="2000" dirty="0">
+                <a:sym typeface="Symbol" pitchFamily="18" charset="2"/>
+              </a:rPr>
+              <a:t>=</a:t>
+            </a:r>
+            <a:r>
+              <a:rPr lang="en-US" altLang="zh-TW" sz="2000" i="1" dirty="0">
+                <a:sym typeface="Symbol" pitchFamily="18" charset="2"/>
+              </a:rPr>
+              <a:t> </a:t>
+            </a:r>
+            <a:r>
+              <a:rPr lang="en-US" altLang="zh-TW" sz="2000" i="1" dirty="0" err="1">
+                <a:sym typeface="Symbol" pitchFamily="18" charset="2"/>
+              </a:rPr>
+              <a:t>Need</a:t>
+            </a:r>
+            <a:r>
+              <a:rPr lang="en-US" altLang="zh-TW" sz="2000" i="1" baseline="-25000" dirty="0" err="1">
+                <a:sym typeface="Symbol" pitchFamily="18" charset="2"/>
+              </a:rPr>
+              <a:t>i</a:t>
+            </a:r>
+            <a:r>
+              <a:rPr lang="en-US" altLang="zh-TW" sz="2000" dirty="0">
+                <a:sym typeface="Symbol" pitchFamily="18" charset="2"/>
+              </a:rPr>
+              <a:t> – </a:t>
+            </a:r>
+            <a:r>
+              <a:rPr lang="en-US" altLang="zh-TW" sz="2000" i="1" dirty="0" err="1">
+                <a:sym typeface="Symbol" pitchFamily="18" charset="2"/>
+              </a:rPr>
+              <a:t>Request</a:t>
+            </a:r>
+            <a:r>
+              <a:rPr lang="en-US" altLang="zh-TW" sz="2000" i="1" baseline="-25000" dirty="0" err="1">
+                <a:sym typeface="Symbol" pitchFamily="18" charset="2"/>
+              </a:rPr>
+              <a:t>i</a:t>
+            </a:r>
+            <a:r>
+              <a:rPr lang="en-US" altLang="zh-TW" sz="2000" i="1" dirty="0">
+                <a:sym typeface="Symbol" pitchFamily="18" charset="2"/>
+              </a:rPr>
+              <a:t>;</a:t>
+            </a:r>
+          </a:p>
+          <a:p>
+            <a:pPr lvl="2">
+              <a:buClr>
+                <a:srgbClr val="CC6600"/>
+              </a:buClr>
+              <a:buSzPct val="80000"/>
+              <a:buFont typeface="Monotype Sorts" pitchFamily="2" charset="2"/>
+              <a:buChar char="l"/>
+            </a:pPr>
+            <a:r>
+              <a:rPr lang="zh-TW" altLang="en-US" sz="2000" i="1" dirty="0">
+                <a:solidFill>
+                  <a:srgbClr val="FF0000"/>
+                </a:solidFill>
+                <a:sym typeface="Symbol" pitchFamily="18" charset="2"/>
+              </a:rPr>
+              <a:t>再檢查  </a:t>
+            </a:r>
+            <a:r>
+              <a:rPr lang="en-US" altLang="zh-TW" sz="2000" i="1" dirty="0">
+                <a:solidFill>
+                  <a:srgbClr val="FF0000"/>
+                </a:solidFill>
+                <a:sym typeface="Symbol" pitchFamily="18" charset="2"/>
+              </a:rPr>
+              <a:t>If safe  the resources are allocated to P</a:t>
+            </a:r>
+            <a:r>
+              <a:rPr lang="en-US" altLang="zh-TW" sz="2000" i="1" baseline="-25000" dirty="0">
+                <a:solidFill>
+                  <a:srgbClr val="FF0000"/>
+                </a:solidFill>
+                <a:sym typeface="Symbol" pitchFamily="18" charset="2"/>
+              </a:rPr>
+              <a:t>i</a:t>
+            </a:r>
+          </a:p>
+          <a:p>
+            <a:pPr lvl="2">
+              <a:buClr>
+                <a:srgbClr val="CC6600"/>
+              </a:buClr>
+              <a:buSzPct val="80000"/>
+              <a:buFont typeface="Monotype Sorts" pitchFamily="2" charset="2"/>
+              <a:buChar char="l"/>
+            </a:pPr>
+            <a:r>
+              <a:rPr lang="en-US" altLang="zh-TW" sz="2000" i="1" dirty="0">
+                <a:sym typeface="Symbol" pitchFamily="18" charset="2"/>
+              </a:rPr>
+              <a:t>If unsafe  P</a:t>
+            </a:r>
+            <a:r>
+              <a:rPr lang="en-US" altLang="zh-TW" sz="2000" i="1" baseline="-25000" dirty="0">
+                <a:sym typeface="Symbol" pitchFamily="18" charset="2"/>
+              </a:rPr>
+              <a:t>i</a:t>
+            </a:r>
+            <a:r>
+              <a:rPr lang="en-US" altLang="zh-TW" sz="2000" i="1" dirty="0">
+                <a:sym typeface="Symbol" pitchFamily="18" charset="2"/>
+              </a:rPr>
+              <a:t> must wait, and the old resource-allocation state is restored</a:t>
+            </a:r>
+          </a:p>
+        </p:txBody>
+      </p:sp>
+    </p:spTree>
+  </p:cSld>
+  <p:clrMapOvr>
+    <a:masterClrMapping/>
+  </p:clrMapOvr>
+</p:sld>
+</file>
+
+<file path=ppt/slides/slide32.xml><?xml version="1.0" encoding="utf-8"?>
+<p:sld xmlns:a="http://schemas.openxmlformats.org/drawingml/2006/main" xmlns:r="http://schemas.openxmlformats.org/officeDocument/2006/relationships" xmlns:p="http://schemas.openxmlformats.org/presentationml/2006/main">
+  <p:cSld>
+    <p:spTree>
+      <p:nvGrpSpPr>
+        <p:cNvPr id="1" name=""/>
+        <p:cNvGrpSpPr/>
+        <p:nvPr/>
+      </p:nvGrpSpPr>
+      <p:grpSpPr>
+        <a:xfrm>
+          <a:off x="0" y="0"/>
+          <a:ext cx="0" cy="0"/>
+          <a:chOff x="0" y="0"/>
+          <a:chExt cx="0" cy="0"/>
+        </a:xfrm>
+      </p:grpSpPr>
+      <p:sp>
+        <p:nvSpPr>
           <p:cNvPr id="32770" name="Rectangle 2"/>
           <p:cNvSpPr>
             <a:spLocks noGrp="1" noChangeArrowheads="1"/>
@@ -16841,7 +18526,7 @@
 </p:sld>
 </file>
 
-<file path=ppt/slides/slide31.xml><?xml version="1.0" encoding="utf-8"?>
+<file path=ppt/slides/slide33.xml><?xml version="1.0" encoding="utf-8"?>
 <p:sld xmlns:a="http://schemas.openxmlformats.org/drawingml/2006/main" xmlns:r="http://schemas.openxmlformats.org/officeDocument/2006/relationships" xmlns:p="http://schemas.openxmlformats.org/presentationml/2006/main">
   <p:cSld>
     <p:spTree>
@@ -17418,7 +19103,7 @@
 </p:sld>
 </file>
 
-<file path=ppt/slides/slide32.xml><?xml version="1.0" encoding="utf-8"?>
+<file path=ppt/slides/slide34.xml><?xml version="1.0" encoding="utf-8"?>
 <p:sld xmlns:a="http://schemas.openxmlformats.org/drawingml/2006/main" xmlns:r="http://schemas.openxmlformats.org/officeDocument/2006/relationships" xmlns:p="http://schemas.openxmlformats.org/presentationml/2006/main">
   <p:cSld>
     <p:spTree>
@@ -17958,7 +19643,7 @@
 </p:sld>
 </file>
 
-<file path=ppt/slides/slide33.xml><?xml version="1.0" encoding="utf-8"?>
+<file path=ppt/slides/slide35.xml><?xml version="1.0" encoding="utf-8"?>
 <p:sld xmlns:a="http://schemas.openxmlformats.org/drawingml/2006/main" xmlns:r="http://schemas.openxmlformats.org/officeDocument/2006/relationships" xmlns:p="http://schemas.openxmlformats.org/presentationml/2006/main">
   <p:cSld>
     <p:spTree>
@@ -18256,7 +19941,7 @@
 </p:sld>
 </file>
 
-<file path=ppt/slides/slide34.xml><?xml version="1.0" encoding="utf-8"?>
+<file path=ppt/slides/slide36.xml><?xml version="1.0" encoding="utf-8"?>
 <p:sld xmlns:a="http://schemas.openxmlformats.org/drawingml/2006/main" xmlns:r="http://schemas.openxmlformats.org/officeDocument/2006/relationships" xmlns:p="http://schemas.openxmlformats.org/presentationml/2006/main">
   <p:cSld>
     <p:spTree>
@@ -18792,7 +20477,7 @@
 </p:sld>
 </file>
 
-<file path=ppt/slides/slide35.xml><?xml version="1.0" encoding="utf-8"?>
+<file path=ppt/slides/slide37.xml><?xml version="1.0" encoding="utf-8"?>
 <p:sld xmlns:a="http://schemas.openxmlformats.org/drawingml/2006/main" xmlns:r="http://schemas.openxmlformats.org/officeDocument/2006/relationships" xmlns:p="http://schemas.openxmlformats.org/presentationml/2006/main">
   <p:cSld>
     <p:spTree>
@@ -19498,7 +21183,7 @@
 </p:sld>
 </file>
 
-<file path=ppt/slides/slide36.xml><?xml version="1.0" encoding="utf-8"?>
+<file path=ppt/slides/slide38.xml><?xml version="1.0" encoding="utf-8"?>
 <p:sld xmlns:a="http://schemas.openxmlformats.org/drawingml/2006/main" xmlns:r="http://schemas.openxmlformats.org/officeDocument/2006/relationships" xmlns:p="http://schemas.openxmlformats.org/presentationml/2006/main">
   <p:cSld>
     <p:spTree>
@@ -19950,7 +21635,7 @@
 </p:sld>
 </file>
 
-<file path=ppt/slides/slide37.xml><?xml version="1.0" encoding="utf-8"?>
+<file path=ppt/slides/slide39.xml><?xml version="1.0" encoding="utf-8"?>
 <p:sld xmlns:a="http://schemas.openxmlformats.org/drawingml/2006/main" xmlns:r="http://schemas.openxmlformats.org/officeDocument/2006/relationships" xmlns:p="http://schemas.openxmlformats.org/presentationml/2006/main">
   <p:cSld>
     <p:spTree>
@@ -20326,905 +22011,6 @@
               <a:t> exists, go to step 4</a:t>
             </a:r>
             <a:endParaRPr lang="en-US" altLang="zh-TW" sz="2800" dirty="0"/>
-          </a:p>
-        </p:txBody>
-      </p:sp>
-    </p:spTree>
-  </p:cSld>
-  <p:clrMapOvr>
-    <a:masterClrMapping/>
-  </p:clrMapOvr>
-</p:sld>
-</file>
-
-<file path=ppt/slides/slide38.xml><?xml version="1.0" encoding="utf-8"?>
-<p:sld xmlns:a="http://schemas.openxmlformats.org/drawingml/2006/main" xmlns:r="http://schemas.openxmlformats.org/officeDocument/2006/relationships" xmlns:p="http://schemas.openxmlformats.org/presentationml/2006/main">
-  <p:cSld>
-    <p:spTree>
-      <p:nvGrpSpPr>
-        <p:cNvPr id="1" name=""/>
-        <p:cNvGrpSpPr/>
-        <p:nvPr/>
-      </p:nvGrpSpPr>
-      <p:grpSpPr>
-        <a:xfrm>
-          <a:off x="0" y="0"/>
-          <a:ext cx="0" cy="0"/>
-          <a:chOff x="0" y="0"/>
-          <a:chExt cx="0" cy="0"/>
-        </a:xfrm>
-      </p:grpSpPr>
-      <p:sp>
-        <p:nvSpPr>
-          <p:cNvPr id="40962" name="Rectangle 2"/>
-          <p:cNvSpPr>
-            <a:spLocks noGrp="1" noChangeArrowheads="1"/>
-          </p:cNvSpPr>
-          <p:nvPr>
-            <p:ph type="title"/>
-          </p:nvPr>
-        </p:nvSpPr>
-        <p:spPr/>
-        <p:txBody>
-          <a:bodyPr/>
-          <a:lstStyle/>
-          <a:p>
-            <a:pPr eaLnBrk="1" hangingPunct="1"/>
-            <a:r>
-              <a:rPr lang="en-US" altLang="zh-TW"/>
-              <a:t>Detection Algorithm (Cont.)</a:t>
-            </a:r>
-          </a:p>
-        </p:txBody>
-      </p:sp>
-      <p:sp>
-        <p:nvSpPr>
-          <p:cNvPr id="40963" name="Rectangle 3"/>
-          <p:cNvSpPr>
-            <a:spLocks noGrp="1" noChangeArrowheads="1"/>
-          </p:cNvSpPr>
-          <p:nvPr>
-            <p:ph type="body" idx="1"/>
-          </p:nvPr>
-        </p:nvSpPr>
-        <p:spPr>
-          <a:xfrm>
-            <a:off x="758825" y="1141413"/>
-            <a:ext cx="7839075" cy="2297112"/>
-          </a:xfrm>
-        </p:spPr>
-        <p:txBody>
-          <a:bodyPr/>
-          <a:lstStyle/>
-          <a:p>
-            <a:pPr>
-              <a:buFont typeface="Monotype Sorts" pitchFamily="2" charset="2"/>
-              <a:buNone/>
-            </a:pPr>
-            <a:r>
-              <a:rPr lang="en-US" altLang="zh-TW" sz="2800" dirty="0"/>
-              <a:t>3.	</a:t>
-            </a:r>
-            <a:r>
-              <a:rPr lang="en-US" altLang="zh-TW" sz="2800" i="1" dirty="0"/>
-              <a:t>Work</a:t>
-            </a:r>
-            <a:r>
-              <a:rPr lang="en-US" altLang="zh-TW" sz="2800" dirty="0"/>
-              <a:t> = </a:t>
-            </a:r>
-            <a:r>
-              <a:rPr lang="en-US" altLang="zh-TW" sz="2800" i="1" dirty="0"/>
-              <a:t>Work</a:t>
-            </a:r>
-            <a:r>
-              <a:rPr lang="en-US" altLang="zh-TW" sz="2800" dirty="0"/>
-              <a:t> + </a:t>
-            </a:r>
-            <a:r>
-              <a:rPr lang="en-US" altLang="zh-TW" sz="2800" i="1" dirty="0" err="1"/>
-              <a:t>Allocation</a:t>
-            </a:r>
-            <a:r>
-              <a:rPr lang="en-US" altLang="zh-TW" sz="2800" i="1" baseline="-25000" dirty="0" err="1"/>
-              <a:t>i</a:t>
-            </a:r>
-            <a:br>
-              <a:rPr lang="en-US" altLang="zh-TW" sz="2800" dirty="0"/>
-            </a:br>
-            <a:r>
-              <a:rPr lang="en-US" altLang="zh-TW" sz="2800" i="1" dirty="0"/>
-              <a:t>Finish</a:t>
-            </a:r>
-            <a:r>
-              <a:rPr lang="en-US" altLang="zh-TW" sz="2800" dirty="0"/>
-              <a:t>[</a:t>
-            </a:r>
-            <a:r>
-              <a:rPr lang="en-US" altLang="zh-TW" sz="2800" i="1" dirty="0" err="1"/>
-              <a:t>i</a:t>
-            </a:r>
-            <a:r>
-              <a:rPr lang="en-US" altLang="zh-TW" sz="2800" dirty="0"/>
-              <a:t>] = </a:t>
-            </a:r>
-            <a:r>
-              <a:rPr lang="en-US" altLang="zh-TW" sz="2800" i="1" dirty="0"/>
-              <a:t>true</a:t>
-            </a:r>
-            <a:br>
-              <a:rPr lang="en-US" altLang="zh-TW" sz="2800" dirty="0"/>
-            </a:br>
-            <a:r>
-              <a:rPr lang="en-US" altLang="zh-TW" sz="2800" dirty="0"/>
-              <a:t>go to step 2</a:t>
-            </a:r>
-          </a:p>
-          <a:p>
-            <a:pPr>
-              <a:buFont typeface="Monotype Sorts" pitchFamily="2" charset="2"/>
-              <a:buNone/>
-            </a:pPr>
-            <a:r>
-              <a:rPr lang="en-US" altLang="zh-TW" sz="2800" dirty="0"/>
-              <a:t>4.	If </a:t>
-            </a:r>
-            <a:r>
-              <a:rPr lang="en-US" altLang="zh-TW" sz="2800" i="1" dirty="0"/>
-              <a:t>Finish</a:t>
-            </a:r>
-            <a:r>
-              <a:rPr lang="en-US" altLang="zh-TW" sz="2800" dirty="0"/>
-              <a:t>[</a:t>
-            </a:r>
-            <a:r>
-              <a:rPr lang="en-US" altLang="zh-TW" sz="2800" i="1" dirty="0" err="1"/>
-              <a:t>i</a:t>
-            </a:r>
-            <a:r>
-              <a:rPr lang="en-US" altLang="zh-TW" sz="2800" dirty="0"/>
-              <a:t>] == false, for some </a:t>
-            </a:r>
-            <a:r>
-              <a:rPr lang="en-US" altLang="zh-TW" sz="2800" i="1" dirty="0" err="1"/>
-              <a:t>i</a:t>
-            </a:r>
-            <a:r>
-              <a:rPr lang="en-US" altLang="zh-TW" sz="2800" dirty="0"/>
-              <a:t>, 1 </a:t>
-            </a:r>
-            <a:r>
-              <a:rPr lang="en-US" altLang="zh-TW" sz="2800" dirty="0">
-                <a:sym typeface="Symbol" pitchFamily="18" charset="2"/>
-              </a:rPr>
-              <a:t> </a:t>
-            </a:r>
-            <a:r>
-              <a:rPr lang="en-US" altLang="zh-TW" sz="2800" i="1" dirty="0" err="1">
-                <a:sym typeface="Symbol" pitchFamily="18" charset="2"/>
-              </a:rPr>
-              <a:t>i</a:t>
-            </a:r>
-            <a:r>
-              <a:rPr lang="en-US" altLang="zh-TW" sz="2800" dirty="0">
-                <a:sym typeface="Symbol" pitchFamily="18" charset="2"/>
-              </a:rPr>
-              <a:t>   </a:t>
-            </a:r>
-            <a:r>
-              <a:rPr lang="en-US" altLang="zh-TW" sz="2800" i="1" dirty="0">
-                <a:sym typeface="Symbol" pitchFamily="18" charset="2"/>
-              </a:rPr>
-              <a:t>n</a:t>
-            </a:r>
-            <a:r>
-              <a:rPr lang="en-US" altLang="zh-TW" sz="2800" dirty="0">
-                <a:sym typeface="Symbol" pitchFamily="18" charset="2"/>
-              </a:rPr>
-              <a:t>, then the system is in deadlock state. Moreover, if </a:t>
-            </a:r>
-            <a:r>
-              <a:rPr lang="en-US" altLang="zh-TW" sz="2800" i="1" dirty="0">
-                <a:solidFill>
-                  <a:srgbClr val="FF0000"/>
-                </a:solidFill>
-                <a:sym typeface="Symbol" pitchFamily="18" charset="2"/>
-              </a:rPr>
-              <a:t>Finish</a:t>
-            </a:r>
-            <a:r>
-              <a:rPr lang="en-US" altLang="zh-TW" sz="2800" dirty="0">
-                <a:solidFill>
-                  <a:srgbClr val="FF0000"/>
-                </a:solidFill>
-                <a:sym typeface="Symbol" pitchFamily="18" charset="2"/>
-              </a:rPr>
-              <a:t>[</a:t>
-            </a:r>
-            <a:r>
-              <a:rPr lang="en-US" altLang="zh-TW" sz="2800" i="1" dirty="0" err="1">
-                <a:solidFill>
-                  <a:srgbClr val="FF0000"/>
-                </a:solidFill>
-                <a:sym typeface="Symbol" pitchFamily="18" charset="2"/>
-              </a:rPr>
-              <a:t>i</a:t>
-            </a:r>
-            <a:r>
-              <a:rPr lang="en-US" altLang="zh-TW" sz="2800" dirty="0">
-                <a:solidFill>
-                  <a:srgbClr val="FF0000"/>
-                </a:solidFill>
-                <a:sym typeface="Symbol" pitchFamily="18" charset="2"/>
-              </a:rPr>
-              <a:t>] == </a:t>
-            </a:r>
-            <a:r>
-              <a:rPr lang="en-US" altLang="zh-TW" sz="2800" i="1" dirty="0">
-                <a:solidFill>
-                  <a:srgbClr val="FF0000"/>
-                </a:solidFill>
-                <a:sym typeface="Symbol" pitchFamily="18" charset="2"/>
-              </a:rPr>
-              <a:t>false</a:t>
-            </a:r>
-            <a:r>
-              <a:rPr lang="en-US" altLang="zh-TW" sz="2800" dirty="0">
-                <a:solidFill>
-                  <a:srgbClr val="FF0000"/>
-                </a:solidFill>
-                <a:sym typeface="Symbol" pitchFamily="18" charset="2"/>
-              </a:rPr>
-              <a:t>, then </a:t>
-            </a:r>
-            <a:r>
-              <a:rPr lang="en-US" altLang="zh-TW" sz="2800" i="1" dirty="0">
-                <a:solidFill>
-                  <a:srgbClr val="FF0000"/>
-                </a:solidFill>
-                <a:sym typeface="Symbol" pitchFamily="18" charset="2"/>
-              </a:rPr>
-              <a:t>P</a:t>
-            </a:r>
-            <a:r>
-              <a:rPr lang="en-US" altLang="zh-TW" sz="2800" i="1" baseline="-25000" dirty="0">
-                <a:solidFill>
-                  <a:srgbClr val="FF0000"/>
-                </a:solidFill>
-                <a:sym typeface="Symbol" pitchFamily="18" charset="2"/>
-              </a:rPr>
-              <a:t>i</a:t>
-            </a:r>
-            <a:r>
-              <a:rPr lang="en-US" altLang="zh-TW" sz="2800" dirty="0">
-                <a:solidFill>
-                  <a:srgbClr val="FF0000"/>
-                </a:solidFill>
-                <a:sym typeface="Symbol" pitchFamily="18" charset="2"/>
-              </a:rPr>
-              <a:t> is deadlocked</a:t>
-            </a:r>
-          </a:p>
-          <a:p>
-            <a:pPr>
-              <a:lnSpc>
-                <a:spcPct val="90000"/>
-              </a:lnSpc>
-              <a:buFont typeface="Monotype Sorts" pitchFamily="2" charset="2"/>
-              <a:buNone/>
-            </a:pPr>
-            <a:r>
-              <a:rPr lang="en-US" altLang="zh-TW" sz="2800" dirty="0">
-                <a:sym typeface="Symbol" pitchFamily="18" charset="2"/>
-              </a:rPr>
-              <a:t>	</a:t>
-            </a:r>
-            <a:endParaRPr lang="en-US" altLang="zh-TW" sz="2800" dirty="0"/>
-          </a:p>
-        </p:txBody>
-      </p:sp>
-      <p:sp>
-        <p:nvSpPr>
-          <p:cNvPr id="40964" name="Text Box 4"/>
-          <p:cNvSpPr txBox="1">
-            <a:spLocks noChangeArrowheads="1"/>
-          </p:cNvSpPr>
-          <p:nvPr/>
-        </p:nvSpPr>
-        <p:spPr bwMode="auto">
-          <a:xfrm>
-            <a:off x="895350" y="4280688"/>
-            <a:ext cx="7694613" cy="2031325"/>
-          </a:xfrm>
-          <a:prstGeom prst="rect">
-            <a:avLst/>
-          </a:prstGeom>
-          <a:noFill/>
-          <a:ln w="9525">
-            <a:noFill/>
-            <a:miter lim="800000"/>
-            <a:headEnd/>
-            <a:tailEnd/>
-          </a:ln>
-        </p:spPr>
-        <p:txBody>
-          <a:bodyPr anchor="ctr">
-            <a:spAutoFit/>
-          </a:bodyPr>
-          <a:lstStyle/>
-          <a:p>
-            <a:r>
-              <a:rPr lang="en-US" altLang="zh-TW" sz="2800" b="1" dirty="0">
-                <a:solidFill>
-                  <a:srgbClr val="FF0000"/>
-                </a:solidFill>
-                <a:latin typeface="Candara" pitchFamily="34" charset="0"/>
-                <a:sym typeface="Symbol" pitchFamily="18" charset="2"/>
-              </a:rPr>
-              <a:t>Algorithm requires an order of O(</a:t>
-            </a:r>
-            <a:r>
-              <a:rPr lang="en-US" altLang="zh-TW" sz="2800" b="1" i="1" dirty="0">
-                <a:solidFill>
-                  <a:srgbClr val="FF0000"/>
-                </a:solidFill>
-                <a:latin typeface="Candara" pitchFamily="34" charset="0"/>
-                <a:sym typeface="Symbol" pitchFamily="18" charset="2"/>
-              </a:rPr>
-              <a:t>m </a:t>
-            </a:r>
-            <a:r>
-              <a:rPr lang="en-US" altLang="zh-TW" sz="2800" b="1" dirty="0">
-                <a:solidFill>
-                  <a:srgbClr val="FF0000"/>
-                </a:solidFill>
-                <a:latin typeface="Candara" pitchFamily="34" charset="0"/>
-                <a:sym typeface="Symbol" pitchFamily="18" charset="2"/>
-              </a:rPr>
-              <a:t>x</a:t>
-            </a:r>
-            <a:r>
-              <a:rPr lang="en-US" altLang="zh-TW" sz="2800" b="1" i="1" dirty="0">
-                <a:solidFill>
-                  <a:srgbClr val="FF0000"/>
-                </a:solidFill>
-                <a:latin typeface="Candara" pitchFamily="34" charset="0"/>
-                <a:sym typeface="Symbol" pitchFamily="18" charset="2"/>
-              </a:rPr>
-              <a:t> n</a:t>
-            </a:r>
-            <a:r>
-              <a:rPr lang="en-US" altLang="zh-TW" sz="2800" b="1" baseline="30000" dirty="0">
-                <a:solidFill>
-                  <a:srgbClr val="FF0000"/>
-                </a:solidFill>
-                <a:latin typeface="Candara" pitchFamily="34" charset="0"/>
-                <a:sym typeface="Symbol" pitchFamily="18" charset="2"/>
-              </a:rPr>
-              <a:t>2</a:t>
-            </a:r>
-            <a:r>
-              <a:rPr lang="en-US" altLang="zh-TW" sz="2800" b="1" dirty="0">
-                <a:solidFill>
-                  <a:srgbClr val="FF0000"/>
-                </a:solidFill>
-                <a:latin typeface="Candara" pitchFamily="34" charset="0"/>
-                <a:sym typeface="Symbol" pitchFamily="18" charset="2"/>
-              </a:rPr>
-              <a:t>) operations to detect whether the system is in deadlocked state</a:t>
-            </a:r>
-            <a:endParaRPr lang="en-US" altLang="zh-TW" sz="2800" b="1" dirty="0">
-              <a:solidFill>
-                <a:srgbClr val="FF0000"/>
-              </a:solidFill>
-              <a:latin typeface="Candara" pitchFamily="34" charset="0"/>
-            </a:endParaRPr>
-          </a:p>
-          <a:p>
-            <a:pPr>
-              <a:spcBef>
-                <a:spcPct val="50000"/>
-              </a:spcBef>
-            </a:pPr>
-            <a:endParaRPr lang="en-US" altLang="zh-TW" sz="2800" b="1" dirty="0">
-              <a:solidFill>
-                <a:srgbClr val="FF0066"/>
-              </a:solidFill>
-              <a:latin typeface="Candara" pitchFamily="34" charset="0"/>
-            </a:endParaRPr>
-          </a:p>
-        </p:txBody>
-      </p:sp>
-    </p:spTree>
-  </p:cSld>
-  <p:clrMapOvr>
-    <a:masterClrMapping/>
-  </p:clrMapOvr>
-</p:sld>
-</file>
-
-<file path=ppt/slides/slide39.xml><?xml version="1.0" encoding="utf-8"?>
-<p:sld xmlns:a="http://schemas.openxmlformats.org/drawingml/2006/main" xmlns:r="http://schemas.openxmlformats.org/officeDocument/2006/relationships" xmlns:p="http://schemas.openxmlformats.org/presentationml/2006/main">
-  <p:cSld>
-    <p:spTree>
-      <p:nvGrpSpPr>
-        <p:cNvPr id="1" name=""/>
-        <p:cNvGrpSpPr/>
-        <p:nvPr/>
-      </p:nvGrpSpPr>
-      <p:grpSpPr>
-        <a:xfrm>
-          <a:off x="0" y="0"/>
-          <a:ext cx="0" cy="0"/>
-          <a:chOff x="0" y="0"/>
-          <a:chExt cx="0" cy="0"/>
-        </a:xfrm>
-      </p:grpSpPr>
-      <p:sp>
-        <p:nvSpPr>
-          <p:cNvPr id="41986" name="Rectangle 2"/>
-          <p:cNvSpPr>
-            <a:spLocks noGrp="1" noChangeArrowheads="1"/>
-          </p:cNvSpPr>
-          <p:nvPr>
-            <p:ph type="title"/>
-          </p:nvPr>
-        </p:nvSpPr>
-        <p:spPr/>
-        <p:txBody>
-          <a:bodyPr/>
-          <a:lstStyle/>
-          <a:p>
-            <a:pPr eaLnBrk="1" hangingPunct="1"/>
-            <a:r>
-              <a:rPr lang="en-US" altLang="zh-TW"/>
-              <a:t>Example of Detection Algorithm</a:t>
-            </a:r>
-          </a:p>
-        </p:txBody>
-      </p:sp>
-      <p:sp>
-        <p:nvSpPr>
-          <p:cNvPr id="41987" name="Rectangle 3"/>
-          <p:cNvSpPr>
-            <a:spLocks noGrp="1" noChangeArrowheads="1"/>
-          </p:cNvSpPr>
-          <p:nvPr>
-            <p:ph type="body" idx="1"/>
-          </p:nvPr>
-        </p:nvSpPr>
-        <p:spPr>
-          <a:xfrm>
-            <a:off x="723900" y="1066800"/>
-            <a:ext cx="8229600" cy="4530725"/>
-          </a:xfrm>
-        </p:spPr>
-        <p:txBody>
-          <a:bodyPr/>
-          <a:lstStyle/>
-          <a:p>
-            <a:pPr>
-              <a:tabLst>
-                <a:tab pos="1428750" algn="l"/>
-                <a:tab pos="2338388" algn="ctr"/>
-                <a:tab pos="3594100" algn="ctr"/>
-                <a:tab pos="4921250" algn="ctr"/>
-              </a:tabLst>
-            </a:pPr>
-            <a:r>
-              <a:rPr lang="en-US" altLang="zh-TW" sz="2400" dirty="0"/>
-              <a:t>Five processes </a:t>
-            </a:r>
-            <a:r>
-              <a:rPr lang="en-US" altLang="zh-TW" sz="2400" i="1" dirty="0"/>
-              <a:t>P</a:t>
-            </a:r>
-            <a:r>
-              <a:rPr lang="en-US" altLang="zh-TW" sz="2400" baseline="-25000" dirty="0"/>
-              <a:t>0</a:t>
-            </a:r>
-            <a:r>
-              <a:rPr lang="en-US" altLang="zh-TW" sz="2400" dirty="0"/>
-              <a:t> through </a:t>
-            </a:r>
-            <a:r>
-              <a:rPr lang="en-US" altLang="zh-TW" sz="2400" i="1" dirty="0"/>
-              <a:t>P</a:t>
-            </a:r>
-            <a:r>
-              <a:rPr lang="en-US" altLang="zh-TW" sz="2400" baseline="-25000" dirty="0"/>
-              <a:t>4</a:t>
-            </a:r>
-            <a:r>
-              <a:rPr lang="en-US" altLang="zh-TW" sz="2400" dirty="0"/>
-              <a:t>;</a:t>
-            </a:r>
-            <a:r>
-              <a:rPr lang="en-US" altLang="zh-TW" sz="2400" baseline="-25000" dirty="0"/>
-              <a:t> </a:t>
-            </a:r>
-            <a:r>
-              <a:rPr lang="en-US" altLang="zh-TW" sz="2400" dirty="0"/>
-              <a:t>three resource types </a:t>
-            </a:r>
-            <a:br>
-              <a:rPr lang="en-US" altLang="zh-TW" sz="2400" dirty="0"/>
-            </a:br>
-            <a:r>
-              <a:rPr lang="en-US" altLang="zh-TW" dirty="0">
-                <a:solidFill>
-                  <a:srgbClr val="FF0000"/>
-                </a:solidFill>
-              </a:rPr>
-              <a:t>A (7 instances), </a:t>
-            </a:r>
-            <a:r>
-              <a:rPr lang="en-US" altLang="zh-TW" i="1" dirty="0">
-                <a:solidFill>
-                  <a:srgbClr val="FF0000"/>
-                </a:solidFill>
-              </a:rPr>
-              <a:t>B </a:t>
-            </a:r>
-            <a:r>
-              <a:rPr lang="en-US" altLang="zh-TW" dirty="0">
-                <a:solidFill>
-                  <a:srgbClr val="FF0000"/>
-                </a:solidFill>
-              </a:rPr>
-              <a:t>(2 instances), and </a:t>
-            </a:r>
-            <a:r>
-              <a:rPr lang="en-US" altLang="zh-TW" i="1" dirty="0">
-                <a:solidFill>
-                  <a:srgbClr val="FF0000"/>
-                </a:solidFill>
-              </a:rPr>
-              <a:t>C</a:t>
-            </a:r>
-            <a:r>
-              <a:rPr lang="en-US" altLang="zh-TW" dirty="0">
-                <a:solidFill>
-                  <a:srgbClr val="FF0000"/>
-                </a:solidFill>
-              </a:rPr>
-              <a:t> (6 instances)</a:t>
-            </a:r>
-            <a:endParaRPr lang="en-US" altLang="zh-TW" sz="2400" dirty="0">
-              <a:solidFill>
-                <a:srgbClr val="FF0000"/>
-              </a:solidFill>
-            </a:endParaRPr>
-          </a:p>
-          <a:p>
-            <a:pPr>
-              <a:tabLst>
-                <a:tab pos="1428750" algn="l"/>
-                <a:tab pos="2338388" algn="ctr"/>
-                <a:tab pos="3594100" algn="ctr"/>
-                <a:tab pos="4921250" algn="ctr"/>
-              </a:tabLst>
-            </a:pPr>
-            <a:r>
-              <a:rPr lang="en-US" altLang="zh-TW" sz="2400" dirty="0"/>
-              <a:t>Snapshot at time </a:t>
-            </a:r>
-            <a:r>
-              <a:rPr lang="en-US" altLang="zh-TW" sz="2400" i="1" dirty="0"/>
-              <a:t>T</a:t>
-            </a:r>
-            <a:r>
-              <a:rPr lang="en-US" altLang="zh-TW" sz="2400" baseline="-25000" dirty="0"/>
-              <a:t>0</a:t>
-            </a:r>
-            <a:r>
-              <a:rPr lang="en-US" altLang="zh-TW" sz="2400" dirty="0"/>
-              <a:t>:</a:t>
-            </a:r>
-          </a:p>
-          <a:p>
-            <a:pPr>
-              <a:buFont typeface="Monotype Sorts" pitchFamily="2" charset="2"/>
-              <a:buNone/>
-              <a:tabLst>
-                <a:tab pos="1428750" algn="l"/>
-                <a:tab pos="2338388" algn="ctr"/>
-                <a:tab pos="3594100" algn="ctr"/>
-                <a:tab pos="4921250" algn="ctr"/>
-              </a:tabLst>
-            </a:pPr>
-            <a:r>
-              <a:rPr lang="en-US" altLang="zh-TW" sz="2400" dirty="0"/>
-              <a:t>			      </a:t>
-            </a:r>
-            <a:r>
-              <a:rPr lang="en-US" altLang="zh-TW" sz="2400" i="1" u="sng" dirty="0"/>
-              <a:t>Allocation</a:t>
-            </a:r>
-            <a:r>
-              <a:rPr lang="en-US" altLang="zh-TW" sz="2400" i="1" dirty="0"/>
-              <a:t>	      </a:t>
-            </a:r>
-            <a:r>
-              <a:rPr lang="en-US" altLang="zh-TW" sz="2400" i="1" u="sng" dirty="0"/>
-              <a:t>Request</a:t>
-            </a:r>
-            <a:r>
-              <a:rPr lang="en-US" altLang="zh-TW" sz="2400" i="1" dirty="0"/>
-              <a:t>	     </a:t>
-            </a:r>
-            <a:r>
-              <a:rPr lang="en-US" altLang="zh-TW" sz="2400" i="1" u="sng" dirty="0"/>
-              <a:t>Available</a:t>
-            </a:r>
-          </a:p>
-          <a:p>
-            <a:pPr>
-              <a:buFont typeface="Monotype Sorts" pitchFamily="2" charset="2"/>
-              <a:buNone/>
-              <a:tabLst>
-                <a:tab pos="1428750" algn="l"/>
-                <a:tab pos="2338388" algn="ctr"/>
-                <a:tab pos="3594100" algn="ctr"/>
-                <a:tab pos="4921250" algn="ctr"/>
-              </a:tabLst>
-            </a:pPr>
-            <a:r>
-              <a:rPr lang="en-US" altLang="zh-TW" sz="2400" dirty="0"/>
-              <a:t>			  </a:t>
-            </a:r>
-            <a:r>
-              <a:rPr lang="en-US" altLang="zh-TW" sz="2400" i="1" dirty="0"/>
-              <a:t>A B C 	            A B C 	        A B C</a:t>
-            </a:r>
-          </a:p>
-          <a:p>
-            <a:pPr>
-              <a:buFont typeface="Monotype Sorts" pitchFamily="2" charset="2"/>
-              <a:buNone/>
-              <a:tabLst>
-                <a:tab pos="1428750" algn="l"/>
-                <a:tab pos="2338388" algn="ctr"/>
-                <a:tab pos="3594100" algn="ctr"/>
-                <a:tab pos="4921250" algn="ctr"/>
-              </a:tabLst>
-            </a:pPr>
-            <a:r>
-              <a:rPr lang="en-US" altLang="zh-TW" sz="2400" dirty="0"/>
-              <a:t>		</a:t>
-            </a:r>
-            <a:r>
-              <a:rPr lang="en-US" altLang="zh-TW" sz="2400" i="1" dirty="0"/>
-              <a:t>P</a:t>
-            </a:r>
-            <a:r>
-              <a:rPr lang="en-US" altLang="zh-TW" sz="2400" baseline="-25000" dirty="0"/>
-              <a:t>0     </a:t>
-            </a:r>
-            <a:r>
-              <a:rPr lang="en-US" altLang="zh-TW" sz="2400" dirty="0"/>
-              <a:t>	  0 1 0               0 0 0 	         0 0 0</a:t>
-            </a:r>
-          </a:p>
-          <a:p>
-            <a:pPr>
-              <a:buFont typeface="Monotype Sorts" pitchFamily="2" charset="2"/>
-              <a:buNone/>
-              <a:tabLst>
-                <a:tab pos="1428750" algn="l"/>
-                <a:tab pos="2338388" algn="ctr"/>
-                <a:tab pos="3594100" algn="ctr"/>
-                <a:tab pos="4921250" algn="ctr"/>
-              </a:tabLst>
-            </a:pPr>
-            <a:r>
-              <a:rPr lang="en-US" altLang="zh-TW" sz="2400" dirty="0"/>
-              <a:t>		</a:t>
-            </a:r>
-            <a:r>
-              <a:rPr lang="en-US" altLang="zh-TW" sz="2400" i="1" dirty="0"/>
-              <a:t>P</a:t>
-            </a:r>
-            <a:r>
-              <a:rPr lang="en-US" altLang="zh-TW" sz="2400" baseline="-25000" dirty="0"/>
-              <a:t>1</a:t>
-            </a:r>
-            <a:r>
-              <a:rPr lang="en-US" altLang="zh-TW" sz="2400" dirty="0"/>
-              <a:t>	 2 0 0 	           2 0 2</a:t>
-            </a:r>
-          </a:p>
-          <a:p>
-            <a:pPr>
-              <a:buFont typeface="Monotype Sorts" pitchFamily="2" charset="2"/>
-              <a:buNone/>
-              <a:tabLst>
-                <a:tab pos="1428750" algn="l"/>
-                <a:tab pos="2338388" algn="ctr"/>
-                <a:tab pos="3594100" algn="ctr"/>
-                <a:tab pos="4921250" algn="ctr"/>
-              </a:tabLst>
-            </a:pPr>
-            <a:r>
-              <a:rPr lang="en-US" altLang="zh-TW" sz="2400" dirty="0"/>
-              <a:t>		</a:t>
-            </a:r>
-            <a:r>
-              <a:rPr lang="en-US" altLang="zh-TW" sz="2400" i="1" dirty="0"/>
-              <a:t>P</a:t>
-            </a:r>
-            <a:r>
-              <a:rPr lang="en-US" altLang="zh-TW" sz="2400" baseline="-25000" dirty="0"/>
-              <a:t>2</a:t>
-            </a:r>
-            <a:r>
-              <a:rPr lang="en-US" altLang="zh-TW" sz="2400" dirty="0"/>
-              <a:t>	      3 0 3               0 0 0 </a:t>
-            </a:r>
-          </a:p>
-          <a:p>
-            <a:pPr>
-              <a:buFont typeface="Monotype Sorts" pitchFamily="2" charset="2"/>
-              <a:buNone/>
-              <a:tabLst>
-                <a:tab pos="1428750" algn="l"/>
-                <a:tab pos="2338388" algn="ctr"/>
-                <a:tab pos="3594100" algn="ctr"/>
-                <a:tab pos="4921250" algn="ctr"/>
-              </a:tabLst>
-            </a:pPr>
-            <a:r>
-              <a:rPr lang="en-US" altLang="zh-TW" sz="2400" dirty="0"/>
-              <a:t>		</a:t>
-            </a:r>
-            <a:r>
-              <a:rPr lang="en-US" altLang="zh-TW" sz="2400" i="1" dirty="0"/>
-              <a:t>P</a:t>
-            </a:r>
-            <a:r>
-              <a:rPr lang="en-US" altLang="zh-TW" sz="2400" baseline="-25000" dirty="0"/>
-              <a:t>3</a:t>
-            </a:r>
-            <a:r>
-              <a:rPr lang="en-US" altLang="zh-TW" sz="2400" dirty="0"/>
-              <a:t>	 2 1 1 	            1 0 0 </a:t>
-            </a:r>
-          </a:p>
-          <a:p>
-            <a:pPr>
-              <a:buFont typeface="Monotype Sorts" pitchFamily="2" charset="2"/>
-              <a:buNone/>
-              <a:tabLst>
-                <a:tab pos="1428750" algn="l"/>
-                <a:tab pos="2338388" algn="ctr"/>
-                <a:tab pos="3594100" algn="ctr"/>
-                <a:tab pos="4921250" algn="ctr"/>
-              </a:tabLst>
-            </a:pPr>
-            <a:r>
-              <a:rPr lang="en-US" altLang="zh-TW" sz="2400" dirty="0"/>
-              <a:t>		</a:t>
-            </a:r>
-            <a:r>
-              <a:rPr lang="en-US" altLang="zh-TW" sz="2400" i="1" dirty="0"/>
-              <a:t>P</a:t>
-            </a:r>
-            <a:r>
-              <a:rPr lang="en-US" altLang="zh-TW" sz="2400" baseline="-25000" dirty="0"/>
-              <a:t>4</a:t>
-            </a:r>
-            <a:r>
-              <a:rPr lang="en-US" altLang="zh-TW" sz="2400" dirty="0"/>
-              <a:t>	 0 0 2 	             0 0 2</a:t>
-            </a:r>
-          </a:p>
-          <a:p>
-            <a:pPr>
-              <a:tabLst>
-                <a:tab pos="1428750" algn="l"/>
-                <a:tab pos="2338388" algn="ctr"/>
-                <a:tab pos="3594100" algn="ctr"/>
-                <a:tab pos="4921250" algn="ctr"/>
-              </a:tabLst>
-            </a:pPr>
-            <a:r>
-              <a:rPr lang="en-US" altLang="zh-TW" sz="2000" dirty="0"/>
-              <a:t>Sequence &lt;</a:t>
-            </a:r>
-            <a:r>
-              <a:rPr lang="en-US" altLang="zh-TW" sz="2000" i="1" dirty="0"/>
-              <a:t>P</a:t>
-            </a:r>
-            <a:r>
-              <a:rPr lang="en-US" altLang="zh-TW" sz="2000" baseline="-25000" dirty="0"/>
-              <a:t>0</a:t>
-            </a:r>
-            <a:r>
-              <a:rPr lang="en-US" altLang="zh-TW" sz="2000" dirty="0"/>
-              <a:t>, </a:t>
-            </a:r>
-            <a:r>
-              <a:rPr lang="en-US" altLang="zh-TW" sz="2000" i="1" dirty="0"/>
-              <a:t>P</a:t>
-            </a:r>
-            <a:r>
-              <a:rPr lang="en-US" altLang="zh-TW" sz="2000" baseline="-25000" dirty="0"/>
-              <a:t>2</a:t>
-            </a:r>
-            <a:r>
-              <a:rPr lang="en-US" altLang="zh-TW" sz="2000" dirty="0"/>
-              <a:t>, </a:t>
-            </a:r>
-            <a:r>
-              <a:rPr lang="en-US" altLang="zh-TW" sz="2000" i="1" dirty="0"/>
-              <a:t>P</a:t>
-            </a:r>
-            <a:r>
-              <a:rPr lang="en-US" altLang="zh-TW" sz="2000" baseline="-25000" dirty="0"/>
-              <a:t>3</a:t>
-            </a:r>
-            <a:r>
-              <a:rPr lang="en-US" altLang="zh-TW" sz="2000" dirty="0"/>
-              <a:t>, </a:t>
-            </a:r>
-            <a:r>
-              <a:rPr lang="en-US" altLang="zh-TW" sz="2000" i="1" dirty="0"/>
-              <a:t>P</a:t>
-            </a:r>
-            <a:r>
-              <a:rPr lang="en-US" altLang="zh-TW" sz="2000" baseline="-25000" dirty="0"/>
-              <a:t>1</a:t>
-            </a:r>
-            <a:r>
-              <a:rPr lang="en-US" altLang="zh-TW" sz="2000" dirty="0"/>
-              <a:t>, </a:t>
-            </a:r>
-            <a:r>
-              <a:rPr lang="en-US" altLang="zh-TW" sz="2000" i="1" dirty="0"/>
-              <a:t>P</a:t>
-            </a:r>
-            <a:r>
-              <a:rPr lang="en-US" altLang="zh-TW" sz="2000" baseline="-25000" dirty="0"/>
-              <a:t>4</a:t>
-            </a:r>
-            <a:r>
-              <a:rPr lang="en-US" altLang="zh-TW" sz="2000" dirty="0"/>
-              <a:t>&gt; will result in </a:t>
-            </a:r>
-            <a:r>
-              <a:rPr lang="en-US" altLang="zh-TW" sz="2000" i="1" dirty="0"/>
-              <a:t>Finish</a:t>
-            </a:r>
-            <a:r>
-              <a:rPr lang="en-US" altLang="zh-TW" sz="2000" dirty="0"/>
-              <a:t>[</a:t>
-            </a:r>
-            <a:r>
-              <a:rPr lang="en-US" altLang="zh-TW" sz="2000" i="1" dirty="0" err="1"/>
-              <a:t>i</a:t>
-            </a:r>
-            <a:r>
-              <a:rPr lang="en-US" altLang="zh-TW" sz="2000" dirty="0"/>
-              <a:t>] = true for all </a:t>
-            </a:r>
-            <a:r>
-              <a:rPr lang="en-US" altLang="zh-TW" sz="2000" i="1" dirty="0" err="1"/>
-              <a:t>i</a:t>
-            </a:r>
-            <a:endParaRPr lang="en-US" altLang="zh-TW" sz="2000" dirty="0"/>
-          </a:p>
-          <a:p>
-            <a:pPr>
-              <a:buFont typeface="Monotype Sorts" pitchFamily="2" charset="2"/>
-              <a:buNone/>
-              <a:tabLst>
-                <a:tab pos="1428750" algn="l"/>
-                <a:tab pos="2338388" algn="ctr"/>
-                <a:tab pos="3594100" algn="ctr"/>
-                <a:tab pos="4921250" algn="ctr"/>
-              </a:tabLst>
-            </a:pPr>
-            <a:endParaRPr lang="en-US" altLang="zh-TW" sz="2400" dirty="0"/>
           </a:p>
         </p:txBody>
       </p:sp>
@@ -21971,6 +22757,905 @@
       </p:grpSpPr>
       <p:sp>
         <p:nvSpPr>
+          <p:cNvPr id="40962" name="Rectangle 2"/>
+          <p:cNvSpPr>
+            <a:spLocks noGrp="1" noChangeArrowheads="1"/>
+          </p:cNvSpPr>
+          <p:nvPr>
+            <p:ph type="title"/>
+          </p:nvPr>
+        </p:nvSpPr>
+        <p:spPr/>
+        <p:txBody>
+          <a:bodyPr/>
+          <a:lstStyle/>
+          <a:p>
+            <a:pPr eaLnBrk="1" hangingPunct="1"/>
+            <a:r>
+              <a:rPr lang="en-US" altLang="zh-TW"/>
+              <a:t>Detection Algorithm (Cont.)</a:t>
+            </a:r>
+          </a:p>
+        </p:txBody>
+      </p:sp>
+      <p:sp>
+        <p:nvSpPr>
+          <p:cNvPr id="40963" name="Rectangle 3"/>
+          <p:cNvSpPr>
+            <a:spLocks noGrp="1" noChangeArrowheads="1"/>
+          </p:cNvSpPr>
+          <p:nvPr>
+            <p:ph type="body" idx="1"/>
+          </p:nvPr>
+        </p:nvSpPr>
+        <p:spPr>
+          <a:xfrm>
+            <a:off x="758825" y="1141413"/>
+            <a:ext cx="7839075" cy="2297112"/>
+          </a:xfrm>
+        </p:spPr>
+        <p:txBody>
+          <a:bodyPr/>
+          <a:lstStyle/>
+          <a:p>
+            <a:pPr>
+              <a:buFont typeface="Monotype Sorts" pitchFamily="2" charset="2"/>
+              <a:buNone/>
+            </a:pPr>
+            <a:r>
+              <a:rPr lang="en-US" altLang="zh-TW" sz="2800" dirty="0"/>
+              <a:t>3.	</a:t>
+            </a:r>
+            <a:r>
+              <a:rPr lang="en-US" altLang="zh-TW" sz="2800" i="1" dirty="0"/>
+              <a:t>Work</a:t>
+            </a:r>
+            <a:r>
+              <a:rPr lang="en-US" altLang="zh-TW" sz="2800" dirty="0"/>
+              <a:t> = </a:t>
+            </a:r>
+            <a:r>
+              <a:rPr lang="en-US" altLang="zh-TW" sz="2800" i="1" dirty="0"/>
+              <a:t>Work</a:t>
+            </a:r>
+            <a:r>
+              <a:rPr lang="en-US" altLang="zh-TW" sz="2800" dirty="0"/>
+              <a:t> + </a:t>
+            </a:r>
+            <a:r>
+              <a:rPr lang="en-US" altLang="zh-TW" sz="2800" i="1" dirty="0" err="1"/>
+              <a:t>Allocation</a:t>
+            </a:r>
+            <a:r>
+              <a:rPr lang="en-US" altLang="zh-TW" sz="2800" i="1" baseline="-25000" dirty="0" err="1"/>
+              <a:t>i</a:t>
+            </a:r>
+            <a:br>
+              <a:rPr lang="en-US" altLang="zh-TW" sz="2800" dirty="0"/>
+            </a:br>
+            <a:r>
+              <a:rPr lang="en-US" altLang="zh-TW" sz="2800" i="1" dirty="0"/>
+              <a:t>Finish</a:t>
+            </a:r>
+            <a:r>
+              <a:rPr lang="en-US" altLang="zh-TW" sz="2800" dirty="0"/>
+              <a:t>[</a:t>
+            </a:r>
+            <a:r>
+              <a:rPr lang="en-US" altLang="zh-TW" sz="2800" i="1" dirty="0" err="1"/>
+              <a:t>i</a:t>
+            </a:r>
+            <a:r>
+              <a:rPr lang="en-US" altLang="zh-TW" sz="2800" dirty="0"/>
+              <a:t>] = </a:t>
+            </a:r>
+            <a:r>
+              <a:rPr lang="en-US" altLang="zh-TW" sz="2800" i="1" dirty="0"/>
+              <a:t>true</a:t>
+            </a:r>
+            <a:br>
+              <a:rPr lang="en-US" altLang="zh-TW" sz="2800" dirty="0"/>
+            </a:br>
+            <a:r>
+              <a:rPr lang="en-US" altLang="zh-TW" sz="2800" dirty="0"/>
+              <a:t>go to step 2</a:t>
+            </a:r>
+          </a:p>
+          <a:p>
+            <a:pPr>
+              <a:buFont typeface="Monotype Sorts" pitchFamily="2" charset="2"/>
+              <a:buNone/>
+            </a:pPr>
+            <a:r>
+              <a:rPr lang="en-US" altLang="zh-TW" sz="2800" dirty="0"/>
+              <a:t>4.	If </a:t>
+            </a:r>
+            <a:r>
+              <a:rPr lang="en-US" altLang="zh-TW" sz="2800" i="1" dirty="0"/>
+              <a:t>Finish</a:t>
+            </a:r>
+            <a:r>
+              <a:rPr lang="en-US" altLang="zh-TW" sz="2800" dirty="0"/>
+              <a:t>[</a:t>
+            </a:r>
+            <a:r>
+              <a:rPr lang="en-US" altLang="zh-TW" sz="2800" i="1" dirty="0" err="1"/>
+              <a:t>i</a:t>
+            </a:r>
+            <a:r>
+              <a:rPr lang="en-US" altLang="zh-TW" sz="2800" dirty="0"/>
+              <a:t>] == false, for some </a:t>
+            </a:r>
+            <a:r>
+              <a:rPr lang="en-US" altLang="zh-TW" sz="2800" i="1" dirty="0" err="1"/>
+              <a:t>i</a:t>
+            </a:r>
+            <a:r>
+              <a:rPr lang="en-US" altLang="zh-TW" sz="2800" dirty="0"/>
+              <a:t>, 1 </a:t>
+            </a:r>
+            <a:r>
+              <a:rPr lang="en-US" altLang="zh-TW" sz="2800" dirty="0">
+                <a:sym typeface="Symbol" pitchFamily="18" charset="2"/>
+              </a:rPr>
+              <a:t> </a:t>
+            </a:r>
+            <a:r>
+              <a:rPr lang="en-US" altLang="zh-TW" sz="2800" i="1" dirty="0" err="1">
+                <a:sym typeface="Symbol" pitchFamily="18" charset="2"/>
+              </a:rPr>
+              <a:t>i</a:t>
+            </a:r>
+            <a:r>
+              <a:rPr lang="en-US" altLang="zh-TW" sz="2800" dirty="0">
+                <a:sym typeface="Symbol" pitchFamily="18" charset="2"/>
+              </a:rPr>
+              <a:t>   </a:t>
+            </a:r>
+            <a:r>
+              <a:rPr lang="en-US" altLang="zh-TW" sz="2800" i="1" dirty="0">
+                <a:sym typeface="Symbol" pitchFamily="18" charset="2"/>
+              </a:rPr>
+              <a:t>n</a:t>
+            </a:r>
+            <a:r>
+              <a:rPr lang="en-US" altLang="zh-TW" sz="2800" dirty="0">
+                <a:sym typeface="Symbol" pitchFamily="18" charset="2"/>
+              </a:rPr>
+              <a:t>, then the system is in deadlock state. Moreover, if </a:t>
+            </a:r>
+            <a:r>
+              <a:rPr lang="en-US" altLang="zh-TW" sz="2800" i="1" dirty="0">
+                <a:solidFill>
+                  <a:srgbClr val="FF0000"/>
+                </a:solidFill>
+                <a:sym typeface="Symbol" pitchFamily="18" charset="2"/>
+              </a:rPr>
+              <a:t>Finish</a:t>
+            </a:r>
+            <a:r>
+              <a:rPr lang="en-US" altLang="zh-TW" sz="2800" dirty="0">
+                <a:solidFill>
+                  <a:srgbClr val="FF0000"/>
+                </a:solidFill>
+                <a:sym typeface="Symbol" pitchFamily="18" charset="2"/>
+              </a:rPr>
+              <a:t>[</a:t>
+            </a:r>
+            <a:r>
+              <a:rPr lang="en-US" altLang="zh-TW" sz="2800" i="1" dirty="0" err="1">
+                <a:solidFill>
+                  <a:srgbClr val="FF0000"/>
+                </a:solidFill>
+                <a:sym typeface="Symbol" pitchFamily="18" charset="2"/>
+              </a:rPr>
+              <a:t>i</a:t>
+            </a:r>
+            <a:r>
+              <a:rPr lang="en-US" altLang="zh-TW" sz="2800" dirty="0">
+                <a:solidFill>
+                  <a:srgbClr val="FF0000"/>
+                </a:solidFill>
+                <a:sym typeface="Symbol" pitchFamily="18" charset="2"/>
+              </a:rPr>
+              <a:t>] == </a:t>
+            </a:r>
+            <a:r>
+              <a:rPr lang="en-US" altLang="zh-TW" sz="2800" i="1" dirty="0">
+                <a:solidFill>
+                  <a:srgbClr val="FF0000"/>
+                </a:solidFill>
+                <a:sym typeface="Symbol" pitchFamily="18" charset="2"/>
+              </a:rPr>
+              <a:t>false</a:t>
+            </a:r>
+            <a:r>
+              <a:rPr lang="en-US" altLang="zh-TW" sz="2800" dirty="0">
+                <a:solidFill>
+                  <a:srgbClr val="FF0000"/>
+                </a:solidFill>
+                <a:sym typeface="Symbol" pitchFamily="18" charset="2"/>
+              </a:rPr>
+              <a:t>, then </a:t>
+            </a:r>
+            <a:r>
+              <a:rPr lang="en-US" altLang="zh-TW" sz="2800" i="1" dirty="0">
+                <a:solidFill>
+                  <a:srgbClr val="FF0000"/>
+                </a:solidFill>
+                <a:sym typeface="Symbol" pitchFamily="18" charset="2"/>
+              </a:rPr>
+              <a:t>P</a:t>
+            </a:r>
+            <a:r>
+              <a:rPr lang="en-US" altLang="zh-TW" sz="2800" i="1" baseline="-25000" dirty="0">
+                <a:solidFill>
+                  <a:srgbClr val="FF0000"/>
+                </a:solidFill>
+                <a:sym typeface="Symbol" pitchFamily="18" charset="2"/>
+              </a:rPr>
+              <a:t>i</a:t>
+            </a:r>
+            <a:r>
+              <a:rPr lang="en-US" altLang="zh-TW" sz="2800" dirty="0">
+                <a:solidFill>
+                  <a:srgbClr val="FF0000"/>
+                </a:solidFill>
+                <a:sym typeface="Symbol" pitchFamily="18" charset="2"/>
+              </a:rPr>
+              <a:t> is deadlocked</a:t>
+            </a:r>
+          </a:p>
+          <a:p>
+            <a:pPr>
+              <a:lnSpc>
+                <a:spcPct val="90000"/>
+              </a:lnSpc>
+              <a:buFont typeface="Monotype Sorts" pitchFamily="2" charset="2"/>
+              <a:buNone/>
+            </a:pPr>
+            <a:r>
+              <a:rPr lang="en-US" altLang="zh-TW" sz="2800" dirty="0">
+                <a:sym typeface="Symbol" pitchFamily="18" charset="2"/>
+              </a:rPr>
+              <a:t>	</a:t>
+            </a:r>
+            <a:endParaRPr lang="en-US" altLang="zh-TW" sz="2800" dirty="0"/>
+          </a:p>
+        </p:txBody>
+      </p:sp>
+      <p:sp>
+        <p:nvSpPr>
+          <p:cNvPr id="40964" name="Text Box 4"/>
+          <p:cNvSpPr txBox="1">
+            <a:spLocks noChangeArrowheads="1"/>
+          </p:cNvSpPr>
+          <p:nvPr/>
+        </p:nvSpPr>
+        <p:spPr bwMode="auto">
+          <a:xfrm>
+            <a:off x="895350" y="4280688"/>
+            <a:ext cx="7694613" cy="2031325"/>
+          </a:xfrm>
+          <a:prstGeom prst="rect">
+            <a:avLst/>
+          </a:prstGeom>
+          <a:noFill/>
+          <a:ln w="9525">
+            <a:noFill/>
+            <a:miter lim="800000"/>
+            <a:headEnd/>
+            <a:tailEnd/>
+          </a:ln>
+        </p:spPr>
+        <p:txBody>
+          <a:bodyPr anchor="ctr">
+            <a:spAutoFit/>
+          </a:bodyPr>
+          <a:lstStyle/>
+          <a:p>
+            <a:r>
+              <a:rPr lang="en-US" altLang="zh-TW" sz="2800" b="1" dirty="0">
+                <a:solidFill>
+                  <a:srgbClr val="FF0000"/>
+                </a:solidFill>
+                <a:latin typeface="Candara" pitchFamily="34" charset="0"/>
+                <a:sym typeface="Symbol" pitchFamily="18" charset="2"/>
+              </a:rPr>
+              <a:t>Algorithm requires an order of O(</a:t>
+            </a:r>
+            <a:r>
+              <a:rPr lang="en-US" altLang="zh-TW" sz="2800" b="1" i="1" dirty="0">
+                <a:solidFill>
+                  <a:srgbClr val="FF0000"/>
+                </a:solidFill>
+                <a:latin typeface="Candara" pitchFamily="34" charset="0"/>
+                <a:sym typeface="Symbol" pitchFamily="18" charset="2"/>
+              </a:rPr>
+              <a:t>m </a:t>
+            </a:r>
+            <a:r>
+              <a:rPr lang="en-US" altLang="zh-TW" sz="2800" b="1" dirty="0">
+                <a:solidFill>
+                  <a:srgbClr val="FF0000"/>
+                </a:solidFill>
+                <a:latin typeface="Candara" pitchFamily="34" charset="0"/>
+                <a:sym typeface="Symbol" pitchFamily="18" charset="2"/>
+              </a:rPr>
+              <a:t>x</a:t>
+            </a:r>
+            <a:r>
+              <a:rPr lang="en-US" altLang="zh-TW" sz="2800" b="1" i="1" dirty="0">
+                <a:solidFill>
+                  <a:srgbClr val="FF0000"/>
+                </a:solidFill>
+                <a:latin typeface="Candara" pitchFamily="34" charset="0"/>
+                <a:sym typeface="Symbol" pitchFamily="18" charset="2"/>
+              </a:rPr>
+              <a:t> n</a:t>
+            </a:r>
+            <a:r>
+              <a:rPr lang="en-US" altLang="zh-TW" sz="2800" b="1" baseline="30000" dirty="0">
+                <a:solidFill>
+                  <a:srgbClr val="FF0000"/>
+                </a:solidFill>
+                <a:latin typeface="Candara" pitchFamily="34" charset="0"/>
+                <a:sym typeface="Symbol" pitchFamily="18" charset="2"/>
+              </a:rPr>
+              <a:t>2</a:t>
+            </a:r>
+            <a:r>
+              <a:rPr lang="en-US" altLang="zh-TW" sz="2800" b="1" dirty="0">
+                <a:solidFill>
+                  <a:srgbClr val="FF0000"/>
+                </a:solidFill>
+                <a:latin typeface="Candara" pitchFamily="34" charset="0"/>
+                <a:sym typeface="Symbol" pitchFamily="18" charset="2"/>
+              </a:rPr>
+              <a:t>) operations to detect whether the system is in deadlocked state</a:t>
+            </a:r>
+            <a:endParaRPr lang="en-US" altLang="zh-TW" sz="2800" b="1" dirty="0">
+              <a:solidFill>
+                <a:srgbClr val="FF0000"/>
+              </a:solidFill>
+              <a:latin typeface="Candara" pitchFamily="34" charset="0"/>
+            </a:endParaRPr>
+          </a:p>
+          <a:p>
+            <a:pPr>
+              <a:spcBef>
+                <a:spcPct val="50000"/>
+              </a:spcBef>
+            </a:pPr>
+            <a:endParaRPr lang="en-US" altLang="zh-TW" sz="2800" b="1" dirty="0">
+              <a:solidFill>
+                <a:srgbClr val="FF0066"/>
+              </a:solidFill>
+              <a:latin typeface="Candara" pitchFamily="34" charset="0"/>
+            </a:endParaRPr>
+          </a:p>
+        </p:txBody>
+      </p:sp>
+    </p:spTree>
+  </p:cSld>
+  <p:clrMapOvr>
+    <a:masterClrMapping/>
+  </p:clrMapOvr>
+</p:sld>
+</file>
+
+<file path=ppt/slides/slide41.xml><?xml version="1.0" encoding="utf-8"?>
+<p:sld xmlns:a="http://schemas.openxmlformats.org/drawingml/2006/main" xmlns:r="http://schemas.openxmlformats.org/officeDocument/2006/relationships" xmlns:p="http://schemas.openxmlformats.org/presentationml/2006/main">
+  <p:cSld>
+    <p:spTree>
+      <p:nvGrpSpPr>
+        <p:cNvPr id="1" name=""/>
+        <p:cNvGrpSpPr/>
+        <p:nvPr/>
+      </p:nvGrpSpPr>
+      <p:grpSpPr>
+        <a:xfrm>
+          <a:off x="0" y="0"/>
+          <a:ext cx="0" cy="0"/>
+          <a:chOff x="0" y="0"/>
+          <a:chExt cx="0" cy="0"/>
+        </a:xfrm>
+      </p:grpSpPr>
+      <p:sp>
+        <p:nvSpPr>
+          <p:cNvPr id="41986" name="Rectangle 2"/>
+          <p:cNvSpPr>
+            <a:spLocks noGrp="1" noChangeArrowheads="1"/>
+          </p:cNvSpPr>
+          <p:nvPr>
+            <p:ph type="title"/>
+          </p:nvPr>
+        </p:nvSpPr>
+        <p:spPr/>
+        <p:txBody>
+          <a:bodyPr/>
+          <a:lstStyle/>
+          <a:p>
+            <a:pPr eaLnBrk="1" hangingPunct="1"/>
+            <a:r>
+              <a:rPr lang="en-US" altLang="zh-TW"/>
+              <a:t>Example of Detection Algorithm</a:t>
+            </a:r>
+          </a:p>
+        </p:txBody>
+      </p:sp>
+      <p:sp>
+        <p:nvSpPr>
+          <p:cNvPr id="41987" name="Rectangle 3"/>
+          <p:cNvSpPr>
+            <a:spLocks noGrp="1" noChangeArrowheads="1"/>
+          </p:cNvSpPr>
+          <p:nvPr>
+            <p:ph type="body" idx="1"/>
+          </p:nvPr>
+        </p:nvSpPr>
+        <p:spPr>
+          <a:xfrm>
+            <a:off x="723900" y="1066800"/>
+            <a:ext cx="8229600" cy="4530725"/>
+          </a:xfrm>
+        </p:spPr>
+        <p:txBody>
+          <a:bodyPr/>
+          <a:lstStyle/>
+          <a:p>
+            <a:pPr>
+              <a:tabLst>
+                <a:tab pos="1428750" algn="l"/>
+                <a:tab pos="2338388" algn="ctr"/>
+                <a:tab pos="3594100" algn="ctr"/>
+                <a:tab pos="4921250" algn="ctr"/>
+              </a:tabLst>
+            </a:pPr>
+            <a:r>
+              <a:rPr lang="en-US" altLang="zh-TW" sz="2400" dirty="0"/>
+              <a:t>Five processes </a:t>
+            </a:r>
+            <a:r>
+              <a:rPr lang="en-US" altLang="zh-TW" sz="2400" i="1" dirty="0"/>
+              <a:t>P</a:t>
+            </a:r>
+            <a:r>
+              <a:rPr lang="en-US" altLang="zh-TW" sz="2400" baseline="-25000" dirty="0"/>
+              <a:t>0</a:t>
+            </a:r>
+            <a:r>
+              <a:rPr lang="en-US" altLang="zh-TW" sz="2400" dirty="0"/>
+              <a:t> through </a:t>
+            </a:r>
+            <a:r>
+              <a:rPr lang="en-US" altLang="zh-TW" sz="2400" i="1" dirty="0"/>
+              <a:t>P</a:t>
+            </a:r>
+            <a:r>
+              <a:rPr lang="en-US" altLang="zh-TW" sz="2400" baseline="-25000" dirty="0"/>
+              <a:t>4</a:t>
+            </a:r>
+            <a:r>
+              <a:rPr lang="en-US" altLang="zh-TW" sz="2400" dirty="0"/>
+              <a:t>;</a:t>
+            </a:r>
+            <a:r>
+              <a:rPr lang="en-US" altLang="zh-TW" sz="2400" baseline="-25000" dirty="0"/>
+              <a:t> </a:t>
+            </a:r>
+            <a:r>
+              <a:rPr lang="en-US" altLang="zh-TW" sz="2400" dirty="0"/>
+              <a:t>three resource types </a:t>
+            </a:r>
+            <a:br>
+              <a:rPr lang="en-US" altLang="zh-TW" sz="2400" dirty="0"/>
+            </a:br>
+            <a:r>
+              <a:rPr lang="en-US" altLang="zh-TW" dirty="0">
+                <a:solidFill>
+                  <a:srgbClr val="FF0000"/>
+                </a:solidFill>
+              </a:rPr>
+              <a:t>A (7 instances), </a:t>
+            </a:r>
+            <a:r>
+              <a:rPr lang="en-US" altLang="zh-TW" i="1" dirty="0">
+                <a:solidFill>
+                  <a:srgbClr val="FF0000"/>
+                </a:solidFill>
+              </a:rPr>
+              <a:t>B </a:t>
+            </a:r>
+            <a:r>
+              <a:rPr lang="en-US" altLang="zh-TW" dirty="0">
+                <a:solidFill>
+                  <a:srgbClr val="FF0000"/>
+                </a:solidFill>
+              </a:rPr>
+              <a:t>(2 instances), and </a:t>
+            </a:r>
+            <a:r>
+              <a:rPr lang="en-US" altLang="zh-TW" i="1" dirty="0">
+                <a:solidFill>
+                  <a:srgbClr val="FF0000"/>
+                </a:solidFill>
+              </a:rPr>
+              <a:t>C</a:t>
+            </a:r>
+            <a:r>
+              <a:rPr lang="en-US" altLang="zh-TW" dirty="0">
+                <a:solidFill>
+                  <a:srgbClr val="FF0000"/>
+                </a:solidFill>
+              </a:rPr>
+              <a:t> (6 instances)</a:t>
+            </a:r>
+            <a:endParaRPr lang="en-US" altLang="zh-TW" sz="2400" dirty="0">
+              <a:solidFill>
+                <a:srgbClr val="FF0000"/>
+              </a:solidFill>
+            </a:endParaRPr>
+          </a:p>
+          <a:p>
+            <a:pPr>
+              <a:tabLst>
+                <a:tab pos="1428750" algn="l"/>
+                <a:tab pos="2338388" algn="ctr"/>
+                <a:tab pos="3594100" algn="ctr"/>
+                <a:tab pos="4921250" algn="ctr"/>
+              </a:tabLst>
+            </a:pPr>
+            <a:r>
+              <a:rPr lang="en-US" altLang="zh-TW" sz="2400" dirty="0"/>
+              <a:t>Snapshot at time </a:t>
+            </a:r>
+            <a:r>
+              <a:rPr lang="en-US" altLang="zh-TW" sz="2400" i="1" dirty="0"/>
+              <a:t>T</a:t>
+            </a:r>
+            <a:r>
+              <a:rPr lang="en-US" altLang="zh-TW" sz="2400" baseline="-25000" dirty="0"/>
+              <a:t>0</a:t>
+            </a:r>
+            <a:r>
+              <a:rPr lang="en-US" altLang="zh-TW" sz="2400" dirty="0"/>
+              <a:t>:</a:t>
+            </a:r>
+          </a:p>
+          <a:p>
+            <a:pPr>
+              <a:buFont typeface="Monotype Sorts" pitchFamily="2" charset="2"/>
+              <a:buNone/>
+              <a:tabLst>
+                <a:tab pos="1428750" algn="l"/>
+                <a:tab pos="2338388" algn="ctr"/>
+                <a:tab pos="3594100" algn="ctr"/>
+                <a:tab pos="4921250" algn="ctr"/>
+              </a:tabLst>
+            </a:pPr>
+            <a:r>
+              <a:rPr lang="en-US" altLang="zh-TW" sz="2400" dirty="0"/>
+              <a:t>			      </a:t>
+            </a:r>
+            <a:r>
+              <a:rPr lang="en-US" altLang="zh-TW" sz="2400" i="1" u="sng" dirty="0"/>
+              <a:t>Allocation</a:t>
+            </a:r>
+            <a:r>
+              <a:rPr lang="en-US" altLang="zh-TW" sz="2400" i="1" dirty="0"/>
+              <a:t>	      </a:t>
+            </a:r>
+            <a:r>
+              <a:rPr lang="en-US" altLang="zh-TW" sz="2400" i="1" u="sng" dirty="0"/>
+              <a:t>Request</a:t>
+            </a:r>
+            <a:r>
+              <a:rPr lang="en-US" altLang="zh-TW" sz="2400" i="1" dirty="0"/>
+              <a:t>	     </a:t>
+            </a:r>
+            <a:r>
+              <a:rPr lang="en-US" altLang="zh-TW" sz="2400" i="1" u="sng" dirty="0"/>
+              <a:t>Available</a:t>
+            </a:r>
+          </a:p>
+          <a:p>
+            <a:pPr>
+              <a:buFont typeface="Monotype Sorts" pitchFamily="2" charset="2"/>
+              <a:buNone/>
+              <a:tabLst>
+                <a:tab pos="1428750" algn="l"/>
+                <a:tab pos="2338388" algn="ctr"/>
+                <a:tab pos="3594100" algn="ctr"/>
+                <a:tab pos="4921250" algn="ctr"/>
+              </a:tabLst>
+            </a:pPr>
+            <a:r>
+              <a:rPr lang="en-US" altLang="zh-TW" sz="2400" dirty="0"/>
+              <a:t>			  </a:t>
+            </a:r>
+            <a:r>
+              <a:rPr lang="en-US" altLang="zh-TW" sz="2400" i="1" dirty="0"/>
+              <a:t>A B C 	            A B C 	        A B C</a:t>
+            </a:r>
+          </a:p>
+          <a:p>
+            <a:pPr>
+              <a:buFont typeface="Monotype Sorts" pitchFamily="2" charset="2"/>
+              <a:buNone/>
+              <a:tabLst>
+                <a:tab pos="1428750" algn="l"/>
+                <a:tab pos="2338388" algn="ctr"/>
+                <a:tab pos="3594100" algn="ctr"/>
+                <a:tab pos="4921250" algn="ctr"/>
+              </a:tabLst>
+            </a:pPr>
+            <a:r>
+              <a:rPr lang="en-US" altLang="zh-TW" sz="2400" dirty="0"/>
+              <a:t>		</a:t>
+            </a:r>
+            <a:r>
+              <a:rPr lang="en-US" altLang="zh-TW" sz="2400" i="1" dirty="0"/>
+              <a:t>P</a:t>
+            </a:r>
+            <a:r>
+              <a:rPr lang="en-US" altLang="zh-TW" sz="2400" baseline="-25000" dirty="0"/>
+              <a:t>0     </a:t>
+            </a:r>
+            <a:r>
+              <a:rPr lang="en-US" altLang="zh-TW" sz="2400" dirty="0"/>
+              <a:t>	  0 1 0               0 0 0 	         0 0 0</a:t>
+            </a:r>
+          </a:p>
+          <a:p>
+            <a:pPr>
+              <a:buFont typeface="Monotype Sorts" pitchFamily="2" charset="2"/>
+              <a:buNone/>
+              <a:tabLst>
+                <a:tab pos="1428750" algn="l"/>
+                <a:tab pos="2338388" algn="ctr"/>
+                <a:tab pos="3594100" algn="ctr"/>
+                <a:tab pos="4921250" algn="ctr"/>
+              </a:tabLst>
+            </a:pPr>
+            <a:r>
+              <a:rPr lang="en-US" altLang="zh-TW" sz="2400" dirty="0"/>
+              <a:t>		</a:t>
+            </a:r>
+            <a:r>
+              <a:rPr lang="en-US" altLang="zh-TW" sz="2400" i="1" dirty="0"/>
+              <a:t>P</a:t>
+            </a:r>
+            <a:r>
+              <a:rPr lang="en-US" altLang="zh-TW" sz="2400" baseline="-25000" dirty="0"/>
+              <a:t>1</a:t>
+            </a:r>
+            <a:r>
+              <a:rPr lang="en-US" altLang="zh-TW" sz="2400" dirty="0"/>
+              <a:t>	 2 0 0 	           2 0 2</a:t>
+            </a:r>
+          </a:p>
+          <a:p>
+            <a:pPr>
+              <a:buFont typeface="Monotype Sorts" pitchFamily="2" charset="2"/>
+              <a:buNone/>
+              <a:tabLst>
+                <a:tab pos="1428750" algn="l"/>
+                <a:tab pos="2338388" algn="ctr"/>
+                <a:tab pos="3594100" algn="ctr"/>
+                <a:tab pos="4921250" algn="ctr"/>
+              </a:tabLst>
+            </a:pPr>
+            <a:r>
+              <a:rPr lang="en-US" altLang="zh-TW" sz="2400" dirty="0"/>
+              <a:t>		</a:t>
+            </a:r>
+            <a:r>
+              <a:rPr lang="en-US" altLang="zh-TW" sz="2400" i="1" dirty="0"/>
+              <a:t>P</a:t>
+            </a:r>
+            <a:r>
+              <a:rPr lang="en-US" altLang="zh-TW" sz="2400" baseline="-25000" dirty="0"/>
+              <a:t>2</a:t>
+            </a:r>
+            <a:r>
+              <a:rPr lang="en-US" altLang="zh-TW" sz="2400" dirty="0"/>
+              <a:t>	      3 0 3               0 0 0 </a:t>
+            </a:r>
+          </a:p>
+          <a:p>
+            <a:pPr>
+              <a:buFont typeface="Monotype Sorts" pitchFamily="2" charset="2"/>
+              <a:buNone/>
+              <a:tabLst>
+                <a:tab pos="1428750" algn="l"/>
+                <a:tab pos="2338388" algn="ctr"/>
+                <a:tab pos="3594100" algn="ctr"/>
+                <a:tab pos="4921250" algn="ctr"/>
+              </a:tabLst>
+            </a:pPr>
+            <a:r>
+              <a:rPr lang="en-US" altLang="zh-TW" sz="2400" dirty="0"/>
+              <a:t>		</a:t>
+            </a:r>
+            <a:r>
+              <a:rPr lang="en-US" altLang="zh-TW" sz="2400" i="1" dirty="0"/>
+              <a:t>P</a:t>
+            </a:r>
+            <a:r>
+              <a:rPr lang="en-US" altLang="zh-TW" sz="2400" baseline="-25000" dirty="0"/>
+              <a:t>3</a:t>
+            </a:r>
+            <a:r>
+              <a:rPr lang="en-US" altLang="zh-TW" sz="2400" dirty="0"/>
+              <a:t>	 2 1 1 	            1 0 0 </a:t>
+            </a:r>
+          </a:p>
+          <a:p>
+            <a:pPr>
+              <a:buFont typeface="Monotype Sorts" pitchFamily="2" charset="2"/>
+              <a:buNone/>
+              <a:tabLst>
+                <a:tab pos="1428750" algn="l"/>
+                <a:tab pos="2338388" algn="ctr"/>
+                <a:tab pos="3594100" algn="ctr"/>
+                <a:tab pos="4921250" algn="ctr"/>
+              </a:tabLst>
+            </a:pPr>
+            <a:r>
+              <a:rPr lang="en-US" altLang="zh-TW" sz="2400" dirty="0"/>
+              <a:t>		</a:t>
+            </a:r>
+            <a:r>
+              <a:rPr lang="en-US" altLang="zh-TW" sz="2400" i="1" dirty="0"/>
+              <a:t>P</a:t>
+            </a:r>
+            <a:r>
+              <a:rPr lang="en-US" altLang="zh-TW" sz="2400" baseline="-25000" dirty="0"/>
+              <a:t>4</a:t>
+            </a:r>
+            <a:r>
+              <a:rPr lang="en-US" altLang="zh-TW" sz="2400" dirty="0"/>
+              <a:t>	 0 0 2 	             0 0 2</a:t>
+            </a:r>
+          </a:p>
+          <a:p>
+            <a:pPr>
+              <a:tabLst>
+                <a:tab pos="1428750" algn="l"/>
+                <a:tab pos="2338388" algn="ctr"/>
+                <a:tab pos="3594100" algn="ctr"/>
+                <a:tab pos="4921250" algn="ctr"/>
+              </a:tabLst>
+            </a:pPr>
+            <a:r>
+              <a:rPr lang="en-US" altLang="zh-TW" sz="2000" dirty="0"/>
+              <a:t>Sequence &lt;</a:t>
+            </a:r>
+            <a:r>
+              <a:rPr lang="en-US" altLang="zh-TW" sz="2000" i="1" dirty="0"/>
+              <a:t>P</a:t>
+            </a:r>
+            <a:r>
+              <a:rPr lang="en-US" altLang="zh-TW" sz="2000" baseline="-25000" dirty="0"/>
+              <a:t>0</a:t>
+            </a:r>
+            <a:r>
+              <a:rPr lang="en-US" altLang="zh-TW" sz="2000" dirty="0"/>
+              <a:t>, </a:t>
+            </a:r>
+            <a:r>
+              <a:rPr lang="en-US" altLang="zh-TW" sz="2000" i="1" dirty="0"/>
+              <a:t>P</a:t>
+            </a:r>
+            <a:r>
+              <a:rPr lang="en-US" altLang="zh-TW" sz="2000" baseline="-25000" dirty="0"/>
+              <a:t>2</a:t>
+            </a:r>
+            <a:r>
+              <a:rPr lang="en-US" altLang="zh-TW" sz="2000" dirty="0"/>
+              <a:t>, </a:t>
+            </a:r>
+            <a:r>
+              <a:rPr lang="en-US" altLang="zh-TW" sz="2000" i="1" dirty="0"/>
+              <a:t>P</a:t>
+            </a:r>
+            <a:r>
+              <a:rPr lang="en-US" altLang="zh-TW" sz="2000" baseline="-25000" dirty="0"/>
+              <a:t>3</a:t>
+            </a:r>
+            <a:r>
+              <a:rPr lang="en-US" altLang="zh-TW" sz="2000" dirty="0"/>
+              <a:t>, </a:t>
+            </a:r>
+            <a:r>
+              <a:rPr lang="en-US" altLang="zh-TW" sz="2000" i="1" dirty="0"/>
+              <a:t>P</a:t>
+            </a:r>
+            <a:r>
+              <a:rPr lang="en-US" altLang="zh-TW" sz="2000" baseline="-25000" dirty="0"/>
+              <a:t>1</a:t>
+            </a:r>
+            <a:r>
+              <a:rPr lang="en-US" altLang="zh-TW" sz="2000" dirty="0"/>
+              <a:t>, </a:t>
+            </a:r>
+            <a:r>
+              <a:rPr lang="en-US" altLang="zh-TW" sz="2000" i="1" dirty="0"/>
+              <a:t>P</a:t>
+            </a:r>
+            <a:r>
+              <a:rPr lang="en-US" altLang="zh-TW" sz="2000" baseline="-25000" dirty="0"/>
+              <a:t>4</a:t>
+            </a:r>
+            <a:r>
+              <a:rPr lang="en-US" altLang="zh-TW" sz="2000" dirty="0"/>
+              <a:t>&gt; will result in </a:t>
+            </a:r>
+            <a:r>
+              <a:rPr lang="en-US" altLang="zh-TW" sz="2000" i="1" dirty="0"/>
+              <a:t>Finish</a:t>
+            </a:r>
+            <a:r>
+              <a:rPr lang="en-US" altLang="zh-TW" sz="2000" dirty="0"/>
+              <a:t>[</a:t>
+            </a:r>
+            <a:r>
+              <a:rPr lang="en-US" altLang="zh-TW" sz="2000" i="1" dirty="0" err="1"/>
+              <a:t>i</a:t>
+            </a:r>
+            <a:r>
+              <a:rPr lang="en-US" altLang="zh-TW" sz="2000" dirty="0"/>
+              <a:t>] = true for all </a:t>
+            </a:r>
+            <a:r>
+              <a:rPr lang="en-US" altLang="zh-TW" sz="2000" i="1" dirty="0" err="1"/>
+              <a:t>i</a:t>
+            </a:r>
+            <a:endParaRPr lang="en-US" altLang="zh-TW" sz="2000" dirty="0"/>
+          </a:p>
+          <a:p>
+            <a:pPr>
+              <a:buFont typeface="Monotype Sorts" pitchFamily="2" charset="2"/>
+              <a:buNone/>
+              <a:tabLst>
+                <a:tab pos="1428750" algn="l"/>
+                <a:tab pos="2338388" algn="ctr"/>
+                <a:tab pos="3594100" algn="ctr"/>
+                <a:tab pos="4921250" algn="ctr"/>
+              </a:tabLst>
+            </a:pPr>
+            <a:endParaRPr lang="en-US" altLang="zh-TW" sz="2400" dirty="0"/>
+          </a:p>
+        </p:txBody>
+      </p:sp>
+    </p:spTree>
+  </p:cSld>
+  <p:clrMapOvr>
+    <a:masterClrMapping/>
+  </p:clrMapOvr>
+</p:sld>
+</file>
+
+<file path=ppt/slides/slide42.xml><?xml version="1.0" encoding="utf-8"?>
+<p:sld xmlns:a="http://schemas.openxmlformats.org/drawingml/2006/main" xmlns:r="http://schemas.openxmlformats.org/officeDocument/2006/relationships" xmlns:p="http://schemas.openxmlformats.org/presentationml/2006/main">
+  <p:cSld>
+    <p:spTree>
+      <p:nvGrpSpPr>
+        <p:cNvPr id="1" name=""/>
+        <p:cNvGrpSpPr/>
+        <p:nvPr/>
+      </p:nvGrpSpPr>
+      <p:grpSpPr>
+        <a:xfrm>
+          <a:off x="0" y="0"/>
+          <a:ext cx="0" cy="0"/>
+          <a:chOff x="0" y="0"/>
+          <a:chExt cx="0" cy="0"/>
+        </a:xfrm>
+      </p:grpSpPr>
+      <p:sp>
+        <p:nvSpPr>
           <p:cNvPr id="43010" name="Rectangle 2"/>
           <p:cNvSpPr>
             <a:spLocks noGrp="1" noChangeArrowheads="1"/>
@@ -22595,7 +24280,7 @@
 </p:sld>
 </file>
 
-<file path=ppt/slides/slide41.xml><?xml version="1.0" encoding="utf-8"?>
+<file path=ppt/slides/slide43.xml><?xml version="1.0" encoding="utf-8"?>
 <p:sld xmlns:a="http://schemas.openxmlformats.org/drawingml/2006/main" xmlns:r="http://schemas.openxmlformats.org/officeDocument/2006/relationships" xmlns:p="http://schemas.openxmlformats.org/presentationml/2006/main">
   <p:cSld>
     <p:spTree>
@@ -22997,7 +24682,7 @@
 </p:sld>
 </file>
 
-<file path=ppt/slides/slide42.xml><?xml version="1.0" encoding="utf-8"?>
+<file path=ppt/slides/slide44.xml><?xml version="1.0" encoding="utf-8"?>
 <p:sld xmlns:a="http://schemas.openxmlformats.org/drawingml/2006/main" xmlns:r="http://schemas.openxmlformats.org/officeDocument/2006/relationships" xmlns:p="http://schemas.openxmlformats.org/presentationml/2006/main">
   <p:cSld>
     <p:spTree>
@@ -23616,7 +25301,7 @@
 </p:sld>
 </file>
 
-<file path=ppt/slides/slide43.xml><?xml version="1.0" encoding="utf-8"?>
+<file path=ppt/slides/slide45.xml><?xml version="1.0" encoding="utf-8"?>
 <p:sld xmlns:a="http://schemas.openxmlformats.org/drawingml/2006/main" xmlns:r="http://schemas.openxmlformats.org/officeDocument/2006/relationships" xmlns:p="http://schemas.openxmlformats.org/presentationml/2006/main">
   <p:cSld>
     <p:spTree>
@@ -24090,7 +25775,7 @@
 </p:sld>
 </file>
 
-<file path=ppt/slides/slide44.xml><?xml version="1.0" encoding="utf-8"?>
+<file path=ppt/slides/slide46.xml><?xml version="1.0" encoding="utf-8"?>
 <p:sld xmlns:a="http://schemas.openxmlformats.org/drawingml/2006/main" xmlns:r="http://schemas.openxmlformats.org/officeDocument/2006/relationships" xmlns:p="http://schemas.openxmlformats.org/presentationml/2006/main">
   <p:cSld>
     <p:spTree>
@@ -24217,32 +25902,72 @@
           <a:p>
             <a:r>
               <a:rPr lang="en-US" altLang="zh-TW" dirty="0"/>
-              <a:t>If a deadlock occurs, it can be resolved if one car backs up (preempt resources and rollback)</a:t>
-            </a:r>
-          </a:p>
-          <a:p>
+              <a:t>If a deadlock occurs, it can be resolved if </a:t>
+            </a:r>
+            <a:r>
+              <a:rPr lang="en-US" altLang="zh-TW" dirty="0">
+                <a:solidFill>
+                  <a:srgbClr val="FF0000"/>
+                </a:solidFill>
+              </a:rPr>
+              <a:t>one car backs up (preempt resources and rollback)</a:t>
+            </a:r>
+          </a:p>
+          <a:p>
+            <a:r>
+              <a:rPr lang="en-US" altLang="zh-TW" dirty="0">
+                <a:solidFill>
+                  <a:srgbClr val="FF0000"/>
+                </a:solidFill>
+              </a:rPr>
+              <a:t>Several cars </a:t>
+            </a:r>
             <a:r>
               <a:rPr lang="en-US" altLang="zh-TW" dirty="0"/>
-              <a:t>Several cars may have to be backed up if a deadlock occurs</a:t>
-            </a:r>
-          </a:p>
-          <a:p>
+              <a:t>may have to be backed up if a deadlock occurs</a:t>
+            </a:r>
+          </a:p>
+          <a:p>
+            <a:r>
+              <a:rPr lang="en-US" altLang="zh-TW" dirty="0">
+                <a:solidFill>
+                  <a:srgbClr val="FF0000"/>
+                </a:solidFill>
+              </a:rPr>
+              <a:t>Starvation</a:t>
+            </a:r>
             <a:r>
               <a:rPr lang="en-US" altLang="zh-TW" dirty="0"/>
-              <a:t>Starvation is possible</a:t>
+              <a:t> is possible</a:t>
             </a:r>
           </a:p>
           <a:p>
             <a:r>
               <a:rPr lang="en-US" altLang="zh-TW" dirty="0"/>
-              <a:t>Note – Most </a:t>
-            </a:r>
-            <a:r>
-              <a:rPr lang="en-US" altLang="zh-TW" dirty="0" err="1"/>
+              <a:t>Note </a:t>
+            </a:r>
+            <a:r>
+              <a:rPr lang="en-US" altLang="zh-TW" dirty="0">
+                <a:solidFill>
+                  <a:srgbClr val="FF0000"/>
+                </a:solidFill>
+              </a:rPr>
+              <a:t>– Most </a:t>
+            </a:r>
+            <a:r>
+              <a:rPr lang="en-US" altLang="zh-TW" dirty="0" err="1">
+                <a:solidFill>
+                  <a:srgbClr val="FF0000"/>
+                </a:solidFill>
+              </a:rPr>
               <a:t>OSes</a:t>
             </a:r>
             <a:r>
-              <a:rPr lang="en-US" altLang="zh-TW" dirty="0"/>
+              <a:rPr lang="en-US" altLang="zh-TW" dirty="0">
+                <a:solidFill>
+                  <a:srgbClr val="FF0000"/>
+                </a:solidFill>
+              </a:rPr>
               <a:t> do not prevent or deal with deadlocks</a:t>
             </a:r>
           </a:p>
@@ -25701,7 +27426,11 @@
               <a:buNone/>
             </a:pPr>
             <a:r>
-              <a:rPr lang="en-US" altLang="zh-TW" sz="2800" i="1" dirty="0"/>
+              <a:rPr lang="en-US" altLang="zh-TW" sz="2800" i="1" dirty="0">
+                <a:solidFill>
+                  <a:srgbClr val="FF0000"/>
+                </a:solidFill>
+              </a:rPr>
               <a:t>CPU cycles, memory space, I/O devices</a:t>
             </a:r>
           </a:p>
@@ -25777,8 +27506,13 @@
             <a:pPr lvl="1"/>
             <a:r>
               <a:rPr lang="en-US" altLang="zh-TW" sz="2800" b="1" dirty="0"/>
-              <a:t>request </a:t>
-            </a:r>
+              <a:t>request   ex </a:t>
+            </a:r>
+            <a:r>
+              <a:rPr lang="zh-TW" altLang="en-US" sz="2800" b="1" dirty="0"/>
+              <a:t>要硬碟多大  要檔案多少</a:t>
+            </a:r>
+            <a:endParaRPr lang="en-US" altLang="zh-TW" sz="2800" b="1" dirty="0"/>
           </a:p>
           <a:p>
             <a:pPr lvl="1"/>
@@ -25791,7 +27525,15 @@
             <a:pPr lvl="1"/>
             <a:r>
               <a:rPr lang="en-US" altLang="zh-TW" sz="2800" b="1" dirty="0"/>
-              <a:t>release</a:t>
+              <a:t>release   </a:t>
+            </a:r>
+            <a:r>
+              <a:rPr lang="zh-TW" altLang="en-US" sz="2800" b="1" dirty="0"/>
+              <a:t>還給</a:t>
+            </a:r>
+            <a:r>
+              <a:rPr lang="en-US" altLang="zh-TW" sz="2800" b="1" dirty="0"/>
+              <a:t>OS</a:t>
             </a:r>
           </a:p>
         </p:txBody>
@@ -27498,82 +29240,82 @@
           <a:lstStyle/>
           <a:p>
             <a:r>
-              <a:rPr lang="en-US" altLang="zh-TW" sz="2400"/>
+              <a:rPr lang="en-US" altLang="zh-TW" sz="2400" dirty="0"/>
               <a:t>Process</a:t>
             </a:r>
             <a:br>
-              <a:rPr lang="en-US" altLang="zh-TW" sz="2400"/>
+              <a:rPr lang="en-US" altLang="zh-TW" sz="2400" dirty="0"/>
             </a:br>
-            <a:endParaRPr lang="en-US" altLang="zh-TW" sz="2400"/>
-          </a:p>
-          <a:p>
-            <a:r>
-              <a:rPr lang="en-US" altLang="zh-TW" sz="2400"/>
+            <a:endParaRPr lang="en-US" altLang="zh-TW" sz="2400" dirty="0"/>
+          </a:p>
+          <a:p>
+            <a:r>
+              <a:rPr lang="en-US" altLang="zh-TW" sz="2400" dirty="0"/>
               <a:t>Resource Type with 4 instances</a:t>
             </a:r>
           </a:p>
           <a:p>
-            <a:endParaRPr lang="en-US" altLang="zh-TW" sz="2400"/>
-          </a:p>
-          <a:p>
-            <a:r>
-              <a:rPr lang="en-US" altLang="zh-TW" sz="2400" i="1"/>
+            <a:endParaRPr lang="en-US" altLang="zh-TW" sz="2400" dirty="0"/>
+          </a:p>
+          <a:p>
+            <a:r>
+              <a:rPr lang="en-US" altLang="zh-TW" sz="2400" i="1" dirty="0"/>
               <a:t>P</a:t>
             </a:r>
             <a:r>
-              <a:rPr lang="en-US" altLang="zh-TW" sz="2400" i="1" baseline="-25000"/>
+              <a:rPr lang="en-US" altLang="zh-TW" sz="2400" i="1" baseline="-25000" dirty="0"/>
               <a:t>i</a:t>
             </a:r>
             <a:r>
-              <a:rPr lang="en-US" altLang="zh-TW" sz="2400" i="1"/>
+              <a:rPr lang="en-US" altLang="zh-TW" sz="2400" i="1" dirty="0"/>
               <a:t> </a:t>
             </a:r>
             <a:r>
-              <a:rPr lang="en-US" altLang="zh-TW" sz="2400"/>
+              <a:rPr lang="en-US" altLang="zh-TW" sz="2400" dirty="0"/>
               <a:t>requests instance of </a:t>
             </a:r>
             <a:r>
-              <a:rPr lang="en-US" altLang="zh-TW" sz="2400" i="1"/>
+              <a:rPr lang="en-US" altLang="zh-TW" sz="2400" i="1" dirty="0" err="1"/>
               <a:t>R</a:t>
             </a:r>
             <a:r>
-              <a:rPr lang="en-US" altLang="zh-TW" sz="2400" i="1" baseline="-25000"/>
+              <a:rPr lang="en-US" altLang="zh-TW" sz="2400" i="1" baseline="-25000" dirty="0" err="1"/>
               <a:t>j</a:t>
             </a:r>
-            <a:endParaRPr lang="en-US" altLang="zh-TW" sz="2400"/>
-          </a:p>
-          <a:p>
-            <a:endParaRPr lang="en-US" altLang="zh-TW" sz="2400"/>
+            <a:endParaRPr lang="en-US" altLang="zh-TW" sz="2400" dirty="0"/>
+          </a:p>
+          <a:p>
+            <a:endParaRPr lang="en-US" altLang="zh-TW" sz="2400" dirty="0"/>
           </a:p>
           <a:p>
             <a:pPr>
               <a:buFont typeface="Monotype Sorts" pitchFamily="2" charset="2"/>
               <a:buNone/>
             </a:pPr>
-            <a:endParaRPr lang="en-US" altLang="zh-TW" sz="2400"/>
-          </a:p>
-          <a:p>
-            <a:r>
-              <a:rPr lang="en-US" altLang="zh-TW" sz="2400" i="1"/>
+            <a:endParaRPr lang="en-US" altLang="zh-TW" sz="2400" dirty="0"/>
+          </a:p>
+          <a:p>
+            <a:r>
+              <a:rPr lang="en-US" altLang="zh-TW" sz="2400" i="1" dirty="0"/>
               <a:t>P</a:t>
             </a:r>
             <a:r>
-              <a:rPr lang="en-US" altLang="zh-TW" sz="2400" i="1" baseline="-25000"/>
+              <a:rPr lang="en-US" altLang="zh-TW" sz="2400" i="1" baseline="-25000" dirty="0"/>
               <a:t>i</a:t>
             </a:r>
             <a:r>
-              <a:rPr lang="en-US" altLang="zh-TW" sz="2400"/>
+              <a:rPr lang="en-US" altLang="zh-TW" sz="2400" dirty="0"/>
               <a:t> is holding an instance of </a:t>
             </a:r>
             <a:r>
-              <a:rPr lang="en-US" altLang="zh-TW" sz="2400" i="1"/>
+              <a:rPr lang="en-US" altLang="zh-TW" sz="2400" i="1" dirty="0" err="1"/>
               <a:t>R</a:t>
             </a:r>
             <a:r>
-              <a:rPr lang="en-US" altLang="zh-TW" sz="2400" i="1" baseline="-25000"/>
+              <a:rPr lang="en-US" altLang="zh-TW" sz="2400" i="1" baseline="-25000" dirty="0" err="1"/>
               <a:t>j</a:t>
             </a:r>
-            <a:endParaRPr lang="en-US" altLang="zh-TW" sz="2400" i="1"/>
+            <a:endParaRPr lang="en-US" altLang="zh-TW" sz="2400" i="1" dirty="0"/>
           </a:p>
         </p:txBody>
       </p:sp>

--- a/ch07.pptx
+++ b/ch07.pptx
@@ -5,10 +5,10 @@
     <p:sldMasterId id="2147483662" r:id="rId1"/>
   </p:sldMasterIdLst>
   <p:notesMasterIdLst>
-    <p:notesMasterId r:id="rId48"/>
+    <p:notesMasterId r:id="rId47"/>
   </p:notesMasterIdLst>
   <p:handoutMasterIdLst>
-    <p:handoutMasterId r:id="rId49"/>
+    <p:handoutMasterId r:id="rId48"/>
   </p:handoutMasterIdLst>
   <p:sldIdLst>
     <p:sldId id="539" r:id="rId2"/>
@@ -25,38 +25,37 @@
     <p:sldId id="550" r:id="rId13"/>
     <p:sldId id="551" r:id="rId14"/>
     <p:sldId id="552" r:id="rId15"/>
-    <p:sldId id="585" r:id="rId16"/>
-    <p:sldId id="553" r:id="rId17"/>
-    <p:sldId id="554" r:id="rId18"/>
-    <p:sldId id="555" r:id="rId19"/>
-    <p:sldId id="556" r:id="rId20"/>
-    <p:sldId id="583" r:id="rId21"/>
-    <p:sldId id="557" r:id="rId22"/>
-    <p:sldId id="559" r:id="rId23"/>
-    <p:sldId id="560" r:id="rId24"/>
-    <p:sldId id="584" r:id="rId25"/>
-    <p:sldId id="561" r:id="rId26"/>
-    <p:sldId id="562" r:id="rId27"/>
-    <p:sldId id="563" r:id="rId28"/>
-    <p:sldId id="564" r:id="rId29"/>
-    <p:sldId id="565" r:id="rId30"/>
-    <p:sldId id="566" r:id="rId31"/>
-    <p:sldId id="567" r:id="rId32"/>
-    <p:sldId id="568" r:id="rId33"/>
-    <p:sldId id="569" r:id="rId34"/>
-    <p:sldId id="570" r:id="rId35"/>
-    <p:sldId id="571" r:id="rId36"/>
-    <p:sldId id="572" r:id="rId37"/>
-    <p:sldId id="573" r:id="rId38"/>
-    <p:sldId id="574" r:id="rId39"/>
-    <p:sldId id="575" r:id="rId40"/>
-    <p:sldId id="576" r:id="rId41"/>
-    <p:sldId id="577" r:id="rId42"/>
-    <p:sldId id="578" r:id="rId43"/>
-    <p:sldId id="579" r:id="rId44"/>
-    <p:sldId id="580" r:id="rId45"/>
-    <p:sldId id="581" r:id="rId46"/>
-    <p:sldId id="582" r:id="rId47"/>
+    <p:sldId id="553" r:id="rId16"/>
+    <p:sldId id="554" r:id="rId17"/>
+    <p:sldId id="555" r:id="rId18"/>
+    <p:sldId id="556" r:id="rId19"/>
+    <p:sldId id="583" r:id="rId20"/>
+    <p:sldId id="557" r:id="rId21"/>
+    <p:sldId id="559" r:id="rId22"/>
+    <p:sldId id="560" r:id="rId23"/>
+    <p:sldId id="584" r:id="rId24"/>
+    <p:sldId id="561" r:id="rId25"/>
+    <p:sldId id="562" r:id="rId26"/>
+    <p:sldId id="563" r:id="rId27"/>
+    <p:sldId id="564" r:id="rId28"/>
+    <p:sldId id="565" r:id="rId29"/>
+    <p:sldId id="566" r:id="rId30"/>
+    <p:sldId id="567" r:id="rId31"/>
+    <p:sldId id="568" r:id="rId32"/>
+    <p:sldId id="569" r:id="rId33"/>
+    <p:sldId id="570" r:id="rId34"/>
+    <p:sldId id="571" r:id="rId35"/>
+    <p:sldId id="572" r:id="rId36"/>
+    <p:sldId id="573" r:id="rId37"/>
+    <p:sldId id="574" r:id="rId38"/>
+    <p:sldId id="575" r:id="rId39"/>
+    <p:sldId id="576" r:id="rId40"/>
+    <p:sldId id="577" r:id="rId41"/>
+    <p:sldId id="578" r:id="rId42"/>
+    <p:sldId id="579" r:id="rId43"/>
+    <p:sldId id="580" r:id="rId44"/>
+    <p:sldId id="581" r:id="rId45"/>
+    <p:sldId id="582" r:id="rId46"/>
   </p:sldIdLst>
   <p:sldSz cx="9144000" cy="6858000" type="screen4x3"/>
   <p:notesSz cx="6881813" cy="9296400"/>
@@ -1654,7 +1653,7 @@
             <a:fld id="{D2318C8F-E77B-40DB-B041-98F28E04796C}" type="slidenum">
               <a:rPr lang="en-US" altLang="zh-TW"/>
               <a:pPr/>
-              <a:t>16</a:t>
+              <a:t>15</a:t>
             </a:fld>
             <a:endParaRPr lang="en-US" altLang="zh-TW"/>
           </a:p>
@@ -1773,7 +1772,7 @@
             <a:fld id="{FBD68F22-FCB0-48F2-86EC-4FF3382CFABB}" type="slidenum">
               <a:rPr lang="en-US" altLang="zh-TW"/>
               <a:pPr/>
-              <a:t>17</a:t>
+              <a:t>16</a:t>
             </a:fld>
             <a:endParaRPr lang="en-US" altLang="zh-TW"/>
           </a:p>
@@ -1937,7 +1936,7 @@
             <a:fld id="{0C038FF1-A7AF-472B-8842-F07198ED4A7A}" type="slidenum">
               <a:rPr lang="en-US" altLang="zh-TW"/>
               <a:pPr/>
-              <a:t>18</a:t>
+              <a:t>17</a:t>
             </a:fld>
             <a:endParaRPr lang="en-US" altLang="zh-TW"/>
           </a:p>
@@ -2044,7 +2043,7 @@
             <a:fld id="{11C74754-CC16-4D2D-9822-CBEF9C5451A2}" type="slidenum">
               <a:rPr lang="en-US" altLang="zh-TW"/>
               <a:pPr/>
-              <a:t>19</a:t>
+              <a:t>18</a:t>
             </a:fld>
             <a:endParaRPr lang="en-US" altLang="zh-TW"/>
           </a:p>
@@ -2240,7 +2239,7 @@
             <a:fld id="{11C74754-CC16-4D2D-9822-CBEF9C5451A2}" type="slidenum">
               <a:rPr lang="en-US" altLang="zh-TW"/>
               <a:pPr/>
-              <a:t>20</a:t>
+              <a:t>19</a:t>
             </a:fld>
             <a:endParaRPr lang="en-US" altLang="zh-TW"/>
           </a:p>
@@ -2418,7 +2417,7 @@
             <a:fld id="{E92D6C7E-C7A3-4DDA-8A37-3D517C380C6B}" type="slidenum">
               <a:rPr lang="en-US" altLang="zh-TW"/>
               <a:pPr/>
-              <a:t>21</a:t>
+              <a:t>20</a:t>
             </a:fld>
             <a:endParaRPr lang="en-US" altLang="zh-TW"/>
           </a:p>
@@ -2513,7 +2512,7 @@
             <a:fld id="{C580921D-1205-4406-BC24-83727E3F30D7}" type="slidenum">
               <a:rPr lang="en-US" altLang="zh-TW"/>
               <a:pPr/>
-              <a:t>22</a:t>
+              <a:t>21</a:t>
             </a:fld>
             <a:endParaRPr lang="en-US" altLang="zh-TW"/>
           </a:p>
@@ -2602,7 +2601,7 @@
             <a:fld id="{8503DEDC-3C1E-4BBA-B00B-90869D86F595}" type="slidenum">
               <a:rPr lang="en-US" altLang="zh-TW"/>
               <a:pPr/>
-              <a:t>23</a:t>
+              <a:t>22</a:t>
             </a:fld>
             <a:endParaRPr lang="en-US" altLang="zh-TW"/>
           </a:p>
@@ -2691,7 +2690,7 @@
             <a:fld id="{A4F13599-3095-425B-825A-7A03C2603BDC}" type="slidenum">
               <a:rPr lang="en-US" altLang="zh-TW"/>
               <a:pPr/>
-              <a:t>25</a:t>
+              <a:t>24</a:t>
             </a:fld>
             <a:endParaRPr lang="en-US" altLang="zh-TW"/>
           </a:p>
@@ -2780,7 +2779,7 @@
             <a:fld id="{70A17AD9-0B7F-4B27-9794-F68DB8C1303A}" type="slidenum">
               <a:rPr lang="en-US" altLang="zh-TW"/>
               <a:pPr/>
-              <a:t>26</a:t>
+              <a:t>25</a:t>
             </a:fld>
             <a:endParaRPr lang="en-US" altLang="zh-TW"/>
           </a:p>
@@ -2869,7 +2868,7 @@
             <a:fld id="{043B7F7F-5E6D-4DED-B246-FDACC15B3828}" type="slidenum">
               <a:rPr lang="en-US" altLang="zh-TW"/>
               <a:pPr/>
-              <a:t>27</a:t>
+              <a:t>26</a:t>
             </a:fld>
             <a:endParaRPr lang="en-US" altLang="zh-TW"/>
           </a:p>
@@ -3048,7 +3047,7 @@
             <a:fld id="{B2153C0F-1B4C-412E-A26F-D44060362C49}" type="slidenum">
               <a:rPr lang="en-US" altLang="zh-TW"/>
               <a:pPr/>
-              <a:t>28</a:t>
+              <a:t>27</a:t>
             </a:fld>
             <a:endParaRPr lang="en-US" altLang="zh-TW"/>
           </a:p>
@@ -3137,7 +3136,7 @@
             <a:fld id="{3B7516C1-AB2B-4FF1-AB52-04F856E22D8B}" type="slidenum">
               <a:rPr lang="en-US" altLang="zh-TW"/>
               <a:pPr/>
-              <a:t>29</a:t>
+              <a:t>28</a:t>
             </a:fld>
             <a:endParaRPr lang="en-US" altLang="zh-TW"/>
           </a:p>
@@ -3244,7 +3243,7 @@
             <a:fld id="{EC2642E4-E5E5-45F5-BD23-82BA2C4A6259}" type="slidenum">
               <a:rPr lang="en-US" altLang="zh-TW"/>
               <a:pPr/>
-              <a:t>30</a:t>
+              <a:t>29</a:t>
             </a:fld>
             <a:endParaRPr lang="en-US" altLang="zh-TW"/>
           </a:p>
@@ -3417,7 +3416,7 @@
             <a:fld id="{9B8C3B73-BE5A-400C-B51C-4F16FBDBE34F}" type="slidenum">
               <a:rPr lang="en-US" altLang="zh-TW"/>
               <a:pPr/>
-              <a:t>31</a:t>
+              <a:t>30</a:t>
             </a:fld>
             <a:endParaRPr lang="en-US" altLang="zh-TW"/>
           </a:p>
@@ -3631,7 +3630,7 @@
             <a:fld id="{902FA59C-C90E-4275-BB59-394FDADAF10F}" type="slidenum">
               <a:rPr lang="en-US" altLang="zh-TW"/>
               <a:pPr/>
-              <a:t>32</a:t>
+              <a:t>31</a:t>
             </a:fld>
             <a:endParaRPr lang="en-US" altLang="zh-TW"/>
           </a:p>
@@ -3756,7 +3755,7 @@
             <a:fld id="{E72D683B-0FB2-4777-8BEA-A997C0652C3D}" type="slidenum">
               <a:rPr lang="en-US" altLang="zh-TW"/>
               <a:pPr/>
-              <a:t>33</a:t>
+              <a:t>32</a:t>
             </a:fld>
             <a:endParaRPr lang="en-US" altLang="zh-TW"/>
           </a:p>
@@ -3989,7 +3988,7 @@
             <a:fld id="{A36DEB7E-770E-43F9-801A-18660BBBF045}" type="slidenum">
               <a:rPr lang="en-US" altLang="zh-TW"/>
               <a:pPr/>
-              <a:t>34</a:t>
+              <a:t>33</a:t>
             </a:fld>
             <a:endParaRPr lang="en-US" altLang="zh-TW"/>
           </a:p>
@@ -4256,7 +4255,7 @@
               <a:t>safe state</a:t>
             </a:r>
             <a:r>
-              <a:rPr lang="zh-TW" altLang="en-US">
+              <a:rPr lang="zh-TW" altLang="en-US" dirty="0">
                 <a:latin typeface="Times New Roman" pitchFamily="18" charset="0"/>
               </a:rPr>
               <a:t>  描述是  滿足當前  當前跑完  資源還回   跑下一個   不用超前考慮一個     所以對這個說法存疑    之後補習遇到再看看</a:t>
@@ -4312,7 +4311,7 @@
             <a:fld id="{3C6FF893-1224-43B1-8CB8-E65C66AC9F70}" type="slidenum">
               <a:rPr lang="en-US" altLang="zh-TW"/>
               <a:pPr/>
-              <a:t>35</a:t>
+              <a:t>34</a:t>
             </a:fld>
             <a:endParaRPr lang="en-US" altLang="zh-TW"/>
           </a:p>
@@ -4401,7 +4400,7 @@
             <a:fld id="{19F56452-25C1-486F-B105-12613929C37C}" type="slidenum">
               <a:rPr lang="en-US" altLang="zh-TW"/>
               <a:pPr/>
-              <a:t>36</a:t>
+              <a:t>35</a:t>
             </a:fld>
             <a:endParaRPr lang="en-US" altLang="zh-TW"/>
           </a:p>
@@ -4490,7 +4489,7 @@
             <a:fld id="{206A3BFB-C0DD-4ECA-B7E9-EAEF3D1046B3}" type="slidenum">
               <a:rPr lang="en-US" altLang="zh-TW"/>
               <a:pPr/>
-              <a:t>37</a:t>
+              <a:t>36</a:t>
             </a:fld>
             <a:endParaRPr lang="en-US" altLang="zh-TW"/>
           </a:p>
@@ -4532,7 +4531,49 @@
               <a:rPr lang="zh-TW" altLang="en-US" dirty="0">
                 <a:latin typeface="Times New Roman" pitchFamily="18" charset="0"/>
               </a:rPr>
-              <a:t>應該就把灰點去除掉  或看成邊</a:t>
+              <a:t>應該就把灰點去除掉  或看成邊     這邊每個</a:t>
+            </a:r>
+            <a:r>
+              <a:rPr lang="en-US" altLang="zh-TW" dirty="0">
+                <a:latin typeface="Times New Roman" pitchFamily="18" charset="0"/>
+              </a:rPr>
+              <a:t>res</a:t>
+            </a:r>
+            <a:r>
+              <a:rPr lang="zh-TW" altLang="en-US" dirty="0">
+                <a:latin typeface="Times New Roman" pitchFamily="18" charset="0"/>
+              </a:rPr>
+              <a:t>只有一</a:t>
+            </a:r>
+            <a:r>
+              <a:rPr lang="en-US" altLang="zh-TW" dirty="0">
+                <a:latin typeface="Times New Roman" pitchFamily="18" charset="0"/>
+              </a:rPr>
+              <a:t>instance</a:t>
+            </a:r>
+            <a:r>
+              <a:rPr lang="zh-TW" altLang="en-US" dirty="0">
+                <a:latin typeface="Times New Roman" pitchFamily="18" charset="0"/>
+              </a:rPr>
+              <a:t>所以可簡化為左邊  已有</a:t>
+            </a:r>
+            <a:r>
+              <a:rPr lang="en-US" altLang="zh-TW" dirty="0">
+                <a:latin typeface="Times New Roman" pitchFamily="18" charset="0"/>
+              </a:rPr>
+              <a:t>cycle</a:t>
+            </a:r>
+            <a:r>
+              <a:rPr lang="zh-TW" altLang="en-US" dirty="0">
+                <a:latin typeface="Times New Roman" pitchFamily="18" charset="0"/>
+              </a:rPr>
+              <a:t>所以有</a:t>
+            </a:r>
+            <a:r>
+              <a:rPr lang="en-US" altLang="zh-TW" dirty="0">
+                <a:latin typeface="Times New Roman" pitchFamily="18" charset="0"/>
+              </a:rPr>
+              <a:t>deadlock</a:t>
             </a:r>
             <a:endParaRPr lang="zh-TW" altLang="zh-TW" dirty="0">
               <a:latin typeface="Times New Roman" pitchFamily="18" charset="0"/>
@@ -4585,7 +4626,7 @@
             <a:fld id="{4A081E8B-C73A-438B-92F6-B2F1DED1D5C9}" type="slidenum">
               <a:rPr lang="en-US" altLang="zh-TW"/>
               <a:pPr/>
-              <a:t>38</a:t>
+              <a:t>37</a:t>
             </a:fld>
             <a:endParaRPr lang="en-US" altLang="zh-TW"/>
           </a:p>
@@ -4680,7 +4721,7 @@
             <a:fld id="{0F38DD9A-ACA1-403B-AC41-BF155930028D}" type="slidenum">
               <a:rPr lang="en-US" altLang="zh-TW"/>
               <a:pPr/>
-              <a:t>39</a:t>
+              <a:t>38</a:t>
             </a:fld>
             <a:endParaRPr lang="en-US" altLang="zh-TW"/>
           </a:p>
@@ -4718,12 +4759,127 @@
           <a:bodyPr/>
           <a:lstStyle/>
           <a:p>
+            <a:pPr marL="0" marR="0" lvl="0" indent="0" algn="l" defTabSz="914400" rtl="0" eaLnBrk="0" fontAlgn="base" latinLnBrk="0" hangingPunct="0">
+              <a:lnSpc>
+                <a:spcPct val="100000"/>
+              </a:lnSpc>
+              <a:spcBef>
+                <a:spcPct val="30000"/>
+              </a:spcBef>
+              <a:spcAft>
+                <a:spcPct val="0"/>
+              </a:spcAft>
+              <a:buClrTx/>
+              <a:buSzTx/>
+              <a:buFontTx/>
+              <a:buNone/>
+              <a:tabLst/>
+              <a:defRPr/>
+            </a:pPr>
             <a:r>
               <a:rPr lang="zh-TW" altLang="en-US" dirty="0">
                 <a:latin typeface="Times New Roman" pitchFamily="18" charset="0"/>
               </a:rPr>
-              <a:t>感覺很像前面那個</a:t>
-            </a:r>
+              <a:t>感覺很像前面那個     </a:t>
+            </a:r>
+            <a:r>
+              <a:rPr lang="en-US" altLang="zh-TW" dirty="0">
+                <a:latin typeface="Times New Roman" pitchFamily="18" charset="0"/>
+              </a:rPr>
+              <a:t>Allocation == 0 </a:t>
+            </a:r>
+            <a:r>
+              <a:rPr lang="zh-TW" altLang="en-US" dirty="0">
+                <a:latin typeface="Times New Roman" pitchFamily="18" charset="0"/>
+              </a:rPr>
+              <a:t>不會引發</a:t>
+            </a:r>
+            <a:r>
+              <a:rPr lang="en-US" altLang="zh-TW" dirty="0">
+                <a:latin typeface="Times New Roman" pitchFamily="18" charset="0"/>
+              </a:rPr>
+              <a:t>deadlock  &gt; </a:t>
+            </a:r>
+            <a:r>
+              <a:rPr lang="en-US" altLang="zh-TW" sz="1200" dirty="0">
+                <a:solidFill>
+                  <a:srgbClr val="FF0000"/>
+                </a:solidFill>
+                <a:sym typeface="Symbol" pitchFamily="18" charset="2"/>
+              </a:rPr>
+              <a:t>otherwise, </a:t>
+            </a:r>
+            <a:r>
+              <a:rPr lang="en-US" altLang="zh-TW" sz="1200" i="1" dirty="0">
+                <a:solidFill>
+                  <a:srgbClr val="FF0000"/>
+                </a:solidFill>
+                <a:sym typeface="Symbol" pitchFamily="18" charset="2"/>
+              </a:rPr>
+              <a:t>Finish</a:t>
+            </a:r>
+            <a:r>
+              <a:rPr lang="en-US" altLang="zh-TW" sz="1200" dirty="0">
+                <a:solidFill>
+                  <a:srgbClr val="FF0000"/>
+                </a:solidFill>
+                <a:sym typeface="Symbol" pitchFamily="18" charset="2"/>
+              </a:rPr>
+              <a:t>[</a:t>
+            </a:r>
+            <a:r>
+              <a:rPr lang="en-US" altLang="zh-TW" sz="1200" dirty="0" err="1">
+                <a:solidFill>
+                  <a:srgbClr val="FF0000"/>
+                </a:solidFill>
+                <a:sym typeface="Symbol" pitchFamily="18" charset="2"/>
+              </a:rPr>
+              <a:t>i</a:t>
+            </a:r>
+            <a:r>
+              <a:rPr lang="en-US" altLang="zh-TW" sz="1200" dirty="0">
+                <a:solidFill>
+                  <a:srgbClr val="FF0000"/>
+                </a:solidFill>
+                <a:sym typeface="Symbol" pitchFamily="18" charset="2"/>
+              </a:rPr>
+              <a:t>] = </a:t>
+            </a:r>
+            <a:r>
+              <a:rPr lang="en-US" altLang="zh-TW" sz="1200" i="1" dirty="0">
+                <a:solidFill>
+                  <a:srgbClr val="FF0000"/>
+                </a:solidFill>
+                <a:sym typeface="Symbol" pitchFamily="18" charset="2"/>
+              </a:rPr>
+              <a:t>true</a:t>
+            </a:r>
+            <a:r>
+              <a:rPr lang="zh-TW" altLang="en-US" sz="1200" i="1" dirty="0">
+                <a:solidFill>
+                  <a:srgbClr val="FF0000"/>
+                </a:solidFill>
+                <a:sym typeface="Symbol" pitchFamily="18" charset="2"/>
+              </a:rPr>
+              <a:t>  表不會引發</a:t>
+            </a:r>
+            <a:r>
+              <a:rPr lang="en-US" altLang="zh-TW" sz="1200" i="1" dirty="0" err="1">
+                <a:solidFill>
+                  <a:srgbClr val="FF0000"/>
+                </a:solidFill>
+                <a:sym typeface="Symbol" pitchFamily="18" charset="2"/>
+              </a:rPr>
+              <a:t>deaLoc</a:t>
+            </a:r>
+            <a:endParaRPr lang="en-US" altLang="zh-TW" sz="1200" dirty="0">
+              <a:solidFill>
+                <a:srgbClr val="FF0000"/>
+              </a:solidFill>
+              <a:sym typeface="Symbol" pitchFamily="18" charset="2"/>
+            </a:endParaRPr>
+          </a:p>
+          <a:p>
             <a:endParaRPr lang="zh-TW" altLang="zh-TW" dirty="0">
               <a:latin typeface="Times New Roman" pitchFamily="18" charset="0"/>
             </a:endParaRPr>
@@ -4775,7 +4931,7 @@
             <a:fld id="{3EC587A1-8838-4DDE-970B-6D705290D645}" type="slidenum">
               <a:rPr lang="en-US" altLang="zh-TW"/>
               <a:pPr/>
-              <a:t>40</a:t>
+              <a:t>39</a:t>
             </a:fld>
             <a:endParaRPr lang="en-US" altLang="zh-TW"/>
           </a:p>
@@ -4870,7 +5026,7 @@
             <a:fld id="{28FEFDCE-4B26-45DC-8CC4-E820602A1955}" type="slidenum">
               <a:rPr lang="en-US" altLang="zh-TW"/>
               <a:pPr/>
-              <a:t>41</a:t>
+              <a:t>40</a:t>
             </a:fld>
             <a:endParaRPr lang="en-US" altLang="zh-TW"/>
           </a:p>
@@ -4908,7 +5064,85 @@
           <a:bodyPr/>
           <a:lstStyle/>
           <a:p>
-            <a:endParaRPr lang="zh-TW" altLang="zh-TW">
+            <a:r>
+              <a:rPr lang="zh-TW" altLang="en-US" dirty="0">
+                <a:latin typeface="Times New Roman" pitchFamily="18" charset="0"/>
+              </a:rPr>
+              <a:t>  先找</a:t>
+            </a:r>
+            <a:r>
+              <a:rPr lang="en-US" altLang="zh-TW" dirty="0">
+                <a:latin typeface="Times New Roman" pitchFamily="18" charset="0"/>
+              </a:rPr>
+              <a:t>Request</a:t>
+            </a:r>
+            <a:r>
+              <a:rPr lang="zh-TW" altLang="en-US" dirty="0">
+                <a:latin typeface="Times New Roman" pitchFamily="18" charset="0"/>
+              </a:rPr>
+              <a:t>是</a:t>
+            </a:r>
+            <a:r>
+              <a:rPr lang="en-US" altLang="zh-TW" dirty="0">
+                <a:latin typeface="Times New Roman" pitchFamily="18" charset="0"/>
+              </a:rPr>
+              <a:t>0</a:t>
+            </a:r>
+            <a:r>
+              <a:rPr lang="zh-TW" altLang="en-US" dirty="0">
+                <a:latin typeface="Times New Roman" pitchFamily="18" charset="0"/>
+              </a:rPr>
+              <a:t>的  代表已經取的需要的資源可以繼續執行    所以</a:t>
+            </a:r>
+            <a:r>
+              <a:rPr lang="en-US" altLang="zh-TW" dirty="0">
+                <a:latin typeface="Times New Roman" pitchFamily="18" charset="0"/>
+              </a:rPr>
+              <a:t>P0 010  P2 303</a:t>
+            </a:r>
+            <a:r>
+              <a:rPr lang="zh-TW" altLang="en-US" dirty="0">
+                <a:latin typeface="Times New Roman" pitchFamily="18" charset="0"/>
+              </a:rPr>
+              <a:t> 執行完  共</a:t>
+            </a:r>
+            <a:r>
+              <a:rPr lang="en-US" altLang="zh-TW" dirty="0">
+                <a:latin typeface="Times New Roman" pitchFamily="18" charset="0"/>
+              </a:rPr>
+              <a:t>313</a:t>
+            </a:r>
+            <a:r>
+              <a:rPr lang="zh-TW" altLang="en-US" dirty="0">
+                <a:latin typeface="Times New Roman" pitchFamily="18" charset="0"/>
+              </a:rPr>
+              <a:t>回到</a:t>
+            </a:r>
+            <a:r>
+              <a:rPr lang="en-US" altLang="zh-TW" dirty="0">
+                <a:latin typeface="Times New Roman" pitchFamily="18" charset="0"/>
+              </a:rPr>
+              <a:t>avail    313</a:t>
+            </a:r>
+            <a:r>
+              <a:rPr lang="zh-TW" altLang="en-US" dirty="0">
+                <a:latin typeface="Times New Roman" pitchFamily="18" charset="0"/>
+              </a:rPr>
+              <a:t>就很好找到下一個要滿足分配的</a:t>
+            </a:r>
+            <a:r>
+              <a:rPr lang="en-US" altLang="zh-TW" dirty="0">
+                <a:latin typeface="Times New Roman" pitchFamily="18" charset="0"/>
+              </a:rPr>
+              <a:t>P</a:t>
+            </a:r>
+            <a:r>
+              <a:rPr lang="zh-TW" altLang="en-US" dirty="0">
+                <a:latin typeface="Times New Roman" pitchFamily="18" charset="0"/>
+              </a:rPr>
+              <a:t>  就可以往下進行順利跑完</a:t>
+            </a:r>
+            <a:endParaRPr lang="zh-TW" altLang="zh-TW" dirty="0">
               <a:latin typeface="Times New Roman" pitchFamily="18" charset="0"/>
             </a:endParaRPr>
           </a:p>
@@ -5048,7 +5282,7 @@
             <a:fld id="{F5315327-5154-42C3-A5A2-D868B28C4913}" type="slidenum">
               <a:rPr lang="en-US" altLang="zh-TW"/>
               <a:pPr/>
-              <a:t>42</a:t>
+              <a:t>41</a:t>
             </a:fld>
             <a:endParaRPr lang="en-US" altLang="zh-TW"/>
           </a:p>
@@ -5086,7 +5320,49 @@
           <a:bodyPr/>
           <a:lstStyle/>
           <a:p>
-            <a:endParaRPr lang="zh-TW" altLang="zh-TW">
+            <a:r>
+              <a:rPr lang="zh-TW" altLang="en-US" dirty="0">
+                <a:latin typeface="Times New Roman" pitchFamily="18" charset="0"/>
+              </a:rPr>
+              <a:t>一旦紅字變</a:t>
+            </a:r>
+            <a:r>
+              <a:rPr lang="en-US" altLang="zh-TW" dirty="0">
+                <a:latin typeface="Times New Roman" pitchFamily="18" charset="0"/>
+              </a:rPr>
+              <a:t>1  </a:t>
+            </a:r>
+            <a:r>
+              <a:rPr lang="zh-TW" altLang="en-US" dirty="0">
+                <a:latin typeface="Times New Roman" pitchFamily="18" charset="0"/>
+              </a:rPr>
+              <a:t>就沒辦法滿足了  因為</a:t>
+            </a:r>
+            <a:r>
+              <a:rPr lang="en-US" altLang="zh-TW" dirty="0">
+                <a:latin typeface="Times New Roman" pitchFamily="18" charset="0"/>
+              </a:rPr>
+              <a:t>P0</a:t>
+            </a:r>
+            <a:r>
+              <a:rPr lang="zh-TW" altLang="en-US" dirty="0">
+                <a:latin typeface="Times New Roman" pitchFamily="18" charset="0"/>
+              </a:rPr>
+              <a:t>跑完才還回去 </a:t>
+            </a:r>
+            <a:r>
+              <a:rPr lang="en-US" altLang="zh-TW" dirty="0">
+                <a:latin typeface="Times New Roman" pitchFamily="18" charset="0"/>
+              </a:rPr>
+              <a:t>010</a:t>
+            </a:r>
+            <a:r>
+              <a:rPr lang="zh-TW" altLang="en-US" dirty="0">
+                <a:latin typeface="Times New Roman" pitchFamily="18" charset="0"/>
+              </a:rPr>
+              <a:t> 沒辦法讓下一個任一滿足</a:t>
+            </a:r>
+            <a:endParaRPr lang="zh-TW" altLang="zh-TW" dirty="0">
               <a:latin typeface="Times New Roman" pitchFamily="18" charset="0"/>
             </a:endParaRPr>
           </a:p>
@@ -5137,7 +5413,7 @@
             <a:fld id="{AAD62BEE-E96A-4835-B744-313A552C27A5}" type="slidenum">
               <a:rPr lang="en-US" altLang="zh-TW"/>
               <a:pPr/>
-              <a:t>43</a:t>
+              <a:t>42</a:t>
             </a:fld>
             <a:endParaRPr lang="en-US" altLang="zh-TW"/>
           </a:p>
@@ -5175,7 +5451,31 @@
           <a:bodyPr/>
           <a:lstStyle/>
           <a:p>
-            <a:endParaRPr lang="zh-TW" altLang="zh-TW">
+            <a:r>
+              <a:rPr lang="en-US" altLang="zh-TW" dirty="0">
+                <a:latin typeface="Times New Roman" pitchFamily="18" charset="0"/>
+              </a:rPr>
+              <a:t>disjoint</a:t>
+            </a:r>
+            <a:r>
+              <a:rPr lang="zh-TW" altLang="en-US" dirty="0">
+                <a:latin typeface="Times New Roman" pitchFamily="18" charset="0"/>
+              </a:rPr>
+              <a:t>那邊就是分別形成了不同的多個</a:t>
+            </a:r>
+            <a:r>
+              <a:rPr lang="en-US" altLang="zh-TW" dirty="0">
+                <a:latin typeface="Times New Roman" pitchFamily="18" charset="0"/>
+              </a:rPr>
+              <a:t>cycle </a:t>
+            </a:r>
+            <a:r>
+              <a:rPr lang="en-US" altLang="zh-TW" dirty="0" err="1">
+                <a:latin typeface="Times New Roman" pitchFamily="18" charset="0"/>
+              </a:rPr>
+              <a:t>deaLo</a:t>
+            </a:r>
+            <a:endParaRPr lang="zh-TW" altLang="zh-TW" dirty="0">
               <a:latin typeface="Times New Roman" pitchFamily="18" charset="0"/>
             </a:endParaRPr>
           </a:p>
@@ -5226,7 +5526,7 @@
             <a:fld id="{FE6204D1-2587-4AAE-8EA4-4B6DA20CA56F}" type="slidenum">
               <a:rPr lang="en-US" altLang="zh-TW"/>
               <a:pPr/>
-              <a:t>44</a:t>
+              <a:t>43</a:t>
             </a:fld>
             <a:endParaRPr lang="en-US" altLang="zh-TW"/>
           </a:p>
@@ -5264,7 +5564,19 @@
           <a:bodyPr/>
           <a:lstStyle/>
           <a:p>
-            <a:endParaRPr lang="zh-TW" altLang="zh-TW">
+            <a:r>
+              <a:rPr lang="en-US" altLang="zh-TW" dirty="0">
+                <a:latin typeface="Times New Roman" pitchFamily="18" charset="0"/>
+              </a:rPr>
+              <a:t>ok </a:t>
+            </a:r>
+            <a:r>
+              <a:rPr lang="zh-TW" altLang="en-US" dirty="0">
+                <a:latin typeface="Times New Roman" pitchFamily="18" charset="0"/>
+              </a:rPr>
+              <a:t>很常人想到的作法</a:t>
+            </a:r>
+            <a:endParaRPr lang="zh-TW" altLang="zh-TW" dirty="0">
               <a:latin typeface="Times New Roman" pitchFamily="18" charset="0"/>
             </a:endParaRPr>
           </a:p>
@@ -5315,7 +5627,7 @@
             <a:fld id="{9BAB0BC0-E250-4333-BF9D-256417796C69}" type="slidenum">
               <a:rPr lang="en-US" altLang="zh-TW"/>
               <a:pPr/>
-              <a:t>45</a:t>
+              <a:t>44</a:t>
             </a:fld>
             <a:endParaRPr lang="en-US" altLang="zh-TW"/>
           </a:p>
@@ -5353,7 +5665,13 @@
           <a:bodyPr/>
           <a:lstStyle/>
           <a:p>
-            <a:endParaRPr lang="zh-TW" altLang="zh-TW">
+            <a:r>
+              <a:rPr lang="zh-TW" altLang="en-US" dirty="0">
+                <a:latin typeface="Times New Roman" pitchFamily="18" charset="0"/>
+              </a:rPr>
+              <a:t>以上是一些思考方向</a:t>
+            </a:r>
+            <a:endParaRPr lang="zh-TW" altLang="zh-TW" dirty="0">
               <a:latin typeface="Times New Roman" pitchFamily="18" charset="0"/>
             </a:endParaRPr>
           </a:p>
@@ -5404,7 +5722,7 @@
             <a:fld id="{85868C29-7A44-4EF1-9C85-B7D600F844EA}" type="slidenum">
               <a:rPr lang="en-US" altLang="zh-TW"/>
               <a:pPr/>
-              <a:t>46</a:t>
+              <a:t>45</a:t>
             </a:fld>
             <a:endParaRPr lang="en-US" altLang="zh-TW"/>
           </a:p>
@@ -9492,86 +9810,6 @@
       </p:grpSpPr>
       <p:sp>
         <p:nvSpPr>
-          <p:cNvPr id="2" name="Title 1">
-            <a:extLst>
-              <a:ext uri="{FF2B5EF4-FFF2-40B4-BE49-F238E27FC236}">
-                <a16:creationId xmlns:a16="http://schemas.microsoft.com/office/drawing/2014/main" id="{BF417BF0-44B5-41A8-9B36-F10F568E61D8}"/>
-              </a:ext>
-            </a:extLst>
-          </p:cNvPr>
-          <p:cNvSpPr>
-            <a:spLocks noGrp="1"/>
-          </p:cNvSpPr>
-          <p:nvPr>
-            <p:ph type="title"/>
-          </p:nvPr>
-        </p:nvSpPr>
-        <p:spPr/>
-        <p:txBody>
-          <a:bodyPr/>
-          <a:lstStyle/>
-          <a:p>
-            <a:endParaRPr lang="en-US"/>
-          </a:p>
-        </p:txBody>
-      </p:sp>
-      <p:sp>
-        <p:nvSpPr>
-          <p:cNvPr id="3" name="Content Placeholder 2">
-            <a:extLst>
-              <a:ext uri="{FF2B5EF4-FFF2-40B4-BE49-F238E27FC236}">
-                <a16:creationId xmlns:a16="http://schemas.microsoft.com/office/drawing/2014/main" id="{FD467E55-7FB8-4B4B-AC91-F67FE16478FD}"/>
-              </a:ext>
-            </a:extLst>
-          </p:cNvPr>
-          <p:cNvSpPr>
-            <a:spLocks noGrp="1"/>
-          </p:cNvSpPr>
-          <p:nvPr>
-            <p:ph idx="1"/>
-          </p:nvPr>
-        </p:nvSpPr>
-        <p:spPr/>
-        <p:txBody>
-          <a:bodyPr/>
-          <a:lstStyle/>
-          <a:p>
-            <a:endParaRPr lang="en-US"/>
-          </a:p>
-        </p:txBody>
-      </p:sp>
-    </p:spTree>
-    <p:extLst>
-      <p:ext uri="{BB962C8B-B14F-4D97-AF65-F5344CB8AC3E}">
-        <p14:creationId xmlns:p14="http://schemas.microsoft.com/office/powerpoint/2010/main" val="616386462"/>
-      </p:ext>
-    </p:extLst>
-  </p:cSld>
-  <p:clrMapOvr>
-    <a:masterClrMapping/>
-  </p:clrMapOvr>
-</p:sld>
-</file>
-
-<file path=ppt/slides/slide16.xml><?xml version="1.0" encoding="utf-8"?>
-<p:sld xmlns:a="http://schemas.openxmlformats.org/drawingml/2006/main" xmlns:r="http://schemas.openxmlformats.org/officeDocument/2006/relationships" xmlns:p="http://schemas.openxmlformats.org/presentationml/2006/main">
-  <p:cSld>
-    <p:spTree>
-      <p:nvGrpSpPr>
-        <p:cNvPr id="1" name=""/>
-        <p:cNvGrpSpPr/>
-        <p:nvPr/>
-      </p:nvGrpSpPr>
-      <p:grpSpPr>
-        <a:xfrm>
-          <a:off x="0" y="0"/>
-          <a:ext cx="0" cy="0"/>
-          <a:chOff x="0" y="0"/>
-          <a:chExt cx="0" cy="0"/>
-        </a:xfrm>
-      </p:grpSpPr>
-      <p:sp>
-        <p:nvSpPr>
           <p:cNvPr id="17410" name="Rectangle 1026"/>
           <p:cNvSpPr>
             <a:spLocks noGrp="1" noChangeArrowheads="1"/>
@@ -10110,7 +10348,7 @@
 </p:sld>
 </file>
 
-<file path=ppt/slides/slide17.xml><?xml version="1.0" encoding="utf-8"?>
+<file path=ppt/slides/slide16.xml><?xml version="1.0" encoding="utf-8"?>
 <p:sld xmlns:a="http://schemas.openxmlformats.org/drawingml/2006/main" xmlns:r="http://schemas.openxmlformats.org/officeDocument/2006/relationships" xmlns:p="http://schemas.openxmlformats.org/presentationml/2006/main">
   <p:cSld>
     <p:spTree>
@@ -10553,7 +10791,7 @@
 </p:sld>
 </file>
 
-<file path=ppt/slides/slide18.xml><?xml version="1.0" encoding="utf-8"?>
+<file path=ppt/slides/slide17.xml><?xml version="1.0" encoding="utf-8"?>
 <p:sld xmlns:a="http://schemas.openxmlformats.org/drawingml/2006/main" xmlns:r="http://schemas.openxmlformats.org/officeDocument/2006/relationships" xmlns:p="http://schemas.openxmlformats.org/presentationml/2006/main">
   <p:cSld>
     <p:spTree>
@@ -10972,7 +11210,7 @@
 </p:sld>
 </file>
 
-<file path=ppt/slides/slide19.xml><?xml version="1.0" encoding="utf-8"?>
+<file path=ppt/slides/slide18.xml><?xml version="1.0" encoding="utf-8"?>
 <p:sld xmlns:a="http://schemas.openxmlformats.org/drawingml/2006/main" xmlns:r="http://schemas.openxmlformats.org/officeDocument/2006/relationships" xmlns:p="http://schemas.openxmlformats.org/presentationml/2006/main">
   <p:cSld>
     <p:spTree>
@@ -11407,231 +11645,7 @@
 </p:sld>
 </file>
 
-<file path=ppt/slides/slide2.xml><?xml version="1.0" encoding="utf-8"?>
-<p:sld xmlns:a="http://schemas.openxmlformats.org/drawingml/2006/main" xmlns:r="http://schemas.openxmlformats.org/officeDocument/2006/relationships" xmlns:p="http://schemas.openxmlformats.org/presentationml/2006/main">
-  <p:cSld>
-    <p:spTree>
-      <p:nvGrpSpPr>
-        <p:cNvPr id="1" name=""/>
-        <p:cNvGrpSpPr/>
-        <p:nvPr/>
-      </p:nvGrpSpPr>
-      <p:grpSpPr>
-        <a:xfrm>
-          <a:off x="0" y="0"/>
-          <a:ext cx="0" cy="0"/>
-          <a:chOff x="0" y="0"/>
-          <a:chExt cx="0" cy="0"/>
-        </a:xfrm>
-      </p:grpSpPr>
-      <p:sp>
-        <p:nvSpPr>
-          <p:cNvPr id="4098" name="Rectangle 2"/>
-          <p:cNvSpPr>
-            <a:spLocks noGrp="1" noChangeArrowheads="1"/>
-          </p:cNvSpPr>
-          <p:nvPr>
-            <p:ph type="title"/>
-          </p:nvPr>
-        </p:nvSpPr>
-        <p:spPr/>
-        <p:txBody>
-          <a:bodyPr/>
-          <a:lstStyle/>
-          <a:p>
-            <a:pPr eaLnBrk="1" hangingPunct="1"/>
-            <a:r>
-              <a:rPr lang="en-US" altLang="zh-TW"/>
-              <a:t>Chapter 7:  Deadlocks</a:t>
-            </a:r>
-          </a:p>
-        </p:txBody>
-      </p:sp>
-      <p:sp>
-        <p:nvSpPr>
-          <p:cNvPr id="4099" name="Rectangle 3"/>
-          <p:cNvSpPr>
-            <a:spLocks noGrp="1" noChangeArrowheads="1"/>
-          </p:cNvSpPr>
-          <p:nvPr>
-            <p:ph type="body" idx="1"/>
-          </p:nvPr>
-        </p:nvSpPr>
-        <p:spPr>
-          <a:xfrm>
-            <a:off x="806450" y="1233488"/>
-            <a:ext cx="9932434" cy="4530725"/>
-          </a:xfrm>
-        </p:spPr>
-        <p:txBody>
-          <a:bodyPr/>
-          <a:lstStyle/>
-          <a:p>
-            <a:pPr>
-              <a:buSzPct val="85000"/>
-            </a:pPr>
-            <a:r>
-              <a:rPr lang="en-US" altLang="zh-TW" sz="2800" dirty="0"/>
-              <a:t>The Deadlock Problem</a:t>
-            </a:r>
-          </a:p>
-          <a:p>
-            <a:pPr>
-              <a:buSzPct val="85000"/>
-            </a:pPr>
-            <a:r>
-              <a:rPr lang="en-US" altLang="zh-TW" sz="2800" dirty="0"/>
-              <a:t>System Model</a:t>
-            </a:r>
-          </a:p>
-          <a:p>
-            <a:pPr>
-              <a:buSzPct val="85000"/>
-            </a:pPr>
-            <a:r>
-              <a:rPr lang="en-US" altLang="zh-TW" sz="2800" dirty="0"/>
-              <a:t>Deadlock Characterization</a:t>
-            </a:r>
-          </a:p>
-          <a:p>
-            <a:pPr>
-              <a:buSzPct val="85000"/>
-            </a:pPr>
-            <a:r>
-              <a:rPr lang="en-US" altLang="zh-TW" sz="2800" dirty="0"/>
-              <a:t>Methods for Handling Deadlocks</a:t>
-            </a:r>
-          </a:p>
-          <a:p>
-            <a:r>
-              <a:rPr lang="en-US" altLang="zh-TW" sz="2800" dirty="0"/>
-              <a:t>Deadlock </a:t>
-            </a:r>
-            <a:r>
-              <a:rPr lang="en-US" altLang="zh-TW" sz="2800" dirty="0">
-                <a:solidFill>
-                  <a:srgbClr val="FF0000"/>
-                </a:solidFill>
-              </a:rPr>
-              <a:t>Prevention</a:t>
-            </a:r>
-            <a:r>
-              <a:rPr lang="zh-TW" altLang="en-US" sz="2800" dirty="0">
-                <a:solidFill>
-                  <a:srgbClr val="FF0000"/>
-                </a:solidFill>
-              </a:rPr>
-              <a:t>  比較消極  一開始設計就預防  程式資源使用比較沒效率 </a:t>
-            </a:r>
-            <a:endParaRPr lang="en-US" altLang="zh-TW" sz="2800" dirty="0">
-              <a:solidFill>
-                <a:srgbClr val="FF0000"/>
-              </a:solidFill>
-            </a:endParaRPr>
-          </a:p>
-          <a:p>
-            <a:pPr>
-              <a:buSzPct val="85000"/>
-            </a:pPr>
-            <a:r>
-              <a:rPr lang="en-US" altLang="zh-TW" sz="2800" dirty="0"/>
-              <a:t>Deadlock </a:t>
-            </a:r>
-            <a:r>
-              <a:rPr lang="en-US" altLang="zh-TW" sz="2800" dirty="0">
-                <a:solidFill>
-                  <a:srgbClr val="FF0000"/>
-                </a:solidFill>
-              </a:rPr>
-              <a:t>Avoidance</a:t>
-            </a:r>
-            <a:r>
-              <a:rPr lang="zh-TW" altLang="en-US" sz="2800" dirty="0">
-                <a:solidFill>
-                  <a:srgbClr val="FF0000"/>
-                </a:solidFill>
-              </a:rPr>
-              <a:t>  程式資源分配比較積極  盡量最大化</a:t>
-            </a:r>
-            <a:endParaRPr lang="en-US" altLang="zh-TW" sz="2800" dirty="0">
-              <a:solidFill>
-                <a:srgbClr val="FF0000"/>
-              </a:solidFill>
-            </a:endParaRPr>
-          </a:p>
-          <a:p>
-            <a:pPr>
-              <a:buSzPct val="85000"/>
-            </a:pPr>
-            <a:r>
-              <a:rPr lang="en-US" altLang="zh-TW" sz="2800" dirty="0"/>
-              <a:t>Deadlock </a:t>
-            </a:r>
-            <a:r>
-              <a:rPr lang="en-US" altLang="zh-TW" sz="2800" dirty="0">
-                <a:solidFill>
-                  <a:srgbClr val="FF0000"/>
-                </a:solidFill>
-              </a:rPr>
-              <a:t>Detection</a:t>
-            </a:r>
-            <a:r>
-              <a:rPr lang="zh-TW" altLang="en-US" sz="2800" dirty="0">
-                <a:solidFill>
-                  <a:srgbClr val="FF0000"/>
-                </a:solidFill>
-              </a:rPr>
-              <a:t>   讓它發生  再偵測 再復原</a:t>
-            </a:r>
-            <a:r>
-              <a:rPr lang="en-US" altLang="zh-TW" sz="2800" dirty="0"/>
-              <a:t> </a:t>
-            </a:r>
-          </a:p>
-          <a:p>
-            <a:pPr>
-              <a:buSzPct val="85000"/>
-            </a:pPr>
-            <a:r>
-              <a:rPr lang="en-US" altLang="zh-TW" sz="2800" dirty="0"/>
-              <a:t>Recovery from Deadlock </a:t>
-            </a:r>
-            <a:r>
-              <a:rPr lang="zh-TW" altLang="en-US" sz="2800" dirty="0"/>
-              <a:t> </a:t>
-            </a:r>
-            <a:r>
-              <a:rPr lang="en-US" altLang="zh-TW" sz="2800" dirty="0"/>
-              <a:t>ex</a:t>
-            </a:r>
-            <a:r>
-              <a:rPr lang="zh-TW" altLang="en-US" sz="2800" dirty="0"/>
-              <a:t>停止其中幾個</a:t>
-            </a:r>
-            <a:r>
-              <a:rPr lang="en-US" altLang="zh-TW" sz="2800" dirty="0"/>
-              <a:t>proc   </a:t>
-            </a:r>
-            <a:r>
-              <a:rPr lang="zh-TW" altLang="en-US" sz="2800" dirty="0"/>
-              <a:t>或是收回某些資源可以解掉</a:t>
-            </a:r>
-            <a:r>
-              <a:rPr lang="en-US" altLang="zh-TW" sz="2800" dirty="0"/>
-              <a:t> </a:t>
-            </a:r>
-          </a:p>
-        </p:txBody>
-      </p:sp>
-    </p:spTree>
-  </p:cSld>
-  <p:clrMapOvr>
-    <a:masterClrMapping/>
-  </p:clrMapOvr>
-</p:sld>
-</file>
-
-<file path=ppt/slides/slide20.xml><?xml version="1.0" encoding="utf-8"?>
+<file path=ppt/slides/slide19.xml><?xml version="1.0" encoding="utf-8"?>
 <p:sld xmlns:a="http://schemas.openxmlformats.org/drawingml/2006/main" xmlns:r="http://schemas.openxmlformats.org/officeDocument/2006/relationships" xmlns:p="http://schemas.openxmlformats.org/presentationml/2006/main">
   <p:cSld>
     <p:spTree>
@@ -12096,7 +12110,231 @@
 </p:sld>
 </file>
 
-<file path=ppt/slides/slide21.xml><?xml version="1.0" encoding="utf-8"?>
+<file path=ppt/slides/slide2.xml><?xml version="1.0" encoding="utf-8"?>
+<p:sld xmlns:a="http://schemas.openxmlformats.org/drawingml/2006/main" xmlns:r="http://schemas.openxmlformats.org/officeDocument/2006/relationships" xmlns:p="http://schemas.openxmlformats.org/presentationml/2006/main">
+  <p:cSld>
+    <p:spTree>
+      <p:nvGrpSpPr>
+        <p:cNvPr id="1" name=""/>
+        <p:cNvGrpSpPr/>
+        <p:nvPr/>
+      </p:nvGrpSpPr>
+      <p:grpSpPr>
+        <a:xfrm>
+          <a:off x="0" y="0"/>
+          <a:ext cx="0" cy="0"/>
+          <a:chOff x="0" y="0"/>
+          <a:chExt cx="0" cy="0"/>
+        </a:xfrm>
+      </p:grpSpPr>
+      <p:sp>
+        <p:nvSpPr>
+          <p:cNvPr id="4098" name="Rectangle 2"/>
+          <p:cNvSpPr>
+            <a:spLocks noGrp="1" noChangeArrowheads="1"/>
+          </p:cNvSpPr>
+          <p:nvPr>
+            <p:ph type="title"/>
+          </p:nvPr>
+        </p:nvSpPr>
+        <p:spPr/>
+        <p:txBody>
+          <a:bodyPr/>
+          <a:lstStyle/>
+          <a:p>
+            <a:pPr eaLnBrk="1" hangingPunct="1"/>
+            <a:r>
+              <a:rPr lang="en-US" altLang="zh-TW"/>
+              <a:t>Chapter 7:  Deadlocks</a:t>
+            </a:r>
+          </a:p>
+        </p:txBody>
+      </p:sp>
+      <p:sp>
+        <p:nvSpPr>
+          <p:cNvPr id="4099" name="Rectangle 3"/>
+          <p:cNvSpPr>
+            <a:spLocks noGrp="1" noChangeArrowheads="1"/>
+          </p:cNvSpPr>
+          <p:nvPr>
+            <p:ph type="body" idx="1"/>
+          </p:nvPr>
+        </p:nvSpPr>
+        <p:spPr>
+          <a:xfrm>
+            <a:off x="806450" y="1233488"/>
+            <a:ext cx="9932434" cy="4530725"/>
+          </a:xfrm>
+        </p:spPr>
+        <p:txBody>
+          <a:bodyPr/>
+          <a:lstStyle/>
+          <a:p>
+            <a:pPr>
+              <a:buSzPct val="85000"/>
+            </a:pPr>
+            <a:r>
+              <a:rPr lang="en-US" altLang="zh-TW" sz="2800" dirty="0"/>
+              <a:t>The Deadlock Problem</a:t>
+            </a:r>
+          </a:p>
+          <a:p>
+            <a:pPr>
+              <a:buSzPct val="85000"/>
+            </a:pPr>
+            <a:r>
+              <a:rPr lang="en-US" altLang="zh-TW" sz="2800" dirty="0"/>
+              <a:t>System Model</a:t>
+            </a:r>
+          </a:p>
+          <a:p>
+            <a:pPr>
+              <a:buSzPct val="85000"/>
+            </a:pPr>
+            <a:r>
+              <a:rPr lang="en-US" altLang="zh-TW" sz="2800" dirty="0"/>
+              <a:t>Deadlock Characterization</a:t>
+            </a:r>
+          </a:p>
+          <a:p>
+            <a:pPr>
+              <a:buSzPct val="85000"/>
+            </a:pPr>
+            <a:r>
+              <a:rPr lang="en-US" altLang="zh-TW" sz="2800" dirty="0"/>
+              <a:t>Methods for Handling Deadlocks</a:t>
+            </a:r>
+          </a:p>
+          <a:p>
+            <a:r>
+              <a:rPr lang="en-US" altLang="zh-TW" sz="2800" dirty="0"/>
+              <a:t>Deadlock </a:t>
+            </a:r>
+            <a:r>
+              <a:rPr lang="en-US" altLang="zh-TW" sz="2800" dirty="0">
+                <a:solidFill>
+                  <a:srgbClr val="FF0000"/>
+                </a:solidFill>
+              </a:rPr>
+              <a:t>Prevention</a:t>
+            </a:r>
+            <a:r>
+              <a:rPr lang="zh-TW" altLang="en-US" sz="2800" dirty="0">
+                <a:solidFill>
+                  <a:srgbClr val="FF0000"/>
+                </a:solidFill>
+              </a:rPr>
+              <a:t>  比較消極  一開始設計就預防  程式資源使用比較沒效率 </a:t>
+            </a:r>
+            <a:endParaRPr lang="en-US" altLang="zh-TW" sz="2800" dirty="0">
+              <a:solidFill>
+                <a:srgbClr val="FF0000"/>
+              </a:solidFill>
+            </a:endParaRPr>
+          </a:p>
+          <a:p>
+            <a:pPr>
+              <a:buSzPct val="85000"/>
+            </a:pPr>
+            <a:r>
+              <a:rPr lang="en-US" altLang="zh-TW" sz="2800" dirty="0"/>
+              <a:t>Deadlock </a:t>
+            </a:r>
+            <a:r>
+              <a:rPr lang="en-US" altLang="zh-TW" sz="2800" dirty="0">
+                <a:solidFill>
+                  <a:srgbClr val="FF0000"/>
+                </a:solidFill>
+              </a:rPr>
+              <a:t>Avoidance</a:t>
+            </a:r>
+            <a:r>
+              <a:rPr lang="zh-TW" altLang="en-US" sz="2800" dirty="0">
+                <a:solidFill>
+                  <a:srgbClr val="FF0000"/>
+                </a:solidFill>
+              </a:rPr>
+              <a:t>  程式資源分配比較積極  盡量最大化</a:t>
+            </a:r>
+            <a:endParaRPr lang="en-US" altLang="zh-TW" sz="2800" dirty="0">
+              <a:solidFill>
+                <a:srgbClr val="FF0000"/>
+              </a:solidFill>
+            </a:endParaRPr>
+          </a:p>
+          <a:p>
+            <a:pPr>
+              <a:buSzPct val="85000"/>
+            </a:pPr>
+            <a:r>
+              <a:rPr lang="en-US" altLang="zh-TW" sz="2800" dirty="0"/>
+              <a:t>Deadlock </a:t>
+            </a:r>
+            <a:r>
+              <a:rPr lang="en-US" altLang="zh-TW" sz="2800" dirty="0">
+                <a:solidFill>
+                  <a:srgbClr val="FF0000"/>
+                </a:solidFill>
+              </a:rPr>
+              <a:t>Detection</a:t>
+            </a:r>
+            <a:r>
+              <a:rPr lang="zh-TW" altLang="en-US" sz="2800" dirty="0">
+                <a:solidFill>
+                  <a:srgbClr val="FF0000"/>
+                </a:solidFill>
+              </a:rPr>
+              <a:t>   讓它發生  再偵測 再復原</a:t>
+            </a:r>
+            <a:r>
+              <a:rPr lang="en-US" altLang="zh-TW" sz="2800" dirty="0"/>
+              <a:t> </a:t>
+            </a:r>
+          </a:p>
+          <a:p>
+            <a:pPr>
+              <a:buSzPct val="85000"/>
+            </a:pPr>
+            <a:r>
+              <a:rPr lang="en-US" altLang="zh-TW" sz="2800" dirty="0"/>
+              <a:t>Recovery from Deadlock </a:t>
+            </a:r>
+            <a:r>
+              <a:rPr lang="zh-TW" altLang="en-US" sz="2800" dirty="0"/>
+              <a:t> </a:t>
+            </a:r>
+            <a:r>
+              <a:rPr lang="en-US" altLang="zh-TW" sz="2800" dirty="0"/>
+              <a:t>ex</a:t>
+            </a:r>
+            <a:r>
+              <a:rPr lang="zh-TW" altLang="en-US" sz="2800" dirty="0"/>
+              <a:t>停止其中幾個</a:t>
+            </a:r>
+            <a:r>
+              <a:rPr lang="en-US" altLang="zh-TW" sz="2800" dirty="0"/>
+              <a:t>proc   </a:t>
+            </a:r>
+            <a:r>
+              <a:rPr lang="zh-TW" altLang="en-US" sz="2800" dirty="0"/>
+              <a:t>或是收回某些資源可以解掉</a:t>
+            </a:r>
+            <a:r>
+              <a:rPr lang="en-US" altLang="zh-TW" sz="2800" dirty="0"/>
+              <a:t> </a:t>
+            </a:r>
+          </a:p>
+        </p:txBody>
+      </p:sp>
+    </p:spTree>
+  </p:cSld>
+  <p:clrMapOvr>
+    <a:masterClrMapping/>
+  </p:clrMapOvr>
+</p:sld>
+</file>
+
+<file path=ppt/slides/slide20.xml><?xml version="1.0" encoding="utf-8"?>
 <p:sld xmlns:a="http://schemas.openxmlformats.org/drawingml/2006/main" xmlns:r="http://schemas.openxmlformats.org/officeDocument/2006/relationships" xmlns:p="http://schemas.openxmlformats.org/presentationml/2006/main">
   <p:cSld>
     <p:spTree>
@@ -12482,7 +12720,7 @@
 </p:sld>
 </file>
 
-<file path=ppt/slides/slide22.xml><?xml version="1.0" encoding="utf-8"?>
+<file path=ppt/slides/slide21.xml><?xml version="1.0" encoding="utf-8"?>
 <p:sld xmlns:a="http://schemas.openxmlformats.org/drawingml/2006/main" xmlns:r="http://schemas.openxmlformats.org/officeDocument/2006/relationships" xmlns:p="http://schemas.openxmlformats.org/presentationml/2006/main">
   <p:cSld>
     <p:spTree>
@@ -12834,7 +13072,7 @@
 </p:sld>
 </file>
 
-<file path=ppt/slides/slide23.xml><?xml version="1.0" encoding="utf-8"?>
+<file path=ppt/slides/slide22.xml><?xml version="1.0" encoding="utf-8"?>
 <p:sld xmlns:a="http://schemas.openxmlformats.org/drawingml/2006/main" xmlns:r="http://schemas.openxmlformats.org/officeDocument/2006/relationships" xmlns:p="http://schemas.openxmlformats.org/presentationml/2006/main">
   <p:cSld>
     <p:spTree>
@@ -13437,7 +13675,7 @@
 </p:sld>
 </file>
 
-<file path=ppt/slides/slide24.xml><?xml version="1.0" encoding="utf-8"?>
+<file path=ppt/slides/slide23.xml><?xml version="1.0" encoding="utf-8"?>
 <p:sld xmlns:a="http://schemas.openxmlformats.org/drawingml/2006/main" xmlns:r="http://schemas.openxmlformats.org/officeDocument/2006/relationships" xmlns:p="http://schemas.openxmlformats.org/presentationml/2006/main">
   <p:cSld>
     <p:spTree>
@@ -13639,7 +13877,7 @@
 </p:sld>
 </file>
 
-<file path=ppt/slides/slide25.xml><?xml version="1.0" encoding="utf-8"?>
+<file path=ppt/slides/slide24.xml><?xml version="1.0" encoding="utf-8"?>
 <p:sld xmlns:a="http://schemas.openxmlformats.org/drawingml/2006/main" xmlns:r="http://schemas.openxmlformats.org/officeDocument/2006/relationships" xmlns:p="http://schemas.openxmlformats.org/presentationml/2006/main">
   <p:cSld>
     <p:spTree>
@@ -13928,7 +14166,7 @@
 </p:sld>
 </file>
 
-<file path=ppt/slides/slide26.xml><?xml version="1.0" encoding="utf-8"?>
+<file path=ppt/slides/slide25.xml><?xml version="1.0" encoding="utf-8"?>
 <p:sld xmlns:a="http://schemas.openxmlformats.org/drawingml/2006/main" xmlns:r="http://schemas.openxmlformats.org/officeDocument/2006/relationships" xmlns:p="http://schemas.openxmlformats.org/presentationml/2006/main">
   <p:cSld>
     <p:spTree>
@@ -14125,7 +14363,7 @@
 </p:sld>
 </file>
 
-<file path=ppt/slides/slide27.xml><?xml version="1.0" encoding="utf-8"?>
+<file path=ppt/slides/slide26.xml><?xml version="1.0" encoding="utf-8"?>
 <p:sld xmlns:a="http://schemas.openxmlformats.org/drawingml/2006/main" xmlns:r="http://schemas.openxmlformats.org/officeDocument/2006/relationships" xmlns:p="http://schemas.openxmlformats.org/presentationml/2006/main">
   <p:cSld>
     <p:spTree>
@@ -15009,7 +15247,7 @@
 </p:sld>
 </file>
 
-<file path=ppt/slides/slide28.xml><?xml version="1.0" encoding="utf-8"?>
+<file path=ppt/slides/slide27.xml><?xml version="1.0" encoding="utf-8"?>
 <p:sld xmlns:a="http://schemas.openxmlformats.org/drawingml/2006/main" xmlns:r="http://schemas.openxmlformats.org/officeDocument/2006/relationships" xmlns:p="http://schemas.openxmlformats.org/presentationml/2006/main">
   <p:cSld>
     <p:spTree>
@@ -15437,7 +15675,7 @@
 </p:sld>
 </file>
 
-<file path=ppt/slides/slide29.xml><?xml version="1.0" encoding="utf-8"?>
+<file path=ppt/slides/slide28.xml><?xml version="1.0" encoding="utf-8"?>
 <p:sld xmlns:a="http://schemas.openxmlformats.org/drawingml/2006/main" xmlns:r="http://schemas.openxmlformats.org/officeDocument/2006/relationships" xmlns:p="http://schemas.openxmlformats.org/presentationml/2006/main">
   <p:cSld>
     <p:spTree>
@@ -16414,6 +16652,557 @@
 </p:sld>
 </file>
 
+<file path=ppt/slides/slide29.xml><?xml version="1.0" encoding="utf-8"?>
+<p:sld xmlns:a="http://schemas.openxmlformats.org/drawingml/2006/main" xmlns:r="http://schemas.openxmlformats.org/officeDocument/2006/relationships" xmlns:p="http://schemas.openxmlformats.org/presentationml/2006/main">
+  <p:cSld>
+    <p:spTree>
+      <p:nvGrpSpPr>
+        <p:cNvPr id="1" name=""/>
+        <p:cNvGrpSpPr/>
+        <p:nvPr/>
+      </p:nvGrpSpPr>
+      <p:grpSpPr>
+        <a:xfrm>
+          <a:off x="0" y="0"/>
+          <a:ext cx="0" cy="0"/>
+          <a:chOff x="0" y="0"/>
+          <a:chExt cx="0" cy="0"/>
+        </a:xfrm>
+      </p:grpSpPr>
+      <p:sp>
+        <p:nvSpPr>
+          <p:cNvPr id="30722" name="Rectangle 2"/>
+          <p:cNvSpPr>
+            <a:spLocks noGrp="1" noChangeArrowheads="1"/>
+          </p:cNvSpPr>
+          <p:nvPr>
+            <p:ph type="title"/>
+          </p:nvPr>
+        </p:nvSpPr>
+        <p:spPr/>
+        <p:txBody>
+          <a:bodyPr/>
+          <a:lstStyle/>
+          <a:p>
+            <a:pPr eaLnBrk="1" hangingPunct="1"/>
+            <a:r>
+              <a:rPr lang="en-US" altLang="zh-TW"/>
+              <a:t>Safety Algorithm</a:t>
+            </a:r>
+          </a:p>
+        </p:txBody>
+      </p:sp>
+      <p:sp>
+        <p:nvSpPr>
+          <p:cNvPr id="30723" name="Rectangle 3"/>
+          <p:cNvSpPr>
+            <a:spLocks noGrp="1" noChangeArrowheads="1"/>
+          </p:cNvSpPr>
+          <p:nvPr>
+            <p:ph type="body" idx="1"/>
+          </p:nvPr>
+        </p:nvSpPr>
+        <p:spPr>
+          <a:xfrm>
+            <a:off x="741363" y="974725"/>
+            <a:ext cx="7843837" cy="3824288"/>
+          </a:xfrm>
+        </p:spPr>
+        <p:txBody>
+          <a:bodyPr/>
+          <a:lstStyle/>
+          <a:p>
+            <a:pPr>
+              <a:lnSpc>
+                <a:spcPct val="90000"/>
+              </a:lnSpc>
+              <a:buFont typeface="Monotype Sorts" pitchFamily="2" charset="2"/>
+              <a:buNone/>
+            </a:pPr>
+            <a:r>
+              <a:rPr lang="en-US" altLang="zh-TW" sz="2400" dirty="0"/>
+              <a:t>1.	Let </a:t>
+            </a:r>
+            <a:r>
+              <a:rPr lang="en-US" altLang="zh-TW" sz="2400" i="1" dirty="0">
+                <a:solidFill>
+                  <a:srgbClr val="000000"/>
+                </a:solidFill>
+              </a:rPr>
+              <a:t>Work </a:t>
+            </a:r>
+            <a:r>
+              <a:rPr lang="en-US" altLang="zh-TW" sz="2400" dirty="0"/>
+              <a:t>and </a:t>
+            </a:r>
+            <a:r>
+              <a:rPr lang="en-US" altLang="zh-TW" sz="2400" i="1" dirty="0">
+                <a:solidFill>
+                  <a:srgbClr val="000000"/>
+                </a:solidFill>
+              </a:rPr>
+              <a:t>Finish</a:t>
+            </a:r>
+            <a:r>
+              <a:rPr lang="en-US" altLang="zh-TW" sz="2400" dirty="0">
+                <a:solidFill>
+                  <a:srgbClr val="000000"/>
+                </a:solidFill>
+              </a:rPr>
+              <a:t> </a:t>
+            </a:r>
+            <a:r>
+              <a:rPr lang="en-US" altLang="zh-TW" sz="2400" dirty="0"/>
+              <a:t>be vectors of length</a:t>
+            </a:r>
+            <a:r>
+              <a:rPr lang="en-US" altLang="zh-TW" sz="2400" i="1" dirty="0"/>
+              <a:t> m</a:t>
+            </a:r>
+            <a:r>
+              <a:rPr lang="en-US" altLang="zh-TW" sz="2400" dirty="0"/>
+              <a:t> and</a:t>
+            </a:r>
+            <a:r>
+              <a:rPr lang="en-US" altLang="zh-TW" sz="2400" i="1" dirty="0"/>
+              <a:t> n</a:t>
+            </a:r>
+            <a:r>
+              <a:rPr lang="en-US" altLang="zh-TW" sz="2400" dirty="0"/>
+              <a:t>, respectively.  Initialize:</a:t>
+            </a:r>
+          </a:p>
+          <a:p>
+            <a:pPr lvl="3">
+              <a:lnSpc>
+                <a:spcPct val="90000"/>
+              </a:lnSpc>
+              <a:buFontTx/>
+              <a:buNone/>
+            </a:pPr>
+            <a:r>
+              <a:rPr lang="en-US" altLang="zh-TW" sz="2400" i="1" dirty="0"/>
+              <a:t>Work</a:t>
+            </a:r>
+            <a:r>
+              <a:rPr lang="zh-TW" altLang="en-US" sz="2400" i="1" dirty="0"/>
+              <a:t>可用剩多少</a:t>
+            </a:r>
+            <a:r>
+              <a:rPr lang="en-US" altLang="zh-TW" sz="2400" i="1" dirty="0"/>
+              <a:t> </a:t>
+            </a:r>
+            <a:r>
+              <a:rPr lang="en-US" altLang="zh-TW" sz="2400" dirty="0"/>
+              <a:t>= </a:t>
+            </a:r>
+            <a:r>
+              <a:rPr lang="en-US" altLang="zh-TW" sz="2400" i="1" dirty="0"/>
+              <a:t>Available</a:t>
+            </a:r>
+          </a:p>
+          <a:p>
+            <a:pPr lvl="3">
+              <a:lnSpc>
+                <a:spcPct val="90000"/>
+              </a:lnSpc>
+              <a:buFontTx/>
+              <a:buNone/>
+            </a:pPr>
+            <a:r>
+              <a:rPr lang="en-US" altLang="zh-TW" sz="2400" i="1" dirty="0"/>
+              <a:t>Finish</a:t>
+            </a:r>
+            <a:r>
+              <a:rPr lang="zh-TW" altLang="en-US" sz="2400" i="1" dirty="0"/>
+              <a:t> 是否跑完</a:t>
+            </a:r>
+            <a:r>
+              <a:rPr lang="en-US" altLang="zh-TW" sz="2400" i="1" dirty="0"/>
+              <a:t>\ </a:t>
+            </a:r>
+            <a:r>
+              <a:rPr lang="en-US" altLang="zh-TW" sz="2400" dirty="0"/>
+              <a:t>[</a:t>
+            </a:r>
+            <a:r>
+              <a:rPr lang="en-US" altLang="zh-TW" sz="2400" i="1" dirty="0" err="1"/>
+              <a:t>i</a:t>
+            </a:r>
+            <a:r>
+              <a:rPr lang="en-US" altLang="zh-TW" sz="2400" dirty="0"/>
+              <a:t>] =</a:t>
+            </a:r>
+            <a:r>
+              <a:rPr lang="en-US" altLang="zh-TW" sz="2400" i="1" dirty="0"/>
+              <a:t> false </a:t>
+            </a:r>
+            <a:r>
+              <a:rPr lang="en-US" altLang="zh-TW" sz="2400" dirty="0"/>
+              <a:t>for</a:t>
+            </a:r>
+            <a:r>
+              <a:rPr lang="en-US" altLang="zh-TW" sz="2400" i="1" dirty="0"/>
+              <a:t> </a:t>
+            </a:r>
+            <a:r>
+              <a:rPr lang="en-US" altLang="zh-TW" sz="2400" i="1" dirty="0" err="1"/>
+              <a:t>i</a:t>
+            </a:r>
+            <a:r>
+              <a:rPr lang="en-US" altLang="zh-TW" sz="2400" dirty="0"/>
+              <a:t> = 0, 1, …, </a:t>
+            </a:r>
+            <a:r>
+              <a:rPr lang="en-US" altLang="zh-TW" sz="2400" i="1" dirty="0"/>
+              <a:t>n- </a:t>
+            </a:r>
+            <a:r>
+              <a:rPr lang="en-US" altLang="zh-TW" sz="2400" dirty="0"/>
+              <a:t>1</a:t>
+            </a:r>
+          </a:p>
+          <a:p>
+            <a:pPr>
+              <a:lnSpc>
+                <a:spcPct val="90000"/>
+              </a:lnSpc>
+              <a:buFont typeface="Monotype Sorts" pitchFamily="2" charset="2"/>
+              <a:buNone/>
+            </a:pPr>
+            <a:r>
+              <a:rPr lang="en-US" altLang="zh-TW" sz="2400" dirty="0"/>
+              <a:t>2.	Find any </a:t>
+            </a:r>
+            <a:r>
+              <a:rPr lang="en-US" altLang="zh-TW" sz="2400" i="1" dirty="0" err="1"/>
+              <a:t>i</a:t>
+            </a:r>
+            <a:r>
+              <a:rPr lang="en-US" altLang="zh-TW" sz="2400" i="1" dirty="0"/>
+              <a:t> </a:t>
+            </a:r>
+            <a:r>
+              <a:rPr lang="en-US" altLang="zh-TW" sz="2400" dirty="0"/>
+              <a:t>such that both: </a:t>
+            </a:r>
+          </a:p>
+          <a:p>
+            <a:pPr lvl="1">
+              <a:lnSpc>
+                <a:spcPct val="90000"/>
+              </a:lnSpc>
+              <a:buFont typeface="Monotype Sorts" pitchFamily="2" charset="2"/>
+              <a:buNone/>
+            </a:pPr>
+            <a:r>
+              <a:rPr lang="en-US" altLang="zh-TW" sz="2400" dirty="0"/>
+              <a:t>(a) </a:t>
+            </a:r>
+            <a:r>
+              <a:rPr lang="en-US" altLang="zh-TW" sz="2400" i="1" dirty="0"/>
+              <a:t>Finish</a:t>
+            </a:r>
+            <a:r>
+              <a:rPr lang="en-US" altLang="zh-TW" sz="2400" dirty="0"/>
+              <a:t> </a:t>
+            </a:r>
+            <a:r>
+              <a:rPr lang="zh-TW" altLang="en-US" sz="2400" dirty="0"/>
+              <a:t>還沒跑完</a:t>
+            </a:r>
+            <a:r>
+              <a:rPr lang="en-US" altLang="zh-TW" sz="2400" dirty="0"/>
+              <a:t>[</a:t>
+            </a:r>
+            <a:r>
+              <a:rPr lang="en-US" altLang="zh-TW" sz="2400" i="1" dirty="0" err="1"/>
+              <a:t>i</a:t>
+            </a:r>
+            <a:r>
+              <a:rPr lang="en-US" altLang="zh-TW" sz="2400" dirty="0"/>
+              <a:t>] = </a:t>
+            </a:r>
+            <a:r>
+              <a:rPr lang="en-US" altLang="zh-TW" sz="2400" i="1" dirty="0"/>
+              <a:t>false</a:t>
+            </a:r>
+            <a:endParaRPr lang="en-US" altLang="zh-TW" sz="2400" dirty="0"/>
+          </a:p>
+          <a:p>
+            <a:pPr lvl="1">
+              <a:lnSpc>
+                <a:spcPct val="90000"/>
+              </a:lnSpc>
+              <a:buNone/>
+            </a:pPr>
+            <a:r>
+              <a:rPr lang="en-US" altLang="zh-TW" sz="2400" dirty="0"/>
+              <a:t>(b) </a:t>
+            </a:r>
+            <a:r>
+              <a:rPr lang="en-US" altLang="zh-TW" sz="2400" i="1" dirty="0" err="1"/>
+              <a:t>Need</a:t>
+            </a:r>
+            <a:r>
+              <a:rPr lang="en-US" altLang="zh-TW" sz="2400" i="1" baseline="-25000" dirty="0" err="1"/>
+              <a:t>i</a:t>
+            </a:r>
+            <a:r>
+              <a:rPr lang="en-US" altLang="zh-TW" sz="2400" dirty="0"/>
+              <a:t> </a:t>
+            </a:r>
+            <a:r>
+              <a:rPr lang="en-US" altLang="zh-TW" sz="2400" dirty="0">
+                <a:sym typeface="Symbol" pitchFamily="18" charset="2"/>
+              </a:rPr>
+              <a:t> </a:t>
+            </a:r>
+            <a:r>
+              <a:rPr lang="en-US" altLang="zh-TW" sz="2400" i="1" dirty="0">
+                <a:sym typeface="Symbol" pitchFamily="18" charset="2"/>
+              </a:rPr>
+              <a:t>Work</a:t>
+            </a:r>
+            <a:r>
+              <a:rPr lang="zh-TW" altLang="en-US" sz="2400" i="1" dirty="0">
+                <a:sym typeface="Symbol" pitchFamily="18" charset="2"/>
+              </a:rPr>
+              <a:t>  </a:t>
+            </a:r>
+            <a:r>
+              <a:rPr lang="en-US" altLang="zh-TW" sz="2400" i="1" dirty="0">
+                <a:sym typeface="Symbol" pitchFamily="18" charset="2"/>
+              </a:rPr>
+              <a:t>(</a:t>
+            </a:r>
+            <a:r>
+              <a:rPr lang="zh-TW" altLang="en-US" sz="2400" i="1" dirty="0">
+                <a:sym typeface="Symbol" pitchFamily="18" charset="2"/>
+              </a:rPr>
+              <a:t>我</a:t>
+            </a:r>
+            <a:r>
+              <a:rPr lang="en-US" altLang="zh-TW" dirty="0"/>
+              <a:t>= </a:t>
+            </a:r>
+            <a:r>
+              <a:rPr lang="en-US" altLang="zh-TW" i="1" dirty="0"/>
+              <a:t>Available</a:t>
+            </a:r>
+            <a:r>
+              <a:rPr lang="zh-TW" altLang="en-US" i="1" dirty="0"/>
+              <a:t>  </a:t>
+            </a:r>
+            <a:r>
+              <a:rPr lang="zh-TW" altLang="en-US" dirty="0">
+                <a:sym typeface="Symbol" pitchFamily="18" charset="2"/>
+              </a:rPr>
+              <a:t>需求</a:t>
+            </a:r>
+            <a:r>
+              <a:rPr lang="en-US" altLang="zh-TW" dirty="0">
+                <a:sym typeface="Symbol" pitchFamily="18" charset="2"/>
+              </a:rPr>
+              <a:t>&lt;</a:t>
+            </a:r>
+            <a:r>
+              <a:rPr lang="zh-TW" altLang="en-US" dirty="0">
+                <a:sym typeface="Symbol" pitchFamily="18" charset="2"/>
+              </a:rPr>
+              <a:t>供給 </a:t>
+            </a:r>
+            <a:r>
+              <a:rPr lang="en-US" altLang="zh-TW" dirty="0">
+                <a:sym typeface="Symbol" pitchFamily="18" charset="2"/>
+              </a:rPr>
+              <a:t>–</a:t>
+            </a:r>
+            <a:r>
+              <a:rPr lang="zh-TW" altLang="en-US" dirty="0">
+                <a:sym typeface="Symbol" pitchFamily="18" charset="2"/>
+              </a:rPr>
+              <a:t>可跑完</a:t>
+            </a:r>
+            <a:endParaRPr lang="en-US" altLang="zh-TW" sz="2400" i="1" dirty="0">
+              <a:sym typeface="Symbol" pitchFamily="18" charset="2"/>
+            </a:endParaRPr>
+          </a:p>
+          <a:p>
+            <a:pPr lvl="1">
+              <a:lnSpc>
+                <a:spcPct val="90000"/>
+              </a:lnSpc>
+              <a:buFont typeface="Monotype Sorts" pitchFamily="2" charset="2"/>
+              <a:buNone/>
+            </a:pPr>
+            <a:r>
+              <a:rPr lang="en-US" altLang="zh-TW" sz="2400" dirty="0">
+                <a:sym typeface="Symbol" pitchFamily="18" charset="2"/>
+              </a:rPr>
+              <a:t>If no such </a:t>
+            </a:r>
+            <a:r>
+              <a:rPr lang="en-US" altLang="zh-TW" sz="2400" i="1" dirty="0" err="1">
+                <a:sym typeface="Symbol" pitchFamily="18" charset="2"/>
+              </a:rPr>
+              <a:t>i</a:t>
+            </a:r>
+            <a:r>
+              <a:rPr lang="en-US" altLang="zh-TW" sz="2400" i="1" dirty="0">
+                <a:sym typeface="Symbol" pitchFamily="18" charset="2"/>
+              </a:rPr>
+              <a:t> </a:t>
+            </a:r>
+            <a:r>
+              <a:rPr lang="en-US" altLang="zh-TW" sz="2400" dirty="0">
+                <a:sym typeface="Symbol" pitchFamily="18" charset="2"/>
+              </a:rPr>
+              <a:t>exists, go to step 4</a:t>
+            </a:r>
+          </a:p>
+          <a:p>
+            <a:pPr>
+              <a:lnSpc>
+                <a:spcPct val="90000"/>
+              </a:lnSpc>
+              <a:buNone/>
+            </a:pPr>
+            <a:r>
+              <a:rPr lang="en-US" altLang="zh-TW" sz="2400" dirty="0"/>
+              <a:t>3.	</a:t>
+            </a:r>
+            <a:r>
+              <a:rPr lang="en-US" altLang="zh-TW" sz="2400" i="1" dirty="0"/>
+              <a:t>Work</a:t>
+            </a:r>
+            <a:r>
+              <a:rPr lang="en-US" altLang="zh-TW" sz="2400" dirty="0"/>
+              <a:t> = </a:t>
+            </a:r>
+            <a:r>
+              <a:rPr lang="en-US" altLang="zh-TW" sz="2400" i="1" dirty="0"/>
+              <a:t>Work </a:t>
+            </a:r>
+            <a:r>
+              <a:rPr lang="en-US" altLang="zh-TW" sz="2400" dirty="0"/>
+              <a:t>+ </a:t>
+            </a:r>
+            <a:r>
+              <a:rPr lang="en-US" altLang="zh-TW" sz="2400" i="1" dirty="0" err="1"/>
+              <a:t>Allocation</a:t>
+            </a:r>
+            <a:r>
+              <a:rPr lang="en-US" altLang="zh-TW" sz="2400" i="1" baseline="-25000" dirty="0" err="1"/>
+              <a:t>i</a:t>
+            </a:r>
+            <a:r>
+              <a:rPr lang="zh-TW" altLang="en-US" sz="2400" i="1" baseline="-25000" dirty="0"/>
+              <a:t>  </a:t>
+            </a:r>
+            <a:r>
+              <a:rPr lang="zh-TW" altLang="en-US" i="1" dirty="0"/>
+              <a:t>跑完後回收資源</a:t>
+            </a:r>
+            <a:r>
+              <a:rPr lang="zh-TW" altLang="en-US" sz="2400" i="1" baseline="-25000" dirty="0"/>
+              <a:t>   </a:t>
+            </a:r>
+            <a:br>
+              <a:rPr lang="en-US" altLang="zh-TW" sz="2400" dirty="0"/>
+            </a:br>
+            <a:r>
+              <a:rPr lang="en-US" altLang="zh-TW" sz="2400" i="1" dirty="0"/>
+              <a:t>Finish</a:t>
+            </a:r>
+            <a:r>
+              <a:rPr lang="en-US" altLang="zh-TW" sz="2400" dirty="0"/>
+              <a:t>[</a:t>
+            </a:r>
+            <a:r>
+              <a:rPr lang="en-US" altLang="zh-TW" sz="2400" i="1" dirty="0" err="1"/>
+              <a:t>i</a:t>
+            </a:r>
+            <a:r>
+              <a:rPr lang="en-US" altLang="zh-TW" sz="2400" dirty="0"/>
+              <a:t>] =</a:t>
+            </a:r>
+            <a:r>
+              <a:rPr lang="en-US" altLang="zh-TW" sz="2400" i="1" dirty="0"/>
+              <a:t> true</a:t>
+            </a:r>
+            <a:r>
+              <a:rPr lang="zh-TW" altLang="en-US" sz="2400" i="1" dirty="0"/>
+              <a:t>   跑完</a:t>
+            </a:r>
+            <a:br>
+              <a:rPr lang="en-US" altLang="zh-TW" sz="2400" dirty="0"/>
+            </a:br>
+            <a:r>
+              <a:rPr lang="en-US" altLang="zh-TW" sz="2400" dirty="0"/>
+              <a:t>go to step 2</a:t>
+            </a:r>
+            <a:r>
+              <a:rPr lang="zh-TW" altLang="en-US" sz="2400" dirty="0"/>
+              <a:t>  繼續找下個跑</a:t>
+            </a:r>
+            <a:endParaRPr lang="en-US" altLang="zh-TW" sz="2400" dirty="0"/>
+          </a:p>
+          <a:p>
+            <a:pPr>
+              <a:lnSpc>
+                <a:spcPct val="90000"/>
+              </a:lnSpc>
+              <a:buFont typeface="Monotype Sorts" pitchFamily="2" charset="2"/>
+              <a:buNone/>
+            </a:pPr>
+            <a:r>
+              <a:rPr lang="en-US" altLang="zh-TW" sz="2400" dirty="0"/>
+              <a:t>4.	If </a:t>
+            </a:r>
+            <a:r>
+              <a:rPr lang="en-US" altLang="zh-TW" sz="2400" i="1" dirty="0"/>
+              <a:t>Finish</a:t>
+            </a:r>
+            <a:r>
+              <a:rPr lang="en-US" altLang="zh-TW" sz="2400" dirty="0"/>
+              <a:t> [</a:t>
+            </a:r>
+            <a:r>
+              <a:rPr lang="en-US" altLang="zh-TW" sz="2400" i="1" dirty="0" err="1"/>
+              <a:t>i</a:t>
+            </a:r>
+            <a:r>
+              <a:rPr lang="en-US" altLang="zh-TW" sz="2400" dirty="0"/>
+              <a:t>] == true for all </a:t>
+            </a:r>
+            <a:r>
+              <a:rPr lang="en-US" altLang="zh-TW" sz="2400" i="1" dirty="0" err="1"/>
+              <a:t>i</a:t>
+            </a:r>
+            <a:r>
+              <a:rPr lang="en-US" altLang="zh-TW" sz="2400" dirty="0"/>
+              <a:t>, then the system is in a </a:t>
+            </a:r>
+            <a:r>
+              <a:rPr lang="en-US" altLang="zh-TW" sz="2400" b="1" dirty="0">
+                <a:solidFill>
+                  <a:srgbClr val="FF0000"/>
+                </a:solidFill>
+              </a:rPr>
+              <a:t>safe state</a:t>
+            </a:r>
+          </a:p>
+        </p:txBody>
+      </p:sp>
+    </p:spTree>
+  </p:cSld>
+  <p:clrMapOvr>
+    <a:masterClrMapping/>
+  </p:clrMapOvr>
+</p:sld>
+</file>
+
 <file path=ppt/slides/slide3.xml><?xml version="1.0" encoding="utf-8"?>
 <p:sld xmlns:a="http://schemas.openxmlformats.org/drawingml/2006/main" xmlns:r="http://schemas.openxmlformats.org/officeDocument/2006/relationships" xmlns:p="http://schemas.openxmlformats.org/presentationml/2006/main">
   <p:cSld>
@@ -16713,557 +17502,6 @@
       </p:grpSpPr>
       <p:sp>
         <p:nvSpPr>
-          <p:cNvPr id="30722" name="Rectangle 2"/>
-          <p:cNvSpPr>
-            <a:spLocks noGrp="1" noChangeArrowheads="1"/>
-          </p:cNvSpPr>
-          <p:nvPr>
-            <p:ph type="title"/>
-          </p:nvPr>
-        </p:nvSpPr>
-        <p:spPr/>
-        <p:txBody>
-          <a:bodyPr/>
-          <a:lstStyle/>
-          <a:p>
-            <a:pPr eaLnBrk="1" hangingPunct="1"/>
-            <a:r>
-              <a:rPr lang="en-US" altLang="zh-TW"/>
-              <a:t>Safety Algorithm</a:t>
-            </a:r>
-          </a:p>
-        </p:txBody>
-      </p:sp>
-      <p:sp>
-        <p:nvSpPr>
-          <p:cNvPr id="30723" name="Rectangle 3"/>
-          <p:cNvSpPr>
-            <a:spLocks noGrp="1" noChangeArrowheads="1"/>
-          </p:cNvSpPr>
-          <p:nvPr>
-            <p:ph type="body" idx="1"/>
-          </p:nvPr>
-        </p:nvSpPr>
-        <p:spPr>
-          <a:xfrm>
-            <a:off x="741363" y="974725"/>
-            <a:ext cx="7843837" cy="3824288"/>
-          </a:xfrm>
-        </p:spPr>
-        <p:txBody>
-          <a:bodyPr/>
-          <a:lstStyle/>
-          <a:p>
-            <a:pPr>
-              <a:lnSpc>
-                <a:spcPct val="90000"/>
-              </a:lnSpc>
-              <a:buFont typeface="Monotype Sorts" pitchFamily="2" charset="2"/>
-              <a:buNone/>
-            </a:pPr>
-            <a:r>
-              <a:rPr lang="en-US" altLang="zh-TW" sz="2400" dirty="0"/>
-              <a:t>1.	Let </a:t>
-            </a:r>
-            <a:r>
-              <a:rPr lang="en-US" altLang="zh-TW" sz="2400" i="1" dirty="0">
-                <a:solidFill>
-                  <a:srgbClr val="000000"/>
-                </a:solidFill>
-              </a:rPr>
-              <a:t>Work </a:t>
-            </a:r>
-            <a:r>
-              <a:rPr lang="en-US" altLang="zh-TW" sz="2400" dirty="0"/>
-              <a:t>and </a:t>
-            </a:r>
-            <a:r>
-              <a:rPr lang="en-US" altLang="zh-TW" sz="2400" i="1" dirty="0">
-                <a:solidFill>
-                  <a:srgbClr val="000000"/>
-                </a:solidFill>
-              </a:rPr>
-              <a:t>Finish</a:t>
-            </a:r>
-            <a:r>
-              <a:rPr lang="en-US" altLang="zh-TW" sz="2400" dirty="0">
-                <a:solidFill>
-                  <a:srgbClr val="000000"/>
-                </a:solidFill>
-              </a:rPr>
-              <a:t> </a:t>
-            </a:r>
-            <a:r>
-              <a:rPr lang="en-US" altLang="zh-TW" sz="2400" dirty="0"/>
-              <a:t>be vectors of length</a:t>
-            </a:r>
-            <a:r>
-              <a:rPr lang="en-US" altLang="zh-TW" sz="2400" i="1" dirty="0"/>
-              <a:t> m</a:t>
-            </a:r>
-            <a:r>
-              <a:rPr lang="en-US" altLang="zh-TW" sz="2400" dirty="0"/>
-              <a:t> and</a:t>
-            </a:r>
-            <a:r>
-              <a:rPr lang="en-US" altLang="zh-TW" sz="2400" i="1" dirty="0"/>
-              <a:t> n</a:t>
-            </a:r>
-            <a:r>
-              <a:rPr lang="en-US" altLang="zh-TW" sz="2400" dirty="0"/>
-              <a:t>, respectively.  Initialize:</a:t>
-            </a:r>
-          </a:p>
-          <a:p>
-            <a:pPr lvl="3">
-              <a:lnSpc>
-                <a:spcPct val="90000"/>
-              </a:lnSpc>
-              <a:buFontTx/>
-              <a:buNone/>
-            </a:pPr>
-            <a:r>
-              <a:rPr lang="en-US" altLang="zh-TW" sz="2400" i="1" dirty="0"/>
-              <a:t>Work</a:t>
-            </a:r>
-            <a:r>
-              <a:rPr lang="zh-TW" altLang="en-US" sz="2400" i="1" dirty="0"/>
-              <a:t>可用剩多少</a:t>
-            </a:r>
-            <a:r>
-              <a:rPr lang="en-US" altLang="zh-TW" sz="2400" i="1" dirty="0"/>
-              <a:t> </a:t>
-            </a:r>
-            <a:r>
-              <a:rPr lang="en-US" altLang="zh-TW" sz="2400" dirty="0"/>
-              <a:t>= </a:t>
-            </a:r>
-            <a:r>
-              <a:rPr lang="en-US" altLang="zh-TW" sz="2400" i="1" dirty="0"/>
-              <a:t>Available</a:t>
-            </a:r>
-          </a:p>
-          <a:p>
-            <a:pPr lvl="3">
-              <a:lnSpc>
-                <a:spcPct val="90000"/>
-              </a:lnSpc>
-              <a:buFontTx/>
-              <a:buNone/>
-            </a:pPr>
-            <a:r>
-              <a:rPr lang="en-US" altLang="zh-TW" sz="2400" i="1" dirty="0"/>
-              <a:t>Finish</a:t>
-            </a:r>
-            <a:r>
-              <a:rPr lang="zh-TW" altLang="en-US" sz="2400" i="1" dirty="0"/>
-              <a:t> 是否跑完</a:t>
-            </a:r>
-            <a:r>
-              <a:rPr lang="en-US" altLang="zh-TW" sz="2400" i="1" dirty="0"/>
-              <a:t>\ </a:t>
-            </a:r>
-            <a:r>
-              <a:rPr lang="en-US" altLang="zh-TW" sz="2400" dirty="0"/>
-              <a:t>[</a:t>
-            </a:r>
-            <a:r>
-              <a:rPr lang="en-US" altLang="zh-TW" sz="2400" i="1" dirty="0" err="1"/>
-              <a:t>i</a:t>
-            </a:r>
-            <a:r>
-              <a:rPr lang="en-US" altLang="zh-TW" sz="2400" dirty="0"/>
-              <a:t>] =</a:t>
-            </a:r>
-            <a:r>
-              <a:rPr lang="en-US" altLang="zh-TW" sz="2400" i="1" dirty="0"/>
-              <a:t> false </a:t>
-            </a:r>
-            <a:r>
-              <a:rPr lang="en-US" altLang="zh-TW" sz="2400" dirty="0"/>
-              <a:t>for</a:t>
-            </a:r>
-            <a:r>
-              <a:rPr lang="en-US" altLang="zh-TW" sz="2400" i="1" dirty="0"/>
-              <a:t> </a:t>
-            </a:r>
-            <a:r>
-              <a:rPr lang="en-US" altLang="zh-TW" sz="2400" i="1" dirty="0" err="1"/>
-              <a:t>i</a:t>
-            </a:r>
-            <a:r>
-              <a:rPr lang="en-US" altLang="zh-TW" sz="2400" dirty="0"/>
-              <a:t> = 0, 1, …, </a:t>
-            </a:r>
-            <a:r>
-              <a:rPr lang="en-US" altLang="zh-TW" sz="2400" i="1" dirty="0"/>
-              <a:t>n- </a:t>
-            </a:r>
-            <a:r>
-              <a:rPr lang="en-US" altLang="zh-TW" sz="2400" dirty="0"/>
-              <a:t>1</a:t>
-            </a:r>
-          </a:p>
-          <a:p>
-            <a:pPr>
-              <a:lnSpc>
-                <a:spcPct val="90000"/>
-              </a:lnSpc>
-              <a:buFont typeface="Monotype Sorts" pitchFamily="2" charset="2"/>
-              <a:buNone/>
-            </a:pPr>
-            <a:r>
-              <a:rPr lang="en-US" altLang="zh-TW" sz="2400" dirty="0"/>
-              <a:t>2.	Find any </a:t>
-            </a:r>
-            <a:r>
-              <a:rPr lang="en-US" altLang="zh-TW" sz="2400" i="1" dirty="0" err="1"/>
-              <a:t>i</a:t>
-            </a:r>
-            <a:r>
-              <a:rPr lang="en-US" altLang="zh-TW" sz="2400" i="1" dirty="0"/>
-              <a:t> </a:t>
-            </a:r>
-            <a:r>
-              <a:rPr lang="en-US" altLang="zh-TW" sz="2400" dirty="0"/>
-              <a:t>such that both: </a:t>
-            </a:r>
-          </a:p>
-          <a:p>
-            <a:pPr lvl="1">
-              <a:lnSpc>
-                <a:spcPct val="90000"/>
-              </a:lnSpc>
-              <a:buFont typeface="Monotype Sorts" pitchFamily="2" charset="2"/>
-              <a:buNone/>
-            </a:pPr>
-            <a:r>
-              <a:rPr lang="en-US" altLang="zh-TW" sz="2400" dirty="0"/>
-              <a:t>(a) </a:t>
-            </a:r>
-            <a:r>
-              <a:rPr lang="en-US" altLang="zh-TW" sz="2400" i="1" dirty="0"/>
-              <a:t>Finish</a:t>
-            </a:r>
-            <a:r>
-              <a:rPr lang="en-US" altLang="zh-TW" sz="2400" dirty="0"/>
-              <a:t> </a:t>
-            </a:r>
-            <a:r>
-              <a:rPr lang="zh-TW" altLang="en-US" sz="2400" dirty="0"/>
-              <a:t>還沒跑完</a:t>
-            </a:r>
-            <a:r>
-              <a:rPr lang="en-US" altLang="zh-TW" sz="2400" dirty="0"/>
-              <a:t>[</a:t>
-            </a:r>
-            <a:r>
-              <a:rPr lang="en-US" altLang="zh-TW" sz="2400" i="1" dirty="0" err="1"/>
-              <a:t>i</a:t>
-            </a:r>
-            <a:r>
-              <a:rPr lang="en-US" altLang="zh-TW" sz="2400" dirty="0"/>
-              <a:t>] = </a:t>
-            </a:r>
-            <a:r>
-              <a:rPr lang="en-US" altLang="zh-TW" sz="2400" i="1" dirty="0"/>
-              <a:t>false</a:t>
-            </a:r>
-            <a:endParaRPr lang="en-US" altLang="zh-TW" sz="2400" dirty="0"/>
-          </a:p>
-          <a:p>
-            <a:pPr lvl="1">
-              <a:lnSpc>
-                <a:spcPct val="90000"/>
-              </a:lnSpc>
-              <a:buNone/>
-            </a:pPr>
-            <a:r>
-              <a:rPr lang="en-US" altLang="zh-TW" sz="2400" dirty="0"/>
-              <a:t>(b) </a:t>
-            </a:r>
-            <a:r>
-              <a:rPr lang="en-US" altLang="zh-TW" sz="2400" i="1" dirty="0" err="1"/>
-              <a:t>Need</a:t>
-            </a:r>
-            <a:r>
-              <a:rPr lang="en-US" altLang="zh-TW" sz="2400" i="1" baseline="-25000" dirty="0" err="1"/>
-              <a:t>i</a:t>
-            </a:r>
-            <a:r>
-              <a:rPr lang="en-US" altLang="zh-TW" sz="2400" dirty="0"/>
-              <a:t> </a:t>
-            </a:r>
-            <a:r>
-              <a:rPr lang="en-US" altLang="zh-TW" sz="2400" dirty="0">
-                <a:sym typeface="Symbol" pitchFamily="18" charset="2"/>
-              </a:rPr>
-              <a:t> </a:t>
-            </a:r>
-            <a:r>
-              <a:rPr lang="en-US" altLang="zh-TW" sz="2400" i="1" dirty="0">
-                <a:sym typeface="Symbol" pitchFamily="18" charset="2"/>
-              </a:rPr>
-              <a:t>Work</a:t>
-            </a:r>
-            <a:r>
-              <a:rPr lang="zh-TW" altLang="en-US" sz="2400" i="1" dirty="0">
-                <a:sym typeface="Symbol" pitchFamily="18" charset="2"/>
-              </a:rPr>
-              <a:t>  </a:t>
-            </a:r>
-            <a:r>
-              <a:rPr lang="en-US" altLang="zh-TW" sz="2400" i="1" dirty="0">
-                <a:sym typeface="Symbol" pitchFamily="18" charset="2"/>
-              </a:rPr>
-              <a:t>(</a:t>
-            </a:r>
-            <a:r>
-              <a:rPr lang="zh-TW" altLang="en-US" sz="2400" i="1" dirty="0">
-                <a:sym typeface="Symbol" pitchFamily="18" charset="2"/>
-              </a:rPr>
-              <a:t>我</a:t>
-            </a:r>
-            <a:r>
-              <a:rPr lang="en-US" altLang="zh-TW" dirty="0"/>
-              <a:t>= </a:t>
-            </a:r>
-            <a:r>
-              <a:rPr lang="en-US" altLang="zh-TW" i="1" dirty="0"/>
-              <a:t>Available</a:t>
-            </a:r>
-            <a:r>
-              <a:rPr lang="zh-TW" altLang="en-US" i="1" dirty="0"/>
-              <a:t>  </a:t>
-            </a:r>
-            <a:r>
-              <a:rPr lang="zh-TW" altLang="en-US" dirty="0">
-                <a:sym typeface="Symbol" pitchFamily="18" charset="2"/>
-              </a:rPr>
-              <a:t>需求</a:t>
-            </a:r>
-            <a:r>
-              <a:rPr lang="en-US" altLang="zh-TW" dirty="0">
-                <a:sym typeface="Symbol" pitchFamily="18" charset="2"/>
-              </a:rPr>
-              <a:t>&lt;</a:t>
-            </a:r>
-            <a:r>
-              <a:rPr lang="zh-TW" altLang="en-US" dirty="0">
-                <a:sym typeface="Symbol" pitchFamily="18" charset="2"/>
-              </a:rPr>
-              <a:t>供給 </a:t>
-            </a:r>
-            <a:r>
-              <a:rPr lang="en-US" altLang="zh-TW" dirty="0">
-                <a:sym typeface="Symbol" pitchFamily="18" charset="2"/>
-              </a:rPr>
-              <a:t>–</a:t>
-            </a:r>
-            <a:r>
-              <a:rPr lang="zh-TW" altLang="en-US" dirty="0">
-                <a:sym typeface="Symbol" pitchFamily="18" charset="2"/>
-              </a:rPr>
-              <a:t>可跑完</a:t>
-            </a:r>
-            <a:endParaRPr lang="en-US" altLang="zh-TW" sz="2400" i="1" dirty="0">
-              <a:sym typeface="Symbol" pitchFamily="18" charset="2"/>
-            </a:endParaRPr>
-          </a:p>
-          <a:p>
-            <a:pPr lvl="1">
-              <a:lnSpc>
-                <a:spcPct val="90000"/>
-              </a:lnSpc>
-              <a:buFont typeface="Monotype Sorts" pitchFamily="2" charset="2"/>
-              <a:buNone/>
-            </a:pPr>
-            <a:r>
-              <a:rPr lang="en-US" altLang="zh-TW" sz="2400" dirty="0">
-                <a:sym typeface="Symbol" pitchFamily="18" charset="2"/>
-              </a:rPr>
-              <a:t>If no such </a:t>
-            </a:r>
-            <a:r>
-              <a:rPr lang="en-US" altLang="zh-TW" sz="2400" i="1" dirty="0" err="1">
-                <a:sym typeface="Symbol" pitchFamily="18" charset="2"/>
-              </a:rPr>
-              <a:t>i</a:t>
-            </a:r>
-            <a:r>
-              <a:rPr lang="en-US" altLang="zh-TW" sz="2400" i="1" dirty="0">
-                <a:sym typeface="Symbol" pitchFamily="18" charset="2"/>
-              </a:rPr>
-              <a:t> </a:t>
-            </a:r>
-            <a:r>
-              <a:rPr lang="en-US" altLang="zh-TW" sz="2400" dirty="0">
-                <a:sym typeface="Symbol" pitchFamily="18" charset="2"/>
-              </a:rPr>
-              <a:t>exists, go to step 4</a:t>
-            </a:r>
-          </a:p>
-          <a:p>
-            <a:pPr>
-              <a:lnSpc>
-                <a:spcPct val="90000"/>
-              </a:lnSpc>
-              <a:buNone/>
-            </a:pPr>
-            <a:r>
-              <a:rPr lang="en-US" altLang="zh-TW" sz="2400" dirty="0"/>
-              <a:t>3.	</a:t>
-            </a:r>
-            <a:r>
-              <a:rPr lang="en-US" altLang="zh-TW" sz="2400" i="1" dirty="0"/>
-              <a:t>Work</a:t>
-            </a:r>
-            <a:r>
-              <a:rPr lang="en-US" altLang="zh-TW" sz="2400" dirty="0"/>
-              <a:t> = </a:t>
-            </a:r>
-            <a:r>
-              <a:rPr lang="en-US" altLang="zh-TW" sz="2400" i="1" dirty="0"/>
-              <a:t>Work </a:t>
-            </a:r>
-            <a:r>
-              <a:rPr lang="en-US" altLang="zh-TW" sz="2400" dirty="0"/>
-              <a:t>+ </a:t>
-            </a:r>
-            <a:r>
-              <a:rPr lang="en-US" altLang="zh-TW" sz="2400" i="1" dirty="0" err="1"/>
-              <a:t>Allocation</a:t>
-            </a:r>
-            <a:r>
-              <a:rPr lang="en-US" altLang="zh-TW" sz="2400" i="1" baseline="-25000" dirty="0" err="1"/>
-              <a:t>i</a:t>
-            </a:r>
-            <a:r>
-              <a:rPr lang="zh-TW" altLang="en-US" sz="2400" i="1" baseline="-25000" dirty="0"/>
-              <a:t>  </a:t>
-            </a:r>
-            <a:r>
-              <a:rPr lang="zh-TW" altLang="en-US" i="1" dirty="0"/>
-              <a:t>跑完後回收資源</a:t>
-            </a:r>
-            <a:r>
-              <a:rPr lang="zh-TW" altLang="en-US" sz="2400" i="1" baseline="-25000" dirty="0"/>
-              <a:t>   </a:t>
-            </a:r>
-            <a:br>
-              <a:rPr lang="en-US" altLang="zh-TW" sz="2400" dirty="0"/>
-            </a:br>
-            <a:r>
-              <a:rPr lang="en-US" altLang="zh-TW" sz="2400" i="1" dirty="0"/>
-              <a:t>Finish</a:t>
-            </a:r>
-            <a:r>
-              <a:rPr lang="en-US" altLang="zh-TW" sz="2400" dirty="0"/>
-              <a:t>[</a:t>
-            </a:r>
-            <a:r>
-              <a:rPr lang="en-US" altLang="zh-TW" sz="2400" i="1" dirty="0" err="1"/>
-              <a:t>i</a:t>
-            </a:r>
-            <a:r>
-              <a:rPr lang="en-US" altLang="zh-TW" sz="2400" dirty="0"/>
-              <a:t>] =</a:t>
-            </a:r>
-            <a:r>
-              <a:rPr lang="en-US" altLang="zh-TW" sz="2400" i="1" dirty="0"/>
-              <a:t> true</a:t>
-            </a:r>
-            <a:r>
-              <a:rPr lang="zh-TW" altLang="en-US" sz="2400" i="1" dirty="0"/>
-              <a:t>   跑完</a:t>
-            </a:r>
-            <a:br>
-              <a:rPr lang="en-US" altLang="zh-TW" sz="2400" dirty="0"/>
-            </a:br>
-            <a:r>
-              <a:rPr lang="en-US" altLang="zh-TW" sz="2400" dirty="0"/>
-              <a:t>go to step 2</a:t>
-            </a:r>
-            <a:r>
-              <a:rPr lang="zh-TW" altLang="en-US" sz="2400" dirty="0"/>
-              <a:t>  繼續找下個跑</a:t>
-            </a:r>
-            <a:endParaRPr lang="en-US" altLang="zh-TW" sz="2400" dirty="0"/>
-          </a:p>
-          <a:p>
-            <a:pPr>
-              <a:lnSpc>
-                <a:spcPct val="90000"/>
-              </a:lnSpc>
-              <a:buFont typeface="Monotype Sorts" pitchFamily="2" charset="2"/>
-              <a:buNone/>
-            </a:pPr>
-            <a:r>
-              <a:rPr lang="en-US" altLang="zh-TW" sz="2400" dirty="0"/>
-              <a:t>4.	If </a:t>
-            </a:r>
-            <a:r>
-              <a:rPr lang="en-US" altLang="zh-TW" sz="2400" i="1" dirty="0"/>
-              <a:t>Finish</a:t>
-            </a:r>
-            <a:r>
-              <a:rPr lang="en-US" altLang="zh-TW" sz="2400" dirty="0"/>
-              <a:t> [</a:t>
-            </a:r>
-            <a:r>
-              <a:rPr lang="en-US" altLang="zh-TW" sz="2400" i="1" dirty="0" err="1"/>
-              <a:t>i</a:t>
-            </a:r>
-            <a:r>
-              <a:rPr lang="en-US" altLang="zh-TW" sz="2400" dirty="0"/>
-              <a:t>] == true for all </a:t>
-            </a:r>
-            <a:r>
-              <a:rPr lang="en-US" altLang="zh-TW" sz="2400" i="1" dirty="0" err="1"/>
-              <a:t>i</a:t>
-            </a:r>
-            <a:r>
-              <a:rPr lang="en-US" altLang="zh-TW" sz="2400" dirty="0"/>
-              <a:t>, then the system is in a </a:t>
-            </a:r>
-            <a:r>
-              <a:rPr lang="en-US" altLang="zh-TW" sz="2400" b="1" dirty="0">
-                <a:solidFill>
-                  <a:srgbClr val="FF0000"/>
-                </a:solidFill>
-              </a:rPr>
-              <a:t>safe state</a:t>
-            </a:r>
-          </a:p>
-        </p:txBody>
-      </p:sp>
-    </p:spTree>
-  </p:cSld>
-  <p:clrMapOvr>
-    <a:masterClrMapping/>
-  </p:clrMapOvr>
-</p:sld>
-</file>
-
-<file path=ppt/slides/slide31.xml><?xml version="1.0" encoding="utf-8"?>
-<p:sld xmlns:a="http://schemas.openxmlformats.org/drawingml/2006/main" xmlns:r="http://schemas.openxmlformats.org/officeDocument/2006/relationships" xmlns:p="http://schemas.openxmlformats.org/presentationml/2006/main">
-  <p:cSld>
-    <p:spTree>
-      <p:nvGrpSpPr>
-        <p:cNvPr id="1" name=""/>
-        <p:cNvGrpSpPr/>
-        <p:nvPr/>
-      </p:nvGrpSpPr>
-      <p:grpSpPr>
-        <a:xfrm>
-          <a:off x="0" y="0"/>
-          <a:ext cx="0" cy="0"/>
-          <a:chOff x="0" y="0"/>
-          <a:chExt cx="0" cy="0"/>
-        </a:xfrm>
-      </p:grpSpPr>
-      <p:sp>
-        <p:nvSpPr>
           <p:cNvPr id="31746" name="Rectangle 2"/>
           <p:cNvSpPr>
             <a:spLocks noGrp="1" noChangeArrowheads="1"/>
@@ -17922,7 +18160,7 @@
 </p:sld>
 </file>
 
-<file path=ppt/slides/slide32.xml><?xml version="1.0" encoding="utf-8"?>
+<file path=ppt/slides/slide31.xml><?xml version="1.0" encoding="utf-8"?>
 <p:sld xmlns:a="http://schemas.openxmlformats.org/drawingml/2006/main" xmlns:r="http://schemas.openxmlformats.org/officeDocument/2006/relationships" xmlns:p="http://schemas.openxmlformats.org/presentationml/2006/main">
   <p:cSld>
     <p:spTree>
@@ -18526,7 +18764,7 @@
 </p:sld>
 </file>
 
-<file path=ppt/slides/slide33.xml><?xml version="1.0" encoding="utf-8"?>
+<file path=ppt/slides/slide32.xml><?xml version="1.0" encoding="utf-8"?>
 <p:sld xmlns:a="http://schemas.openxmlformats.org/drawingml/2006/main" xmlns:r="http://schemas.openxmlformats.org/officeDocument/2006/relationships" xmlns:p="http://schemas.openxmlformats.org/presentationml/2006/main">
   <p:cSld>
     <p:spTree>
@@ -19103,7 +19341,7 @@
 </p:sld>
 </file>
 
-<file path=ppt/slides/slide34.xml><?xml version="1.0" encoding="utf-8"?>
+<file path=ppt/slides/slide33.xml><?xml version="1.0" encoding="utf-8"?>
 <p:sld xmlns:a="http://schemas.openxmlformats.org/drawingml/2006/main" xmlns:r="http://schemas.openxmlformats.org/officeDocument/2006/relationships" xmlns:p="http://schemas.openxmlformats.org/presentationml/2006/main">
   <p:cSld>
     <p:spTree>
@@ -19643,7 +19881,7 @@
 </p:sld>
 </file>
 
-<file path=ppt/slides/slide35.xml><?xml version="1.0" encoding="utf-8"?>
+<file path=ppt/slides/slide34.xml><?xml version="1.0" encoding="utf-8"?>
 <p:sld xmlns:a="http://schemas.openxmlformats.org/drawingml/2006/main" xmlns:r="http://schemas.openxmlformats.org/officeDocument/2006/relationships" xmlns:p="http://schemas.openxmlformats.org/presentationml/2006/main">
   <p:cSld>
     <p:spTree>
@@ -19714,6 +19952,72 @@
               <a:rPr lang="en-US" altLang="zh-TW" sz="2800" dirty="0"/>
               <a:t>Recovery scheme</a:t>
             </a:r>
+          </a:p>
+          <a:p>
+            <a:r>
+              <a:rPr lang="zh-TW" altLang="en-US" sz="2800" dirty="0"/>
+              <a:t>允許發生      </a:t>
+            </a:r>
+            <a:r>
+              <a:rPr lang="en-US" altLang="zh-TW" sz="2800" dirty="0"/>
+              <a:t>	</a:t>
+            </a:r>
+          </a:p>
+          <a:p>
+            <a:r>
+              <a:rPr lang="zh-TW" altLang="en-US" sz="2800" dirty="0"/>
+              <a:t>相對於</a:t>
+            </a:r>
+            <a:r>
+              <a:rPr lang="en-US" altLang="zh-TW" sz="2800" dirty="0"/>
+              <a:t>prevention</a:t>
+            </a:r>
+            <a:r>
+              <a:rPr lang="zh-TW" altLang="en-US" sz="2800" dirty="0"/>
+              <a:t> 讓四個條件任一不成立根本不產生保守   會比較積極</a:t>
+            </a:r>
+            <a:endParaRPr lang="en-US" altLang="zh-TW" sz="2800" dirty="0"/>
+          </a:p>
+          <a:p>
+            <a:r>
+              <a:rPr lang="en-US" altLang="zh-TW" sz="2800" dirty="0"/>
+              <a:t>avoidance</a:t>
+            </a:r>
+            <a:r>
+              <a:rPr lang="zh-TW" altLang="en-US" sz="2800" dirty="0"/>
+              <a:t>是持續分配資源  並且每次檢查是否都在</a:t>
+            </a:r>
+            <a:r>
+              <a:rPr lang="en-US" altLang="zh-TW" sz="2800" dirty="0"/>
+              <a:t>safe state</a:t>
+            </a:r>
+          </a:p>
+          <a:p>
+            <a:r>
+              <a:rPr lang="en-US" altLang="zh-TW" sz="2800" dirty="0"/>
+              <a:t>deadlock detection </a:t>
+            </a:r>
+            <a:r>
+              <a:rPr lang="zh-TW" altLang="en-US" sz="2800" dirty="0"/>
+              <a:t>允許發生  一直分配等到發生了再來</a:t>
+            </a:r>
+            <a:r>
+              <a:rPr lang="en-US" altLang="zh-TW" sz="2800" dirty="0"/>
+              <a:t>re</a:t>
+            </a:r>
+            <a:r>
+              <a:rPr lang="zh-TW" altLang="en-US" sz="2800" dirty="0"/>
+              <a:t>  所以不用像</a:t>
+            </a:r>
+            <a:r>
+              <a:rPr lang="en-US" altLang="zh-TW" sz="2800" dirty="0"/>
+              <a:t>avoid</a:t>
+            </a:r>
+            <a:r>
+              <a:rPr lang="zh-TW" altLang="en-US" sz="2800" dirty="0"/>
+              <a:t>平常一直檢查</a:t>
+            </a:r>
+            <a:endParaRPr lang="en-US" altLang="zh-TW" sz="2800" dirty="0"/>
           </a:p>
         </p:txBody>
       </p:sp>
@@ -19913,6 +20217,250 @@
                       </p:childTnLst>
                     </p:cTn>
                   </p:par>
+                  <p:par>
+                    <p:cTn id="18" fill="hold">
+                      <p:stCondLst>
+                        <p:cond delay="indefinite"/>
+                      </p:stCondLst>
+                      <p:childTnLst>
+                        <p:par>
+                          <p:cTn id="19" fill="hold">
+                            <p:stCondLst>
+                              <p:cond delay="0"/>
+                            </p:stCondLst>
+                            <p:childTnLst>
+                              <p:par>
+                                <p:cTn id="20" presetID="22" presetClass="entr" presetSubtype="8" fill="hold" grpId="0" nodeType="clickEffect">
+                                  <p:stCondLst>
+                                    <p:cond delay="0"/>
+                                  </p:stCondLst>
+                                  <p:childTnLst>
+                                    <p:set>
+                                      <p:cBhvr>
+                                        <p:cTn id="21" dur="1" fill="hold">
+                                          <p:stCondLst>
+                                            <p:cond delay="0"/>
+                                          </p:stCondLst>
+                                        </p:cTn>
+                                        <p:tgtEl>
+                                          <p:spTgt spid="35843">
+                                            <p:txEl>
+                                              <p:pRg st="3" end="3"/>
+                                            </p:txEl>
+                                          </p:spTgt>
+                                        </p:tgtEl>
+                                        <p:attrNameLst>
+                                          <p:attrName>style.visibility</p:attrName>
+                                        </p:attrNameLst>
+                                      </p:cBhvr>
+                                      <p:to>
+                                        <p:strVal val="visible"/>
+                                      </p:to>
+                                    </p:set>
+                                    <p:animEffect transition="in" filter="wipe(left)">
+                                      <p:cBhvr>
+                                        <p:cTn id="22" dur="1000"/>
+                                        <p:tgtEl>
+                                          <p:spTgt spid="35843">
+                                            <p:txEl>
+                                              <p:pRg st="3" end="3"/>
+                                            </p:txEl>
+                                          </p:spTgt>
+                                        </p:tgtEl>
+                                      </p:cBhvr>
+                                    </p:animEffect>
+                                  </p:childTnLst>
+                                </p:cTn>
+                              </p:par>
+                            </p:childTnLst>
+                          </p:cTn>
+                        </p:par>
+                      </p:childTnLst>
+                    </p:cTn>
+                  </p:par>
+                  <p:par>
+                    <p:cTn id="23" fill="hold">
+                      <p:stCondLst>
+                        <p:cond delay="indefinite"/>
+                      </p:stCondLst>
+                      <p:childTnLst>
+                        <p:par>
+                          <p:cTn id="24" fill="hold">
+                            <p:stCondLst>
+                              <p:cond delay="0"/>
+                            </p:stCondLst>
+                            <p:childTnLst>
+                              <p:par>
+                                <p:cTn id="25" presetID="22" presetClass="entr" presetSubtype="8" fill="hold" grpId="0" nodeType="clickEffect">
+                                  <p:stCondLst>
+                                    <p:cond delay="0"/>
+                                  </p:stCondLst>
+                                  <p:childTnLst>
+                                    <p:set>
+                                      <p:cBhvr>
+                                        <p:cTn id="26" dur="1" fill="hold">
+                                          <p:stCondLst>
+                                            <p:cond delay="0"/>
+                                          </p:stCondLst>
+                                        </p:cTn>
+                                        <p:tgtEl>
+                                          <p:spTgt spid="35843">
+                                            <p:txEl>
+                                              <p:pRg st="4" end="4"/>
+                                            </p:txEl>
+                                          </p:spTgt>
+                                        </p:tgtEl>
+                                        <p:attrNameLst>
+                                          <p:attrName>style.visibility</p:attrName>
+                                        </p:attrNameLst>
+                                      </p:cBhvr>
+                                      <p:to>
+                                        <p:strVal val="visible"/>
+                                      </p:to>
+                                    </p:set>
+                                    <p:animEffect transition="in" filter="wipe(left)">
+                                      <p:cBhvr>
+                                        <p:cTn id="27" dur="1000"/>
+                                        <p:tgtEl>
+                                          <p:spTgt spid="35843">
+                                            <p:txEl>
+                                              <p:pRg st="4" end="4"/>
+                                            </p:txEl>
+                                          </p:spTgt>
+                                        </p:tgtEl>
+                                      </p:cBhvr>
+                                    </p:animEffect>
+                                  </p:childTnLst>
+                                </p:cTn>
+                              </p:par>
+                            </p:childTnLst>
+                          </p:cTn>
+                        </p:par>
+                      </p:childTnLst>
+                    </p:cTn>
+                  </p:par>
+                  <p:par>
+                    <p:cTn id="28" fill="hold">
+                      <p:stCondLst>
+                        <p:cond delay="indefinite"/>
+                      </p:stCondLst>
+                      <p:childTnLst>
+                        <p:par>
+                          <p:cTn id="29" fill="hold">
+                            <p:stCondLst>
+                              <p:cond delay="0"/>
+                            </p:stCondLst>
+                            <p:childTnLst>
+                              <p:par>
+                                <p:cTn id="30" presetID="22" presetClass="entr" presetSubtype="8" fill="hold" grpId="0" nodeType="clickEffect">
+                                  <p:stCondLst>
+                                    <p:cond delay="0"/>
+                                  </p:stCondLst>
+                                  <p:childTnLst>
+                                    <p:set>
+                                      <p:cBhvr>
+                                        <p:cTn id="31" dur="1" fill="hold">
+                                          <p:stCondLst>
+                                            <p:cond delay="0"/>
+                                          </p:stCondLst>
+                                        </p:cTn>
+                                        <p:tgtEl>
+                                          <p:spTgt spid="35843">
+                                            <p:txEl>
+                                              <p:pRg st="5" end="5"/>
+                                            </p:txEl>
+                                          </p:spTgt>
+                                        </p:tgtEl>
+                                        <p:attrNameLst>
+                                          <p:attrName>style.visibility</p:attrName>
+                                        </p:attrNameLst>
+                                      </p:cBhvr>
+                                      <p:to>
+                                        <p:strVal val="visible"/>
+                                      </p:to>
+                                    </p:set>
+                                    <p:animEffect transition="in" filter="wipe(left)">
+                                      <p:cBhvr>
+                                        <p:cTn id="32" dur="1000"/>
+                                        <p:tgtEl>
+                                          <p:spTgt spid="35843">
+                                            <p:txEl>
+                                              <p:pRg st="5" end="5"/>
+                                            </p:txEl>
+                                          </p:spTgt>
+                                        </p:tgtEl>
+                                      </p:cBhvr>
+                                    </p:animEffect>
+                                  </p:childTnLst>
+                                </p:cTn>
+                              </p:par>
+                            </p:childTnLst>
+                          </p:cTn>
+                        </p:par>
+                      </p:childTnLst>
+                    </p:cTn>
+                  </p:par>
+                  <p:par>
+                    <p:cTn id="33" fill="hold">
+                      <p:stCondLst>
+                        <p:cond delay="indefinite"/>
+                      </p:stCondLst>
+                      <p:childTnLst>
+                        <p:par>
+                          <p:cTn id="34" fill="hold">
+                            <p:stCondLst>
+                              <p:cond delay="0"/>
+                            </p:stCondLst>
+                            <p:childTnLst>
+                              <p:par>
+                                <p:cTn id="35" presetID="22" presetClass="entr" presetSubtype="8" fill="hold" grpId="0" nodeType="clickEffect">
+                                  <p:stCondLst>
+                                    <p:cond delay="0"/>
+                                  </p:stCondLst>
+                                  <p:childTnLst>
+                                    <p:set>
+                                      <p:cBhvr>
+                                        <p:cTn id="36" dur="1" fill="hold">
+                                          <p:stCondLst>
+                                            <p:cond delay="0"/>
+                                          </p:stCondLst>
+                                        </p:cTn>
+                                        <p:tgtEl>
+                                          <p:spTgt spid="35843">
+                                            <p:txEl>
+                                              <p:pRg st="6" end="6"/>
+                                            </p:txEl>
+                                          </p:spTgt>
+                                        </p:tgtEl>
+                                        <p:attrNameLst>
+                                          <p:attrName>style.visibility</p:attrName>
+                                        </p:attrNameLst>
+                                      </p:cBhvr>
+                                      <p:to>
+                                        <p:strVal val="visible"/>
+                                      </p:to>
+                                    </p:set>
+                                    <p:animEffect transition="in" filter="wipe(left)">
+                                      <p:cBhvr>
+                                        <p:cTn id="37" dur="1000"/>
+                                        <p:tgtEl>
+                                          <p:spTgt spid="35843">
+                                            <p:txEl>
+                                              <p:pRg st="6" end="6"/>
+                                            </p:txEl>
+                                          </p:spTgt>
+                                        </p:tgtEl>
+                                      </p:cBhvr>
+                                    </p:animEffect>
+                                  </p:childTnLst>
+                                </p:cTn>
+                              </p:par>
+                            </p:childTnLst>
+                          </p:cTn>
+                        </p:par>
+                      </p:childTnLst>
+                    </p:cTn>
+                  </p:par>
                 </p:childTnLst>
               </p:cTn>
               <p:prevCondLst>
@@ -19941,7 +20489,7 @@
 </p:sld>
 </file>
 
-<file path=ppt/slides/slide36.xml><?xml version="1.0" encoding="utf-8"?>
+<file path=ppt/slides/slide35.xml><?xml version="1.0" encoding="utf-8"?>
 <p:sld xmlns:a="http://schemas.openxmlformats.org/drawingml/2006/main" xmlns:r="http://schemas.openxmlformats.org/officeDocument/2006/relationships" xmlns:p="http://schemas.openxmlformats.org/presentationml/2006/main">
   <p:cSld>
     <p:spTree>
@@ -20161,7 +20709,7 @@
             </a:r>
             <a:r>
               <a:rPr lang="zh-TW" altLang="en-US" sz="2800" dirty="0"/>
-              <a:t>   有空再去對一下演算法  找一下是哪個演算法和複雜度大概的概念</a:t>
+              <a:t>   有空再去對一下找環的演算法  找一下是哪個演算法和複雜度大概的概念</a:t>
             </a:r>
             <a:endParaRPr lang="en-US" altLang="zh-TW" sz="2800" dirty="0"/>
           </a:p>
@@ -20477,7 +21025,7 @@
 </p:sld>
 </file>
 
-<file path=ppt/slides/slide37.xml><?xml version="1.0" encoding="utf-8"?>
+<file path=ppt/slides/slide36.xml><?xml version="1.0" encoding="utf-8"?>
 <p:sld xmlns:a="http://schemas.openxmlformats.org/drawingml/2006/main" xmlns:r="http://schemas.openxmlformats.org/officeDocument/2006/relationships" xmlns:p="http://schemas.openxmlformats.org/presentationml/2006/main">
   <p:cSld>
     <p:spTree>
@@ -21183,7 +21731,7 @@
 </p:sld>
 </file>
 
-<file path=ppt/slides/slide38.xml><?xml version="1.0" encoding="utf-8"?>
+<file path=ppt/slides/slide37.xml><?xml version="1.0" encoding="utf-8"?>
 <p:sld xmlns:a="http://schemas.openxmlformats.org/drawingml/2006/main" xmlns:r="http://schemas.openxmlformats.org/officeDocument/2006/relationships" xmlns:p="http://schemas.openxmlformats.org/presentationml/2006/main">
   <p:cSld>
     <p:spTree>
@@ -21223,7 +21771,7 @@
             <a:pPr eaLnBrk="1" hangingPunct="1"/>
             <a:r>
               <a:rPr lang="en-US" altLang="zh-TW" dirty="0"/>
-              <a:t>Several Instances of a Resource Type</a:t>
+              <a:t>of a Resource Type</a:t>
             </a:r>
           </a:p>
         </p:txBody>
@@ -21310,6 +21858,11 @@
               <a:rPr lang="en-US" altLang="zh-TW" sz="2800" dirty="0"/>
               <a:t> matrix defines the number of resources of each type currently allocated to each process.</a:t>
             </a:r>
+            <a:r>
+              <a:rPr lang="zh-TW" altLang="en-US" sz="2800" dirty="0"/>
+              <a:t>     跟前面觀念完全相同</a:t>
+            </a:r>
+            <a:endParaRPr lang="en-US" altLang="zh-TW" sz="2800" dirty="0"/>
           </a:p>
           <a:p>
             <a:r>
@@ -21635,7 +22188,7 @@
 </p:sld>
 </file>
 
-<file path=ppt/slides/slide39.xml><?xml version="1.0" encoding="utf-8"?>
+<file path=ppt/slides/slide38.xml><?xml version="1.0" encoding="utf-8"?>
 <p:sld xmlns:a="http://schemas.openxmlformats.org/drawingml/2006/main" xmlns:r="http://schemas.openxmlformats.org/officeDocument/2006/relationships" xmlns:p="http://schemas.openxmlformats.org/presentationml/2006/main">
   <p:cSld>
     <p:spTree>
@@ -22011,6 +22564,420 @@
               <a:t> exists, go to step 4</a:t>
             </a:r>
             <a:endParaRPr lang="en-US" altLang="zh-TW" sz="2800" dirty="0"/>
+          </a:p>
+        </p:txBody>
+      </p:sp>
+    </p:spTree>
+  </p:cSld>
+  <p:clrMapOvr>
+    <a:masterClrMapping/>
+  </p:clrMapOvr>
+</p:sld>
+</file>
+
+<file path=ppt/slides/slide39.xml><?xml version="1.0" encoding="utf-8"?>
+<p:sld xmlns:a="http://schemas.openxmlformats.org/drawingml/2006/main" xmlns:r="http://schemas.openxmlformats.org/officeDocument/2006/relationships" xmlns:p="http://schemas.openxmlformats.org/presentationml/2006/main">
+  <p:cSld>
+    <p:spTree>
+      <p:nvGrpSpPr>
+        <p:cNvPr id="1" name=""/>
+        <p:cNvGrpSpPr/>
+        <p:nvPr/>
+      </p:nvGrpSpPr>
+      <p:grpSpPr>
+        <a:xfrm>
+          <a:off x="0" y="0"/>
+          <a:ext cx="0" cy="0"/>
+          <a:chOff x="0" y="0"/>
+          <a:chExt cx="0" cy="0"/>
+        </a:xfrm>
+      </p:grpSpPr>
+      <p:sp>
+        <p:nvSpPr>
+          <p:cNvPr id="40962" name="Rectangle 2"/>
+          <p:cNvSpPr>
+            <a:spLocks noGrp="1" noChangeArrowheads="1"/>
+          </p:cNvSpPr>
+          <p:nvPr>
+            <p:ph type="title"/>
+          </p:nvPr>
+        </p:nvSpPr>
+        <p:spPr/>
+        <p:txBody>
+          <a:bodyPr/>
+          <a:lstStyle/>
+          <a:p>
+            <a:pPr eaLnBrk="1" hangingPunct="1"/>
+            <a:r>
+              <a:rPr lang="en-US" altLang="zh-TW"/>
+              <a:t>Detection Algorithm (Cont.)</a:t>
+            </a:r>
+          </a:p>
+        </p:txBody>
+      </p:sp>
+      <p:sp>
+        <p:nvSpPr>
+          <p:cNvPr id="40963" name="Rectangle 3"/>
+          <p:cNvSpPr>
+            <a:spLocks noGrp="1" noChangeArrowheads="1"/>
+          </p:cNvSpPr>
+          <p:nvPr>
+            <p:ph type="body" idx="1"/>
+          </p:nvPr>
+        </p:nvSpPr>
+        <p:spPr>
+          <a:xfrm>
+            <a:off x="758825" y="1141413"/>
+            <a:ext cx="7839075" cy="2297112"/>
+          </a:xfrm>
+        </p:spPr>
+        <p:txBody>
+          <a:bodyPr/>
+          <a:lstStyle/>
+          <a:p>
+            <a:pPr>
+              <a:buFont typeface="Monotype Sorts" pitchFamily="2" charset="2"/>
+              <a:buNone/>
+            </a:pPr>
+            <a:r>
+              <a:rPr lang="en-US" altLang="zh-TW" sz="2800" dirty="0"/>
+              <a:t>3.	</a:t>
+            </a:r>
+            <a:r>
+              <a:rPr lang="en-US" altLang="zh-TW" sz="2800" i="1" dirty="0"/>
+              <a:t>Work</a:t>
+            </a:r>
+            <a:r>
+              <a:rPr lang="en-US" altLang="zh-TW" sz="2800" dirty="0"/>
+              <a:t> = </a:t>
+            </a:r>
+            <a:r>
+              <a:rPr lang="en-US" altLang="zh-TW" sz="2800" i="1" dirty="0"/>
+              <a:t>Work</a:t>
+            </a:r>
+            <a:r>
+              <a:rPr lang="en-US" altLang="zh-TW" sz="2800" dirty="0"/>
+              <a:t> + </a:t>
+            </a:r>
+            <a:r>
+              <a:rPr lang="en-US" altLang="zh-TW" sz="2800" i="1" dirty="0" err="1"/>
+              <a:t>Allocation</a:t>
+            </a:r>
+            <a:r>
+              <a:rPr lang="en-US" altLang="zh-TW" sz="2800" i="1" baseline="-25000" dirty="0" err="1"/>
+              <a:t>i</a:t>
+            </a:r>
+            <a:r>
+              <a:rPr lang="en-US" altLang="zh-TW" sz="2800" i="1" baseline="-25000" dirty="0"/>
+              <a:t>     </a:t>
+            </a:r>
+            <a:r>
+              <a:rPr lang="zh-TW" altLang="en-US" sz="2800" i="1" baseline="-25000" dirty="0"/>
+              <a:t>執行結束資源放回</a:t>
+            </a:r>
+            <a:br>
+              <a:rPr lang="en-US" altLang="zh-TW" sz="2800" dirty="0"/>
+            </a:br>
+            <a:r>
+              <a:rPr lang="en-US" altLang="zh-TW" sz="2800" i="1" dirty="0"/>
+              <a:t>Finish</a:t>
+            </a:r>
+            <a:r>
+              <a:rPr lang="en-US" altLang="zh-TW" sz="2800" dirty="0"/>
+              <a:t>[</a:t>
+            </a:r>
+            <a:r>
+              <a:rPr lang="en-US" altLang="zh-TW" sz="2800" i="1" dirty="0" err="1"/>
+              <a:t>i</a:t>
+            </a:r>
+            <a:r>
+              <a:rPr lang="en-US" altLang="zh-TW" sz="2800" dirty="0"/>
+              <a:t>] = </a:t>
+            </a:r>
+            <a:r>
+              <a:rPr lang="en-US" altLang="zh-TW" sz="2800" i="1" dirty="0"/>
+              <a:t>true</a:t>
+            </a:r>
+            <a:br>
+              <a:rPr lang="en-US" altLang="zh-TW" sz="2800" dirty="0"/>
+            </a:br>
+            <a:r>
+              <a:rPr lang="en-US" altLang="zh-TW" sz="2800" dirty="0"/>
+              <a:t>go to step 2</a:t>
+            </a:r>
+          </a:p>
+          <a:p>
+            <a:pPr>
+              <a:buFont typeface="Monotype Sorts" pitchFamily="2" charset="2"/>
+              <a:buNone/>
+            </a:pPr>
+            <a:r>
+              <a:rPr lang="en-US" altLang="zh-TW" sz="2800" dirty="0"/>
+              <a:t>4.	If </a:t>
+            </a:r>
+            <a:r>
+              <a:rPr lang="en-US" altLang="zh-TW" sz="2800" i="1" dirty="0"/>
+              <a:t>Finish</a:t>
+            </a:r>
+            <a:r>
+              <a:rPr lang="en-US" altLang="zh-TW" sz="2800" dirty="0"/>
+              <a:t>[</a:t>
+            </a:r>
+            <a:r>
+              <a:rPr lang="en-US" altLang="zh-TW" sz="2800" i="1" dirty="0" err="1"/>
+              <a:t>i</a:t>
+            </a:r>
+            <a:r>
+              <a:rPr lang="en-US" altLang="zh-TW" sz="2800" dirty="0"/>
+              <a:t>] == false, for some </a:t>
+            </a:r>
+            <a:r>
+              <a:rPr lang="en-US" altLang="zh-TW" sz="2800" i="1" dirty="0" err="1"/>
+              <a:t>i</a:t>
+            </a:r>
+            <a:r>
+              <a:rPr lang="en-US" altLang="zh-TW" sz="2800" dirty="0"/>
+              <a:t>, 1 </a:t>
+            </a:r>
+            <a:r>
+              <a:rPr lang="en-US" altLang="zh-TW" sz="2800" dirty="0">
+                <a:sym typeface="Symbol" pitchFamily="18" charset="2"/>
+              </a:rPr>
+              <a:t> </a:t>
+            </a:r>
+            <a:r>
+              <a:rPr lang="en-US" altLang="zh-TW" sz="2800" i="1" dirty="0" err="1">
+                <a:sym typeface="Symbol" pitchFamily="18" charset="2"/>
+              </a:rPr>
+              <a:t>i</a:t>
+            </a:r>
+            <a:r>
+              <a:rPr lang="en-US" altLang="zh-TW" sz="2800" dirty="0">
+                <a:sym typeface="Symbol" pitchFamily="18" charset="2"/>
+              </a:rPr>
+              <a:t>   </a:t>
+            </a:r>
+            <a:r>
+              <a:rPr lang="en-US" altLang="zh-TW" sz="2800" i="1" dirty="0">
+                <a:sym typeface="Symbol" pitchFamily="18" charset="2"/>
+              </a:rPr>
+              <a:t>n</a:t>
+            </a:r>
+            <a:r>
+              <a:rPr lang="en-US" altLang="zh-TW" sz="2800" dirty="0">
+                <a:sym typeface="Symbol" pitchFamily="18" charset="2"/>
+              </a:rPr>
+              <a:t>, then the system is in deadlock state. Moreover, if </a:t>
+            </a:r>
+            <a:r>
+              <a:rPr lang="en-US" altLang="zh-TW" sz="2800" i="1" dirty="0">
+                <a:solidFill>
+                  <a:srgbClr val="FF0000"/>
+                </a:solidFill>
+                <a:sym typeface="Symbol" pitchFamily="18" charset="2"/>
+              </a:rPr>
+              <a:t>Finish</a:t>
+            </a:r>
+            <a:r>
+              <a:rPr lang="en-US" altLang="zh-TW" sz="2800" dirty="0">
+                <a:solidFill>
+                  <a:srgbClr val="FF0000"/>
+                </a:solidFill>
+                <a:sym typeface="Symbol" pitchFamily="18" charset="2"/>
+              </a:rPr>
+              <a:t>[</a:t>
+            </a:r>
+            <a:r>
+              <a:rPr lang="en-US" altLang="zh-TW" sz="2800" i="1" dirty="0" err="1">
+                <a:solidFill>
+                  <a:srgbClr val="FF0000"/>
+                </a:solidFill>
+                <a:sym typeface="Symbol" pitchFamily="18" charset="2"/>
+              </a:rPr>
+              <a:t>i</a:t>
+            </a:r>
+            <a:r>
+              <a:rPr lang="en-US" altLang="zh-TW" sz="2800" dirty="0">
+                <a:solidFill>
+                  <a:srgbClr val="FF0000"/>
+                </a:solidFill>
+                <a:sym typeface="Symbol" pitchFamily="18" charset="2"/>
+              </a:rPr>
+              <a:t>] == </a:t>
+            </a:r>
+            <a:r>
+              <a:rPr lang="en-US" altLang="zh-TW" sz="2800" i="1" dirty="0">
+                <a:solidFill>
+                  <a:srgbClr val="FF0000"/>
+                </a:solidFill>
+                <a:sym typeface="Symbol" pitchFamily="18" charset="2"/>
+              </a:rPr>
+              <a:t>false</a:t>
+            </a:r>
+            <a:r>
+              <a:rPr lang="en-US" altLang="zh-TW" sz="2800" dirty="0">
+                <a:solidFill>
+                  <a:srgbClr val="FF0000"/>
+                </a:solidFill>
+                <a:sym typeface="Symbol" pitchFamily="18" charset="2"/>
+              </a:rPr>
+              <a:t>, then </a:t>
+            </a:r>
+            <a:r>
+              <a:rPr lang="en-US" altLang="zh-TW" sz="2800" i="1" dirty="0">
+                <a:solidFill>
+                  <a:srgbClr val="FF0000"/>
+                </a:solidFill>
+                <a:sym typeface="Symbol" pitchFamily="18" charset="2"/>
+              </a:rPr>
+              <a:t>P</a:t>
+            </a:r>
+            <a:r>
+              <a:rPr lang="en-US" altLang="zh-TW" sz="2800" i="1" baseline="-25000" dirty="0">
+                <a:solidFill>
+                  <a:srgbClr val="FF0000"/>
+                </a:solidFill>
+                <a:sym typeface="Symbol" pitchFamily="18" charset="2"/>
+              </a:rPr>
+              <a:t>i</a:t>
+            </a:r>
+            <a:r>
+              <a:rPr lang="en-US" altLang="zh-TW" sz="2800" dirty="0">
+                <a:solidFill>
+                  <a:srgbClr val="FF0000"/>
+                </a:solidFill>
+                <a:sym typeface="Symbol" pitchFamily="18" charset="2"/>
+              </a:rPr>
+              <a:t> is deadlocked</a:t>
+            </a:r>
+          </a:p>
+          <a:p>
+            <a:pPr>
+              <a:lnSpc>
+                <a:spcPct val="90000"/>
+              </a:lnSpc>
+              <a:buFont typeface="Monotype Sorts" pitchFamily="2" charset="2"/>
+              <a:buNone/>
+            </a:pPr>
+            <a:r>
+              <a:rPr lang="en-US" altLang="zh-TW" sz="2800" dirty="0">
+                <a:sym typeface="Symbol" pitchFamily="18" charset="2"/>
+              </a:rPr>
+              <a:t>	</a:t>
+            </a:r>
+            <a:endParaRPr lang="en-US" altLang="zh-TW" sz="2800" dirty="0"/>
+          </a:p>
+        </p:txBody>
+      </p:sp>
+      <p:sp>
+        <p:nvSpPr>
+          <p:cNvPr id="40964" name="Text Box 4"/>
+          <p:cNvSpPr txBox="1">
+            <a:spLocks noChangeArrowheads="1"/>
+          </p:cNvSpPr>
+          <p:nvPr/>
+        </p:nvSpPr>
+        <p:spPr bwMode="auto">
+          <a:xfrm>
+            <a:off x="895350" y="4280688"/>
+            <a:ext cx="7694613" cy="2031325"/>
+          </a:xfrm>
+          <a:prstGeom prst="rect">
+            <a:avLst/>
+          </a:prstGeom>
+          <a:noFill/>
+          <a:ln w="9525">
+            <a:noFill/>
+            <a:miter lim="800000"/>
+            <a:headEnd/>
+            <a:tailEnd/>
+          </a:ln>
+        </p:spPr>
+        <p:txBody>
+          <a:bodyPr anchor="ctr">
+            <a:spAutoFit/>
+          </a:bodyPr>
+          <a:lstStyle/>
+          <a:p>
+            <a:r>
+              <a:rPr lang="en-US" altLang="zh-TW" sz="2800" b="1" dirty="0">
+                <a:solidFill>
+                  <a:srgbClr val="FF0000"/>
+                </a:solidFill>
+                <a:latin typeface="Candara" pitchFamily="34" charset="0"/>
+                <a:sym typeface="Symbol" pitchFamily="18" charset="2"/>
+              </a:rPr>
+              <a:t>Algorithm requires an order of O(</a:t>
+            </a:r>
+            <a:r>
+              <a:rPr lang="en-US" altLang="zh-TW" sz="2800" b="1" i="1" dirty="0">
+                <a:solidFill>
+                  <a:srgbClr val="FF0000"/>
+                </a:solidFill>
+                <a:latin typeface="Candara" pitchFamily="34" charset="0"/>
+                <a:sym typeface="Symbol" pitchFamily="18" charset="2"/>
+              </a:rPr>
+              <a:t>m </a:t>
+            </a:r>
+            <a:r>
+              <a:rPr lang="en-US" altLang="zh-TW" sz="2800" b="1" dirty="0">
+                <a:solidFill>
+                  <a:srgbClr val="FF0000"/>
+                </a:solidFill>
+                <a:latin typeface="Candara" pitchFamily="34" charset="0"/>
+                <a:sym typeface="Symbol" pitchFamily="18" charset="2"/>
+              </a:rPr>
+              <a:t>x</a:t>
+            </a:r>
+            <a:r>
+              <a:rPr lang="en-US" altLang="zh-TW" sz="2800" b="1" i="1" dirty="0">
+                <a:solidFill>
+                  <a:srgbClr val="FF0000"/>
+                </a:solidFill>
+                <a:latin typeface="Candara" pitchFamily="34" charset="0"/>
+                <a:sym typeface="Symbol" pitchFamily="18" charset="2"/>
+              </a:rPr>
+              <a:t> n</a:t>
+            </a:r>
+            <a:r>
+              <a:rPr lang="en-US" altLang="zh-TW" sz="2800" b="1" baseline="30000" dirty="0">
+                <a:solidFill>
+                  <a:srgbClr val="FF0000"/>
+                </a:solidFill>
+                <a:latin typeface="Candara" pitchFamily="34" charset="0"/>
+                <a:sym typeface="Symbol" pitchFamily="18" charset="2"/>
+              </a:rPr>
+              <a:t>2</a:t>
+            </a:r>
+            <a:r>
+              <a:rPr lang="en-US" altLang="zh-TW" sz="2800" b="1" dirty="0">
+                <a:solidFill>
+                  <a:srgbClr val="FF0000"/>
+                </a:solidFill>
+                <a:latin typeface="Candara" pitchFamily="34" charset="0"/>
+                <a:sym typeface="Symbol" pitchFamily="18" charset="2"/>
+              </a:rPr>
+              <a:t>) operations to detect whether the system is in deadlocked state</a:t>
+            </a:r>
+            <a:endParaRPr lang="en-US" altLang="zh-TW" sz="2800" b="1" dirty="0">
+              <a:solidFill>
+                <a:srgbClr val="FF0000"/>
+              </a:solidFill>
+              <a:latin typeface="Candara" pitchFamily="34" charset="0"/>
+            </a:endParaRPr>
+          </a:p>
+          <a:p>
+            <a:pPr>
+              <a:spcBef>
+                <a:spcPct val="50000"/>
+              </a:spcBef>
+            </a:pPr>
+            <a:endParaRPr lang="en-US" altLang="zh-TW" sz="2800" b="1" dirty="0">
+              <a:solidFill>
+                <a:srgbClr val="FF0066"/>
+              </a:solidFill>
+              <a:latin typeface="Candara" pitchFamily="34" charset="0"/>
+            </a:endParaRPr>
           </a:p>
         </p:txBody>
       </p:sp>
@@ -22757,412 +23724,6 @@
       </p:grpSpPr>
       <p:sp>
         <p:nvSpPr>
-          <p:cNvPr id="40962" name="Rectangle 2"/>
-          <p:cNvSpPr>
-            <a:spLocks noGrp="1" noChangeArrowheads="1"/>
-          </p:cNvSpPr>
-          <p:nvPr>
-            <p:ph type="title"/>
-          </p:nvPr>
-        </p:nvSpPr>
-        <p:spPr/>
-        <p:txBody>
-          <a:bodyPr/>
-          <a:lstStyle/>
-          <a:p>
-            <a:pPr eaLnBrk="1" hangingPunct="1"/>
-            <a:r>
-              <a:rPr lang="en-US" altLang="zh-TW"/>
-              <a:t>Detection Algorithm (Cont.)</a:t>
-            </a:r>
-          </a:p>
-        </p:txBody>
-      </p:sp>
-      <p:sp>
-        <p:nvSpPr>
-          <p:cNvPr id="40963" name="Rectangle 3"/>
-          <p:cNvSpPr>
-            <a:spLocks noGrp="1" noChangeArrowheads="1"/>
-          </p:cNvSpPr>
-          <p:nvPr>
-            <p:ph type="body" idx="1"/>
-          </p:nvPr>
-        </p:nvSpPr>
-        <p:spPr>
-          <a:xfrm>
-            <a:off x="758825" y="1141413"/>
-            <a:ext cx="7839075" cy="2297112"/>
-          </a:xfrm>
-        </p:spPr>
-        <p:txBody>
-          <a:bodyPr/>
-          <a:lstStyle/>
-          <a:p>
-            <a:pPr>
-              <a:buFont typeface="Monotype Sorts" pitchFamily="2" charset="2"/>
-              <a:buNone/>
-            </a:pPr>
-            <a:r>
-              <a:rPr lang="en-US" altLang="zh-TW" sz="2800" dirty="0"/>
-              <a:t>3.	</a:t>
-            </a:r>
-            <a:r>
-              <a:rPr lang="en-US" altLang="zh-TW" sz="2800" i="1" dirty="0"/>
-              <a:t>Work</a:t>
-            </a:r>
-            <a:r>
-              <a:rPr lang="en-US" altLang="zh-TW" sz="2800" dirty="0"/>
-              <a:t> = </a:t>
-            </a:r>
-            <a:r>
-              <a:rPr lang="en-US" altLang="zh-TW" sz="2800" i="1" dirty="0"/>
-              <a:t>Work</a:t>
-            </a:r>
-            <a:r>
-              <a:rPr lang="en-US" altLang="zh-TW" sz="2800" dirty="0"/>
-              <a:t> + </a:t>
-            </a:r>
-            <a:r>
-              <a:rPr lang="en-US" altLang="zh-TW" sz="2800" i="1" dirty="0" err="1"/>
-              <a:t>Allocation</a:t>
-            </a:r>
-            <a:r>
-              <a:rPr lang="en-US" altLang="zh-TW" sz="2800" i="1" baseline="-25000" dirty="0" err="1"/>
-              <a:t>i</a:t>
-            </a:r>
-            <a:br>
-              <a:rPr lang="en-US" altLang="zh-TW" sz="2800" dirty="0"/>
-            </a:br>
-            <a:r>
-              <a:rPr lang="en-US" altLang="zh-TW" sz="2800" i="1" dirty="0"/>
-              <a:t>Finish</a:t>
-            </a:r>
-            <a:r>
-              <a:rPr lang="en-US" altLang="zh-TW" sz="2800" dirty="0"/>
-              <a:t>[</a:t>
-            </a:r>
-            <a:r>
-              <a:rPr lang="en-US" altLang="zh-TW" sz="2800" i="1" dirty="0" err="1"/>
-              <a:t>i</a:t>
-            </a:r>
-            <a:r>
-              <a:rPr lang="en-US" altLang="zh-TW" sz="2800" dirty="0"/>
-              <a:t>] = </a:t>
-            </a:r>
-            <a:r>
-              <a:rPr lang="en-US" altLang="zh-TW" sz="2800" i="1" dirty="0"/>
-              <a:t>true</a:t>
-            </a:r>
-            <a:br>
-              <a:rPr lang="en-US" altLang="zh-TW" sz="2800" dirty="0"/>
-            </a:br>
-            <a:r>
-              <a:rPr lang="en-US" altLang="zh-TW" sz="2800" dirty="0"/>
-              <a:t>go to step 2</a:t>
-            </a:r>
-          </a:p>
-          <a:p>
-            <a:pPr>
-              <a:buFont typeface="Monotype Sorts" pitchFamily="2" charset="2"/>
-              <a:buNone/>
-            </a:pPr>
-            <a:r>
-              <a:rPr lang="en-US" altLang="zh-TW" sz="2800" dirty="0"/>
-              <a:t>4.	If </a:t>
-            </a:r>
-            <a:r>
-              <a:rPr lang="en-US" altLang="zh-TW" sz="2800" i="1" dirty="0"/>
-              <a:t>Finish</a:t>
-            </a:r>
-            <a:r>
-              <a:rPr lang="en-US" altLang="zh-TW" sz="2800" dirty="0"/>
-              <a:t>[</a:t>
-            </a:r>
-            <a:r>
-              <a:rPr lang="en-US" altLang="zh-TW" sz="2800" i="1" dirty="0" err="1"/>
-              <a:t>i</a:t>
-            </a:r>
-            <a:r>
-              <a:rPr lang="en-US" altLang="zh-TW" sz="2800" dirty="0"/>
-              <a:t>] == false, for some </a:t>
-            </a:r>
-            <a:r>
-              <a:rPr lang="en-US" altLang="zh-TW" sz="2800" i="1" dirty="0" err="1"/>
-              <a:t>i</a:t>
-            </a:r>
-            <a:r>
-              <a:rPr lang="en-US" altLang="zh-TW" sz="2800" dirty="0"/>
-              <a:t>, 1 </a:t>
-            </a:r>
-            <a:r>
-              <a:rPr lang="en-US" altLang="zh-TW" sz="2800" dirty="0">
-                <a:sym typeface="Symbol" pitchFamily="18" charset="2"/>
-              </a:rPr>
-              <a:t> </a:t>
-            </a:r>
-            <a:r>
-              <a:rPr lang="en-US" altLang="zh-TW" sz="2800" i="1" dirty="0" err="1">
-                <a:sym typeface="Symbol" pitchFamily="18" charset="2"/>
-              </a:rPr>
-              <a:t>i</a:t>
-            </a:r>
-            <a:r>
-              <a:rPr lang="en-US" altLang="zh-TW" sz="2800" dirty="0">
-                <a:sym typeface="Symbol" pitchFamily="18" charset="2"/>
-              </a:rPr>
-              <a:t>   </a:t>
-            </a:r>
-            <a:r>
-              <a:rPr lang="en-US" altLang="zh-TW" sz="2800" i="1" dirty="0">
-                <a:sym typeface="Symbol" pitchFamily="18" charset="2"/>
-              </a:rPr>
-              <a:t>n</a:t>
-            </a:r>
-            <a:r>
-              <a:rPr lang="en-US" altLang="zh-TW" sz="2800" dirty="0">
-                <a:sym typeface="Symbol" pitchFamily="18" charset="2"/>
-              </a:rPr>
-              <a:t>, then the system is in deadlock state. Moreover, if </a:t>
-            </a:r>
-            <a:r>
-              <a:rPr lang="en-US" altLang="zh-TW" sz="2800" i="1" dirty="0">
-                <a:solidFill>
-                  <a:srgbClr val="FF0000"/>
-                </a:solidFill>
-                <a:sym typeface="Symbol" pitchFamily="18" charset="2"/>
-              </a:rPr>
-              <a:t>Finish</a:t>
-            </a:r>
-            <a:r>
-              <a:rPr lang="en-US" altLang="zh-TW" sz="2800" dirty="0">
-                <a:solidFill>
-                  <a:srgbClr val="FF0000"/>
-                </a:solidFill>
-                <a:sym typeface="Symbol" pitchFamily="18" charset="2"/>
-              </a:rPr>
-              <a:t>[</a:t>
-            </a:r>
-            <a:r>
-              <a:rPr lang="en-US" altLang="zh-TW" sz="2800" i="1" dirty="0" err="1">
-                <a:solidFill>
-                  <a:srgbClr val="FF0000"/>
-                </a:solidFill>
-                <a:sym typeface="Symbol" pitchFamily="18" charset="2"/>
-              </a:rPr>
-              <a:t>i</a:t>
-            </a:r>
-            <a:r>
-              <a:rPr lang="en-US" altLang="zh-TW" sz="2800" dirty="0">
-                <a:solidFill>
-                  <a:srgbClr val="FF0000"/>
-                </a:solidFill>
-                <a:sym typeface="Symbol" pitchFamily="18" charset="2"/>
-              </a:rPr>
-              <a:t>] == </a:t>
-            </a:r>
-            <a:r>
-              <a:rPr lang="en-US" altLang="zh-TW" sz="2800" i="1" dirty="0">
-                <a:solidFill>
-                  <a:srgbClr val="FF0000"/>
-                </a:solidFill>
-                <a:sym typeface="Symbol" pitchFamily="18" charset="2"/>
-              </a:rPr>
-              <a:t>false</a:t>
-            </a:r>
-            <a:r>
-              <a:rPr lang="en-US" altLang="zh-TW" sz="2800" dirty="0">
-                <a:solidFill>
-                  <a:srgbClr val="FF0000"/>
-                </a:solidFill>
-                <a:sym typeface="Symbol" pitchFamily="18" charset="2"/>
-              </a:rPr>
-              <a:t>, then </a:t>
-            </a:r>
-            <a:r>
-              <a:rPr lang="en-US" altLang="zh-TW" sz="2800" i="1" dirty="0">
-                <a:solidFill>
-                  <a:srgbClr val="FF0000"/>
-                </a:solidFill>
-                <a:sym typeface="Symbol" pitchFamily="18" charset="2"/>
-              </a:rPr>
-              <a:t>P</a:t>
-            </a:r>
-            <a:r>
-              <a:rPr lang="en-US" altLang="zh-TW" sz="2800" i="1" baseline="-25000" dirty="0">
-                <a:solidFill>
-                  <a:srgbClr val="FF0000"/>
-                </a:solidFill>
-                <a:sym typeface="Symbol" pitchFamily="18" charset="2"/>
-              </a:rPr>
-              <a:t>i</a:t>
-            </a:r>
-            <a:r>
-              <a:rPr lang="en-US" altLang="zh-TW" sz="2800" dirty="0">
-                <a:solidFill>
-                  <a:srgbClr val="FF0000"/>
-                </a:solidFill>
-                <a:sym typeface="Symbol" pitchFamily="18" charset="2"/>
-              </a:rPr>
-              <a:t> is deadlocked</a:t>
-            </a:r>
-          </a:p>
-          <a:p>
-            <a:pPr>
-              <a:lnSpc>
-                <a:spcPct val="90000"/>
-              </a:lnSpc>
-              <a:buFont typeface="Monotype Sorts" pitchFamily="2" charset="2"/>
-              <a:buNone/>
-            </a:pPr>
-            <a:r>
-              <a:rPr lang="en-US" altLang="zh-TW" sz="2800" dirty="0">
-                <a:sym typeface="Symbol" pitchFamily="18" charset="2"/>
-              </a:rPr>
-              <a:t>	</a:t>
-            </a:r>
-            <a:endParaRPr lang="en-US" altLang="zh-TW" sz="2800" dirty="0"/>
-          </a:p>
-        </p:txBody>
-      </p:sp>
-      <p:sp>
-        <p:nvSpPr>
-          <p:cNvPr id="40964" name="Text Box 4"/>
-          <p:cNvSpPr txBox="1">
-            <a:spLocks noChangeArrowheads="1"/>
-          </p:cNvSpPr>
-          <p:nvPr/>
-        </p:nvSpPr>
-        <p:spPr bwMode="auto">
-          <a:xfrm>
-            <a:off x="895350" y="4280688"/>
-            <a:ext cx="7694613" cy="2031325"/>
-          </a:xfrm>
-          <a:prstGeom prst="rect">
-            <a:avLst/>
-          </a:prstGeom>
-          <a:noFill/>
-          <a:ln w="9525">
-            <a:noFill/>
-            <a:miter lim="800000"/>
-            <a:headEnd/>
-            <a:tailEnd/>
-          </a:ln>
-        </p:spPr>
-        <p:txBody>
-          <a:bodyPr anchor="ctr">
-            <a:spAutoFit/>
-          </a:bodyPr>
-          <a:lstStyle/>
-          <a:p>
-            <a:r>
-              <a:rPr lang="en-US" altLang="zh-TW" sz="2800" b="1" dirty="0">
-                <a:solidFill>
-                  <a:srgbClr val="FF0000"/>
-                </a:solidFill>
-                <a:latin typeface="Candara" pitchFamily="34" charset="0"/>
-                <a:sym typeface="Symbol" pitchFamily="18" charset="2"/>
-              </a:rPr>
-              <a:t>Algorithm requires an order of O(</a:t>
-            </a:r>
-            <a:r>
-              <a:rPr lang="en-US" altLang="zh-TW" sz="2800" b="1" i="1" dirty="0">
-                <a:solidFill>
-                  <a:srgbClr val="FF0000"/>
-                </a:solidFill>
-                <a:latin typeface="Candara" pitchFamily="34" charset="0"/>
-                <a:sym typeface="Symbol" pitchFamily="18" charset="2"/>
-              </a:rPr>
-              <a:t>m </a:t>
-            </a:r>
-            <a:r>
-              <a:rPr lang="en-US" altLang="zh-TW" sz="2800" b="1" dirty="0">
-                <a:solidFill>
-                  <a:srgbClr val="FF0000"/>
-                </a:solidFill>
-                <a:latin typeface="Candara" pitchFamily="34" charset="0"/>
-                <a:sym typeface="Symbol" pitchFamily="18" charset="2"/>
-              </a:rPr>
-              <a:t>x</a:t>
-            </a:r>
-            <a:r>
-              <a:rPr lang="en-US" altLang="zh-TW" sz="2800" b="1" i="1" dirty="0">
-                <a:solidFill>
-                  <a:srgbClr val="FF0000"/>
-                </a:solidFill>
-                <a:latin typeface="Candara" pitchFamily="34" charset="0"/>
-                <a:sym typeface="Symbol" pitchFamily="18" charset="2"/>
-              </a:rPr>
-              <a:t> n</a:t>
-            </a:r>
-            <a:r>
-              <a:rPr lang="en-US" altLang="zh-TW" sz="2800" b="1" baseline="30000" dirty="0">
-                <a:solidFill>
-                  <a:srgbClr val="FF0000"/>
-                </a:solidFill>
-                <a:latin typeface="Candara" pitchFamily="34" charset="0"/>
-                <a:sym typeface="Symbol" pitchFamily="18" charset="2"/>
-              </a:rPr>
-              <a:t>2</a:t>
-            </a:r>
-            <a:r>
-              <a:rPr lang="en-US" altLang="zh-TW" sz="2800" b="1" dirty="0">
-                <a:solidFill>
-                  <a:srgbClr val="FF0000"/>
-                </a:solidFill>
-                <a:latin typeface="Candara" pitchFamily="34" charset="0"/>
-                <a:sym typeface="Symbol" pitchFamily="18" charset="2"/>
-              </a:rPr>
-              <a:t>) operations to detect whether the system is in deadlocked state</a:t>
-            </a:r>
-            <a:endParaRPr lang="en-US" altLang="zh-TW" sz="2800" b="1" dirty="0">
-              <a:solidFill>
-                <a:srgbClr val="FF0000"/>
-              </a:solidFill>
-              <a:latin typeface="Candara" pitchFamily="34" charset="0"/>
-            </a:endParaRPr>
-          </a:p>
-          <a:p>
-            <a:pPr>
-              <a:spcBef>
-                <a:spcPct val="50000"/>
-              </a:spcBef>
-            </a:pPr>
-            <a:endParaRPr lang="en-US" altLang="zh-TW" sz="2800" b="1" dirty="0">
-              <a:solidFill>
-                <a:srgbClr val="FF0066"/>
-              </a:solidFill>
-              <a:latin typeface="Candara" pitchFamily="34" charset="0"/>
-            </a:endParaRPr>
-          </a:p>
-        </p:txBody>
-      </p:sp>
-    </p:spTree>
-  </p:cSld>
-  <p:clrMapOvr>
-    <a:masterClrMapping/>
-  </p:clrMapOvr>
-</p:sld>
-</file>
-
-<file path=ppt/slides/slide41.xml><?xml version="1.0" encoding="utf-8"?>
-<p:sld xmlns:a="http://schemas.openxmlformats.org/drawingml/2006/main" xmlns:r="http://schemas.openxmlformats.org/officeDocument/2006/relationships" xmlns:p="http://schemas.openxmlformats.org/presentationml/2006/main">
-  <p:cSld>
-    <p:spTree>
-      <p:nvGrpSpPr>
-        <p:cNvPr id="1" name=""/>
-        <p:cNvGrpSpPr/>
-        <p:nvPr/>
-      </p:nvGrpSpPr>
-      <p:grpSpPr>
-        <a:xfrm>
-          <a:off x="0" y="0"/>
-          <a:ext cx="0" cy="0"/>
-          <a:chOff x="0" y="0"/>
-          <a:chExt cx="0" cy="0"/>
-        </a:xfrm>
-      </p:grpSpPr>
-      <p:sp>
-        <p:nvSpPr>
           <p:cNvPr id="41986" name="Rectangle 2"/>
           <p:cNvSpPr>
             <a:spLocks noGrp="1" noChangeArrowheads="1"/>
@@ -23406,6 +23967,11 @@
               <a:rPr lang="en-US" altLang="zh-TW" sz="2400" dirty="0"/>
               <a:t>	  0 1 0               0 0 0 	         0 0 0</a:t>
             </a:r>
+            <a:r>
+              <a:rPr lang="zh-TW" altLang="en-US" sz="2400" dirty="0"/>
+              <a:t>代表目前都分配完</a:t>
+            </a:r>
+            <a:endParaRPr lang="en-US" altLang="zh-TW" sz="2400" dirty="0"/>
           </a:p>
           <a:p>
             <a:pPr>
@@ -23637,7 +24203,7 @@
 </p:sld>
 </file>
 
-<file path=ppt/slides/slide42.xml><?xml version="1.0" encoding="utf-8"?>
+<file path=ppt/slides/slide41.xml><?xml version="1.0" encoding="utf-8"?>
 <p:sld xmlns:a="http://schemas.openxmlformats.org/drawingml/2006/main" xmlns:r="http://schemas.openxmlformats.org/officeDocument/2006/relationships" xmlns:p="http://schemas.openxmlformats.org/presentationml/2006/main">
   <p:cSld>
     <p:spTree>
@@ -24280,7 +24846,7 @@
 </p:sld>
 </file>
 
-<file path=ppt/slides/slide43.xml><?xml version="1.0" encoding="utf-8"?>
+<file path=ppt/slides/slide42.xml><?xml version="1.0" encoding="utf-8"?>
 <p:sld xmlns:a="http://schemas.openxmlformats.org/drawingml/2006/main" xmlns:r="http://schemas.openxmlformats.org/officeDocument/2006/relationships" xmlns:p="http://schemas.openxmlformats.org/presentationml/2006/main">
   <p:cSld>
     <p:spTree>
@@ -24367,13 +24933,37 @@
                   <a:srgbClr val="FF0000"/>
                 </a:solidFill>
               </a:rPr>
-              <a:t>one for each disjoint cycle</a:t>
+              <a:t>one for each disjoint</a:t>
+            </a:r>
+            <a:r>
+              <a:rPr lang="zh-TW" altLang="en-US" sz="2800" dirty="0">
+                <a:solidFill>
+                  <a:srgbClr val="FF0000"/>
+                </a:solidFill>
+              </a:rPr>
+              <a:t>解體 破碎</a:t>
+            </a:r>
+            <a:r>
+              <a:rPr lang="en-US" altLang="zh-TW" sz="2800" dirty="0">
+                <a:solidFill>
+                  <a:srgbClr val="FF0000"/>
+                </a:solidFill>
+              </a:rPr>
+              <a:t> cycle</a:t>
             </a:r>
           </a:p>
           <a:p>
             <a:r>
               <a:rPr lang="en-US" altLang="zh-TW" sz="2800" dirty="0"/>
-              <a:t>If detection algorithm is invoked arbitrarily, there </a:t>
+              <a:t>If detection algorithm is invoked arbitrarily(</a:t>
+            </a:r>
+            <a:r>
+              <a:rPr lang="zh-TW" altLang="en-US" sz="2800" dirty="0"/>
+              <a:t>沒有頻繁檢查  任挑時間</a:t>
+            </a:r>
+            <a:r>
+              <a:rPr lang="en-US" altLang="zh-TW" sz="2800" dirty="0"/>
+              <a:t>), there </a:t>
             </a:r>
             <a:r>
               <a:rPr lang="en-US" altLang="zh-TW" sz="2800" dirty="0">
@@ -24682,7 +25272,7 @@
 </p:sld>
 </file>
 
-<file path=ppt/slides/slide44.xml><?xml version="1.0" encoding="utf-8"?>
+<file path=ppt/slides/slide43.xml><?xml version="1.0" encoding="utf-8"?>
 <p:sld xmlns:a="http://schemas.openxmlformats.org/drawingml/2006/main" xmlns:r="http://schemas.openxmlformats.org/officeDocument/2006/relationships" xmlns:p="http://schemas.openxmlformats.org/presentationml/2006/main">
   <p:cSld>
     <p:spTree>
@@ -24814,7 +25404,39 @@
             <a:pPr lvl="1"/>
             <a:r>
               <a:rPr lang="en-US" altLang="zh-TW" sz="2400" dirty="0"/>
-              <a:t>Is process interactive or batch?</a:t>
+              <a:t>Is process interactive(</a:t>
+            </a:r>
+            <a:r>
+              <a:rPr lang="zh-TW" altLang="en-US" sz="2400" dirty="0"/>
+              <a:t>花</a:t>
+            </a:r>
+            <a:r>
+              <a:rPr lang="en-US" altLang="zh-TW" sz="2400" dirty="0"/>
+              <a:t>IO</a:t>
+            </a:r>
+            <a:r>
+              <a:rPr lang="zh-TW" altLang="en-US" sz="2400" dirty="0"/>
+              <a:t>的</a:t>
+            </a:r>
+            <a:r>
+              <a:rPr lang="en-US" altLang="zh-TW" sz="2400" dirty="0"/>
+              <a:t>) or batch(</a:t>
+            </a:r>
+            <a:r>
+              <a:rPr lang="zh-TW" altLang="en-US" sz="2400" dirty="0"/>
+              <a:t>花</a:t>
+            </a:r>
+            <a:r>
+              <a:rPr lang="en-US" altLang="zh-TW" sz="2400" dirty="0"/>
+              <a:t>CPU</a:t>
+            </a:r>
+            <a:r>
+              <a:rPr lang="zh-TW" altLang="en-US" sz="2400" dirty="0"/>
+              <a:t>的</a:t>
+            </a:r>
+            <a:r>
+              <a:rPr lang="en-US" altLang="zh-TW" sz="2400" dirty="0"/>
+              <a:t>)?</a:t>
             </a:r>
           </a:p>
         </p:txBody>
@@ -25301,7 +25923,7 @@
 </p:sld>
 </file>
 
-<file path=ppt/slides/slide45.xml><?xml version="1.0" encoding="utf-8"?>
+<file path=ppt/slides/slide44.xml><?xml version="1.0" encoding="utf-8"?>
 <p:sld xmlns:a="http://schemas.openxmlformats.org/drawingml/2006/main" xmlns:r="http://schemas.openxmlformats.org/officeDocument/2006/relationships" xmlns:p="http://schemas.openxmlformats.org/presentationml/2006/main">
   <p:cSld>
     <p:spTree>
@@ -25330,7 +25952,7 @@
         </p:nvSpPr>
         <p:spPr>
           <a:xfrm>
-            <a:off x="204950" y="312738"/>
+            <a:off x="126863" y="838200"/>
             <a:ext cx="8890274" cy="457200"/>
           </a:xfrm>
         </p:spPr>
@@ -25351,6 +25973,26 @@
               </a:rPr>
               <a:t>Resource Preemption</a:t>
             </a:r>
+            <a:br>
+              <a:rPr lang="en-US" altLang="zh-TW" sz="3200" dirty="0">
+                <a:solidFill>
+                  <a:srgbClr val="FF0000"/>
+                </a:solidFill>
+              </a:rPr>
+            </a:br>
+            <a:r>
+              <a:rPr lang="zh-TW" altLang="en-US" sz="3200" dirty="0">
+                <a:solidFill>
+                  <a:srgbClr val="FF0000"/>
+                </a:solidFill>
+              </a:rPr>
+              <a:t>資源強制拿回來</a:t>
+            </a:r>
+            <a:endParaRPr lang="en-US" altLang="zh-TW" sz="3200" dirty="0">
+              <a:solidFill>
+                <a:srgbClr val="FF0000"/>
+              </a:solidFill>
+            </a:endParaRPr>
           </a:p>
         </p:txBody>
       </p:sp>
@@ -25366,7 +26008,7 @@
         </p:nvSpPr>
         <p:spPr>
           <a:xfrm>
-            <a:off x="696913" y="1079500"/>
+            <a:off x="592137" y="1717454"/>
             <a:ext cx="7959725" cy="4483100"/>
           </a:xfrm>
         </p:spPr>
@@ -25376,7 +26018,15 @@
           <a:p>
             <a:r>
               <a:rPr lang="en-US" altLang="zh-TW" sz="2800" dirty="0"/>
-              <a:t>Selecting a victim – minimize cost</a:t>
+              <a:t>Selecting a victim</a:t>
+            </a:r>
+            <a:r>
+              <a:rPr lang="zh-TW" altLang="en-US" sz="2800" dirty="0"/>
+              <a:t>先挑一個</a:t>
+            </a:r>
+            <a:r>
+              <a:rPr lang="en-US" altLang="zh-TW" sz="2800" dirty="0"/>
+              <a:t> – minimize cost</a:t>
             </a:r>
           </a:p>
           <a:p>
@@ -25384,6 +26034,11 @@
               <a:rPr lang="en-US" altLang="zh-TW" sz="2800" dirty="0"/>
               <a:t>Rollback</a:t>
             </a:r>
+            <a:r>
+              <a:rPr lang="zh-TW" altLang="en-US" sz="2800" dirty="0"/>
+              <a:t> 把它資源拿回來   重新啟動</a:t>
+            </a:r>
+            <a:endParaRPr lang="en-US" altLang="zh-TW" sz="2800" dirty="0"/>
           </a:p>
           <a:p>
             <a:pPr lvl="1"/>
@@ -25405,6 +26060,19 @@
               <a:rPr lang="en-US" altLang="zh-TW" sz="2800" dirty="0"/>
               <a:t>Starvation</a:t>
             </a:r>
+            <a:r>
+              <a:rPr lang="zh-TW" altLang="en-US" sz="2800" dirty="0"/>
+              <a:t>  一直挑同一個</a:t>
+            </a:r>
+            <a:r>
+              <a:rPr lang="en-US" altLang="zh-TW" sz="2800" dirty="0"/>
+              <a:t>p</a:t>
+            </a:r>
+            <a:r>
+              <a:rPr lang="zh-TW" altLang="en-US" sz="2800" dirty="0"/>
+              <a:t>來犧牲取回資源</a:t>
+            </a:r>
+            <a:endParaRPr lang="en-US" altLang="zh-TW" sz="2800" dirty="0"/>
           </a:p>
           <a:p>
             <a:pPr lvl="1"/>
@@ -25775,7 +26443,7 @@
 </p:sld>
 </file>
 
-<file path=ppt/slides/slide46.xml><?xml version="1.0" encoding="utf-8"?>
+<file path=ppt/slides/slide45.xml><?xml version="1.0" encoding="utf-8"?>
 <p:sld xmlns:a="http://schemas.openxmlformats.org/drawingml/2006/main" xmlns:r="http://schemas.openxmlformats.org/officeDocument/2006/relationships" xmlns:p="http://schemas.openxmlformats.org/presentationml/2006/main">
   <p:cSld>
     <p:spTree>
